--- a/ClassMaterials/SETechniques/Slides/SoftwareEngineeringTechniques.pptx
+++ b/ClassMaterials/SETechniques/Slides/SoftwareEngineeringTechniques.pptx
@@ -246,7 +246,7 @@
           <a:p>
             <a:fld id="{A470E182-4433-B944-AF35-723DFC7F8728}" type="datetimeFigureOut">
               <a:rPr lang="en-US" smtClean="0"/>
-              <a:t>3/26/2018</a:t>
+              <a:t>9/10/2018</a:t>
             </a:fld>
             <a:endParaRPr lang="en-US"/>
           </a:p>
@@ -411,7 +411,7 @@
           <a:p>
             <a:fld id="{C12EF212-CCF8-3B4F-9C5F-A87F03513D57}" type="datetimeFigureOut">
               <a:rPr lang="en-US" smtClean="0"/>
-              <a:t>3/26/2018</a:t>
+              <a:t>9/10/2018</a:t>
             </a:fld>
             <a:endParaRPr lang="en-US"/>
           </a:p>
@@ -475,38 +475,37 @@
           <a:p>
             <a:pPr lvl="0"/>
             <a:r>
-              <a:rPr lang="en-US" smtClean="0"/>
+              <a:rPr lang="en-US"/>
               <a:t>Click to edit Master text styles</a:t>
             </a:r>
           </a:p>
           <a:p>
             <a:pPr lvl="1"/>
             <a:r>
-              <a:rPr lang="en-US" smtClean="0"/>
+              <a:rPr lang="en-US"/>
               <a:t>Second level</a:t>
             </a:r>
           </a:p>
           <a:p>
             <a:pPr lvl="2"/>
             <a:r>
-              <a:rPr lang="en-US" smtClean="0"/>
+              <a:rPr lang="en-US"/>
               <a:t>Third level</a:t>
             </a:r>
           </a:p>
           <a:p>
             <a:pPr lvl="3"/>
             <a:r>
-              <a:rPr lang="en-US" smtClean="0"/>
+              <a:rPr lang="en-US"/>
               <a:t>Fourth level</a:t>
             </a:r>
           </a:p>
           <a:p>
             <a:pPr lvl="4"/>
             <a:r>
-              <a:rPr lang="en-US" smtClean="0"/>
+              <a:rPr lang="en-US"/>
               <a:t>Fifth level</a:t>
             </a:r>
-            <a:endParaRPr lang="en-US"/>
           </a:p>
         </p:txBody>
       </p:sp>
@@ -737,7 +736,7 @@
           <a:lstStyle/>
           <a:p>
             <a:r>
-              <a:rPr lang="en-US" dirty="0" smtClean="0"/>
+              <a:rPr lang="en-US" dirty="0"/>
               <a:t>For a future class</a:t>
             </a:r>
           </a:p>
@@ -827,11 +826,11 @@
           <a:lstStyle/>
           <a:p>
             <a:r>
-              <a:rPr lang="en-US" dirty="0" smtClean="0"/>
+              <a:rPr lang="en-US" dirty="0"/>
               <a:t>Briefly</a:t>
             </a:r>
             <a:r>
-              <a:rPr lang="en-US" baseline="0" dirty="0" smtClean="0"/>
+              <a:rPr lang="en-US" baseline="0" dirty="0"/>
               <a:t> show the website description and how points are awarded, especially making note of the reflection questions and sample output.</a:t>
             </a:r>
             <a:endParaRPr lang="en-US" dirty="0"/>
@@ -919,11 +918,11 @@
           <a:lstStyle/>
           <a:p>
             <a:r>
-              <a:rPr lang="en-US" dirty="0" smtClean="0"/>
+              <a:rPr lang="en-US" dirty="0"/>
               <a:t>I</a:t>
             </a:r>
             <a:r>
-              <a:rPr lang="en-US" baseline="0" dirty="0" smtClean="0"/>
+              <a:rPr lang="en-US" baseline="0" dirty="0"/>
               <a:t> am leaving this slide in in case there is time but I doubt there will be.</a:t>
             </a:r>
             <a:endParaRPr lang="en-US" dirty="0"/>
@@ -1011,269 +1010,269 @@
           <a:lstStyle/>
           <a:p>
             <a:r>
-              <a:rPr lang="en-US" dirty="0" smtClean="0"/>
+              <a:rPr lang="en-US" dirty="0"/>
               <a:t>@</a:t>
             </a:r>
             <a:r>
-              <a:rPr lang="en-US" dirty="0" err="1" smtClean="0"/>
+              <a:rPr lang="en-US" dirty="0" err="1"/>
               <a:t>startuml</a:t>
             </a:r>
-            <a:endParaRPr lang="en-US" dirty="0" smtClean="0"/>
-          </a:p>
-          <a:p>
-            <a:r>
-              <a:rPr lang="en-US" dirty="0" err="1" smtClean="0"/>
+            <a:endParaRPr lang="en-US" dirty="0"/>
+          </a:p>
+          <a:p>
+            <a:r>
+              <a:rPr lang="en-US" dirty="0" err="1"/>
               <a:t>skinparam</a:t>
             </a:r>
             <a:r>
-              <a:rPr lang="en-US" dirty="0" smtClean="0"/>
+              <a:rPr lang="en-US" dirty="0"/>
               <a:t> style </a:t>
             </a:r>
             <a:r>
-              <a:rPr lang="en-US" dirty="0" err="1" smtClean="0"/>
+              <a:rPr lang="en-US" dirty="0" err="1"/>
               <a:t>strictuml</a:t>
             </a:r>
-            <a:endParaRPr lang="en-US" dirty="0" smtClean="0"/>
-          </a:p>
-          <a:p>
-            <a:r>
-              <a:rPr lang="en-US" dirty="0" smtClean="0"/>
+            <a:endParaRPr lang="en-US" dirty="0"/>
+          </a:p>
+          <a:p>
+            <a:r>
+              <a:rPr lang="en-US" dirty="0"/>
               <a:t>class </a:t>
             </a:r>
             <a:r>
-              <a:rPr lang="en-US" dirty="0" err="1" smtClean="0"/>
+              <a:rPr lang="en-US" dirty="0" err="1"/>
               <a:t>FactoryMain</a:t>
             </a:r>
             <a:r>
-              <a:rPr lang="en-US" dirty="0" smtClean="0"/>
+              <a:rPr lang="en-US" dirty="0"/>
               <a:t> {</a:t>
             </a:r>
           </a:p>
           <a:p>
             <a:r>
-              <a:rPr lang="en-US" dirty="0" smtClean="0"/>
+              <a:rPr lang="en-US" dirty="0"/>
               <a:t>   </a:t>
             </a:r>
             <a:r>
-              <a:rPr lang="en-US" dirty="0" err="1" smtClean="0"/>
+              <a:rPr lang="en-US" dirty="0" err="1"/>
               <a:t>handleCreateOrder</a:t>
             </a:r>
             <a:r>
-              <a:rPr lang="en-US" dirty="0" smtClean="0"/>
+              <a:rPr lang="en-US" dirty="0"/>
               <a:t>(??)</a:t>
             </a:r>
           </a:p>
           <a:p>
             <a:r>
-              <a:rPr lang="en-US" dirty="0" smtClean="0"/>
+              <a:rPr lang="en-US" dirty="0"/>
               <a:t>   </a:t>
             </a:r>
             <a:r>
-              <a:rPr lang="en-US" dirty="0" err="1" smtClean="0"/>
+              <a:rPr lang="en-US" dirty="0" err="1"/>
               <a:t>handleCreateShipment</a:t>
             </a:r>
             <a:r>
-              <a:rPr lang="en-US" dirty="0" smtClean="0"/>
+              <a:rPr lang="en-US" dirty="0"/>
               <a:t>(??) </a:t>
             </a:r>
           </a:p>
           <a:p>
             <a:r>
-              <a:rPr lang="en-US" dirty="0" smtClean="0"/>
+              <a:rPr lang="en-US" dirty="0"/>
               <a:t>}</a:t>
             </a:r>
           </a:p>
           <a:p>
             <a:r>
-              <a:rPr lang="en-US" dirty="0" smtClean="0"/>
+              <a:rPr lang="en-US" dirty="0"/>
               <a:t>class Product {</a:t>
             </a:r>
           </a:p>
           <a:p>
             <a:r>
-              <a:rPr lang="en-US" dirty="0" smtClean="0"/>
+              <a:rPr lang="en-US" dirty="0"/>
               <a:t>id</a:t>
             </a:r>
           </a:p>
           <a:p>
             <a:r>
-              <a:rPr lang="en-US" dirty="0" smtClean="0"/>
+              <a:rPr lang="en-US" dirty="0"/>
               <a:t>description</a:t>
             </a:r>
           </a:p>
           <a:p>
             <a:r>
-              <a:rPr lang="en-US" dirty="0" smtClean="0"/>
+              <a:rPr lang="en-US" dirty="0"/>
               <a:t>price</a:t>
             </a:r>
           </a:p>
           <a:p>
             <a:r>
-              <a:rPr lang="en-US" dirty="0" err="1" smtClean="0"/>
+              <a:rPr lang="en-US" dirty="0" err="1"/>
               <a:t>factoryQuantity</a:t>
             </a:r>
-            <a:endParaRPr lang="en-US" dirty="0" smtClean="0"/>
-          </a:p>
-          <a:p>
-            <a:r>
-              <a:rPr lang="en-US" dirty="0" smtClean="0"/>
+            <a:endParaRPr lang="en-US" dirty="0"/>
+          </a:p>
+          <a:p>
+            <a:r>
+              <a:rPr lang="en-US" dirty="0"/>
               <a:t>}</a:t>
             </a:r>
           </a:p>
           <a:p>
-            <a:endParaRPr lang="en-US" dirty="0" smtClean="0"/>
-          </a:p>
-          <a:p>
-            <a:r>
-              <a:rPr lang="en-US" dirty="0" smtClean="0"/>
+            <a:endParaRPr lang="en-US" dirty="0"/>
+          </a:p>
+          <a:p>
+            <a:r>
+              <a:rPr lang="en-US" dirty="0"/>
               <a:t>class Order {</a:t>
             </a:r>
           </a:p>
           <a:p>
             <a:r>
-              <a:rPr lang="en-US" dirty="0" smtClean="0"/>
+              <a:rPr lang="en-US" dirty="0"/>
               <a:t>  name</a:t>
             </a:r>
           </a:p>
           <a:p>
             <a:r>
-              <a:rPr lang="en-US" dirty="0" smtClean="0"/>
+              <a:rPr lang="en-US" dirty="0"/>
               <a:t>  address</a:t>
             </a:r>
           </a:p>
           <a:p>
             <a:r>
-              <a:rPr lang="en-US" dirty="0" smtClean="0"/>
+              <a:rPr lang="en-US" dirty="0"/>
               <a:t>  phone</a:t>
             </a:r>
           </a:p>
           <a:p>
             <a:r>
-              <a:rPr lang="en-US" dirty="0" smtClean="0"/>
+              <a:rPr lang="en-US" dirty="0"/>
               <a:t>}</a:t>
             </a:r>
           </a:p>
           <a:p>
-            <a:endParaRPr lang="en-US" dirty="0" smtClean="0"/>
-          </a:p>
-          <a:p>
-            <a:r>
-              <a:rPr lang="en-US" dirty="0" smtClean="0"/>
+            <a:endParaRPr lang="en-US" dirty="0"/>
+          </a:p>
+          <a:p>
+            <a:r>
+              <a:rPr lang="en-US" dirty="0"/>
               <a:t>class </a:t>
             </a:r>
             <a:r>
-              <a:rPr lang="en-US" dirty="0" err="1" smtClean="0"/>
+              <a:rPr lang="en-US" dirty="0" err="1"/>
               <a:t>ProductOrder</a:t>
             </a:r>
             <a:r>
-              <a:rPr lang="en-US" dirty="0" smtClean="0"/>
+              <a:rPr lang="en-US" dirty="0"/>
               <a:t> {</a:t>
             </a:r>
           </a:p>
           <a:p>
             <a:r>
-              <a:rPr lang="en-US" dirty="0" smtClean="0"/>
+              <a:rPr lang="en-US" dirty="0"/>
               <a:t>quantity</a:t>
             </a:r>
           </a:p>
           <a:p>
             <a:r>
-              <a:rPr lang="en-US" dirty="0" smtClean="0"/>
+              <a:rPr lang="en-US" dirty="0"/>
               <a:t>}</a:t>
             </a:r>
           </a:p>
           <a:p>
-            <a:endParaRPr lang="en-US" dirty="0" smtClean="0"/>
-          </a:p>
-          <a:p>
-            <a:r>
-              <a:rPr lang="en-US" dirty="0" smtClean="0"/>
+            <a:endParaRPr lang="en-US" dirty="0"/>
+          </a:p>
+          <a:p>
+            <a:r>
+              <a:rPr lang="en-US" dirty="0"/>
               <a:t>class Shipment {</a:t>
             </a:r>
           </a:p>
           <a:p>
             <a:r>
-              <a:rPr lang="en-US" dirty="0" smtClean="0"/>
+              <a:rPr lang="en-US" dirty="0"/>
               <a:t>  date</a:t>
             </a:r>
           </a:p>
           <a:p>
-            <a:endParaRPr lang="en-US" dirty="0" smtClean="0"/>
-          </a:p>
-          <a:p>
-            <a:r>
-              <a:rPr lang="en-US" dirty="0" smtClean="0"/>
+            <a:endParaRPr lang="en-US" dirty="0"/>
+          </a:p>
+          <a:p>
+            <a:r>
+              <a:rPr lang="en-US" dirty="0"/>
               <a:t>}</a:t>
             </a:r>
           </a:p>
           <a:p>
-            <a:endParaRPr lang="en-US" dirty="0" smtClean="0"/>
-          </a:p>
-          <a:p>
-            <a:r>
-              <a:rPr lang="en-US" dirty="0" err="1" smtClean="0"/>
+            <a:endParaRPr lang="en-US" dirty="0"/>
+          </a:p>
+          <a:p>
+            <a:r>
+              <a:rPr lang="en-US" dirty="0" err="1"/>
               <a:t>FactoryMain</a:t>
             </a:r>
             <a:r>
-              <a:rPr lang="en-US" dirty="0" smtClean="0"/>
+              <a:rPr lang="en-US" dirty="0"/>
               <a:t> --&gt; "*" Product</a:t>
             </a:r>
           </a:p>
           <a:p>
             <a:r>
-              <a:rPr lang="en-US" dirty="0" err="1" smtClean="0"/>
+              <a:rPr lang="en-US" dirty="0" err="1"/>
               <a:t>FactoryMain</a:t>
             </a:r>
             <a:r>
-              <a:rPr lang="en-US" dirty="0" smtClean="0"/>
+              <a:rPr lang="en-US" dirty="0"/>
               <a:t> --&gt; "*" Order</a:t>
             </a:r>
           </a:p>
           <a:p>
             <a:r>
-              <a:rPr lang="en-US" dirty="0" smtClean="0"/>
+              <a:rPr lang="en-US" dirty="0"/>
               <a:t>Order -&gt; "*" </a:t>
             </a:r>
             <a:r>
-              <a:rPr lang="en-US" dirty="0" err="1" smtClean="0"/>
+              <a:rPr lang="en-US" dirty="0" err="1"/>
               <a:t>ProductOrder</a:t>
             </a:r>
-            <a:endParaRPr lang="en-US" dirty="0" smtClean="0"/>
-          </a:p>
-          <a:p>
-            <a:r>
-              <a:rPr lang="en-US" dirty="0" smtClean="0"/>
+            <a:endParaRPr lang="en-US" dirty="0"/>
+          </a:p>
+          <a:p>
+            <a:r>
+              <a:rPr lang="en-US" dirty="0"/>
               <a:t>Order --&gt; "*" Shipment</a:t>
             </a:r>
           </a:p>
           <a:p>
             <a:r>
-              <a:rPr lang="en-US" dirty="0" err="1" smtClean="0"/>
+              <a:rPr lang="en-US" dirty="0" err="1"/>
               <a:t>ProductOrder</a:t>
             </a:r>
             <a:r>
-              <a:rPr lang="en-US" dirty="0" smtClean="0"/>
+              <a:rPr lang="en-US" dirty="0"/>
               <a:t> -&gt; Product</a:t>
             </a:r>
           </a:p>
           <a:p>
             <a:r>
-              <a:rPr lang="en-US" dirty="0" smtClean="0"/>
+              <a:rPr lang="en-US" dirty="0"/>
               <a:t>Shipment -&gt; "*" </a:t>
             </a:r>
             <a:r>
-              <a:rPr lang="en-US" dirty="0" err="1" smtClean="0"/>
+              <a:rPr lang="en-US" dirty="0" err="1"/>
               <a:t>ProductOrder</a:t>
             </a:r>
-            <a:endParaRPr lang="en-US" dirty="0" smtClean="0"/>
-          </a:p>
-          <a:p>
-            <a:r>
-              <a:rPr lang="en-US" dirty="0" smtClean="0"/>
+            <a:endParaRPr lang="en-US" dirty="0"/>
+          </a:p>
+          <a:p>
+            <a:r>
+              <a:rPr lang="en-US" dirty="0"/>
               <a:t>@</a:t>
             </a:r>
             <a:r>
-              <a:rPr lang="en-US" dirty="0" err="1" smtClean="0"/>
+              <a:rPr lang="en-US" dirty="0" err="1"/>
               <a:t>enduml</a:t>
             </a:r>
             <a:endParaRPr lang="en-US" dirty="0"/>
@@ -1361,141 +1360,141 @@
           <a:lstStyle/>
           <a:p>
             <a:r>
-              <a:rPr lang="en-US" dirty="0" smtClean="0"/>
+              <a:rPr lang="en-US" dirty="0"/>
               <a:t>@</a:t>
             </a:r>
             <a:r>
-              <a:rPr lang="en-US" dirty="0" err="1" smtClean="0"/>
+              <a:rPr lang="en-US" dirty="0" err="1"/>
               <a:t>startuml</a:t>
             </a:r>
-            <a:endParaRPr lang="en-US" dirty="0" smtClean="0"/>
-          </a:p>
-          <a:p>
-            <a:r>
-              <a:rPr lang="en-US" dirty="0" err="1" smtClean="0"/>
+            <a:endParaRPr lang="en-US" dirty="0"/>
+          </a:p>
+          <a:p>
+            <a:r>
+              <a:rPr lang="en-US" dirty="0" err="1"/>
               <a:t>skinparam</a:t>
             </a:r>
             <a:r>
-              <a:rPr lang="en-US" dirty="0" smtClean="0"/>
+              <a:rPr lang="en-US" dirty="0"/>
               <a:t> style </a:t>
             </a:r>
             <a:r>
-              <a:rPr lang="en-US" dirty="0" err="1" smtClean="0"/>
+              <a:rPr lang="en-US" dirty="0" err="1"/>
               <a:t>strictuml</a:t>
             </a:r>
-            <a:endParaRPr lang="en-US" dirty="0" smtClean="0"/>
-          </a:p>
-          <a:p>
-            <a:r>
-              <a:rPr lang="en-US" dirty="0" smtClean="0"/>
+            <a:endParaRPr lang="en-US" dirty="0"/>
+          </a:p>
+          <a:p>
+            <a:r>
+              <a:rPr lang="en-US" dirty="0"/>
               <a:t>class Main {</a:t>
             </a:r>
           </a:p>
           <a:p>
             <a:r>
-              <a:rPr lang="en-US" dirty="0" smtClean="0"/>
+              <a:rPr lang="en-US" dirty="0"/>
               <a:t>Main()</a:t>
             </a:r>
           </a:p>
           <a:p>
             <a:r>
-              <a:rPr lang="en-US" dirty="0" smtClean="0"/>
+              <a:rPr lang="en-US" dirty="0"/>
               <a:t>setAllBValuesTo3()</a:t>
             </a:r>
           </a:p>
           <a:p>
             <a:r>
-              <a:rPr lang="en-US" dirty="0" smtClean="0"/>
+              <a:rPr lang="en-US" dirty="0"/>
               <a:t>}</a:t>
             </a:r>
           </a:p>
           <a:p>
             <a:r>
-              <a:rPr lang="en-US" dirty="0" smtClean="0"/>
+              <a:rPr lang="en-US" dirty="0"/>
               <a:t>class A{</a:t>
             </a:r>
           </a:p>
           <a:p>
             <a:r>
-              <a:rPr lang="en-US" dirty="0" smtClean="0"/>
+              <a:rPr lang="en-US" dirty="0"/>
               <a:t>name</a:t>
             </a:r>
           </a:p>
           <a:p>
             <a:r>
-              <a:rPr lang="en-US" dirty="0" smtClean="0"/>
+              <a:rPr lang="en-US" dirty="0"/>
               <a:t>A( name )</a:t>
             </a:r>
           </a:p>
           <a:p>
             <a:r>
-              <a:rPr lang="en-US" dirty="0" err="1" smtClean="0"/>
+              <a:rPr lang="en-US" dirty="0" err="1"/>
               <a:t>setBValue</a:t>
             </a:r>
             <a:r>
-              <a:rPr lang="en-US" dirty="0" smtClean="0"/>
+              <a:rPr lang="en-US" dirty="0"/>
               <a:t>( value)</a:t>
             </a:r>
           </a:p>
           <a:p>
             <a:r>
-              <a:rPr lang="en-US" dirty="0" smtClean="0"/>
+              <a:rPr lang="en-US" dirty="0"/>
               <a:t>}</a:t>
             </a:r>
           </a:p>
           <a:p>
             <a:r>
-              <a:rPr lang="en-US" dirty="0" smtClean="0"/>
+              <a:rPr lang="en-US" dirty="0"/>
               <a:t>class B{</a:t>
             </a:r>
           </a:p>
           <a:p>
             <a:r>
-              <a:rPr lang="en-US" dirty="0" smtClean="0"/>
+              <a:rPr lang="en-US" dirty="0"/>
               <a:t>count</a:t>
             </a:r>
           </a:p>
           <a:p>
             <a:r>
-              <a:rPr lang="en-US" dirty="0" smtClean="0"/>
+              <a:rPr lang="en-US" dirty="0"/>
               <a:t>B()</a:t>
             </a:r>
           </a:p>
           <a:p>
             <a:r>
-              <a:rPr lang="en-US" dirty="0" err="1" smtClean="0"/>
+              <a:rPr lang="en-US" dirty="0" err="1"/>
               <a:t>setValue</a:t>
             </a:r>
             <a:r>
-              <a:rPr lang="en-US" dirty="0" smtClean="0"/>
+              <a:rPr lang="en-US" dirty="0"/>
               <a:t>( value )</a:t>
             </a:r>
           </a:p>
           <a:p>
             <a:r>
-              <a:rPr lang="en-US" dirty="0" smtClean="0"/>
+              <a:rPr lang="en-US" dirty="0"/>
               <a:t>}</a:t>
             </a:r>
           </a:p>
           <a:p>
             <a:r>
-              <a:rPr lang="en-US" dirty="0" smtClean="0"/>
+              <a:rPr lang="en-US" dirty="0"/>
               <a:t>Main -&gt; "*" A</a:t>
             </a:r>
           </a:p>
           <a:p>
             <a:r>
-              <a:rPr lang="en-US" dirty="0" smtClean="0"/>
+              <a:rPr lang="en-US" dirty="0"/>
               <a:t>A-&gt;  B</a:t>
             </a:r>
           </a:p>
           <a:p>
             <a:r>
-              <a:rPr lang="en-US" dirty="0" smtClean="0"/>
+              <a:rPr lang="en-US" dirty="0"/>
               <a:t>@</a:t>
             </a:r>
             <a:r>
-              <a:rPr lang="en-US" dirty="0" err="1" smtClean="0"/>
+              <a:rPr lang="en-US" dirty="0" err="1"/>
               <a:t>enduml</a:t>
             </a:r>
             <a:endParaRPr lang="en-US" dirty="0"/>
@@ -1583,11 +1582,11 @@
           <a:lstStyle/>
           <a:p>
             <a:r>
-              <a:rPr lang="en-US" dirty="0" smtClean="0"/>
+              <a:rPr lang="en-US" dirty="0"/>
               <a:t>Maybe</a:t>
             </a:r>
             <a:r>
-              <a:rPr lang="en-US" baseline="0" dirty="0" smtClean="0"/>
+              <a:rPr lang="en-US" baseline="0" dirty="0"/>
               <a:t> mention in passing there are other design approaches that divide things differently, but we’ll be focusing on OO in this course</a:t>
             </a:r>
             <a:endParaRPr lang="en-US" dirty="0"/>
@@ -1675,11 +1674,11 @@
           <a:lstStyle/>
           <a:p>
             <a:r>
-              <a:rPr lang="en-US" dirty="0" smtClean="0"/>
+              <a:rPr lang="en-US" dirty="0"/>
               <a:t>Maybe</a:t>
             </a:r>
             <a:r>
-              <a:rPr lang="en-US" baseline="0" dirty="0" smtClean="0"/>
+              <a:rPr lang="en-US" baseline="0" dirty="0"/>
               <a:t> mention in passing there are other design approaches that divide things differently, but we’ll be focusing on OO in this course</a:t>
             </a:r>
             <a:endParaRPr lang="en-US" dirty="0"/>
@@ -1767,10 +1766,9 @@
           <a:lstStyle/>
           <a:p>
             <a:r>
-              <a:rPr lang="en-US" dirty="0" smtClean="0"/>
+              <a:rPr lang="en-US" dirty="0"/>
               <a:t>Don’t spend too long here</a:t>
             </a:r>
-            <a:endParaRPr lang="en-US" dirty="0"/>
           </a:p>
         </p:txBody>
       </p:sp>
@@ -1855,264 +1853,264 @@
           <a:lstStyle/>
           <a:p>
             <a:r>
-              <a:rPr lang="en-US" dirty="0" smtClean="0"/>
+              <a:rPr lang="en-US" dirty="0"/>
               <a:t>@</a:t>
             </a:r>
             <a:r>
-              <a:rPr lang="en-US" dirty="0" err="1" smtClean="0"/>
+              <a:rPr lang="en-US" dirty="0" err="1"/>
               <a:t>startuml</a:t>
             </a:r>
-            <a:endParaRPr lang="en-US" dirty="0" smtClean="0"/>
-          </a:p>
-          <a:p>
-            <a:r>
-              <a:rPr lang="en-US" dirty="0" err="1" smtClean="0"/>
+            <a:endParaRPr lang="en-US" dirty="0"/>
+          </a:p>
+          <a:p>
+            <a:r>
+              <a:rPr lang="en-US" dirty="0" err="1"/>
               <a:t>skinparam</a:t>
             </a:r>
             <a:r>
-              <a:rPr lang="en-US" dirty="0" smtClean="0"/>
+              <a:rPr lang="en-US" dirty="0"/>
               <a:t> style </a:t>
             </a:r>
             <a:r>
-              <a:rPr lang="en-US" dirty="0" err="1" smtClean="0"/>
+              <a:rPr lang="en-US" dirty="0" err="1"/>
               <a:t>strictuml</a:t>
             </a:r>
-            <a:endParaRPr lang="en-US" dirty="0" smtClean="0"/>
-          </a:p>
-          <a:p>
-            <a:endParaRPr lang="en-US" dirty="0" smtClean="0"/>
-          </a:p>
-          <a:p>
-            <a:r>
-              <a:rPr lang="en-US" dirty="0" smtClean="0"/>
+            <a:endParaRPr lang="en-US" dirty="0"/>
+          </a:p>
+          <a:p>
+            <a:endParaRPr lang="en-US" dirty="0"/>
+          </a:p>
+          <a:p>
+            <a:r>
+              <a:rPr lang="en-US" dirty="0"/>
               <a:t>class Book {</a:t>
             </a:r>
           </a:p>
           <a:p>
             <a:r>
-              <a:rPr lang="en-US" dirty="0" smtClean="0"/>
+              <a:rPr lang="en-US" dirty="0"/>
               <a:t>   name</a:t>
             </a:r>
           </a:p>
           <a:p>
             <a:r>
-              <a:rPr lang="en-US" dirty="0" smtClean="0"/>
+              <a:rPr lang="en-US" dirty="0"/>
               <a:t>   author</a:t>
             </a:r>
           </a:p>
           <a:p>
             <a:r>
-              <a:rPr lang="en-US" dirty="0" smtClean="0"/>
+              <a:rPr lang="en-US" dirty="0"/>
               <a:t>   </a:t>
             </a:r>
             <a:r>
-              <a:rPr lang="en-US" dirty="0" err="1" smtClean="0"/>
+              <a:rPr lang="en-US" dirty="0" err="1"/>
               <a:t>printReport</a:t>
             </a:r>
             <a:r>
-              <a:rPr lang="en-US" dirty="0" smtClean="0"/>
+              <a:rPr lang="en-US" dirty="0"/>
               <a:t>()</a:t>
             </a:r>
           </a:p>
           <a:p>
             <a:r>
-              <a:rPr lang="en-US" dirty="0" smtClean="0"/>
+              <a:rPr lang="en-US" dirty="0"/>
               <a:t>   </a:t>
             </a:r>
             <a:r>
-              <a:rPr lang="en-US" dirty="0" err="1" smtClean="0"/>
+              <a:rPr lang="en-US" dirty="0" err="1"/>
               <a:t>addKid</a:t>
             </a:r>
             <a:r>
-              <a:rPr lang="en-US" dirty="0" smtClean="0"/>
+              <a:rPr lang="en-US" dirty="0"/>
               <a:t>(kid)</a:t>
             </a:r>
           </a:p>
           <a:p>
             <a:r>
-              <a:rPr lang="en-US" dirty="0" smtClean="0"/>
+              <a:rPr lang="en-US" dirty="0"/>
               <a:t>}</a:t>
             </a:r>
           </a:p>
           <a:p>
             <a:r>
-              <a:rPr lang="en-US" dirty="0" smtClean="0"/>
+              <a:rPr lang="en-US" dirty="0"/>
               <a:t>class Kid {</a:t>
             </a:r>
           </a:p>
           <a:p>
             <a:r>
-              <a:rPr lang="en-US" dirty="0" smtClean="0"/>
+              <a:rPr lang="en-US" dirty="0"/>
               <a:t>   name</a:t>
             </a:r>
           </a:p>
           <a:p>
             <a:r>
-              <a:rPr lang="en-US" dirty="0" smtClean="0"/>
+              <a:rPr lang="en-US" dirty="0"/>
               <a:t>   </a:t>
             </a:r>
             <a:r>
-              <a:rPr lang="en-US" dirty="0" err="1" smtClean="0"/>
+              <a:rPr lang="en-US" dirty="0" err="1"/>
               <a:t>gradeLevel</a:t>
             </a:r>
-            <a:endParaRPr lang="en-US" dirty="0" smtClean="0"/>
-          </a:p>
-          <a:p>
-            <a:r>
-              <a:rPr lang="en-US" dirty="0" smtClean="0"/>
+            <a:endParaRPr lang="en-US" dirty="0"/>
+          </a:p>
+          <a:p>
+            <a:r>
+              <a:rPr lang="en-US" dirty="0"/>
               <a:t>   </a:t>
             </a:r>
             <a:r>
-              <a:rPr lang="en-US" dirty="0" err="1" smtClean="0"/>
+              <a:rPr lang="en-US" dirty="0" err="1"/>
               <a:t>printReport</a:t>
             </a:r>
             <a:r>
-              <a:rPr lang="en-US" dirty="0" smtClean="0"/>
+              <a:rPr lang="en-US" dirty="0"/>
               <a:t>()</a:t>
             </a:r>
           </a:p>
           <a:p>
             <a:r>
-              <a:rPr lang="en-US" dirty="0" smtClean="0"/>
+              <a:rPr lang="en-US" dirty="0"/>
               <a:t>   </a:t>
             </a:r>
             <a:r>
-              <a:rPr lang="en-US" dirty="0" err="1" smtClean="0"/>
+              <a:rPr lang="en-US" dirty="0" err="1"/>
               <a:t>addBook</a:t>
             </a:r>
             <a:r>
-              <a:rPr lang="en-US" dirty="0" smtClean="0"/>
+              <a:rPr lang="en-US" dirty="0"/>
               <a:t>(book)</a:t>
             </a:r>
           </a:p>
           <a:p>
             <a:r>
-              <a:rPr lang="en-US" dirty="0" smtClean="0"/>
+              <a:rPr lang="en-US" dirty="0"/>
               <a:t>}</a:t>
             </a:r>
           </a:p>
           <a:p>
-            <a:endParaRPr lang="en-US" dirty="0" smtClean="0"/>
-          </a:p>
-          <a:p>
-            <a:r>
-              <a:rPr lang="en-US" dirty="0" smtClean="0"/>
+            <a:endParaRPr lang="en-US" dirty="0"/>
+          </a:p>
+          <a:p>
+            <a:r>
+              <a:rPr lang="en-US" dirty="0"/>
               <a:t>class </a:t>
             </a:r>
             <a:r>
-              <a:rPr lang="en-US" dirty="0" err="1" smtClean="0"/>
+              <a:rPr lang="en-US" dirty="0" err="1"/>
               <a:t>BookMain</a:t>
             </a:r>
             <a:r>
-              <a:rPr lang="en-US" dirty="0" smtClean="0"/>
+              <a:rPr lang="en-US" dirty="0"/>
               <a:t> {</a:t>
             </a:r>
           </a:p>
           <a:p>
             <a:r>
-              <a:rPr lang="en-US" dirty="0" smtClean="0"/>
+              <a:rPr lang="en-US" dirty="0"/>
               <a:t>   </a:t>
             </a:r>
             <a:r>
-              <a:rPr lang="en-US" dirty="0" err="1" smtClean="0"/>
+              <a:rPr lang="en-US" dirty="0" err="1"/>
               <a:t>handleNewReading</a:t>
             </a:r>
             <a:r>
-              <a:rPr lang="en-US" dirty="0" smtClean="0"/>
+              <a:rPr lang="en-US" dirty="0"/>
               <a:t>(</a:t>
             </a:r>
             <a:r>
-              <a:rPr lang="en-US" dirty="0" err="1" smtClean="0"/>
+              <a:rPr lang="en-US" dirty="0" err="1"/>
               <a:t>bookname,kidname</a:t>
             </a:r>
             <a:r>
-              <a:rPr lang="en-US" dirty="0" smtClean="0"/>
+              <a:rPr lang="en-US" dirty="0"/>
               <a:t>)</a:t>
             </a:r>
           </a:p>
           <a:p>
             <a:r>
-              <a:rPr lang="en-US" dirty="0" smtClean="0"/>
+              <a:rPr lang="en-US" dirty="0"/>
               <a:t>   </a:t>
             </a:r>
             <a:r>
-              <a:rPr lang="en-US" dirty="0" err="1" smtClean="0"/>
+              <a:rPr lang="en-US" dirty="0" err="1"/>
               <a:t>printReportForBook</a:t>
             </a:r>
             <a:r>
-              <a:rPr lang="en-US" dirty="0" smtClean="0"/>
+              <a:rPr lang="en-US" dirty="0"/>
               <a:t>(</a:t>
             </a:r>
             <a:r>
-              <a:rPr lang="en-US" dirty="0" err="1" smtClean="0"/>
+              <a:rPr lang="en-US" dirty="0" err="1"/>
               <a:t>bookname</a:t>
             </a:r>
             <a:r>
-              <a:rPr lang="en-US" dirty="0" smtClean="0"/>
+              <a:rPr lang="en-US" dirty="0"/>
               <a:t>)</a:t>
             </a:r>
           </a:p>
           <a:p>
             <a:r>
-              <a:rPr lang="en-US" dirty="0" smtClean="0"/>
+              <a:rPr lang="en-US" dirty="0"/>
               <a:t>   </a:t>
             </a:r>
             <a:r>
-              <a:rPr lang="en-US" dirty="0" err="1" smtClean="0"/>
+              <a:rPr lang="en-US" dirty="0" err="1"/>
               <a:t>printReportForKid</a:t>
             </a:r>
             <a:r>
-              <a:rPr lang="en-US" dirty="0" smtClean="0"/>
+              <a:rPr lang="en-US" dirty="0"/>
               <a:t>(</a:t>
             </a:r>
             <a:r>
-              <a:rPr lang="en-US" dirty="0" err="1" smtClean="0"/>
+              <a:rPr lang="en-US" dirty="0" err="1"/>
               <a:t>kidname</a:t>
             </a:r>
             <a:r>
-              <a:rPr lang="en-US" dirty="0" smtClean="0"/>
+              <a:rPr lang="en-US" dirty="0"/>
               <a:t>)</a:t>
             </a:r>
           </a:p>
           <a:p>
             <a:r>
-              <a:rPr lang="en-US" dirty="0" smtClean="0"/>
+              <a:rPr lang="en-US" dirty="0"/>
               <a:t>}</a:t>
             </a:r>
           </a:p>
           <a:p>
             <a:r>
-              <a:rPr lang="en-US" dirty="0" smtClean="0"/>
+              <a:rPr lang="en-US" dirty="0"/>
               <a:t>Kid "*" &lt;-&gt; "*" Book</a:t>
             </a:r>
           </a:p>
           <a:p>
             <a:r>
-              <a:rPr lang="en-US" dirty="0" err="1" smtClean="0"/>
+              <a:rPr lang="en-US" dirty="0" err="1"/>
               <a:t>BookMain</a:t>
             </a:r>
             <a:r>
-              <a:rPr lang="en-US" dirty="0" smtClean="0"/>
+              <a:rPr lang="en-US" dirty="0"/>
               <a:t> -&gt; "*" Book</a:t>
             </a:r>
           </a:p>
           <a:p>
             <a:r>
-              <a:rPr lang="en-US" dirty="0" err="1" smtClean="0"/>
+              <a:rPr lang="en-US" dirty="0" err="1"/>
               <a:t>BookMain</a:t>
             </a:r>
             <a:r>
-              <a:rPr lang="en-US" dirty="0" smtClean="0"/>
+              <a:rPr lang="en-US" dirty="0"/>
               <a:t> -&gt; "*" Kid</a:t>
             </a:r>
           </a:p>
           <a:p>
             <a:r>
-              <a:rPr lang="en-US" dirty="0" smtClean="0"/>
+              <a:rPr lang="en-US" dirty="0"/>
               <a:t>@</a:t>
             </a:r>
             <a:r>
-              <a:rPr lang="en-US" dirty="0" err="1" smtClean="0"/>
+              <a:rPr lang="en-US" dirty="0" err="1"/>
               <a:t>enduml</a:t>
             </a:r>
             <a:endParaRPr lang="en-US" dirty="0"/>
@@ -2203,11 +2201,11 @@
               <a:buAutoNum type="alphaUcPeriod"/>
             </a:pPr>
             <a:r>
-              <a:rPr lang="en-US" dirty="0" smtClean="0"/>
+              <a:rPr lang="en-US" dirty="0"/>
               <a:t>Each</a:t>
             </a:r>
             <a:r>
-              <a:rPr lang="en-US" baseline="0" dirty="0" smtClean="0"/>
+              <a:rPr lang="en-US" baseline="0" dirty="0"/>
               <a:t> kid now only has 1 book</a:t>
             </a:r>
           </a:p>
@@ -2216,7 +2214,7 @@
               <a:buAutoNum type="alphaUcPeriod"/>
             </a:pPr>
             <a:r>
-              <a:rPr lang="en-US" baseline="0" dirty="0" smtClean="0"/>
+              <a:rPr lang="en-US" baseline="0" dirty="0"/>
               <a:t>There is no (sane) way to lookup a book to either lookup a book to add to a kid or print a report</a:t>
             </a:r>
             <a:endParaRPr lang="en-US" dirty="0"/>
@@ -2304,11 +2302,11 @@
           <a:lstStyle/>
           <a:p>
             <a:r>
-              <a:rPr lang="en-US" dirty="0" smtClean="0"/>
+              <a:rPr lang="en-US" dirty="0"/>
               <a:t>Note for 1a – obviously you try to use nouns</a:t>
             </a:r>
             <a:r>
-              <a:rPr lang="en-US" baseline="0" dirty="0" smtClean="0"/>
+              <a:rPr lang="en-US" baseline="0" dirty="0"/>
               <a:t> from the description.  But its not required</a:t>
             </a:r>
             <a:endParaRPr lang="en-US" dirty="0"/>
@@ -2396,17 +2394,17 @@
           <a:lstStyle/>
           <a:p>
             <a:r>
-              <a:rPr lang="en-US" dirty="0" smtClean="0"/>
+              <a:rPr lang="en-US" dirty="0"/>
               <a:t>Since</a:t>
             </a:r>
             <a:r>
-              <a:rPr lang="en-US" baseline="0" dirty="0" smtClean="0"/>
+              <a:rPr lang="en-US" baseline="0" dirty="0"/>
               <a:t> UML is meant to be a simple way to communicate, we often omit simple methods like getters and setters.</a:t>
             </a:r>
           </a:p>
           <a:p>
             <a:r>
-              <a:rPr lang="en-US" baseline="0" dirty="0" smtClean="0"/>
+              <a:rPr lang="en-US" baseline="0" dirty="0"/>
               <a:t>If we want you to show all methods, we will tell you to do so</a:t>
             </a:r>
             <a:endParaRPr lang="en-US" dirty="0"/>
@@ -2491,10 +2489,9 @@
           </a:lstStyle>
           <a:p>
             <a:r>
-              <a:rPr lang="en-US" smtClean="0"/>
+              <a:rPr lang="en-US"/>
               <a:t>Click to edit Master title style</a:t>
             </a:r>
-            <a:endParaRPr lang="en-US"/>
           </a:p>
         </p:txBody>
       </p:sp>
@@ -2556,10 +2553,9 @@
           </a:lstStyle>
           <a:p>
             <a:r>
-              <a:rPr lang="en-US" smtClean="0"/>
+              <a:rPr lang="en-US"/>
               <a:t>Click to edit Master subtitle style</a:t>
             </a:r>
-            <a:endParaRPr lang="en-US"/>
           </a:p>
         </p:txBody>
       </p:sp>
@@ -2586,7 +2582,7 @@
               <a:pPr>
                 <a:defRPr/>
               </a:pPr>
-              <a:t>Monday, March 26, 2018</a:t>
+              <a:t>Monday, September 10, 2018</a:t>
             </a:fld>
             <a:endParaRPr lang="en-US" dirty="0"/>
           </a:p>
@@ -2695,10 +2691,9 @@
           <a:lstStyle/>
           <a:p>
             <a:r>
-              <a:rPr lang="en-US" smtClean="0"/>
+              <a:rPr lang="en-US"/>
               <a:t>Click to edit Master title style</a:t>
             </a:r>
-            <a:endParaRPr lang="en-US"/>
           </a:p>
         </p:txBody>
       </p:sp>
@@ -2719,38 +2714,37 @@
           <a:p>
             <a:pPr lvl="0"/>
             <a:r>
-              <a:rPr lang="en-US" smtClean="0"/>
+              <a:rPr lang="en-US"/>
               <a:t>Edit Master text styles</a:t>
             </a:r>
           </a:p>
           <a:p>
             <a:pPr lvl="1"/>
             <a:r>
-              <a:rPr lang="en-US" smtClean="0"/>
+              <a:rPr lang="en-US"/>
               <a:t>Second level</a:t>
             </a:r>
           </a:p>
           <a:p>
             <a:pPr lvl="2"/>
             <a:r>
-              <a:rPr lang="en-US" smtClean="0"/>
+              <a:rPr lang="en-US"/>
               <a:t>Third level</a:t>
             </a:r>
           </a:p>
           <a:p>
             <a:pPr lvl="3"/>
             <a:r>
-              <a:rPr lang="en-US" smtClean="0"/>
+              <a:rPr lang="en-US"/>
               <a:t>Fourth level</a:t>
             </a:r>
           </a:p>
           <a:p>
             <a:pPr lvl="4"/>
             <a:r>
-              <a:rPr lang="en-US" smtClean="0"/>
+              <a:rPr lang="en-US"/>
               <a:t>Fifth level</a:t>
             </a:r>
-            <a:endParaRPr lang="en-US"/>
           </a:p>
         </p:txBody>
       </p:sp>
@@ -2781,7 +2775,7 @@
               <a:pPr>
                 <a:defRPr/>
               </a:pPr>
-              <a:t>Monday, March 26, 2018</a:t>
+              <a:t>Monday, September 10, 2018</a:t>
             </a:fld>
             <a:endParaRPr lang="en-US" dirty="0">
               <a:solidFill>
@@ -2905,10 +2899,9 @@
           <a:lstStyle/>
           <a:p>
             <a:r>
-              <a:rPr lang="en-US" smtClean="0"/>
+              <a:rPr lang="en-US"/>
               <a:t>Click to edit Master title style</a:t>
             </a:r>
-            <a:endParaRPr lang="en-US"/>
           </a:p>
         </p:txBody>
       </p:sp>
@@ -2934,38 +2927,37 @@
           <a:p>
             <a:pPr lvl="0"/>
             <a:r>
-              <a:rPr lang="en-US" smtClean="0"/>
+              <a:rPr lang="en-US"/>
               <a:t>Edit Master text styles</a:t>
             </a:r>
           </a:p>
           <a:p>
             <a:pPr lvl="1"/>
             <a:r>
-              <a:rPr lang="en-US" smtClean="0"/>
+              <a:rPr lang="en-US"/>
               <a:t>Second level</a:t>
             </a:r>
           </a:p>
           <a:p>
             <a:pPr lvl="2"/>
             <a:r>
-              <a:rPr lang="en-US" smtClean="0"/>
+              <a:rPr lang="en-US"/>
               <a:t>Third level</a:t>
             </a:r>
           </a:p>
           <a:p>
             <a:pPr lvl="3"/>
             <a:r>
-              <a:rPr lang="en-US" smtClean="0"/>
+              <a:rPr lang="en-US"/>
               <a:t>Fourth level</a:t>
             </a:r>
           </a:p>
           <a:p>
             <a:pPr lvl="4"/>
             <a:r>
-              <a:rPr lang="en-US" smtClean="0"/>
+              <a:rPr lang="en-US"/>
               <a:t>Fifth level</a:t>
             </a:r>
-            <a:endParaRPr lang="en-US"/>
           </a:p>
         </p:txBody>
       </p:sp>
@@ -2996,7 +2988,7 @@
               <a:pPr>
                 <a:defRPr/>
               </a:pPr>
-              <a:t>Monday, March 26, 2018</a:t>
+              <a:t>Monday, September 10, 2018</a:t>
             </a:fld>
             <a:endParaRPr lang="en-US" dirty="0">
               <a:solidFill>
@@ -3115,10 +3107,9 @@
           <a:lstStyle/>
           <a:p>
             <a:r>
-              <a:rPr lang="en-US" smtClean="0"/>
+              <a:rPr lang="en-US"/>
               <a:t>Click to edit Master title style</a:t>
             </a:r>
-            <a:endParaRPr lang="en-US"/>
           </a:p>
         </p:txBody>
       </p:sp>
@@ -3139,38 +3130,37 @@
           <a:p>
             <a:pPr lvl="0"/>
             <a:r>
-              <a:rPr lang="en-US" smtClean="0"/>
+              <a:rPr lang="en-US"/>
               <a:t>Edit Master text styles</a:t>
             </a:r>
           </a:p>
           <a:p>
             <a:pPr lvl="1"/>
             <a:r>
-              <a:rPr lang="en-US" smtClean="0"/>
+              <a:rPr lang="en-US"/>
               <a:t>Second level</a:t>
             </a:r>
           </a:p>
           <a:p>
             <a:pPr lvl="2"/>
             <a:r>
-              <a:rPr lang="en-US" smtClean="0"/>
+              <a:rPr lang="en-US"/>
               <a:t>Third level</a:t>
             </a:r>
           </a:p>
           <a:p>
             <a:pPr lvl="3"/>
             <a:r>
-              <a:rPr lang="en-US" smtClean="0"/>
+              <a:rPr lang="en-US"/>
               <a:t>Fourth level</a:t>
             </a:r>
           </a:p>
           <a:p>
             <a:pPr lvl="4"/>
             <a:r>
-              <a:rPr lang="en-US" smtClean="0"/>
+              <a:rPr lang="en-US"/>
               <a:t>Fifth level</a:t>
             </a:r>
-            <a:endParaRPr lang="en-US"/>
           </a:p>
         </p:txBody>
       </p:sp>
@@ -3201,7 +3191,7 @@
               <a:pPr>
                 <a:defRPr/>
               </a:pPr>
-              <a:t>Monday, March 26, 2018</a:t>
+              <a:t>Monday, September 10, 2018</a:t>
             </a:fld>
             <a:endParaRPr lang="en-US" dirty="0">
               <a:solidFill>
@@ -3329,10 +3319,9 @@
           </a:lstStyle>
           <a:p>
             <a:r>
-              <a:rPr lang="en-US" smtClean="0"/>
+              <a:rPr lang="en-US"/>
               <a:t>Click to edit Master title style</a:t>
             </a:r>
-            <a:endParaRPr lang="en-US"/>
           </a:p>
         </p:txBody>
       </p:sp>
@@ -3449,7 +3438,7 @@
           <a:p>
             <a:pPr lvl="0"/>
             <a:r>
-              <a:rPr lang="en-US" smtClean="0"/>
+              <a:rPr lang="en-US"/>
               <a:t>Edit Master text styles</a:t>
             </a:r>
           </a:p>
@@ -3482,7 +3471,7 @@
               <a:pPr>
                 <a:defRPr/>
               </a:pPr>
-              <a:t>Monday, March 26, 2018</a:t>
+              <a:t>Monday, September 10, 2018</a:t>
             </a:fld>
             <a:endParaRPr lang="en-US">
               <a:solidFill>
@@ -3601,10 +3590,9 @@
           <a:lstStyle/>
           <a:p>
             <a:r>
-              <a:rPr lang="en-US" smtClean="0"/>
+              <a:rPr lang="en-US"/>
               <a:t>Click to edit Master title style</a:t>
             </a:r>
-            <a:endParaRPr lang="en-US"/>
           </a:p>
         </p:txBody>
       </p:sp>
@@ -3630,38 +3618,37 @@
           <a:p>
             <a:pPr lvl="0"/>
             <a:r>
-              <a:rPr lang="en-US" smtClean="0"/>
+              <a:rPr lang="en-US"/>
               <a:t>Edit Master text styles</a:t>
             </a:r>
           </a:p>
           <a:p>
             <a:pPr lvl="1"/>
             <a:r>
-              <a:rPr lang="en-US" smtClean="0"/>
+              <a:rPr lang="en-US"/>
               <a:t>Second level</a:t>
             </a:r>
           </a:p>
           <a:p>
             <a:pPr lvl="2"/>
             <a:r>
-              <a:rPr lang="en-US" smtClean="0"/>
+              <a:rPr lang="en-US"/>
               <a:t>Third level</a:t>
             </a:r>
           </a:p>
           <a:p>
             <a:pPr lvl="3"/>
             <a:r>
-              <a:rPr lang="en-US" smtClean="0"/>
+              <a:rPr lang="en-US"/>
               <a:t>Fourth level</a:t>
             </a:r>
           </a:p>
           <a:p>
             <a:pPr lvl="4"/>
             <a:r>
-              <a:rPr lang="en-US" smtClean="0"/>
+              <a:rPr lang="en-US"/>
               <a:t>Fifth level</a:t>
             </a:r>
-            <a:endParaRPr lang="en-US"/>
           </a:p>
         </p:txBody>
       </p:sp>
@@ -3687,38 +3674,37 @@
           <a:p>
             <a:pPr lvl="0"/>
             <a:r>
-              <a:rPr lang="en-US" smtClean="0"/>
+              <a:rPr lang="en-US"/>
               <a:t>Edit Master text styles</a:t>
             </a:r>
           </a:p>
           <a:p>
             <a:pPr lvl="1"/>
             <a:r>
-              <a:rPr lang="en-US" smtClean="0"/>
+              <a:rPr lang="en-US"/>
               <a:t>Second level</a:t>
             </a:r>
           </a:p>
           <a:p>
             <a:pPr lvl="2"/>
             <a:r>
-              <a:rPr lang="en-US" smtClean="0"/>
+              <a:rPr lang="en-US"/>
               <a:t>Third level</a:t>
             </a:r>
           </a:p>
           <a:p>
             <a:pPr lvl="3"/>
             <a:r>
-              <a:rPr lang="en-US" smtClean="0"/>
+              <a:rPr lang="en-US"/>
               <a:t>Fourth level</a:t>
             </a:r>
           </a:p>
           <a:p>
             <a:pPr lvl="4"/>
             <a:r>
-              <a:rPr lang="en-US" smtClean="0"/>
+              <a:rPr lang="en-US"/>
               <a:t>Fifth level</a:t>
             </a:r>
-            <a:endParaRPr lang="en-US"/>
           </a:p>
         </p:txBody>
       </p:sp>
@@ -3749,7 +3735,7 @@
               <a:pPr>
                 <a:defRPr/>
               </a:pPr>
-              <a:t>Monday, March 26, 2018</a:t>
+              <a:t>Monday, September 10, 2018</a:t>
             </a:fld>
             <a:endParaRPr lang="en-US">
               <a:solidFill>
@@ -3873,10 +3859,9 @@
           <a:lstStyle/>
           <a:p>
             <a:r>
-              <a:rPr lang="en-US" smtClean="0"/>
+              <a:rPr lang="en-US"/>
               <a:t>Click to edit Master title style</a:t>
             </a:r>
-            <a:endParaRPr lang="en-US"/>
           </a:p>
         </p:txBody>
       </p:sp>
@@ -3939,7 +3924,7 @@
           <a:p>
             <a:pPr lvl="0"/>
             <a:r>
-              <a:rPr lang="en-US" smtClean="0"/>
+              <a:rPr lang="en-US"/>
               <a:t>Edit Master text styles</a:t>
             </a:r>
           </a:p>
@@ -3967,38 +3952,37 @@
           <a:p>
             <a:pPr lvl="0"/>
             <a:r>
-              <a:rPr lang="en-US" smtClean="0"/>
+              <a:rPr lang="en-US"/>
               <a:t>Edit Master text styles</a:t>
             </a:r>
           </a:p>
           <a:p>
             <a:pPr lvl="1"/>
             <a:r>
-              <a:rPr lang="en-US" smtClean="0"/>
+              <a:rPr lang="en-US"/>
               <a:t>Second level</a:t>
             </a:r>
           </a:p>
           <a:p>
             <a:pPr lvl="2"/>
             <a:r>
-              <a:rPr lang="en-US" smtClean="0"/>
+              <a:rPr lang="en-US"/>
               <a:t>Third level</a:t>
             </a:r>
           </a:p>
           <a:p>
             <a:pPr lvl="3"/>
             <a:r>
-              <a:rPr lang="en-US" smtClean="0"/>
+              <a:rPr lang="en-US"/>
               <a:t>Fourth level</a:t>
             </a:r>
           </a:p>
           <a:p>
             <a:pPr lvl="4"/>
             <a:r>
-              <a:rPr lang="en-US" smtClean="0"/>
+              <a:rPr lang="en-US"/>
               <a:t>Fifth level</a:t>
             </a:r>
-            <a:endParaRPr lang="en-US"/>
           </a:p>
         </p:txBody>
       </p:sp>
@@ -4061,7 +4045,7 @@
           <a:p>
             <a:pPr lvl="0"/>
             <a:r>
-              <a:rPr lang="en-US" smtClean="0"/>
+              <a:rPr lang="en-US"/>
               <a:t>Edit Master text styles</a:t>
             </a:r>
           </a:p>
@@ -4089,38 +4073,37 @@
           <a:p>
             <a:pPr lvl="0"/>
             <a:r>
-              <a:rPr lang="en-US" smtClean="0"/>
+              <a:rPr lang="en-US"/>
               <a:t>Edit Master text styles</a:t>
             </a:r>
           </a:p>
           <a:p>
             <a:pPr lvl="1"/>
             <a:r>
-              <a:rPr lang="en-US" smtClean="0"/>
+              <a:rPr lang="en-US"/>
               <a:t>Second level</a:t>
             </a:r>
           </a:p>
           <a:p>
             <a:pPr lvl="2"/>
             <a:r>
-              <a:rPr lang="en-US" smtClean="0"/>
+              <a:rPr lang="en-US"/>
               <a:t>Third level</a:t>
             </a:r>
           </a:p>
           <a:p>
             <a:pPr lvl="3"/>
             <a:r>
-              <a:rPr lang="en-US" smtClean="0"/>
+              <a:rPr lang="en-US"/>
               <a:t>Fourth level</a:t>
             </a:r>
           </a:p>
           <a:p>
             <a:pPr lvl="4"/>
             <a:r>
-              <a:rPr lang="en-US" smtClean="0"/>
+              <a:rPr lang="en-US"/>
               <a:t>Fifth level</a:t>
             </a:r>
-            <a:endParaRPr lang="en-US"/>
           </a:p>
         </p:txBody>
       </p:sp>
@@ -4151,7 +4134,7 @@
               <a:pPr>
                 <a:defRPr/>
               </a:pPr>
-              <a:t>Monday, March 26, 2018</a:t>
+              <a:t>Monday, September 10, 2018</a:t>
             </a:fld>
             <a:endParaRPr lang="en-US">
               <a:solidFill>
@@ -4270,10 +4253,9 @@
           <a:lstStyle/>
           <a:p>
             <a:r>
-              <a:rPr lang="en-US" smtClean="0"/>
+              <a:rPr lang="en-US"/>
               <a:t>Click to edit Master title style</a:t>
             </a:r>
-            <a:endParaRPr lang="en-US"/>
           </a:p>
         </p:txBody>
       </p:sp>
@@ -4304,7 +4286,7 @@
               <a:pPr>
                 <a:defRPr/>
               </a:pPr>
-              <a:t>Monday, March 26, 2018</a:t>
+              <a:t>Monday, September 10, 2018</a:t>
             </a:fld>
             <a:endParaRPr lang="en-US">
               <a:solidFill>
@@ -4434,7 +4416,7 @@
               <a:pPr>
                 <a:defRPr/>
               </a:pPr>
-              <a:t>Monday, March 26, 2018</a:t>
+              <a:t>Monday, September 10, 2018</a:t>
             </a:fld>
             <a:endParaRPr lang="en-US" dirty="0">
               <a:solidFill>
@@ -4562,10 +4544,9 @@
           </a:lstStyle>
           <a:p>
             <a:r>
-              <a:rPr lang="en-US" smtClean="0"/>
+              <a:rPr lang="en-US"/>
               <a:t>Click to edit Master title style</a:t>
             </a:r>
-            <a:endParaRPr lang="en-US"/>
           </a:p>
         </p:txBody>
       </p:sp>
@@ -4619,38 +4600,37 @@
           <a:p>
             <a:pPr lvl="0"/>
             <a:r>
-              <a:rPr lang="en-US" smtClean="0"/>
+              <a:rPr lang="en-US"/>
               <a:t>Edit Master text styles</a:t>
             </a:r>
           </a:p>
           <a:p>
             <a:pPr lvl="1"/>
             <a:r>
-              <a:rPr lang="en-US" smtClean="0"/>
+              <a:rPr lang="en-US"/>
               <a:t>Second level</a:t>
             </a:r>
           </a:p>
           <a:p>
             <a:pPr lvl="2"/>
             <a:r>
-              <a:rPr lang="en-US" smtClean="0"/>
+              <a:rPr lang="en-US"/>
               <a:t>Third level</a:t>
             </a:r>
           </a:p>
           <a:p>
             <a:pPr lvl="3"/>
             <a:r>
-              <a:rPr lang="en-US" smtClean="0"/>
+              <a:rPr lang="en-US"/>
               <a:t>Fourth level</a:t>
             </a:r>
           </a:p>
           <a:p>
             <a:pPr lvl="4"/>
             <a:r>
-              <a:rPr lang="en-US" smtClean="0"/>
+              <a:rPr lang="en-US"/>
               <a:t>Fifth level</a:t>
             </a:r>
-            <a:endParaRPr lang="en-US"/>
           </a:p>
         </p:txBody>
       </p:sp>
@@ -4713,7 +4693,7 @@
           <a:p>
             <a:pPr lvl="0"/>
             <a:r>
-              <a:rPr lang="en-US" smtClean="0"/>
+              <a:rPr lang="en-US"/>
               <a:t>Edit Master text styles</a:t>
             </a:r>
           </a:p>
@@ -4746,7 +4726,7 @@
               <a:pPr>
                 <a:defRPr/>
               </a:pPr>
-              <a:t>Monday, March 26, 2018</a:t>
+              <a:t>Monday, September 10, 2018</a:t>
             </a:fld>
             <a:endParaRPr lang="en-US">
               <a:solidFill>
@@ -4874,10 +4854,9 @@
           </a:lstStyle>
           <a:p>
             <a:r>
-              <a:rPr lang="en-US" smtClean="0"/>
+              <a:rPr lang="en-US"/>
               <a:t>Click to edit Master title style</a:t>
             </a:r>
-            <a:endParaRPr lang="en-US"/>
           </a:p>
         </p:txBody>
       </p:sp>
@@ -5001,7 +4980,7 @@
           <a:p>
             <a:pPr lvl="0"/>
             <a:r>
-              <a:rPr lang="en-US" smtClean="0"/>
+              <a:rPr lang="en-US"/>
               <a:t>Edit Master text styles</a:t>
             </a:r>
           </a:p>
@@ -5034,7 +5013,7 @@
               <a:pPr>
                 <a:defRPr/>
               </a:pPr>
-              <a:t>Monday, March 26, 2018</a:t>
+              <a:t>Monday, September 10, 2018</a:t>
             </a:fld>
             <a:endParaRPr lang="en-US">
               <a:solidFill>
@@ -5168,10 +5147,9 @@
           <a:lstStyle/>
           <a:p>
             <a:r>
-              <a:rPr lang="en-US" smtClean="0"/>
+              <a:rPr lang="en-US"/>
               <a:t>Click to edit Master title style</a:t>
             </a:r>
-            <a:endParaRPr lang="en-US"/>
           </a:p>
         </p:txBody>
       </p:sp>
@@ -5202,38 +5180,37 @@
           <a:p>
             <a:pPr lvl="0"/>
             <a:r>
-              <a:rPr lang="en-US" smtClean="0"/>
+              <a:rPr lang="en-US"/>
               <a:t>Edit Master text styles</a:t>
             </a:r>
           </a:p>
           <a:p>
             <a:pPr lvl="1"/>
             <a:r>
-              <a:rPr lang="en-US" smtClean="0"/>
+              <a:rPr lang="en-US"/>
               <a:t>Second level</a:t>
             </a:r>
           </a:p>
           <a:p>
             <a:pPr lvl="2"/>
             <a:r>
-              <a:rPr lang="en-US" smtClean="0"/>
+              <a:rPr lang="en-US"/>
               <a:t>Third level</a:t>
             </a:r>
           </a:p>
           <a:p>
             <a:pPr lvl="3"/>
             <a:r>
-              <a:rPr lang="en-US" smtClean="0"/>
+              <a:rPr lang="en-US"/>
               <a:t>Fourth level</a:t>
             </a:r>
           </a:p>
           <a:p>
             <a:pPr lvl="4"/>
             <a:r>
-              <a:rPr lang="en-US" smtClean="0"/>
+              <a:rPr lang="en-US"/>
               <a:t>Fifth level</a:t>
             </a:r>
-            <a:endParaRPr lang="en-US"/>
           </a:p>
         </p:txBody>
       </p:sp>
@@ -5296,7 +5273,7 @@
                 </a:spcAft>
                 <a:defRPr/>
               </a:pPr>
-              <a:t>Monday, March 26, 2018</a:t>
+              <a:t>Monday, September 10, 2018</a:t>
             </a:fld>
             <a:endParaRPr lang="en-US" dirty="0">
               <a:solidFill>
@@ -5768,8 +5745,12 @@
           <a:lstStyle/>
           <a:p>
             <a:r>
-              <a:rPr lang="en-US" dirty="0" smtClean="0"/>
-              <a:t>CSSE 220: Object Design</a:t>
+              <a:rPr lang="en-US" dirty="0"/>
+              <a:t>CSSE 220: </a:t>
+            </a:r>
+            <a:r>
+              <a:rPr lang="en-US"/>
+              <a:t>Object Design</a:t>
             </a:r>
             <a:endParaRPr lang="en-US" dirty="0"/>
           </a:p>
@@ -5791,16 +5772,15 @@
           <a:lstStyle/>
           <a:p>
             <a:r>
-              <a:rPr lang="en-US" dirty="0" smtClean="0"/>
+              <a:rPr lang="en-US" dirty="0"/>
               <a:t>Part 1 of Many</a:t>
             </a:r>
           </a:p>
           <a:p>
             <a:r>
-              <a:rPr lang="en-US" dirty="0" smtClean="0"/>
+              <a:rPr lang="en-US" dirty="0"/>
               <a:t>Also Class Diagrams</a:t>
             </a:r>
-            <a:endParaRPr lang="en-US" dirty="0"/>
           </a:p>
         </p:txBody>
       </p:sp>
@@ -5814,21 +5794,6 @@
   <p:clrMapOvr>
     <a:masterClrMapping/>
   </p:clrMapOvr>
-  <mc:AlternateContent xmlns:mc="http://schemas.openxmlformats.org/markup-compatibility/2006" xmlns:p14="http://schemas.microsoft.com/office/powerpoint/2010/main">
-    <mc:Choice Requires="p14">
-      <p:transition spd="slow" p14:dur="2000"/>
-    </mc:Choice>
-    <mc:Fallback xmlns="">
-      <p:transition spd="slow"/>
-    </mc:Fallback>
-  </mc:AlternateContent>
-  <p:timing>
-    <p:tnLst>
-      <p:par>
-        <p:cTn id="1" dur="indefinite" restart="never" nodeType="tmRoot"/>
-      </p:par>
-    </p:tnLst>
-  </p:timing>
 </p:sld>
 </file>
 
@@ -5865,10 +5830,9 @@
           <a:lstStyle/>
           <a:p>
             <a:r>
-              <a:rPr lang="en-US" dirty="0" smtClean="0"/>
+              <a:rPr lang="en-US" dirty="0"/>
               <a:t>The principles go from most important to least important. Today’s focus:</a:t>
             </a:r>
-            <a:endParaRPr lang="en-US" dirty="0"/>
           </a:p>
         </p:txBody>
       </p:sp>
@@ -6001,13 +5965,6 @@
   <p:clrMapOvr>
     <a:masterClrMapping/>
   </p:clrMapOvr>
-  <p:timing>
-    <p:tnLst>
-      <p:par>
-        <p:cTn id="1" dur="indefinite" restart="never" nodeType="tmRoot"/>
-      </p:par>
-    </p:tnLst>
-  </p:timing>
 </p:sld>
 </file>
 
@@ -6046,10 +6003,9 @@
           <a:lstStyle/>
           <a:p>
             <a:r>
-              <a:rPr lang="en-US" dirty="0" smtClean="0"/>
+              <a:rPr lang="en-US" dirty="0"/>
               <a:t>An object oriented design must work!</a:t>
             </a:r>
-            <a:endParaRPr lang="en-US" dirty="0"/>
           </a:p>
         </p:txBody>
       </p:sp>
@@ -6074,26 +6030,26 @@
               <a:buNone/>
             </a:pPr>
             <a:r>
-              <a:rPr lang="en-US" sz="3200" dirty="0" smtClean="0"/>
+              <a:rPr lang="en-US" sz="3200" dirty="0"/>
               <a:t>Make sure all the data that you need is stored somewhere</a:t>
             </a:r>
           </a:p>
           <a:p>
             <a:pPr lvl="1" fontAlgn="base"/>
             <a:r>
-              <a:rPr lang="en-US" sz="2900" dirty="0" smtClean="0"/>
+              <a:rPr lang="en-US" sz="2900" dirty="0"/>
               <a:t>And that you can access it from the classes that need it</a:t>
             </a:r>
           </a:p>
           <a:p>
             <a:pPr lvl="1" fontAlgn="base"/>
             <a:r>
-              <a:rPr lang="en-US" sz="2900" dirty="0" smtClean="0"/>
+              <a:rPr lang="en-US" sz="2900" dirty="0"/>
               <a:t>The solution is not to keep 2 copies of the same data.</a:t>
             </a:r>
           </a:p>
           <a:p>
-            <a:endParaRPr lang="en-US" sz="3200" dirty="0" smtClean="0"/>
+            <a:endParaRPr lang="en-US" sz="3200" dirty="0"/>
           </a:p>
         </p:txBody>
       </p:sp>
@@ -6107,21 +6063,6 @@
   <p:clrMapOvr>
     <a:masterClrMapping/>
   </p:clrMapOvr>
-  <mc:AlternateContent xmlns:mc="http://schemas.openxmlformats.org/markup-compatibility/2006" xmlns:p14="http://schemas.microsoft.com/office/powerpoint/2010/main">
-    <mc:Choice Requires="p14">
-      <p:transition p14:dur="0"/>
-    </mc:Choice>
-    <mc:Fallback xmlns="">
-      <p:transition/>
-    </mc:Fallback>
-  </mc:AlternateContent>
-  <p:timing>
-    <p:tnLst>
-      <p:par>
-        <p:cTn id="1" dur="indefinite" restart="never" nodeType="tmRoot"/>
-      </p:par>
-    </p:tnLst>
-  </p:timing>
 </p:sld>
 </file>
 
@@ -6160,10 +6101,9 @@
           <a:lstStyle/>
           <a:p>
             <a:r>
-              <a:rPr lang="en-US" dirty="0" smtClean="0"/>
+              <a:rPr lang="en-US" dirty="0"/>
               <a:t>A good object oriented design is structured around the data</a:t>
             </a:r>
-            <a:endParaRPr lang="en-US" dirty="0"/>
           </a:p>
         </p:txBody>
       </p:sp>
@@ -6185,36 +6125,36 @@
           <a:lstStyle/>
           <a:p>
             <a:r>
-              <a:rPr lang="en-US" sz="3200" dirty="0" smtClean="0"/>
+              <a:rPr lang="en-US" sz="3200" dirty="0"/>
               <a:t>Look for the nouns in your problem, consider making them classes</a:t>
             </a:r>
           </a:p>
           <a:p>
             <a:pPr lvl="1"/>
             <a:r>
-              <a:rPr lang="is-IS" sz="2900" dirty="0" smtClean="0"/>
+              <a:rPr lang="is-IS" sz="2900" dirty="0"/>
               <a:t>…i</a:t>
             </a:r>
             <a:r>
-              <a:rPr lang="en-US" sz="2900" dirty="0" smtClean="0"/>
+              <a:rPr lang="en-US" sz="2900" dirty="0"/>
               <a:t>f they are complex enough</a:t>
             </a:r>
           </a:p>
           <a:p>
             <a:r>
-              <a:rPr lang="en-US" sz="3200" dirty="0" smtClean="0"/>
+              <a:rPr lang="en-US" sz="3200" dirty="0"/>
               <a:t>Put the data you need to store as fields in your classes</a:t>
             </a:r>
           </a:p>
           <a:p>
             <a:r>
-              <a:rPr lang="en-US" sz="3200" dirty="0" smtClean="0"/>
+              <a:rPr lang="en-US" sz="3200" dirty="0"/>
               <a:t>Add operations to the classes to accomplish what your need</a:t>
             </a:r>
           </a:p>
           <a:p>
             <a:r>
-              <a:rPr lang="en-US" sz="3200" dirty="0" smtClean="0"/>
+              <a:rPr lang="en-US" sz="3200" dirty="0"/>
               <a:t>Avoid Plural Nouns</a:t>
             </a:r>
           </a:p>
@@ -6230,21 +6170,6 @@
   <p:clrMapOvr>
     <a:masterClrMapping/>
   </p:clrMapOvr>
-  <mc:AlternateContent xmlns:mc="http://schemas.openxmlformats.org/markup-compatibility/2006" xmlns:p14="http://schemas.microsoft.com/office/powerpoint/2010/main">
-    <mc:Choice Requires="p14">
-      <p:transition p14:dur="0"/>
-    </mc:Choice>
-    <mc:Fallback xmlns="">
-      <p:transition/>
-    </mc:Fallback>
-  </mc:AlternateContent>
-  <p:timing>
-    <p:tnLst>
-      <p:par>
-        <p:cTn id="1" dur="indefinite" restart="never" nodeType="tmRoot"/>
-      </p:par>
-    </p:tnLst>
-  </p:timing>
 </p:sld>
 </file>
 
@@ -6281,10 +6206,9 @@
           <a:lstStyle/>
           <a:p>
             <a:r>
-              <a:rPr lang="en-US" dirty="0" smtClean="0"/>
+              <a:rPr lang="en-US" dirty="0"/>
               <a:t>An Example Problem</a:t>
             </a:r>
-            <a:endParaRPr lang="en-US" dirty="0"/>
           </a:p>
         </p:txBody>
       </p:sp>
@@ -6309,7 +6233,7 @@
               <a:buNone/>
             </a:pPr>
             <a:r>
-              <a:rPr lang="en-US" sz="2800" dirty="0" smtClean="0"/>
+              <a:rPr lang="en-US" sz="2800" dirty="0"/>
               <a:t>A website tracks books and the kids that read them.  For each book the system stores the name and author.  For each kid the system stores name and grade level.  The teacher enters when a kid reads a particular book.  It should be possible to print a report on a book that includes all kids who have read a particular book.  It should be possible to print a report on a kid that includes the books a particular kid has read.</a:t>
             </a:r>
           </a:p>
@@ -6324,10 +6248,9 @@
               <a:buNone/>
             </a:pPr>
             <a:r>
-              <a:rPr lang="en-US" sz="2800" dirty="0" smtClean="0"/>
+              <a:rPr lang="en-US" sz="2800" dirty="0"/>
               <a:t>Make a UML diagram of your proposed design for this system.  </a:t>
             </a:r>
-            <a:endParaRPr lang="en-US" sz="2800" dirty="0"/>
           </a:p>
         </p:txBody>
       </p:sp>
@@ -6341,13 +6264,6 @@
   <p:clrMapOvr>
     <a:masterClrMapping/>
   </p:clrMapOvr>
-  <p:timing>
-    <p:tnLst>
-      <p:par>
-        <p:cTn id="1" dur="indefinite" restart="never" nodeType="tmRoot"/>
-      </p:par>
-    </p:tnLst>
-  </p:timing>
 </p:sld>
 </file>
 
@@ -6384,10 +6300,9 @@
           <a:lstStyle/>
           <a:p>
             <a:r>
-              <a:rPr lang="en-US" dirty="0" smtClean="0"/>
+              <a:rPr lang="en-US" dirty="0"/>
               <a:t>Basic solution</a:t>
             </a:r>
-            <a:endParaRPr lang="en-US" dirty="0"/>
           </a:p>
         </p:txBody>
       </p:sp>
@@ -6457,10 +6372,9 @@
           <a:lstStyle/>
           <a:p>
             <a:r>
-              <a:rPr lang="en-US" dirty="0" smtClean="0"/>
+              <a:rPr lang="en-US" dirty="0"/>
               <a:t>Note that List&lt;Book&gt; isn’t listed by name as an instance variable of Kid, but the line from Kid to Book with the * implies that. Ditto for List&lt;Kid&gt; in book, since the arrow is double-ended with * on each end</a:t>
             </a:r>
-            <a:endParaRPr lang="en-US" dirty="0"/>
           </a:p>
         </p:txBody>
       </p:sp>
@@ -6474,13 +6388,6 @@
   <p:clrMapOvr>
     <a:masterClrMapping/>
   </p:clrMapOvr>
-  <p:timing>
-    <p:tnLst>
-      <p:par>
-        <p:cTn id="1" dur="indefinite" restart="never" nodeType="tmRoot"/>
-      </p:par>
-    </p:tnLst>
-  </p:timing>
 </p:sld>
 </file>
 
@@ -6522,10 +6429,9 @@
           <a:lstStyle/>
           <a:p>
             <a:r>
-              <a:rPr lang="en-US" dirty="0" smtClean="0"/>
+              <a:rPr lang="en-US" dirty="0"/>
               <a:t>Main class</a:t>
             </a:r>
-            <a:endParaRPr lang="en-US" dirty="0"/>
           </a:p>
         </p:txBody>
       </p:sp>
@@ -6552,25 +6458,25 @@
           <a:lstStyle/>
           <a:p>
             <a:r>
-              <a:rPr lang="en-US" sz="2000" dirty="0" smtClean="0"/>
+              <a:rPr lang="en-US" sz="2000" dirty="0"/>
               <a:t>In really small programs, you could just have them as local variables in a static main</a:t>
             </a:r>
           </a:p>
           <a:p>
             <a:r>
-              <a:rPr lang="en-US" sz="2000" dirty="0" smtClean="0"/>
+              <a:rPr lang="en-US" sz="2000" dirty="0"/>
               <a:t>But for larger programs, it’s more usual for the class with main to be a real class with fields (also aids testing)</a:t>
             </a:r>
           </a:p>
           <a:p>
             <a:r>
-              <a:rPr lang="en-US" sz="2000" dirty="0" smtClean="0"/>
+              <a:rPr lang="en-US" sz="2000" dirty="0"/>
               <a:t>In our very simple designs, this class also deals with user input</a:t>
             </a:r>
           </a:p>
           <a:p>
             <a:r>
-              <a:rPr lang="en-US" sz="2000" dirty="0" smtClean="0"/>
+              <a:rPr lang="en-US" sz="2000" dirty="0"/>
               <a:t>Also be sure your design shows where things start and how user commands are handled</a:t>
             </a:r>
             <a:endParaRPr lang="en-US" dirty="0"/>
@@ -6631,21 +6537,6 @@
   <p:clrMapOvr>
     <a:masterClrMapping/>
   </p:clrMapOvr>
-  <mc:AlternateContent xmlns:mc="http://schemas.openxmlformats.org/markup-compatibility/2006" xmlns:p14="http://schemas.microsoft.com/office/powerpoint/2010/main">
-    <mc:Choice Requires="p14">
-      <p:transition spd="slow" p14:dur="2000"/>
-    </mc:Choice>
-    <mc:Fallback xmlns="">
-      <p:transition spd="slow"/>
-    </mc:Fallback>
-  </mc:AlternateContent>
-  <p:timing>
-    <p:tnLst>
-      <p:par>
-        <p:cTn id="1" dur="indefinite" restart="never" nodeType="tmRoot"/>
-      </p:par>
-    </p:tnLst>
-  </p:timing>
 </p:sld>
 </file>
 
@@ -6682,10 +6573,9 @@
           <a:lstStyle/>
           <a:p>
             <a:r>
-              <a:rPr lang="en-US" dirty="0" smtClean="0"/>
+              <a:rPr lang="en-US" dirty="0"/>
               <a:t>Today’s Focus</a:t>
             </a:r>
-            <a:endParaRPr lang="en-US" dirty="0"/>
           </a:p>
         </p:txBody>
       </p:sp>
@@ -6711,14 +6601,14 @@
               <a:buAutoNum type="arabicPeriod"/>
             </a:pPr>
             <a:r>
-              <a:rPr lang="en-US" sz="3200" dirty="0" smtClean="0"/>
+              <a:rPr lang="en-US" sz="3200" dirty="0"/>
               <a:t>Structure your program around the data that needs storing</a:t>
             </a:r>
           </a:p>
           <a:p>
             <a:pPr lvl="1" fontAlgn="base"/>
             <a:r>
-              <a:rPr lang="en-US" sz="2400" dirty="0" smtClean="0"/>
+              <a:rPr lang="en-US" sz="2400" dirty="0"/>
               <a:t>Nouns become your classes, operations become their methods</a:t>
             </a:r>
           </a:p>
@@ -6728,7 +6618,7 @@
               <a:buAutoNum type="arabicPeriod"/>
             </a:pPr>
             <a:r>
-              <a:rPr lang="en-US" sz="3200" dirty="0" smtClean="0">
+              <a:rPr lang="en-US" sz="3200" dirty="0">
                 <a:solidFill>
                   <a:srgbClr val="FF0000"/>
                 </a:solidFill>
@@ -6739,24 +6629,23 @@
           <a:p>
             <a:pPr lvl="1" fontAlgn="base"/>
             <a:r>
-              <a:rPr lang="en-US" sz="2400" dirty="0" smtClean="0"/>
+              <a:rPr lang="en-US" sz="2400" dirty="0"/>
               <a:t>Every class must have access (directly or indirectly) to the data it needs to complete its operations</a:t>
             </a:r>
           </a:p>
           <a:p>
             <a:pPr lvl="1" fontAlgn="base"/>
             <a:r>
-              <a:rPr lang="en-US" sz="2400" dirty="0" smtClean="0"/>
+              <a:rPr lang="en-US" sz="2400" dirty="0"/>
               <a:t>Usually this means the problem must be modeled correctly</a:t>
             </a:r>
           </a:p>
           <a:p>
             <a:pPr lvl="1" fontAlgn="base"/>
             <a:r>
-              <a:rPr lang="en-US" sz="2400" dirty="0" smtClean="0"/>
+              <a:rPr lang="en-US" sz="2400" dirty="0"/>
               <a:t>Data should also not be duplicated</a:t>
             </a:r>
-            <a:endParaRPr lang="en-US" sz="2400" dirty="0"/>
           </a:p>
         </p:txBody>
       </p:sp>
@@ -6770,13 +6659,6 @@
   <p:clrMapOvr>
     <a:masterClrMapping/>
   </p:clrMapOvr>
-  <p:timing>
-    <p:tnLst>
-      <p:par>
-        <p:cTn id="1" dur="indefinite" restart="never" nodeType="tmRoot"/>
-      </p:par>
-    </p:tnLst>
-  </p:timing>
 </p:sld>
 </file>
 
@@ -6813,10 +6695,9 @@
           <a:lstStyle/>
           <a:p>
             <a:r>
-              <a:rPr lang="en-US" dirty="0" smtClean="0"/>
+              <a:rPr lang="en-US" dirty="0"/>
               <a:t>Consider</a:t>
             </a:r>
-            <a:endParaRPr lang="en-US" dirty="0"/>
           </a:p>
         </p:txBody>
       </p:sp>
@@ -6884,7 +6765,7 @@
           <a:lstStyle/>
           <a:p>
             <a:r>
-              <a:rPr lang="en-US" sz="2800" dirty="0" smtClean="0"/>
+              <a:rPr lang="en-US" sz="2800" dirty="0"/>
               <a:t>Bad Solution A</a:t>
             </a:r>
             <a:endParaRPr lang="en-US" dirty="0"/>
@@ -6955,7 +6836,7 @@
           <a:lstStyle/>
           <a:p>
             <a:r>
-              <a:rPr lang="en-US" sz="2800" dirty="0" smtClean="0"/>
+              <a:rPr lang="en-US" sz="2800" dirty="0"/>
               <a:t>Bad Solution B</a:t>
             </a:r>
             <a:endParaRPr lang="en-US" dirty="0"/>
@@ -7008,13 +6889,6 @@
   <p:clrMapOvr>
     <a:masterClrMapping/>
   </p:clrMapOvr>
-  <p:timing>
-    <p:tnLst>
-      <p:par>
-        <p:cTn id="1" dur="indefinite" restart="never" nodeType="tmRoot"/>
-      </p:par>
-    </p:tnLst>
-  </p:timing>
 </p:sld>
 </file>
 
@@ -7051,10 +6925,9 @@
           <a:lstStyle/>
           <a:p>
             <a:r>
-              <a:rPr lang="en-US" dirty="0" smtClean="0"/>
+              <a:rPr lang="en-US" dirty="0"/>
               <a:t>In most cases non-workable design is caused by…</a:t>
             </a:r>
-            <a:endParaRPr lang="en-US" dirty="0"/>
           </a:p>
         </p:txBody>
       </p:sp>
@@ -7076,22 +6949,21 @@
           <a:lstStyle/>
           <a:p>
             <a:r>
-              <a:rPr lang="en-US" sz="2800" dirty="0" smtClean="0"/>
+              <a:rPr lang="en-US" sz="2800" dirty="0"/>
               <a:t>Not reading the problem carefully or not mapping it to design carefully (e.g. not noticing that each kid reads several books, not just one)</a:t>
             </a:r>
           </a:p>
           <a:p>
             <a:r>
-              <a:rPr lang="en-US" sz="2800" dirty="0" smtClean="0"/>
+              <a:rPr lang="en-US" sz="2800" dirty="0"/>
               <a:t>Not thinking about how specific required features might be implemented (e.g. how can we print a book report if we don’t have access to the book objects?)</a:t>
             </a:r>
           </a:p>
           <a:p>
             <a:r>
-              <a:rPr lang="en-US" sz="2800" dirty="0" smtClean="0"/>
+              <a:rPr lang="en-US" sz="2800" dirty="0"/>
               <a:t>Duplicating data (e.g. what does it matter if we store a copy of the author and title for every kid that reads the book)</a:t>
             </a:r>
-            <a:endParaRPr lang="en-US" sz="2800" dirty="0"/>
           </a:p>
         </p:txBody>
       </p:sp>
@@ -7105,13 +6977,6 @@
   <p:clrMapOvr>
     <a:masterClrMapping/>
   </p:clrMapOvr>
-  <p:timing>
-    <p:tnLst>
-      <p:par>
-        <p:cTn id="1" dur="indefinite" restart="never" nodeType="tmRoot"/>
-      </p:par>
-    </p:tnLst>
-  </p:timing>
 </p:sld>
 </file>
 
@@ -7159,7 +7024,6 @@
               <a:rPr lang="en-US" dirty="0"/>
               <a:t>In a particular card game, players have hands of cards.  Each card is worth some points and also has a color (red, blue, green).  During play, players accrue bonuses that mean cards of a particular color are worth bonus points.  During play, sometimes a random card is selected from one player's hand and moved to another player's hand.  At the end of game, it is necessary to compute the total points for each player's hand. </a:t>
             </a:r>
-            <a:endParaRPr lang="en-US" dirty="0" smtClean="0"/>
           </a:p>
           <a:p>
             <a:pPr marL="0" indent="0">
@@ -7172,10 +7036,9 @@
               <a:buNone/>
             </a:pPr>
             <a:r>
-              <a:rPr lang="en-US" dirty="0" smtClean="0"/>
+              <a:rPr lang="en-US" dirty="0"/>
               <a:t>What is wrong with this design? (Hint: look at and refer to your design principles by number).  I see at least 2 separate categories violated.</a:t>
             </a:r>
-            <a:endParaRPr lang="en-US" dirty="0"/>
           </a:p>
         </p:txBody>
       </p:sp>
@@ -7259,10 +7122,9 @@
           <a:p>
             <a:pPr algn="ctr"/>
             <a:r>
-              <a:rPr lang="en-US" dirty="0" smtClean="0"/>
+              <a:rPr lang="en-US" dirty="0"/>
               <a:t>3</a:t>
             </a:r>
-            <a:endParaRPr lang="en-US" dirty="0"/>
           </a:p>
         </p:txBody>
       </p:sp>
@@ -7276,13 +7138,6 @@
   <p:clrMapOvr>
     <a:masterClrMapping/>
   </p:clrMapOvr>
-  <p:timing>
-    <p:tnLst>
-      <p:par>
-        <p:cTn id="1" dur="indefinite" restart="never" nodeType="tmRoot"/>
-      </p:par>
-    </p:tnLst>
-  </p:timing>
 </p:sld>
 </file>
 
@@ -7319,10 +7174,9 @@
           <a:lstStyle/>
           <a:p>
             <a:r>
-              <a:rPr lang="en-US" dirty="0" smtClean="0"/>
+              <a:rPr lang="en-US" dirty="0"/>
               <a:t>Designing Classes</a:t>
             </a:r>
-            <a:endParaRPr lang="en-US" dirty="0"/>
           </a:p>
         </p:txBody>
       </p:sp>
@@ -7351,7 +7205,7 @@
               <a:buChar char="•"/>
             </a:pPr>
             <a:r>
-              <a:rPr lang="en-US" dirty="0" smtClean="0"/>
+              <a:rPr lang="en-US" dirty="0"/>
               <a:t>Programs typically begin as abstract ideas</a:t>
             </a:r>
           </a:p>
@@ -7361,7 +7215,7 @@
               <a:buChar char="•"/>
             </a:pPr>
             <a:r>
-              <a:rPr lang="en-US" dirty="0" smtClean="0"/>
+              <a:rPr lang="en-US" dirty="0"/>
               <a:t>These ideas form a set of requirements (i.e. what the user wants)</a:t>
             </a:r>
           </a:p>
@@ -7371,7 +7225,7 @@
               <a:buChar char="•"/>
             </a:pPr>
             <a:r>
-              <a:rPr lang="en-US" dirty="0" smtClean="0"/>
+              <a:rPr lang="en-US" dirty="0"/>
               <a:t>We must take these requirements, and figure out an approach for our coding</a:t>
             </a:r>
           </a:p>
@@ -7381,7 +7235,7 @@
               <a:buChar char="•"/>
             </a:pPr>
             <a:r>
-              <a:rPr lang="en-US" dirty="0" smtClean="0"/>
+              <a:rPr lang="en-US" dirty="0"/>
               <a:t>Usually the approach is not obvious</a:t>
             </a:r>
           </a:p>
@@ -7391,7 +7245,7 @@
               <a:buChar char="•"/>
             </a:pPr>
             <a:r>
-              <a:rPr lang="en-US" dirty="0" smtClean="0"/>
+              <a:rPr lang="en-US" dirty="0"/>
               <a:t>So we propose designs, then iteratively refine them into something that might work (continued…)</a:t>
             </a:r>
           </a:p>
@@ -7407,21 +7261,6 @@
   <p:clrMapOvr>
     <a:masterClrMapping/>
   </p:clrMapOvr>
-  <mc:AlternateContent xmlns:mc="http://schemas.openxmlformats.org/markup-compatibility/2006" xmlns:p14="http://schemas.microsoft.com/office/powerpoint/2010/main">
-    <mc:Choice Requires="p14">
-      <p:transition spd="slow" p14:dur="2000"/>
-    </mc:Choice>
-    <mc:Fallback xmlns="">
-      <p:transition spd="slow"/>
-    </mc:Fallback>
-  </mc:AlternateContent>
-  <p:timing>
-    <p:tnLst>
-      <p:par>
-        <p:cTn id="1" dur="indefinite" restart="never" nodeType="tmRoot"/>
-      </p:par>
-    </p:tnLst>
-  </p:timing>
 </p:sld>
 </file>
 
@@ -7466,7 +7305,7 @@
               <a:buNone/>
             </a:pPr>
             <a:r>
-              <a:rPr lang="en-US" i="1" dirty="0" smtClean="0"/>
+              <a:rPr lang="en-US" i="1" dirty="0"/>
               <a:t>My answer (in order of importance)</a:t>
             </a:r>
           </a:p>
@@ -7476,11 +7315,7 @@
             </a:pPr>
             <a:r>
               <a:rPr lang="en-US" dirty="0"/>
-              <a:t>1</a:t>
-            </a:r>
-            <a:r>
-              <a:rPr lang="en-US" dirty="0" smtClean="0"/>
-              <a:t>a.  The design does not function correctly</a:t>
+              <a:t>1a.  The design does not function correctly</a:t>
             </a:r>
           </a:p>
           <a:p>
@@ -7488,7 +7323,7 @@
               <a:buNone/>
             </a:pPr>
             <a:r>
-              <a:rPr lang="en-US" dirty="0" smtClean="0"/>
+              <a:rPr lang="en-US" dirty="0"/>
               <a:t>The player’s color bonus cannot be preserved if he/she loses all their cards of a particular color</a:t>
             </a:r>
           </a:p>
@@ -7497,7 +7332,7 @@
               <a:buNone/>
             </a:pPr>
             <a:r>
-              <a:rPr lang="en-US" dirty="0" smtClean="0"/>
+              <a:rPr lang="en-US" dirty="0"/>
               <a:t>It requires iterating over all objects to get the full set of cards in the players hands to move cards or compute final total</a:t>
             </a:r>
           </a:p>
@@ -7507,18 +7342,14 @@
             </a:pPr>
             <a:r>
               <a:rPr lang="en-US" dirty="0"/>
-              <a:t>1</a:t>
-            </a:r>
-            <a:r>
-              <a:rPr lang="en-US" dirty="0" smtClean="0"/>
-              <a:t>c. </a:t>
-            </a:r>
-            <a:r>
-              <a:rPr lang="en-US" dirty="0" err="1" smtClean="0"/>
+              <a:t>1c. </a:t>
+            </a:r>
+            <a:r>
+              <a:rPr lang="en-US" dirty="0" err="1"/>
               <a:t>Playername</a:t>
             </a:r>
             <a:r>
-              <a:rPr lang="en-US" dirty="0" smtClean="0"/>
+              <a:rPr lang="en-US" dirty="0"/>
               <a:t> &amp; player color bonus are duplicated across cards</a:t>
             </a:r>
           </a:p>
@@ -7528,13 +7359,8 @@
             </a:pPr>
             <a:r>
               <a:rPr lang="en-US" dirty="0"/>
-              <a:t>2</a:t>
-            </a:r>
-            <a:r>
-              <a:rPr lang="en-US" dirty="0" smtClean="0"/>
-              <a:t>a.  Player (common noun from problem) not represented</a:t>
-            </a:r>
-            <a:endParaRPr lang="en-US" dirty="0"/>
+              <a:t>2a.  Player (common noun from problem) not represented</a:t>
+            </a:r>
           </a:p>
         </p:txBody>
       </p:sp>
@@ -7591,13 +7417,6 @@
   <p:clrMapOvr>
     <a:masterClrMapping/>
   </p:clrMapOvr>
-  <p:timing>
-    <p:tnLst>
-      <p:par>
-        <p:cTn id="1" dur="indefinite" restart="never" nodeType="tmRoot"/>
-      </p:par>
-    </p:tnLst>
-  </p:timing>
 </p:sld>
 </file>
 
@@ -7647,7 +7466,6 @@
               <a:rPr lang="en-US" sz="2000" dirty="0"/>
               <a:t>In a particular card game, players have hands of cards.  Each card is worth some points and also has a color (red, blue, green).  During play, players accrue bonuses that mean cards of a particular color are worth bonus points.  During play, sometimes a random card is selected from one player's hand and moved to another player's hand.  At the end of game, it is necessary to compute the total points for each player's hand. </a:t>
             </a:r>
-            <a:endParaRPr lang="en-US" sz="2000" dirty="0" smtClean="0"/>
           </a:p>
           <a:p>
             <a:pPr marL="0" indent="0">
@@ -7660,10 +7478,9 @@
               <a:buNone/>
             </a:pPr>
             <a:r>
-              <a:rPr lang="en-US" sz="2000" dirty="0" smtClean="0"/>
+              <a:rPr lang="en-US" sz="2000" dirty="0"/>
               <a:t>What is wrong with this design? (Hint: look at and refer to your design guidelines).  I see at least 2 separate categories violated.</a:t>
             </a:r>
-            <a:endParaRPr lang="en-US" sz="2000" dirty="0"/>
           </a:p>
         </p:txBody>
       </p:sp>
@@ -7747,10 +7564,9 @@
           <a:p>
             <a:pPr algn="ctr"/>
             <a:r>
-              <a:rPr lang="en-US" dirty="0" smtClean="0"/>
+              <a:rPr lang="en-US" dirty="0"/>
               <a:t>4</a:t>
             </a:r>
-            <a:endParaRPr lang="en-US" dirty="0"/>
           </a:p>
         </p:txBody>
       </p:sp>
@@ -7764,13 +7580,6 @@
   <p:clrMapOvr>
     <a:masterClrMapping/>
   </p:clrMapOvr>
-  <p:timing>
-    <p:tnLst>
-      <p:par>
-        <p:cTn id="1" dur="indefinite" restart="never" nodeType="tmRoot"/>
-      </p:par>
-    </p:tnLst>
-  </p:timing>
 </p:sld>
 </file>
 
@@ -7815,7 +7624,7 @@
               <a:buNone/>
             </a:pPr>
             <a:r>
-              <a:rPr lang="en-US" i="1" dirty="0" smtClean="0"/>
+              <a:rPr lang="en-US" i="1" dirty="0"/>
               <a:t>My answer (in order of importance)</a:t>
             </a:r>
           </a:p>
@@ -7825,11 +7634,7 @@
             </a:pPr>
             <a:r>
               <a:rPr lang="en-US" dirty="0"/>
-              <a:t>1</a:t>
-            </a:r>
-            <a:r>
-              <a:rPr lang="en-US" dirty="0" smtClean="0"/>
-              <a:t>a.  The design does not function correctly</a:t>
+              <a:t>1a.  The design does not function correctly</a:t>
             </a:r>
           </a:p>
           <a:p>
@@ -7837,7 +7642,7 @@
               <a:buNone/>
             </a:pPr>
             <a:r>
-              <a:rPr lang="en-US" dirty="0" smtClean="0"/>
+              <a:rPr lang="en-US" dirty="0"/>
               <a:t>Once a card is added to a players hand, its specific point value is lost so the card cannot be randomly moved to another players hand</a:t>
             </a:r>
           </a:p>
@@ -7847,13 +7652,8 @@
             </a:pPr>
             <a:r>
               <a:rPr lang="en-US" dirty="0"/>
-              <a:t>2</a:t>
-            </a:r>
-            <a:r>
-              <a:rPr lang="en-US" dirty="0" smtClean="0"/>
-              <a:t>a.  Card (common noun from problem) not represented</a:t>
-            </a:r>
-            <a:endParaRPr lang="en-US" dirty="0"/>
+              <a:t>2a.  Card (common noun from problem) not represented</a:t>
+            </a:r>
           </a:p>
         </p:txBody>
       </p:sp>
@@ -7910,13 +7710,6 @@
   <p:clrMapOvr>
     <a:masterClrMapping/>
   </p:clrMapOvr>
-  <p:timing>
-    <p:tnLst>
-      <p:par>
-        <p:cTn id="1" dur="indefinite" restart="never" nodeType="tmRoot"/>
-      </p:par>
-    </p:tnLst>
-  </p:timing>
 </p:sld>
 </file>
 
@@ -7964,7 +7757,6 @@
               <a:rPr lang="en-US" dirty="0"/>
               <a:t>In a particular card game, players have hands of cards.  Each card is worth some points and also has a color (red, blue, green).  During play, players accrue bonuses that mean cards of a particular color are worth bonus points.  During play, sometimes a random card is selected from one player's hand and moved to another player's hand.  At the end of game, it is necessary to compute the total points for each player's hand. </a:t>
             </a:r>
-            <a:endParaRPr lang="en-US" dirty="0" smtClean="0"/>
           </a:p>
           <a:p>
             <a:pPr marL="0" indent="0">
@@ -7977,10 +7769,9 @@
               <a:buNone/>
             </a:pPr>
             <a:r>
-              <a:rPr lang="en-US" dirty="0" smtClean="0"/>
+              <a:rPr lang="en-US" dirty="0"/>
               <a:t>Now design your solution that solves all problems.</a:t>
             </a:r>
-            <a:endParaRPr lang="en-US" dirty="0"/>
           </a:p>
         </p:txBody>
       </p:sp>
@@ -8062,10 +7853,9 @@
           <a:p>
             <a:pPr algn="ctr"/>
             <a:r>
-              <a:rPr lang="en-US" dirty="0" smtClean="0"/>
+              <a:rPr lang="en-US" dirty="0"/>
               <a:t>5</a:t>
             </a:r>
-            <a:endParaRPr lang="en-US" dirty="0"/>
           </a:p>
         </p:txBody>
       </p:sp>
@@ -8079,13 +7869,6 @@
   <p:clrMapOvr>
     <a:masterClrMapping/>
   </p:clrMapOvr>
-  <p:timing>
-    <p:tnLst>
-      <p:par>
-        <p:cTn id="1" dur="indefinite" restart="never" nodeType="tmRoot"/>
-      </p:par>
-    </p:tnLst>
-  </p:timing>
 </p:sld>
 </file>
 
@@ -8122,10 +7905,9 @@
           <a:lstStyle/>
           <a:p>
             <a:r>
-              <a:rPr lang="en-US" dirty="0" smtClean="0"/>
+              <a:rPr lang="en-US" dirty="0"/>
               <a:t>My Solution</a:t>
             </a:r>
-            <a:endParaRPr lang="en-US" dirty="0"/>
           </a:p>
         </p:txBody>
       </p:sp>
@@ -8197,22 +7979,21 @@
           <a:lstStyle/>
           <a:p>
             <a:r>
-              <a:rPr lang="en-US" dirty="0" err="1" smtClean="0"/>
+              <a:rPr lang="en-US" dirty="0" err="1"/>
               <a:t>getPoints</a:t>
             </a:r>
             <a:r>
-              <a:rPr lang="en-US" dirty="0" smtClean="0"/>
+              <a:rPr lang="en-US" dirty="0"/>
               <a:t>(), </a:t>
             </a:r>
             <a:r>
-              <a:rPr lang="en-US" dirty="0" err="1" smtClean="0"/>
+              <a:rPr lang="en-US" dirty="0" err="1"/>
               <a:t>getColor</a:t>
             </a:r>
             <a:r>
-              <a:rPr lang="en-US" dirty="0" smtClean="0"/>
+              <a:rPr lang="en-US" dirty="0"/>
               <a:t>() too</a:t>
             </a:r>
-            <a:endParaRPr lang="en-US" dirty="0"/>
           </a:p>
         </p:txBody>
       </p:sp>
@@ -8226,13 +8007,6 @@
   <p:clrMapOvr>
     <a:masterClrMapping/>
   </p:clrMapOvr>
-  <p:timing>
-    <p:tnLst>
-      <p:par>
-        <p:cTn id="1" dur="indefinite" restart="never" nodeType="tmRoot"/>
-      </p:par>
-    </p:tnLst>
-  </p:timing>
 </p:sld>
 </file>
 
@@ -8269,10 +8043,9 @@
           <a:lstStyle/>
           <a:p>
             <a:r>
-              <a:rPr lang="en-US" dirty="0" smtClean="0"/>
+              <a:rPr lang="en-US" dirty="0"/>
               <a:t>For Next Class</a:t>
             </a:r>
-            <a:endParaRPr lang="en-US" dirty="0"/>
           </a:p>
         </p:txBody>
       </p:sp>
@@ -8294,18 +8067,18 @@
           <a:lstStyle/>
           <a:p>
             <a:r>
-              <a:rPr lang="en-US" dirty="0" smtClean="0"/>
-              <a:t>Solve the 2 Design Problems in the handout</a:t>
+              <a:rPr lang="en-US" dirty="0"/>
+              <a:t>Solve the 2 Design Problems in the design problems homework (Part 1 only, not Parts 2 and 3)</a:t>
             </a:r>
           </a:p>
           <a:p>
             <a:pPr lvl="1"/>
             <a:r>
-              <a:rPr lang="en-US" dirty="0" smtClean="0"/>
+              <a:rPr lang="en-US" dirty="0"/>
               <a:t>Bring your solution to be collected </a:t>
             </a:r>
             <a:r>
-              <a:rPr lang="en-US" b="1" dirty="0" smtClean="0">
+              <a:rPr lang="en-US" b="1" dirty="0">
                 <a:solidFill>
                   <a:srgbClr val="FF0000"/>
                 </a:solidFill>
@@ -8313,14 +8086,14 @@
               <a:t>at the start of </a:t>
             </a:r>
             <a:r>
-              <a:rPr lang="en-US" dirty="0" smtClean="0"/>
+              <a:rPr lang="en-US" dirty="0"/>
               <a:t>next class</a:t>
             </a:r>
           </a:p>
           <a:p>
             <a:pPr lvl="1"/>
             <a:r>
-              <a:rPr lang="en-US" dirty="0" smtClean="0"/>
+              <a:rPr lang="en-US" dirty="0"/>
               <a:t>We will go over the solution at the beginning of next class</a:t>
             </a:r>
           </a:p>
@@ -8328,66 +8101,22 @@
             <a:pPr lvl="1"/>
             <a:r>
               <a:rPr lang="en-US" dirty="0"/>
-              <a:t>A</a:t>
-            </a:r>
-            <a:r>
-              <a:rPr lang="en-US" dirty="0" smtClean="0"/>
-              <a:t>nything turned in late will be worth zero points</a:t>
-            </a:r>
-          </a:p>
-          <a:p>
+              <a:t>Anything turned in late will be worth zero points</a:t>
+            </a:r>
+          </a:p>
+          <a:p>
+            <a:pPr lvl="1"/>
             <a:endParaRPr lang="en-US" dirty="0"/>
-          </a:p>
-          <a:p>
-            <a:r>
-              <a:rPr lang="en-US" dirty="0" smtClean="0"/>
-              <a:t>Problem 1 is also associated with ImplementingDesign1 homework</a:t>
-            </a:r>
-          </a:p>
-          <a:p>
-            <a:pPr lvl="1"/>
-            <a:r>
-              <a:rPr lang="en-US" dirty="0" smtClean="0"/>
-              <a:t>Due </a:t>
-            </a:r>
-            <a:r>
-              <a:rPr lang="en-US" b="1" dirty="0" smtClean="0"/>
-              <a:t>Thursday night</a:t>
-            </a:r>
-            <a:r>
-              <a:rPr lang="en-US" dirty="0" smtClean="0"/>
-              <a:t>. (We will go over a solution Wednesday)</a:t>
-            </a:r>
-          </a:p>
-          <a:p>
-            <a:pPr lvl="1"/>
-            <a:r>
-              <a:rPr lang="en-US" dirty="0" smtClean="0"/>
-              <a:t>You will have the option to implement your own design or out solution</a:t>
-            </a:r>
-          </a:p>
-          <a:p>
-            <a:pPr lvl="1"/>
-            <a:r>
-              <a:rPr lang="en-US" dirty="0" smtClean="0">
-                <a:hlinkClick r:id="rId3"/>
-              </a:rPr>
-              <a:t>ImplementingDesign1</a:t>
-            </a:r>
-            <a:r>
-              <a:rPr lang="en-US" dirty="0" smtClean="0"/>
-              <a:t> description</a:t>
-            </a:r>
           </a:p>
           <a:p>
             <a:pPr marL="0" indent="0">
               <a:buNone/>
             </a:pPr>
-            <a:endParaRPr lang="en-US" dirty="0" smtClean="0"/>
-          </a:p>
-          <a:p>
-            <a:r>
-              <a:rPr lang="en-US" dirty="0" smtClean="0"/>
+            <a:endParaRPr lang="en-US" dirty="0"/>
+          </a:p>
+          <a:p>
+            <a:r>
+              <a:rPr lang="en-US" dirty="0"/>
               <a:t>We’ll discuss more design principles next class</a:t>
             </a:r>
           </a:p>
@@ -8409,13 +8138,6 @@
   <p:clrMapOvr>
     <a:masterClrMapping/>
   </p:clrMapOvr>
-  <p:timing>
-    <p:tnLst>
-      <p:par>
-        <p:cTn id="1" dur="indefinite" restart="never" nodeType="tmRoot"/>
-      </p:par>
-    </p:tnLst>
-  </p:timing>
 </p:sld>
 </file>
 
@@ -8457,10 +8179,9 @@
           <a:lstStyle/>
           <a:p>
             <a:r>
-              <a:rPr lang="en-US" dirty="0" smtClean="0"/>
+              <a:rPr lang="en-US" dirty="0"/>
               <a:t>A problem (if we have time)</a:t>
             </a:r>
-            <a:endParaRPr lang="en-US" dirty="0"/>
           </a:p>
         </p:txBody>
       </p:sp>
@@ -8491,57 +8212,37 @@
             </a:pPr>
             <a:r>
               <a:rPr lang="en-US" sz="2400" dirty="0"/>
-              <a:t>A factory sells a small number of unique products.  Each product has </a:t>
-            </a:r>
-            <a:r>
-              <a:rPr lang="en-US" sz="2400" dirty="0" smtClean="0"/>
-              <a:t>an </a:t>
-            </a:r>
-            <a:r>
-              <a:rPr lang="en-US" sz="2400" dirty="0"/>
-              <a:t>id code, a description, price and quantity (the amount currently available at the factory).  When a customer places an order, they buy a specific number of each product.  The order needs to be stored in the system for future reference, with the customer’s name and address</a:t>
-            </a:r>
-            <a:r>
-              <a:rPr lang="en-US" sz="2400" dirty="0" smtClean="0"/>
-              <a:t>.</a:t>
+              <a:t>A factory sells a small number of unique products.  Each product has an id code, a description, price and quantity (the amount currently available at the factory).  When a customer places an order, they buy a specific number of each product.  The order needs to be stored in the system for future reference, with the customer’s name and address.</a:t>
             </a:r>
           </a:p>
           <a:p>
             <a:pPr marL="109537" indent="0">
               <a:buNone/>
             </a:pPr>
-            <a:endParaRPr lang="en-US" sz="2400" dirty="0" smtClean="0"/>
+            <a:endParaRPr lang="en-US" sz="2400" dirty="0"/>
           </a:p>
           <a:p>
             <a:pPr marL="109537" indent="0">
               <a:buNone/>
             </a:pPr>
             <a:r>
-              <a:rPr lang="en-US" sz="2400" dirty="0" smtClean="0"/>
-              <a:t>At </a:t>
-            </a:r>
-            <a:r>
               <a:rPr lang="en-US" sz="2400" dirty="0"/>
-              <a:t>some point, the order should ship to the customer, and that date should also be recorded.</a:t>
+              <a:t>At some point, the order should ship to the customer, and that date should also be recorded.</a:t>
             </a:r>
           </a:p>
           <a:p>
             <a:pPr marL="109537" indent="0">
               <a:buNone/>
             </a:pPr>
-            <a:endParaRPr lang="en-US" sz="2400" dirty="0" smtClean="0"/>
+            <a:endParaRPr lang="en-US" sz="2400" dirty="0"/>
           </a:p>
           <a:p>
             <a:pPr marL="109537" indent="0">
               <a:buNone/>
             </a:pPr>
             <a:r>
-              <a:rPr lang="en-US" sz="2400" dirty="0" smtClean="0"/>
-              <a:t>The </a:t>
-            </a:r>
-            <a:r>
               <a:rPr lang="en-US" sz="2400" dirty="0"/>
-              <a:t>main operation of the system is to add a new order and mark an order as shipped.</a:t>
+              <a:t>The main operation of the system is to add a new order and mark an order as shipped.</a:t>
             </a:r>
           </a:p>
           <a:p>
@@ -8549,10 +8250,9 @@
               <a:buNone/>
             </a:pPr>
             <a:r>
-              <a:rPr lang="en-US" sz="2400" b="1" dirty="0" smtClean="0"/>
+              <a:rPr lang="en-US" sz="2400" b="1" dirty="0"/>
               <a:t>In a group of 2-3, make with an object design for this system and document it in UML (on paper).</a:t>
             </a:r>
-            <a:endParaRPr lang="en-US" sz="2400" b="1" dirty="0"/>
           </a:p>
           <a:p>
             <a:pPr marL="109537" indent="0">
@@ -8572,21 +8272,6 @@
   <p:clrMapOvr>
     <a:masterClrMapping/>
   </p:clrMapOvr>
-  <mc:AlternateContent xmlns:mc="http://schemas.openxmlformats.org/markup-compatibility/2006" xmlns:p14="http://schemas.microsoft.com/office/powerpoint/2010/main">
-    <mc:Choice Requires="p14">
-      <p:transition spd="slow" p14:dur="2000"/>
-    </mc:Choice>
-    <mc:Fallback xmlns="">
-      <p:transition spd="slow"/>
-    </mc:Fallback>
-  </mc:AlternateContent>
-  <p:timing>
-    <p:tnLst>
-      <p:par>
-        <p:cTn id="1" dur="indefinite" restart="never" nodeType="tmRoot"/>
-      </p:par>
-    </p:tnLst>
-  </p:timing>
 </p:sld>
 </file>
 
@@ -8628,10 +8313,9 @@
           <a:lstStyle/>
           <a:p>
             <a:r>
-              <a:rPr lang="en-US" dirty="0" smtClean="0"/>
+              <a:rPr lang="en-US" dirty="0"/>
               <a:t>A problem –revised</a:t>
             </a:r>
-            <a:endParaRPr lang="en-US" dirty="0"/>
           </a:p>
         </p:txBody>
       </p:sp>
@@ -8659,7 +8343,7 @@
               <a:buNone/>
             </a:pPr>
             <a:r>
-              <a:rPr lang="en-US" sz="2400" dirty="0" smtClean="0"/>
+              <a:rPr lang="en-US" sz="2400" dirty="0"/>
               <a:t>Now orders can be partially shipped – i.e. a single order might take several shipments to complete.</a:t>
             </a:r>
           </a:p>
@@ -8667,41 +8351,31 @@
             <a:pPr marL="109537" indent="0">
               <a:buNone/>
             </a:pPr>
-            <a:endParaRPr lang="en-US" sz="2400" dirty="0" smtClean="0"/>
+            <a:endParaRPr lang="en-US" sz="2400" dirty="0"/>
           </a:p>
           <a:p>
             <a:pPr marL="109537" indent="0">
               <a:buNone/>
             </a:pPr>
             <a:r>
-              <a:rPr lang="en-US" sz="2400" dirty="0" smtClean="0"/>
-              <a:t>The </a:t>
-            </a:r>
-            <a:r>
               <a:rPr lang="en-US" sz="2400" dirty="0"/>
-              <a:t>main operation of the system is to add a new order and </a:t>
-            </a:r>
-            <a:r>
-              <a:rPr lang="en-US" sz="2400" dirty="0" smtClean="0"/>
-              <a:t>enter shipments for orders.</a:t>
-            </a:r>
-            <a:endParaRPr lang="en-US" sz="2400" dirty="0"/>
+              <a:t>The main operation of the system is to add a new order and enter shipments for orders.</a:t>
+            </a:r>
           </a:p>
           <a:p>
             <a:pPr marL="109537" indent="0">
               <a:buNone/>
             </a:pPr>
-            <a:endParaRPr lang="en-US" sz="2000" b="1" dirty="0" smtClean="0"/>
+            <a:endParaRPr lang="en-US" sz="2000" b="1" dirty="0"/>
           </a:p>
           <a:p>
             <a:pPr marL="109537" indent="0">
               <a:buNone/>
             </a:pPr>
             <a:r>
-              <a:rPr lang="en-US" sz="2800" b="1" dirty="0" smtClean="0"/>
+              <a:rPr lang="en-US" sz="2800" b="1" dirty="0"/>
               <a:t>In a group of 2-3, revise your design to accommodate this new issue.</a:t>
             </a:r>
-            <a:endParaRPr lang="en-US" sz="2800" b="1" dirty="0"/>
           </a:p>
           <a:p>
             <a:pPr marL="109537" indent="0">
@@ -8721,21 +8395,6 @@
   <p:clrMapOvr>
     <a:masterClrMapping/>
   </p:clrMapOvr>
-  <mc:AlternateContent xmlns:mc="http://schemas.openxmlformats.org/markup-compatibility/2006" xmlns:p14="http://schemas.microsoft.com/office/powerpoint/2010/main">
-    <mc:Choice Requires="p14">
-      <p:transition spd="slow" p14:dur="2000"/>
-    </mc:Choice>
-    <mc:Fallback xmlns="">
-      <p:transition spd="slow"/>
-    </mc:Fallback>
-  </mc:AlternateContent>
-  <p:timing>
-    <p:tnLst>
-      <p:par>
-        <p:cTn id="1" dur="indefinite" restart="never" nodeType="tmRoot"/>
-      </p:par>
-    </p:tnLst>
-  </p:timing>
 </p:sld>
 </file>
 
@@ -8807,21 +8466,6 @@
   <p:clrMapOvr>
     <a:masterClrMapping/>
   </p:clrMapOvr>
-  <mc:AlternateContent xmlns:mc="http://schemas.openxmlformats.org/markup-compatibility/2006" xmlns:p14="http://schemas.microsoft.com/office/powerpoint/2010/main">
-    <mc:Choice Requires="p14">
-      <p:transition spd="slow" p14:dur="2000"/>
-    </mc:Choice>
-    <mc:Fallback xmlns="">
-      <p:transition spd="slow"/>
-    </mc:Fallback>
-  </mc:AlternateContent>
-  <p:timing>
-    <p:tnLst>
-      <p:par>
-        <p:cTn id="1" dur="indefinite" restart="never" nodeType="tmRoot"/>
-      </p:par>
-    </p:tnLst>
-  </p:timing>
 </p:sld>
 </file>
 
@@ -8902,11 +8546,7 @@
             </a:pPr>
             <a:r>
               <a:rPr lang="en-US" dirty="0"/>
-              <a:t>We don’t want to go through the effort of implementing bad ideas in </a:t>
-            </a:r>
-            <a:r>
-              <a:rPr lang="en-US" dirty="0" smtClean="0"/>
-              <a:t>code</a:t>
+              <a:t>We don’t want to go through the effort of implementing bad ideas in code</a:t>
             </a:r>
           </a:p>
           <a:p>
@@ -8915,7 +8555,7 @@
               <a:buChar char="•"/>
             </a:pPr>
             <a:r>
-              <a:rPr lang="en-US" dirty="0" smtClean="0"/>
+              <a:rPr lang="en-US" dirty="0"/>
               <a:t>But we need a way to communicate/think concretely about these half-baked program approaches</a:t>
             </a:r>
           </a:p>
@@ -8925,10 +8565,9 @@
               <a:buChar char="•"/>
             </a:pPr>
             <a:r>
-              <a:rPr lang="en-US" dirty="0" smtClean="0"/>
+              <a:rPr lang="en-US" dirty="0"/>
               <a:t>We need a diagram language!</a:t>
             </a:r>
-            <a:endParaRPr lang="en-US" dirty="0"/>
           </a:p>
           <a:p>
             <a:endParaRPr lang="en-US" dirty="0"/>
@@ -8945,21 +8584,6 @@
   <p:clrMapOvr>
     <a:masterClrMapping/>
   </p:clrMapOvr>
-  <mc:AlternateContent xmlns:mc="http://schemas.openxmlformats.org/markup-compatibility/2006" xmlns:p14="http://schemas.microsoft.com/office/powerpoint/2010/main">
-    <mc:Choice Requires="p14">
-      <p:transition spd="slow" p14:dur="2000"/>
-    </mc:Choice>
-    <mc:Fallback xmlns="">
-      <p:transition spd="slow"/>
-    </mc:Fallback>
-  </mc:AlternateContent>
-  <p:timing>
-    <p:tnLst>
-      <p:par>
-        <p:cTn id="1" dur="indefinite" restart="never" nodeType="tmRoot"/>
-      </p:par>
-    </p:tnLst>
-  </p:timing>
 </p:sld>
 </file>
 
@@ -8996,10 +8620,9 @@
           <a:lstStyle/>
           <a:p>
             <a:r>
-              <a:rPr lang="en-US" dirty="0" smtClean="0"/>
+              <a:rPr lang="en-US" dirty="0"/>
               <a:t>Tools of the Trade</a:t>
             </a:r>
-            <a:endParaRPr lang="en-US" dirty="0"/>
           </a:p>
         </p:txBody>
       </p:sp>
@@ -9019,32 +8642,24 @@
           <a:lstStyle/>
           <a:p>
             <a:r>
-              <a:rPr lang="en-US" dirty="0" smtClean="0"/>
-              <a:t>Class Diagrams</a:t>
-            </a:r>
-            <a:r>
-              <a:rPr lang="en-US" dirty="0"/>
-              <a:t> </a:t>
-            </a:r>
-            <a:r>
-              <a:rPr lang="en-US" dirty="0" smtClean="0"/>
-              <a:t>(UML)</a:t>
-            </a:r>
-          </a:p>
-          <a:p>
-            <a:r>
-              <a:rPr lang="en-US" dirty="0" smtClean="0"/>
+              <a:rPr lang="en-US" dirty="0"/>
+              <a:t>Class Diagrams (UML)</a:t>
+            </a:r>
+          </a:p>
+          <a:p>
+            <a:r>
+              <a:rPr lang="en-US" dirty="0"/>
               <a:t>UML – Unified Modeling Language</a:t>
             </a:r>
           </a:p>
           <a:p>
             <a:pPr lvl="1"/>
             <a:r>
-              <a:rPr lang="en-US" sz="2100" dirty="0" smtClean="0"/>
+              <a:rPr lang="en-US" sz="2100" dirty="0"/>
               <a:t>Language </a:t>
             </a:r>
             <a:r>
-              <a:rPr lang="en-US" sz="2100" dirty="0" smtClean="0">
+              <a:rPr lang="en-US" sz="2100" dirty="0">
                 <a:solidFill>
                   <a:srgbClr val="FF0000"/>
                 </a:solidFill>
@@ -9052,14 +8667,14 @@
               <a:t>un</a:t>
             </a:r>
             <a:r>
-              <a:rPr lang="en-US" sz="2100" dirty="0" smtClean="0"/>
+              <a:rPr lang="en-US" sz="2100" dirty="0"/>
               <a:t>specific</a:t>
             </a:r>
           </a:p>
           <a:p>
             <a:pPr lvl="1"/>
             <a:r>
-              <a:rPr lang="en-US" sz="2100" dirty="0" smtClean="0"/>
+              <a:rPr lang="en-US" sz="2100" dirty="0"/>
               <a:t>Has a lot of different diagrams it provides specifications for – but the class diagram language is the most widely used</a:t>
             </a:r>
           </a:p>
@@ -9075,21 +8690,6 @@
   <p:clrMapOvr>
     <a:masterClrMapping/>
   </p:clrMapOvr>
-  <mc:AlternateContent xmlns:mc="http://schemas.openxmlformats.org/markup-compatibility/2006" xmlns:p14="http://schemas.microsoft.com/office/powerpoint/2010/main">
-    <mc:Choice Requires="p14">
-      <p:transition spd="slow" p14:dur="2000"/>
-    </mc:Choice>
-    <mc:Fallback xmlns="">
-      <p:transition spd="slow"/>
-    </mc:Fallback>
-  </mc:AlternateContent>
-  <p:timing>
-    <p:tnLst>
-      <p:par>
-        <p:cTn id="1" dur="indefinite" restart="never" nodeType="tmRoot"/>
-      </p:par>
-    </p:tnLst>
-  </p:timing>
 </p:sld>
 </file>
 
@@ -9128,10 +8728,9 @@
           <a:lstStyle/>
           <a:p>
             <a:r>
-              <a:rPr lang="en-US" dirty="0" smtClean="0"/>
+              <a:rPr lang="en-US" dirty="0"/>
               <a:t>A little class diagram will get you a long way</a:t>
             </a:r>
-            <a:endParaRPr lang="en-US" dirty="0"/>
           </a:p>
         </p:txBody>
       </p:sp>
@@ -9175,10 +8774,9 @@
                     <a:lstStyle/>
                     <a:p>
                       <a:r>
-                        <a:rPr lang="en-US" dirty="0" smtClean="0"/>
+                        <a:rPr lang="en-US" dirty="0"/>
                         <a:t>Team</a:t>
                       </a:r>
-                      <a:endParaRPr lang="en-US" dirty="0"/>
                     </a:p>
                   </a:txBody>
                   <a:tcPr/>
@@ -9196,23 +8794,22 @@
                     <a:lstStyle/>
                     <a:p>
                       <a:r>
-                        <a:rPr lang="en-US" dirty="0" err="1" smtClean="0"/>
+                        <a:rPr lang="en-US" dirty="0" err="1"/>
                         <a:t>teamAverage</a:t>
                       </a:r>
-                      <a:endParaRPr lang="en-US" dirty="0" smtClean="0"/>
+                      <a:endParaRPr lang="en-US" dirty="0"/>
                     </a:p>
                     <a:p>
                       <a:r>
-                        <a:rPr lang="en-US" dirty="0" smtClean="0"/>
+                        <a:rPr lang="en-US" dirty="0"/>
                         <a:t>name</a:t>
                       </a:r>
                     </a:p>
                     <a:p>
                       <a:r>
-                        <a:rPr lang="en-US" dirty="0" smtClean="0"/>
+                        <a:rPr lang="en-US" dirty="0"/>
                         <a:t>students</a:t>
                       </a:r>
-                      <a:endParaRPr lang="en-US" dirty="0"/>
                     </a:p>
                   </a:txBody>
                   <a:tcPr/>
@@ -9230,21 +8827,21 @@
                     <a:lstStyle/>
                     <a:p>
                       <a:r>
-                        <a:rPr lang="en-US" dirty="0" err="1" smtClean="0"/>
+                        <a:rPr lang="en-US" dirty="0" err="1"/>
                         <a:t>addGrade</a:t>
                       </a:r>
                       <a:r>
-                        <a:rPr lang="en-US" dirty="0" smtClean="0"/>
+                        <a:rPr lang="en-US" dirty="0"/>
                         <a:t>(grade)</a:t>
                       </a:r>
                     </a:p>
                     <a:p>
                       <a:r>
-                        <a:rPr lang="en-US" dirty="0" err="1" smtClean="0"/>
+                        <a:rPr lang="en-US" dirty="0" err="1"/>
                         <a:t>getTeamAverage</a:t>
                       </a:r>
                       <a:r>
-                        <a:rPr lang="en-US" dirty="0" smtClean="0"/>
+                        <a:rPr lang="en-US" dirty="0"/>
                         <a:t>()</a:t>
                       </a:r>
                     </a:p>
@@ -9304,10 +8901,9 @@
                     <a:lstStyle/>
                     <a:p>
                       <a:r>
-                        <a:rPr lang="en-US" dirty="0" smtClean="0"/>
+                        <a:rPr lang="en-US" dirty="0"/>
                         <a:t>Student</a:t>
                       </a:r>
-                      <a:endParaRPr lang="en-US" dirty="0"/>
                     </a:p>
                   </a:txBody>
                   <a:tcPr/>
@@ -9325,16 +8921,15 @@
                     <a:lstStyle/>
                     <a:p>
                       <a:r>
-                        <a:rPr lang="en-US" dirty="0" smtClean="0"/>
+                        <a:rPr lang="en-US" dirty="0"/>
                         <a:t>grades</a:t>
                       </a:r>
                     </a:p>
                     <a:p>
                       <a:r>
-                        <a:rPr lang="en-US" dirty="0" smtClean="0"/>
+                        <a:rPr lang="en-US" dirty="0"/>
                         <a:t>name</a:t>
                       </a:r>
-                      <a:endParaRPr lang="en-US" dirty="0"/>
                     </a:p>
                   </a:txBody>
                   <a:tcPr/>
@@ -9352,11 +8947,11 @@
                     <a:lstStyle/>
                     <a:p>
                       <a:r>
-                        <a:rPr lang="en-US" dirty="0" err="1" smtClean="0"/>
+                        <a:rPr lang="en-US" dirty="0" err="1"/>
                         <a:t>addGrade</a:t>
                       </a:r>
                       <a:r>
-                        <a:rPr lang="en-US" dirty="0" smtClean="0"/>
+                        <a:rPr lang="en-US" dirty="0"/>
                         <a:t>(grade)</a:t>
                       </a:r>
                     </a:p>
@@ -9416,7 +9011,7 @@
                     <a:lstStyle/>
                     <a:p>
                       <a:r>
-                        <a:rPr lang="en-US" dirty="0" err="1" smtClean="0"/>
+                        <a:rPr lang="en-US" dirty="0" err="1"/>
                         <a:t>ClassName</a:t>
                       </a:r>
                       <a:endParaRPr lang="en-US" dirty="0"/>
@@ -9437,10 +9032,9 @@
                     <a:lstStyle/>
                     <a:p>
                       <a:r>
-                        <a:rPr lang="en-US" dirty="0" smtClean="0"/>
+                        <a:rPr lang="en-US" dirty="0"/>
                         <a:t>Field names</a:t>
                       </a:r>
-                      <a:endParaRPr lang="en-US" dirty="0"/>
                     </a:p>
                   </a:txBody>
                   <a:tcPr/>
@@ -9458,7 +9052,7 @@
                     <a:lstStyle/>
                     <a:p>
                       <a:r>
-                        <a:rPr lang="en-US" dirty="0" smtClean="0"/>
+                        <a:rPr lang="en-US" dirty="0"/>
                         <a:t>Method names</a:t>
                       </a:r>
                     </a:p>
@@ -9505,7 +9099,7 @@
               <a:buChar char="•"/>
             </a:pPr>
             <a:r>
-              <a:rPr lang="en-US" dirty="0" smtClean="0"/>
+              <a:rPr lang="en-US" dirty="0"/>
               <a:t>3 sections</a:t>
             </a:r>
           </a:p>
@@ -9515,10 +9109,9 @@
               <a:buChar char="•"/>
             </a:pPr>
             <a:r>
-              <a:rPr lang="en-US" dirty="0" smtClean="0"/>
+              <a:rPr lang="en-US" dirty="0"/>
               <a:t>Not the final version of UML we will teach, but covers the main points</a:t>
             </a:r>
-            <a:endParaRPr lang="en-US" dirty="0"/>
           </a:p>
         </p:txBody>
       </p:sp>
@@ -9575,7 +9168,7 @@
           <a:lstStyle/>
           <a:p>
             <a:r>
-              <a:rPr lang="en-US" b="1" dirty="0" smtClean="0"/>
+              <a:rPr lang="en-US" b="1" dirty="0"/>
               <a:t>Example</a:t>
             </a:r>
           </a:p>
@@ -9591,21 +9184,6 @@
   <p:clrMapOvr>
     <a:masterClrMapping/>
   </p:clrMapOvr>
-  <mc:AlternateContent xmlns:mc="http://schemas.openxmlformats.org/markup-compatibility/2006" xmlns:p14="http://schemas.microsoft.com/office/powerpoint/2010/main">
-    <mc:Choice Requires="p14">
-      <p:transition spd="slow" p14:dur="2000"/>
-    </mc:Choice>
-    <mc:Fallback xmlns="">
-      <p:transition spd="slow"/>
-    </mc:Fallback>
-  </mc:AlternateContent>
-  <p:timing>
-    <p:tnLst>
-      <p:par>
-        <p:cTn id="1" dur="indefinite" restart="never" nodeType="tmRoot"/>
-      </p:par>
-    </p:tnLst>
-  </p:timing>
 </p:sld>
 </file>
 
@@ -9644,10 +9222,9 @@
           <a:lstStyle/>
           <a:p>
             <a:r>
-              <a:rPr lang="en-US" dirty="0" smtClean="0"/>
-              <a:t>Lines</a:t>
-            </a:r>
-            <a:endParaRPr lang="en-US" dirty="0"/>
+              <a:rPr lang="en-US" dirty="0"/>
+              <a:t>Arrows</a:t>
+            </a:r>
           </a:p>
         </p:txBody>
       </p:sp>
@@ -9685,10 +9262,9 @@
                     <a:lstStyle/>
                     <a:p>
                       <a:r>
-                        <a:rPr lang="en-US" dirty="0" smtClean="0"/>
+                        <a:rPr lang="en-US" dirty="0"/>
                         <a:t>Team</a:t>
                       </a:r>
-                      <a:endParaRPr lang="en-US" dirty="0"/>
                     </a:p>
                   </a:txBody>
                   <a:tcPr/>
@@ -9706,23 +9282,22 @@
                     <a:lstStyle/>
                     <a:p>
                       <a:r>
-                        <a:rPr lang="en-US" dirty="0" err="1" smtClean="0"/>
+                        <a:rPr lang="en-US" dirty="0" err="1"/>
                         <a:t>teamAverage</a:t>
                       </a:r>
-                      <a:endParaRPr lang="en-US" dirty="0" smtClean="0"/>
+                      <a:endParaRPr lang="en-US" dirty="0"/>
                     </a:p>
                     <a:p>
                       <a:r>
-                        <a:rPr lang="en-US" dirty="0" smtClean="0"/>
+                        <a:rPr lang="en-US" dirty="0"/>
                         <a:t>name</a:t>
                       </a:r>
                     </a:p>
                     <a:p>
                       <a:r>
-                        <a:rPr lang="en-US" dirty="0" smtClean="0"/>
+                        <a:rPr lang="en-US" dirty="0"/>
                         <a:t>students</a:t>
                       </a:r>
-                      <a:endParaRPr lang="en-US" dirty="0"/>
                     </a:p>
                   </a:txBody>
                   <a:tcPr/>
@@ -9740,21 +9315,21 @@
                     <a:lstStyle/>
                     <a:p>
                       <a:r>
-                        <a:rPr lang="en-US" dirty="0" err="1" smtClean="0"/>
+                        <a:rPr lang="en-US" dirty="0" err="1"/>
                         <a:t>addGrade</a:t>
                       </a:r>
                       <a:r>
-                        <a:rPr lang="en-US" dirty="0" smtClean="0"/>
+                        <a:rPr lang="en-US" dirty="0"/>
                         <a:t>(grade)</a:t>
                       </a:r>
                     </a:p>
                     <a:p>
                       <a:r>
-                        <a:rPr lang="en-US" dirty="0" err="1" smtClean="0"/>
+                        <a:rPr lang="en-US" dirty="0" err="1"/>
                         <a:t>getTeamAverage</a:t>
                       </a:r>
                       <a:r>
-                        <a:rPr lang="en-US" dirty="0" smtClean="0"/>
+                        <a:rPr lang="en-US" dirty="0"/>
                         <a:t>()</a:t>
                       </a:r>
                     </a:p>
@@ -9808,10 +9383,9 @@
                     <a:lstStyle/>
                     <a:p>
                       <a:r>
-                        <a:rPr lang="en-US" dirty="0" smtClean="0"/>
+                        <a:rPr lang="en-US" dirty="0"/>
                         <a:t>Student</a:t>
                       </a:r>
-                      <a:endParaRPr lang="en-US" dirty="0"/>
                     </a:p>
                   </a:txBody>
                   <a:tcPr/>
@@ -9829,16 +9403,15 @@
                     <a:lstStyle/>
                     <a:p>
                       <a:r>
-                        <a:rPr lang="en-US" dirty="0" smtClean="0"/>
+                        <a:rPr lang="en-US" dirty="0"/>
                         <a:t>grades</a:t>
                       </a:r>
                     </a:p>
                     <a:p>
                       <a:r>
-                        <a:rPr lang="en-US" dirty="0" smtClean="0"/>
+                        <a:rPr lang="en-US" dirty="0"/>
                         <a:t>name</a:t>
                       </a:r>
-                      <a:endParaRPr lang="en-US" dirty="0"/>
                     </a:p>
                   </a:txBody>
                   <a:tcPr/>
@@ -9856,11 +9429,11 @@
                     <a:lstStyle/>
                     <a:p>
                       <a:r>
-                        <a:rPr lang="en-US" dirty="0" err="1" smtClean="0"/>
+                        <a:rPr lang="en-US" dirty="0" err="1"/>
                         <a:t>addGrade</a:t>
                       </a:r>
                       <a:r>
-                        <a:rPr lang="en-US" dirty="0" smtClean="0"/>
+                        <a:rPr lang="en-US" dirty="0"/>
                         <a:t>(grade)</a:t>
                       </a:r>
                     </a:p>
@@ -9914,7 +9487,7 @@
                     <a:lstStyle/>
                     <a:p>
                       <a:r>
-                        <a:rPr lang="en-US" dirty="0" err="1" smtClean="0"/>
+                        <a:rPr lang="en-US" dirty="0" err="1"/>
                         <a:t>ClassName</a:t>
                       </a:r>
                       <a:endParaRPr lang="en-US" dirty="0"/>
@@ -9935,10 +9508,9 @@
                     <a:lstStyle/>
                     <a:p>
                       <a:r>
-                        <a:rPr lang="en-US" dirty="0" smtClean="0"/>
+                        <a:rPr lang="en-US" dirty="0"/>
                         <a:t>Field names</a:t>
                       </a:r>
-                      <a:endParaRPr lang="en-US" dirty="0"/>
                     </a:p>
                   </a:txBody>
                   <a:tcPr/>
@@ -9956,7 +9528,7 @@
                     <a:lstStyle/>
                     <a:p>
                       <a:r>
-                        <a:rPr lang="en-US" dirty="0" smtClean="0"/>
+                        <a:rPr lang="en-US" dirty="0"/>
                         <a:t>Method names</a:t>
                       </a:r>
                     </a:p>
@@ -9999,10 +9571,9 @@
           <a:lstStyle/>
           <a:p>
             <a:r>
-              <a:rPr lang="en-US" sz="3200" dirty="0" smtClean="0"/>
+              <a:rPr lang="en-US" sz="3200" dirty="0"/>
               <a:t>A has a B (field)</a:t>
             </a:r>
-            <a:endParaRPr lang="en-US" sz="3200" dirty="0"/>
           </a:p>
         </p:txBody>
       </p:sp>
@@ -10059,7 +9630,7 @@
           <a:lstStyle/>
           <a:p>
             <a:r>
-              <a:rPr lang="en-US" b="1" dirty="0" smtClean="0"/>
+              <a:rPr lang="en-US" b="1" dirty="0"/>
               <a:t>Example</a:t>
             </a:r>
           </a:p>
@@ -10105,7 +9676,7 @@
                     <a:lstStyle/>
                     <a:p>
                       <a:r>
-                        <a:rPr lang="en-US" dirty="0" err="1" smtClean="0"/>
+                        <a:rPr lang="en-US" dirty="0" err="1"/>
                         <a:t>ClassName</a:t>
                       </a:r>
                       <a:endParaRPr lang="en-US" dirty="0"/>
@@ -10126,10 +9697,9 @@
                     <a:lstStyle/>
                     <a:p>
                       <a:r>
-                        <a:rPr lang="en-US" dirty="0" smtClean="0"/>
+                        <a:rPr lang="en-US" dirty="0"/>
                         <a:t>Field names</a:t>
                       </a:r>
-                      <a:endParaRPr lang="en-US" dirty="0"/>
                     </a:p>
                   </a:txBody>
                   <a:tcPr/>
@@ -10147,7 +9717,7 @@
                     <a:lstStyle/>
                     <a:p>
                       <a:r>
-                        <a:rPr lang="en-US" dirty="0" smtClean="0"/>
+                        <a:rPr lang="en-US" dirty="0"/>
                         <a:t>Method names</a:t>
                       </a:r>
                     </a:p>
@@ -10264,7 +9834,7 @@
           <a:lstStyle/>
           <a:p>
             <a:r>
-              <a:rPr lang="en-US" sz="4400" dirty="0" smtClean="0">
+              <a:rPr lang="en-US" sz="4400" dirty="0">
                 <a:latin typeface="Arial Black" panose="020B0A04020102020204" pitchFamily="34" charset="0"/>
               </a:rPr>
               <a:t>*</a:t>
@@ -10298,10 +9868,9 @@
           <a:lstStyle/>
           <a:p>
             <a:r>
-              <a:rPr lang="en-US" dirty="0" smtClean="0"/>
+              <a:rPr lang="en-US" dirty="0"/>
               <a:t>Note the star means several… usually a list or collection.</a:t>
             </a:r>
-            <a:endParaRPr lang="en-US" dirty="0"/>
           </a:p>
         </p:txBody>
       </p:sp>
@@ -10342,10 +9911,9 @@
           <a:p>
             <a:pPr algn="ctr"/>
             <a:r>
-              <a:rPr lang="en-US" dirty="0" smtClean="0"/>
+              <a:rPr lang="en-US" dirty="0"/>
               <a:t>1-2</a:t>
             </a:r>
-            <a:endParaRPr lang="en-US" dirty="0"/>
           </a:p>
         </p:txBody>
       </p:sp>
@@ -10359,21 +9927,6 @@
   <p:clrMapOvr>
     <a:masterClrMapping/>
   </p:clrMapOvr>
-  <mc:AlternateContent xmlns:mc="http://schemas.openxmlformats.org/markup-compatibility/2006" xmlns:p14="http://schemas.microsoft.com/office/powerpoint/2010/main">
-    <mc:Choice Requires="p14">
-      <p:transition spd="slow" p14:dur="2000"/>
-    </mc:Choice>
-    <mc:Fallback xmlns="">
-      <p:transition spd="slow"/>
-    </mc:Fallback>
-  </mc:AlternateContent>
-  <p:timing>
-    <p:tnLst>
-      <p:par>
-        <p:cTn id="1" dur="indefinite" restart="never" nodeType="tmRoot"/>
-      </p:par>
-    </p:tnLst>
-  </p:timing>
 </p:sld>
 </file>
 
@@ -10415,25 +9968,22 @@
               <a:defRPr/>
             </a:pPr>
             <a:r>
-              <a:rPr lang="en-US" dirty="0" smtClean="0">
+              <a:rPr lang="en-US" dirty="0">
                 <a:ea typeface="+mj-ea"/>
               </a:rPr>
               <a:t>Summary of </a:t>
             </a:r>
             <a:br>
-              <a:rPr lang="en-US" dirty="0" smtClean="0">
+              <a:rPr lang="en-US" dirty="0">
                 <a:ea typeface="+mj-ea"/>
               </a:rPr>
             </a:br>
             <a:r>
-              <a:rPr lang="en-US" dirty="0" smtClean="0">
+              <a:rPr lang="en-US" dirty="0">
                 <a:ea typeface="+mj-ea"/>
               </a:rPr>
               <a:t>UML Class Diagram Arrows</a:t>
             </a:r>
-            <a:endParaRPr lang="en-US" dirty="0">
-              <a:ea typeface="+mj-ea"/>
-            </a:endParaRPr>
           </a:p>
         </p:txBody>
       </p:sp>
@@ -10490,17 +10040,16 @@
           <a:p>
             <a:pPr algn="ctr"/>
             <a:r>
-              <a:rPr lang="en-US" dirty="0" smtClean="0"/>
+              <a:rPr lang="en-US" dirty="0"/>
               <a:t>Inheritance</a:t>
             </a:r>
           </a:p>
           <a:p>
             <a:pPr algn="ctr"/>
             <a:r>
-              <a:rPr lang="en-US" dirty="0" smtClean="0"/>
+              <a:rPr lang="en-US" dirty="0"/>
               <a:t>(is-a)</a:t>
             </a:r>
-            <a:endParaRPr lang="en-US" dirty="0"/>
           </a:p>
         </p:txBody>
       </p:sp>
@@ -10528,24 +10077,23 @@
           <a:p>
             <a:pPr algn="ctr"/>
             <a:r>
-              <a:rPr lang="en-US" dirty="0" smtClean="0"/>
+              <a:rPr lang="en-US" dirty="0"/>
               <a:t>Interface </a:t>
             </a:r>
           </a:p>
           <a:p>
             <a:pPr algn="ctr"/>
             <a:r>
-              <a:rPr lang="en-US" dirty="0" smtClean="0"/>
+              <a:rPr lang="en-US" dirty="0"/>
               <a:t>Implementation</a:t>
             </a:r>
           </a:p>
           <a:p>
             <a:pPr algn="ctr"/>
             <a:r>
-              <a:rPr lang="en-US" dirty="0" smtClean="0"/>
+              <a:rPr lang="en-US" dirty="0"/>
               <a:t>(is-a)</a:t>
             </a:r>
-            <a:endParaRPr lang="en-US" dirty="0"/>
           </a:p>
         </p:txBody>
       </p:sp>
@@ -10602,17 +10150,16 @@
           <a:p>
             <a:pPr algn="ctr"/>
             <a:r>
-              <a:rPr lang="en-US" dirty="0" smtClean="0"/>
+              <a:rPr lang="en-US" dirty="0"/>
               <a:t>Association</a:t>
             </a:r>
           </a:p>
           <a:p>
             <a:pPr algn="ctr"/>
             <a:r>
-              <a:rPr lang="en-US" dirty="0" smtClean="0"/>
+              <a:rPr lang="en-US" dirty="0"/>
               <a:t>(has-a-field)</a:t>
             </a:r>
-            <a:endParaRPr lang="en-US" dirty="0"/>
           </a:p>
         </p:txBody>
       </p:sp>
@@ -10698,17 +10245,16 @@
           <a:p>
             <a:pPr algn="ctr"/>
             <a:r>
-              <a:rPr lang="en-US" dirty="0" smtClean="0"/>
+              <a:rPr lang="en-US" dirty="0"/>
               <a:t>Dependency</a:t>
             </a:r>
           </a:p>
           <a:p>
             <a:pPr algn="ctr"/>
             <a:r>
-              <a:rPr lang="en-US" dirty="0" smtClean="0"/>
+              <a:rPr lang="en-US" dirty="0"/>
               <a:t>(depends-on)</a:t>
             </a:r>
-            <a:endParaRPr lang="en-US" dirty="0"/>
           </a:p>
         </p:txBody>
       </p:sp>
@@ -10823,10 +10369,9 @@
           <a:p>
             <a:pPr algn="ctr"/>
             <a:r>
-              <a:rPr lang="en-US" dirty="0" smtClean="0"/>
+              <a:rPr lang="en-US" dirty="0"/>
               <a:t>Two-way Association</a:t>
             </a:r>
-            <a:endParaRPr lang="en-US" dirty="0"/>
           </a:p>
         </p:txBody>
       </p:sp>
@@ -10854,10 +10399,9 @@
           <a:p>
             <a:pPr algn="ctr"/>
             <a:r>
-              <a:rPr lang="en-US" dirty="0" smtClean="0"/>
+              <a:rPr lang="en-US" dirty="0"/>
               <a:t>Two-Way Dependency</a:t>
             </a:r>
-            <a:endParaRPr lang="en-US" dirty="0"/>
           </a:p>
         </p:txBody>
       </p:sp>
@@ -10885,24 +10429,23 @@
           <a:p>
             <a:pPr algn="ctr"/>
             <a:r>
-              <a:rPr lang="en-US" dirty="0" smtClean="0"/>
+              <a:rPr lang="en-US" dirty="0"/>
               <a:t>Cardinality</a:t>
             </a:r>
           </a:p>
           <a:p>
             <a:pPr algn="ctr"/>
             <a:r>
-              <a:rPr lang="en-US" dirty="0" smtClean="0"/>
+              <a:rPr lang="en-US" dirty="0"/>
               <a:t>(one-to-one, one-to-many)</a:t>
             </a:r>
           </a:p>
           <a:p>
             <a:pPr algn="ctr"/>
             <a:r>
-              <a:rPr lang="en-US" dirty="0" smtClean="0"/>
+              <a:rPr lang="en-US" dirty="0"/>
               <a:t>One-to-many is shown on left</a:t>
             </a:r>
-            <a:endParaRPr lang="en-US" dirty="0"/>
           </a:p>
         </p:txBody>
       </p:sp>
@@ -10916,21 +10459,6 @@
   <p:clrMapOvr>
     <a:masterClrMapping/>
   </p:clrMapOvr>
-  <mc:AlternateContent xmlns:mc="http://schemas.openxmlformats.org/markup-compatibility/2006" xmlns:p14="http://schemas.microsoft.com/office/powerpoint/2010/main">
-    <mc:Choice Requires="p14">
-      <p:transition spd="slow" p14:dur="2000"/>
-    </mc:Choice>
-    <mc:Fallback xmlns="">
-      <p:transition spd="slow"/>
-    </mc:Fallback>
-  </mc:AlternateContent>
-  <p:timing>
-    <p:tnLst>
-      <p:par>
-        <p:cTn id="1" dur="indefinite" restart="never" nodeType="tmRoot"/>
-      </p:par>
-    </p:tnLst>
-  </p:timing>
 </p:sld>
 </file>
 
@@ -10967,10 +10495,9 @@
           <a:lstStyle/>
           <a:p>
             <a:r>
-              <a:rPr lang="en-US" dirty="0" smtClean="0"/>
+              <a:rPr lang="en-US" dirty="0"/>
               <a:t>Let’s try to code a simple UML diagram!</a:t>
             </a:r>
-            <a:endParaRPr lang="en-US" dirty="0"/>
           </a:p>
         </p:txBody>
       </p:sp>
@@ -10991,34 +10518,35 @@
           </a:xfrm>
         </p:spPr>
         <p:txBody>
-          <a:bodyPr/>
-          <a:lstStyle/>
-          <a:p>
-            <a:r>
-              <a:rPr lang="en-US" dirty="0" smtClean="0"/>
-              <a:t>Try to make the classes and fields first!</a:t>
-            </a:r>
-          </a:p>
-          <a:p>
-            <a:r>
-              <a:rPr lang="en-US" dirty="0" smtClean="0"/>
+          <a:bodyPr>
+            <a:normAutofit/>
+          </a:bodyPr>
+          <a:lstStyle/>
+          <a:p>
+            <a:r>
+              <a:rPr lang="en-US" dirty="0"/>
+              <a:t>First do the class name and its fields</a:t>
+            </a:r>
+          </a:p>
+          <a:p>
+            <a:r>
+              <a:rPr lang="en-US" dirty="0"/>
               <a:t>You can create empty methods and leave TODOs</a:t>
             </a:r>
           </a:p>
           <a:p>
             <a:r>
-              <a:rPr lang="en-US" dirty="0" smtClean="0"/>
+              <a:rPr lang="en-US" dirty="0"/>
               <a:t>Implement the methods as the </a:t>
             </a:r>
             <a:r>
-              <a:rPr lang="en-US" b="1" dirty="0" smtClean="0"/>
+              <a:rPr lang="en-US" b="1" dirty="0"/>
               <a:t>last</a:t>
             </a:r>
             <a:r>
-              <a:rPr lang="en-US" dirty="0" smtClean="0"/>
+              <a:rPr lang="en-US" dirty="0"/>
               <a:t> thing you do.</a:t>
             </a:r>
-            <a:endParaRPr lang="en-US" dirty="0"/>
           </a:p>
         </p:txBody>
       </p:sp>
@@ -11114,10 +10642,9 @@
           <a:lstStyle/>
           <a:p>
             <a:r>
-              <a:rPr lang="en-US" dirty="0" smtClean="0"/>
+              <a:rPr lang="en-US" dirty="0"/>
               <a:t>Principles of Design (for CSSE220)</a:t>
             </a:r>
-            <a:endParaRPr lang="en-US" dirty="0"/>
           </a:p>
         </p:txBody>
       </p:sp>
@@ -11196,22 +10723,14 @@
             </a:r>
             <a:r>
               <a:rPr lang="en-US" dirty="0"/>
-              <a:t> (id/identifiers are OK</a:t>
-            </a:r>
-            <a:r>
-              <a:rPr lang="en-US" dirty="0" smtClean="0"/>
-              <a:t>!)</a:t>
-            </a:r>
-            <a:endParaRPr lang="en-US" sz="2400" dirty="0" smtClean="0"/>
-          </a:p>
-          <a:p>
-            <a:r>
-              <a:rPr lang="en-US" sz="2400" dirty="0" smtClean="0"/>
-              <a:t>Structure </a:t>
-            </a:r>
+              <a:t> (id/identifiers are OK!)</a:t>
+            </a:r>
+            <a:endParaRPr lang="en-US" sz="2400" dirty="0"/>
+          </a:p>
+          <a:p>
             <a:r>
               <a:rPr lang="en-US" sz="2400" dirty="0"/>
-              <a:t>design </a:t>
+              <a:t>Structure design </a:t>
             </a:r>
             <a:r>
               <a:rPr lang="en-US" sz="2400" b="1" dirty="0"/>
@@ -11226,11 +10745,7 @@
             <a:pPr lvl="1" fontAlgn="base"/>
             <a:r>
               <a:rPr lang="en-US" b="1" dirty="0"/>
-              <a:t>Nouns should become </a:t>
-            </a:r>
-            <a:r>
-              <a:rPr lang="en-US" b="1" dirty="0" smtClean="0"/>
-              <a:t>classes</a:t>
+              <a:t>Nouns should become classes</a:t>
             </a:r>
             <a:endParaRPr lang="en-US" dirty="0"/>
           </a:p>
@@ -11246,23 +10761,15 @@
             </a:r>
             <a:r>
               <a:rPr lang="en-US" b="1" dirty="0"/>
-              <a:t>that may operate on their </a:t>
-            </a:r>
-            <a:r>
-              <a:rPr lang="en-US" b="1" dirty="0" smtClean="0"/>
-              <a:t>data</a:t>
+              <a:t>that may operate on their data</a:t>
             </a:r>
             <a:endParaRPr lang="en-US" dirty="0"/>
           </a:p>
           <a:p>
             <a:pPr fontAlgn="base"/>
             <a:r>
-              <a:rPr lang="en-US" sz="2400" dirty="0" smtClean="0"/>
-              <a:t>Functionality </a:t>
-            </a:r>
-            <a:r>
               <a:rPr lang="en-US" sz="2400" dirty="0"/>
-              <a:t>should be </a:t>
+              <a:t>Functionality should be </a:t>
             </a:r>
             <a:r>
               <a:rPr lang="en-US" sz="2400" b="1" dirty="0"/>
@@ -11285,30 +10792,21 @@
             </a:r>
             <a:r>
               <a:rPr lang="en-US" dirty="0"/>
-              <a:t> it </a:t>
-            </a:r>
-            <a:r>
-              <a:rPr lang="en-US" dirty="0" smtClean="0"/>
-              <a:t>accomplishes</a:t>
-            </a:r>
-            <a:endParaRPr lang="en-US" dirty="0"/>
+              <a:t> it accomplishes</a:t>
+            </a:r>
           </a:p>
           <a:p>
             <a:pPr fontAlgn="base"/>
             <a:r>
-              <a:rPr lang="en-US" sz="2400" b="1" dirty="0" smtClean="0"/>
-              <a:t>Minimize </a:t>
-            </a:r>
-            <a:r>
               <a:rPr lang="en-US" sz="2400" b="1" dirty="0"/>
-              <a:t>dependencies</a:t>
+              <a:t>Minimize dependencies</a:t>
             </a:r>
             <a:r>
               <a:rPr lang="en-US" sz="2400" dirty="0"/>
               <a:t> between objects when it does not disrupt usability or </a:t>
             </a:r>
             <a:r>
-              <a:rPr lang="en-US" sz="2400" dirty="0" err="1" smtClean="0"/>
+              <a:rPr lang="en-US" sz="2400" dirty="0" err="1"/>
               <a:t>extendability</a:t>
             </a:r>
             <a:endParaRPr lang="en-US" sz="2400" dirty="0"/>
@@ -11330,12 +10828,8 @@
           <a:p>
             <a:pPr fontAlgn="base"/>
             <a:r>
-              <a:rPr lang="en-US" sz="2400" b="1" dirty="0" smtClean="0"/>
-              <a:t>Don't </a:t>
-            </a:r>
-            <a:r>
               <a:rPr lang="en-US" sz="2400" b="1" dirty="0"/>
-              <a:t>duplicate</a:t>
+              <a:t>Don't duplicate</a:t>
             </a:r>
             <a:r>
               <a:rPr lang="en-US" sz="2400" dirty="0"/>
@@ -11390,13 +10884,6 @@
   <p:clrMapOvr>
     <a:masterClrMapping/>
   </p:clrMapOvr>
-  <p:timing>
-    <p:tnLst>
-      <p:par>
-        <p:cTn id="1" dur="indefinite" restart="never" nodeType="tmRoot"/>
-      </p:par>
-    </p:tnLst>
-  </p:timing>
 </p:sld>
 </file>
 

--- a/ClassMaterials/SETechniques/Slides/SoftwareEngineeringTechniques.pptx
+++ b/ClassMaterials/SETechniques/Slides/SoftwareEngineeringTechniques.pptx
@@ -5,10 +5,10 @@
     <p:sldMasterId id="2147483672" r:id="rId1"/>
   </p:sldMasterIdLst>
   <p:notesMasterIdLst>
-    <p:notesMasterId r:id="rId30"/>
+    <p:notesMasterId r:id="rId33"/>
   </p:notesMasterIdLst>
   <p:handoutMasterIdLst>
-    <p:handoutMasterId r:id="rId31"/>
+    <p:handoutMasterId r:id="rId34"/>
   </p:handoutMasterIdLst>
   <p:sldIdLst>
     <p:sldId id="301" r:id="rId2"/>
@@ -21,24 +21,27 @@
     <p:sldId id="331" r:id="rId9"/>
     <p:sldId id="313" r:id="rId10"/>
     <p:sldId id="314" r:id="rId11"/>
-    <p:sldId id="316" r:id="rId12"/>
-    <p:sldId id="330" r:id="rId13"/>
-    <p:sldId id="317" r:id="rId14"/>
-    <p:sldId id="318" r:id="rId15"/>
-    <p:sldId id="319" r:id="rId16"/>
-    <p:sldId id="320" r:id="rId17"/>
-    <p:sldId id="321" r:id="rId18"/>
-    <p:sldId id="322" r:id="rId19"/>
-    <p:sldId id="323" r:id="rId20"/>
-    <p:sldId id="327" r:id="rId21"/>
-    <p:sldId id="324" r:id="rId22"/>
-    <p:sldId id="328" r:id="rId23"/>
-    <p:sldId id="325" r:id="rId24"/>
-    <p:sldId id="326" r:id="rId25"/>
+    <p:sldId id="330" r:id="rId12"/>
+    <p:sldId id="316" r:id="rId13"/>
+    <p:sldId id="332" r:id="rId14"/>
+    <p:sldId id="319" r:id="rId15"/>
+    <p:sldId id="340" r:id="rId16"/>
+    <p:sldId id="334" r:id="rId17"/>
+    <p:sldId id="333" r:id="rId18"/>
+    <p:sldId id="335" r:id="rId19"/>
+    <p:sldId id="336" r:id="rId20"/>
+    <p:sldId id="321" r:id="rId21"/>
+    <p:sldId id="337" r:id="rId22"/>
+    <p:sldId id="338" r:id="rId23"/>
+    <p:sldId id="339" r:id="rId24"/>
+    <p:sldId id="322" r:id="rId25"/>
     <p:sldId id="329" r:id="rId26"/>
-    <p:sldId id="309" r:id="rId27"/>
-    <p:sldId id="310" r:id="rId28"/>
-    <p:sldId id="311" r:id="rId29"/>
+    <p:sldId id="323" r:id="rId27"/>
+    <p:sldId id="327" r:id="rId28"/>
+    <p:sldId id="324" r:id="rId29"/>
+    <p:sldId id="328" r:id="rId30"/>
+    <p:sldId id="325" r:id="rId31"/>
+    <p:sldId id="326" r:id="rId32"/>
   </p:sldIdLst>
   <p:sldSz cx="9144000" cy="6858000" type="screen4x3"/>
   <p:notesSz cx="6858000" cy="9144000"/>
@@ -164,6 +167,773 @@
 </p:cmAuthorLst>
 </file>
 
+<file path=ppt/revisionInfo.xml><?xml version="1.0" encoding="utf-8"?>
+<p1510:revInfo xmlns:a="http://schemas.openxmlformats.org/drawingml/2006/main" xmlns:r="http://schemas.openxmlformats.org/officeDocument/2006/relationships" xmlns:p1510="http://schemas.microsoft.com/office/powerpoint/2015/10/main">
+  <p1510:revLst>
+    <p1510:client id="{154263CE-2083-CE8B-80FC-F0EED63857BC}" v="10" dt="2018-09-11T18:14:54.879"/>
+  </p1510:revLst>
+</p1510:revInfo>
+</file>
+
+<file path=ppt/changesInfos/changesInfo1.xml><?xml version="1.0" encoding="utf-8"?>
+<pc:chgInfo xmlns:a="http://schemas.openxmlformats.org/drawingml/2006/main" xmlns:r="http://schemas.openxmlformats.org/officeDocument/2006/relationships" xmlns:ac="http://schemas.microsoft.com/office/drawing/2013/main/command" xmlns:pc="http://schemas.microsoft.com/office/powerpoint/2013/main/command">
+  <pc:docChgLst>
+    <pc:chgData name="Hewner, Michael P" userId="S::hewner@rose-hulman.edu::7f3f83dd-6dfb-4127-a87f-c1714bd4fac9" providerId="AD" clId="Web-{68D3C70D-1EC2-3D80-EDD9-7E2EC6FAF055}"/>
+    <pc:docChg chg="addSld modSld">
+      <pc:chgData name="Hewner, Michael P" userId="S::hewner@rose-hulman.edu::7f3f83dd-6dfb-4127-a87f-c1714bd4fac9" providerId="AD" clId="Web-{68D3C70D-1EC2-3D80-EDD9-7E2EC6FAF055}" dt="2018-09-10T21:08:07.539" v="19" actId="20577"/>
+      <pc:docMkLst>
+        <pc:docMk/>
+      </pc:docMkLst>
+      <pc:sldChg chg="modSp new">
+        <pc:chgData name="Hewner, Michael P" userId="S::hewner@rose-hulman.edu::7f3f83dd-6dfb-4127-a87f-c1714bd4fac9" providerId="AD" clId="Web-{68D3C70D-1EC2-3D80-EDD9-7E2EC6FAF055}" dt="2018-09-10T20:52:41.210" v="17" actId="20577"/>
+        <pc:sldMkLst>
+          <pc:docMk/>
+          <pc:sldMk cId="934512240" sldId="332"/>
+        </pc:sldMkLst>
+        <pc:spChg chg="mod">
+          <ac:chgData name="Hewner, Michael P" userId="S::hewner@rose-hulman.edu::7f3f83dd-6dfb-4127-a87f-c1714bd4fac9" providerId="AD" clId="Web-{68D3C70D-1EC2-3D80-EDD9-7E2EC6FAF055}" dt="2018-09-10T20:52:41.210" v="17" actId="20577"/>
+          <ac:spMkLst>
+            <pc:docMk/>
+            <pc:sldMk cId="934512240" sldId="332"/>
+            <ac:spMk id="2" creationId="{90661CDA-10D9-4E16-94B4-CFF5CFDAD515}"/>
+          </ac:spMkLst>
+        </pc:spChg>
+      </pc:sldChg>
+    </pc:docChg>
+  </pc:docChgLst>
+  <pc:docChgLst>
+    <pc:chgData name="Hewner, Michael P" userId="S::hewner@rose-hulman.edu::7f3f83dd-6dfb-4127-a87f-c1714bd4fac9" providerId="AD" clId="Web-{154263CE-2083-CE8B-80FC-F0EED63857BC}"/>
+    <pc:docChg chg="addSld delSld modSld sldOrd">
+      <pc:chgData name="Hewner, Michael P" userId="S::hewner@rose-hulman.edu::7f3f83dd-6dfb-4127-a87f-c1714bd4fac9" providerId="AD" clId="Web-{154263CE-2083-CE8B-80FC-F0EED63857BC}" dt="2018-09-11T21:22:10.419" v="982" actId="20577"/>
+      <pc:docMkLst>
+        <pc:docMk/>
+      </pc:docMkLst>
+      <pc:sldChg chg="del">
+        <pc:chgData name="Hewner, Michael P" userId="S::hewner@rose-hulman.edu::7f3f83dd-6dfb-4127-a87f-c1714bd4fac9" providerId="AD" clId="Web-{154263CE-2083-CE8B-80FC-F0EED63857BC}" dt="2018-09-11T20:27:59.669" v="816"/>
+        <pc:sldMkLst>
+          <pc:docMk/>
+          <pc:sldMk cId="271842557" sldId="309"/>
+        </pc:sldMkLst>
+      </pc:sldChg>
+      <pc:sldChg chg="del">
+        <pc:chgData name="Hewner, Michael P" userId="S::hewner@rose-hulman.edu::7f3f83dd-6dfb-4127-a87f-c1714bd4fac9" providerId="AD" clId="Web-{154263CE-2083-CE8B-80FC-F0EED63857BC}" dt="2018-09-11T20:27:59.669" v="815"/>
+        <pc:sldMkLst>
+          <pc:docMk/>
+          <pc:sldMk cId="3286282107" sldId="310"/>
+        </pc:sldMkLst>
+      </pc:sldChg>
+      <pc:sldChg chg="del">
+        <pc:chgData name="Hewner, Michael P" userId="S::hewner@rose-hulman.edu::7f3f83dd-6dfb-4127-a87f-c1714bd4fac9" providerId="AD" clId="Web-{154263CE-2083-CE8B-80FC-F0EED63857BC}" dt="2018-09-11T20:27:59.669" v="814"/>
+        <pc:sldMkLst>
+          <pc:docMk/>
+          <pc:sldMk cId="1363727725" sldId="311"/>
+        </pc:sldMkLst>
+      </pc:sldChg>
+      <pc:sldChg chg="ord">
+        <pc:chgData name="Hewner, Michael P" userId="S::hewner@rose-hulman.edu::7f3f83dd-6dfb-4127-a87f-c1714bd4fac9" providerId="AD" clId="Web-{154263CE-2083-CE8B-80FC-F0EED63857BC}" dt="2018-09-11T17:32:24.298" v="255"/>
+        <pc:sldMkLst>
+          <pc:docMk/>
+          <pc:sldMk cId="3244535212" sldId="316"/>
+        </pc:sldMkLst>
+      </pc:sldChg>
+      <pc:sldChg chg="addSp delSp modSp del">
+        <pc:chgData name="Hewner, Michael P" userId="S::hewner@rose-hulman.edu::7f3f83dd-6dfb-4127-a87f-c1714bd4fac9" providerId="AD" clId="Web-{154263CE-2083-CE8B-80FC-F0EED63857BC}" dt="2018-09-11T18:10:59.256" v="522"/>
+        <pc:sldMkLst>
+          <pc:docMk/>
+          <pc:sldMk cId="3402972757" sldId="317"/>
+        </pc:sldMkLst>
+        <pc:spChg chg="del">
+          <ac:chgData name="Hewner, Michael P" userId="S::hewner@rose-hulman.edu::7f3f83dd-6dfb-4127-a87f-c1714bd4fac9" providerId="AD" clId="Web-{154263CE-2083-CE8B-80FC-F0EED63857BC}" dt="2018-09-11T18:07:52.917" v="488"/>
+          <ac:spMkLst>
+            <pc:docMk/>
+            <pc:sldMk cId="3402972757" sldId="317"/>
+            <ac:spMk id="2" creationId="{00000000-0000-0000-0000-000000000000}"/>
+          </ac:spMkLst>
+        </pc:spChg>
+        <pc:spChg chg="mod">
+          <ac:chgData name="Hewner, Michael P" userId="S::hewner@rose-hulman.edu::7f3f83dd-6dfb-4127-a87f-c1714bd4fac9" providerId="AD" clId="Web-{154263CE-2083-CE8B-80FC-F0EED63857BC}" dt="2018-09-11T18:08:25.247" v="499" actId="20577"/>
+          <ac:spMkLst>
+            <pc:docMk/>
+            <pc:sldMk cId="3402972757" sldId="317"/>
+            <ac:spMk id="3" creationId="{00000000-0000-0000-0000-000000000000}"/>
+          </ac:spMkLst>
+        </pc:spChg>
+        <pc:spChg chg="add del mod">
+          <ac:chgData name="Hewner, Michael P" userId="S::hewner@rose-hulman.edu::7f3f83dd-6dfb-4127-a87f-c1714bd4fac9" providerId="AD" clId="Web-{154263CE-2083-CE8B-80FC-F0EED63857BC}" dt="2018-09-11T18:07:58.980" v="489"/>
+          <ac:spMkLst>
+            <pc:docMk/>
+            <pc:sldMk cId="3402972757" sldId="317"/>
+            <ac:spMk id="5" creationId="{F4D25B1E-2C38-4EAD-81DC-025C6E65EA8F}"/>
+          </ac:spMkLst>
+        </pc:spChg>
+        <pc:spChg chg="add">
+          <ac:chgData name="Hewner, Michael P" userId="S::hewner@rose-hulman.edu::7f3f83dd-6dfb-4127-a87f-c1714bd4fac9" providerId="AD" clId="Web-{154263CE-2083-CE8B-80FC-F0EED63857BC}" dt="2018-09-11T18:10:15.831" v="510"/>
+          <ac:spMkLst>
+            <pc:docMk/>
+            <pc:sldMk cId="3402972757" sldId="317"/>
+            <ac:spMk id="11" creationId="{101A6851-EB80-43E5-9883-D02508EB1D15}"/>
+          </ac:spMkLst>
+        </pc:spChg>
+        <pc:spChg chg="add mod">
+          <ac:chgData name="Hewner, Michael P" userId="S::hewner@rose-hulman.edu::7f3f83dd-6dfb-4127-a87f-c1714bd4fac9" providerId="AD" clId="Web-{154263CE-2083-CE8B-80FC-F0EED63857BC}" dt="2018-09-11T18:10:41.317" v="518" actId="20577"/>
+          <ac:spMkLst>
+            <pc:docMk/>
+            <pc:sldMk cId="3402972757" sldId="317"/>
+            <ac:spMk id="12" creationId="{EEDB3F3A-B924-43BD-B79D-7AC32A265E50}"/>
+          </ac:spMkLst>
+        </pc:spChg>
+        <pc:picChg chg="add mod">
+          <ac:chgData name="Hewner, Michael P" userId="S::hewner@rose-hulman.edu::7f3f83dd-6dfb-4127-a87f-c1714bd4fac9" providerId="AD" clId="Web-{154263CE-2083-CE8B-80FC-F0EED63857BC}" dt="2018-09-11T18:09:52.408" v="508" actId="14100"/>
+          <ac:picMkLst>
+            <pc:docMk/>
+            <pc:sldMk cId="3402972757" sldId="317"/>
+            <ac:picMk id="7" creationId="{2824F9DF-09BF-47EA-9E73-C848AEDB121C}"/>
+          </ac:picMkLst>
+        </pc:picChg>
+        <pc:picChg chg="add mod">
+          <ac:chgData name="Hewner, Michael P" userId="S::hewner@rose-hulman.edu::7f3f83dd-6dfb-4127-a87f-c1714bd4fac9" providerId="AD" clId="Web-{154263CE-2083-CE8B-80FC-F0EED63857BC}" dt="2018-09-11T18:10:25.019" v="512" actId="1076"/>
+          <ac:picMkLst>
+            <pc:docMk/>
+            <pc:sldMk cId="3402972757" sldId="317"/>
+            <ac:picMk id="9" creationId="{2E19657F-F690-4407-8844-8A131E595DBC}"/>
+          </ac:picMkLst>
+        </pc:picChg>
+      </pc:sldChg>
+      <pc:sldChg chg="del">
+        <pc:chgData name="Hewner, Michael P" userId="S::hewner@rose-hulman.edu::7f3f83dd-6dfb-4127-a87f-c1714bd4fac9" providerId="AD" clId="Web-{154263CE-2083-CE8B-80FC-F0EED63857BC}" dt="2018-09-11T18:10:59.256" v="521"/>
+        <pc:sldMkLst>
+          <pc:docMk/>
+          <pc:sldMk cId="2066255825" sldId="318"/>
+        </pc:sldMkLst>
+      </pc:sldChg>
+      <pc:sldChg chg="addSp delSp modSp ord">
+        <pc:chgData name="Hewner, Michael P" userId="S::hewner@rose-hulman.edu::7f3f83dd-6dfb-4127-a87f-c1714bd4fac9" providerId="AD" clId="Web-{154263CE-2083-CE8B-80FC-F0EED63857BC}" dt="2018-09-11T21:15:49.406" v="866" actId="1076"/>
+        <pc:sldMkLst>
+          <pc:docMk/>
+          <pc:sldMk cId="3586060811" sldId="319"/>
+        </pc:sldMkLst>
+        <pc:spChg chg="mod">
+          <ac:chgData name="Hewner, Michael P" userId="S::hewner@rose-hulman.edu::7f3f83dd-6dfb-4127-a87f-c1714bd4fac9" providerId="AD" clId="Web-{154263CE-2083-CE8B-80FC-F0EED63857BC}" dt="2018-09-11T17:32:24.204" v="253" actId="20577"/>
+          <ac:spMkLst>
+            <pc:docMk/>
+            <pc:sldMk cId="3586060811" sldId="319"/>
+            <ac:spMk id="2" creationId="{00000000-0000-0000-0000-000000000000}"/>
+          </ac:spMkLst>
+        </pc:spChg>
+        <pc:picChg chg="add del mod">
+          <ac:chgData name="Hewner, Michael P" userId="S::hewner@rose-hulman.edu::7f3f83dd-6dfb-4127-a87f-c1714bd4fac9" providerId="AD" clId="Web-{154263CE-2083-CE8B-80FC-F0EED63857BC}" dt="2018-09-11T21:15:36.734" v="864"/>
+          <ac:picMkLst>
+            <pc:docMk/>
+            <pc:sldMk cId="3586060811" sldId="319"/>
+            <ac:picMk id="4" creationId="{24DB4AF2-5E3B-42F9-A2B9-7DD532ECD5F5}"/>
+          </ac:picMkLst>
+        </pc:picChg>
+        <pc:picChg chg="add mod">
+          <ac:chgData name="Hewner, Michael P" userId="S::hewner@rose-hulman.edu::7f3f83dd-6dfb-4127-a87f-c1714bd4fac9" providerId="AD" clId="Web-{154263CE-2083-CE8B-80FC-F0EED63857BC}" dt="2018-09-11T21:15:49.406" v="866" actId="1076"/>
+          <ac:picMkLst>
+            <pc:docMk/>
+            <pc:sldMk cId="3586060811" sldId="319"/>
+            <ac:picMk id="6" creationId="{027D1337-90DB-4BC9-9C29-E469F810DE74}"/>
+          </ac:picMkLst>
+        </pc:picChg>
+        <pc:picChg chg="del">
+          <ac:chgData name="Hewner, Michael P" userId="S::hewner@rose-hulman.edu::7f3f83dd-6dfb-4127-a87f-c1714bd4fac9" providerId="AD" clId="Web-{154263CE-2083-CE8B-80FC-F0EED63857BC}" dt="2018-09-11T17:27:53.720" v="47"/>
+          <ac:picMkLst>
+            <pc:docMk/>
+            <pc:sldMk cId="3586060811" sldId="319"/>
+            <ac:picMk id="2050" creationId="{00000000-0000-0000-0000-000000000000}"/>
+          </ac:picMkLst>
+        </pc:picChg>
+      </pc:sldChg>
+      <pc:sldChg chg="del">
+        <pc:chgData name="Hewner, Michael P" userId="S::hewner@rose-hulman.edu::7f3f83dd-6dfb-4127-a87f-c1714bd4fac9" providerId="AD" clId="Web-{154263CE-2083-CE8B-80FC-F0EED63857BC}" dt="2018-09-11T18:10:59.256" v="520"/>
+        <pc:sldMkLst>
+          <pc:docMk/>
+          <pc:sldMk cId="1337980030" sldId="320"/>
+        </pc:sldMkLst>
+      </pc:sldChg>
+      <pc:sldChg chg="addSp delSp modSp modNotes">
+        <pc:chgData name="Hewner, Michael P" userId="S::hewner@rose-hulman.edu::7f3f83dd-6dfb-4127-a87f-c1714bd4fac9" providerId="AD" clId="Web-{154263CE-2083-CE8B-80FC-F0EED63857BC}" dt="2018-09-11T21:22:10.419" v="982" actId="20577"/>
+        <pc:sldMkLst>
+          <pc:docMk/>
+          <pc:sldMk cId="1191815744" sldId="321"/>
+        </pc:sldMkLst>
+        <pc:spChg chg="del">
+          <ac:chgData name="Hewner, Michael P" userId="S::hewner@rose-hulman.edu::7f3f83dd-6dfb-4127-a87f-c1714bd4fac9" providerId="AD" clId="Web-{154263CE-2083-CE8B-80FC-F0EED63857BC}" dt="2018-09-11T18:16:32.291" v="589"/>
+          <ac:spMkLst>
+            <pc:docMk/>
+            <pc:sldMk cId="1191815744" sldId="321"/>
+            <ac:spMk id="2" creationId="{00000000-0000-0000-0000-000000000000}"/>
+          </ac:spMkLst>
+        </pc:spChg>
+        <pc:spChg chg="add mod">
+          <ac:chgData name="Hewner, Michael P" userId="S::hewner@rose-hulman.edu::7f3f83dd-6dfb-4127-a87f-c1714bd4fac9" providerId="AD" clId="Web-{154263CE-2083-CE8B-80FC-F0EED63857BC}" dt="2018-09-11T21:22:10.419" v="982" actId="20577"/>
+          <ac:spMkLst>
+            <pc:docMk/>
+            <pc:sldMk cId="1191815744" sldId="321"/>
+            <ac:spMk id="3" creationId="{2A10AC4C-8C82-4E9E-9FEE-D78D88FB7E02}"/>
+          </ac:spMkLst>
+        </pc:spChg>
+        <pc:spChg chg="mod">
+          <ac:chgData name="Hewner, Michael P" userId="S::hewner@rose-hulman.edu::7f3f83dd-6dfb-4127-a87f-c1714bd4fac9" providerId="AD" clId="Web-{154263CE-2083-CE8B-80FC-F0EED63857BC}" dt="2018-09-11T20:07:49.427" v="651" actId="1076"/>
+          <ac:spMkLst>
+            <pc:docMk/>
+            <pc:sldMk cId="1191815744" sldId="321"/>
+            <ac:spMk id="4" creationId="{00000000-0000-0000-0000-000000000000}"/>
+          </ac:spMkLst>
+        </pc:spChg>
+        <pc:spChg chg="add del mod">
+          <ac:chgData name="Hewner, Michael P" userId="S::hewner@rose-hulman.edu::7f3f83dd-6dfb-4127-a87f-c1714bd4fac9" providerId="AD" clId="Web-{154263CE-2083-CE8B-80FC-F0EED63857BC}" dt="2018-09-11T18:16:38.978" v="590"/>
+          <ac:spMkLst>
+            <pc:docMk/>
+            <pc:sldMk cId="1191815744" sldId="321"/>
+            <ac:spMk id="6" creationId="{802B71F5-5F23-4175-856A-E6DDE4C39E06}"/>
+          </ac:spMkLst>
+        </pc:spChg>
+        <pc:spChg chg="mod">
+          <ac:chgData name="Hewner, Michael P" userId="S::hewner@rose-hulman.edu::7f3f83dd-6dfb-4127-a87f-c1714bd4fac9" providerId="AD" clId="Web-{154263CE-2083-CE8B-80FC-F0EED63857BC}" dt="2018-09-11T20:07:58.068" v="653" actId="1076"/>
+          <ac:spMkLst>
+            <pc:docMk/>
+            <pc:sldMk cId="1191815744" sldId="321"/>
+            <ac:spMk id="7" creationId="{00000000-0000-0000-0000-000000000000}"/>
+          </ac:spMkLst>
+        </pc:spChg>
+        <pc:spChg chg="add mod">
+          <ac:chgData name="Hewner, Michael P" userId="S::hewner@rose-hulman.edu::7f3f83dd-6dfb-4127-a87f-c1714bd4fac9" providerId="AD" clId="Web-{154263CE-2083-CE8B-80FC-F0EED63857BC}" dt="2018-09-11T20:05:56.827" v="628" actId="20577"/>
+          <ac:spMkLst>
+            <pc:docMk/>
+            <pc:sldMk cId="1191815744" sldId="321"/>
+            <ac:spMk id="8" creationId="{B59FA005-C3EF-40E7-B128-43C07DBBC66C}"/>
+          </ac:spMkLst>
+        </pc:spChg>
+        <pc:picChg chg="add mod">
+          <ac:chgData name="Hewner, Michael P" userId="S::hewner@rose-hulman.edu::7f3f83dd-6dfb-4127-a87f-c1714bd4fac9" providerId="AD" clId="Web-{154263CE-2083-CE8B-80FC-F0EED63857BC}" dt="2018-09-11T20:07:53.646" v="652" actId="1076"/>
+          <ac:picMkLst>
+            <pc:docMk/>
+            <pc:sldMk cId="1191815744" sldId="321"/>
+            <ac:picMk id="2" creationId="{C30AE8A5-582E-41E2-A715-A60B289F94BE}"/>
+          </ac:picMkLst>
+        </pc:picChg>
+        <pc:picChg chg="add mod ord">
+          <ac:chgData name="Hewner, Michael P" userId="S::hewner@rose-hulman.edu::7f3f83dd-6dfb-4127-a87f-c1714bd4fac9" providerId="AD" clId="Web-{154263CE-2083-CE8B-80FC-F0EED63857BC}" dt="2018-09-11T20:07:41.786" v="650"/>
+          <ac:picMkLst>
+            <pc:docMk/>
+            <pc:sldMk cId="1191815744" sldId="321"/>
+            <ac:picMk id="6" creationId="{D288754E-1D61-494B-894C-22312A1C08BA}"/>
+          </ac:picMkLst>
+        </pc:picChg>
+        <pc:picChg chg="del mod">
+          <ac:chgData name="Hewner, Michael P" userId="S::hewner@rose-hulman.edu::7f3f83dd-6dfb-4127-a87f-c1714bd4fac9" providerId="AD" clId="Web-{154263CE-2083-CE8B-80FC-F0EED63857BC}" dt="2018-09-11T20:06:02.405" v="630"/>
+          <ac:picMkLst>
+            <pc:docMk/>
+            <pc:sldMk cId="1191815744" sldId="321"/>
+            <ac:picMk id="3074" creationId="{00000000-0000-0000-0000-000000000000}"/>
+          </ac:picMkLst>
+        </pc:picChg>
+        <pc:picChg chg="del mod">
+          <ac:chgData name="Hewner, Michael P" userId="S::hewner@rose-hulman.edu::7f3f83dd-6dfb-4127-a87f-c1714bd4fac9" providerId="AD" clId="Web-{154263CE-2083-CE8B-80FC-F0EED63857BC}" dt="2018-09-11T20:06:05.327" v="631"/>
+          <ac:picMkLst>
+            <pc:docMk/>
+            <pc:sldMk cId="1191815744" sldId="321"/>
+            <ac:picMk id="3076" creationId="{00000000-0000-0000-0000-000000000000}"/>
+          </ac:picMkLst>
+        </pc:picChg>
+        <pc:cxnChg chg="del mod">
+          <ac:chgData name="Hewner, Michael P" userId="S::hewner@rose-hulman.edu::7f3f83dd-6dfb-4127-a87f-c1714bd4fac9" providerId="AD" clId="Web-{154263CE-2083-CE8B-80FC-F0EED63857BC}" dt="2018-09-11T20:06:31.751" v="635"/>
+          <ac:cxnSpMkLst>
+            <pc:docMk/>
+            <pc:sldMk cId="1191815744" sldId="321"/>
+            <ac:cxnSpMk id="5" creationId="{00000000-0000-0000-0000-000000000000}"/>
+          </ac:cxnSpMkLst>
+        </pc:cxnChg>
+      </pc:sldChg>
+      <pc:sldChg chg="modSp">
+        <pc:chgData name="Hewner, Michael P" userId="S::hewner@rose-hulman.edu::7f3f83dd-6dfb-4127-a87f-c1714bd4fac9" providerId="AD" clId="Web-{154263CE-2083-CE8B-80FC-F0EED63857BC}" dt="2018-09-11T18:14:54.879" v="588" actId="20577"/>
+        <pc:sldMkLst>
+          <pc:docMk/>
+          <pc:sldMk cId="288622274" sldId="322"/>
+        </pc:sldMkLst>
+        <pc:spChg chg="mod">
+          <ac:chgData name="Hewner, Michael P" userId="S::hewner@rose-hulman.edu::7f3f83dd-6dfb-4127-a87f-c1714bd4fac9" providerId="AD" clId="Web-{154263CE-2083-CE8B-80FC-F0EED63857BC}" dt="2018-09-11T18:14:54.879" v="588" actId="20577"/>
+          <ac:spMkLst>
+            <pc:docMk/>
+            <pc:sldMk cId="288622274" sldId="322"/>
+            <ac:spMk id="3" creationId="{00000000-0000-0000-0000-000000000000}"/>
+          </ac:spMkLst>
+        </pc:spChg>
+      </pc:sldChg>
+      <pc:sldChg chg="delSp">
+        <pc:chgData name="Hewner, Michael P" userId="S::hewner@rose-hulman.edu::7f3f83dd-6dfb-4127-a87f-c1714bd4fac9" providerId="AD" clId="Web-{154263CE-2083-CE8B-80FC-F0EED63857BC}" dt="2018-09-11T20:28:06.091" v="817"/>
+        <pc:sldMkLst>
+          <pc:docMk/>
+          <pc:sldMk cId="1517563015" sldId="323"/>
+        </pc:sldMkLst>
+        <pc:spChg chg="del">
+          <ac:chgData name="Hewner, Michael P" userId="S::hewner@rose-hulman.edu::7f3f83dd-6dfb-4127-a87f-c1714bd4fac9" providerId="AD" clId="Web-{154263CE-2083-CE8B-80FC-F0EED63857BC}" dt="2018-09-11T20:28:06.091" v="817"/>
+          <ac:spMkLst>
+            <pc:docMk/>
+            <pc:sldMk cId="1517563015" sldId="323"/>
+            <ac:spMk id="4" creationId="{00000000-0000-0000-0000-000000000000}"/>
+          </ac:spMkLst>
+        </pc:spChg>
+      </pc:sldChg>
+      <pc:sldChg chg="delSp">
+        <pc:chgData name="Hewner, Michael P" userId="S::hewner@rose-hulman.edu::7f3f83dd-6dfb-4127-a87f-c1714bd4fac9" providerId="AD" clId="Web-{154263CE-2083-CE8B-80FC-F0EED63857BC}" dt="2018-09-11T20:28:14.138" v="818"/>
+        <pc:sldMkLst>
+          <pc:docMk/>
+          <pc:sldMk cId="1987207798" sldId="324"/>
+        </pc:sldMkLst>
+        <pc:spChg chg="del">
+          <ac:chgData name="Hewner, Michael P" userId="S::hewner@rose-hulman.edu::7f3f83dd-6dfb-4127-a87f-c1714bd4fac9" providerId="AD" clId="Web-{154263CE-2083-CE8B-80FC-F0EED63857BC}" dt="2018-09-11T20:28:14.138" v="818"/>
+          <ac:spMkLst>
+            <pc:docMk/>
+            <pc:sldMk cId="1987207798" sldId="324"/>
+            <ac:spMk id="5" creationId="{00000000-0000-0000-0000-000000000000}"/>
+          </ac:spMkLst>
+        </pc:spChg>
+      </pc:sldChg>
+      <pc:sldChg chg="delSp">
+        <pc:chgData name="Hewner, Michael P" userId="S::hewner@rose-hulman.edu::7f3f83dd-6dfb-4127-a87f-c1714bd4fac9" providerId="AD" clId="Web-{154263CE-2083-CE8B-80FC-F0EED63857BC}" dt="2018-09-11T20:28:17.717" v="819"/>
+        <pc:sldMkLst>
+          <pc:docMk/>
+          <pc:sldMk cId="2832512333" sldId="325"/>
+        </pc:sldMkLst>
+        <pc:spChg chg="del">
+          <ac:chgData name="Hewner, Michael P" userId="S::hewner@rose-hulman.edu::7f3f83dd-6dfb-4127-a87f-c1714bd4fac9" providerId="AD" clId="Web-{154263CE-2083-CE8B-80FC-F0EED63857BC}" dt="2018-09-11T20:28:17.717" v="819"/>
+          <ac:spMkLst>
+            <pc:docMk/>
+            <pc:sldMk cId="2832512333" sldId="325"/>
+            <ac:spMk id="4" creationId="{00000000-0000-0000-0000-000000000000}"/>
+          </ac:spMkLst>
+        </pc:spChg>
+      </pc:sldChg>
+      <pc:sldChg chg="modSp ord">
+        <pc:chgData name="Hewner, Michael P" userId="S::hewner@rose-hulman.edu::7f3f83dd-6dfb-4127-a87f-c1714bd4fac9" providerId="AD" clId="Web-{154263CE-2083-CE8B-80FC-F0EED63857BC}" dt="2018-09-11T21:05:13.902" v="841" actId="20577"/>
+        <pc:sldMkLst>
+          <pc:docMk/>
+          <pc:sldMk cId="1893570158" sldId="329"/>
+        </pc:sldMkLst>
+        <pc:spChg chg="mod">
+          <ac:chgData name="Hewner, Michael P" userId="S::hewner@rose-hulman.edu::7f3f83dd-6dfb-4127-a87f-c1714bd4fac9" providerId="AD" clId="Web-{154263CE-2083-CE8B-80FC-F0EED63857BC}" dt="2018-09-11T21:05:13.902" v="841" actId="20577"/>
+          <ac:spMkLst>
+            <pc:docMk/>
+            <pc:sldMk cId="1893570158" sldId="329"/>
+            <ac:spMk id="3" creationId="{00000000-0000-0000-0000-000000000000}"/>
+          </ac:spMkLst>
+        </pc:spChg>
+      </pc:sldChg>
+      <pc:sldChg chg="addSp delSp modSp">
+        <pc:chgData name="Hewner, Michael P" userId="S::hewner@rose-hulman.edu::7f3f83dd-6dfb-4127-a87f-c1714bd4fac9" providerId="AD" clId="Web-{154263CE-2083-CE8B-80FC-F0EED63857BC}" dt="2018-09-11T21:20:47.728" v="970" actId="1076"/>
+        <pc:sldMkLst>
+          <pc:docMk/>
+          <pc:sldMk cId="934512240" sldId="332"/>
+        </pc:sldMkLst>
+        <pc:spChg chg="mod">
+          <ac:chgData name="Hewner, Michael P" userId="S::hewner@rose-hulman.edu::7f3f83dd-6dfb-4127-a87f-c1714bd4fac9" providerId="AD" clId="Web-{154263CE-2083-CE8B-80FC-F0EED63857BC}" dt="2018-09-11T21:14:55.404" v="860" actId="1076"/>
+          <ac:spMkLst>
+            <pc:docMk/>
+            <pc:sldMk cId="934512240" sldId="332"/>
+            <ac:spMk id="2" creationId="{90661CDA-10D9-4E16-94B4-CFF5CFDAD515}"/>
+          </ac:spMkLst>
+        </pc:spChg>
+        <pc:spChg chg="del mod">
+          <ac:chgData name="Hewner, Michael P" userId="S::hewner@rose-hulman.edu::7f3f83dd-6dfb-4127-a87f-c1714bd4fac9" providerId="AD" clId="Web-{154263CE-2083-CE8B-80FC-F0EED63857BC}" dt="2018-09-11T17:25:10.273" v="1"/>
+          <ac:spMkLst>
+            <pc:docMk/>
+            <pc:sldMk cId="934512240" sldId="332"/>
+            <ac:spMk id="3" creationId="{3F24F9D6-96AA-4D17-BA4A-E8EB2B6BCEB5}"/>
+          </ac:spMkLst>
+        </pc:spChg>
+        <pc:spChg chg="add mod">
+          <ac:chgData name="Hewner, Michael P" userId="S::hewner@rose-hulman.edu::7f3f83dd-6dfb-4127-a87f-c1714bd4fac9" providerId="AD" clId="Web-{154263CE-2083-CE8B-80FC-F0EED63857BC}" dt="2018-09-11T21:15:07.983" v="861" actId="1076"/>
+          <ac:spMkLst>
+            <pc:docMk/>
+            <pc:sldMk cId="934512240" sldId="332"/>
+            <ac:spMk id="6" creationId="{30FCF57C-A08C-4EA4-A46B-CF86C6E10D83}"/>
+          </ac:spMkLst>
+        </pc:spChg>
+        <pc:spChg chg="add mod">
+          <ac:chgData name="Hewner, Michael P" userId="S::hewner@rose-hulman.edu::7f3f83dd-6dfb-4127-a87f-c1714bd4fac9" providerId="AD" clId="Web-{154263CE-2083-CE8B-80FC-F0EED63857BC}" dt="2018-09-11T21:13:14.823" v="845"/>
+          <ac:spMkLst>
+            <pc:docMk/>
+            <pc:sldMk cId="934512240" sldId="332"/>
+            <ac:spMk id="8" creationId="{60477D26-ECBA-49FD-BEA2-E6C8670BB231}"/>
+          </ac:spMkLst>
+        </pc:spChg>
+        <pc:spChg chg="add mod">
+          <ac:chgData name="Hewner, Michael P" userId="S::hewner@rose-hulman.edu::7f3f83dd-6dfb-4127-a87f-c1714bd4fac9" providerId="AD" clId="Web-{154263CE-2083-CE8B-80FC-F0EED63857BC}" dt="2018-09-11T21:20:47.728" v="970" actId="1076"/>
+          <ac:spMkLst>
+            <pc:docMk/>
+            <pc:sldMk cId="934512240" sldId="332"/>
+            <ac:spMk id="9" creationId="{8BECC089-86A3-4F50-A38E-2BF71649161E}"/>
+          </ac:spMkLst>
+        </pc:spChg>
+        <pc:picChg chg="add mod">
+          <ac:chgData name="Hewner, Michael P" userId="S::hewner@rose-hulman.edu::7f3f83dd-6dfb-4127-a87f-c1714bd4fac9" providerId="AD" clId="Web-{154263CE-2083-CE8B-80FC-F0EED63857BC}" dt="2018-09-11T21:15:21.437" v="863" actId="1076"/>
+          <ac:picMkLst>
+            <pc:docMk/>
+            <pc:sldMk cId="934512240" sldId="332"/>
+            <ac:picMk id="3" creationId="{F57B4DBD-E392-40C8-9B7C-9681654904AB}"/>
+          </ac:picMkLst>
+        </pc:picChg>
+        <pc:picChg chg="add del mod ord">
+          <ac:chgData name="Hewner, Michael P" userId="S::hewner@rose-hulman.edu::7f3f83dd-6dfb-4127-a87f-c1714bd4fac9" providerId="AD" clId="Web-{154263CE-2083-CE8B-80FC-F0EED63857BC}" dt="2018-09-11T21:13:14.823" v="845"/>
+          <ac:picMkLst>
+            <pc:docMk/>
+            <pc:sldMk cId="934512240" sldId="332"/>
+            <ac:picMk id="4" creationId="{4E4680DA-A8FE-4222-81CB-E85E8569092D}"/>
+          </ac:picMkLst>
+        </pc:picChg>
+      </pc:sldChg>
+      <pc:sldChg chg="addSp delSp modSp new ord">
+        <pc:chgData name="Hewner, Michael P" userId="S::hewner@rose-hulman.edu::7f3f83dd-6dfb-4127-a87f-c1714bd4fac9" providerId="AD" clId="Web-{154263CE-2083-CE8B-80FC-F0EED63857BC}" dt="2018-09-11T21:16:12.548" v="867"/>
+        <pc:sldMkLst>
+          <pc:docMk/>
+          <pc:sldMk cId="505635734" sldId="333"/>
+        </pc:sldMkLst>
+        <pc:spChg chg="del">
+          <ac:chgData name="Hewner, Michael P" userId="S::hewner@rose-hulman.edu::7f3f83dd-6dfb-4127-a87f-c1714bd4fac9" providerId="AD" clId="Web-{154263CE-2083-CE8B-80FC-F0EED63857BC}" dt="2018-09-11T17:34:33.946" v="258"/>
+          <ac:spMkLst>
+            <pc:docMk/>
+            <pc:sldMk cId="505635734" sldId="333"/>
+            <ac:spMk id="2" creationId="{5A605E9A-B436-4D35-A7A3-A931BD4237DA}"/>
+          </ac:spMkLst>
+        </pc:spChg>
+        <pc:spChg chg="del">
+          <ac:chgData name="Hewner, Michael P" userId="S::hewner@rose-hulman.edu::7f3f83dd-6dfb-4127-a87f-c1714bd4fac9" providerId="AD" clId="Web-{154263CE-2083-CE8B-80FC-F0EED63857BC}" dt="2018-09-11T17:34:30.337" v="257"/>
+          <ac:spMkLst>
+            <pc:docMk/>
+            <pc:sldMk cId="505635734" sldId="333"/>
+            <ac:spMk id="3" creationId="{828778DB-BCED-4445-8482-6FC030811C0C}"/>
+          </ac:spMkLst>
+        </pc:spChg>
+        <pc:spChg chg="add mod">
+          <ac:chgData name="Hewner, Michael P" userId="S::hewner@rose-hulman.edu::7f3f83dd-6dfb-4127-a87f-c1714bd4fac9" providerId="AD" clId="Web-{154263CE-2083-CE8B-80FC-F0EED63857BC}" dt="2018-09-11T17:38:27.678" v="423" actId="20577"/>
+          <ac:spMkLst>
+            <pc:docMk/>
+            <pc:sldMk cId="505635734" sldId="333"/>
+            <ac:spMk id="6" creationId="{87A90826-9974-405E-AB6D-11CDB8489DDC}"/>
+          </ac:spMkLst>
+        </pc:spChg>
+        <pc:picChg chg="add mod">
+          <ac:chgData name="Hewner, Michael P" userId="S::hewner@rose-hulman.edu::7f3f83dd-6dfb-4127-a87f-c1714bd4fac9" providerId="AD" clId="Web-{154263CE-2083-CE8B-80FC-F0EED63857BC}" dt="2018-09-11T17:34:42.103" v="260" actId="1076"/>
+          <ac:picMkLst>
+            <pc:docMk/>
+            <pc:sldMk cId="505635734" sldId="333"/>
+            <ac:picMk id="5" creationId="{D0AECE44-7FD7-4DA4-942A-78961EC7733C}"/>
+          </ac:picMkLst>
+        </pc:picChg>
+      </pc:sldChg>
+      <pc:sldChg chg="addSp delSp modSp add replId">
+        <pc:chgData name="Hewner, Michael P" userId="S::hewner@rose-hulman.edu::7f3f83dd-6dfb-4127-a87f-c1714bd4fac9" providerId="AD" clId="Web-{154263CE-2083-CE8B-80FC-F0EED63857BC}" dt="2018-09-11T21:21:08.916" v="976" actId="20577"/>
+        <pc:sldMkLst>
+          <pc:docMk/>
+          <pc:sldMk cId="3164699469" sldId="334"/>
+        </pc:sldMkLst>
+        <pc:spChg chg="del">
+          <ac:chgData name="Hewner, Michael P" userId="S::hewner@rose-hulman.edu::7f3f83dd-6dfb-4127-a87f-c1714bd4fac9" providerId="AD" clId="Web-{154263CE-2083-CE8B-80FC-F0EED63857BC}" dt="2018-09-11T17:47:35.757" v="426"/>
+          <ac:spMkLst>
+            <pc:docMk/>
+            <pc:sldMk cId="3164699469" sldId="334"/>
+            <ac:spMk id="2" creationId="{90661CDA-10D9-4E16-94B4-CFF5CFDAD515}"/>
+          </ac:spMkLst>
+        </pc:spChg>
+        <pc:spChg chg="add del mod">
+          <ac:chgData name="Hewner, Michael P" userId="S::hewner@rose-hulman.edu::7f3f83dd-6dfb-4127-a87f-c1714bd4fac9" providerId="AD" clId="Web-{154263CE-2083-CE8B-80FC-F0EED63857BC}" dt="2018-09-11T17:48:10.353" v="433"/>
+          <ac:spMkLst>
+            <pc:docMk/>
+            <pc:sldMk cId="3164699469" sldId="334"/>
+            <ac:spMk id="5" creationId="{0CAD68B4-0F94-48D5-B8BE-BAFE8A72D88A}"/>
+          </ac:spMkLst>
+        </pc:spChg>
+        <pc:spChg chg="add del mod">
+          <ac:chgData name="Hewner, Michael P" userId="S::hewner@rose-hulman.edu::7f3f83dd-6dfb-4127-a87f-c1714bd4fac9" providerId="AD" clId="Web-{154263CE-2083-CE8B-80FC-F0EED63857BC}" dt="2018-09-11T21:13:52.856" v="852"/>
+          <ac:spMkLst>
+            <pc:docMk/>
+            <pc:sldMk cId="3164699469" sldId="334"/>
+            <ac:spMk id="5" creationId="{BB10F425-A4D4-4F79-9723-6D9AD3363174}"/>
+          </ac:spMkLst>
+        </pc:spChg>
+        <pc:spChg chg="mod">
+          <ac:chgData name="Hewner, Michael P" userId="S::hewner@rose-hulman.edu::7f3f83dd-6dfb-4127-a87f-c1714bd4fac9" providerId="AD" clId="Web-{154263CE-2083-CE8B-80FC-F0EED63857BC}" dt="2018-09-11T17:49:31.998" v="486" actId="20577"/>
+          <ac:spMkLst>
+            <pc:docMk/>
+            <pc:sldMk cId="3164699469" sldId="334"/>
+            <ac:spMk id="6" creationId="{30FCF57C-A08C-4EA4-A46B-CF86C6E10D83}"/>
+          </ac:spMkLst>
+        </pc:spChg>
+        <pc:spChg chg="add del mod">
+          <ac:chgData name="Hewner, Michael P" userId="S::hewner@rose-hulman.edu::7f3f83dd-6dfb-4127-a87f-c1714bd4fac9" providerId="AD" clId="Web-{154263CE-2083-CE8B-80FC-F0EED63857BC}" dt="2018-09-11T17:47:53.211" v="429"/>
+          <ac:spMkLst>
+            <pc:docMk/>
+            <pc:sldMk cId="3164699469" sldId="334"/>
+            <ac:spMk id="8" creationId="{0912743C-DBA0-4F06-AC9C-FAE3887EDD8B}"/>
+          </ac:spMkLst>
+        </pc:spChg>
+        <pc:spChg chg="add del mod">
+          <ac:chgData name="Hewner, Michael P" userId="S::hewner@rose-hulman.edu::7f3f83dd-6dfb-4127-a87f-c1714bd4fac9" providerId="AD" clId="Web-{154263CE-2083-CE8B-80FC-F0EED63857BC}" dt="2018-09-11T21:14:01.668" v="854"/>
+          <ac:spMkLst>
+            <pc:docMk/>
+            <pc:sldMk cId="3164699469" sldId="334"/>
+            <ac:spMk id="19" creationId="{5039D0EE-2DB0-4B8E-B2CA-BE008FDC3837}"/>
+          </ac:spMkLst>
+        </pc:spChg>
+        <pc:spChg chg="add del mod">
+          <ac:chgData name="Hewner, Michael P" userId="S::hewner@rose-hulman.edu::7f3f83dd-6dfb-4127-a87f-c1714bd4fac9" providerId="AD" clId="Web-{154263CE-2083-CE8B-80FC-F0EED63857BC}" dt="2018-09-11T21:18:22.099" v="964"/>
+          <ac:spMkLst>
+            <pc:docMk/>
+            <pc:sldMk cId="3164699469" sldId="334"/>
+            <ac:spMk id="21" creationId="{9D1EE4E8-7B40-41A6-98F8-D3B58112FD6C}"/>
+          </ac:spMkLst>
+        </pc:spChg>
+        <pc:spChg chg="add mod">
+          <ac:chgData name="Hewner, Michael P" userId="S::hewner@rose-hulman.edu::7f3f83dd-6dfb-4127-a87f-c1714bd4fac9" providerId="AD" clId="Web-{154263CE-2083-CE8B-80FC-F0EED63857BC}" dt="2018-09-11T21:21:08.916" v="976" actId="20577"/>
+          <ac:spMkLst>
+            <pc:docMk/>
+            <pc:sldMk cId="3164699469" sldId="334"/>
+            <ac:spMk id="25" creationId="{F2216F0E-FA66-4639-93CB-EC8013DA6EA8}"/>
+          </ac:spMkLst>
+        </pc:spChg>
+        <pc:graphicFrameChg chg="add del mod ord modGraphic">
+          <ac:chgData name="Hewner, Michael P" userId="S::hewner@rose-hulman.edu::7f3f83dd-6dfb-4127-a87f-c1714bd4fac9" providerId="AD" clId="Web-{154263CE-2083-CE8B-80FC-F0EED63857BC}" dt="2018-09-11T21:13:47.840" v="850"/>
+          <ac:graphicFrameMkLst>
+            <pc:docMk/>
+            <pc:sldMk cId="3164699469" sldId="334"/>
+            <ac:graphicFrameMk id="10" creationId="{444BF637-53C5-4B62-8CA7-FD05ADA8253A}"/>
+          </ac:graphicFrameMkLst>
+        </pc:graphicFrameChg>
+        <pc:picChg chg="add del mod">
+          <ac:chgData name="Hewner, Michael P" userId="S::hewner@rose-hulman.edu::7f3f83dd-6dfb-4127-a87f-c1714bd4fac9" providerId="AD" clId="Web-{154263CE-2083-CE8B-80FC-F0EED63857BC}" dt="2018-09-11T21:14:04.779" v="855"/>
+          <ac:picMkLst>
+            <pc:docMk/>
+            <pc:sldMk cId="3164699469" sldId="334"/>
+            <ac:picMk id="2" creationId="{E891A353-D373-4B60-AF4C-9C591B6139A9}"/>
+          </ac:picMkLst>
+        </pc:picChg>
+        <pc:picChg chg="del">
+          <ac:chgData name="Hewner, Michael P" userId="S::hewner@rose-hulman.edu::7f3f83dd-6dfb-4127-a87f-c1714bd4fac9" providerId="AD" clId="Web-{154263CE-2083-CE8B-80FC-F0EED63857BC}" dt="2018-09-11T17:47:42.398" v="428"/>
+          <ac:picMkLst>
+            <pc:docMk/>
+            <pc:sldMk cId="3164699469" sldId="334"/>
+            <ac:picMk id="4" creationId="{4E4680DA-A8FE-4222-81CB-E85E8569092D}"/>
+          </ac:picMkLst>
+        </pc:picChg>
+        <pc:picChg chg="add del">
+          <ac:chgData name="Hewner, Michael P" userId="S::hewner@rose-hulman.edu::7f3f83dd-6dfb-4127-a87f-c1714bd4fac9" providerId="AD" clId="Web-{154263CE-2083-CE8B-80FC-F0EED63857BC}" dt="2018-09-11T21:13:50.449" v="851"/>
+          <ac:picMkLst>
+            <pc:docMk/>
+            <pc:sldMk cId="3164699469" sldId="334"/>
+            <ac:picMk id="7" creationId="{4053E658-C95F-4D7F-9912-8637D4A19E54}"/>
+          </ac:picMkLst>
+        </pc:picChg>
+        <pc:picChg chg="add del mod ord">
+          <ac:chgData name="Hewner, Michael P" userId="S::hewner@rose-hulman.edu::7f3f83dd-6dfb-4127-a87f-c1714bd4fac9" providerId="AD" clId="Web-{154263CE-2083-CE8B-80FC-F0EED63857BC}" dt="2018-09-11T21:14:09.216" v="856"/>
+          <ac:picMkLst>
+            <pc:docMk/>
+            <pc:sldMk cId="3164699469" sldId="334"/>
+            <ac:picMk id="9" creationId="{CB33DC08-40FC-4EC7-A847-FB0D4556804F}"/>
+          </ac:picMkLst>
+        </pc:picChg>
+        <pc:picChg chg="add mod">
+          <ac:chgData name="Hewner, Michael P" userId="S::hewner@rose-hulman.edu::7f3f83dd-6dfb-4127-a87f-c1714bd4fac9" providerId="AD" clId="Web-{154263CE-2083-CE8B-80FC-F0EED63857BC}" dt="2018-09-11T21:14:27.013" v="858" actId="1076"/>
+          <ac:picMkLst>
+            <pc:docMk/>
+            <pc:sldMk cId="3164699469" sldId="334"/>
+            <ac:picMk id="23" creationId="{3AAE810B-CF04-42BA-93B2-CABD6CF9F2ED}"/>
+          </ac:picMkLst>
+        </pc:picChg>
+      </pc:sldChg>
+      <pc:sldChg chg="addSp delSp modSp new">
+        <pc:chgData name="Hewner, Michael P" userId="S::hewner@rose-hulman.edu::7f3f83dd-6dfb-4127-a87f-c1714bd4fac9" providerId="AD" clId="Web-{154263CE-2083-CE8B-80FC-F0EED63857BC}" dt="2018-09-11T18:12:05.025" v="534" actId="14100"/>
+        <pc:sldMkLst>
+          <pc:docMk/>
+          <pc:sldMk cId="972414297" sldId="335"/>
+        </pc:sldMkLst>
+        <pc:spChg chg="mod">
+          <ac:chgData name="Hewner, Michael P" userId="S::hewner@rose-hulman.edu::7f3f83dd-6dfb-4127-a87f-c1714bd4fac9" providerId="AD" clId="Web-{154263CE-2083-CE8B-80FC-F0EED63857BC}" dt="2018-09-11T18:11:37.305" v="528" actId="20577"/>
+          <ac:spMkLst>
+            <pc:docMk/>
+            <pc:sldMk cId="972414297" sldId="335"/>
+            <ac:spMk id="2" creationId="{FF839C6E-FA7B-43DE-B2E9-DE511E0A0AD7}"/>
+          </ac:spMkLst>
+        </pc:spChg>
+        <pc:spChg chg="del">
+          <ac:chgData name="Hewner, Michael P" userId="S::hewner@rose-hulman.edu::7f3f83dd-6dfb-4127-a87f-c1714bd4fac9" providerId="AD" clId="Web-{154263CE-2083-CE8B-80FC-F0EED63857BC}" dt="2018-09-11T18:11:40.961" v="531"/>
+          <ac:spMkLst>
+            <pc:docMk/>
+            <pc:sldMk cId="972414297" sldId="335"/>
+            <ac:spMk id="3" creationId="{BD0AE7CF-23E2-47A0-9262-3A589F3AAC70}"/>
+          </ac:spMkLst>
+        </pc:spChg>
+        <pc:picChg chg="add mod">
+          <ac:chgData name="Hewner, Michael P" userId="S::hewner@rose-hulman.edu::7f3f83dd-6dfb-4127-a87f-c1714bd4fac9" providerId="AD" clId="Web-{154263CE-2083-CE8B-80FC-F0EED63857BC}" dt="2018-09-11T18:12:05.025" v="534" actId="14100"/>
+          <ac:picMkLst>
+            <pc:docMk/>
+            <pc:sldMk cId="972414297" sldId="335"/>
+            <ac:picMk id="4" creationId="{962989E2-A54C-4499-A19D-C1DA46592AB7}"/>
+          </ac:picMkLst>
+        </pc:picChg>
+      </pc:sldChg>
+      <pc:sldChg chg="addSp delSp modSp new">
+        <pc:chgData name="Hewner, Michael P" userId="S::hewner@rose-hulman.edu::7f3f83dd-6dfb-4127-a87f-c1714bd4fac9" providerId="AD" clId="Web-{154263CE-2083-CE8B-80FC-F0EED63857BC}" dt="2018-09-11T18:13:16.264" v="546" actId="1076"/>
+        <pc:sldMkLst>
+          <pc:docMk/>
+          <pc:sldMk cId="2453372234" sldId="336"/>
+        </pc:sldMkLst>
+        <pc:spChg chg="mod">
+          <ac:chgData name="Hewner, Michael P" userId="S::hewner@rose-hulman.edu::7f3f83dd-6dfb-4127-a87f-c1714bd4fac9" providerId="AD" clId="Web-{154263CE-2083-CE8B-80FC-F0EED63857BC}" dt="2018-09-11T18:12:27.573" v="538" actId="20577"/>
+          <ac:spMkLst>
+            <pc:docMk/>
+            <pc:sldMk cId="2453372234" sldId="336"/>
+            <ac:spMk id="2" creationId="{93DCEEE1-F581-4196-894B-CB79A58ACEF3}"/>
+          </ac:spMkLst>
+        </pc:spChg>
+        <pc:spChg chg="del">
+          <ac:chgData name="Hewner, Michael P" userId="S::hewner@rose-hulman.edu::7f3f83dd-6dfb-4127-a87f-c1714bd4fac9" providerId="AD" clId="Web-{154263CE-2083-CE8B-80FC-F0EED63857BC}" dt="2018-09-11T18:12:48.778" v="541"/>
+          <ac:spMkLst>
+            <pc:docMk/>
+            <pc:sldMk cId="2453372234" sldId="336"/>
+            <ac:spMk id="3" creationId="{606FBE41-03CE-4922-A9E5-0808FB7312D6}"/>
+          </ac:spMkLst>
+        </pc:spChg>
+        <pc:picChg chg="add mod">
+          <ac:chgData name="Hewner, Michael P" userId="S::hewner@rose-hulman.edu::7f3f83dd-6dfb-4127-a87f-c1714bd4fac9" providerId="AD" clId="Web-{154263CE-2083-CE8B-80FC-F0EED63857BC}" dt="2018-09-11T18:13:16.264" v="546" actId="1076"/>
+          <ac:picMkLst>
+            <pc:docMk/>
+            <pc:sldMk cId="2453372234" sldId="336"/>
+            <ac:picMk id="4" creationId="{11CF2D0E-7B25-4F22-A886-D21E61DA2889}"/>
+          </ac:picMkLst>
+        </pc:picChg>
+      </pc:sldChg>
+      <pc:sldChg chg="addSp modSp new">
+        <pc:chgData name="Hewner, Michael P" userId="S::hewner@rose-hulman.edu::7f3f83dd-6dfb-4127-a87f-c1714bd4fac9" providerId="AD" clId="Web-{154263CE-2083-CE8B-80FC-F0EED63857BC}" dt="2018-09-11T20:09:50.934" v="711" actId="20577"/>
+        <pc:sldMkLst>
+          <pc:docMk/>
+          <pc:sldMk cId="3633402853" sldId="337"/>
+        </pc:sldMkLst>
+        <pc:spChg chg="mod">
+          <ac:chgData name="Hewner, Michael P" userId="S::hewner@rose-hulman.edu::7f3f83dd-6dfb-4127-a87f-c1714bd4fac9" providerId="AD" clId="Web-{154263CE-2083-CE8B-80FC-F0EED63857BC}" dt="2018-09-11T20:09:50.934" v="711" actId="20577"/>
+          <ac:spMkLst>
+            <pc:docMk/>
+            <pc:sldMk cId="3633402853" sldId="337"/>
+            <ac:spMk id="3" creationId="{21D05192-45A4-42B2-8658-26781BA64DD6}"/>
+          </ac:spMkLst>
+        </pc:spChg>
+        <pc:picChg chg="add mod">
+          <ac:chgData name="Hewner, Michael P" userId="S::hewner@rose-hulman.edu::7f3f83dd-6dfb-4127-a87f-c1714bd4fac9" providerId="AD" clId="Web-{154263CE-2083-CE8B-80FC-F0EED63857BC}" dt="2018-09-11T20:09:11.901" v="663" actId="1076"/>
+          <ac:picMkLst>
+            <pc:docMk/>
+            <pc:sldMk cId="3633402853" sldId="337"/>
+            <ac:picMk id="5" creationId="{7D4179C7-A4B5-4E8F-8CD3-B10ECA74599C}"/>
+          </ac:picMkLst>
+        </pc:picChg>
+      </pc:sldChg>
+      <pc:sldChg chg="addSp delSp modSp add replId">
+        <pc:chgData name="Hewner, Michael P" userId="S::hewner@rose-hulman.edu::7f3f83dd-6dfb-4127-a87f-c1714bd4fac9" providerId="AD" clId="Web-{154263CE-2083-CE8B-80FC-F0EED63857BC}" dt="2018-09-11T20:13:38.572" v="801" actId="1076"/>
+        <pc:sldMkLst>
+          <pc:docMk/>
+          <pc:sldMk cId="448454229" sldId="338"/>
+        </pc:sldMkLst>
+        <pc:spChg chg="mod">
+          <ac:chgData name="Hewner, Michael P" userId="S::hewner@rose-hulman.edu::7f3f83dd-6dfb-4127-a87f-c1714bd4fac9" providerId="AD" clId="Web-{154263CE-2083-CE8B-80FC-F0EED63857BC}" dt="2018-09-11T20:13:38.572" v="801" actId="1076"/>
+          <ac:spMkLst>
+            <pc:docMk/>
+            <pc:sldMk cId="448454229" sldId="338"/>
+            <ac:spMk id="3" creationId="{21D05192-45A4-42B2-8658-26781BA64DD6}"/>
+          </ac:spMkLst>
+        </pc:spChg>
+        <pc:picChg chg="add mod">
+          <ac:chgData name="Hewner, Michael P" userId="S::hewner@rose-hulman.edu::7f3f83dd-6dfb-4127-a87f-c1714bd4fac9" providerId="AD" clId="Web-{154263CE-2083-CE8B-80FC-F0EED63857BC}" dt="2018-09-11T20:12:32.537" v="719" actId="14100"/>
+          <ac:picMkLst>
+            <pc:docMk/>
+            <pc:sldMk cId="448454229" sldId="338"/>
+            <ac:picMk id="4" creationId="{58E745EF-6BFC-4266-9A29-219BAE2DA8FA}"/>
+          </ac:picMkLst>
+        </pc:picChg>
+        <pc:picChg chg="del">
+          <ac:chgData name="Hewner, Michael P" userId="S::hewner@rose-hulman.edu::7f3f83dd-6dfb-4127-a87f-c1714bd4fac9" providerId="AD" clId="Web-{154263CE-2083-CE8B-80FC-F0EED63857BC}" dt="2018-09-11T20:12:08.161" v="715"/>
+          <ac:picMkLst>
+            <pc:docMk/>
+            <pc:sldMk cId="448454229" sldId="338"/>
+            <ac:picMk id="5" creationId="{7D4179C7-A4B5-4E8F-8CD3-B10ECA74599C}"/>
+          </ac:picMkLst>
+        </pc:picChg>
+      </pc:sldChg>
+      <pc:sldChg chg="addSp delSp modSp new">
+        <pc:chgData name="Hewner, Michael P" userId="S::hewner@rose-hulman.edu::7f3f83dd-6dfb-4127-a87f-c1714bd4fac9" providerId="AD" clId="Web-{154263CE-2083-CE8B-80FC-F0EED63857BC}" dt="2018-09-11T20:29:39.894" v="830" actId="14100"/>
+        <pc:sldMkLst>
+          <pc:docMk/>
+          <pc:sldMk cId="704788062" sldId="339"/>
+        </pc:sldMkLst>
+        <pc:spChg chg="mod">
+          <ac:chgData name="Hewner, Michael P" userId="S::hewner@rose-hulman.edu::7f3f83dd-6dfb-4127-a87f-c1714bd4fac9" providerId="AD" clId="Web-{154263CE-2083-CE8B-80FC-F0EED63857BC}" dt="2018-09-11T20:29:21.299" v="825" actId="20577"/>
+          <ac:spMkLst>
+            <pc:docMk/>
+            <pc:sldMk cId="704788062" sldId="339"/>
+            <ac:spMk id="2" creationId="{33D4407E-1218-4CC3-A42B-482025AF2767}"/>
+          </ac:spMkLst>
+        </pc:spChg>
+        <pc:spChg chg="del">
+          <ac:chgData name="Hewner, Michael P" userId="S::hewner@rose-hulman.edu::7f3f83dd-6dfb-4127-a87f-c1714bd4fac9" providerId="AD" clId="Web-{154263CE-2083-CE8B-80FC-F0EED63857BC}" dt="2018-09-11T20:29:30.424" v="828"/>
+          <ac:spMkLst>
+            <pc:docMk/>
+            <pc:sldMk cId="704788062" sldId="339"/>
+            <ac:spMk id="3" creationId="{B9E5D2E0-285B-40D8-A7C0-4CE42ED89DB0}"/>
+          </ac:spMkLst>
+        </pc:spChg>
+        <pc:picChg chg="add mod ord">
+          <ac:chgData name="Hewner, Michael P" userId="S::hewner@rose-hulman.edu::7f3f83dd-6dfb-4127-a87f-c1714bd4fac9" providerId="AD" clId="Web-{154263CE-2083-CE8B-80FC-F0EED63857BC}" dt="2018-09-11T20:29:39.894" v="830" actId="14100"/>
+          <ac:picMkLst>
+            <pc:docMk/>
+            <pc:sldMk cId="704788062" sldId="339"/>
+            <ac:picMk id="4" creationId="{B81ADEB9-9D5F-40F6-8E64-D2FBC8D4702E}"/>
+          </ac:picMkLst>
+        </pc:picChg>
+      </pc:sldChg>
+      <pc:sldChg chg="addSp delSp modSp add ord replId">
+        <pc:chgData name="Hewner, Michael P" userId="S::hewner@rose-hulman.edu::7f3f83dd-6dfb-4127-a87f-c1714bd4fac9" providerId="AD" clId="Web-{154263CE-2083-CE8B-80FC-F0EED63857BC}" dt="2018-09-11T21:18:00.254" v="961" actId="20577"/>
+        <pc:sldMkLst>
+          <pc:docMk/>
+          <pc:sldMk cId="1998078721" sldId="340"/>
+        </pc:sldMkLst>
+        <pc:spChg chg="add del mod">
+          <ac:chgData name="Hewner, Michael P" userId="S::hewner@rose-hulman.edu::7f3f83dd-6dfb-4127-a87f-c1714bd4fac9" providerId="AD" clId="Web-{154263CE-2083-CE8B-80FC-F0EED63857BC}" dt="2018-09-11T21:17:01.659" v="874"/>
+          <ac:spMkLst>
+            <pc:docMk/>
+            <pc:sldMk cId="1998078721" sldId="340"/>
+            <ac:spMk id="3" creationId="{2797250B-CFD5-4622-9A51-9C67D858A659}"/>
+          </ac:spMkLst>
+        </pc:spChg>
+        <pc:spChg chg="mod">
+          <ac:chgData name="Hewner, Michael P" userId="S::hewner@rose-hulman.edu::7f3f83dd-6dfb-4127-a87f-c1714bd4fac9" providerId="AD" clId="Web-{154263CE-2083-CE8B-80FC-F0EED63857BC}" dt="2018-09-11T21:18:00.254" v="961" actId="20577"/>
+          <ac:spMkLst>
+            <pc:docMk/>
+            <pc:sldMk cId="1998078721" sldId="340"/>
+            <ac:spMk id="6" creationId="{87A90826-9974-405E-AB6D-11CDB8489DDC}"/>
+          </ac:spMkLst>
+        </pc:spChg>
+        <pc:picChg chg="add mod">
+          <ac:chgData name="Hewner, Michael P" userId="S::hewner@rose-hulman.edu::7f3f83dd-6dfb-4127-a87f-c1714bd4fac9" providerId="AD" clId="Web-{154263CE-2083-CE8B-80FC-F0EED63857BC}" dt="2018-09-11T21:16:47.267" v="873" actId="1076"/>
+          <ac:picMkLst>
+            <pc:docMk/>
+            <pc:sldMk cId="1998078721" sldId="340"/>
+            <ac:picMk id="4" creationId="{00F70A0B-61FA-43FE-AA64-8F72449FBFA2}"/>
+          </ac:picMkLst>
+        </pc:picChg>
+        <pc:picChg chg="del">
+          <ac:chgData name="Hewner, Michael P" userId="S::hewner@rose-hulman.edu::7f3f83dd-6dfb-4127-a87f-c1714bd4fac9" providerId="AD" clId="Web-{154263CE-2083-CE8B-80FC-F0EED63857BC}" dt="2018-09-11T21:16:42.736" v="871"/>
+          <ac:picMkLst>
+            <pc:docMk/>
+            <pc:sldMk cId="1998078721" sldId="340"/>
+            <ac:picMk id="5" creationId="{D0AECE44-7FD7-4DA4-942A-78961EC7733C}"/>
+          </ac:picMkLst>
+        </pc:picChg>
+      </pc:sldChg>
+    </pc:docChg>
+  </pc:docChgLst>
+</pc:chgInfo>
+</file>
+
 <file path=ppt/handoutMasters/handoutMaster1.xml><?xml version="1.0" encoding="utf-8"?>
 <p:handoutMaster xmlns:a="http://schemas.openxmlformats.org/drawingml/2006/main" xmlns:r="http://schemas.openxmlformats.org/officeDocument/2006/relationships" xmlns:p="http://schemas.openxmlformats.org/presentationml/2006/main">
   <p:cSld>
@@ -246,7 +1016,7 @@
           <a:p>
             <a:fld id="{A470E182-4433-B944-AF35-723DFC7F8728}" type="datetimeFigureOut">
               <a:rPr lang="en-US" smtClean="0"/>
-              <a:t>9/10/2018</a:t>
+              <a:t>9/11/2018</a:t>
             </a:fld>
             <a:endParaRPr lang="en-US"/>
           </a:p>
@@ -411,7 +1181,7 @@
           <a:p>
             <a:fld id="{C12EF212-CCF8-3B4F-9C5F-A87F03513D57}" type="datetimeFigureOut">
               <a:rPr lang="en-US" smtClean="0"/>
-              <a:t>9/10/2018</a:t>
+              <a:t>9/11/2018</a:t>
             </a:fld>
             <a:endParaRPr lang="en-US"/>
           </a:p>
@@ -781,540 +1551,6 @@
 </p:notes>
 </file>
 
-<file path=ppt/notesSlides/notesSlide10.xml><?xml version="1.0" encoding="utf-8"?>
-<p:notes xmlns:a="http://schemas.openxmlformats.org/drawingml/2006/main" xmlns:r="http://schemas.openxmlformats.org/officeDocument/2006/relationships" xmlns:p="http://schemas.openxmlformats.org/presentationml/2006/main">
-  <p:cSld>
-    <p:spTree>
-      <p:nvGrpSpPr>
-        <p:cNvPr id="1" name=""/>
-        <p:cNvGrpSpPr/>
-        <p:nvPr/>
-      </p:nvGrpSpPr>
-      <p:grpSpPr>
-        <a:xfrm>
-          <a:off x="0" y="0"/>
-          <a:ext cx="0" cy="0"/>
-          <a:chOff x="0" y="0"/>
-          <a:chExt cx="0" cy="0"/>
-        </a:xfrm>
-      </p:grpSpPr>
-      <p:sp>
-        <p:nvSpPr>
-          <p:cNvPr id="2" name="Slide Image Placeholder 1"/>
-          <p:cNvSpPr>
-            <a:spLocks noGrp="1" noRot="1" noChangeAspect="1"/>
-          </p:cNvSpPr>
-          <p:nvPr>
-            <p:ph type="sldImg"/>
-          </p:nvPr>
-        </p:nvSpPr>
-        <p:spPr/>
-      </p:sp>
-      <p:sp>
-        <p:nvSpPr>
-          <p:cNvPr id="3" name="Notes Placeholder 2"/>
-          <p:cNvSpPr>
-            <a:spLocks noGrp="1"/>
-          </p:cNvSpPr>
-          <p:nvPr>
-            <p:ph type="body" idx="1"/>
-          </p:nvPr>
-        </p:nvSpPr>
-        <p:spPr/>
-        <p:txBody>
-          <a:bodyPr/>
-          <a:lstStyle/>
-          <a:p>
-            <a:r>
-              <a:rPr lang="en-US" dirty="0"/>
-              <a:t>Briefly</a:t>
-            </a:r>
-            <a:r>
-              <a:rPr lang="en-US" baseline="0" dirty="0"/>
-              <a:t> show the website description and how points are awarded, especially making note of the reflection questions and sample output.</a:t>
-            </a:r>
-            <a:endParaRPr lang="en-US" dirty="0"/>
-          </a:p>
-        </p:txBody>
-      </p:sp>
-      <p:sp>
-        <p:nvSpPr>
-          <p:cNvPr id="4" name="Slide Number Placeholder 3"/>
-          <p:cNvSpPr>
-            <a:spLocks noGrp="1"/>
-          </p:cNvSpPr>
-          <p:nvPr>
-            <p:ph type="sldNum" sz="quarter" idx="10"/>
-          </p:nvPr>
-        </p:nvSpPr>
-        <p:spPr/>
-        <p:txBody>
-          <a:bodyPr/>
-          <a:lstStyle/>
-          <a:p>
-            <a:fld id="{1EC41D83-A85E-494A-A425-5657A5A18AE9}" type="slidenum">
-              <a:rPr lang="en-US" smtClean="0"/>
-              <a:t>25</a:t>
-            </a:fld>
-            <a:endParaRPr lang="en-US"/>
-          </a:p>
-        </p:txBody>
-      </p:sp>
-    </p:spTree>
-    <p:extLst>
-      <p:ext uri="{BB962C8B-B14F-4D97-AF65-F5344CB8AC3E}">
-        <p14:creationId xmlns:p14="http://schemas.microsoft.com/office/powerpoint/2010/main" val="3485115224"/>
-      </p:ext>
-    </p:extLst>
-  </p:cSld>
-  <p:clrMapOvr>
-    <a:masterClrMapping/>
-  </p:clrMapOvr>
-</p:notes>
-</file>
-
-<file path=ppt/notesSlides/notesSlide11.xml><?xml version="1.0" encoding="utf-8"?>
-<p:notes xmlns:a="http://schemas.openxmlformats.org/drawingml/2006/main" xmlns:r="http://schemas.openxmlformats.org/officeDocument/2006/relationships" xmlns:p="http://schemas.openxmlformats.org/presentationml/2006/main">
-  <p:cSld>
-    <p:spTree>
-      <p:nvGrpSpPr>
-        <p:cNvPr id="1" name=""/>
-        <p:cNvGrpSpPr/>
-        <p:nvPr/>
-      </p:nvGrpSpPr>
-      <p:grpSpPr>
-        <a:xfrm>
-          <a:off x="0" y="0"/>
-          <a:ext cx="0" cy="0"/>
-          <a:chOff x="0" y="0"/>
-          <a:chExt cx="0" cy="0"/>
-        </a:xfrm>
-      </p:grpSpPr>
-      <p:sp>
-        <p:nvSpPr>
-          <p:cNvPr id="2" name="Slide Image Placeholder 1"/>
-          <p:cNvSpPr>
-            <a:spLocks noGrp="1" noRot="1" noChangeAspect="1"/>
-          </p:cNvSpPr>
-          <p:nvPr>
-            <p:ph type="sldImg"/>
-          </p:nvPr>
-        </p:nvSpPr>
-        <p:spPr/>
-      </p:sp>
-      <p:sp>
-        <p:nvSpPr>
-          <p:cNvPr id="3" name="Notes Placeholder 2"/>
-          <p:cNvSpPr>
-            <a:spLocks noGrp="1"/>
-          </p:cNvSpPr>
-          <p:nvPr>
-            <p:ph type="body" idx="1"/>
-          </p:nvPr>
-        </p:nvSpPr>
-        <p:spPr/>
-        <p:txBody>
-          <a:bodyPr/>
-          <a:lstStyle/>
-          <a:p>
-            <a:r>
-              <a:rPr lang="en-US" dirty="0"/>
-              <a:t>I</a:t>
-            </a:r>
-            <a:r>
-              <a:rPr lang="en-US" baseline="0" dirty="0"/>
-              <a:t> am leaving this slide in in case there is time but I doubt there will be.</a:t>
-            </a:r>
-            <a:endParaRPr lang="en-US" dirty="0"/>
-          </a:p>
-        </p:txBody>
-      </p:sp>
-      <p:sp>
-        <p:nvSpPr>
-          <p:cNvPr id="4" name="Slide Number Placeholder 3"/>
-          <p:cNvSpPr>
-            <a:spLocks noGrp="1"/>
-          </p:cNvSpPr>
-          <p:nvPr>
-            <p:ph type="sldNum" sz="quarter" idx="10"/>
-          </p:nvPr>
-        </p:nvSpPr>
-        <p:spPr/>
-        <p:txBody>
-          <a:bodyPr/>
-          <a:lstStyle/>
-          <a:p>
-            <a:fld id="{1EC41D83-A85E-494A-A425-5657A5A18AE9}" type="slidenum">
-              <a:rPr lang="en-US" smtClean="0"/>
-              <a:t>26</a:t>
-            </a:fld>
-            <a:endParaRPr lang="en-US"/>
-          </a:p>
-        </p:txBody>
-      </p:sp>
-    </p:spTree>
-    <p:extLst>
-      <p:ext uri="{BB962C8B-B14F-4D97-AF65-F5344CB8AC3E}">
-        <p14:creationId xmlns:p14="http://schemas.microsoft.com/office/powerpoint/2010/main" val="2982674543"/>
-      </p:ext>
-    </p:extLst>
-  </p:cSld>
-  <p:clrMapOvr>
-    <a:masterClrMapping/>
-  </p:clrMapOvr>
-</p:notes>
-</file>
-
-<file path=ppt/notesSlides/notesSlide12.xml><?xml version="1.0" encoding="utf-8"?>
-<p:notes xmlns:a="http://schemas.openxmlformats.org/drawingml/2006/main" xmlns:r="http://schemas.openxmlformats.org/officeDocument/2006/relationships" xmlns:p="http://schemas.openxmlformats.org/presentationml/2006/main">
-  <p:cSld>
-    <p:spTree>
-      <p:nvGrpSpPr>
-        <p:cNvPr id="1" name=""/>
-        <p:cNvGrpSpPr/>
-        <p:nvPr/>
-      </p:nvGrpSpPr>
-      <p:grpSpPr>
-        <a:xfrm>
-          <a:off x="0" y="0"/>
-          <a:ext cx="0" cy="0"/>
-          <a:chOff x="0" y="0"/>
-          <a:chExt cx="0" cy="0"/>
-        </a:xfrm>
-      </p:grpSpPr>
-      <p:sp>
-        <p:nvSpPr>
-          <p:cNvPr id="2" name="Slide Image Placeholder 1"/>
-          <p:cNvSpPr>
-            <a:spLocks noGrp="1" noRot="1" noChangeAspect="1"/>
-          </p:cNvSpPr>
-          <p:nvPr>
-            <p:ph type="sldImg"/>
-          </p:nvPr>
-        </p:nvSpPr>
-        <p:spPr/>
-      </p:sp>
-      <p:sp>
-        <p:nvSpPr>
-          <p:cNvPr id="3" name="Notes Placeholder 2"/>
-          <p:cNvSpPr>
-            <a:spLocks noGrp="1"/>
-          </p:cNvSpPr>
-          <p:nvPr>
-            <p:ph type="body" idx="1"/>
-          </p:nvPr>
-        </p:nvSpPr>
-        <p:spPr/>
-        <p:txBody>
-          <a:bodyPr/>
-          <a:lstStyle/>
-          <a:p>
-            <a:r>
-              <a:rPr lang="en-US" dirty="0"/>
-              <a:t>@</a:t>
-            </a:r>
-            <a:r>
-              <a:rPr lang="en-US" dirty="0" err="1"/>
-              <a:t>startuml</a:t>
-            </a:r>
-            <a:endParaRPr lang="en-US" dirty="0"/>
-          </a:p>
-          <a:p>
-            <a:r>
-              <a:rPr lang="en-US" dirty="0" err="1"/>
-              <a:t>skinparam</a:t>
-            </a:r>
-            <a:r>
-              <a:rPr lang="en-US" dirty="0"/>
-              <a:t> style </a:t>
-            </a:r>
-            <a:r>
-              <a:rPr lang="en-US" dirty="0" err="1"/>
-              <a:t>strictuml</a:t>
-            </a:r>
-            <a:endParaRPr lang="en-US" dirty="0"/>
-          </a:p>
-          <a:p>
-            <a:r>
-              <a:rPr lang="en-US" dirty="0"/>
-              <a:t>class </a:t>
-            </a:r>
-            <a:r>
-              <a:rPr lang="en-US" dirty="0" err="1"/>
-              <a:t>FactoryMain</a:t>
-            </a:r>
-            <a:r>
-              <a:rPr lang="en-US" dirty="0"/>
-              <a:t> {</a:t>
-            </a:r>
-          </a:p>
-          <a:p>
-            <a:r>
-              <a:rPr lang="en-US" dirty="0"/>
-              <a:t>   </a:t>
-            </a:r>
-            <a:r>
-              <a:rPr lang="en-US" dirty="0" err="1"/>
-              <a:t>handleCreateOrder</a:t>
-            </a:r>
-            <a:r>
-              <a:rPr lang="en-US" dirty="0"/>
-              <a:t>(??)</a:t>
-            </a:r>
-          </a:p>
-          <a:p>
-            <a:r>
-              <a:rPr lang="en-US" dirty="0"/>
-              <a:t>   </a:t>
-            </a:r>
-            <a:r>
-              <a:rPr lang="en-US" dirty="0" err="1"/>
-              <a:t>handleCreateShipment</a:t>
-            </a:r>
-            <a:r>
-              <a:rPr lang="en-US" dirty="0"/>
-              <a:t>(??) </a:t>
-            </a:r>
-          </a:p>
-          <a:p>
-            <a:r>
-              <a:rPr lang="en-US" dirty="0"/>
-              <a:t>}</a:t>
-            </a:r>
-          </a:p>
-          <a:p>
-            <a:r>
-              <a:rPr lang="en-US" dirty="0"/>
-              <a:t>class Product {</a:t>
-            </a:r>
-          </a:p>
-          <a:p>
-            <a:r>
-              <a:rPr lang="en-US" dirty="0"/>
-              <a:t>id</a:t>
-            </a:r>
-          </a:p>
-          <a:p>
-            <a:r>
-              <a:rPr lang="en-US" dirty="0"/>
-              <a:t>description</a:t>
-            </a:r>
-          </a:p>
-          <a:p>
-            <a:r>
-              <a:rPr lang="en-US" dirty="0"/>
-              <a:t>price</a:t>
-            </a:r>
-          </a:p>
-          <a:p>
-            <a:r>
-              <a:rPr lang="en-US" dirty="0" err="1"/>
-              <a:t>factoryQuantity</a:t>
-            </a:r>
-            <a:endParaRPr lang="en-US" dirty="0"/>
-          </a:p>
-          <a:p>
-            <a:r>
-              <a:rPr lang="en-US" dirty="0"/>
-              <a:t>}</a:t>
-            </a:r>
-          </a:p>
-          <a:p>
-            <a:endParaRPr lang="en-US" dirty="0"/>
-          </a:p>
-          <a:p>
-            <a:r>
-              <a:rPr lang="en-US" dirty="0"/>
-              <a:t>class Order {</a:t>
-            </a:r>
-          </a:p>
-          <a:p>
-            <a:r>
-              <a:rPr lang="en-US" dirty="0"/>
-              <a:t>  name</a:t>
-            </a:r>
-          </a:p>
-          <a:p>
-            <a:r>
-              <a:rPr lang="en-US" dirty="0"/>
-              <a:t>  address</a:t>
-            </a:r>
-          </a:p>
-          <a:p>
-            <a:r>
-              <a:rPr lang="en-US" dirty="0"/>
-              <a:t>  phone</a:t>
-            </a:r>
-          </a:p>
-          <a:p>
-            <a:r>
-              <a:rPr lang="en-US" dirty="0"/>
-              <a:t>}</a:t>
-            </a:r>
-          </a:p>
-          <a:p>
-            <a:endParaRPr lang="en-US" dirty="0"/>
-          </a:p>
-          <a:p>
-            <a:r>
-              <a:rPr lang="en-US" dirty="0"/>
-              <a:t>class </a:t>
-            </a:r>
-            <a:r>
-              <a:rPr lang="en-US" dirty="0" err="1"/>
-              <a:t>ProductOrder</a:t>
-            </a:r>
-            <a:r>
-              <a:rPr lang="en-US" dirty="0"/>
-              <a:t> {</a:t>
-            </a:r>
-          </a:p>
-          <a:p>
-            <a:r>
-              <a:rPr lang="en-US" dirty="0"/>
-              <a:t>quantity</a:t>
-            </a:r>
-          </a:p>
-          <a:p>
-            <a:r>
-              <a:rPr lang="en-US" dirty="0"/>
-              <a:t>}</a:t>
-            </a:r>
-          </a:p>
-          <a:p>
-            <a:endParaRPr lang="en-US" dirty="0"/>
-          </a:p>
-          <a:p>
-            <a:r>
-              <a:rPr lang="en-US" dirty="0"/>
-              <a:t>class Shipment {</a:t>
-            </a:r>
-          </a:p>
-          <a:p>
-            <a:r>
-              <a:rPr lang="en-US" dirty="0"/>
-              <a:t>  date</a:t>
-            </a:r>
-          </a:p>
-          <a:p>
-            <a:endParaRPr lang="en-US" dirty="0"/>
-          </a:p>
-          <a:p>
-            <a:r>
-              <a:rPr lang="en-US" dirty="0"/>
-              <a:t>}</a:t>
-            </a:r>
-          </a:p>
-          <a:p>
-            <a:endParaRPr lang="en-US" dirty="0"/>
-          </a:p>
-          <a:p>
-            <a:r>
-              <a:rPr lang="en-US" dirty="0" err="1"/>
-              <a:t>FactoryMain</a:t>
-            </a:r>
-            <a:r>
-              <a:rPr lang="en-US" dirty="0"/>
-              <a:t> --&gt; "*" Product</a:t>
-            </a:r>
-          </a:p>
-          <a:p>
-            <a:r>
-              <a:rPr lang="en-US" dirty="0" err="1"/>
-              <a:t>FactoryMain</a:t>
-            </a:r>
-            <a:r>
-              <a:rPr lang="en-US" dirty="0"/>
-              <a:t> --&gt; "*" Order</a:t>
-            </a:r>
-          </a:p>
-          <a:p>
-            <a:r>
-              <a:rPr lang="en-US" dirty="0"/>
-              <a:t>Order -&gt; "*" </a:t>
-            </a:r>
-            <a:r>
-              <a:rPr lang="en-US" dirty="0" err="1"/>
-              <a:t>ProductOrder</a:t>
-            </a:r>
-            <a:endParaRPr lang="en-US" dirty="0"/>
-          </a:p>
-          <a:p>
-            <a:r>
-              <a:rPr lang="en-US" dirty="0"/>
-              <a:t>Order --&gt; "*" Shipment</a:t>
-            </a:r>
-          </a:p>
-          <a:p>
-            <a:r>
-              <a:rPr lang="en-US" dirty="0" err="1"/>
-              <a:t>ProductOrder</a:t>
-            </a:r>
-            <a:r>
-              <a:rPr lang="en-US" dirty="0"/>
-              <a:t> -&gt; Product</a:t>
-            </a:r>
-          </a:p>
-          <a:p>
-            <a:r>
-              <a:rPr lang="en-US" dirty="0"/>
-              <a:t>Shipment -&gt; "*" </a:t>
-            </a:r>
-            <a:r>
-              <a:rPr lang="en-US" dirty="0" err="1"/>
-              <a:t>ProductOrder</a:t>
-            </a:r>
-            <a:endParaRPr lang="en-US" dirty="0"/>
-          </a:p>
-          <a:p>
-            <a:r>
-              <a:rPr lang="en-US" dirty="0"/>
-              <a:t>@</a:t>
-            </a:r>
-            <a:r>
-              <a:rPr lang="en-US" dirty="0" err="1"/>
-              <a:t>enduml</a:t>
-            </a:r>
-            <a:endParaRPr lang="en-US" dirty="0"/>
-          </a:p>
-        </p:txBody>
-      </p:sp>
-      <p:sp>
-        <p:nvSpPr>
-          <p:cNvPr id="4" name="Slide Number Placeholder 3"/>
-          <p:cNvSpPr>
-            <a:spLocks noGrp="1"/>
-          </p:cNvSpPr>
-          <p:nvPr>
-            <p:ph type="sldNum" sz="quarter" idx="10"/>
-          </p:nvPr>
-        </p:nvSpPr>
-        <p:spPr/>
-        <p:txBody>
-          <a:bodyPr/>
-          <a:lstStyle/>
-          <a:p>
-            <a:fld id="{1EC41D83-A85E-494A-A425-5657A5A18AE9}" type="slidenum">
-              <a:rPr lang="en-US" smtClean="0"/>
-              <a:t>28</a:t>
-            </a:fld>
-            <a:endParaRPr lang="en-US"/>
-          </a:p>
-        </p:txBody>
-      </p:sp>
-    </p:spTree>
-    <p:extLst>
-      <p:ext uri="{BB962C8B-B14F-4D97-AF65-F5344CB8AC3E}">
-        <p14:creationId xmlns:p14="http://schemas.microsoft.com/office/powerpoint/2010/main" val="2871302920"/>
-      </p:ext>
-    </p:extLst>
-  </p:cSld>
-  <p:clrMapOvr>
-    <a:masterClrMapping/>
-  </p:clrMapOvr>
-</p:notes>
-</file>
-
 <file path=ppt/notesSlides/notesSlide2.xml><?xml version="1.0" encoding="utf-8"?>
 <p:notes xmlns:a="http://schemas.openxmlformats.org/drawingml/2006/main" xmlns:r="http://schemas.openxmlformats.org/officeDocument/2006/relationships" xmlns:p="http://schemas.openxmlformats.org/presentationml/2006/main">
   <p:cSld>
@@ -1619,7 +1855,7 @@
     </p:spTree>
     <p:extLst>
       <p:ext uri="{BB962C8B-B14F-4D97-AF65-F5344CB8AC3E}">
-        <p14:creationId xmlns:p14="http://schemas.microsoft.com/office/powerpoint/2010/main" val="3951031710"/>
+        <p14:creationId xmlns:p14="http://schemas.microsoft.com/office/powerpoint/2010/main" val="1780193826"/>
       </p:ext>
     </p:extLst>
   </p:cSld>
@@ -1711,7 +1947,7 @@
     </p:spTree>
     <p:extLst>
       <p:ext uri="{BB962C8B-B14F-4D97-AF65-F5344CB8AC3E}">
-        <p14:creationId xmlns:p14="http://schemas.microsoft.com/office/powerpoint/2010/main" val="1780193826"/>
+        <p14:creationId xmlns:p14="http://schemas.microsoft.com/office/powerpoint/2010/main" val="3951031710"/>
       </p:ext>
     </p:extLst>
   </p:cSld>
@@ -1767,8 +2003,266 @@
           <a:p>
             <a:r>
               <a:rPr lang="en-US" dirty="0"/>
-              <a:t>Don’t spend too long here</a:t>
-            </a:r>
+              <a:t>@</a:t>
+            </a:r>
+            <a:r>
+              <a:rPr lang="en-US" dirty="0" err="1"/>
+              <a:t>startuml</a:t>
+            </a:r>
+            <a:endParaRPr lang="en-US" dirty="0"/>
+          </a:p>
+          <a:p>
+            <a:r>
+              <a:rPr lang="en-US" dirty="0" err="1"/>
+              <a:t>skinparam</a:t>
+            </a:r>
+            <a:r>
+              <a:rPr lang="en-US" dirty="0"/>
+              <a:t> style </a:t>
+            </a:r>
+            <a:r>
+              <a:rPr lang="en-US" dirty="0" err="1"/>
+              <a:t>strictuml</a:t>
+            </a:r>
+            <a:endParaRPr lang="en-US" dirty="0"/>
+          </a:p>
+          <a:p>
+            <a:endParaRPr lang="en-US" dirty="0"/>
+          </a:p>
+          <a:p>
+            <a:r>
+              <a:rPr lang="en-US" dirty="0"/>
+              <a:t>class Book {</a:t>
+            </a:r>
+          </a:p>
+          <a:p>
+            <a:r>
+              <a:rPr lang="en-US" dirty="0"/>
+              <a:t>   name</a:t>
+            </a:r>
+          </a:p>
+          <a:p>
+            <a:r>
+              <a:rPr lang="en-US" dirty="0"/>
+              <a:t>   author</a:t>
+            </a:r>
+          </a:p>
+          <a:p>
+            <a:r>
+              <a:rPr lang="en-US" dirty="0"/>
+              <a:t>   </a:t>
+            </a:r>
+            <a:r>
+              <a:rPr lang="en-US" dirty="0" err="1"/>
+              <a:t>printReport</a:t>
+            </a:r>
+            <a:r>
+              <a:rPr lang="en-US" dirty="0"/>
+              <a:t>()</a:t>
+            </a:r>
+          </a:p>
+          <a:p>
+            <a:r>
+              <a:rPr lang="en-US" dirty="0"/>
+              <a:t>   </a:t>
+            </a:r>
+            <a:r>
+              <a:rPr lang="en-US" dirty="0" err="1"/>
+              <a:t>addKid</a:t>
+            </a:r>
+            <a:r>
+              <a:rPr lang="en-US" dirty="0"/>
+              <a:t>(kid)</a:t>
+            </a:r>
+          </a:p>
+          <a:p>
+            <a:r>
+              <a:rPr lang="en-US" dirty="0"/>
+              <a:t>}</a:t>
+            </a:r>
+          </a:p>
+          <a:p>
+            <a:r>
+              <a:rPr lang="en-US" dirty="0"/>
+              <a:t>class Kid {</a:t>
+            </a:r>
+          </a:p>
+          <a:p>
+            <a:r>
+              <a:rPr lang="en-US" dirty="0"/>
+              <a:t>   name</a:t>
+            </a:r>
+          </a:p>
+          <a:p>
+            <a:r>
+              <a:rPr lang="en-US" dirty="0"/>
+              <a:t>   </a:t>
+            </a:r>
+            <a:r>
+              <a:rPr lang="en-US" dirty="0" err="1"/>
+              <a:t>gradeLevel</a:t>
+            </a:r>
+            <a:endParaRPr lang="en-US" dirty="0"/>
+          </a:p>
+          <a:p>
+            <a:r>
+              <a:rPr lang="en-US" dirty="0"/>
+              <a:t>   </a:t>
+            </a:r>
+            <a:r>
+              <a:rPr lang="en-US" dirty="0" err="1"/>
+              <a:t>printReport</a:t>
+            </a:r>
+            <a:r>
+              <a:rPr lang="en-US" dirty="0"/>
+              <a:t>()</a:t>
+            </a:r>
+          </a:p>
+          <a:p>
+            <a:r>
+              <a:rPr lang="en-US" dirty="0"/>
+              <a:t>   </a:t>
+            </a:r>
+            <a:r>
+              <a:rPr lang="en-US" dirty="0" err="1"/>
+              <a:t>addBook</a:t>
+            </a:r>
+            <a:r>
+              <a:rPr lang="en-US" dirty="0"/>
+              <a:t>(book)</a:t>
+            </a:r>
+          </a:p>
+          <a:p>
+            <a:r>
+              <a:rPr lang="en-US" dirty="0"/>
+              <a:t>}</a:t>
+            </a:r>
+          </a:p>
+          <a:p>
+            <a:endParaRPr lang="en-US" dirty="0"/>
+          </a:p>
+          <a:p>
+            <a:r>
+              <a:rPr lang="en-US" dirty="0"/>
+              <a:t>class </a:t>
+            </a:r>
+            <a:r>
+              <a:rPr lang="en-US" dirty="0" err="1"/>
+              <a:t>BookMain</a:t>
+            </a:r>
+            <a:r>
+              <a:rPr lang="en-US" dirty="0"/>
+              <a:t> {</a:t>
+            </a:r>
+          </a:p>
+          <a:p>
+            <a:r>
+              <a:rPr lang="en-US" dirty="0"/>
+              <a:t>   </a:t>
+            </a:r>
+            <a:r>
+              <a:rPr lang="en-US" dirty="0" err="1"/>
+              <a:t>handleNewReading</a:t>
+            </a:r>
+            <a:r>
+              <a:rPr lang="en-US" dirty="0"/>
+              <a:t>(</a:t>
+            </a:r>
+            <a:r>
+              <a:rPr lang="en-US" dirty="0" err="1"/>
+              <a:t>bookname,kidname</a:t>
+            </a:r>
+            <a:r>
+              <a:rPr lang="en-US" dirty="0"/>
+              <a:t>)</a:t>
+            </a:r>
+          </a:p>
+          <a:p>
+            <a:r>
+              <a:rPr lang="en-US" dirty="0"/>
+              <a:t>   </a:t>
+            </a:r>
+            <a:r>
+              <a:rPr lang="en-US" dirty="0" err="1"/>
+              <a:t>printReportForBook</a:t>
+            </a:r>
+            <a:r>
+              <a:rPr lang="en-US" dirty="0"/>
+              <a:t>(</a:t>
+            </a:r>
+            <a:r>
+              <a:rPr lang="en-US" dirty="0" err="1"/>
+              <a:t>bookname</a:t>
+            </a:r>
+            <a:r>
+              <a:rPr lang="en-US" dirty="0"/>
+              <a:t>)</a:t>
+            </a:r>
+          </a:p>
+          <a:p>
+            <a:r>
+              <a:rPr lang="en-US" dirty="0"/>
+              <a:t>   </a:t>
+            </a:r>
+            <a:r>
+              <a:rPr lang="en-US" dirty="0" err="1"/>
+              <a:t>printReportForKid</a:t>
+            </a:r>
+            <a:r>
+              <a:rPr lang="en-US" dirty="0"/>
+              <a:t>(</a:t>
+            </a:r>
+            <a:r>
+              <a:rPr lang="en-US" dirty="0" err="1"/>
+              <a:t>kidname</a:t>
+            </a:r>
+            <a:r>
+              <a:rPr lang="en-US" dirty="0"/>
+              <a:t>)</a:t>
+            </a:r>
+          </a:p>
+          <a:p>
+            <a:r>
+              <a:rPr lang="en-US" dirty="0"/>
+              <a:t>}</a:t>
+            </a:r>
+          </a:p>
+          <a:p>
+            <a:r>
+              <a:rPr lang="en-US" dirty="0"/>
+              <a:t>Kid "*" &lt;-&gt; "*" Book</a:t>
+            </a:r>
+          </a:p>
+          <a:p>
+            <a:r>
+              <a:rPr lang="en-US" dirty="0" err="1"/>
+              <a:t>BookMain</a:t>
+            </a:r>
+            <a:r>
+              <a:rPr lang="en-US" dirty="0"/>
+              <a:t> -&gt; "*" Book</a:t>
+            </a:r>
+          </a:p>
+          <a:p>
+            <a:r>
+              <a:rPr lang="en-US" dirty="0" err="1"/>
+              <a:t>BookMain</a:t>
+            </a:r>
+            <a:r>
+              <a:rPr lang="en-US" dirty="0"/>
+              <a:t> -&gt; "*" Kid</a:t>
+            </a:r>
+          </a:p>
+          <a:p>
+            <a:r>
+              <a:rPr lang="en-US" dirty="0"/>
+              <a:t>@</a:t>
+            </a:r>
+            <a:r>
+              <a:rPr lang="en-US" dirty="0" err="1"/>
+              <a:t>enduml</a:t>
+            </a:r>
+            <a:endParaRPr lang="en-US" dirty="0"/>
           </a:p>
         </p:txBody>
       </p:sp>
@@ -1789,7 +2283,7 @@
           <a:p>
             <a:fld id="{1EC41D83-A85E-494A-A425-5657A5A18AE9}" type="slidenum">
               <a:rPr lang="en-US" smtClean="0"/>
-              <a:t>13</a:t>
+              <a:t>14</a:t>
             </a:fld>
             <a:endParaRPr lang="en-US"/>
           </a:p>
@@ -1798,7 +2292,7 @@
     </p:spTree>
     <p:extLst>
       <p:ext uri="{BB962C8B-B14F-4D97-AF65-F5344CB8AC3E}">
-        <p14:creationId xmlns:p14="http://schemas.microsoft.com/office/powerpoint/2010/main" val="3279030476"/>
+        <p14:creationId xmlns:p14="http://schemas.microsoft.com/office/powerpoint/2010/main" val="1272750694"/>
       </p:ext>
     </p:extLst>
   </p:cSld>
@@ -1852,268 +2346,40 @@
           <a:bodyPr/>
           <a:lstStyle/>
           <a:p>
-            <a:r>
-              <a:rPr lang="en-US" dirty="0"/>
-              <a:t>@</a:t>
-            </a:r>
-            <a:r>
-              <a:rPr lang="en-US" dirty="0" err="1"/>
-              <a:t>startuml</a:t>
-            </a:r>
-            <a:endParaRPr lang="en-US" dirty="0"/>
-          </a:p>
-          <a:p>
-            <a:r>
-              <a:rPr lang="en-US" dirty="0" err="1"/>
-              <a:t>skinparam</a:t>
-            </a:r>
-            <a:r>
-              <a:rPr lang="en-US" dirty="0"/>
-              <a:t> style </a:t>
-            </a:r>
-            <a:r>
-              <a:rPr lang="en-US" dirty="0" err="1"/>
-              <a:t>strictuml</a:t>
-            </a:r>
-            <a:endParaRPr lang="en-US" dirty="0"/>
-          </a:p>
-          <a:p>
-            <a:endParaRPr lang="en-US" dirty="0"/>
-          </a:p>
-          <a:p>
-            <a:r>
-              <a:rPr lang="en-US" dirty="0"/>
-              <a:t>class Book {</a:t>
-            </a:r>
-          </a:p>
-          <a:p>
-            <a:r>
-              <a:rPr lang="en-US" dirty="0"/>
-              <a:t>   name</a:t>
-            </a:r>
-          </a:p>
-          <a:p>
-            <a:r>
-              <a:rPr lang="en-US" dirty="0"/>
-              <a:t>   author</a:t>
-            </a:r>
-          </a:p>
-          <a:p>
-            <a:r>
-              <a:rPr lang="en-US" dirty="0"/>
-              <a:t>   </a:t>
-            </a:r>
-            <a:r>
-              <a:rPr lang="en-US" dirty="0" err="1"/>
-              <a:t>printReport</a:t>
-            </a:r>
-            <a:r>
-              <a:rPr lang="en-US" dirty="0"/>
-              <a:t>()</a:t>
-            </a:r>
-          </a:p>
-          <a:p>
-            <a:r>
-              <a:rPr lang="en-US" dirty="0"/>
-              <a:t>   </a:t>
-            </a:r>
-            <a:r>
-              <a:rPr lang="en-US" dirty="0" err="1"/>
-              <a:t>addKid</a:t>
-            </a:r>
-            <a:r>
-              <a:rPr lang="en-US" dirty="0"/>
-              <a:t>(kid)</a:t>
-            </a:r>
-          </a:p>
-          <a:p>
-            <a:r>
-              <a:rPr lang="en-US" dirty="0"/>
-              <a:t>}</a:t>
-            </a:r>
-          </a:p>
-          <a:p>
-            <a:r>
-              <a:rPr lang="en-US" dirty="0"/>
-              <a:t>class Kid {</a:t>
-            </a:r>
-          </a:p>
-          <a:p>
-            <a:r>
-              <a:rPr lang="en-US" dirty="0"/>
-              <a:t>   name</a:t>
-            </a:r>
-          </a:p>
-          <a:p>
-            <a:r>
-              <a:rPr lang="en-US" dirty="0"/>
-              <a:t>   </a:t>
-            </a:r>
-            <a:r>
-              <a:rPr lang="en-US" dirty="0" err="1"/>
-              <a:t>gradeLevel</a:t>
-            </a:r>
-            <a:endParaRPr lang="en-US" dirty="0"/>
-          </a:p>
-          <a:p>
-            <a:r>
-              <a:rPr lang="en-US" dirty="0"/>
-              <a:t>   </a:t>
-            </a:r>
-            <a:r>
-              <a:rPr lang="en-US" dirty="0" err="1"/>
-              <a:t>printReport</a:t>
-            </a:r>
-            <a:r>
-              <a:rPr lang="en-US" dirty="0"/>
-              <a:t>()</a:t>
-            </a:r>
-          </a:p>
-          <a:p>
-            <a:r>
-              <a:rPr lang="en-US" dirty="0"/>
-              <a:t>   </a:t>
-            </a:r>
-            <a:r>
-              <a:rPr lang="en-US" dirty="0" err="1"/>
-              <a:t>addBook</a:t>
-            </a:r>
-            <a:r>
-              <a:rPr lang="en-US" dirty="0"/>
-              <a:t>(book)</a:t>
-            </a:r>
-          </a:p>
-          <a:p>
-            <a:r>
-              <a:rPr lang="en-US" dirty="0"/>
-              <a:t>}</a:t>
-            </a:r>
-          </a:p>
-          <a:p>
-            <a:endParaRPr lang="en-US" dirty="0"/>
-          </a:p>
-          <a:p>
-            <a:r>
-              <a:rPr lang="en-US" dirty="0"/>
-              <a:t>class </a:t>
-            </a:r>
-            <a:r>
-              <a:rPr lang="en-US" dirty="0" err="1"/>
-              <a:t>BookMain</a:t>
-            </a:r>
-            <a:r>
-              <a:rPr lang="en-US" dirty="0"/>
-              <a:t> {</a:t>
-            </a:r>
-          </a:p>
-          <a:p>
-            <a:r>
-              <a:rPr lang="en-US" dirty="0"/>
-              <a:t>   </a:t>
-            </a:r>
-            <a:r>
-              <a:rPr lang="en-US" dirty="0" err="1"/>
-              <a:t>handleNewReading</a:t>
-            </a:r>
-            <a:r>
-              <a:rPr lang="en-US" dirty="0"/>
-              <a:t>(</a:t>
-            </a:r>
-            <a:r>
-              <a:rPr lang="en-US" dirty="0" err="1"/>
-              <a:t>bookname,kidname</a:t>
-            </a:r>
-            <a:r>
-              <a:rPr lang="en-US" dirty="0"/>
-              <a:t>)</a:t>
-            </a:r>
-          </a:p>
-          <a:p>
-            <a:r>
-              <a:rPr lang="en-US" dirty="0"/>
-              <a:t>   </a:t>
-            </a:r>
-            <a:r>
-              <a:rPr lang="en-US" dirty="0" err="1"/>
-              <a:t>printReportForBook</a:t>
-            </a:r>
-            <a:r>
-              <a:rPr lang="en-US" dirty="0"/>
-              <a:t>(</a:t>
-            </a:r>
-            <a:r>
-              <a:rPr lang="en-US" dirty="0" err="1"/>
-              <a:t>bookname</a:t>
-            </a:r>
-            <a:r>
-              <a:rPr lang="en-US" dirty="0"/>
-              <a:t>)</a:t>
-            </a:r>
-          </a:p>
-          <a:p>
-            <a:r>
-              <a:rPr lang="en-US" dirty="0"/>
-              <a:t>   </a:t>
-            </a:r>
-            <a:r>
-              <a:rPr lang="en-US" dirty="0" err="1"/>
-              <a:t>printReportForKid</a:t>
-            </a:r>
-            <a:r>
-              <a:rPr lang="en-US" dirty="0"/>
-              <a:t>(</a:t>
-            </a:r>
-            <a:r>
-              <a:rPr lang="en-US" dirty="0" err="1"/>
-              <a:t>kidname</a:t>
-            </a:r>
-            <a:r>
-              <a:rPr lang="en-US" dirty="0"/>
-              <a:t>)</a:t>
-            </a:r>
-          </a:p>
-          <a:p>
-            <a:r>
-              <a:rPr lang="en-US" dirty="0"/>
-              <a:t>}</a:t>
-            </a:r>
-          </a:p>
-          <a:p>
-            <a:r>
-              <a:rPr lang="en-US" dirty="0"/>
-              <a:t>Kid "*" &lt;-&gt; "*" Book</a:t>
-            </a:r>
-          </a:p>
-          <a:p>
-            <a:r>
-              <a:rPr lang="en-US" dirty="0" err="1"/>
-              <a:t>BookMain</a:t>
-            </a:r>
-            <a:r>
-              <a:rPr lang="en-US" dirty="0"/>
-              <a:t> -&gt; "*" Book</a:t>
-            </a:r>
-          </a:p>
-          <a:p>
-            <a:r>
-              <a:rPr lang="en-US" dirty="0" err="1"/>
-              <a:t>BookMain</a:t>
-            </a:r>
-            <a:r>
-              <a:rPr lang="en-US" dirty="0"/>
-              <a:t> -&gt; "*" Kid</a:t>
-            </a:r>
-          </a:p>
-          <a:p>
-            <a:r>
-              <a:rPr lang="en-US" dirty="0"/>
-              <a:t>@</a:t>
-            </a:r>
-            <a:r>
-              <a:rPr lang="en-US" dirty="0" err="1"/>
-              <a:t>enduml</a:t>
-            </a:r>
-            <a:endParaRPr lang="en-US" dirty="0"/>
+            <a:endParaRPr lang="en-US" baseline="0" dirty="0">
+              <a:cs typeface="Calibri"/>
+            </a:endParaRPr>
+          </a:p>
+          <a:p>
+            <a:pPr marL="228600" indent="-228600">
+              <a:buAutoNum type="alphaUcPeriod"/>
+            </a:pPr>
+            <a:r>
+              <a:rPr lang="en-US" baseline="0" dirty="0"/>
+              <a:t>There is no (sane) way to lookup a book to either lookup a book to add to a kid or print a report</a:t>
+            </a:r>
+          </a:p>
+          <a:p>
+            <a:pPr marL="228600" indent="-228600">
+              <a:buAutoNum type="alphaUcPeriod"/>
+            </a:pPr>
+            <a:r>
+              <a:rPr lang="en-US">
+                <a:cs typeface="Calibri"/>
+              </a:rPr>
+              <a:t>Duplication of data</a:t>
+            </a:r>
+            <a:endParaRPr lang="en-US" dirty="0">
+              <a:cs typeface="Calibri"/>
+            </a:endParaRPr>
+          </a:p>
+          <a:p>
+            <a:pPr marL="228600" indent="-228600">
+              <a:buAutoNum type="alphaUcPeriod"/>
+            </a:pPr>
+            <a:endParaRPr lang="en-US" dirty="0">
+              <a:cs typeface="Calibri"/>
+            </a:endParaRPr>
           </a:p>
         </p:txBody>
       </p:sp>
@@ -2134,7 +2400,7 @@
           <a:p>
             <a:fld id="{1EC41D83-A85E-494A-A425-5657A5A18AE9}" type="slidenum">
               <a:rPr lang="en-US" smtClean="0"/>
-              <a:t>15</a:t>
+              <a:t>19</a:t>
             </a:fld>
             <a:endParaRPr lang="en-US"/>
           </a:p>
@@ -2143,7 +2409,7 @@
     </p:spTree>
     <p:extLst>
       <p:ext uri="{BB962C8B-B14F-4D97-AF65-F5344CB8AC3E}">
-        <p14:creationId xmlns:p14="http://schemas.microsoft.com/office/powerpoint/2010/main" val="1272750694"/>
+        <p14:creationId xmlns:p14="http://schemas.microsoft.com/office/powerpoint/2010/main" val="2724198602"/>
       </p:ext>
     </p:extLst>
   </p:cSld>
@@ -2197,25 +2463,13 @@
           <a:bodyPr/>
           <a:lstStyle/>
           <a:p>
-            <a:pPr marL="228600" indent="-228600">
-              <a:buAutoNum type="alphaUcPeriod"/>
-            </a:pPr>
-            <a:r>
-              <a:rPr lang="en-US" dirty="0"/>
-              <a:t>Each</a:t>
+            <a:r>
+              <a:rPr lang="en-US" dirty="0"/>
+              <a:t>Briefly</a:t>
             </a:r>
             <a:r>
               <a:rPr lang="en-US" baseline="0" dirty="0"/>
-              <a:t> kid now only has 1 book</a:t>
-            </a:r>
-          </a:p>
-          <a:p>
-            <a:pPr marL="228600" indent="-228600">
-              <a:buAutoNum type="alphaUcPeriod"/>
-            </a:pPr>
-            <a:r>
-              <a:rPr lang="en-US" baseline="0" dirty="0"/>
-              <a:t>There is no (sane) way to lookup a book to either lookup a book to add to a kid or print a report</a:t>
+              <a:t> show the website description and how points are awarded, especially making note of the reflection questions and sample output.</a:t>
             </a:r>
             <a:endParaRPr lang="en-US" dirty="0"/>
           </a:p>
@@ -2238,7 +2492,7 @@
           <a:p>
             <a:fld id="{1EC41D83-A85E-494A-A425-5657A5A18AE9}" type="slidenum">
               <a:rPr lang="en-US" smtClean="0"/>
-              <a:t>17</a:t>
+              <a:t>24</a:t>
             </a:fld>
             <a:endParaRPr lang="en-US"/>
           </a:p>
@@ -2247,7 +2501,7 @@
     </p:spTree>
     <p:extLst>
       <p:ext uri="{BB962C8B-B14F-4D97-AF65-F5344CB8AC3E}">
-        <p14:creationId xmlns:p14="http://schemas.microsoft.com/office/powerpoint/2010/main" val="2724198602"/>
+        <p14:creationId xmlns:p14="http://schemas.microsoft.com/office/powerpoint/2010/main" val="3485115224"/>
       </p:ext>
     </p:extLst>
   </p:cSld>
@@ -2330,7 +2584,7 @@
           <a:p>
             <a:fld id="{1EC41D83-A85E-494A-A425-5657A5A18AE9}" type="slidenum">
               <a:rPr lang="en-US" smtClean="0"/>
-              <a:t>20</a:t>
+              <a:t>26</a:t>
             </a:fld>
             <a:endParaRPr lang="en-US"/>
           </a:p>
@@ -2428,7 +2682,7 @@
           <a:p>
             <a:fld id="{1EC41D83-A85E-494A-A425-5657A5A18AE9}" type="slidenum">
               <a:rPr lang="en-US" smtClean="0"/>
-              <a:t>24</a:t>
+              <a:t>30</a:t>
             </a:fld>
             <a:endParaRPr lang="en-US"/>
           </a:p>
@@ -2582,7 +2836,7 @@
               <a:pPr>
                 <a:defRPr/>
               </a:pPr>
-              <a:t>Monday, September 10, 2018</a:t>
+              <a:t>Tuesday, September 11, 2018</a:t>
             </a:fld>
             <a:endParaRPr lang="en-US" dirty="0"/>
           </a:p>
@@ -2775,7 +3029,7 @@
               <a:pPr>
                 <a:defRPr/>
               </a:pPr>
-              <a:t>Monday, September 10, 2018</a:t>
+              <a:t>Tuesday, September 11, 2018</a:t>
             </a:fld>
             <a:endParaRPr lang="en-US" dirty="0">
               <a:solidFill>
@@ -2988,7 +3242,7 @@
               <a:pPr>
                 <a:defRPr/>
               </a:pPr>
-              <a:t>Monday, September 10, 2018</a:t>
+              <a:t>Tuesday, September 11, 2018</a:t>
             </a:fld>
             <a:endParaRPr lang="en-US" dirty="0">
               <a:solidFill>
@@ -3191,7 +3445,7 @@
               <a:pPr>
                 <a:defRPr/>
               </a:pPr>
-              <a:t>Monday, September 10, 2018</a:t>
+              <a:t>Tuesday, September 11, 2018</a:t>
             </a:fld>
             <a:endParaRPr lang="en-US" dirty="0">
               <a:solidFill>
@@ -3471,7 +3725,7 @@
               <a:pPr>
                 <a:defRPr/>
               </a:pPr>
-              <a:t>Monday, September 10, 2018</a:t>
+              <a:t>Tuesday, September 11, 2018</a:t>
             </a:fld>
             <a:endParaRPr lang="en-US">
               <a:solidFill>
@@ -3735,7 +3989,7 @@
               <a:pPr>
                 <a:defRPr/>
               </a:pPr>
-              <a:t>Monday, September 10, 2018</a:t>
+              <a:t>Tuesday, September 11, 2018</a:t>
             </a:fld>
             <a:endParaRPr lang="en-US">
               <a:solidFill>
@@ -4134,7 +4388,7 @@
               <a:pPr>
                 <a:defRPr/>
               </a:pPr>
-              <a:t>Monday, September 10, 2018</a:t>
+              <a:t>Tuesday, September 11, 2018</a:t>
             </a:fld>
             <a:endParaRPr lang="en-US">
               <a:solidFill>
@@ -4286,7 +4540,7 @@
               <a:pPr>
                 <a:defRPr/>
               </a:pPr>
-              <a:t>Monday, September 10, 2018</a:t>
+              <a:t>Tuesday, September 11, 2018</a:t>
             </a:fld>
             <a:endParaRPr lang="en-US">
               <a:solidFill>
@@ -4416,7 +4670,7 @@
               <a:pPr>
                 <a:defRPr/>
               </a:pPr>
-              <a:t>Monday, September 10, 2018</a:t>
+              <a:t>Tuesday, September 11, 2018</a:t>
             </a:fld>
             <a:endParaRPr lang="en-US" dirty="0">
               <a:solidFill>
@@ -4726,7 +4980,7 @@
               <a:pPr>
                 <a:defRPr/>
               </a:pPr>
-              <a:t>Monday, September 10, 2018</a:t>
+              <a:t>Tuesday, September 11, 2018</a:t>
             </a:fld>
             <a:endParaRPr lang="en-US">
               <a:solidFill>
@@ -5013,7 +5267,7 @@
               <a:pPr>
                 <a:defRPr/>
               </a:pPr>
-              <a:t>Monday, September 10, 2018</a:t>
+              <a:t>Tuesday, September 11, 2018</a:t>
             </a:fld>
             <a:endParaRPr lang="en-US">
               <a:solidFill>
@@ -5273,7 +5527,7 @@
                 </a:spcAft>
                 <a:defRPr/>
               </a:pPr>
-              <a:t>Monday, September 10, 2018</a:t>
+              <a:t>Tuesday, September 11, 2018</a:t>
             </a:fld>
             <a:endParaRPr lang="en-US" dirty="0">
               <a:solidFill>
@@ -5746,13 +6000,8 @@
           <a:p>
             <a:r>
               <a:rPr lang="en-US" dirty="0"/>
-              <a:t>CSSE 220: </a:t>
-            </a:r>
-            <a:r>
-              <a:rPr lang="en-US"/>
-              <a:t>Object Design</a:t>
-            </a:r>
-            <a:endParaRPr lang="en-US" dirty="0"/>
+              <a:t>CSSE 220: Object Design</a:t>
+            </a:r>
           </a:p>
         </p:txBody>
       </p:sp>
@@ -6004,7 +6253,7 @@
           <a:p>
             <a:r>
               <a:rPr lang="en-US" dirty="0"/>
-              <a:t>An object oriented design must work!</a:t>
+              <a:t>A good object oriented design is structured around the data</a:t>
             </a:r>
           </a:p>
         </p:txBody>
@@ -6026,37 +6275,46 @@
           </a:bodyPr>
           <a:lstStyle/>
           <a:p>
-            <a:pPr marL="0" indent="0" fontAlgn="base">
-              <a:buNone/>
-            </a:pPr>
             <a:r>
               <a:rPr lang="en-US" sz="3200" dirty="0"/>
-              <a:t>Make sure all the data that you need is stored somewhere</a:t>
-            </a:r>
-          </a:p>
-          <a:p>
-            <a:pPr lvl="1" fontAlgn="base"/>
+              <a:t>Look for the nouns in your problem, consider making them classes</a:t>
+            </a:r>
+          </a:p>
+          <a:p>
+            <a:pPr lvl="1"/>
+            <a:r>
+              <a:rPr lang="is-IS" sz="2900" dirty="0"/>
+              <a:t>…i</a:t>
+            </a:r>
             <a:r>
               <a:rPr lang="en-US" sz="2900" dirty="0"/>
-              <a:t>And that you can access it from the classes that need it</a:t>
-            </a:r>
-          </a:p>
-          <a:p>
-            <a:pPr lvl="1" fontAlgn="base"/>
-            <a:r>
-              <a:rPr lang="en-US" sz="2900" dirty="0"/>
-              <a:t>The solution is not to keep 2 copies of the same data.</a:t>
-            </a:r>
-          </a:p>
-          <a:p>
-            <a:endParaRPr lang="en-US" sz="3200" dirty="0"/>
+              <a:t>f they are complex enough</a:t>
+            </a:r>
+          </a:p>
+          <a:p>
+            <a:r>
+              <a:rPr lang="en-US" sz="3200" dirty="0"/>
+              <a:t>Put the data you need to store as fields in your classes</a:t>
+            </a:r>
+          </a:p>
+          <a:p>
+            <a:r>
+              <a:rPr lang="en-US" sz="3200" dirty="0"/>
+              <a:t>Add operations to the classes to accomplish what your need</a:t>
+            </a:r>
+          </a:p>
+          <a:p>
+            <a:r>
+              <a:rPr lang="en-US" sz="3200" dirty="0"/>
+              <a:t>Avoid Plural Nouns</a:t>
+            </a:r>
           </a:p>
         </p:txBody>
       </p:sp>
     </p:spTree>
     <p:extLst>
       <p:ext uri="{BB962C8B-B14F-4D97-AF65-F5344CB8AC3E}">
-        <p14:creationId xmlns:p14="http://schemas.microsoft.com/office/powerpoint/2010/main" val="3244535212"/>
+        <p14:creationId xmlns:p14="http://schemas.microsoft.com/office/powerpoint/2010/main" val="44187663"/>
       </p:ext>
     </p:extLst>
   </p:cSld>
@@ -6102,7 +6360,7 @@
           <a:p>
             <a:r>
               <a:rPr lang="en-US" dirty="0"/>
-              <a:t>A good object oriented design is structured around the data</a:t>
+              <a:t>An object oriented design must work!</a:t>
             </a:r>
           </a:p>
         </p:txBody>
@@ -6124,46 +6382,37 @@
           </a:bodyPr>
           <a:lstStyle/>
           <a:p>
+            <a:pPr marL="0" indent="0" fontAlgn="base">
+              <a:buNone/>
+            </a:pPr>
             <a:r>
               <a:rPr lang="en-US" sz="3200" dirty="0"/>
-              <a:t>Look for the nouns in your problem, consider making them classes</a:t>
-            </a:r>
-          </a:p>
-          <a:p>
-            <a:pPr lvl="1"/>
-            <a:r>
-              <a:rPr lang="is-IS" sz="2900" dirty="0"/>
-              <a:t>…i</a:t>
-            </a:r>
+              <a:t>Make sure all the data that you need is stored somewhere</a:t>
+            </a:r>
+          </a:p>
+          <a:p>
+            <a:pPr lvl="1" fontAlgn="base"/>
             <a:r>
               <a:rPr lang="en-US" sz="2900" dirty="0"/>
-              <a:t>f they are complex enough</a:t>
-            </a:r>
-          </a:p>
-          <a:p>
-            <a:r>
-              <a:rPr lang="en-US" sz="3200" dirty="0"/>
-              <a:t>Put the data you need to store as fields in your classes</a:t>
-            </a:r>
-          </a:p>
-          <a:p>
-            <a:r>
-              <a:rPr lang="en-US" sz="3200" dirty="0"/>
-              <a:t>Add operations to the classes to accomplish what your need</a:t>
-            </a:r>
-          </a:p>
-          <a:p>
-            <a:r>
-              <a:rPr lang="en-US" sz="3200" dirty="0"/>
-              <a:t>Avoid Plural Nouns</a:t>
-            </a:r>
+              <a:t>And that you can access it from the classes that need it</a:t>
+            </a:r>
+          </a:p>
+          <a:p>
+            <a:pPr lvl="1" fontAlgn="base"/>
+            <a:r>
+              <a:rPr lang="en-US" sz="2900" dirty="0"/>
+              <a:t>The solution is not to keep 2 copies of the same data.</a:t>
+            </a:r>
+          </a:p>
+          <a:p>
+            <a:endParaRPr lang="en-US" sz="3200" dirty="0"/>
           </a:p>
         </p:txBody>
       </p:sp>
     </p:spTree>
     <p:extLst>
       <p:ext uri="{BB962C8B-B14F-4D97-AF65-F5344CB8AC3E}">
-        <p14:creationId xmlns:p14="http://schemas.microsoft.com/office/powerpoint/2010/main" val="44187663"/>
+        <p14:creationId xmlns:p14="http://schemas.microsoft.com/office/powerpoint/2010/main" val="3244535212"/>
       </p:ext>
     </p:extLst>
   </p:cSld>
@@ -6192,7 +6441,13 @@
       </p:grpSpPr>
       <p:sp>
         <p:nvSpPr>
-          <p:cNvPr id="2" name="Title 1"/>
+          <p:cNvPr id="2" name="Title 1">
+            <a:extLst>
+              <a:ext uri="{FF2B5EF4-FFF2-40B4-BE49-F238E27FC236}">
+                <a16:creationId xmlns:a16="http://schemas.microsoft.com/office/drawing/2014/main" id="{90661CDA-10D9-4E16-94B4-CFF5CFDAD515}"/>
+              </a:ext>
+            </a:extLst>
+          </p:cNvPr>
           <p:cNvSpPr>
             <a:spLocks noGrp="1"/>
           </p:cNvSpPr>
@@ -6200,56 +6455,195 @@
             <p:ph type="title"/>
           </p:nvPr>
         </p:nvSpPr>
+        <p:spPr>
+          <a:xfrm>
+            <a:off x="628650" y="156483"/>
+            <a:ext cx="7886700" cy="423329"/>
+          </a:xfrm>
+        </p:spPr>
+        <p:txBody>
+          <a:bodyPr>
+            <a:normAutofit fontScale="90000"/>
+          </a:bodyPr>
+          <a:lstStyle/>
+          <a:p>
+            <a:r>
+              <a:rPr lang="en-US" dirty="0"/>
+              <a:t>What is wrong with this design</a:t>
+            </a:r>
+            <a:r>
+              <a:rPr lang="en-US" dirty="0">
+                <a:cs typeface="Calibri Light"/>
+              </a:rPr>
+              <a:t>?</a:t>
+            </a:r>
+            <a:endParaRPr lang="en-US" dirty="0"/>
+          </a:p>
+        </p:txBody>
+      </p:sp>
+      <p:sp>
+        <p:nvSpPr>
+          <p:cNvPr id="6" name="TextBox 5">
+            <a:extLst>
+              <a:ext uri="{FF2B5EF4-FFF2-40B4-BE49-F238E27FC236}">
+                <a16:creationId xmlns:a16="http://schemas.microsoft.com/office/drawing/2014/main" id="{30FCF57C-A08C-4EA4-A46B-CF86C6E10D83}"/>
+              </a:ext>
+            </a:extLst>
+          </p:cNvPr>
+          <p:cNvSpPr txBox="1"/>
+          <p:nvPr/>
+        </p:nvSpPr>
+        <p:spPr>
+          <a:xfrm>
+            <a:off x="181429" y="878114"/>
+            <a:ext cx="8899071" cy="2585323"/>
+          </a:xfrm>
+          <a:prstGeom prst="rect">
+            <a:avLst/>
+          </a:prstGeom>
+        </p:spPr>
+        <p:txBody>
+          <a:bodyPr rot="0" spcFirstLastPara="0" vertOverflow="overflow" horzOverflow="overflow" vert="horz" wrap="square" lIns="91440" tIns="45720" rIns="91440" bIns="45720" numCol="1" spcCol="0" rtlCol="0" fromWordArt="0" anchor="t" anchorCtr="0" forceAA="0" compatLnSpc="1">
+            <a:prstTxWarp prst="textNoShape">
+              <a:avLst/>
+            </a:prstTxWarp>
+            <a:spAutoFit/>
+          </a:bodyPr>
+          <a:lstStyle/>
+          <a:p>
+            <a:r>
+              <a:rPr lang="en-US" dirty="0">
+                <a:latin typeface="Arial"/>
+                <a:cs typeface="Arial"/>
+              </a:rPr>
+              <a:t>A particular company keeps a variety of different accounts for its projects. Each account has an account number and a balance.  When a deposit or withdrawal occurs, the transaction occurs immediately and the current balance should be updated. The system should support getting the current balance.  </a:t>
+            </a:r>
+          </a:p>
+          <a:p>
+            <a:endParaRPr lang="en-US" dirty="0">
+              <a:latin typeface="Arial"/>
+              <a:cs typeface="Arial"/>
+            </a:endParaRPr>
+          </a:p>
+          <a:p>
+            <a:r>
+              <a:rPr lang="en-US" dirty="0">
+                <a:latin typeface="Arial"/>
+                <a:cs typeface="Arial"/>
+              </a:rPr>
+              <a:t>The system should also support getting the balance as it existed at any date/time in the past.  Note the input historical date/time may not correspond to a particular transaction time - e.g. if the system had a balance of $1 at 1pm and then was changed to $2 at 3pm., a request for the balance at 2pm should return $1</a:t>
+            </a:r>
+            <a:r>
+              <a:rPr lang="en-US" sz="1100" dirty="0">
+                <a:latin typeface="Arial"/>
+                <a:cs typeface="Arial"/>
+              </a:rPr>
+              <a:t>.</a:t>
+            </a:r>
+            <a:endParaRPr lang="en-US"/>
+          </a:p>
+        </p:txBody>
+      </p:sp>
+      <p:pic>
+        <p:nvPicPr>
+          <p:cNvPr id="3" name="Picture 9" descr="A screenshot of a cell phone&#10;&#10;Description generated with very high confidence">
+            <a:extLst>
+              <a:ext uri="{FF2B5EF4-FFF2-40B4-BE49-F238E27FC236}">
+                <a16:creationId xmlns:a16="http://schemas.microsoft.com/office/drawing/2014/main" id="{F57B4DBD-E392-40C8-9B7C-9681654904AB}"/>
+              </a:ext>
+            </a:extLst>
+          </p:cNvPr>
+          <p:cNvPicPr>
+            <a:picLocks noChangeAspect="1"/>
+          </p:cNvPicPr>
+          <p:nvPr/>
+        </p:nvPicPr>
+        <p:blipFill>
+          <a:blip r:embed="rId2"/>
+          <a:stretch>
+            <a:fillRect/>
+          </a:stretch>
+        </p:blipFill>
+        <p:spPr>
+          <a:xfrm>
+            <a:off x="1078052" y="3543884"/>
+            <a:ext cx="6409911" cy="3136587"/>
+          </a:xfrm>
+          <a:prstGeom prst="rect">
+            <a:avLst/>
+          </a:prstGeom>
+        </p:spPr>
+      </p:pic>
+      <p:sp>
+        <p:nvSpPr>
+          <p:cNvPr id="8" name="Content Placeholder 7">
+            <a:extLst>
+              <a:ext uri="{FF2B5EF4-FFF2-40B4-BE49-F238E27FC236}">
+                <a16:creationId xmlns:a16="http://schemas.microsoft.com/office/drawing/2014/main" id="{60477D26-ECBA-49FD-BEA2-E6C8670BB231}"/>
+              </a:ext>
+            </a:extLst>
+          </p:cNvPr>
+          <p:cNvSpPr>
+            <a:spLocks noGrp="1"/>
+          </p:cNvSpPr>
+          <p:nvPr>
+            <p:ph idx="1"/>
+          </p:nvPr>
+        </p:nvSpPr>
         <p:spPr/>
         <p:txBody>
           <a:bodyPr/>
           <a:lstStyle/>
           <a:p>
-            <a:r>
-              <a:rPr lang="en-US" dirty="0"/>
-              <a:t>An Example Problem</a:t>
-            </a:r>
-          </a:p>
-        </p:txBody>
-      </p:sp>
-      <p:sp>
-        <p:nvSpPr>
-          <p:cNvPr id="3" name="Content Placeholder 2"/>
-          <p:cNvSpPr>
-            <a:spLocks noGrp="1"/>
-          </p:cNvSpPr>
-          <p:nvPr>
-            <p:ph idx="1"/>
-          </p:nvPr>
-        </p:nvSpPr>
-        <p:spPr/>
-        <p:txBody>
-          <a:bodyPr>
-            <a:normAutofit fontScale="92500"/>
-          </a:bodyPr>
-          <a:lstStyle/>
-          <a:p>
-            <a:pPr marL="0" indent="0">
-              <a:buNone/>
-            </a:pPr>
-            <a:r>
-              <a:rPr lang="en-US" sz="2800" dirty="0"/>
-              <a:t>A website tracks books and the kids that read them.  For each book the system stores the name and author.  For each kid the system stores name and grade level.  The teacher enters when a kid reads a particular book.  It should be possible to print a report on a book that includes all kids who have read a particular book.  It should be possible to print a report on a kid that includes the books a particular kid has read.</a:t>
-            </a:r>
-          </a:p>
-          <a:p>
-            <a:pPr marL="0" indent="0">
-              <a:buNone/>
-            </a:pPr>
-            <a:endParaRPr lang="en-US" sz="2800" dirty="0"/>
-          </a:p>
-          <a:p>
-            <a:pPr marL="0" indent="0">
-              <a:buNone/>
-            </a:pPr>
-            <a:r>
-              <a:rPr lang="en-US" sz="2800" dirty="0"/>
-              <a:t>Make a UML diagram of your proposed design for this system.  </a:t>
+            <a:endParaRPr lang="en-US"/>
+          </a:p>
+        </p:txBody>
+      </p:sp>
+      <p:sp>
+        <p:nvSpPr>
+          <p:cNvPr id="9" name="Rectangle 8">
+            <a:extLst>
+              <a:ext uri="{FF2B5EF4-FFF2-40B4-BE49-F238E27FC236}">
+                <a16:creationId xmlns:a16="http://schemas.microsoft.com/office/drawing/2014/main" id="{8BECC089-86A3-4F50-A38E-2BF71649161E}"/>
+              </a:ext>
+            </a:extLst>
+          </p:cNvPr>
+          <p:cNvSpPr/>
+          <p:nvPr/>
+        </p:nvSpPr>
+        <p:spPr>
+          <a:xfrm>
+            <a:off x="8178800" y="6056084"/>
+            <a:ext cx="351973" cy="397329"/>
+          </a:xfrm>
+          <a:prstGeom prst="rect">
+            <a:avLst/>
+          </a:prstGeom>
+        </p:spPr>
+        <p:style>
+          <a:lnRef idx="2">
+            <a:schemeClr val="accent1">
+              <a:shade val="50000"/>
+            </a:schemeClr>
+          </a:lnRef>
+          <a:fillRef idx="1">
+            <a:schemeClr val="accent1"/>
+          </a:fillRef>
+          <a:effectRef idx="0">
+            <a:schemeClr val="accent1"/>
+          </a:effectRef>
+          <a:fontRef idx="minor">
+            <a:schemeClr val="lt1"/>
+          </a:fontRef>
+        </p:style>
+        <p:txBody>
+          <a:bodyPr rtlCol="0" anchor="ctr"/>
+          <a:lstStyle/>
+          <a:p>
+            <a:pPr algn="ctr"/>
+            <a:r>
+              <a:rPr lang="en-US"/>
+              <a:t>3</a:t>
             </a:r>
           </a:p>
         </p:txBody>
@@ -6257,7 +6651,7 @@
     </p:spTree>
     <p:extLst>
       <p:ext uri="{BB962C8B-B14F-4D97-AF65-F5344CB8AC3E}">
-        <p14:creationId xmlns:p14="http://schemas.microsoft.com/office/powerpoint/2010/main" val="3402972757"/>
+        <p14:creationId xmlns:p14="http://schemas.microsoft.com/office/powerpoint/2010/main" val="934512240"/>
       </p:ext>
     </p:extLst>
   </p:cSld>
@@ -6286,7 +6680,7 @@
       </p:grpSpPr>
       <p:sp>
         <p:nvSpPr>
-          <p:cNvPr id="2" name="Title 1"/>
+          <p:cNvPr id="3" name="Title 2"/>
           <p:cNvSpPr>
             <a:spLocks noGrp="1"/>
           </p:cNvSpPr>
@@ -6294,94 +6688,119 @@
             <p:ph type="title"/>
           </p:nvPr>
         </p:nvSpPr>
-        <p:spPr/>
+        <p:spPr>
+          <a:xfrm>
+            <a:off x="457200" y="274638"/>
+            <a:ext cx="8229600" cy="722889"/>
+          </a:xfrm>
+        </p:spPr>
         <p:txBody>
           <a:bodyPr/>
           <a:lstStyle/>
           <a:p>
             <a:r>
               <a:rPr lang="en-US" dirty="0"/>
-              <a:t>Basic solution</a:t>
-            </a:r>
+              <a:t>Main class</a:t>
+            </a:r>
+          </a:p>
+        </p:txBody>
+      </p:sp>
+      <p:sp>
+        <p:nvSpPr>
+          <p:cNvPr id="2" name="Content Placeholder 1"/>
+          <p:cNvSpPr>
+            <a:spLocks noGrp="1"/>
+          </p:cNvSpPr>
+          <p:nvPr>
+            <p:ph idx="1"/>
+          </p:nvPr>
+        </p:nvSpPr>
+        <p:spPr>
+          <a:xfrm>
+            <a:off x="186612" y="3807284"/>
+            <a:ext cx="8386406" cy="2660017"/>
+          </a:xfrm>
+        </p:spPr>
+        <p:txBody>
+          <a:bodyPr vert="horz" lIns="91440" tIns="45720" rIns="91440" bIns="45720" rtlCol="0" anchor="t">
+            <a:normAutofit/>
+          </a:bodyPr>
+          <a:lstStyle/>
+          <a:p>
+            <a:r>
+              <a:rPr lang="en-US" sz="2000" dirty="0"/>
+              <a:t>Every program </a:t>
+            </a:r>
+            <a:r>
+              <a:rPr lang="en-US" sz="2000" dirty="0">
+                <a:cs typeface="Calibri"/>
+              </a:rPr>
+              <a:t>starts somewhere, and any design should make clear where the starting point is.  In our class, we will name the starting point class </a:t>
+            </a:r>
+            <a:r>
+              <a:rPr lang="en-US" sz="2000" dirty="0" err="1">
+                <a:cs typeface="Calibri"/>
+              </a:rPr>
+              <a:t>SomethingMain</a:t>
+            </a:r>
+          </a:p>
+          <a:p>
+            <a:r>
+              <a:rPr lang="en-US" sz="2000" dirty="0"/>
+              <a:t>In our very simple designs, this class also deals with user input</a:t>
+            </a:r>
+          </a:p>
+          <a:p>
+            <a:r>
+              <a:rPr lang="en-US" sz="2000" dirty="0"/>
+              <a:t>"</a:t>
+            </a:r>
+            <a:r>
+              <a:rPr lang="en-US" sz="2000" dirty="0">
+                <a:cs typeface="Calibri"/>
+              </a:rPr>
+              <a:t>handle" methods will have special meaning for us, as they will represent places where user commands enter the system.  By looking at parameters to the handle methods, you can sometimes get more info on how the various commands in the description should work.</a:t>
+            </a:r>
+          </a:p>
+          <a:p>
+            <a:endParaRPr lang="en-US" dirty="0"/>
           </a:p>
         </p:txBody>
       </p:sp>
       <p:pic>
         <p:nvPicPr>
-          <p:cNvPr id="1028" name="Picture 4" descr="PlantUML diagram"/>
+          <p:cNvPr id="6" name="Picture 9" descr="A screenshot of a cell phone&#10;&#10;Description generated with very high confidence">
+            <a:extLst>
+              <a:ext uri="{FF2B5EF4-FFF2-40B4-BE49-F238E27FC236}">
+                <a16:creationId xmlns:a16="http://schemas.microsoft.com/office/drawing/2014/main" id="{027D1337-90DB-4BC9-9C29-E469F810DE74}"/>
+              </a:ext>
+            </a:extLst>
+          </p:cNvPr>
           <p:cNvPicPr>
-            <a:picLocks noGrp="1" noChangeAspect="1" noChangeArrowheads="1"/>
+            <a:picLocks noChangeAspect="1"/>
           </p:cNvPicPr>
-          <p:nvPr>
-            <p:ph idx="1"/>
-          </p:nvPr>
+          <p:nvPr/>
         </p:nvPicPr>
         <p:blipFill>
-          <a:blip r:embed="rId2">
-            <a:extLst>
-              <a:ext uri="{28A0092B-C50C-407E-A947-70E740481C1C}">
-                <a14:useLocalDpi xmlns:a14="http://schemas.microsoft.com/office/drawing/2010/main" val="0"/>
-              </a:ext>
-            </a:extLst>
-          </a:blip>
-          <a:srcRect/>
+          <a:blip r:embed="rId3"/>
           <a:stretch>
             <a:fillRect/>
           </a:stretch>
         </p:blipFill>
-        <p:spPr bwMode="auto">
+        <p:spPr>
           <a:xfrm>
-            <a:off x="1890421" y="1690689"/>
-            <a:ext cx="5134786" cy="2433442"/>
+            <a:off x="1015593" y="783195"/>
+            <a:ext cx="6409911" cy="3136587"/>
           </a:xfrm>
           <a:prstGeom prst="rect">
             <a:avLst/>
           </a:prstGeom>
-          <a:noFill/>
-          <a:extLst>
-            <a:ext uri="{909E8E84-426E-40DD-AFC4-6F175D3DCCD1}">
-              <a14:hiddenFill xmlns:a14="http://schemas.microsoft.com/office/drawing/2010/main">
-                <a:solidFill>
-                  <a:srgbClr val="FFFFFF"/>
-                </a:solidFill>
-              </a14:hiddenFill>
-            </a:ext>
-          </a:extLst>
         </p:spPr>
       </p:pic>
-      <p:sp>
-        <p:nvSpPr>
-          <p:cNvPr id="3" name="TextBox 2"/>
-          <p:cNvSpPr txBox="1"/>
-          <p:nvPr/>
-        </p:nvSpPr>
-        <p:spPr>
-          <a:xfrm>
-            <a:off x="1094509" y="4793673"/>
-            <a:ext cx="6622473" cy="1200329"/>
-          </a:xfrm>
-          <a:prstGeom prst="rect">
-            <a:avLst/>
-          </a:prstGeom>
-          <a:noFill/>
-        </p:spPr>
-        <p:txBody>
-          <a:bodyPr wrap="square" rtlCol="0">
-            <a:spAutoFit/>
-          </a:bodyPr>
-          <a:lstStyle/>
-          <a:p>
-            <a:r>
-              <a:rPr lang="en-US" dirty="0"/>
-              <a:t>Note that List&lt;Book&gt; isn’t listed by name as an instance variable of Kid, but the line from Kid to Book with the * implies that. Ditto for List&lt;Kid&gt; in book, since the arrow is double-ended with * on each end</a:t>
-            </a:r>
-          </a:p>
-        </p:txBody>
-      </p:sp>
     </p:spTree>
     <p:extLst>
       <p:ext uri="{BB962C8B-B14F-4D97-AF65-F5344CB8AC3E}">
-        <p14:creationId xmlns:p14="http://schemas.microsoft.com/office/powerpoint/2010/main" val="2066255825"/>
+        <p14:creationId xmlns:p14="http://schemas.microsoft.com/office/powerpoint/2010/main" val="3586060811"/>
       </p:ext>
     </p:extLst>
   </p:cSld>
@@ -6410,127 +6829,86 @@
       </p:grpSpPr>
       <p:sp>
         <p:nvSpPr>
-          <p:cNvPr id="3" name="Title 2"/>
-          <p:cNvSpPr>
-            <a:spLocks noGrp="1"/>
-          </p:cNvSpPr>
-          <p:nvPr>
-            <p:ph type="title"/>
-          </p:nvPr>
+          <p:cNvPr id="6" name="TextBox 5">
+            <a:extLst>
+              <a:ext uri="{FF2B5EF4-FFF2-40B4-BE49-F238E27FC236}">
+                <a16:creationId xmlns:a16="http://schemas.microsoft.com/office/drawing/2014/main" id="{87A90826-9974-405E-AB6D-11CDB8489DDC}"/>
+              </a:ext>
+            </a:extLst>
+          </p:cNvPr>
+          <p:cNvSpPr txBox="1"/>
+          <p:nvPr/>
         </p:nvSpPr>
         <p:spPr>
           <a:xfrm>
-            <a:off x="457200" y="274638"/>
-            <a:ext cx="8229600" cy="722889"/>
+            <a:off x="787400" y="3584225"/>
+            <a:ext cx="7070271" cy="1569660"/>
           </a:xfrm>
+          <a:prstGeom prst="rect">
+            <a:avLst/>
+          </a:prstGeom>
         </p:spPr>
         <p:txBody>
-          <a:bodyPr/>
-          <a:lstStyle/>
-          <a:p>
-            <a:r>
-              <a:rPr lang="en-US" dirty="0"/>
-              <a:t>Main class</a:t>
-            </a:r>
-          </a:p>
-        </p:txBody>
-      </p:sp>
-      <p:sp>
-        <p:nvSpPr>
-          <p:cNvPr id="2" name="Content Placeholder 1"/>
-          <p:cNvSpPr>
-            <a:spLocks noGrp="1"/>
-          </p:cNvSpPr>
-          <p:nvPr>
-            <p:ph idx="1"/>
-          </p:nvPr>
-        </p:nvSpPr>
-        <p:spPr>
-          <a:xfrm>
-            <a:off x="186612" y="1642188"/>
-            <a:ext cx="3750906" cy="4825113"/>
-          </a:xfrm>
-        </p:spPr>
-        <p:txBody>
-          <a:bodyPr>
-            <a:normAutofit/>
+          <a:bodyPr rot="0" spcFirstLastPara="0" vertOverflow="overflow" horzOverflow="overflow" vert="horz" wrap="square" lIns="91440" tIns="45720" rIns="91440" bIns="45720" numCol="1" spcCol="0" rtlCol="0" fromWordArt="0" anchor="t" anchorCtr="0" forceAA="0" compatLnSpc="1">
+            <a:prstTxWarp prst="textNoShape">
+              <a:avLst/>
+            </a:prstTxWarp>
+            <a:spAutoFit/>
           </a:bodyPr>
           <a:lstStyle/>
           <a:p>
             <a:r>
-              <a:rPr lang="en-US" sz="2000" dirty="0"/>
-              <a:t>In really small programs, you could just have them as local variables in a static main</a:t>
-            </a:r>
-          </a:p>
-          <a:p>
-            <a:r>
-              <a:rPr lang="en-US" sz="2000" dirty="0"/>
-              <a:t>But for larger programs, it’s more usual for the class with main to be a real class with fields (also aids testing)</a:t>
-            </a:r>
-          </a:p>
-          <a:p>
-            <a:r>
-              <a:rPr lang="en-US" sz="2000" dirty="0"/>
-              <a:t>In our very simple designs, this class also deals with user input</a:t>
-            </a:r>
-          </a:p>
-          <a:p>
-            <a:r>
-              <a:rPr lang="en-US" sz="2000" dirty="0"/>
-              <a:t>Also be sure your design shows where things start and how user commands are handled</a:t>
-            </a:r>
-            <a:endParaRPr lang="en-US" dirty="0"/>
-          </a:p>
-          <a:p>
-            <a:endParaRPr lang="en-US" dirty="0"/>
+              <a:rPr lang="en-US" sz="2400" dirty="0"/>
+              <a:t>This design does </a:t>
+            </a:r>
+            <a:r>
+              <a:rPr lang="en-US" sz="2400" dirty="0">
+                <a:cs typeface="Calibri"/>
+              </a:rPr>
+              <a:t>not function correctly.  Main </a:t>
+            </a:r>
+            <a:r>
+              <a:rPr lang="en-US" sz="2400"/>
+              <a:t>has only one account, but the system needs to support many.  Also, computing the data for historic balances is moderately hard.</a:t>
+            </a:r>
+            <a:endParaRPr lang="en-US" sz="2400" dirty="0"/>
           </a:p>
         </p:txBody>
       </p:sp>
       <p:pic>
         <p:nvPicPr>
-          <p:cNvPr id="2050" name="Picture 2" descr="PlantUML diagram"/>
+          <p:cNvPr id="4" name="Picture 9" descr="A screenshot of a cell phone&#10;&#10;Description generated with very high confidence">
+            <a:extLst>
+              <a:ext uri="{FF2B5EF4-FFF2-40B4-BE49-F238E27FC236}">
+                <a16:creationId xmlns:a16="http://schemas.microsoft.com/office/drawing/2014/main" id="{00F70A0B-61FA-43FE-AA64-8F72449FBFA2}"/>
+              </a:ext>
+            </a:extLst>
+          </p:cNvPr>
           <p:cNvPicPr>
-            <a:picLocks noChangeAspect="1" noChangeArrowheads="1"/>
+            <a:picLocks noChangeAspect="1"/>
           </p:cNvPicPr>
           <p:nvPr/>
         </p:nvPicPr>
         <p:blipFill>
-          <a:blip r:embed="rId3">
-            <a:extLst>
-              <a:ext uri="{28A0092B-C50C-407E-A947-70E740481C1C}">
-                <a14:useLocalDpi xmlns:a14="http://schemas.microsoft.com/office/drawing/2010/main" val="0"/>
-              </a:ext>
-            </a:extLst>
-          </a:blip>
-          <a:srcRect/>
+          <a:blip r:embed="rId2"/>
           <a:stretch>
             <a:fillRect/>
           </a:stretch>
         </p:blipFill>
-        <p:spPr bwMode="auto">
+        <p:spPr>
           <a:xfrm>
-            <a:off x="3682546" y="255977"/>
-            <a:ext cx="5218858" cy="5075031"/>
+            <a:off x="1070022" y="202624"/>
+            <a:ext cx="6409911" cy="3136587"/>
           </a:xfrm>
           <a:prstGeom prst="rect">
             <a:avLst/>
           </a:prstGeom>
-          <a:noFill/>
-          <a:extLst>
-            <a:ext uri="{909E8E84-426E-40DD-AFC4-6F175D3DCCD1}">
-              <a14:hiddenFill xmlns:a14="http://schemas.microsoft.com/office/drawing/2010/main">
-                <a:solidFill>
-                  <a:srgbClr val="FFFFFF"/>
-                </a:solidFill>
-              </a14:hiddenFill>
-            </a:ext>
-          </a:extLst>
         </p:spPr>
       </p:pic>
     </p:spTree>
     <p:extLst>
       <p:ext uri="{BB962C8B-B14F-4D97-AF65-F5344CB8AC3E}">
-        <p14:creationId xmlns:p14="http://schemas.microsoft.com/office/powerpoint/2010/main" val="3586060811"/>
+        <p14:creationId xmlns:p14="http://schemas.microsoft.com/office/powerpoint/2010/main" val="1998078721"/>
       </p:ext>
     </p:extLst>
   </p:cSld>
@@ -6559,100 +6937,159 @@
       </p:grpSpPr>
       <p:sp>
         <p:nvSpPr>
-          <p:cNvPr id="2" name="Title 1"/>
-          <p:cNvSpPr>
-            <a:spLocks noGrp="1"/>
-          </p:cNvSpPr>
-          <p:nvPr>
-            <p:ph type="title"/>
-          </p:nvPr>
-        </p:nvSpPr>
-        <p:spPr/>
-        <p:txBody>
-          <a:bodyPr/>
-          <a:lstStyle/>
-          <a:p>
-            <a:r>
-              <a:rPr lang="en-US" dirty="0"/>
-              <a:t>Today’s Focus</a:t>
-            </a:r>
-          </a:p>
-        </p:txBody>
-      </p:sp>
-      <p:sp>
-        <p:nvSpPr>
-          <p:cNvPr id="3" name="Content Placeholder 2"/>
-          <p:cNvSpPr>
-            <a:spLocks noGrp="1"/>
-          </p:cNvSpPr>
-          <p:nvPr>
-            <p:ph idx="1"/>
-          </p:nvPr>
-        </p:nvSpPr>
-        <p:spPr/>
-        <p:txBody>
-          <a:bodyPr>
-            <a:normAutofit/>
+          <p:cNvPr id="6" name="TextBox 5">
+            <a:extLst>
+              <a:ext uri="{FF2B5EF4-FFF2-40B4-BE49-F238E27FC236}">
+                <a16:creationId xmlns:a16="http://schemas.microsoft.com/office/drawing/2014/main" id="{30FCF57C-A08C-4EA4-A46B-CF86C6E10D83}"/>
+              </a:ext>
+            </a:extLst>
+          </p:cNvPr>
+          <p:cNvSpPr txBox="1"/>
+          <p:nvPr/>
+        </p:nvSpPr>
+        <p:spPr>
+          <a:xfrm>
+            <a:off x="154215" y="197757"/>
+            <a:ext cx="8899071" cy="3139321"/>
+          </a:xfrm>
+          <a:prstGeom prst="rect">
+            <a:avLst/>
+          </a:prstGeom>
+        </p:spPr>
+        <p:txBody>
+          <a:bodyPr rot="0" spcFirstLastPara="0" vertOverflow="overflow" horzOverflow="overflow" vert="horz" wrap="square" lIns="91440" tIns="45720" rIns="91440" bIns="45720" numCol="1" spcCol="0" rtlCol="0" fromWordArt="0" anchor="t" anchorCtr="0" forceAA="0" compatLnSpc="1">
+            <a:prstTxWarp prst="textNoShape">
+              <a:avLst/>
+            </a:prstTxWarp>
+            <a:spAutoFit/>
           </a:bodyPr>
           <a:lstStyle/>
           <a:p>
-            <a:pPr marL="457200" indent="-457200" fontAlgn="base">
-              <a:buFont typeface="+mj-lt"/>
-              <a:buAutoNum type="arabicPeriod"/>
-            </a:pPr>
-            <a:r>
-              <a:rPr lang="en-US" sz="3200" dirty="0"/>
-              <a:t>Structure your program around the data that needs storing</a:t>
-            </a:r>
-          </a:p>
-          <a:p>
-            <a:pPr lvl="1" fontAlgn="base"/>
-            <a:r>
-              <a:rPr lang="en-US" sz="2400" dirty="0"/>
-              <a:t>Nouns become your classes, operations become their methods</a:t>
-            </a:r>
-          </a:p>
-          <a:p>
-            <a:pPr marL="457200" indent="-457200" fontAlgn="base">
-              <a:buFont typeface="+mj-lt"/>
-              <a:buAutoNum type="arabicPeriod"/>
-            </a:pPr>
-            <a:r>
-              <a:rPr lang="en-US" sz="3200" dirty="0">
-                <a:solidFill>
-                  <a:srgbClr val="FF0000"/>
-                </a:solidFill>
+            <a:r>
+              <a:rPr lang="en-US" dirty="0">
+                <a:latin typeface="Arial"/>
+                <a:cs typeface="Arial"/>
               </a:rPr>
-              <a:t>Your structure needs to function correctly</a:t>
-            </a:r>
-          </a:p>
-          <a:p>
-            <a:pPr lvl="1" fontAlgn="base"/>
-            <a:r>
-              <a:rPr lang="en-US" sz="2400" dirty="0"/>
-              <a:t>Every class must have access (directly or indirectly) to the data it needs to complete its operations</a:t>
-            </a:r>
-          </a:p>
-          <a:p>
-            <a:pPr lvl="1" fontAlgn="base"/>
-            <a:r>
-              <a:rPr lang="en-US" sz="2400" dirty="0"/>
-              <a:t>Usually this means the problem must be modeled correctly</a:t>
-            </a:r>
-          </a:p>
-          <a:p>
-            <a:pPr lvl="1" fontAlgn="base"/>
-            <a:r>
-              <a:rPr lang="en-US" sz="2400" dirty="0"/>
-              <a:t>Data should also not be duplicated</a:t>
-            </a:r>
+              <a:t>A particular company keeps a variety of different accounts for its projects. Each account has an account number and a balance.  When a deposit or withdrawal occurs, the transaction occurs immediately and the current balance should be updated. The system should support getting the current balance.  </a:t>
+            </a:r>
+          </a:p>
+          <a:p>
+            <a:endParaRPr lang="en-US" dirty="0">
+              <a:latin typeface="Arial"/>
+              <a:cs typeface="Arial"/>
+            </a:endParaRPr>
+          </a:p>
+          <a:p>
+            <a:r>
+              <a:rPr lang="en-US" dirty="0">
+                <a:latin typeface="Arial"/>
+                <a:cs typeface="Arial"/>
+              </a:rPr>
+              <a:t>The system should also support getting the balance as it existed at any date/time in the past.  Note the input historical date/time may not correspond to a particular transaction time - e.g. if the system had a balance of $1 at 1pm and then was changed to $2 at 3pm., a request for the balance at 2pm should return $1.</a:t>
+            </a:r>
+          </a:p>
+          <a:p>
+            <a:endParaRPr lang="en-US" dirty="0">
+              <a:latin typeface="Arial"/>
+              <a:cs typeface="Arial"/>
+            </a:endParaRPr>
+          </a:p>
+          <a:p>
+            <a:r>
+              <a:rPr lang="en-US" b="1" dirty="0">
+                <a:latin typeface="Arial"/>
+                <a:cs typeface="Arial"/>
+              </a:rPr>
+              <a:t>Find the problem with this design and then propose your own.</a:t>
+            </a:r>
+            <a:endParaRPr lang="en-US" b="1" dirty="0"/>
+          </a:p>
+        </p:txBody>
+      </p:sp>
+      <p:pic>
+        <p:nvPicPr>
+          <p:cNvPr id="23" name="Content Placeholder 4" descr="A screenshot of a cell phone&#10;&#10;Description generated with very high confidence">
+            <a:extLst>
+              <a:ext uri="{FF2B5EF4-FFF2-40B4-BE49-F238E27FC236}">
+                <a16:creationId xmlns:a16="http://schemas.microsoft.com/office/drawing/2014/main" id="{3AAE810B-CF04-42BA-93B2-CABD6CF9F2ED}"/>
+              </a:ext>
+            </a:extLst>
+          </p:cNvPr>
+          <p:cNvPicPr>
+            <a:picLocks noChangeAspect="1"/>
+          </p:cNvPicPr>
+          <p:nvPr/>
+        </p:nvPicPr>
+        <p:blipFill>
+          <a:blip r:embed="rId2"/>
+          <a:stretch>
+            <a:fillRect/>
+          </a:stretch>
+        </p:blipFill>
+        <p:spPr>
+          <a:xfrm>
+            <a:off x="395148" y="3608235"/>
+            <a:ext cx="7819529" cy="2179549"/>
+          </a:xfrm>
+          <a:prstGeom prst="rect">
+            <a:avLst/>
+          </a:prstGeom>
+        </p:spPr>
+      </p:pic>
+      <p:sp>
+        <p:nvSpPr>
+          <p:cNvPr id="25" name="Rectangle 24">
+            <a:extLst>
+              <a:ext uri="{FF2B5EF4-FFF2-40B4-BE49-F238E27FC236}">
+                <a16:creationId xmlns:a16="http://schemas.microsoft.com/office/drawing/2014/main" id="{F2216F0E-FA66-4639-93CB-EC8013DA6EA8}"/>
+              </a:ext>
+            </a:extLst>
+          </p:cNvPr>
+          <p:cNvSpPr/>
+          <p:nvPr/>
+        </p:nvSpPr>
+        <p:spPr>
+          <a:xfrm>
+            <a:off x="8015515" y="6056084"/>
+            <a:ext cx="515258" cy="397329"/>
+          </a:xfrm>
+          <a:prstGeom prst="rect">
+            <a:avLst/>
+          </a:prstGeom>
+        </p:spPr>
+        <p:style>
+          <a:lnRef idx="2">
+            <a:schemeClr val="accent1">
+              <a:shade val="50000"/>
+            </a:schemeClr>
+          </a:lnRef>
+          <a:fillRef idx="1">
+            <a:schemeClr val="accent1"/>
+          </a:fillRef>
+          <a:effectRef idx="0">
+            <a:schemeClr val="accent1"/>
+          </a:effectRef>
+          <a:fontRef idx="minor">
+            <a:schemeClr val="lt1"/>
+          </a:fontRef>
+        </p:style>
+        <p:txBody>
+          <a:bodyPr rtlCol="0" anchor="ctr"/>
+          <a:lstStyle/>
+          <a:p>
+            <a:pPr algn="ctr"/>
+            <a:r>
+              <a:rPr lang="en-US"/>
+              <a:t>4-5</a:t>
+            </a:r>
+            <a:endParaRPr lang="en-US" dirty="0"/>
           </a:p>
         </p:txBody>
       </p:sp>
     </p:spTree>
     <p:extLst>
       <p:ext uri="{BB962C8B-B14F-4D97-AF65-F5344CB8AC3E}">
-        <p14:creationId xmlns:p14="http://schemas.microsoft.com/office/powerpoint/2010/main" val="1337980030"/>
+        <p14:creationId xmlns:p14="http://schemas.microsoft.com/office/powerpoint/2010/main" val="3164699469"/>
       </p:ext>
     </p:extLst>
   </p:cSld>
@@ -6679,210 +7116,110 @@
           <a:chExt cx="0" cy="0"/>
         </a:xfrm>
       </p:grpSpPr>
-      <p:sp>
-        <p:nvSpPr>
-          <p:cNvPr id="2" name="Title 1"/>
-          <p:cNvSpPr>
-            <a:spLocks noGrp="1"/>
-          </p:cNvSpPr>
-          <p:nvPr>
-            <p:ph type="title"/>
-          </p:nvPr>
-        </p:nvSpPr>
-        <p:spPr/>
-        <p:txBody>
-          <a:bodyPr/>
-          <a:lstStyle/>
-          <a:p>
-            <a:r>
-              <a:rPr lang="en-US" dirty="0"/>
-              <a:t>Consider</a:t>
-            </a:r>
-          </a:p>
-        </p:txBody>
-      </p:sp>
       <p:pic>
         <p:nvPicPr>
-          <p:cNvPr id="3074" name="Picture 2" descr="PlantUML diagram"/>
+          <p:cNvPr id="5" name="Content Placeholder 4" descr="A screenshot of a cell phone&#10;&#10;Description generated with very high confidence">
+            <a:extLst>
+              <a:ext uri="{FF2B5EF4-FFF2-40B4-BE49-F238E27FC236}">
+                <a16:creationId xmlns:a16="http://schemas.microsoft.com/office/drawing/2014/main" id="{D0AECE44-7FD7-4DA4-942A-78961EC7733C}"/>
+              </a:ext>
+            </a:extLst>
+          </p:cNvPr>
           <p:cNvPicPr>
-            <a:picLocks noChangeAspect="1" noChangeArrowheads="1"/>
+            <a:picLocks noGrp="1" noChangeAspect="1"/>
           </p:cNvPicPr>
-          <p:nvPr/>
+          <p:nvPr>
+            <p:ph idx="1"/>
+          </p:nvPr>
         </p:nvPicPr>
         <p:blipFill>
-          <a:blip r:embed="rId3">
-            <a:extLst>
-              <a:ext uri="{28A0092B-C50C-407E-A947-70E740481C1C}">
-                <a14:useLocalDpi xmlns:a14="http://schemas.microsoft.com/office/drawing/2010/main" val="0"/>
-              </a:ext>
-            </a:extLst>
-          </a:blip>
-          <a:srcRect/>
+          <a:blip r:embed="rId2"/>
           <a:stretch>
             <a:fillRect/>
           </a:stretch>
         </p:blipFill>
-        <p:spPr bwMode="auto">
+        <p:spPr>
           <a:xfrm>
-            <a:off x="197192" y="1690689"/>
-            <a:ext cx="8749615" cy="2591836"/>
+            <a:off x="504005" y="88521"/>
+            <a:ext cx="7819529" cy="2179549"/>
           </a:xfrm>
           <a:prstGeom prst="rect">
             <a:avLst/>
           </a:prstGeom>
-          <a:noFill/>
-          <a:extLst>
-            <a:ext uri="{909E8E84-426E-40DD-AFC4-6F175D3DCCD1}">
-              <a14:hiddenFill xmlns:a14="http://schemas.microsoft.com/office/drawing/2010/main">
-                <a:solidFill>
-                  <a:srgbClr val="FFFFFF"/>
-                </a:solidFill>
-              </a14:hiddenFill>
-            </a:ext>
-          </a:extLst>
         </p:spPr>
       </p:pic>
       <p:sp>
         <p:nvSpPr>
-          <p:cNvPr id="4" name="TextBox 3"/>
+          <p:cNvPr id="6" name="TextBox 5">
+            <a:extLst>
+              <a:ext uri="{FF2B5EF4-FFF2-40B4-BE49-F238E27FC236}">
+                <a16:creationId xmlns:a16="http://schemas.microsoft.com/office/drawing/2014/main" id="{87A90826-9974-405E-AB6D-11CDB8489DDC}"/>
+              </a:ext>
+            </a:extLst>
+          </p:cNvPr>
           <p:cNvSpPr txBox="1"/>
           <p:nvPr/>
         </p:nvSpPr>
         <p:spPr>
           <a:xfrm>
-            <a:off x="198347" y="1922585"/>
-            <a:ext cx="2318263" cy="523220"/>
+            <a:off x="814614" y="2568225"/>
+            <a:ext cx="7070271" cy="2308324"/>
           </a:xfrm>
           <a:prstGeom prst="rect">
             <a:avLst/>
           </a:prstGeom>
-          <a:noFill/>
         </p:spPr>
         <p:txBody>
-          <a:bodyPr wrap="none" rtlCol="0">
+          <a:bodyPr rot="0" spcFirstLastPara="0" vertOverflow="overflow" horzOverflow="overflow" vert="horz" wrap="square" lIns="91440" tIns="45720" rIns="91440" bIns="45720" numCol="1" spcCol="0" rtlCol="0" fromWordArt="0" anchor="t" anchorCtr="0" forceAA="0" compatLnSpc="1">
+            <a:prstTxWarp prst="textNoShape">
+              <a:avLst/>
+            </a:prstTxWarp>
             <a:spAutoFit/>
           </a:bodyPr>
           <a:lstStyle/>
           <a:p>
             <a:r>
-              <a:rPr lang="en-US" sz="2800" dirty="0"/>
-              <a:t>Bad Solution A</a:t>
-            </a:r>
-            <a:endParaRPr lang="en-US" dirty="0"/>
-          </a:p>
-        </p:txBody>
-      </p:sp>
-      <p:pic>
-        <p:nvPicPr>
-          <p:cNvPr id="3076" name="Picture 4" descr="PlantUML diagram"/>
-          <p:cNvPicPr>
-            <a:picLocks noChangeAspect="1" noChangeArrowheads="1"/>
-          </p:cNvPicPr>
-          <p:nvPr/>
-        </p:nvPicPr>
-        <p:blipFill>
-          <a:blip r:embed="rId4">
-            <a:extLst>
-              <a:ext uri="{28A0092B-C50C-407E-A947-70E740481C1C}">
-                <a14:useLocalDpi xmlns:a14="http://schemas.microsoft.com/office/drawing/2010/main" val="0"/>
-              </a:ext>
-            </a:extLst>
-          </a:blip>
-          <a:srcRect/>
-          <a:stretch>
-            <a:fillRect/>
-          </a:stretch>
-        </p:blipFill>
-        <p:spPr bwMode="auto">
-          <a:xfrm>
-            <a:off x="84670" y="4766928"/>
-            <a:ext cx="9059330" cy="1963155"/>
-          </a:xfrm>
-          <a:prstGeom prst="rect">
-            <a:avLst/>
-          </a:prstGeom>
-          <a:noFill/>
-          <a:extLst>
-            <a:ext uri="{909E8E84-426E-40DD-AFC4-6F175D3DCCD1}">
-              <a14:hiddenFill xmlns:a14="http://schemas.microsoft.com/office/drawing/2010/main">
-                <a:solidFill>
-                  <a:srgbClr val="FFFFFF"/>
-                </a:solidFill>
-              </a14:hiddenFill>
-            </a:ext>
-          </a:extLst>
-        </p:spPr>
-      </p:pic>
-      <p:sp>
-        <p:nvSpPr>
-          <p:cNvPr id="7" name="TextBox 6"/>
-          <p:cNvSpPr txBox="1"/>
-          <p:nvPr/>
-        </p:nvSpPr>
-        <p:spPr>
-          <a:xfrm>
-            <a:off x="197192" y="4243708"/>
-            <a:ext cx="2318263" cy="523220"/>
-          </a:xfrm>
-          <a:prstGeom prst="rect">
-            <a:avLst/>
-          </a:prstGeom>
-          <a:noFill/>
-        </p:spPr>
-        <p:txBody>
-          <a:bodyPr wrap="none" rtlCol="0">
-            <a:spAutoFit/>
-          </a:bodyPr>
-          <a:lstStyle/>
-          <a:p>
-            <a:r>
-              <a:rPr lang="en-US" sz="2800" dirty="0"/>
-              <a:t>Bad Solution B</a:t>
-            </a:r>
-            <a:endParaRPr lang="en-US" dirty="0"/>
-          </a:p>
-        </p:txBody>
-      </p:sp>
-      <p:cxnSp>
-        <p:nvCxnSpPr>
-          <p:cNvPr id="5" name="Straight Arrow Connector 4"/>
-          <p:cNvCxnSpPr/>
-          <p:nvPr/>
-        </p:nvCxnSpPr>
-        <p:spPr>
-          <a:xfrm flipH="1">
-            <a:off x="6857999" y="5721927"/>
-            <a:ext cx="360218" cy="13855"/>
-          </a:xfrm>
-          <a:prstGeom prst="straightConnector1">
-            <a:avLst/>
-          </a:prstGeom>
-          <a:ln w="34925">
-            <a:solidFill>
-              <a:srgbClr val="C00000"/>
-            </a:solidFill>
-            <a:tailEnd type="stealth" w="lg" len="med"/>
-          </a:ln>
-        </p:spPr>
-        <p:style>
-          <a:lnRef idx="1">
-            <a:schemeClr val="accent1"/>
-          </a:lnRef>
-          <a:fillRef idx="0">
-            <a:schemeClr val="accent1"/>
-          </a:fillRef>
-          <a:effectRef idx="0">
-            <a:schemeClr val="accent1"/>
-          </a:effectRef>
-          <a:fontRef idx="minor">
-            <a:schemeClr val="tx1"/>
-          </a:fontRef>
-        </p:style>
-      </p:cxnSp>
+              <a:rPr lang="en-US" sz="2400" dirty="0"/>
+              <a:t>This design does </a:t>
+            </a:r>
+            <a:r>
+              <a:rPr lang="en-US" sz="2400" dirty="0">
+                <a:cs typeface="Calibri"/>
+              </a:rPr>
+              <a:t>not function correctly.  Account does not have enough data to make </a:t>
+            </a:r>
+            <a:r>
+              <a:rPr lang="en-US" sz="2400" dirty="0" err="1">
+                <a:cs typeface="Calibri"/>
+              </a:rPr>
+              <a:t>getHistoricalBalance</a:t>
+            </a:r>
+            <a:r>
+              <a:rPr lang="en-US" sz="2400" dirty="0">
+                <a:cs typeface="Calibri"/>
+              </a:rPr>
+              <a:t> work.  </a:t>
+            </a:r>
+            <a:r>
+              <a:rPr lang="en-US" sz="2400" dirty="0" err="1">
+                <a:cs typeface="Calibri"/>
+              </a:rPr>
+              <a:t>oldBalances</a:t>
+            </a:r>
+            <a:r>
+              <a:rPr lang="en-US" sz="2400" dirty="0">
+                <a:cs typeface="Calibri"/>
+              </a:rPr>
+              <a:t> stores perhaps a list of balances?  But the date of the transactions is not stored, so we can't look up the balance on a particular day/time.</a:t>
+            </a:r>
+            <a:endParaRPr lang="en-US"/>
+          </a:p>
+        </p:txBody>
+      </p:sp>
     </p:spTree>
     <p:extLst>
       <p:ext uri="{BB962C8B-B14F-4D97-AF65-F5344CB8AC3E}">
-        <p14:creationId xmlns:p14="http://schemas.microsoft.com/office/powerpoint/2010/main" val="1191815744"/>
+        <p14:creationId xmlns:p14="http://schemas.microsoft.com/office/powerpoint/2010/main" val="505635734"/>
       </p:ext>
     </p:extLst>
   </p:cSld>
@@ -6911,6 +7248,898 @@
       </p:grpSpPr>
       <p:sp>
         <p:nvSpPr>
+          <p:cNvPr id="2" name="Title 1">
+            <a:extLst>
+              <a:ext uri="{FF2B5EF4-FFF2-40B4-BE49-F238E27FC236}">
+                <a16:creationId xmlns:a16="http://schemas.microsoft.com/office/drawing/2014/main" id="{FF839C6E-FA7B-43DE-B2E9-DE511E0A0AD7}"/>
+              </a:ext>
+            </a:extLst>
+          </p:cNvPr>
+          <p:cNvSpPr>
+            <a:spLocks noGrp="1"/>
+          </p:cNvSpPr>
+          <p:nvPr>
+            <p:ph type="title"/>
+          </p:nvPr>
+        </p:nvSpPr>
+        <p:spPr/>
+        <p:txBody>
+          <a:bodyPr/>
+          <a:lstStyle/>
+          <a:p>
+            <a:r>
+              <a:rPr lang="en-US"/>
+              <a:t>My solution 1</a:t>
+            </a:r>
+          </a:p>
+        </p:txBody>
+      </p:sp>
+      <p:pic>
+        <p:nvPicPr>
+          <p:cNvPr id="4" name="Picture 4" descr="A screenshot of a cell phone&#10;&#10;Description generated with very high confidence">
+            <a:extLst>
+              <a:ext uri="{FF2B5EF4-FFF2-40B4-BE49-F238E27FC236}">
+                <a16:creationId xmlns:a16="http://schemas.microsoft.com/office/drawing/2014/main" id="{962989E2-A54C-4499-A19D-C1DA46592AB7}"/>
+              </a:ext>
+            </a:extLst>
+          </p:cNvPr>
+          <p:cNvPicPr>
+            <a:picLocks noChangeAspect="1"/>
+          </p:cNvPicPr>
+          <p:nvPr/>
+        </p:nvPicPr>
+        <p:blipFill>
+          <a:blip r:embed="rId2"/>
+          <a:stretch>
+            <a:fillRect/>
+          </a:stretch>
+        </p:blipFill>
+        <p:spPr>
+          <a:xfrm>
+            <a:off x="931342" y="1828488"/>
+            <a:ext cx="7443709" cy="3650729"/>
+          </a:xfrm>
+          <a:prstGeom prst="rect">
+            <a:avLst/>
+          </a:prstGeom>
+        </p:spPr>
+      </p:pic>
+    </p:spTree>
+    <p:extLst>
+      <p:ext uri="{BB962C8B-B14F-4D97-AF65-F5344CB8AC3E}">
+        <p14:creationId xmlns:p14="http://schemas.microsoft.com/office/powerpoint/2010/main" val="972414297"/>
+      </p:ext>
+    </p:extLst>
+  </p:cSld>
+  <p:clrMapOvr>
+    <a:masterClrMapping/>
+  </p:clrMapOvr>
+</p:sld>
+</file>
+
+<file path=ppt/slides/slide19.xml><?xml version="1.0" encoding="utf-8"?>
+<p:sld xmlns:a="http://schemas.openxmlformats.org/drawingml/2006/main" xmlns:r="http://schemas.openxmlformats.org/officeDocument/2006/relationships" xmlns:p="http://schemas.openxmlformats.org/presentationml/2006/main">
+  <p:cSld>
+    <p:spTree>
+      <p:nvGrpSpPr>
+        <p:cNvPr id="1" name=""/>
+        <p:cNvGrpSpPr/>
+        <p:nvPr/>
+      </p:nvGrpSpPr>
+      <p:grpSpPr>
+        <a:xfrm>
+          <a:off x="0" y="0"/>
+          <a:ext cx="0" cy="0"/>
+          <a:chOff x="0" y="0"/>
+          <a:chExt cx="0" cy="0"/>
+        </a:xfrm>
+      </p:grpSpPr>
+      <p:sp>
+        <p:nvSpPr>
+          <p:cNvPr id="2" name="Title 1">
+            <a:extLst>
+              <a:ext uri="{FF2B5EF4-FFF2-40B4-BE49-F238E27FC236}">
+                <a16:creationId xmlns:a16="http://schemas.microsoft.com/office/drawing/2014/main" id="{93DCEEE1-F581-4196-894B-CB79A58ACEF3}"/>
+              </a:ext>
+            </a:extLst>
+          </p:cNvPr>
+          <p:cNvSpPr>
+            <a:spLocks noGrp="1"/>
+          </p:cNvSpPr>
+          <p:nvPr>
+            <p:ph type="title"/>
+          </p:nvPr>
+        </p:nvSpPr>
+        <p:spPr/>
+        <p:txBody>
+          <a:bodyPr/>
+          <a:lstStyle/>
+          <a:p>
+            <a:r>
+              <a:rPr lang="en-US"/>
+              <a:t>My Solution 2</a:t>
+            </a:r>
+          </a:p>
+        </p:txBody>
+      </p:sp>
+      <p:pic>
+        <p:nvPicPr>
+          <p:cNvPr id="4" name="Picture 4" descr="A screenshot of a cell phone&#10;&#10;Description generated with very high confidence">
+            <a:extLst>
+              <a:ext uri="{FF2B5EF4-FFF2-40B4-BE49-F238E27FC236}">
+                <a16:creationId xmlns:a16="http://schemas.microsoft.com/office/drawing/2014/main" id="{11CF2D0E-7B25-4F22-A886-D21E61DA2889}"/>
+              </a:ext>
+            </a:extLst>
+          </p:cNvPr>
+          <p:cNvPicPr>
+            <a:picLocks noChangeAspect="1"/>
+          </p:cNvPicPr>
+          <p:nvPr/>
+        </p:nvPicPr>
+        <p:blipFill>
+          <a:blip r:embed="rId2"/>
+          <a:stretch>
+            <a:fillRect/>
+          </a:stretch>
+        </p:blipFill>
+        <p:spPr>
+          <a:xfrm>
+            <a:off x="287373" y="2139555"/>
+            <a:ext cx="8393086" cy="2324568"/>
+          </a:xfrm>
+          <a:prstGeom prst="rect">
+            <a:avLst/>
+          </a:prstGeom>
+        </p:spPr>
+      </p:pic>
+    </p:spTree>
+    <p:extLst>
+      <p:ext uri="{BB962C8B-B14F-4D97-AF65-F5344CB8AC3E}">
+        <p14:creationId xmlns:p14="http://schemas.microsoft.com/office/powerpoint/2010/main" val="2453372234"/>
+      </p:ext>
+    </p:extLst>
+  </p:cSld>
+  <p:clrMapOvr>
+    <a:masterClrMapping/>
+  </p:clrMapOvr>
+</p:sld>
+</file>
+
+<file path=ppt/slides/slide2.xml><?xml version="1.0" encoding="utf-8"?>
+<p:sld xmlns:a="http://schemas.openxmlformats.org/drawingml/2006/main" xmlns:r="http://schemas.openxmlformats.org/officeDocument/2006/relationships" xmlns:p="http://schemas.openxmlformats.org/presentationml/2006/main">
+  <p:cSld>
+    <p:spTree>
+      <p:nvGrpSpPr>
+        <p:cNvPr id="1" name=""/>
+        <p:cNvGrpSpPr/>
+        <p:nvPr/>
+      </p:nvGrpSpPr>
+      <p:grpSpPr>
+        <a:xfrm>
+          <a:off x="0" y="0"/>
+          <a:ext cx="0" cy="0"/>
+          <a:chOff x="0" y="0"/>
+          <a:chExt cx="0" cy="0"/>
+        </a:xfrm>
+      </p:grpSpPr>
+      <p:sp>
+        <p:nvSpPr>
+          <p:cNvPr id="3" name="Title 2"/>
+          <p:cNvSpPr>
+            <a:spLocks noGrp="1"/>
+          </p:cNvSpPr>
+          <p:nvPr>
+            <p:ph type="title"/>
+          </p:nvPr>
+        </p:nvSpPr>
+        <p:spPr/>
+        <p:txBody>
+          <a:bodyPr/>
+          <a:lstStyle/>
+          <a:p>
+            <a:r>
+              <a:rPr lang="en-US" dirty="0"/>
+              <a:t>Designing Classes</a:t>
+            </a:r>
+          </a:p>
+        </p:txBody>
+      </p:sp>
+      <p:sp>
+        <p:nvSpPr>
+          <p:cNvPr id="2" name="Content Placeholder 1"/>
+          <p:cNvSpPr>
+            <a:spLocks noGrp="1"/>
+          </p:cNvSpPr>
+          <p:nvPr>
+            <p:ph idx="1"/>
+          </p:nvPr>
+        </p:nvSpPr>
+        <p:spPr>
+          <a:xfrm>
+            <a:off x="457200" y="1481138"/>
+            <a:ext cx="8229600" cy="4969538"/>
+          </a:xfrm>
+        </p:spPr>
+        <p:txBody>
+          <a:bodyPr/>
+          <a:lstStyle/>
+          <a:p>
+            <a:pPr>
+              <a:buFont typeface="Arial" panose="020B0604020202020204" pitchFamily="34" charset="0"/>
+              <a:buChar char="•"/>
+            </a:pPr>
+            <a:r>
+              <a:rPr lang="en-US" dirty="0"/>
+              <a:t>Programs typically begin as abstract ideas</a:t>
+            </a:r>
+          </a:p>
+          <a:p>
+            <a:pPr>
+              <a:buFont typeface="Arial" panose="020B0604020202020204" pitchFamily="34" charset="0"/>
+              <a:buChar char="•"/>
+            </a:pPr>
+            <a:r>
+              <a:rPr lang="en-US" dirty="0"/>
+              <a:t>These ideas form a set of requirements (i.e. what the user wants)</a:t>
+            </a:r>
+          </a:p>
+          <a:p>
+            <a:pPr>
+              <a:buFont typeface="Arial" panose="020B0604020202020204" pitchFamily="34" charset="0"/>
+              <a:buChar char="•"/>
+            </a:pPr>
+            <a:r>
+              <a:rPr lang="en-US" dirty="0"/>
+              <a:t>We must take these requirements, and figure out an approach for our coding</a:t>
+            </a:r>
+          </a:p>
+          <a:p>
+            <a:pPr>
+              <a:buFont typeface="Arial" panose="020B0604020202020204" pitchFamily="34" charset="0"/>
+              <a:buChar char="•"/>
+            </a:pPr>
+            <a:r>
+              <a:rPr lang="en-US" dirty="0"/>
+              <a:t>Usually the approach is not obvious</a:t>
+            </a:r>
+          </a:p>
+          <a:p>
+            <a:pPr>
+              <a:buFont typeface="Arial" panose="020B0604020202020204" pitchFamily="34" charset="0"/>
+              <a:buChar char="•"/>
+            </a:pPr>
+            <a:r>
+              <a:rPr lang="en-US" dirty="0"/>
+              <a:t>So we propose designs, then iteratively refine them into something that might work (continued…)</a:t>
+            </a:r>
+          </a:p>
+        </p:txBody>
+      </p:sp>
+    </p:spTree>
+    <p:extLst>
+      <p:ext uri="{BB962C8B-B14F-4D97-AF65-F5344CB8AC3E}">
+        <p14:creationId xmlns:p14="http://schemas.microsoft.com/office/powerpoint/2010/main" val="3555040520"/>
+      </p:ext>
+    </p:extLst>
+  </p:cSld>
+  <p:clrMapOvr>
+    <a:masterClrMapping/>
+  </p:clrMapOvr>
+</p:sld>
+</file>
+
+<file path=ppt/slides/slide20.xml><?xml version="1.0" encoding="utf-8"?>
+<p:sld xmlns:a="http://schemas.openxmlformats.org/drawingml/2006/main" xmlns:r="http://schemas.openxmlformats.org/officeDocument/2006/relationships" xmlns:p="http://schemas.openxmlformats.org/presentationml/2006/main">
+  <p:cSld>
+    <p:spTree>
+      <p:nvGrpSpPr>
+        <p:cNvPr id="1" name=""/>
+        <p:cNvGrpSpPr/>
+        <p:nvPr/>
+      </p:nvGrpSpPr>
+      <p:grpSpPr>
+        <a:xfrm>
+          <a:off x="0" y="0"/>
+          <a:ext cx="0" cy="0"/>
+          <a:chOff x="0" y="0"/>
+          <a:chExt cx="0" cy="0"/>
+        </a:xfrm>
+      </p:grpSpPr>
+      <p:pic>
+        <p:nvPicPr>
+          <p:cNvPr id="6" name="Picture 8" descr="A screenshot of a cell phone&#10;&#10;Description generated with very high confidence">
+            <a:extLst>
+              <a:ext uri="{FF2B5EF4-FFF2-40B4-BE49-F238E27FC236}">
+                <a16:creationId xmlns:a16="http://schemas.microsoft.com/office/drawing/2014/main" id="{D288754E-1D61-494B-894C-22312A1C08BA}"/>
+              </a:ext>
+            </a:extLst>
+          </p:cNvPr>
+          <p:cNvPicPr>
+            <a:picLocks noChangeAspect="1"/>
+          </p:cNvPicPr>
+          <p:nvPr/>
+        </p:nvPicPr>
+        <p:blipFill>
+          <a:blip r:embed="rId3"/>
+          <a:stretch>
+            <a:fillRect/>
+          </a:stretch>
+        </p:blipFill>
+        <p:spPr>
+          <a:xfrm>
+            <a:off x="637842" y="4345172"/>
+            <a:ext cx="7974640" cy="2566876"/>
+          </a:xfrm>
+          <a:prstGeom prst="rect">
+            <a:avLst/>
+          </a:prstGeom>
+        </p:spPr>
+      </p:pic>
+      <p:sp>
+        <p:nvSpPr>
+          <p:cNvPr id="4" name="TextBox 3"/>
+          <p:cNvSpPr txBox="1"/>
+          <p:nvPr/>
+        </p:nvSpPr>
+        <p:spPr>
+          <a:xfrm>
+            <a:off x="169039" y="2063557"/>
+            <a:ext cx="2318263" cy="523220"/>
+          </a:xfrm>
+          <a:prstGeom prst="rect">
+            <a:avLst/>
+          </a:prstGeom>
+          <a:noFill/>
+        </p:spPr>
+        <p:txBody>
+          <a:bodyPr wrap="none" rtlCol="0">
+            <a:spAutoFit/>
+          </a:bodyPr>
+          <a:lstStyle/>
+          <a:p>
+            <a:r>
+              <a:rPr lang="en-US" sz="2800" dirty="0"/>
+              <a:t>Bad Solution A</a:t>
+            </a:r>
+            <a:endParaRPr lang="en-US" dirty="0"/>
+          </a:p>
+        </p:txBody>
+      </p:sp>
+      <p:sp>
+        <p:nvSpPr>
+          <p:cNvPr id="7" name="TextBox 6"/>
+          <p:cNvSpPr txBox="1"/>
+          <p:nvPr/>
+        </p:nvSpPr>
+        <p:spPr>
+          <a:xfrm>
+            <a:off x="167884" y="4424552"/>
+            <a:ext cx="2318263" cy="523220"/>
+          </a:xfrm>
+          <a:prstGeom prst="rect">
+            <a:avLst/>
+          </a:prstGeom>
+          <a:noFill/>
+        </p:spPr>
+        <p:txBody>
+          <a:bodyPr wrap="none" rtlCol="0">
+            <a:spAutoFit/>
+          </a:bodyPr>
+          <a:lstStyle/>
+          <a:p>
+            <a:r>
+              <a:rPr lang="en-US" sz="2800" dirty="0"/>
+              <a:t>Bad Solution B</a:t>
+            </a:r>
+            <a:endParaRPr lang="en-US" dirty="0"/>
+          </a:p>
+        </p:txBody>
+      </p:sp>
+      <p:sp>
+        <p:nvSpPr>
+          <p:cNvPr id="8" name="TextBox 7">
+            <a:extLst>
+              <a:ext uri="{FF2B5EF4-FFF2-40B4-BE49-F238E27FC236}">
+                <a16:creationId xmlns:a16="http://schemas.microsoft.com/office/drawing/2014/main" id="{B59FA005-C3EF-40E7-B128-43C07DBBC66C}"/>
+              </a:ext>
+            </a:extLst>
+          </p:cNvPr>
+          <p:cNvSpPr txBox="1"/>
+          <p:nvPr/>
+        </p:nvSpPr>
+        <p:spPr>
+          <a:xfrm>
+            <a:off x="123392" y="70139"/>
+            <a:ext cx="8832272" cy="1754326"/>
+          </a:xfrm>
+          <a:prstGeom prst="rect">
+            <a:avLst/>
+          </a:prstGeom>
+        </p:spPr>
+        <p:txBody>
+          <a:bodyPr rot="0" spcFirstLastPara="0" vertOverflow="overflow" horzOverflow="overflow" vert="horz" wrap="square" lIns="91440" tIns="45720" rIns="91440" bIns="45720" numCol="1" spcCol="0" rtlCol="0" fromWordArt="0" anchor="t" anchorCtr="0" forceAA="0" compatLnSpc="1">
+            <a:prstTxWarp prst="textNoShape">
+              <a:avLst/>
+            </a:prstTxWarp>
+            <a:spAutoFit/>
+          </a:bodyPr>
+          <a:lstStyle/>
+          <a:p>
+            <a:r>
+              <a:rPr lang="en-US" dirty="0"/>
+              <a:t>A website tracks books and the kids that read them.  For each book the system stores the name and author.  For each kid the system stores name and grade level.  The teacher enters when a kid reads a particular book.  It should be possible to print a report on a book that includes all kids who have read a </a:t>
+            </a:r>
+            <a:r>
+              <a:rPr lang="en-US"/>
+              <a:t>particular book (with their grade level).  It should be possible to print a report on a kid that includes the books (with authors) a </a:t>
+            </a:r>
+            <a:r>
+              <a:rPr lang="en-US" dirty="0"/>
+              <a:t>particular kid has read.</a:t>
+            </a:r>
+          </a:p>
+        </p:txBody>
+      </p:sp>
+      <p:pic>
+        <p:nvPicPr>
+          <p:cNvPr id="2" name="Picture 2" descr="A screenshot of a cell phone&#10;&#10;Description generated with very high confidence">
+            <a:extLst>
+              <a:ext uri="{FF2B5EF4-FFF2-40B4-BE49-F238E27FC236}">
+                <a16:creationId xmlns:a16="http://schemas.microsoft.com/office/drawing/2014/main" id="{C30AE8A5-582E-41E2-A715-A60B289F94BE}"/>
+              </a:ext>
+            </a:extLst>
+          </p:cNvPr>
+          <p:cNvPicPr>
+            <a:picLocks noChangeAspect="1"/>
+          </p:cNvPicPr>
+          <p:nvPr/>
+        </p:nvPicPr>
+        <p:blipFill>
+          <a:blip r:embed="rId4"/>
+          <a:stretch>
+            <a:fillRect/>
+          </a:stretch>
+        </p:blipFill>
+        <p:spPr>
+          <a:xfrm>
+            <a:off x="451441" y="2515929"/>
+            <a:ext cx="8187955" cy="1746397"/>
+          </a:xfrm>
+          <a:prstGeom prst="rect">
+            <a:avLst/>
+          </a:prstGeom>
+        </p:spPr>
+      </p:pic>
+      <p:sp>
+        <p:nvSpPr>
+          <p:cNvPr id="3" name="Rectangle 2">
+            <a:extLst>
+              <a:ext uri="{FF2B5EF4-FFF2-40B4-BE49-F238E27FC236}">
+                <a16:creationId xmlns:a16="http://schemas.microsoft.com/office/drawing/2014/main" id="{2A10AC4C-8C82-4E9E-9FEE-D78D88FB7E02}"/>
+              </a:ext>
+            </a:extLst>
+          </p:cNvPr>
+          <p:cNvSpPr/>
+          <p:nvPr/>
+        </p:nvSpPr>
+        <p:spPr>
+          <a:xfrm>
+            <a:off x="123371" y="6146798"/>
+            <a:ext cx="524330" cy="397329"/>
+          </a:xfrm>
+          <a:prstGeom prst="rect">
+            <a:avLst/>
+          </a:prstGeom>
+        </p:spPr>
+        <p:style>
+          <a:lnRef idx="2">
+            <a:schemeClr val="accent1">
+              <a:shade val="50000"/>
+            </a:schemeClr>
+          </a:lnRef>
+          <a:fillRef idx="1">
+            <a:schemeClr val="accent1"/>
+          </a:fillRef>
+          <a:effectRef idx="0">
+            <a:schemeClr val="accent1"/>
+          </a:effectRef>
+          <a:fontRef idx="minor">
+            <a:schemeClr val="lt1"/>
+          </a:fontRef>
+        </p:style>
+        <p:txBody>
+          <a:bodyPr rtlCol="0" anchor="ctr"/>
+          <a:lstStyle/>
+          <a:p>
+            <a:pPr algn="ctr"/>
+            <a:r>
+              <a:rPr lang="en-US"/>
+              <a:t>6-8</a:t>
+            </a:r>
+          </a:p>
+        </p:txBody>
+      </p:sp>
+    </p:spTree>
+    <p:extLst>
+      <p:ext uri="{BB962C8B-B14F-4D97-AF65-F5344CB8AC3E}">
+        <p14:creationId xmlns:p14="http://schemas.microsoft.com/office/powerpoint/2010/main" val="1191815744"/>
+      </p:ext>
+    </p:extLst>
+  </p:cSld>
+  <p:clrMapOvr>
+    <a:masterClrMapping/>
+  </p:clrMapOvr>
+</p:sld>
+</file>
+
+<file path=ppt/slides/slide21.xml><?xml version="1.0" encoding="utf-8"?>
+<p:sld xmlns:a="http://schemas.openxmlformats.org/drawingml/2006/main" xmlns:r="http://schemas.openxmlformats.org/officeDocument/2006/relationships" xmlns:p="http://schemas.openxmlformats.org/presentationml/2006/main">
+  <p:cSld>
+    <p:spTree>
+      <p:nvGrpSpPr>
+        <p:cNvPr id="1" name=""/>
+        <p:cNvGrpSpPr/>
+        <p:nvPr/>
+      </p:nvGrpSpPr>
+      <p:grpSpPr>
+        <a:xfrm>
+          <a:off x="0" y="0"/>
+          <a:ext cx="0" cy="0"/>
+          <a:chOff x="0" y="0"/>
+          <a:chExt cx="0" cy="0"/>
+        </a:xfrm>
+      </p:grpSpPr>
+      <p:sp>
+        <p:nvSpPr>
+          <p:cNvPr id="2" name="Title 1">
+            <a:extLst>
+              <a:ext uri="{FF2B5EF4-FFF2-40B4-BE49-F238E27FC236}">
+                <a16:creationId xmlns:a16="http://schemas.microsoft.com/office/drawing/2014/main" id="{B1819317-74D8-4C3A-A7D6-A42680E57E70}"/>
+              </a:ext>
+            </a:extLst>
+          </p:cNvPr>
+          <p:cNvSpPr>
+            <a:spLocks noGrp="1"/>
+          </p:cNvSpPr>
+          <p:nvPr>
+            <p:ph type="title"/>
+          </p:nvPr>
+        </p:nvSpPr>
+        <p:spPr/>
+        <p:txBody>
+          <a:bodyPr/>
+          <a:lstStyle/>
+          <a:p>
+            <a:endParaRPr lang="en-US"/>
+          </a:p>
+        </p:txBody>
+      </p:sp>
+      <p:sp>
+        <p:nvSpPr>
+          <p:cNvPr id="3" name="Content Placeholder 2">
+            <a:extLst>
+              <a:ext uri="{FF2B5EF4-FFF2-40B4-BE49-F238E27FC236}">
+                <a16:creationId xmlns:a16="http://schemas.microsoft.com/office/drawing/2014/main" id="{21D05192-45A4-42B2-8658-26781BA64DD6}"/>
+              </a:ext>
+            </a:extLst>
+          </p:cNvPr>
+          <p:cNvSpPr>
+            <a:spLocks noGrp="1"/>
+          </p:cNvSpPr>
+          <p:nvPr>
+            <p:ph idx="1"/>
+          </p:nvPr>
+        </p:nvSpPr>
+        <p:spPr>
+          <a:xfrm>
+            <a:off x="628650" y="2472606"/>
+            <a:ext cx="7886700" cy="3704357"/>
+          </a:xfrm>
+        </p:spPr>
+        <p:txBody>
+          <a:bodyPr vert="horz" lIns="91440" tIns="45720" rIns="91440" bIns="45720" rtlCol="0" anchor="t">
+            <a:normAutofit/>
+          </a:bodyPr>
+          <a:lstStyle/>
+          <a:p>
+            <a:pPr marL="0" indent="0">
+              <a:buNone/>
+            </a:pPr>
+            <a:r>
+              <a:rPr lang="en-US">
+                <a:cs typeface="Calibri"/>
+              </a:rPr>
+              <a:t>This design does not function.  There is no (sane) way to look up a book for printing a report or for associating with a Kid.</a:t>
+            </a:r>
+          </a:p>
+        </p:txBody>
+      </p:sp>
+      <p:pic>
+        <p:nvPicPr>
+          <p:cNvPr id="5" name="Picture 2" descr="A screenshot of a cell phone&#10;&#10;Description generated with very high confidence">
+            <a:extLst>
+              <a:ext uri="{FF2B5EF4-FFF2-40B4-BE49-F238E27FC236}">
+                <a16:creationId xmlns:a16="http://schemas.microsoft.com/office/drawing/2014/main" id="{7D4179C7-A4B5-4E8F-8CD3-B10ECA74599C}"/>
+              </a:ext>
+            </a:extLst>
+          </p:cNvPr>
+          <p:cNvPicPr>
+            <a:picLocks noChangeAspect="1"/>
+          </p:cNvPicPr>
+          <p:nvPr/>
+        </p:nvPicPr>
+        <p:blipFill>
+          <a:blip r:embed="rId2"/>
+          <a:stretch>
+            <a:fillRect/>
+          </a:stretch>
+        </p:blipFill>
+        <p:spPr>
+          <a:xfrm>
+            <a:off x="465818" y="574986"/>
+            <a:ext cx="8187955" cy="1746397"/>
+          </a:xfrm>
+          <a:prstGeom prst="rect">
+            <a:avLst/>
+          </a:prstGeom>
+        </p:spPr>
+      </p:pic>
+    </p:spTree>
+    <p:extLst>
+      <p:ext uri="{BB962C8B-B14F-4D97-AF65-F5344CB8AC3E}">
+        <p14:creationId xmlns:p14="http://schemas.microsoft.com/office/powerpoint/2010/main" val="3633402853"/>
+      </p:ext>
+    </p:extLst>
+  </p:cSld>
+  <p:clrMapOvr>
+    <a:masterClrMapping/>
+  </p:clrMapOvr>
+</p:sld>
+</file>
+
+<file path=ppt/slides/slide22.xml><?xml version="1.0" encoding="utf-8"?>
+<p:sld xmlns:a="http://schemas.openxmlformats.org/drawingml/2006/main" xmlns:r="http://schemas.openxmlformats.org/officeDocument/2006/relationships" xmlns:p="http://schemas.openxmlformats.org/presentationml/2006/main">
+  <p:cSld>
+    <p:spTree>
+      <p:nvGrpSpPr>
+        <p:cNvPr id="1" name=""/>
+        <p:cNvGrpSpPr/>
+        <p:nvPr/>
+      </p:nvGrpSpPr>
+      <p:grpSpPr>
+        <a:xfrm>
+          <a:off x="0" y="0"/>
+          <a:ext cx="0" cy="0"/>
+          <a:chOff x="0" y="0"/>
+          <a:chExt cx="0" cy="0"/>
+        </a:xfrm>
+      </p:grpSpPr>
+      <p:sp>
+        <p:nvSpPr>
+          <p:cNvPr id="2" name="Title 1">
+            <a:extLst>
+              <a:ext uri="{FF2B5EF4-FFF2-40B4-BE49-F238E27FC236}">
+                <a16:creationId xmlns:a16="http://schemas.microsoft.com/office/drawing/2014/main" id="{B1819317-74D8-4C3A-A7D6-A42680E57E70}"/>
+              </a:ext>
+            </a:extLst>
+          </p:cNvPr>
+          <p:cNvSpPr>
+            <a:spLocks noGrp="1"/>
+          </p:cNvSpPr>
+          <p:nvPr>
+            <p:ph type="title"/>
+          </p:nvPr>
+        </p:nvSpPr>
+        <p:spPr/>
+        <p:txBody>
+          <a:bodyPr/>
+          <a:lstStyle/>
+          <a:p>
+            <a:endParaRPr lang="en-US"/>
+          </a:p>
+        </p:txBody>
+      </p:sp>
+      <p:sp>
+        <p:nvSpPr>
+          <p:cNvPr id="3" name="Content Placeholder 2">
+            <a:extLst>
+              <a:ext uri="{FF2B5EF4-FFF2-40B4-BE49-F238E27FC236}">
+                <a16:creationId xmlns:a16="http://schemas.microsoft.com/office/drawing/2014/main" id="{21D05192-45A4-42B2-8658-26781BA64DD6}"/>
+              </a:ext>
+            </a:extLst>
+          </p:cNvPr>
+          <p:cNvSpPr>
+            <a:spLocks noGrp="1"/>
+          </p:cNvSpPr>
+          <p:nvPr>
+            <p:ph idx="1"/>
+          </p:nvPr>
+        </p:nvSpPr>
+        <p:spPr>
+          <a:xfrm>
+            <a:off x="700537" y="3550907"/>
+            <a:ext cx="7886700" cy="3014245"/>
+          </a:xfrm>
+        </p:spPr>
+        <p:txBody>
+          <a:bodyPr vert="horz" lIns="91440" tIns="45720" rIns="91440" bIns="45720" rtlCol="0" anchor="t">
+            <a:normAutofit/>
+          </a:bodyPr>
+          <a:lstStyle/>
+          <a:p>
+            <a:pPr marL="0" indent="0">
+              <a:buNone/>
+            </a:pPr>
+            <a:r>
+              <a:rPr lang="en-US" dirty="0">
+                <a:cs typeface="Calibri"/>
+              </a:rPr>
+              <a:t>This design functions but there is a very large amount of duplication.  In particular, the author/title information in the kid is </a:t>
+            </a:r>
+            <a:r>
+              <a:rPr lang="en-US">
+                <a:cs typeface="Calibri"/>
+              </a:rPr>
+              <a:t>duplicated and the name/grade level information in the book is duplicated.</a:t>
+            </a:r>
+          </a:p>
+        </p:txBody>
+      </p:sp>
+      <p:pic>
+        <p:nvPicPr>
+          <p:cNvPr id="4" name="Picture 5" descr="A screenshot of a cell phone&#10;&#10;Description generated with very high confidence">
+            <a:extLst>
+              <a:ext uri="{FF2B5EF4-FFF2-40B4-BE49-F238E27FC236}">
+                <a16:creationId xmlns:a16="http://schemas.microsoft.com/office/drawing/2014/main" id="{58E745EF-6BFC-4266-9A29-219BAE2DA8FA}"/>
+              </a:ext>
+            </a:extLst>
+          </p:cNvPr>
+          <p:cNvPicPr>
+            <a:picLocks noChangeAspect="1"/>
+          </p:cNvPicPr>
+          <p:nvPr/>
+        </p:nvPicPr>
+        <p:blipFill>
+          <a:blip r:embed="rId2"/>
+          <a:stretch>
+            <a:fillRect/>
+          </a:stretch>
+        </p:blipFill>
+        <p:spPr>
+          <a:xfrm>
+            <a:off x="629818" y="520460"/>
+            <a:ext cx="7568061" cy="2438400"/>
+          </a:xfrm>
+          <a:prstGeom prst="rect">
+            <a:avLst/>
+          </a:prstGeom>
+        </p:spPr>
+      </p:pic>
+    </p:spTree>
+    <p:extLst>
+      <p:ext uri="{BB962C8B-B14F-4D97-AF65-F5344CB8AC3E}">
+        <p14:creationId xmlns:p14="http://schemas.microsoft.com/office/powerpoint/2010/main" val="448454229"/>
+      </p:ext>
+    </p:extLst>
+  </p:cSld>
+  <p:clrMapOvr>
+    <a:masterClrMapping/>
+  </p:clrMapOvr>
+</p:sld>
+</file>
+
+<file path=ppt/slides/slide23.xml><?xml version="1.0" encoding="utf-8"?>
+<p:sld xmlns:a="http://schemas.openxmlformats.org/drawingml/2006/main" xmlns:r="http://schemas.openxmlformats.org/officeDocument/2006/relationships" xmlns:p="http://schemas.openxmlformats.org/presentationml/2006/main">
+  <p:cSld>
+    <p:spTree>
+      <p:nvGrpSpPr>
+        <p:cNvPr id="1" name=""/>
+        <p:cNvGrpSpPr/>
+        <p:nvPr/>
+      </p:nvGrpSpPr>
+      <p:grpSpPr>
+        <a:xfrm>
+          <a:off x="0" y="0"/>
+          <a:ext cx="0" cy="0"/>
+          <a:chOff x="0" y="0"/>
+          <a:chExt cx="0" cy="0"/>
+        </a:xfrm>
+      </p:grpSpPr>
+      <p:sp>
+        <p:nvSpPr>
+          <p:cNvPr id="2" name="Title 1">
+            <a:extLst>
+              <a:ext uri="{FF2B5EF4-FFF2-40B4-BE49-F238E27FC236}">
+                <a16:creationId xmlns:a16="http://schemas.microsoft.com/office/drawing/2014/main" id="{33D4407E-1218-4CC3-A42B-482025AF2767}"/>
+              </a:ext>
+            </a:extLst>
+          </p:cNvPr>
+          <p:cNvSpPr>
+            <a:spLocks noGrp="1"/>
+          </p:cNvSpPr>
+          <p:nvPr>
+            <p:ph type="title"/>
+          </p:nvPr>
+        </p:nvSpPr>
+        <p:spPr/>
+        <p:txBody>
+          <a:bodyPr/>
+          <a:lstStyle/>
+          <a:p>
+            <a:r>
+              <a:rPr lang="en-US">
+                <a:cs typeface="Calibri Light"/>
+              </a:rPr>
+              <a:t>My Solution</a:t>
+            </a:r>
+            <a:endParaRPr lang="en-US"/>
+          </a:p>
+        </p:txBody>
+      </p:sp>
+      <p:pic>
+        <p:nvPicPr>
+          <p:cNvPr id="4" name="Picture 4" descr="A screenshot of a cell phone&#10;&#10;Description generated with very high confidence">
+            <a:extLst>
+              <a:ext uri="{FF2B5EF4-FFF2-40B4-BE49-F238E27FC236}">
+                <a16:creationId xmlns:a16="http://schemas.microsoft.com/office/drawing/2014/main" id="{B81ADEB9-9D5F-40F6-8E64-D2FBC8D4702E}"/>
+              </a:ext>
+            </a:extLst>
+          </p:cNvPr>
+          <p:cNvPicPr>
+            <a:picLocks noGrp="1" noChangeAspect="1"/>
+          </p:cNvPicPr>
+          <p:nvPr>
+            <p:ph idx="1"/>
+          </p:nvPr>
+        </p:nvPicPr>
+        <p:blipFill>
+          <a:blip r:embed="rId2"/>
+          <a:stretch>
+            <a:fillRect/>
+          </a:stretch>
+        </p:blipFill>
+        <p:spPr>
+          <a:xfrm>
+            <a:off x="578683" y="1947329"/>
+            <a:ext cx="7449486" cy="2171700"/>
+          </a:xfrm>
+          <a:prstGeom prst="rect">
+            <a:avLst/>
+          </a:prstGeom>
+        </p:spPr>
+      </p:pic>
+    </p:spTree>
+    <p:extLst>
+      <p:ext uri="{BB962C8B-B14F-4D97-AF65-F5344CB8AC3E}">
+        <p14:creationId xmlns:p14="http://schemas.microsoft.com/office/powerpoint/2010/main" val="704788062"/>
+      </p:ext>
+    </p:extLst>
+  </p:cSld>
+  <p:clrMapOvr>
+    <a:masterClrMapping/>
+  </p:clrMapOvr>
+</p:sld>
+</file>
+
+<file path=ppt/slides/slide24.xml><?xml version="1.0" encoding="utf-8"?>
+<p:sld xmlns:a="http://schemas.openxmlformats.org/drawingml/2006/main" xmlns:r="http://schemas.openxmlformats.org/officeDocument/2006/relationships" xmlns:p="http://schemas.openxmlformats.org/presentationml/2006/main">
+  <p:cSld>
+    <p:spTree>
+      <p:nvGrpSpPr>
+        <p:cNvPr id="1" name=""/>
+        <p:cNvGrpSpPr/>
+        <p:nvPr/>
+      </p:nvGrpSpPr>
+      <p:grpSpPr>
+        <a:xfrm>
+          <a:off x="0" y="0"/>
+          <a:ext cx="0" cy="0"/>
+          <a:chOff x="0" y="0"/>
+          <a:chExt cx="0" cy="0"/>
+        </a:xfrm>
+      </p:grpSpPr>
+      <p:sp>
+        <p:nvSpPr>
           <p:cNvPr id="2" name="Title 1"/>
           <p:cNvSpPr>
             <a:spLocks noGrp="1"/>
@@ -6980,7 +8209,137 @@
 </p:sld>
 </file>
 
-<file path=ppt/slides/slide19.xml><?xml version="1.0" encoding="utf-8"?>
+<file path=ppt/slides/slide25.xml><?xml version="1.0" encoding="utf-8"?>
+<p:sld xmlns:a="http://schemas.openxmlformats.org/drawingml/2006/main" xmlns:r="http://schemas.openxmlformats.org/officeDocument/2006/relationships" xmlns:p="http://schemas.openxmlformats.org/presentationml/2006/main">
+  <p:cSld>
+    <p:spTree>
+      <p:nvGrpSpPr>
+        <p:cNvPr id="1" name=""/>
+        <p:cNvGrpSpPr/>
+        <p:nvPr/>
+      </p:nvGrpSpPr>
+      <p:grpSpPr>
+        <a:xfrm>
+          <a:off x="0" y="0"/>
+          <a:ext cx="0" cy="0"/>
+          <a:chOff x="0" y="0"/>
+          <a:chExt cx="0" cy="0"/>
+        </a:xfrm>
+      </p:grpSpPr>
+      <p:sp>
+        <p:nvSpPr>
+          <p:cNvPr id="2" name="Title 1"/>
+          <p:cNvSpPr>
+            <a:spLocks noGrp="1"/>
+          </p:cNvSpPr>
+          <p:nvPr>
+            <p:ph type="title"/>
+          </p:nvPr>
+        </p:nvSpPr>
+        <p:spPr/>
+        <p:txBody>
+          <a:bodyPr/>
+          <a:lstStyle/>
+          <a:p>
+            <a:r>
+              <a:rPr lang="en-US" dirty="0"/>
+              <a:t>For Next Class</a:t>
+            </a:r>
+          </a:p>
+        </p:txBody>
+      </p:sp>
+      <p:sp>
+        <p:nvSpPr>
+          <p:cNvPr id="3" name="Content Placeholder 2"/>
+          <p:cNvSpPr>
+            <a:spLocks noGrp="1"/>
+          </p:cNvSpPr>
+          <p:nvPr>
+            <p:ph idx="1"/>
+          </p:nvPr>
+        </p:nvSpPr>
+        <p:spPr/>
+        <p:txBody>
+          <a:bodyPr vert="horz" lIns="91440" tIns="45720" rIns="91440" bIns="45720" rtlCol="0" anchor="t">
+            <a:normAutofit/>
+          </a:bodyPr>
+          <a:lstStyle/>
+          <a:p>
+            <a:r>
+              <a:rPr lang="en-US" dirty="0"/>
+              <a:t>Solve the 2 Design Problems in the handout</a:t>
+            </a:r>
+          </a:p>
+          <a:p>
+            <a:pPr lvl="1"/>
+            <a:r>
+              <a:rPr lang="en-US" dirty="0"/>
+              <a:t>Bring your solution to be collected </a:t>
+            </a:r>
+            <a:r>
+              <a:rPr lang="en-US" b="1" dirty="0">
+                <a:solidFill>
+                  <a:srgbClr val="FF0000"/>
+                </a:solidFill>
+              </a:rPr>
+              <a:t>at the start of </a:t>
+            </a:r>
+            <a:r>
+              <a:rPr lang="en-US" dirty="0"/>
+              <a:t>next class</a:t>
+            </a:r>
+          </a:p>
+          <a:p>
+            <a:pPr lvl="1"/>
+            <a:r>
+              <a:rPr lang="en-US" dirty="0"/>
+              <a:t>We will go over the solution at the beginning of next class</a:t>
+            </a:r>
+          </a:p>
+          <a:p>
+            <a:pPr lvl="1"/>
+            <a:r>
+              <a:rPr lang="en-US" dirty="0"/>
+              <a:t>Anything turned in late will be worth zero points</a:t>
+            </a:r>
+          </a:p>
+          <a:p>
+            <a:endParaRPr lang="en-US" dirty="0"/>
+          </a:p>
+          <a:p>
+            <a:r>
+              <a:rPr lang="en-US"/>
+              <a:t>We’ll discuss more design principles after Exam </a:t>
+            </a:r>
+            <a:r>
+              <a:rPr lang="en-US">
+                <a:cs typeface="Calibri"/>
+              </a:rPr>
+              <a:t>1</a:t>
+            </a:r>
+          </a:p>
+          <a:p>
+            <a:endParaRPr lang="en-US" dirty="0"/>
+          </a:p>
+          <a:p>
+            <a:endParaRPr lang="en-US" dirty="0"/>
+          </a:p>
+        </p:txBody>
+      </p:sp>
+    </p:spTree>
+    <p:extLst>
+      <p:ext uri="{BB962C8B-B14F-4D97-AF65-F5344CB8AC3E}">
+        <p14:creationId xmlns:p14="http://schemas.microsoft.com/office/powerpoint/2010/main" val="1893570158"/>
+      </p:ext>
+    </p:extLst>
+  </p:cSld>
+  <p:clrMapOvr>
+    <a:masterClrMapping/>
+  </p:clrMapOvr>
+</p:sld>
+</file>
+
+<file path=ppt/slides/slide26.xml><?xml version="1.0" encoding="utf-8"?>
 <p:sld xmlns:a="http://schemas.openxmlformats.org/drawingml/2006/main" xmlns:r="http://schemas.openxmlformats.org/officeDocument/2006/relationships" xmlns:p="http://schemas.openxmlformats.org/presentationml/2006/main">
   <p:cSld>
     <p:spTree>
@@ -7085,49 +8444,6 @@
           </a:extLst>
         </p:spPr>
       </p:pic>
-      <p:sp>
-        <p:nvSpPr>
-          <p:cNvPr id="4" name="Rectangle 3"/>
-          <p:cNvSpPr/>
-          <p:nvPr/>
-        </p:nvSpPr>
-        <p:spPr>
-          <a:xfrm>
-            <a:off x="193431" y="6295292"/>
-            <a:ext cx="738554" cy="439616"/>
-          </a:xfrm>
-          <a:prstGeom prst="rect">
-            <a:avLst/>
-          </a:prstGeom>
-        </p:spPr>
-        <p:style>
-          <a:lnRef idx="2">
-            <a:schemeClr val="accent1">
-              <a:shade val="50000"/>
-            </a:schemeClr>
-          </a:lnRef>
-          <a:fillRef idx="1">
-            <a:schemeClr val="accent1"/>
-          </a:fillRef>
-          <a:effectRef idx="0">
-            <a:schemeClr val="accent1"/>
-          </a:effectRef>
-          <a:fontRef idx="minor">
-            <a:schemeClr val="lt1"/>
-          </a:fontRef>
-        </p:style>
-        <p:txBody>
-          <a:bodyPr rtlCol="0" anchor="ctr"/>
-          <a:lstStyle/>
-          <a:p>
-            <a:pPr algn="ctr"/>
-            <a:r>
-              <a:rPr lang="en-US" dirty="0"/>
-              <a:t>3</a:t>
-            </a:r>
-          </a:p>
-        </p:txBody>
-      </p:sp>
     </p:spTree>
     <p:extLst>
       <p:ext uri="{BB962C8B-B14F-4D97-AF65-F5344CB8AC3E}">
@@ -7141,130 +8457,7 @@
 </p:sld>
 </file>
 
-<file path=ppt/slides/slide2.xml><?xml version="1.0" encoding="utf-8"?>
-<p:sld xmlns:a="http://schemas.openxmlformats.org/drawingml/2006/main" xmlns:r="http://schemas.openxmlformats.org/officeDocument/2006/relationships" xmlns:p="http://schemas.openxmlformats.org/presentationml/2006/main">
-  <p:cSld>
-    <p:spTree>
-      <p:nvGrpSpPr>
-        <p:cNvPr id="1" name=""/>
-        <p:cNvGrpSpPr/>
-        <p:nvPr/>
-      </p:nvGrpSpPr>
-      <p:grpSpPr>
-        <a:xfrm>
-          <a:off x="0" y="0"/>
-          <a:ext cx="0" cy="0"/>
-          <a:chOff x="0" y="0"/>
-          <a:chExt cx="0" cy="0"/>
-        </a:xfrm>
-      </p:grpSpPr>
-      <p:sp>
-        <p:nvSpPr>
-          <p:cNvPr id="3" name="Title 2"/>
-          <p:cNvSpPr>
-            <a:spLocks noGrp="1"/>
-          </p:cNvSpPr>
-          <p:nvPr>
-            <p:ph type="title"/>
-          </p:nvPr>
-        </p:nvSpPr>
-        <p:spPr/>
-        <p:txBody>
-          <a:bodyPr/>
-          <a:lstStyle/>
-          <a:p>
-            <a:r>
-              <a:rPr lang="en-US" dirty="0"/>
-              <a:t>Designing Classes</a:t>
-            </a:r>
-          </a:p>
-        </p:txBody>
-      </p:sp>
-      <p:sp>
-        <p:nvSpPr>
-          <p:cNvPr id="2" name="Content Placeholder 1"/>
-          <p:cNvSpPr>
-            <a:spLocks noGrp="1"/>
-          </p:cNvSpPr>
-          <p:nvPr>
-            <p:ph idx="1"/>
-          </p:nvPr>
-        </p:nvSpPr>
-        <p:spPr>
-          <a:xfrm>
-            <a:off x="457200" y="1481138"/>
-            <a:ext cx="8229600" cy="4969538"/>
-          </a:xfrm>
-        </p:spPr>
-        <p:txBody>
-          <a:bodyPr/>
-          <a:lstStyle/>
-          <a:p>
-            <a:pPr>
-              <a:buFont typeface="Arial" panose="020B0604020202020204" pitchFamily="34" charset="0"/>
-              <a:buChar char="•"/>
-            </a:pPr>
-            <a:r>
-              <a:rPr lang="en-US" dirty="0"/>
-              <a:t>Programs typically begin as abstract ideas</a:t>
-            </a:r>
-          </a:p>
-          <a:p>
-            <a:pPr>
-              <a:buFont typeface="Arial" panose="020B0604020202020204" pitchFamily="34" charset="0"/>
-              <a:buChar char="•"/>
-            </a:pPr>
-            <a:r>
-              <a:rPr lang="en-US" dirty="0"/>
-              <a:t>These ideas form a set of requirements (i.e. what the user wants)</a:t>
-            </a:r>
-          </a:p>
-          <a:p>
-            <a:pPr>
-              <a:buFont typeface="Arial" panose="020B0604020202020204" pitchFamily="34" charset="0"/>
-              <a:buChar char="•"/>
-            </a:pPr>
-            <a:r>
-              <a:rPr lang="en-US" dirty="0"/>
-              <a:t>We must take these requirements, and figure out an approach for our coding</a:t>
-            </a:r>
-          </a:p>
-          <a:p>
-            <a:pPr>
-              <a:buFont typeface="Arial" panose="020B0604020202020204" pitchFamily="34" charset="0"/>
-              <a:buChar char="•"/>
-            </a:pPr>
-            <a:r>
-              <a:rPr lang="en-US" dirty="0"/>
-              <a:t>Usually the approach is not obvious</a:t>
-            </a:r>
-          </a:p>
-          <a:p>
-            <a:pPr>
-              <a:buFont typeface="Arial" panose="020B0604020202020204" pitchFamily="34" charset="0"/>
-              <a:buChar char="•"/>
-            </a:pPr>
-            <a:r>
-              <a:rPr lang="en-US" dirty="0"/>
-              <a:t>So we propose designs, then iteratively refine them into something that might work (continued…)</a:t>
-            </a:r>
-          </a:p>
-        </p:txBody>
-      </p:sp>
-    </p:spTree>
-    <p:extLst>
-      <p:ext uri="{BB962C8B-B14F-4D97-AF65-F5344CB8AC3E}">
-        <p14:creationId xmlns:p14="http://schemas.microsoft.com/office/powerpoint/2010/main" val="3555040520"/>
-      </p:ext>
-    </p:extLst>
-  </p:cSld>
-  <p:clrMapOvr>
-    <a:masterClrMapping/>
-  </p:clrMapOvr>
-</p:sld>
-</file>
-
-<file path=ppt/slides/slide20.xml><?xml version="1.0" encoding="utf-8"?>
+<file path=ppt/slides/slide27.xml><?xml version="1.0" encoding="utf-8"?>
 <p:sld xmlns:a="http://schemas.openxmlformats.org/drawingml/2006/main" xmlns:r="http://schemas.openxmlformats.org/officeDocument/2006/relationships" xmlns:p="http://schemas.openxmlformats.org/presentationml/2006/main">
   <p:cSld>
     <p:spTree>
@@ -7420,7 +8613,7 @@
 </p:sld>
 </file>
 
-<file path=ppt/slides/slide21.xml><?xml version="1.0" encoding="utf-8"?>
+<file path=ppt/slides/slide28.xml><?xml version="1.0" encoding="utf-8"?>
 <p:sld xmlns:a="http://schemas.openxmlformats.org/drawingml/2006/main" xmlns:r="http://schemas.openxmlformats.org/officeDocument/2006/relationships" xmlns:p="http://schemas.openxmlformats.org/presentationml/2006/main">
   <p:cSld>
     <p:spTree>
@@ -7527,49 +8720,6 @@
           </a:extLst>
         </p:spPr>
       </p:pic>
-      <p:sp>
-        <p:nvSpPr>
-          <p:cNvPr id="5" name="Rectangle 4"/>
-          <p:cNvSpPr/>
-          <p:nvPr/>
-        </p:nvSpPr>
-        <p:spPr>
-          <a:xfrm>
-            <a:off x="193431" y="6295292"/>
-            <a:ext cx="738554" cy="439616"/>
-          </a:xfrm>
-          <a:prstGeom prst="rect">
-            <a:avLst/>
-          </a:prstGeom>
-        </p:spPr>
-        <p:style>
-          <a:lnRef idx="2">
-            <a:schemeClr val="accent1">
-              <a:shade val="50000"/>
-            </a:schemeClr>
-          </a:lnRef>
-          <a:fillRef idx="1">
-            <a:schemeClr val="accent1"/>
-          </a:fillRef>
-          <a:effectRef idx="0">
-            <a:schemeClr val="accent1"/>
-          </a:effectRef>
-          <a:fontRef idx="minor">
-            <a:schemeClr val="lt1"/>
-          </a:fontRef>
-        </p:style>
-        <p:txBody>
-          <a:bodyPr rtlCol="0" anchor="ctr"/>
-          <a:lstStyle/>
-          <a:p>
-            <a:pPr algn="ctr"/>
-            <a:r>
-              <a:rPr lang="en-US" dirty="0"/>
-              <a:t>4</a:t>
-            </a:r>
-          </a:p>
-        </p:txBody>
-      </p:sp>
     </p:spTree>
     <p:extLst>
       <p:ext uri="{BB962C8B-B14F-4D97-AF65-F5344CB8AC3E}">
@@ -7583,7 +8733,7 @@
 </p:sld>
 </file>
 
-<file path=ppt/slides/slide22.xml><?xml version="1.0" encoding="utf-8"?>
+<file path=ppt/slides/slide29.xml><?xml version="1.0" encoding="utf-8"?>
 <p:sld xmlns:a="http://schemas.openxmlformats.org/drawingml/2006/main" xmlns:r="http://schemas.openxmlformats.org/officeDocument/2006/relationships" xmlns:p="http://schemas.openxmlformats.org/presentationml/2006/main">
   <p:cSld>
     <p:spTree>
@@ -7713,7 +8863,125 @@
 </p:sld>
 </file>
 
-<file path=ppt/slides/slide23.xml><?xml version="1.0" encoding="utf-8"?>
+<file path=ppt/slides/slide3.xml><?xml version="1.0" encoding="utf-8"?>
+<p:sld xmlns:a="http://schemas.openxmlformats.org/drawingml/2006/main" xmlns:r="http://schemas.openxmlformats.org/officeDocument/2006/relationships" xmlns:p="http://schemas.openxmlformats.org/presentationml/2006/main">
+  <p:cSld>
+    <p:spTree>
+      <p:nvGrpSpPr>
+        <p:cNvPr id="1" name=""/>
+        <p:cNvGrpSpPr/>
+        <p:nvPr/>
+      </p:nvGrpSpPr>
+      <p:grpSpPr>
+        <a:xfrm>
+          <a:off x="0" y="0"/>
+          <a:ext cx="0" cy="0"/>
+          <a:chOff x="0" y="0"/>
+          <a:chExt cx="0" cy="0"/>
+        </a:xfrm>
+      </p:grpSpPr>
+      <p:sp>
+        <p:nvSpPr>
+          <p:cNvPr id="3" name="Title 2"/>
+          <p:cNvSpPr>
+            <a:spLocks noGrp="1"/>
+          </p:cNvSpPr>
+          <p:nvPr>
+            <p:ph type="title"/>
+          </p:nvPr>
+        </p:nvSpPr>
+        <p:spPr/>
+        <p:txBody>
+          <a:bodyPr/>
+          <a:lstStyle/>
+          <a:p>
+            <a:endParaRPr lang="en-US" dirty="0"/>
+          </a:p>
+        </p:txBody>
+      </p:sp>
+      <p:sp>
+        <p:nvSpPr>
+          <p:cNvPr id="2" name="Content Placeholder 1"/>
+          <p:cNvSpPr>
+            <a:spLocks noGrp="1"/>
+          </p:cNvSpPr>
+          <p:nvPr>
+            <p:ph idx="1"/>
+          </p:nvPr>
+        </p:nvSpPr>
+        <p:spPr/>
+        <p:txBody>
+          <a:bodyPr/>
+          <a:lstStyle/>
+          <a:p>
+            <a:pPr>
+              <a:buFont typeface="Arial" panose="020B0604020202020204" pitchFamily="34" charset="0"/>
+              <a:buChar char="•"/>
+            </a:pPr>
+            <a:r>
+              <a:rPr lang="en-US" dirty="0"/>
+              <a:t>So we propose designs, then iteratively refine them into something that might work</a:t>
+            </a:r>
+          </a:p>
+          <a:p>
+            <a:pPr lvl="1">
+              <a:buFont typeface="Arial" panose="020B0604020202020204" pitchFamily="34" charset="0"/>
+              <a:buChar char="•"/>
+            </a:pPr>
+            <a:r>
+              <a:rPr lang="en-US" dirty="0"/>
+              <a:t>Many bad ideas in the process</a:t>
+            </a:r>
+          </a:p>
+          <a:p>
+            <a:pPr lvl="1">
+              <a:buFont typeface="Arial" panose="020B0604020202020204" pitchFamily="34" charset="0"/>
+              <a:buChar char="•"/>
+            </a:pPr>
+            <a:r>
+              <a:rPr lang="en-US" dirty="0"/>
+              <a:t>We don’t want to go through the effort of implementing bad ideas in code</a:t>
+            </a:r>
+          </a:p>
+          <a:p>
+            <a:pPr lvl="1">
+              <a:buFont typeface="Arial" panose="020B0604020202020204" pitchFamily="34" charset="0"/>
+              <a:buChar char="•"/>
+            </a:pPr>
+            <a:r>
+              <a:rPr lang="en-US" dirty="0"/>
+              <a:t>But we need a way to communicate/think concretely about these half-baked program approaches</a:t>
+            </a:r>
+          </a:p>
+          <a:p>
+            <a:pPr>
+              <a:buFont typeface="Arial" panose="020B0604020202020204" pitchFamily="34" charset="0"/>
+              <a:buChar char="•"/>
+            </a:pPr>
+            <a:r>
+              <a:rPr lang="en-US" dirty="0"/>
+              <a:t>We need a diagram language!</a:t>
+            </a:r>
+          </a:p>
+          <a:p>
+            <a:endParaRPr lang="en-US" dirty="0"/>
+          </a:p>
+        </p:txBody>
+      </p:sp>
+    </p:spTree>
+    <p:extLst>
+      <p:ext uri="{BB962C8B-B14F-4D97-AF65-F5344CB8AC3E}">
+        <p14:creationId xmlns:p14="http://schemas.microsoft.com/office/powerpoint/2010/main" val="4263988934"/>
+      </p:ext>
+    </p:extLst>
+  </p:cSld>
+  <p:clrMapOvr>
+    <a:masterClrMapping/>
+  </p:clrMapOvr>
+</p:sld>
+</file>
+
+<file path=ppt/slides/slide30.xml><?xml version="1.0" encoding="utf-8"?>
 <p:sld xmlns:a="http://schemas.openxmlformats.org/drawingml/2006/main" xmlns:r="http://schemas.openxmlformats.org/officeDocument/2006/relationships" xmlns:p="http://schemas.openxmlformats.org/presentationml/2006/main">
   <p:cSld>
     <p:spTree>
@@ -7816,49 +9084,6 @@
           </a:extLst>
         </p:spPr>
       </p:pic>
-      <p:sp>
-        <p:nvSpPr>
-          <p:cNvPr id="4" name="Rectangle 3"/>
-          <p:cNvSpPr/>
-          <p:nvPr/>
-        </p:nvSpPr>
-        <p:spPr>
-          <a:xfrm>
-            <a:off x="193431" y="6295292"/>
-            <a:ext cx="738554" cy="439616"/>
-          </a:xfrm>
-          <a:prstGeom prst="rect">
-            <a:avLst/>
-          </a:prstGeom>
-        </p:spPr>
-        <p:style>
-          <a:lnRef idx="2">
-            <a:schemeClr val="accent1">
-              <a:shade val="50000"/>
-            </a:schemeClr>
-          </a:lnRef>
-          <a:fillRef idx="1">
-            <a:schemeClr val="accent1"/>
-          </a:fillRef>
-          <a:effectRef idx="0">
-            <a:schemeClr val="accent1"/>
-          </a:effectRef>
-          <a:fontRef idx="minor">
-            <a:schemeClr val="lt1"/>
-          </a:fontRef>
-        </p:style>
-        <p:txBody>
-          <a:bodyPr rtlCol="0" anchor="ctr"/>
-          <a:lstStyle/>
-          <a:p>
-            <a:pPr algn="ctr"/>
-            <a:r>
-              <a:rPr lang="en-US" dirty="0"/>
-              <a:t>5</a:t>
-            </a:r>
-          </a:p>
-        </p:txBody>
-      </p:sp>
     </p:spTree>
     <p:extLst>
       <p:ext uri="{BB962C8B-B14F-4D97-AF65-F5344CB8AC3E}">
@@ -7872,7 +9097,7 @@
 </p:sld>
 </file>
 
-<file path=ppt/slides/slide24.xml><?xml version="1.0" encoding="utf-8"?>
+<file path=ppt/slides/slide31.xml><?xml version="1.0" encoding="utf-8"?>
 <p:sld xmlns:a="http://schemas.openxmlformats.org/drawingml/2006/main" xmlns:r="http://schemas.openxmlformats.org/officeDocument/2006/relationships" xmlns:p="http://schemas.openxmlformats.org/presentationml/2006/main">
   <p:cSld>
     <p:spTree>
@@ -8001,583 +9226,6 @@
     <p:extLst>
       <p:ext uri="{BB962C8B-B14F-4D97-AF65-F5344CB8AC3E}">
         <p14:creationId xmlns:p14="http://schemas.microsoft.com/office/powerpoint/2010/main" val="2209419502"/>
-      </p:ext>
-    </p:extLst>
-  </p:cSld>
-  <p:clrMapOvr>
-    <a:masterClrMapping/>
-  </p:clrMapOvr>
-</p:sld>
-</file>
-
-<file path=ppt/slides/slide25.xml><?xml version="1.0" encoding="utf-8"?>
-<p:sld xmlns:a="http://schemas.openxmlformats.org/drawingml/2006/main" xmlns:r="http://schemas.openxmlformats.org/officeDocument/2006/relationships" xmlns:p="http://schemas.openxmlformats.org/presentationml/2006/main">
-  <p:cSld>
-    <p:spTree>
-      <p:nvGrpSpPr>
-        <p:cNvPr id="1" name=""/>
-        <p:cNvGrpSpPr/>
-        <p:nvPr/>
-      </p:nvGrpSpPr>
-      <p:grpSpPr>
-        <a:xfrm>
-          <a:off x="0" y="0"/>
-          <a:ext cx="0" cy="0"/>
-          <a:chOff x="0" y="0"/>
-          <a:chExt cx="0" cy="0"/>
-        </a:xfrm>
-      </p:grpSpPr>
-      <p:sp>
-        <p:nvSpPr>
-          <p:cNvPr id="2" name="Title 1"/>
-          <p:cNvSpPr>
-            <a:spLocks noGrp="1"/>
-          </p:cNvSpPr>
-          <p:nvPr>
-            <p:ph type="title"/>
-          </p:nvPr>
-        </p:nvSpPr>
-        <p:spPr/>
-        <p:txBody>
-          <a:bodyPr/>
-          <a:lstStyle/>
-          <a:p>
-            <a:r>
-              <a:rPr lang="en-US" dirty="0"/>
-              <a:t>For Next Class</a:t>
-            </a:r>
-          </a:p>
-        </p:txBody>
-      </p:sp>
-      <p:sp>
-        <p:nvSpPr>
-          <p:cNvPr id="3" name="Content Placeholder 2"/>
-          <p:cNvSpPr>
-            <a:spLocks noGrp="1"/>
-          </p:cNvSpPr>
-          <p:nvPr>
-            <p:ph idx="1"/>
-          </p:nvPr>
-        </p:nvSpPr>
-        <p:spPr/>
-        <p:txBody>
-          <a:bodyPr>
-            <a:normAutofit/>
-          </a:bodyPr>
-          <a:lstStyle/>
-          <a:p>
-            <a:r>
-              <a:rPr lang="en-US" dirty="0"/>
-              <a:t>Solve the 2 Design Problems in the design problems homework (Part 1 only, not Parts 2 and 3)</a:t>
-            </a:r>
-          </a:p>
-          <a:p>
-            <a:pPr lvl="1"/>
-            <a:r>
-              <a:rPr lang="en-US" dirty="0"/>
-              <a:t>Bring your solution to be collected </a:t>
-            </a:r>
-            <a:r>
-              <a:rPr lang="en-US" b="1" dirty="0">
-                <a:solidFill>
-                  <a:srgbClr val="FF0000"/>
-                </a:solidFill>
-              </a:rPr>
-              <a:t>at the start of </a:t>
-            </a:r>
-            <a:r>
-              <a:rPr lang="en-US" dirty="0"/>
-              <a:t>next class</a:t>
-            </a:r>
-          </a:p>
-          <a:p>
-            <a:pPr lvl="1"/>
-            <a:r>
-              <a:rPr lang="en-US" dirty="0"/>
-              <a:t>We will go over the solution at the beginning of next class</a:t>
-            </a:r>
-          </a:p>
-          <a:p>
-            <a:pPr lvl="1"/>
-            <a:r>
-              <a:rPr lang="en-US" dirty="0"/>
-              <a:t>Anything turned in late will be worth zero points</a:t>
-            </a:r>
-          </a:p>
-          <a:p>
-            <a:pPr lvl="1"/>
-            <a:endParaRPr lang="en-US" dirty="0"/>
-          </a:p>
-          <a:p>
-            <a:pPr marL="0" indent="0">
-              <a:buNone/>
-            </a:pPr>
-            <a:endParaRPr lang="en-US" dirty="0"/>
-          </a:p>
-          <a:p>
-            <a:r>
-              <a:rPr lang="en-US" dirty="0"/>
-              <a:t>We’ll discuss more design principles next class</a:t>
-            </a:r>
-          </a:p>
-          <a:p>
-            <a:endParaRPr lang="en-US" dirty="0"/>
-          </a:p>
-          <a:p>
-            <a:endParaRPr lang="en-US" dirty="0"/>
-          </a:p>
-        </p:txBody>
-      </p:sp>
-    </p:spTree>
-    <p:extLst>
-      <p:ext uri="{BB962C8B-B14F-4D97-AF65-F5344CB8AC3E}">
-        <p14:creationId xmlns:p14="http://schemas.microsoft.com/office/powerpoint/2010/main" val="1893570158"/>
-      </p:ext>
-    </p:extLst>
-  </p:cSld>
-  <p:clrMapOvr>
-    <a:masterClrMapping/>
-  </p:clrMapOvr>
-</p:sld>
-</file>
-
-<file path=ppt/slides/slide26.xml><?xml version="1.0" encoding="utf-8"?>
-<p:sld xmlns:a="http://schemas.openxmlformats.org/drawingml/2006/main" xmlns:r="http://schemas.openxmlformats.org/officeDocument/2006/relationships" xmlns:p="http://schemas.openxmlformats.org/presentationml/2006/main">
-  <p:cSld>
-    <p:spTree>
-      <p:nvGrpSpPr>
-        <p:cNvPr id="1" name=""/>
-        <p:cNvGrpSpPr/>
-        <p:nvPr/>
-      </p:nvGrpSpPr>
-      <p:grpSpPr>
-        <a:xfrm>
-          <a:off x="0" y="0"/>
-          <a:ext cx="0" cy="0"/>
-          <a:chOff x="0" y="0"/>
-          <a:chExt cx="0" cy="0"/>
-        </a:xfrm>
-      </p:grpSpPr>
-      <p:sp>
-        <p:nvSpPr>
-          <p:cNvPr id="3" name="Title 2"/>
-          <p:cNvSpPr>
-            <a:spLocks noGrp="1"/>
-          </p:cNvSpPr>
-          <p:nvPr>
-            <p:ph type="title"/>
-          </p:nvPr>
-        </p:nvSpPr>
-        <p:spPr>
-          <a:xfrm>
-            <a:off x="457200" y="25256"/>
-            <a:ext cx="8229600" cy="1022148"/>
-          </a:xfrm>
-        </p:spPr>
-        <p:txBody>
-          <a:bodyPr/>
-          <a:lstStyle/>
-          <a:p>
-            <a:r>
-              <a:rPr lang="en-US" dirty="0"/>
-              <a:t>A problem (if we have time)</a:t>
-            </a:r>
-          </a:p>
-        </p:txBody>
-      </p:sp>
-      <p:sp>
-        <p:nvSpPr>
-          <p:cNvPr id="2" name="Content Placeholder 1"/>
-          <p:cNvSpPr>
-            <a:spLocks noGrp="1"/>
-          </p:cNvSpPr>
-          <p:nvPr>
-            <p:ph idx="1"/>
-          </p:nvPr>
-        </p:nvSpPr>
-        <p:spPr>
-          <a:xfrm>
-            <a:off x="457200" y="832745"/>
-            <a:ext cx="8229600" cy="5085917"/>
-          </a:xfrm>
-        </p:spPr>
-        <p:txBody>
-          <a:bodyPr>
-            <a:normAutofit lnSpcReduction="10000"/>
-          </a:bodyPr>
-          <a:lstStyle/>
-          <a:p>
-            <a:pPr marL="109537" indent="0">
-              <a:buNone/>
-            </a:pPr>
-            <a:r>
-              <a:rPr lang="en-US" sz="2400" dirty="0"/>
-              <a:t>A factory sells a small number of unique products.  Each product has an id code, a description, price and quantity (the amount currently available at the factory).  When a customer places an order, they buy a specific number of each product.  The order needs to be stored in the system for future reference, with the customer’s name and address.</a:t>
-            </a:r>
-          </a:p>
-          <a:p>
-            <a:pPr marL="109537" indent="0">
-              <a:buNone/>
-            </a:pPr>
-            <a:endParaRPr lang="en-US" sz="2400" dirty="0"/>
-          </a:p>
-          <a:p>
-            <a:pPr marL="109537" indent="0">
-              <a:buNone/>
-            </a:pPr>
-            <a:r>
-              <a:rPr lang="en-US" sz="2400" dirty="0"/>
-              <a:t>At some point, the order should ship to the customer, and that date should also be recorded.</a:t>
-            </a:r>
-          </a:p>
-          <a:p>
-            <a:pPr marL="109537" indent="0">
-              <a:buNone/>
-            </a:pPr>
-            <a:endParaRPr lang="en-US" sz="2400" dirty="0"/>
-          </a:p>
-          <a:p>
-            <a:pPr marL="109537" indent="0">
-              <a:buNone/>
-            </a:pPr>
-            <a:r>
-              <a:rPr lang="en-US" sz="2400" dirty="0"/>
-              <a:t>The main operation of the system is to add a new order and mark an order as shipped.</a:t>
-            </a:r>
-          </a:p>
-          <a:p>
-            <a:pPr marL="109537" indent="0">
-              <a:buNone/>
-            </a:pPr>
-            <a:r>
-              <a:rPr lang="en-US" sz="2400" b="1" dirty="0"/>
-              <a:t>In a group of 2-3, make with an object design for this system and document it in UML (on paper).</a:t>
-            </a:r>
-          </a:p>
-          <a:p>
-            <a:pPr marL="109537" indent="0">
-              <a:buNone/>
-            </a:pPr>
-            <a:endParaRPr lang="en-US" sz="2400" dirty="0"/>
-          </a:p>
-        </p:txBody>
-      </p:sp>
-    </p:spTree>
-    <p:extLst>
-      <p:ext uri="{BB962C8B-B14F-4D97-AF65-F5344CB8AC3E}">
-        <p14:creationId xmlns:p14="http://schemas.microsoft.com/office/powerpoint/2010/main" val="271842557"/>
-      </p:ext>
-    </p:extLst>
-  </p:cSld>
-  <p:clrMapOvr>
-    <a:masterClrMapping/>
-  </p:clrMapOvr>
-</p:sld>
-</file>
-
-<file path=ppt/slides/slide27.xml><?xml version="1.0" encoding="utf-8"?>
-<p:sld xmlns:a="http://schemas.openxmlformats.org/drawingml/2006/main" xmlns:r="http://schemas.openxmlformats.org/officeDocument/2006/relationships" xmlns:p="http://schemas.openxmlformats.org/presentationml/2006/main">
-  <p:cSld>
-    <p:spTree>
-      <p:nvGrpSpPr>
-        <p:cNvPr id="1" name=""/>
-        <p:cNvGrpSpPr/>
-        <p:nvPr/>
-      </p:nvGrpSpPr>
-      <p:grpSpPr>
-        <a:xfrm>
-          <a:off x="0" y="0"/>
-          <a:ext cx="0" cy="0"/>
-          <a:chOff x="0" y="0"/>
-          <a:chExt cx="0" cy="0"/>
-        </a:xfrm>
-      </p:grpSpPr>
-      <p:sp>
-        <p:nvSpPr>
-          <p:cNvPr id="3" name="Title 2"/>
-          <p:cNvSpPr>
-            <a:spLocks noGrp="1"/>
-          </p:cNvSpPr>
-          <p:nvPr>
-            <p:ph type="title"/>
-          </p:nvPr>
-        </p:nvSpPr>
-        <p:spPr>
-          <a:xfrm>
-            <a:off x="457200" y="25256"/>
-            <a:ext cx="8229600" cy="1022148"/>
-          </a:xfrm>
-        </p:spPr>
-        <p:txBody>
-          <a:bodyPr/>
-          <a:lstStyle/>
-          <a:p>
-            <a:r>
-              <a:rPr lang="en-US" dirty="0"/>
-              <a:t>A problem –revised</a:t>
-            </a:r>
-          </a:p>
-        </p:txBody>
-      </p:sp>
-      <p:sp>
-        <p:nvSpPr>
-          <p:cNvPr id="2" name="Content Placeholder 1"/>
-          <p:cNvSpPr>
-            <a:spLocks noGrp="1"/>
-          </p:cNvSpPr>
-          <p:nvPr>
-            <p:ph idx="1"/>
-          </p:nvPr>
-        </p:nvSpPr>
-        <p:spPr>
-          <a:xfrm>
-            <a:off x="457200" y="832745"/>
-            <a:ext cx="8229600" cy="5085917"/>
-          </a:xfrm>
-        </p:spPr>
-        <p:txBody>
-          <a:bodyPr/>
-          <a:lstStyle/>
-          <a:p>
-            <a:pPr marL="109537" indent="0">
-              <a:buNone/>
-            </a:pPr>
-            <a:r>
-              <a:rPr lang="en-US" sz="2400" dirty="0"/>
-              <a:t>Now orders can be partially shipped – i.e. a single order might take several shipments to complete.</a:t>
-            </a:r>
-          </a:p>
-          <a:p>
-            <a:pPr marL="109537" indent="0">
-              <a:buNone/>
-            </a:pPr>
-            <a:endParaRPr lang="en-US" sz="2400" dirty="0"/>
-          </a:p>
-          <a:p>
-            <a:pPr marL="109537" indent="0">
-              <a:buNone/>
-            </a:pPr>
-            <a:r>
-              <a:rPr lang="en-US" sz="2400" dirty="0"/>
-              <a:t>The main operation of the system is to add a new order and enter shipments for orders.</a:t>
-            </a:r>
-          </a:p>
-          <a:p>
-            <a:pPr marL="109537" indent="0">
-              <a:buNone/>
-            </a:pPr>
-            <a:endParaRPr lang="en-US" sz="2000" b="1" dirty="0"/>
-          </a:p>
-          <a:p>
-            <a:pPr marL="109537" indent="0">
-              <a:buNone/>
-            </a:pPr>
-            <a:r>
-              <a:rPr lang="en-US" sz="2800" b="1" dirty="0"/>
-              <a:t>In a group of 2-3, revise your design to accommodate this new issue.</a:t>
-            </a:r>
-          </a:p>
-          <a:p>
-            <a:pPr marL="109537" indent="0">
-              <a:buNone/>
-            </a:pPr>
-            <a:endParaRPr lang="en-US" sz="2400" dirty="0"/>
-          </a:p>
-        </p:txBody>
-      </p:sp>
-    </p:spTree>
-    <p:extLst>
-      <p:ext uri="{BB962C8B-B14F-4D97-AF65-F5344CB8AC3E}">
-        <p14:creationId xmlns:p14="http://schemas.microsoft.com/office/powerpoint/2010/main" val="3286282107"/>
-      </p:ext>
-    </p:extLst>
-  </p:cSld>
-  <p:clrMapOvr>
-    <a:masterClrMapping/>
-  </p:clrMapOvr>
-</p:sld>
-</file>
-
-<file path=ppt/slides/slide28.xml><?xml version="1.0" encoding="utf-8"?>
-<p:sld xmlns:a="http://schemas.openxmlformats.org/drawingml/2006/main" xmlns:r="http://schemas.openxmlformats.org/officeDocument/2006/relationships" xmlns:p="http://schemas.openxmlformats.org/presentationml/2006/main">
-  <p:cSld>
-    <p:spTree>
-      <p:nvGrpSpPr>
-        <p:cNvPr id="1" name=""/>
-        <p:cNvGrpSpPr/>
-        <p:nvPr/>
-      </p:nvGrpSpPr>
-      <p:grpSpPr>
-        <a:xfrm>
-          <a:off x="0" y="0"/>
-          <a:ext cx="0" cy="0"/>
-          <a:chOff x="0" y="0"/>
-          <a:chExt cx="0" cy="0"/>
-        </a:xfrm>
-      </p:grpSpPr>
-      <p:pic>
-        <p:nvPicPr>
-          <p:cNvPr id="1026" name="Picture 2" descr="PlantUML diagram"/>
-          <p:cNvPicPr>
-            <a:picLocks noChangeAspect="1" noChangeArrowheads="1"/>
-          </p:cNvPicPr>
-          <p:nvPr/>
-        </p:nvPicPr>
-        <p:blipFill>
-          <a:blip r:embed="rId3">
-            <a:extLst>
-              <a:ext uri="{28A0092B-C50C-407E-A947-70E740481C1C}">
-                <a14:useLocalDpi xmlns:a14="http://schemas.microsoft.com/office/drawing/2010/main" val="0"/>
-              </a:ext>
-            </a:extLst>
-          </a:blip>
-          <a:srcRect/>
-          <a:stretch>
-            <a:fillRect/>
-          </a:stretch>
-        </p:blipFill>
-        <p:spPr bwMode="auto">
-          <a:xfrm>
-            <a:off x="1632682" y="464282"/>
-            <a:ext cx="5664933" cy="6233097"/>
-          </a:xfrm>
-          <a:prstGeom prst="rect">
-            <a:avLst/>
-          </a:prstGeom>
-          <a:noFill/>
-          <a:extLst>
-            <a:ext uri="{909E8E84-426E-40DD-AFC4-6F175D3DCCD1}">
-              <a14:hiddenFill xmlns:a14="http://schemas.microsoft.com/office/drawing/2010/main">
-                <a:solidFill>
-                  <a:srgbClr val="FFFFFF"/>
-                </a:solidFill>
-              </a14:hiddenFill>
-            </a:ext>
-          </a:extLst>
-        </p:spPr>
-      </p:pic>
-    </p:spTree>
-    <p:extLst>
-      <p:ext uri="{BB962C8B-B14F-4D97-AF65-F5344CB8AC3E}">
-        <p14:creationId xmlns:p14="http://schemas.microsoft.com/office/powerpoint/2010/main" val="1363727725"/>
-      </p:ext>
-    </p:extLst>
-  </p:cSld>
-  <p:clrMapOvr>
-    <a:masterClrMapping/>
-  </p:clrMapOvr>
-</p:sld>
-</file>
-
-<file path=ppt/slides/slide3.xml><?xml version="1.0" encoding="utf-8"?>
-<p:sld xmlns:a="http://schemas.openxmlformats.org/drawingml/2006/main" xmlns:r="http://schemas.openxmlformats.org/officeDocument/2006/relationships" xmlns:p="http://schemas.openxmlformats.org/presentationml/2006/main">
-  <p:cSld>
-    <p:spTree>
-      <p:nvGrpSpPr>
-        <p:cNvPr id="1" name=""/>
-        <p:cNvGrpSpPr/>
-        <p:nvPr/>
-      </p:nvGrpSpPr>
-      <p:grpSpPr>
-        <a:xfrm>
-          <a:off x="0" y="0"/>
-          <a:ext cx="0" cy="0"/>
-          <a:chOff x="0" y="0"/>
-          <a:chExt cx="0" cy="0"/>
-        </a:xfrm>
-      </p:grpSpPr>
-      <p:sp>
-        <p:nvSpPr>
-          <p:cNvPr id="3" name="Title 2"/>
-          <p:cNvSpPr>
-            <a:spLocks noGrp="1"/>
-          </p:cNvSpPr>
-          <p:nvPr>
-            <p:ph type="title"/>
-          </p:nvPr>
-        </p:nvSpPr>
-        <p:spPr/>
-        <p:txBody>
-          <a:bodyPr/>
-          <a:lstStyle/>
-          <a:p>
-            <a:endParaRPr lang="en-US" dirty="0"/>
-          </a:p>
-        </p:txBody>
-      </p:sp>
-      <p:sp>
-        <p:nvSpPr>
-          <p:cNvPr id="2" name="Content Placeholder 1"/>
-          <p:cNvSpPr>
-            <a:spLocks noGrp="1"/>
-          </p:cNvSpPr>
-          <p:nvPr>
-            <p:ph idx="1"/>
-          </p:nvPr>
-        </p:nvSpPr>
-        <p:spPr/>
-        <p:txBody>
-          <a:bodyPr/>
-          <a:lstStyle/>
-          <a:p>
-            <a:pPr>
-              <a:buFont typeface="Arial" panose="020B0604020202020204" pitchFamily="34" charset="0"/>
-              <a:buChar char="•"/>
-            </a:pPr>
-            <a:r>
-              <a:rPr lang="en-US" dirty="0"/>
-              <a:t>So we propose designs, then iteratively refine them into something that might work</a:t>
-            </a:r>
-          </a:p>
-          <a:p>
-            <a:pPr lvl="1">
-              <a:buFont typeface="Arial" panose="020B0604020202020204" pitchFamily="34" charset="0"/>
-              <a:buChar char="•"/>
-            </a:pPr>
-            <a:r>
-              <a:rPr lang="en-US" dirty="0"/>
-              <a:t>Many bad ideas in the process</a:t>
-            </a:r>
-          </a:p>
-          <a:p>
-            <a:pPr lvl="1">
-              <a:buFont typeface="Arial" panose="020B0604020202020204" pitchFamily="34" charset="0"/>
-              <a:buChar char="•"/>
-            </a:pPr>
-            <a:r>
-              <a:rPr lang="en-US" dirty="0"/>
-              <a:t>We don’t want to go through the effort of implementing bad ideas in code</a:t>
-            </a:r>
-          </a:p>
-          <a:p>
-            <a:pPr lvl="1">
-              <a:buFont typeface="Arial" panose="020B0604020202020204" pitchFamily="34" charset="0"/>
-              <a:buChar char="•"/>
-            </a:pPr>
-            <a:r>
-              <a:rPr lang="en-US" dirty="0"/>
-              <a:t>But we need a way to communicate/think concretely about these half-baked program approaches</a:t>
-            </a:r>
-          </a:p>
-          <a:p>
-            <a:pPr>
-              <a:buFont typeface="Arial" panose="020B0604020202020204" pitchFamily="34" charset="0"/>
-              <a:buChar char="•"/>
-            </a:pPr>
-            <a:r>
-              <a:rPr lang="en-US" dirty="0"/>
-              <a:t>We need a diagram language!</a:t>
-            </a:r>
-          </a:p>
-          <a:p>
-            <a:endParaRPr lang="en-US" dirty="0"/>
-          </a:p>
-        </p:txBody>
-      </p:sp>
-    </p:spTree>
-    <p:extLst>
-      <p:ext uri="{BB962C8B-B14F-4D97-AF65-F5344CB8AC3E}">
-        <p14:creationId xmlns:p14="http://schemas.microsoft.com/office/powerpoint/2010/main" val="4263988934"/>
       </p:ext>
     </p:extLst>
   </p:cSld>
@@ -9223,7 +9871,7 @@
           <a:p>
             <a:r>
               <a:rPr lang="en-US" dirty="0"/>
-              <a:t>Arrows</a:t>
+              <a:t>Lines</a:t>
             </a:r>
           </a:p>
         </p:txBody>
@@ -10518,14 +11166,12 @@
           </a:xfrm>
         </p:spPr>
         <p:txBody>
-          <a:bodyPr>
-            <a:normAutofit/>
-          </a:bodyPr>
-          <a:lstStyle/>
-          <a:p>
-            <a:r>
-              <a:rPr lang="en-US" dirty="0"/>
-              <a:t>First do the class name and its fields</a:t>
+          <a:bodyPr/>
+          <a:lstStyle/>
+          <a:p>
+            <a:r>
+              <a:rPr lang="en-US" dirty="0"/>
+              <a:t>Try to make the classes and fields first!</a:t>
             </a:r>
           </a:p>
           <a:p>

--- a/ClassMaterials/SETechniques/Slides/SoftwareEngineeringTechniques.pptx
+++ b/ClassMaterials/SETechniques/Slides/SoftwareEngineeringTechniques.pptx
@@ -5,10 +5,10 @@
     <p:sldMasterId id="2147483672" r:id="rId1"/>
   </p:sldMasterIdLst>
   <p:notesMasterIdLst>
-    <p:notesMasterId r:id="rId42"/>
+    <p:notesMasterId r:id="rId48"/>
   </p:notesMasterIdLst>
   <p:handoutMasterIdLst>
-    <p:handoutMasterId r:id="rId43"/>
+    <p:handoutMasterId r:id="rId49"/>
   </p:handoutMasterIdLst>
   <p:sldIdLst>
     <p:sldId id="301" r:id="rId2"/>
@@ -26,31 +26,37 @@
     <p:sldId id="331" r:id="rId14"/>
     <p:sldId id="339" r:id="rId15"/>
     <p:sldId id="313" r:id="rId16"/>
-    <p:sldId id="314" r:id="rId17"/>
-    <p:sldId id="330" r:id="rId18"/>
-    <p:sldId id="340" r:id="rId19"/>
-    <p:sldId id="316" r:id="rId20"/>
-    <p:sldId id="341" r:id="rId21"/>
-    <p:sldId id="319" r:id="rId22"/>
-    <p:sldId id="349" r:id="rId23"/>
-    <p:sldId id="342" r:id="rId24"/>
-    <p:sldId id="343" r:id="rId25"/>
-    <p:sldId id="344" r:id="rId26"/>
-    <p:sldId id="335" r:id="rId27"/>
-    <p:sldId id="345" r:id="rId28"/>
-    <p:sldId id="350" r:id="rId29"/>
-    <p:sldId id="321" r:id="rId30"/>
-    <p:sldId id="346" r:id="rId31"/>
-    <p:sldId id="347" r:id="rId32"/>
-    <p:sldId id="348" r:id="rId33"/>
-    <p:sldId id="322" r:id="rId34"/>
-    <p:sldId id="329" r:id="rId35"/>
-    <p:sldId id="323" r:id="rId36"/>
-    <p:sldId id="327" r:id="rId37"/>
-    <p:sldId id="324" r:id="rId38"/>
-    <p:sldId id="328" r:id="rId39"/>
-    <p:sldId id="325" r:id="rId40"/>
-    <p:sldId id="326" r:id="rId41"/>
+    <p:sldId id="340" r:id="rId17"/>
+    <p:sldId id="316" r:id="rId18"/>
+    <p:sldId id="314" r:id="rId19"/>
+    <p:sldId id="330" r:id="rId20"/>
+    <p:sldId id="356" r:id="rId21"/>
+    <p:sldId id="341" r:id="rId22"/>
+    <p:sldId id="319" r:id="rId23"/>
+    <p:sldId id="349" r:id="rId24"/>
+    <p:sldId id="353" r:id="rId25"/>
+    <p:sldId id="342" r:id="rId26"/>
+    <p:sldId id="343" r:id="rId27"/>
+    <p:sldId id="344" r:id="rId28"/>
+    <p:sldId id="355" r:id="rId29"/>
+    <p:sldId id="357" r:id="rId30"/>
+    <p:sldId id="335" r:id="rId31"/>
+    <p:sldId id="345" r:id="rId32"/>
+    <p:sldId id="350" r:id="rId33"/>
+    <p:sldId id="321" r:id="rId34"/>
+    <p:sldId id="346" r:id="rId35"/>
+    <p:sldId id="347" r:id="rId36"/>
+    <p:sldId id="354" r:id="rId37"/>
+    <p:sldId id="348" r:id="rId38"/>
+    <p:sldId id="322" r:id="rId39"/>
+    <p:sldId id="351" r:id="rId40"/>
+    <p:sldId id="323" r:id="rId41"/>
+    <p:sldId id="327" r:id="rId42"/>
+    <p:sldId id="324" r:id="rId43"/>
+    <p:sldId id="328" r:id="rId44"/>
+    <p:sldId id="325" r:id="rId45"/>
+    <p:sldId id="326" r:id="rId46"/>
+    <p:sldId id="329" r:id="rId47"/>
   </p:sldIdLst>
   <p:sldSz cx="9144000" cy="6858000" type="screen4x3"/>
   <p:notesSz cx="6858000" cy="9144000"/>
@@ -173,6 +179,13 @@
   <p:cmAuthor id="1" name="Windows User" initials="WU" lastIdx="3" clrIdx="0">
     <p:extLst/>
   </p:cmAuthor>
+  <p:cmAuthor id="2" name="Yoder, Jason" initials="YJ" lastIdx="0" clrIdx="1">
+    <p:extLst>
+      <p:ext uri="{19B8F6BF-5375-455C-9EA6-DF929625EA0E}">
+        <p15:presenceInfo xmlns:p15="http://schemas.microsoft.com/office/powerpoint/2012/main" userId="S-1-5-21-1965730717-1486086910-2027319071-74547" providerId="AD"/>
+      </p:ext>
+    </p:extLst>
+  </p:cmAuthor>
 </p:cmAuthorLst>
 </file>
 
@@ -258,7 +271,7 @@
           <a:p>
             <a:fld id="{A470E182-4433-B944-AF35-723DFC7F8728}" type="datetimeFigureOut">
               <a:rPr lang="en-US" smtClean="0"/>
-              <a:t>9/13/2018</a:t>
+              <a:t>3/19/2020</a:t>
             </a:fld>
             <a:endParaRPr lang="en-US"/>
           </a:p>
@@ -423,7 +436,7 @@
           <a:p>
             <a:fld id="{C12EF212-CCF8-3B4F-9C5F-A87F03513D57}" type="datetimeFigureOut">
               <a:rPr lang="en-US" smtClean="0"/>
-              <a:t>9/13/2018</a:t>
+              <a:t>3/19/2020</a:t>
             </a:fld>
             <a:endParaRPr lang="en-US"/>
           </a:p>
@@ -837,15 +850,53 @@
           <a:bodyPr/>
           <a:lstStyle/>
           <a:p>
-            <a:r>
-              <a:rPr lang="en-US" dirty="0"/>
-              <a:t>Note for 1a – obviously you try to use nouns</a:t>
-            </a:r>
+            <a:endParaRPr lang="en-US" baseline="0" dirty="0">
+              <a:cs typeface="Calibri"/>
+            </a:endParaRPr>
+          </a:p>
+          <a:p>
+            <a:pPr marL="228600" indent="-228600">
+              <a:buAutoNum type="alphaUcPeriod"/>
+            </a:pPr>
             <a:r>
               <a:rPr lang="en-US" baseline="0" dirty="0"/>
-              <a:t> from the description.  But its not required</a:t>
-            </a:r>
-            <a:endParaRPr lang="en-US" dirty="0"/>
+              <a:t>There is no (sane) way to lookup a book to either lookup a book to add to a kid or print a report</a:t>
+            </a:r>
+          </a:p>
+          <a:p>
+            <a:pPr marL="228600" indent="-228600">
+              <a:buAutoNum type="alphaUcPeriod"/>
+            </a:pPr>
+            <a:r>
+              <a:rPr lang="en-US" dirty="0">
+                <a:cs typeface="Calibri"/>
+              </a:rPr>
+              <a:t>Duplication of data</a:t>
+            </a:r>
+          </a:p>
+          <a:p>
+            <a:pPr marL="228600" indent="-228600">
+              <a:buAutoNum type="alphaUcPeriod"/>
+            </a:pPr>
+            <a:endParaRPr lang="en-US" dirty="0" smtClean="0">
+              <a:cs typeface="Calibri"/>
+            </a:endParaRPr>
+          </a:p>
+          <a:p>
+            <a:pPr marL="228600" indent="-228600">
+              <a:buAutoNum type="alphaUcPeriod"/>
+            </a:pPr>
+            <a:endParaRPr lang="en-US" dirty="0" smtClean="0">
+              <a:cs typeface="Calibri"/>
+            </a:endParaRPr>
+          </a:p>
+          <a:p>
+            <a:pPr marL="228600" indent="-228600">
+              <a:buAutoNum type="alphaUcPeriod"/>
+            </a:pPr>
+            <a:endParaRPr lang="en-US" dirty="0">
+              <a:cs typeface="Calibri"/>
+            </a:endParaRPr>
           </a:p>
         </p:txBody>
       </p:sp>
@@ -866,7 +917,7 @@
           <a:p>
             <a:fld id="{1EC41D83-A85E-494A-A425-5657A5A18AE9}" type="slidenum">
               <a:rPr lang="en-US" smtClean="0"/>
-              <a:t>36</a:t>
+              <a:t>33</a:t>
             </a:fld>
             <a:endParaRPr lang="en-US"/>
           </a:p>
@@ -875,7 +926,7 @@
     </p:spTree>
     <p:extLst>
       <p:ext uri="{BB962C8B-B14F-4D97-AF65-F5344CB8AC3E}">
-        <p14:creationId xmlns:p14="http://schemas.microsoft.com/office/powerpoint/2010/main" val="2994267815"/>
+        <p14:creationId xmlns:p14="http://schemas.microsoft.com/office/powerpoint/2010/main" val="2724198602"/>
       </p:ext>
     </p:extLst>
   </p:cSld>
@@ -929,20 +980,6 @@
           <a:bodyPr/>
           <a:lstStyle/>
           <a:p>
-            <a:r>
-              <a:rPr lang="en-US" dirty="0"/>
-              <a:t>Since</a:t>
-            </a:r>
-            <a:r>
-              <a:rPr lang="en-US" baseline="0" dirty="0"/>
-              <a:t> UML is meant to be a simple way to communicate, we often omit simple methods like getters and setters.</a:t>
-            </a:r>
-          </a:p>
-          <a:p>
-            <a:r>
-              <a:rPr lang="en-US" baseline="0" dirty="0"/>
-              <a:t>If we want you to show all methods, we will tell you to do so</a:t>
-            </a:r>
             <a:endParaRPr lang="en-US" dirty="0"/>
           </a:p>
         </p:txBody>
@@ -964,7 +1001,637 @@
           <a:p>
             <a:fld id="{1EC41D83-A85E-494A-A425-5657A5A18AE9}" type="slidenum">
               <a:rPr lang="en-US" smtClean="0"/>
-              <a:t>40</a:t>
+              <a:t>34</a:t>
+            </a:fld>
+            <a:endParaRPr lang="en-US"/>
+          </a:p>
+        </p:txBody>
+      </p:sp>
+    </p:spTree>
+    <p:extLst>
+      <p:ext uri="{BB962C8B-B14F-4D97-AF65-F5344CB8AC3E}">
+        <p14:creationId xmlns:p14="http://schemas.microsoft.com/office/powerpoint/2010/main" val="1768399842"/>
+      </p:ext>
+    </p:extLst>
+  </p:cSld>
+  <p:clrMapOvr>
+    <a:masterClrMapping/>
+  </p:clrMapOvr>
+</p:notes>
+</file>
+
+<file path=ppt/notesSlides/notesSlide12.xml><?xml version="1.0" encoding="utf-8"?>
+<p:notes xmlns:a="http://schemas.openxmlformats.org/drawingml/2006/main" xmlns:r="http://schemas.openxmlformats.org/officeDocument/2006/relationships" xmlns:p="http://schemas.openxmlformats.org/presentationml/2006/main">
+  <p:cSld>
+    <p:spTree>
+      <p:nvGrpSpPr>
+        <p:cNvPr id="1" name=""/>
+        <p:cNvGrpSpPr/>
+        <p:nvPr/>
+      </p:nvGrpSpPr>
+      <p:grpSpPr>
+        <a:xfrm>
+          <a:off x="0" y="0"/>
+          <a:ext cx="0" cy="0"/>
+          <a:chOff x="0" y="0"/>
+          <a:chExt cx="0" cy="0"/>
+        </a:xfrm>
+      </p:grpSpPr>
+      <p:sp>
+        <p:nvSpPr>
+          <p:cNvPr id="2" name="Slide Image Placeholder 1"/>
+          <p:cNvSpPr>
+            <a:spLocks noGrp="1" noRot="1" noChangeAspect="1"/>
+          </p:cNvSpPr>
+          <p:nvPr>
+            <p:ph type="sldImg"/>
+          </p:nvPr>
+        </p:nvSpPr>
+        <p:spPr/>
+      </p:sp>
+      <p:sp>
+        <p:nvSpPr>
+          <p:cNvPr id="3" name="Notes Placeholder 2"/>
+          <p:cNvSpPr>
+            <a:spLocks noGrp="1"/>
+          </p:cNvSpPr>
+          <p:nvPr>
+            <p:ph type="body" idx="1"/>
+          </p:nvPr>
+        </p:nvSpPr>
+        <p:spPr/>
+        <p:txBody>
+          <a:bodyPr/>
+          <a:lstStyle/>
+          <a:p>
+            <a:r>
+              <a:rPr lang="en-US" dirty="0" smtClean="0"/>
+              <a:t>@</a:t>
+            </a:r>
+            <a:r>
+              <a:rPr lang="en-US" dirty="0" err="1" smtClean="0"/>
+              <a:t>startuml</a:t>
+            </a:r>
+            <a:endParaRPr lang="en-US" dirty="0" smtClean="0"/>
+          </a:p>
+          <a:p>
+            <a:r>
+              <a:rPr lang="en-US" dirty="0" err="1" smtClean="0"/>
+              <a:t>skinparam</a:t>
+            </a:r>
+            <a:r>
+              <a:rPr lang="en-US" dirty="0" smtClean="0"/>
+              <a:t> style </a:t>
+            </a:r>
+            <a:r>
+              <a:rPr lang="en-US" dirty="0" err="1" smtClean="0"/>
+              <a:t>strictuml</a:t>
+            </a:r>
+            <a:endParaRPr lang="en-US" dirty="0" smtClean="0"/>
+          </a:p>
+          <a:p>
+            <a:endParaRPr lang="en-US" dirty="0" smtClean="0"/>
+          </a:p>
+          <a:p>
+            <a:r>
+              <a:rPr lang="en-US" dirty="0" smtClean="0"/>
+              <a:t>class Book {</a:t>
+            </a:r>
+          </a:p>
+          <a:p>
+            <a:r>
+              <a:rPr lang="en-US" dirty="0" smtClean="0"/>
+              <a:t>   name</a:t>
+            </a:r>
+          </a:p>
+          <a:p>
+            <a:r>
+              <a:rPr lang="en-US" dirty="0" smtClean="0"/>
+              <a:t>   author</a:t>
+            </a:r>
+          </a:p>
+          <a:p>
+            <a:r>
+              <a:rPr lang="en-US" dirty="0" smtClean="0"/>
+              <a:t>   </a:t>
+            </a:r>
+            <a:r>
+              <a:rPr lang="en-US" dirty="0" err="1" smtClean="0"/>
+              <a:t>printReport</a:t>
+            </a:r>
+            <a:r>
+              <a:rPr lang="en-US" dirty="0" smtClean="0"/>
+              <a:t>()</a:t>
+            </a:r>
+          </a:p>
+          <a:p>
+            <a:r>
+              <a:rPr lang="en-US" dirty="0" smtClean="0"/>
+              <a:t>   </a:t>
+            </a:r>
+            <a:r>
+              <a:rPr lang="en-US" dirty="0" err="1" smtClean="0"/>
+              <a:t>addKid</a:t>
+            </a:r>
+            <a:r>
+              <a:rPr lang="en-US" dirty="0" smtClean="0"/>
+              <a:t>(kid)</a:t>
+            </a:r>
+          </a:p>
+          <a:p>
+            <a:r>
+              <a:rPr lang="en-US" dirty="0" smtClean="0"/>
+              <a:t>}</a:t>
+            </a:r>
+          </a:p>
+          <a:p>
+            <a:r>
+              <a:rPr lang="en-US" dirty="0" smtClean="0"/>
+              <a:t>class Kid {</a:t>
+            </a:r>
+          </a:p>
+          <a:p>
+            <a:r>
+              <a:rPr lang="en-US" dirty="0" smtClean="0"/>
+              <a:t>   name</a:t>
+            </a:r>
+          </a:p>
+          <a:p>
+            <a:r>
+              <a:rPr lang="en-US" dirty="0" smtClean="0"/>
+              <a:t>   </a:t>
+            </a:r>
+            <a:r>
+              <a:rPr lang="en-US" dirty="0" err="1" smtClean="0"/>
+              <a:t>gradeLevel</a:t>
+            </a:r>
+            <a:endParaRPr lang="en-US" dirty="0" smtClean="0"/>
+          </a:p>
+          <a:p>
+            <a:r>
+              <a:rPr lang="en-US" dirty="0" smtClean="0"/>
+              <a:t>   </a:t>
+            </a:r>
+            <a:r>
+              <a:rPr lang="en-US" dirty="0" err="1" smtClean="0"/>
+              <a:t>printReport</a:t>
+            </a:r>
+            <a:r>
+              <a:rPr lang="en-US" dirty="0" smtClean="0"/>
+              <a:t>()</a:t>
+            </a:r>
+          </a:p>
+          <a:p>
+            <a:r>
+              <a:rPr lang="en-US" dirty="0" smtClean="0"/>
+              <a:t>   </a:t>
+            </a:r>
+            <a:r>
+              <a:rPr lang="en-US" dirty="0" err="1" smtClean="0"/>
+              <a:t>addBook</a:t>
+            </a:r>
+            <a:r>
+              <a:rPr lang="en-US" dirty="0" smtClean="0"/>
+              <a:t>(book)</a:t>
+            </a:r>
+          </a:p>
+          <a:p>
+            <a:r>
+              <a:rPr lang="en-US" dirty="0" smtClean="0"/>
+              <a:t>}</a:t>
+            </a:r>
+          </a:p>
+          <a:p>
+            <a:endParaRPr lang="en-US" dirty="0" smtClean="0"/>
+          </a:p>
+          <a:p>
+            <a:r>
+              <a:rPr lang="en-US" dirty="0" smtClean="0"/>
+              <a:t>class </a:t>
+            </a:r>
+            <a:r>
+              <a:rPr lang="en-US" dirty="0" err="1" smtClean="0"/>
+              <a:t>BookMain</a:t>
+            </a:r>
+            <a:r>
+              <a:rPr lang="en-US" dirty="0" smtClean="0"/>
+              <a:t> {</a:t>
+            </a:r>
+          </a:p>
+          <a:p>
+            <a:r>
+              <a:rPr lang="en-US" dirty="0" smtClean="0"/>
+              <a:t>   </a:t>
+            </a:r>
+            <a:r>
+              <a:rPr lang="en-US" dirty="0" err="1" smtClean="0"/>
+              <a:t>handleNewReading</a:t>
+            </a:r>
+            <a:r>
+              <a:rPr lang="en-US" dirty="0" smtClean="0"/>
+              <a:t>(</a:t>
+            </a:r>
+            <a:r>
+              <a:rPr lang="en-US" dirty="0" err="1" smtClean="0"/>
+              <a:t>bookname,kidname</a:t>
+            </a:r>
+            <a:r>
+              <a:rPr lang="en-US" dirty="0" smtClean="0"/>
+              <a:t>)</a:t>
+            </a:r>
+          </a:p>
+          <a:p>
+            <a:r>
+              <a:rPr lang="en-US" dirty="0" smtClean="0"/>
+              <a:t>   </a:t>
+            </a:r>
+            <a:r>
+              <a:rPr lang="en-US" dirty="0" err="1" smtClean="0"/>
+              <a:t>printReportForBook</a:t>
+            </a:r>
+            <a:r>
+              <a:rPr lang="en-US" dirty="0" smtClean="0"/>
+              <a:t>(</a:t>
+            </a:r>
+            <a:r>
+              <a:rPr lang="en-US" dirty="0" err="1" smtClean="0"/>
+              <a:t>bookname</a:t>
+            </a:r>
+            <a:r>
+              <a:rPr lang="en-US" dirty="0" smtClean="0"/>
+              <a:t>)</a:t>
+            </a:r>
+          </a:p>
+          <a:p>
+            <a:r>
+              <a:rPr lang="en-US" dirty="0" smtClean="0"/>
+              <a:t>   </a:t>
+            </a:r>
+            <a:r>
+              <a:rPr lang="en-US" dirty="0" err="1" smtClean="0"/>
+              <a:t>printReportForKid</a:t>
+            </a:r>
+            <a:r>
+              <a:rPr lang="en-US" dirty="0" smtClean="0"/>
+              <a:t>(</a:t>
+            </a:r>
+            <a:r>
+              <a:rPr lang="en-US" dirty="0" err="1" smtClean="0"/>
+              <a:t>kidname</a:t>
+            </a:r>
+            <a:r>
+              <a:rPr lang="en-US" dirty="0" smtClean="0"/>
+              <a:t>)</a:t>
+            </a:r>
+          </a:p>
+          <a:p>
+            <a:r>
+              <a:rPr lang="en-US" dirty="0" smtClean="0"/>
+              <a:t>}</a:t>
+            </a:r>
+          </a:p>
+          <a:p>
+            <a:r>
+              <a:rPr lang="en-US" dirty="0" smtClean="0"/>
+              <a:t>Kid "*" &lt;-&gt; "*" Book</a:t>
+            </a:r>
+          </a:p>
+          <a:p>
+            <a:r>
+              <a:rPr lang="en-US" dirty="0" err="1" smtClean="0"/>
+              <a:t>BookMain</a:t>
+            </a:r>
+            <a:r>
+              <a:rPr lang="en-US" dirty="0" smtClean="0"/>
+              <a:t> -&gt; "*" Book</a:t>
+            </a:r>
+          </a:p>
+          <a:p>
+            <a:r>
+              <a:rPr lang="en-US" dirty="0" err="1" smtClean="0"/>
+              <a:t>BookMain</a:t>
+            </a:r>
+            <a:r>
+              <a:rPr lang="en-US" dirty="0" smtClean="0"/>
+              <a:t> -&gt; "*" Kid</a:t>
+            </a:r>
+          </a:p>
+          <a:p>
+            <a:r>
+              <a:rPr lang="en-US" dirty="0" smtClean="0"/>
+              <a:t>@</a:t>
+            </a:r>
+            <a:r>
+              <a:rPr lang="en-US" dirty="0" err="1" smtClean="0"/>
+              <a:t>enduml</a:t>
+            </a:r>
+            <a:endParaRPr lang="en-US" dirty="0" smtClean="0"/>
+          </a:p>
+          <a:p>
+            <a:endParaRPr lang="en-US" dirty="0"/>
+          </a:p>
+        </p:txBody>
+      </p:sp>
+      <p:sp>
+        <p:nvSpPr>
+          <p:cNvPr id="4" name="Slide Number Placeholder 3"/>
+          <p:cNvSpPr>
+            <a:spLocks noGrp="1"/>
+          </p:cNvSpPr>
+          <p:nvPr>
+            <p:ph type="sldNum" sz="quarter" idx="10"/>
+          </p:nvPr>
+        </p:nvSpPr>
+        <p:spPr/>
+        <p:txBody>
+          <a:bodyPr/>
+          <a:lstStyle/>
+          <a:p>
+            <a:fld id="{1EC41D83-A85E-494A-A425-5657A5A18AE9}" type="slidenum">
+              <a:rPr lang="en-US" smtClean="0"/>
+              <a:t>35</a:t>
+            </a:fld>
+            <a:endParaRPr lang="en-US"/>
+          </a:p>
+        </p:txBody>
+      </p:sp>
+    </p:spTree>
+    <p:extLst>
+      <p:ext uri="{BB962C8B-B14F-4D97-AF65-F5344CB8AC3E}">
+        <p14:creationId xmlns:p14="http://schemas.microsoft.com/office/powerpoint/2010/main" val="1436180770"/>
+      </p:ext>
+    </p:extLst>
+  </p:cSld>
+  <p:clrMapOvr>
+    <a:masterClrMapping/>
+  </p:clrMapOvr>
+</p:notes>
+</file>
+
+<file path=ppt/notesSlides/notesSlide13.xml><?xml version="1.0" encoding="utf-8"?>
+<p:notes xmlns:a="http://schemas.openxmlformats.org/drawingml/2006/main" xmlns:r="http://schemas.openxmlformats.org/officeDocument/2006/relationships" xmlns:p="http://schemas.openxmlformats.org/presentationml/2006/main">
+  <p:cSld>
+    <p:spTree>
+      <p:nvGrpSpPr>
+        <p:cNvPr id="1" name=""/>
+        <p:cNvGrpSpPr/>
+        <p:nvPr/>
+      </p:nvGrpSpPr>
+      <p:grpSpPr>
+        <a:xfrm>
+          <a:off x="0" y="0"/>
+          <a:ext cx="0" cy="0"/>
+          <a:chOff x="0" y="0"/>
+          <a:chExt cx="0" cy="0"/>
+        </a:xfrm>
+      </p:grpSpPr>
+      <p:sp>
+        <p:nvSpPr>
+          <p:cNvPr id="2" name="Slide Image Placeholder 1"/>
+          <p:cNvSpPr>
+            <a:spLocks noGrp="1" noRot="1" noChangeAspect="1"/>
+          </p:cNvSpPr>
+          <p:nvPr>
+            <p:ph type="sldImg"/>
+          </p:nvPr>
+        </p:nvSpPr>
+        <p:spPr/>
+      </p:sp>
+      <p:sp>
+        <p:nvSpPr>
+          <p:cNvPr id="3" name="Notes Placeholder 2"/>
+          <p:cNvSpPr>
+            <a:spLocks noGrp="1"/>
+          </p:cNvSpPr>
+          <p:nvPr>
+            <p:ph type="body" idx="1"/>
+          </p:nvPr>
+        </p:nvSpPr>
+        <p:spPr/>
+        <p:txBody>
+          <a:bodyPr/>
+          <a:lstStyle/>
+          <a:p>
+            <a:r>
+              <a:rPr lang="en-US" dirty="0"/>
+              <a:t>Briefly</a:t>
+            </a:r>
+            <a:r>
+              <a:rPr lang="en-US" baseline="0" dirty="0"/>
+              <a:t> show the website description and how points are awarded, especially making note of the reflection questions and sample output.</a:t>
+            </a:r>
+            <a:endParaRPr lang="en-US" dirty="0"/>
+          </a:p>
+        </p:txBody>
+      </p:sp>
+      <p:sp>
+        <p:nvSpPr>
+          <p:cNvPr id="4" name="Slide Number Placeholder 3"/>
+          <p:cNvSpPr>
+            <a:spLocks noGrp="1"/>
+          </p:cNvSpPr>
+          <p:nvPr>
+            <p:ph type="sldNum" sz="quarter" idx="10"/>
+          </p:nvPr>
+        </p:nvSpPr>
+        <p:spPr/>
+        <p:txBody>
+          <a:bodyPr/>
+          <a:lstStyle/>
+          <a:p>
+            <a:fld id="{1EC41D83-A85E-494A-A425-5657A5A18AE9}" type="slidenum">
+              <a:rPr lang="en-US" smtClean="0"/>
+              <a:t>39</a:t>
+            </a:fld>
+            <a:endParaRPr lang="en-US"/>
+          </a:p>
+        </p:txBody>
+      </p:sp>
+    </p:spTree>
+    <p:extLst>
+      <p:ext uri="{BB962C8B-B14F-4D97-AF65-F5344CB8AC3E}">
+        <p14:creationId xmlns:p14="http://schemas.microsoft.com/office/powerpoint/2010/main" val="1336266511"/>
+      </p:ext>
+    </p:extLst>
+  </p:cSld>
+  <p:clrMapOvr>
+    <a:masterClrMapping/>
+  </p:clrMapOvr>
+</p:notes>
+</file>
+
+<file path=ppt/notesSlides/notesSlide14.xml><?xml version="1.0" encoding="utf-8"?>
+<p:notes xmlns:a="http://schemas.openxmlformats.org/drawingml/2006/main" xmlns:r="http://schemas.openxmlformats.org/officeDocument/2006/relationships" xmlns:p="http://schemas.openxmlformats.org/presentationml/2006/main">
+  <p:cSld>
+    <p:spTree>
+      <p:nvGrpSpPr>
+        <p:cNvPr id="1" name=""/>
+        <p:cNvGrpSpPr/>
+        <p:nvPr/>
+      </p:nvGrpSpPr>
+      <p:grpSpPr>
+        <a:xfrm>
+          <a:off x="0" y="0"/>
+          <a:ext cx="0" cy="0"/>
+          <a:chOff x="0" y="0"/>
+          <a:chExt cx="0" cy="0"/>
+        </a:xfrm>
+      </p:grpSpPr>
+      <p:sp>
+        <p:nvSpPr>
+          <p:cNvPr id="2" name="Slide Image Placeholder 1"/>
+          <p:cNvSpPr>
+            <a:spLocks noGrp="1" noRot="1" noChangeAspect="1"/>
+          </p:cNvSpPr>
+          <p:nvPr>
+            <p:ph type="sldImg"/>
+          </p:nvPr>
+        </p:nvSpPr>
+        <p:spPr/>
+      </p:sp>
+      <p:sp>
+        <p:nvSpPr>
+          <p:cNvPr id="3" name="Notes Placeholder 2"/>
+          <p:cNvSpPr>
+            <a:spLocks noGrp="1"/>
+          </p:cNvSpPr>
+          <p:nvPr>
+            <p:ph type="body" idx="1"/>
+          </p:nvPr>
+        </p:nvSpPr>
+        <p:spPr/>
+        <p:txBody>
+          <a:bodyPr/>
+          <a:lstStyle/>
+          <a:p>
+            <a:r>
+              <a:rPr lang="en-US" dirty="0"/>
+              <a:t>Note for 1a – obviously you try to use nouns</a:t>
+            </a:r>
+            <a:r>
+              <a:rPr lang="en-US" baseline="0" dirty="0"/>
+              <a:t> from the description.  But its not required</a:t>
+            </a:r>
+            <a:endParaRPr lang="en-US" dirty="0"/>
+          </a:p>
+        </p:txBody>
+      </p:sp>
+      <p:sp>
+        <p:nvSpPr>
+          <p:cNvPr id="4" name="Slide Number Placeholder 3"/>
+          <p:cNvSpPr>
+            <a:spLocks noGrp="1"/>
+          </p:cNvSpPr>
+          <p:nvPr>
+            <p:ph type="sldNum" sz="quarter" idx="10"/>
+          </p:nvPr>
+        </p:nvSpPr>
+        <p:spPr/>
+        <p:txBody>
+          <a:bodyPr/>
+          <a:lstStyle/>
+          <a:p>
+            <a:fld id="{1EC41D83-A85E-494A-A425-5657A5A18AE9}" type="slidenum">
+              <a:rPr lang="en-US" smtClean="0"/>
+              <a:t>41</a:t>
+            </a:fld>
+            <a:endParaRPr lang="en-US"/>
+          </a:p>
+        </p:txBody>
+      </p:sp>
+    </p:spTree>
+    <p:extLst>
+      <p:ext uri="{BB962C8B-B14F-4D97-AF65-F5344CB8AC3E}">
+        <p14:creationId xmlns:p14="http://schemas.microsoft.com/office/powerpoint/2010/main" val="2994267815"/>
+      </p:ext>
+    </p:extLst>
+  </p:cSld>
+  <p:clrMapOvr>
+    <a:masterClrMapping/>
+  </p:clrMapOvr>
+</p:notes>
+</file>
+
+<file path=ppt/notesSlides/notesSlide15.xml><?xml version="1.0" encoding="utf-8"?>
+<p:notes xmlns:a="http://schemas.openxmlformats.org/drawingml/2006/main" xmlns:r="http://schemas.openxmlformats.org/officeDocument/2006/relationships" xmlns:p="http://schemas.openxmlformats.org/presentationml/2006/main">
+  <p:cSld>
+    <p:spTree>
+      <p:nvGrpSpPr>
+        <p:cNvPr id="1" name=""/>
+        <p:cNvGrpSpPr/>
+        <p:nvPr/>
+      </p:nvGrpSpPr>
+      <p:grpSpPr>
+        <a:xfrm>
+          <a:off x="0" y="0"/>
+          <a:ext cx="0" cy="0"/>
+          <a:chOff x="0" y="0"/>
+          <a:chExt cx="0" cy="0"/>
+        </a:xfrm>
+      </p:grpSpPr>
+      <p:sp>
+        <p:nvSpPr>
+          <p:cNvPr id="2" name="Slide Image Placeholder 1"/>
+          <p:cNvSpPr>
+            <a:spLocks noGrp="1" noRot="1" noChangeAspect="1"/>
+          </p:cNvSpPr>
+          <p:nvPr>
+            <p:ph type="sldImg"/>
+          </p:nvPr>
+        </p:nvSpPr>
+        <p:spPr/>
+      </p:sp>
+      <p:sp>
+        <p:nvSpPr>
+          <p:cNvPr id="3" name="Notes Placeholder 2"/>
+          <p:cNvSpPr>
+            <a:spLocks noGrp="1"/>
+          </p:cNvSpPr>
+          <p:nvPr>
+            <p:ph type="body" idx="1"/>
+          </p:nvPr>
+        </p:nvSpPr>
+        <p:spPr/>
+        <p:txBody>
+          <a:bodyPr/>
+          <a:lstStyle/>
+          <a:p>
+            <a:r>
+              <a:rPr lang="en-US" dirty="0"/>
+              <a:t>Since</a:t>
+            </a:r>
+            <a:r>
+              <a:rPr lang="en-US" baseline="0" dirty="0"/>
+              <a:t> UML is meant to be a simple way to communicate, we often omit simple methods like getters and setters.</a:t>
+            </a:r>
+          </a:p>
+          <a:p>
+            <a:r>
+              <a:rPr lang="en-US" baseline="0" dirty="0"/>
+              <a:t>If we want you to show all methods, we will tell you to do so</a:t>
+            </a:r>
+            <a:endParaRPr lang="en-US" dirty="0"/>
+          </a:p>
+        </p:txBody>
+      </p:sp>
+      <p:sp>
+        <p:nvSpPr>
+          <p:cNvPr id="4" name="Slide Number Placeholder 3"/>
+          <p:cNvSpPr>
+            <a:spLocks noGrp="1"/>
+          </p:cNvSpPr>
+          <p:nvPr>
+            <p:ph type="sldNum" sz="quarter" idx="10"/>
+          </p:nvPr>
+        </p:nvSpPr>
+        <p:spPr/>
+        <p:txBody>
+          <a:bodyPr/>
+          <a:lstStyle/>
+          <a:p>
+            <a:fld id="{1EC41D83-A85E-494A-A425-5657A5A18AE9}" type="slidenum">
+              <a:rPr lang="en-US" smtClean="0"/>
+              <a:t>45</a:t>
             </a:fld>
             <a:endParaRPr lang="en-US"/>
           </a:p>
@@ -974,6 +1641,98 @@
     <p:extLst>
       <p:ext uri="{BB962C8B-B14F-4D97-AF65-F5344CB8AC3E}">
         <p14:creationId xmlns:p14="http://schemas.microsoft.com/office/powerpoint/2010/main" val="918222476"/>
+      </p:ext>
+    </p:extLst>
+  </p:cSld>
+  <p:clrMapOvr>
+    <a:masterClrMapping/>
+  </p:clrMapOvr>
+</p:notes>
+</file>
+
+<file path=ppt/notesSlides/notesSlide16.xml><?xml version="1.0" encoding="utf-8"?>
+<p:notes xmlns:a="http://schemas.openxmlformats.org/drawingml/2006/main" xmlns:r="http://schemas.openxmlformats.org/officeDocument/2006/relationships" xmlns:p="http://schemas.openxmlformats.org/presentationml/2006/main">
+  <p:cSld>
+    <p:spTree>
+      <p:nvGrpSpPr>
+        <p:cNvPr id="1" name=""/>
+        <p:cNvGrpSpPr/>
+        <p:nvPr/>
+      </p:nvGrpSpPr>
+      <p:grpSpPr>
+        <a:xfrm>
+          <a:off x="0" y="0"/>
+          <a:ext cx="0" cy="0"/>
+          <a:chOff x="0" y="0"/>
+          <a:chExt cx="0" cy="0"/>
+        </a:xfrm>
+      </p:grpSpPr>
+      <p:sp>
+        <p:nvSpPr>
+          <p:cNvPr id="2" name="Slide Image Placeholder 1"/>
+          <p:cNvSpPr>
+            <a:spLocks noGrp="1" noRot="1" noChangeAspect="1"/>
+          </p:cNvSpPr>
+          <p:nvPr>
+            <p:ph type="sldImg"/>
+          </p:nvPr>
+        </p:nvSpPr>
+        <p:spPr/>
+      </p:sp>
+      <p:sp>
+        <p:nvSpPr>
+          <p:cNvPr id="3" name="Notes Placeholder 2"/>
+          <p:cNvSpPr>
+            <a:spLocks noGrp="1"/>
+          </p:cNvSpPr>
+          <p:nvPr>
+            <p:ph type="body" idx="1"/>
+          </p:nvPr>
+        </p:nvSpPr>
+        <p:spPr/>
+        <p:txBody>
+          <a:bodyPr/>
+          <a:lstStyle/>
+          <a:p>
+            <a:r>
+              <a:rPr lang="en-US" dirty="0"/>
+              <a:t>Briefly</a:t>
+            </a:r>
+            <a:r>
+              <a:rPr lang="en-US" baseline="0" dirty="0"/>
+              <a:t> show the website description and how points are awarded, especially making note of the reflection questions and sample output.</a:t>
+            </a:r>
+            <a:endParaRPr lang="en-US" dirty="0"/>
+          </a:p>
+        </p:txBody>
+      </p:sp>
+      <p:sp>
+        <p:nvSpPr>
+          <p:cNvPr id="4" name="Slide Number Placeholder 3"/>
+          <p:cNvSpPr>
+            <a:spLocks noGrp="1"/>
+          </p:cNvSpPr>
+          <p:nvPr>
+            <p:ph type="sldNum" sz="quarter" idx="10"/>
+          </p:nvPr>
+        </p:nvSpPr>
+        <p:spPr/>
+        <p:txBody>
+          <a:bodyPr/>
+          <a:lstStyle/>
+          <a:p>
+            <a:fld id="{1EC41D83-A85E-494A-A425-5657A5A18AE9}" type="slidenum">
+              <a:rPr lang="en-US" smtClean="0"/>
+              <a:t>46</a:t>
+            </a:fld>
+            <a:endParaRPr lang="en-US"/>
+          </a:p>
+        </p:txBody>
+      </p:sp>
+    </p:spTree>
+    <p:extLst>
+      <p:ext uri="{BB962C8B-B14F-4D97-AF65-F5344CB8AC3E}">
+        <p14:creationId xmlns:p14="http://schemas.microsoft.com/office/powerpoint/2010/main" val="3485115224"/>
       </p:ext>
     </p:extLst>
   </p:cSld>
@@ -1509,7 +2268,7 @@
     </p:spTree>
     <p:extLst>
       <p:ext uri="{BB962C8B-B14F-4D97-AF65-F5344CB8AC3E}">
-        <p14:creationId xmlns:p14="http://schemas.microsoft.com/office/powerpoint/2010/main" val="1780193826"/>
+        <p14:creationId xmlns:p14="http://schemas.microsoft.com/office/powerpoint/2010/main" val="3951031710"/>
       </p:ext>
     </p:extLst>
   </p:cSld>
@@ -1601,7 +2360,7 @@
     </p:spTree>
     <p:extLst>
       <p:ext uri="{BB962C8B-B14F-4D97-AF65-F5344CB8AC3E}">
-        <p14:creationId xmlns:p14="http://schemas.microsoft.com/office/powerpoint/2010/main" val="3951031710"/>
+        <p14:creationId xmlns:p14="http://schemas.microsoft.com/office/powerpoint/2010/main" val="1780193826"/>
       </p:ext>
     </p:extLst>
   </p:cSld>
@@ -1655,267 +2414,6 @@
           <a:bodyPr/>
           <a:lstStyle/>
           <a:p>
-            <a:r>
-              <a:rPr lang="en-US" dirty="0"/>
-              <a:t>@</a:t>
-            </a:r>
-            <a:r>
-              <a:rPr lang="en-US" dirty="0" err="1"/>
-              <a:t>startuml</a:t>
-            </a:r>
-            <a:endParaRPr lang="en-US" dirty="0"/>
-          </a:p>
-          <a:p>
-            <a:r>
-              <a:rPr lang="en-US" dirty="0" err="1"/>
-              <a:t>skinparam</a:t>
-            </a:r>
-            <a:r>
-              <a:rPr lang="en-US" dirty="0"/>
-              <a:t> style </a:t>
-            </a:r>
-            <a:r>
-              <a:rPr lang="en-US" dirty="0" err="1"/>
-              <a:t>strictuml</a:t>
-            </a:r>
-            <a:endParaRPr lang="en-US" dirty="0"/>
-          </a:p>
-          <a:p>
-            <a:endParaRPr lang="en-US" dirty="0"/>
-          </a:p>
-          <a:p>
-            <a:r>
-              <a:rPr lang="en-US" dirty="0"/>
-              <a:t>class Book {</a:t>
-            </a:r>
-          </a:p>
-          <a:p>
-            <a:r>
-              <a:rPr lang="en-US" dirty="0"/>
-              <a:t>   name</a:t>
-            </a:r>
-          </a:p>
-          <a:p>
-            <a:r>
-              <a:rPr lang="en-US" dirty="0"/>
-              <a:t>   author</a:t>
-            </a:r>
-          </a:p>
-          <a:p>
-            <a:r>
-              <a:rPr lang="en-US" dirty="0"/>
-              <a:t>   </a:t>
-            </a:r>
-            <a:r>
-              <a:rPr lang="en-US" dirty="0" err="1"/>
-              <a:t>printReport</a:t>
-            </a:r>
-            <a:r>
-              <a:rPr lang="en-US" dirty="0"/>
-              <a:t>()</a:t>
-            </a:r>
-          </a:p>
-          <a:p>
-            <a:r>
-              <a:rPr lang="en-US" dirty="0"/>
-              <a:t>   </a:t>
-            </a:r>
-            <a:r>
-              <a:rPr lang="en-US" dirty="0" err="1"/>
-              <a:t>addKid</a:t>
-            </a:r>
-            <a:r>
-              <a:rPr lang="en-US" dirty="0"/>
-              <a:t>(kid)</a:t>
-            </a:r>
-          </a:p>
-          <a:p>
-            <a:r>
-              <a:rPr lang="en-US" dirty="0"/>
-              <a:t>}</a:t>
-            </a:r>
-          </a:p>
-          <a:p>
-            <a:r>
-              <a:rPr lang="en-US" dirty="0"/>
-              <a:t>class Kid {</a:t>
-            </a:r>
-          </a:p>
-          <a:p>
-            <a:r>
-              <a:rPr lang="en-US" dirty="0"/>
-              <a:t>   name</a:t>
-            </a:r>
-          </a:p>
-          <a:p>
-            <a:r>
-              <a:rPr lang="en-US" dirty="0"/>
-              <a:t>   </a:t>
-            </a:r>
-            <a:r>
-              <a:rPr lang="en-US" dirty="0" err="1"/>
-              <a:t>gradeLevel</a:t>
-            </a:r>
-            <a:endParaRPr lang="en-US" dirty="0"/>
-          </a:p>
-          <a:p>
-            <a:r>
-              <a:rPr lang="en-US" dirty="0"/>
-              <a:t>   </a:t>
-            </a:r>
-            <a:r>
-              <a:rPr lang="en-US" dirty="0" err="1"/>
-              <a:t>printReport</a:t>
-            </a:r>
-            <a:r>
-              <a:rPr lang="en-US" dirty="0"/>
-              <a:t>()</a:t>
-            </a:r>
-          </a:p>
-          <a:p>
-            <a:r>
-              <a:rPr lang="en-US" dirty="0"/>
-              <a:t>   </a:t>
-            </a:r>
-            <a:r>
-              <a:rPr lang="en-US" dirty="0" err="1"/>
-              <a:t>addBook</a:t>
-            </a:r>
-            <a:r>
-              <a:rPr lang="en-US" dirty="0"/>
-              <a:t>(book)</a:t>
-            </a:r>
-          </a:p>
-          <a:p>
-            <a:r>
-              <a:rPr lang="en-US" dirty="0"/>
-              <a:t>}</a:t>
-            </a:r>
-          </a:p>
-          <a:p>
-            <a:endParaRPr lang="en-US" dirty="0"/>
-          </a:p>
-          <a:p>
-            <a:r>
-              <a:rPr lang="en-US" dirty="0"/>
-              <a:t>class </a:t>
-            </a:r>
-            <a:r>
-              <a:rPr lang="en-US" dirty="0" err="1"/>
-              <a:t>BookMain</a:t>
-            </a:r>
-            <a:r>
-              <a:rPr lang="en-US" dirty="0"/>
-              <a:t> {</a:t>
-            </a:r>
-          </a:p>
-          <a:p>
-            <a:r>
-              <a:rPr lang="en-US" dirty="0"/>
-              <a:t>   </a:t>
-            </a:r>
-            <a:r>
-              <a:rPr lang="en-US" dirty="0" err="1"/>
-              <a:t>handleNewReading</a:t>
-            </a:r>
-            <a:r>
-              <a:rPr lang="en-US" dirty="0"/>
-              <a:t>(</a:t>
-            </a:r>
-            <a:r>
-              <a:rPr lang="en-US" dirty="0" err="1"/>
-              <a:t>bookname,kidname</a:t>
-            </a:r>
-            <a:r>
-              <a:rPr lang="en-US" dirty="0"/>
-              <a:t>)</a:t>
-            </a:r>
-          </a:p>
-          <a:p>
-            <a:r>
-              <a:rPr lang="en-US" dirty="0"/>
-              <a:t>   </a:t>
-            </a:r>
-            <a:r>
-              <a:rPr lang="en-US" dirty="0" err="1"/>
-              <a:t>printReportForBook</a:t>
-            </a:r>
-            <a:r>
-              <a:rPr lang="en-US" dirty="0"/>
-              <a:t>(</a:t>
-            </a:r>
-            <a:r>
-              <a:rPr lang="en-US" dirty="0" err="1"/>
-              <a:t>bookname</a:t>
-            </a:r>
-            <a:r>
-              <a:rPr lang="en-US" dirty="0"/>
-              <a:t>)</a:t>
-            </a:r>
-          </a:p>
-          <a:p>
-            <a:r>
-              <a:rPr lang="en-US" dirty="0"/>
-              <a:t>   </a:t>
-            </a:r>
-            <a:r>
-              <a:rPr lang="en-US" dirty="0" err="1"/>
-              <a:t>printReportForKid</a:t>
-            </a:r>
-            <a:r>
-              <a:rPr lang="en-US" dirty="0"/>
-              <a:t>(</a:t>
-            </a:r>
-            <a:r>
-              <a:rPr lang="en-US" dirty="0" err="1"/>
-              <a:t>kidname</a:t>
-            </a:r>
-            <a:r>
-              <a:rPr lang="en-US" dirty="0"/>
-              <a:t>)</a:t>
-            </a:r>
-          </a:p>
-          <a:p>
-            <a:r>
-              <a:rPr lang="en-US" dirty="0"/>
-              <a:t>}</a:t>
-            </a:r>
-          </a:p>
-          <a:p>
-            <a:r>
-              <a:rPr lang="en-US" dirty="0"/>
-              <a:t>Kid "*" &lt;-&gt; "*" Book</a:t>
-            </a:r>
-          </a:p>
-          <a:p>
-            <a:r>
-              <a:rPr lang="en-US" dirty="0" err="1"/>
-              <a:t>BookMain</a:t>
-            </a:r>
-            <a:r>
-              <a:rPr lang="en-US" dirty="0"/>
-              <a:t> -&gt; "*" Book</a:t>
-            </a:r>
-          </a:p>
-          <a:p>
-            <a:r>
-              <a:rPr lang="en-US" dirty="0" err="1"/>
-              <a:t>BookMain</a:t>
-            </a:r>
-            <a:r>
-              <a:rPr lang="en-US" dirty="0"/>
-              <a:t> -&gt; "*" Kid</a:t>
-            </a:r>
-          </a:p>
-          <a:p>
-            <a:r>
-              <a:rPr lang="en-US" dirty="0"/>
-              <a:t>@</a:t>
-            </a:r>
-            <a:r>
-              <a:rPr lang="en-US" dirty="0" err="1"/>
-              <a:t>enduml</a:t>
-            </a:r>
             <a:endParaRPr lang="en-US" dirty="0"/>
           </a:p>
         </p:txBody>
@@ -1946,7 +2444,7 @@
     </p:spTree>
     <p:extLst>
       <p:ext uri="{BB962C8B-B14F-4D97-AF65-F5344CB8AC3E}">
-        <p14:creationId xmlns:p14="http://schemas.microsoft.com/office/powerpoint/2010/main" val="1272750694"/>
+        <p14:creationId xmlns:p14="http://schemas.microsoft.com/office/powerpoint/2010/main" val="2141969750"/>
       </p:ext>
     </p:extLst>
   </p:cSld>
@@ -2000,267 +2498,6 @@
           <a:bodyPr/>
           <a:lstStyle/>
           <a:p>
-            <a:r>
-              <a:rPr lang="en-US" dirty="0"/>
-              <a:t>@</a:t>
-            </a:r>
-            <a:r>
-              <a:rPr lang="en-US" dirty="0" err="1"/>
-              <a:t>startuml</a:t>
-            </a:r>
-            <a:endParaRPr lang="en-US" dirty="0"/>
-          </a:p>
-          <a:p>
-            <a:r>
-              <a:rPr lang="en-US" dirty="0" err="1"/>
-              <a:t>skinparam</a:t>
-            </a:r>
-            <a:r>
-              <a:rPr lang="en-US" dirty="0"/>
-              <a:t> style </a:t>
-            </a:r>
-            <a:r>
-              <a:rPr lang="en-US" dirty="0" err="1"/>
-              <a:t>strictuml</a:t>
-            </a:r>
-            <a:endParaRPr lang="en-US" dirty="0"/>
-          </a:p>
-          <a:p>
-            <a:endParaRPr lang="en-US" dirty="0"/>
-          </a:p>
-          <a:p>
-            <a:r>
-              <a:rPr lang="en-US" dirty="0"/>
-              <a:t>class Book {</a:t>
-            </a:r>
-          </a:p>
-          <a:p>
-            <a:r>
-              <a:rPr lang="en-US" dirty="0"/>
-              <a:t>   name</a:t>
-            </a:r>
-          </a:p>
-          <a:p>
-            <a:r>
-              <a:rPr lang="en-US" dirty="0"/>
-              <a:t>   author</a:t>
-            </a:r>
-          </a:p>
-          <a:p>
-            <a:r>
-              <a:rPr lang="en-US" dirty="0"/>
-              <a:t>   </a:t>
-            </a:r>
-            <a:r>
-              <a:rPr lang="en-US" dirty="0" err="1"/>
-              <a:t>printReport</a:t>
-            </a:r>
-            <a:r>
-              <a:rPr lang="en-US" dirty="0"/>
-              <a:t>()</a:t>
-            </a:r>
-          </a:p>
-          <a:p>
-            <a:r>
-              <a:rPr lang="en-US" dirty="0"/>
-              <a:t>   </a:t>
-            </a:r>
-            <a:r>
-              <a:rPr lang="en-US" dirty="0" err="1"/>
-              <a:t>addKid</a:t>
-            </a:r>
-            <a:r>
-              <a:rPr lang="en-US" dirty="0"/>
-              <a:t>(kid)</a:t>
-            </a:r>
-          </a:p>
-          <a:p>
-            <a:r>
-              <a:rPr lang="en-US" dirty="0"/>
-              <a:t>}</a:t>
-            </a:r>
-          </a:p>
-          <a:p>
-            <a:r>
-              <a:rPr lang="en-US" dirty="0"/>
-              <a:t>class Kid {</a:t>
-            </a:r>
-          </a:p>
-          <a:p>
-            <a:r>
-              <a:rPr lang="en-US" dirty="0"/>
-              <a:t>   name</a:t>
-            </a:r>
-          </a:p>
-          <a:p>
-            <a:r>
-              <a:rPr lang="en-US" dirty="0"/>
-              <a:t>   </a:t>
-            </a:r>
-            <a:r>
-              <a:rPr lang="en-US" dirty="0" err="1"/>
-              <a:t>gradeLevel</a:t>
-            </a:r>
-            <a:endParaRPr lang="en-US" dirty="0"/>
-          </a:p>
-          <a:p>
-            <a:r>
-              <a:rPr lang="en-US" dirty="0"/>
-              <a:t>   </a:t>
-            </a:r>
-            <a:r>
-              <a:rPr lang="en-US" dirty="0" err="1"/>
-              <a:t>printReport</a:t>
-            </a:r>
-            <a:r>
-              <a:rPr lang="en-US" dirty="0"/>
-              <a:t>()</a:t>
-            </a:r>
-          </a:p>
-          <a:p>
-            <a:r>
-              <a:rPr lang="en-US" dirty="0"/>
-              <a:t>   </a:t>
-            </a:r>
-            <a:r>
-              <a:rPr lang="en-US" dirty="0" err="1"/>
-              <a:t>addBook</a:t>
-            </a:r>
-            <a:r>
-              <a:rPr lang="en-US" dirty="0"/>
-              <a:t>(book)</a:t>
-            </a:r>
-          </a:p>
-          <a:p>
-            <a:r>
-              <a:rPr lang="en-US" dirty="0"/>
-              <a:t>}</a:t>
-            </a:r>
-          </a:p>
-          <a:p>
-            <a:endParaRPr lang="en-US" dirty="0"/>
-          </a:p>
-          <a:p>
-            <a:r>
-              <a:rPr lang="en-US" dirty="0"/>
-              <a:t>class </a:t>
-            </a:r>
-            <a:r>
-              <a:rPr lang="en-US" dirty="0" err="1"/>
-              <a:t>BookMain</a:t>
-            </a:r>
-            <a:r>
-              <a:rPr lang="en-US" dirty="0"/>
-              <a:t> {</a:t>
-            </a:r>
-          </a:p>
-          <a:p>
-            <a:r>
-              <a:rPr lang="en-US" dirty="0"/>
-              <a:t>   </a:t>
-            </a:r>
-            <a:r>
-              <a:rPr lang="en-US" dirty="0" err="1"/>
-              <a:t>handleNewReading</a:t>
-            </a:r>
-            <a:r>
-              <a:rPr lang="en-US" dirty="0"/>
-              <a:t>(</a:t>
-            </a:r>
-            <a:r>
-              <a:rPr lang="en-US" dirty="0" err="1"/>
-              <a:t>bookname,kidname</a:t>
-            </a:r>
-            <a:r>
-              <a:rPr lang="en-US" dirty="0"/>
-              <a:t>)</a:t>
-            </a:r>
-          </a:p>
-          <a:p>
-            <a:r>
-              <a:rPr lang="en-US" dirty="0"/>
-              <a:t>   </a:t>
-            </a:r>
-            <a:r>
-              <a:rPr lang="en-US" dirty="0" err="1"/>
-              <a:t>printReportForBook</a:t>
-            </a:r>
-            <a:r>
-              <a:rPr lang="en-US" dirty="0"/>
-              <a:t>(</a:t>
-            </a:r>
-            <a:r>
-              <a:rPr lang="en-US" dirty="0" err="1"/>
-              <a:t>bookname</a:t>
-            </a:r>
-            <a:r>
-              <a:rPr lang="en-US" dirty="0"/>
-              <a:t>)</a:t>
-            </a:r>
-          </a:p>
-          <a:p>
-            <a:r>
-              <a:rPr lang="en-US" dirty="0"/>
-              <a:t>   </a:t>
-            </a:r>
-            <a:r>
-              <a:rPr lang="en-US" dirty="0" err="1"/>
-              <a:t>printReportForKid</a:t>
-            </a:r>
-            <a:r>
-              <a:rPr lang="en-US" dirty="0"/>
-              <a:t>(</a:t>
-            </a:r>
-            <a:r>
-              <a:rPr lang="en-US" dirty="0" err="1"/>
-              <a:t>kidname</a:t>
-            </a:r>
-            <a:r>
-              <a:rPr lang="en-US" dirty="0"/>
-              <a:t>)</a:t>
-            </a:r>
-          </a:p>
-          <a:p>
-            <a:r>
-              <a:rPr lang="en-US" dirty="0"/>
-              <a:t>}</a:t>
-            </a:r>
-          </a:p>
-          <a:p>
-            <a:r>
-              <a:rPr lang="en-US" dirty="0"/>
-              <a:t>Kid "*" &lt;-&gt; "*" Book</a:t>
-            </a:r>
-          </a:p>
-          <a:p>
-            <a:r>
-              <a:rPr lang="en-US" dirty="0" err="1"/>
-              <a:t>BookMain</a:t>
-            </a:r>
-            <a:r>
-              <a:rPr lang="en-US" dirty="0"/>
-              <a:t> -&gt; "*" Book</a:t>
-            </a:r>
-          </a:p>
-          <a:p>
-            <a:r>
-              <a:rPr lang="en-US" dirty="0" err="1"/>
-              <a:t>BookMain</a:t>
-            </a:r>
-            <a:r>
-              <a:rPr lang="en-US" dirty="0"/>
-              <a:t> -&gt; "*" Kid</a:t>
-            </a:r>
-          </a:p>
-          <a:p>
-            <a:r>
-              <a:rPr lang="en-US" dirty="0"/>
-              <a:t>@</a:t>
-            </a:r>
-            <a:r>
-              <a:rPr lang="en-US" dirty="0" err="1"/>
-              <a:t>enduml</a:t>
-            </a:r>
             <a:endParaRPr lang="en-US" dirty="0"/>
           </a:p>
         </p:txBody>
@@ -2291,7 +2528,7 @@
     </p:spTree>
     <p:extLst>
       <p:ext uri="{BB962C8B-B14F-4D97-AF65-F5344CB8AC3E}">
-        <p14:creationId xmlns:p14="http://schemas.microsoft.com/office/powerpoint/2010/main" val="3965317029"/>
+        <p14:creationId xmlns:p14="http://schemas.microsoft.com/office/powerpoint/2010/main" val="1272750694"/>
       </p:ext>
     </p:extLst>
   </p:cSld>
@@ -2345,40 +2582,7 @@
           <a:bodyPr/>
           <a:lstStyle/>
           <a:p>
-            <a:endParaRPr lang="en-US" baseline="0" dirty="0">
-              <a:cs typeface="Calibri"/>
-            </a:endParaRPr>
-          </a:p>
-          <a:p>
-            <a:pPr marL="228600" indent="-228600">
-              <a:buAutoNum type="alphaUcPeriod"/>
-            </a:pPr>
-            <a:r>
-              <a:rPr lang="en-US" baseline="0" dirty="0"/>
-              <a:t>There is no (sane) way to lookup a book to either lookup a book to add to a kid or print a report</a:t>
-            </a:r>
-          </a:p>
-          <a:p>
-            <a:pPr marL="228600" indent="-228600">
-              <a:buAutoNum type="alphaUcPeriod"/>
-            </a:pPr>
-            <a:r>
-              <a:rPr lang="en-US">
-                <a:cs typeface="Calibri"/>
-              </a:rPr>
-              <a:t>Duplication of data</a:t>
-            </a:r>
-            <a:endParaRPr lang="en-US" dirty="0">
-              <a:cs typeface="Calibri"/>
-            </a:endParaRPr>
-          </a:p>
-          <a:p>
-            <a:pPr marL="228600" indent="-228600">
-              <a:buAutoNum type="alphaUcPeriod"/>
-            </a:pPr>
-            <a:endParaRPr lang="en-US" dirty="0">
-              <a:cs typeface="Calibri"/>
-            </a:endParaRPr>
+            <a:endParaRPr lang="en-US" dirty="0"/>
           </a:p>
         </p:txBody>
       </p:sp>
@@ -2399,7 +2603,7 @@
           <a:p>
             <a:fld id="{1EC41D83-A85E-494A-A425-5657A5A18AE9}" type="slidenum">
               <a:rPr lang="en-US" smtClean="0"/>
-              <a:t>29</a:t>
+              <a:t>23</a:t>
             </a:fld>
             <a:endParaRPr lang="en-US"/>
           </a:p>
@@ -2408,7 +2612,7 @@
     </p:spTree>
     <p:extLst>
       <p:ext uri="{BB962C8B-B14F-4D97-AF65-F5344CB8AC3E}">
-        <p14:creationId xmlns:p14="http://schemas.microsoft.com/office/powerpoint/2010/main" val="2724198602"/>
+        <p14:creationId xmlns:p14="http://schemas.microsoft.com/office/powerpoint/2010/main" val="3965317029"/>
       </p:ext>
     </p:extLst>
   </p:cSld>
@@ -2462,14 +2666,6 @@
           <a:bodyPr/>
           <a:lstStyle/>
           <a:p>
-            <a:r>
-              <a:rPr lang="en-US" dirty="0"/>
-              <a:t>Briefly</a:t>
-            </a:r>
-            <a:r>
-              <a:rPr lang="en-US" baseline="0" dirty="0"/>
-              <a:t> show the website description and how points are awarded, especially making note of the reflection questions and sample output.</a:t>
-            </a:r>
             <a:endParaRPr lang="en-US" dirty="0"/>
           </a:p>
         </p:txBody>
@@ -2491,7 +2687,7 @@
           <a:p>
             <a:fld id="{1EC41D83-A85E-494A-A425-5657A5A18AE9}" type="slidenum">
               <a:rPr lang="en-US" smtClean="0"/>
-              <a:t>34</a:t>
+              <a:t>24</a:t>
             </a:fld>
             <a:endParaRPr lang="en-US"/>
           </a:p>
@@ -2500,7 +2696,7 @@
     </p:spTree>
     <p:extLst>
       <p:ext uri="{BB962C8B-B14F-4D97-AF65-F5344CB8AC3E}">
-        <p14:creationId xmlns:p14="http://schemas.microsoft.com/office/powerpoint/2010/main" val="3485115224"/>
+        <p14:creationId xmlns:p14="http://schemas.microsoft.com/office/powerpoint/2010/main" val="3914064180"/>
       </p:ext>
     </p:extLst>
   </p:cSld>
@@ -2645,7 +2841,7 @@
               <a:pPr>
                 <a:defRPr/>
               </a:pPr>
-              <a:t>Thursday, September 13, 2018</a:t>
+              <a:t>Thursday, March 19, 2020</a:t>
             </a:fld>
             <a:endParaRPr lang="en-US" dirty="0"/>
           </a:p>
@@ -2838,7 +3034,7 @@
               <a:pPr>
                 <a:defRPr/>
               </a:pPr>
-              <a:t>Thursday, September 13, 2018</a:t>
+              <a:t>Thursday, March 19, 2020</a:t>
             </a:fld>
             <a:endParaRPr lang="en-US" dirty="0">
               <a:solidFill>
@@ -3051,7 +3247,7 @@
               <a:pPr>
                 <a:defRPr/>
               </a:pPr>
-              <a:t>Thursday, September 13, 2018</a:t>
+              <a:t>Thursday, March 19, 2020</a:t>
             </a:fld>
             <a:endParaRPr lang="en-US" dirty="0">
               <a:solidFill>
@@ -3254,7 +3450,7 @@
               <a:pPr>
                 <a:defRPr/>
               </a:pPr>
-              <a:t>Thursday, September 13, 2018</a:t>
+              <a:t>Thursday, March 19, 2020</a:t>
             </a:fld>
             <a:endParaRPr lang="en-US" dirty="0">
               <a:solidFill>
@@ -3534,7 +3730,7 @@
               <a:pPr>
                 <a:defRPr/>
               </a:pPr>
-              <a:t>Thursday, September 13, 2018</a:t>
+              <a:t>Thursday, March 19, 2020</a:t>
             </a:fld>
             <a:endParaRPr lang="en-US">
               <a:solidFill>
@@ -3798,7 +3994,7 @@
               <a:pPr>
                 <a:defRPr/>
               </a:pPr>
-              <a:t>Thursday, September 13, 2018</a:t>
+              <a:t>Thursday, March 19, 2020</a:t>
             </a:fld>
             <a:endParaRPr lang="en-US">
               <a:solidFill>
@@ -4197,7 +4393,7 @@
               <a:pPr>
                 <a:defRPr/>
               </a:pPr>
-              <a:t>Thursday, September 13, 2018</a:t>
+              <a:t>Thursday, March 19, 2020</a:t>
             </a:fld>
             <a:endParaRPr lang="en-US">
               <a:solidFill>
@@ -4349,7 +4545,7 @@
               <a:pPr>
                 <a:defRPr/>
               </a:pPr>
-              <a:t>Thursday, September 13, 2018</a:t>
+              <a:t>Thursday, March 19, 2020</a:t>
             </a:fld>
             <a:endParaRPr lang="en-US">
               <a:solidFill>
@@ -4479,7 +4675,7 @@
               <a:pPr>
                 <a:defRPr/>
               </a:pPr>
-              <a:t>Thursday, September 13, 2018</a:t>
+              <a:t>Thursday, March 19, 2020</a:t>
             </a:fld>
             <a:endParaRPr lang="en-US" dirty="0">
               <a:solidFill>
@@ -4789,7 +4985,7 @@
               <a:pPr>
                 <a:defRPr/>
               </a:pPr>
-              <a:t>Thursday, September 13, 2018</a:t>
+              <a:t>Thursday, March 19, 2020</a:t>
             </a:fld>
             <a:endParaRPr lang="en-US">
               <a:solidFill>
@@ -5076,7 +5272,7 @@
               <a:pPr>
                 <a:defRPr/>
               </a:pPr>
-              <a:t>Thursday, September 13, 2018</a:t>
+              <a:t>Thursday, March 19, 2020</a:t>
             </a:fld>
             <a:endParaRPr lang="en-US">
               <a:solidFill>
@@ -5336,7 +5532,7 @@
                 </a:spcAft>
                 <a:defRPr/>
               </a:pPr>
-              <a:t>Thursday, September 13, 2018</a:t>
+              <a:t>Thursday, March 19, 2020</a:t>
             </a:fld>
             <a:endParaRPr lang="en-US" dirty="0">
               <a:solidFill>
@@ -5847,6 +6043,73 @@
           </a:p>
         </p:txBody>
       </p:sp>
+      <p:sp>
+        <p:nvSpPr>
+          <p:cNvPr id="6" name="TextBox 5"/>
+          <p:cNvSpPr txBox="1"/>
+          <p:nvPr/>
+        </p:nvSpPr>
+        <p:spPr>
+          <a:xfrm>
+            <a:off x="0" y="5257800"/>
+            <a:ext cx="9144000" cy="523220"/>
+          </a:xfrm>
+          <a:prstGeom prst="rect">
+            <a:avLst/>
+          </a:prstGeom>
+          <a:solidFill>
+            <a:srgbClr val="7030A0"/>
+          </a:solidFill>
+        </p:spPr>
+        <p:style>
+          <a:lnRef idx="2">
+            <a:schemeClr val="accent3">
+              <a:shade val="50000"/>
+            </a:schemeClr>
+          </a:lnRef>
+          <a:fillRef idx="1">
+            <a:schemeClr val="accent3"/>
+          </a:fillRef>
+          <a:effectRef idx="0">
+            <a:schemeClr val="accent3"/>
+          </a:effectRef>
+          <a:fontRef idx="minor">
+            <a:schemeClr val="lt1"/>
+          </a:fontRef>
+        </p:style>
+        <p:txBody>
+          <a:bodyPr wrap="square">
+            <a:spAutoFit/>
+          </a:bodyPr>
+          <a:lstStyle/>
+          <a:p>
+            <a:pPr>
+              <a:defRPr/>
+            </a:pPr>
+            <a:r>
+              <a:rPr lang="en-US" sz="2800" dirty="0"/>
+              <a:t>Import </a:t>
+            </a:r>
+            <a:r>
+              <a:rPr lang="en-US" sz="2800" i="1" dirty="0" err="1" smtClean="0"/>
+              <a:t>FirstOODesignPractice</a:t>
+            </a:r>
+            <a:r>
+              <a:rPr lang="en-US" sz="2800" dirty="0" smtClean="0"/>
+              <a:t> </a:t>
+            </a:r>
+            <a:r>
+              <a:rPr lang="en-US" sz="2800" dirty="0"/>
+              <a:t>from </a:t>
+            </a:r>
+            <a:r>
+              <a:rPr lang="en-US" sz="2800" dirty="0" smtClean="0"/>
+              <a:t>repo</a:t>
+            </a:r>
+            <a:endParaRPr lang="en-US" sz="2800" dirty="0"/>
+          </a:p>
+        </p:txBody>
+      </p:sp>
     </p:spTree>
     <p:extLst>
       <p:ext uri="{BB962C8B-B14F-4D97-AF65-F5344CB8AC3E}">
@@ -5857,6 +6120,13 @@
   <p:clrMapOvr>
     <a:masterClrMapping/>
   </p:clrMapOvr>
+  <p:timing>
+    <p:tnLst>
+      <p:par>
+        <p:cTn id="1" dur="indefinite" restart="never" nodeType="tmRoot"/>
+      </p:par>
+    </p:tnLst>
+  </p:timing>
 </p:sld>
 </file>
 
@@ -6800,6 +7070,13 @@
   <p:clrMapOvr>
     <a:masterClrMapping/>
   </p:clrMapOvr>
+  <p:timing>
+    <p:tnLst>
+      <p:par>
+        <p:cTn id="1" dur="indefinite" restart="never" nodeType="tmRoot"/>
+      </p:par>
+    </p:tnLst>
+  </p:timing>
 </p:sld>
 </file>
 
@@ -6892,6 +7169,13 @@
   <p:clrMapOvr>
     <a:masterClrMapping/>
   </p:clrMapOvr>
+  <p:timing>
+    <p:tnLst>
+      <p:par>
+        <p:cTn id="1" dur="indefinite" restart="never" nodeType="tmRoot"/>
+      </p:par>
+    </p:tnLst>
+  </p:timing>
 </p:sld>
 </file>
 
@@ -7348,8 +7632,8 @@
         </p:nvSpPr>
         <p:spPr>
           <a:xfrm>
-            <a:off x="5251282" y="5110071"/>
-            <a:ext cx="2675732" cy="369332"/>
+            <a:off x="5465796" y="5110071"/>
+            <a:ext cx="2246705" cy="369332"/>
           </a:xfrm>
           <a:prstGeom prst="rect">
             <a:avLst/>
@@ -7364,8 +7648,12 @@
           <a:p>
             <a:pPr algn="ctr"/>
             <a:r>
+              <a:rPr lang="en-US" dirty="0" smtClean="0"/>
+              <a:t>Two-way </a:t>
+            </a:r>
+            <a:r>
               <a:rPr lang="en-US" dirty="0"/>
-              <a:t>Two-Way Dependency</a:t>
+              <a:t>Dependency</a:t>
             </a:r>
           </a:p>
         </p:txBody>
@@ -7424,6 +7712,13 @@
   <p:clrMapOvr>
     <a:masterClrMapping/>
   </p:clrMapOvr>
+  <p:timing>
+    <p:tnLst>
+      <p:par>
+        <p:cTn id="1" dur="indefinite" restart="never" nodeType="tmRoot"/>
+      </p:par>
+    </p:tnLst>
+  </p:timing>
 </p:sld>
 </file>
 
@@ -7590,6 +7885,13 @@
   <p:clrMapOvr>
     <a:masterClrMapping/>
   </p:clrMapOvr>
+  <p:timing>
+    <p:tnLst>
+      <p:par>
+        <p:cTn id="1" dur="indefinite" restart="never" nodeType="tmRoot"/>
+      </p:par>
+    </p:tnLst>
+  </p:timing>
 </p:sld>
 </file>
 
@@ -7958,6 +8260,13 @@
   <p:clrMapOvr>
     <a:masterClrMapping/>
   </p:clrMapOvr>
+  <p:timing>
+    <p:tnLst>
+      <p:par>
+        <p:cTn id="1" dur="indefinite" restart="never" nodeType="tmRoot"/>
+      </p:par>
+    </p:tnLst>
+  </p:timing>
 </p:sld>
 </file>
 
@@ -8027,7 +8336,10 @@
           </a:bodyPr>
           <a:lstStyle/>
           <a:p>
-            <a:pPr fontAlgn="base"/>
+            <a:pPr marL="457200" indent="-457200" fontAlgn="base">
+              <a:buFont typeface="+mj-lt"/>
+              <a:buAutoNum type="arabicPeriod"/>
+            </a:pPr>
             <a:r>
               <a:rPr lang="en-US" sz="2400" dirty="0">
                 <a:highlight>
@@ -8051,7 +8363,10 @@
             </a:endParaRPr>
           </a:p>
           <a:p>
-            <a:pPr lvl="1" fontAlgn="base"/>
+            <a:pPr marL="685800" lvl="1" indent="-342900" fontAlgn="base">
+              <a:buFont typeface="+mj-lt"/>
+              <a:buAutoNum type="alphaLcParenR"/>
+            </a:pPr>
             <a:r>
               <a:rPr lang="en-US" dirty="0"/>
               <a:t>Must be able to </a:t>
@@ -8066,7 +8381,10 @@
             </a:r>
           </a:p>
           <a:p>
-            <a:pPr lvl="1" fontAlgn="base"/>
+            <a:pPr marL="685800" lvl="1" indent="-342900" fontAlgn="base">
+              <a:buFont typeface="+mj-lt"/>
+              <a:buAutoNum type="alphaLcParenR"/>
+            </a:pPr>
             <a:r>
               <a:rPr lang="en-US" dirty="0"/>
               <a:t>Must be able to </a:t>
@@ -8081,7 +8399,10 @@
             </a:r>
           </a:p>
           <a:p>
-            <a:pPr lvl="1" fontAlgn="base"/>
+            <a:pPr marL="685800" lvl="1" indent="-342900" fontAlgn="base">
+              <a:buFont typeface="+mj-lt"/>
+              <a:buAutoNum type="alphaLcParenR"/>
+            </a:pPr>
             <a:r>
               <a:rPr lang="en-US" dirty="0"/>
               <a:t>Data should </a:t>
@@ -8097,6 +8418,10 @@
             <a:endParaRPr lang="en-US" sz="2400" dirty="0"/>
           </a:p>
           <a:p>
+            <a:pPr marL="457200" indent="-457200">
+              <a:buFont typeface="+mj-lt"/>
+              <a:buAutoNum type="arabicPeriod"/>
+            </a:pPr>
             <a:r>
               <a:rPr lang="en-US" sz="2400" dirty="0">
                 <a:highlight>
@@ -8123,7 +8448,10 @@
             </a:r>
           </a:p>
           <a:p>
-            <a:pPr lvl="1" fontAlgn="base"/>
+            <a:pPr marL="685800" lvl="1" indent="-342900" fontAlgn="base">
+              <a:buFont typeface="+mj-lt"/>
+              <a:buAutoNum type="alphaLcParenR"/>
+            </a:pPr>
             <a:r>
               <a:rPr lang="en-US" b="1" dirty="0"/>
               <a:t>Nouns should become classes</a:t>
@@ -8131,7 +8459,10 @@
             <a:endParaRPr lang="en-US" dirty="0"/>
           </a:p>
           <a:p>
-            <a:pPr lvl="1" fontAlgn="base"/>
+            <a:pPr marL="685800" lvl="1" indent="-342900" fontAlgn="base">
+              <a:buFont typeface="+mj-lt"/>
+              <a:buAutoNum type="alphaLcParenR"/>
+            </a:pPr>
             <a:r>
               <a:rPr lang="en-US" b="1" dirty="0"/>
               <a:t>Classes should have intelligent behaviors</a:t>
@@ -8147,7 +8478,10 @@
             <a:endParaRPr lang="en-US" dirty="0"/>
           </a:p>
           <a:p>
-            <a:pPr fontAlgn="base"/>
+            <a:pPr marL="457200" indent="-457200" fontAlgn="base">
+              <a:buFont typeface="+mj-lt"/>
+              <a:buAutoNum type="arabicPeriod"/>
+            </a:pPr>
             <a:r>
               <a:rPr lang="en-US" sz="2400" dirty="0"/>
               <a:t>Functionality should be </a:t>
@@ -8159,14 +8493,20 @@
             <a:endParaRPr lang="en-US" sz="2400" dirty="0"/>
           </a:p>
           <a:p>
-            <a:pPr lvl="1" fontAlgn="base"/>
+            <a:pPr marL="685800" lvl="1" indent="-342900" fontAlgn="base">
+              <a:buFont typeface="+mj-lt"/>
+              <a:buAutoNum type="alphaLcParenR"/>
+            </a:pPr>
             <a:r>
               <a:rPr lang="en-US" b="1" dirty="0"/>
               <a:t>No class/part should get too large</a:t>
             </a:r>
           </a:p>
           <a:p>
-            <a:pPr lvl="1" fontAlgn="base"/>
+            <a:pPr marL="685800" lvl="1" indent="-342900" fontAlgn="base">
+              <a:buFont typeface="+mj-lt"/>
+              <a:buAutoNum type="alphaLcParenR"/>
+            </a:pPr>
             <a:r>
               <a:rPr lang="en-US" b="1" dirty="0"/>
               <a:t>Each class should have a single responsibility</a:t>
@@ -8177,7 +8517,10 @@
             </a:r>
           </a:p>
           <a:p>
-            <a:pPr fontAlgn="base"/>
+            <a:pPr marL="457200" indent="-457200" fontAlgn="base">
+              <a:buFont typeface="+mj-lt"/>
+              <a:buAutoNum type="arabicPeriod"/>
+            </a:pPr>
             <a:r>
               <a:rPr lang="en-US" sz="2400" b="1" dirty="0"/>
               <a:t>Minimize dependencies</a:t>
@@ -8187,27 +8530,36 @@
               <a:t> between objects when it does not disrupt usability or </a:t>
             </a:r>
             <a:r>
-              <a:rPr lang="en-US" sz="2400" dirty="0" err="1"/>
-              <a:t>extendability</a:t>
+              <a:rPr lang="en-US" sz="2400" dirty="0" smtClean="0"/>
+              <a:t>extendibility</a:t>
             </a:r>
             <a:endParaRPr lang="en-US" sz="2400" dirty="0"/>
           </a:p>
           <a:p>
-            <a:pPr lvl="1" fontAlgn="base"/>
+            <a:pPr marL="685800" lvl="1" indent="-342900" fontAlgn="base">
+              <a:buFont typeface="+mj-lt"/>
+              <a:buAutoNum type="alphaLcParenR"/>
+            </a:pPr>
             <a:r>
               <a:rPr lang="en-US" dirty="0"/>
               <a:t>Tell don't ask</a:t>
             </a:r>
           </a:p>
           <a:p>
-            <a:pPr lvl="1" fontAlgn="base"/>
+            <a:pPr marL="685800" lvl="1" indent="-342900" fontAlgn="base">
+              <a:buFont typeface="+mj-lt"/>
+              <a:buAutoNum type="alphaLcParenR"/>
+            </a:pPr>
             <a:r>
               <a:rPr lang="en-US" dirty="0"/>
               <a:t>Don't have message chains</a:t>
             </a:r>
           </a:p>
           <a:p>
-            <a:pPr fontAlgn="base"/>
+            <a:pPr marL="457200" indent="-457200" fontAlgn="base">
+              <a:buFont typeface="+mj-lt"/>
+              <a:buAutoNum type="arabicPeriod"/>
+            </a:pPr>
             <a:r>
               <a:rPr lang="en-US" sz="2400" b="1" dirty="0"/>
               <a:t>Don't duplicate</a:t>
@@ -8218,7 +8570,10 @@
             </a:r>
           </a:p>
           <a:p>
-            <a:pPr lvl="1" fontAlgn="base"/>
+            <a:pPr marL="685800" lvl="1" indent="-342900" fontAlgn="base">
+              <a:buFont typeface="+mj-lt"/>
+              <a:buAutoNum type="alphaLcParenR"/>
+            </a:pPr>
             <a:r>
               <a:rPr lang="en-US" dirty="0"/>
               <a:t>Similar "chunks" of code should be </a:t>
@@ -8230,7 +8585,10 @@
             <a:endParaRPr lang="en-US" dirty="0"/>
           </a:p>
           <a:p>
-            <a:pPr lvl="1" fontAlgn="base"/>
+            <a:pPr marL="685800" lvl="1" indent="-342900" fontAlgn="base">
+              <a:buFont typeface="+mj-lt"/>
+              <a:buAutoNum type="alphaLcParenR"/>
+            </a:pPr>
             <a:r>
               <a:rPr lang="en-US" dirty="0"/>
               <a:t>Classes with similar features should be given </a:t>
@@ -8242,7 +8600,10 @@
             <a:endParaRPr lang="en-US" dirty="0"/>
           </a:p>
           <a:p>
-            <a:pPr lvl="1"/>
+            <a:pPr marL="685800" lvl="1" indent="-342900">
+              <a:buFont typeface="+mj-lt"/>
+              <a:buAutoNum type="alphaLcParenR"/>
+            </a:pPr>
             <a:r>
               <a:rPr lang="en-US" dirty="0"/>
               <a:t>Classes with similar internals should be simplified using </a:t>
@@ -8265,6 +8626,13 @@
   <p:clrMapOvr>
     <a:masterClrMapping/>
   </p:clrMapOvr>
+  <p:timing>
+    <p:tnLst>
+      <p:par>
+        <p:cTn id="1" dur="indefinite" restart="never" nodeType="tmRoot"/>
+      </p:par>
+    </p:tnLst>
+  </p:timing>
 </p:sld>
 </file>
 
@@ -8297,7 +8665,7 @@
         </p:nvSpPr>
         <p:spPr>
           <a:xfrm>
-            <a:off x="628650" y="442595"/>
+            <a:off x="628650" y="545465"/>
             <a:ext cx="7886700" cy="4351338"/>
           </a:xfrm>
         </p:spPr>
@@ -8307,58 +8675,105 @@
           </a:bodyPr>
           <a:lstStyle/>
           <a:p>
-            <a:pPr marL="0" indent="0">
+            <a:pPr marL="0" indent="0" fontAlgn="base">
               <a:buNone/>
             </a:pPr>
             <a:r>
+              <a:rPr lang="en-US" sz="3200" dirty="0" smtClean="0"/>
+              <a:t>1. Make </a:t>
+            </a:r>
+            <a:r>
               <a:rPr lang="en-US" sz="3200" dirty="0"/>
-              <a:t>Structure design </a:t>
+              <a:t>sure your design </a:t>
             </a:r>
             <a:r>
               <a:rPr lang="en-US" sz="3200" b="1" dirty="0"/>
-              <a:t>around the data</a:t>
-            </a:r>
-            <a:r>
-              <a:rPr lang="en-US" sz="3200" dirty="0"/>
-              <a:t> to be stored</a:t>
-            </a:r>
-          </a:p>
-          <a:p>
-            <a:pPr lvl="1" fontAlgn="base"/>
+              <a:t>allows proper functionality</a:t>
+            </a:r>
+            <a:endParaRPr lang="en-US" sz="3200" dirty="0"/>
+          </a:p>
+          <a:p>
+            <a:pPr marL="800100" lvl="1" indent="-457200" fontAlgn="base">
+              <a:buFont typeface="+mj-lt"/>
+              <a:buAutoNum type="alphaLcParenR"/>
+            </a:pPr>
+            <a:r>
+              <a:rPr lang="en-US" sz="2400" dirty="0" smtClean="0"/>
+              <a:t>Must </a:t>
+            </a:r>
+            <a:r>
+              <a:rPr lang="en-US" sz="2400" dirty="0"/>
+              <a:t>be able to </a:t>
+            </a:r>
             <a:r>
               <a:rPr lang="en-US" sz="2400" b="1" dirty="0"/>
-              <a:t>Nouns should become classes</a:t>
-            </a:r>
-            <a:endParaRPr lang="en-US" sz="2400" dirty="0"/>
-          </a:p>
-          <a:p>
-            <a:pPr lvl="1" fontAlgn="base"/>
+              <a:t>store required information</a:t>
+            </a:r>
+            <a:r>
+              <a:rPr lang="en-US" sz="2400" dirty="0"/>
+              <a:t> (one/many to one/many relationships)</a:t>
+            </a:r>
+          </a:p>
+          <a:p>
+            <a:pPr marL="800100" lvl="1" indent="-457200" fontAlgn="base">
+              <a:buFont typeface="+mj-lt"/>
+              <a:buAutoNum type="alphaLcParenR"/>
+            </a:pPr>
+            <a:r>
+              <a:rPr lang="en-US" sz="2400" dirty="0" smtClean="0"/>
+              <a:t>Must </a:t>
+            </a:r>
+            <a:r>
+              <a:rPr lang="en-US" sz="2400" dirty="0"/>
+              <a:t>be able to </a:t>
+            </a:r>
             <a:r>
               <a:rPr lang="en-US" sz="2400" b="1" dirty="0"/>
-              <a:t>Classes should have intelligent behaviors</a:t>
+              <a:t>access the required information</a:t>
             </a:r>
             <a:r>
               <a:rPr lang="en-US" sz="2400" dirty="0"/>
-              <a:t> (methods) </a:t>
+              <a:t> to accomplish tasks</a:t>
+            </a:r>
+          </a:p>
+          <a:p>
+            <a:pPr marL="800100" lvl="1" indent="-457200" fontAlgn="base">
+              <a:buFont typeface="+mj-lt"/>
+              <a:buAutoNum type="alphaLcParenR"/>
+            </a:pPr>
+            <a:r>
+              <a:rPr lang="en-US" sz="2400" dirty="0"/>
+              <a:t>Data should </a:t>
             </a:r>
             <a:r>
               <a:rPr lang="en-US" sz="2400" b="1" dirty="0"/>
-              <a:t>that may operate on their data</a:t>
-            </a:r>
-            <a:endParaRPr lang="en-US" sz="2400" dirty="0"/>
+              <a:t>not be duplicated</a:t>
+            </a:r>
+            <a:r>
+              <a:rPr lang="en-US" sz="2400" dirty="0"/>
+              <a:t> (id/identifiers are OK!)</a:t>
+            </a:r>
+            <a:endParaRPr lang="en-US" sz="3200" dirty="0"/>
           </a:p>
         </p:txBody>
       </p:sp>
     </p:spTree>
     <p:extLst>
       <p:ext uri="{BB962C8B-B14F-4D97-AF65-F5344CB8AC3E}">
-        <p14:creationId xmlns:p14="http://schemas.microsoft.com/office/powerpoint/2010/main" val="1350875023"/>
+        <p14:creationId xmlns:p14="http://schemas.microsoft.com/office/powerpoint/2010/main" val="3413767239"/>
       </p:ext>
     </p:extLst>
   </p:cSld>
   <p:clrMapOvr>
     <a:masterClrMapping/>
   </p:clrMapOvr>
+  <p:timing>
+    <p:tnLst>
+      <p:par>
+        <p:cTn id="1" dur="indefinite" restart="never" nodeType="tmRoot"/>
+      </p:par>
+    </p:tnLst>
+  </p:timing>
 </p:sld>
 </file>
 
@@ -8398,7 +8813,7 @@
           <a:p>
             <a:r>
               <a:rPr lang="en-US" dirty="0"/>
-              <a:t>A good object oriented design is structured around the data</a:t>
+              <a:t>An object oriented design must work!</a:t>
             </a:r>
           </a:p>
         </p:txBody>
@@ -8413,64 +8828,64 @@
             <p:ph idx="1"/>
           </p:nvPr>
         </p:nvSpPr>
-        <p:spPr>
-          <a:xfrm>
-            <a:off x="628650" y="1825624"/>
-            <a:ext cx="7886700" cy="4667249"/>
-          </a:xfrm>
-        </p:spPr>
+        <p:spPr/>
         <p:txBody>
           <a:bodyPr>
-            <a:normAutofit lnSpcReduction="10000"/>
+            <a:normAutofit/>
           </a:bodyPr>
           <a:lstStyle/>
           <a:p>
+            <a:pPr marL="0" indent="0" fontAlgn="base">
+              <a:buNone/>
+            </a:pPr>
             <a:r>
               <a:rPr lang="en-US" sz="3200" dirty="0"/>
-              <a:t>Look for the nouns in your problem, consider making each of them a Class</a:t>
-            </a:r>
-          </a:p>
-          <a:p>
-            <a:pPr lvl="1"/>
-            <a:r>
-              <a:rPr lang="is-IS" sz="2900" dirty="0"/>
-              <a:t>…i</a:t>
-            </a:r>
+              <a:t>Make sure all the data that you need is stored somewhere</a:t>
+            </a:r>
+          </a:p>
+          <a:p>
+            <a:pPr lvl="1" fontAlgn="base"/>
             <a:r>
               <a:rPr lang="en-US" sz="2900" dirty="0"/>
-              <a:t>f work related to that now is complex enough</a:t>
-            </a:r>
-          </a:p>
-          <a:p>
-            <a:r>
-              <a:rPr lang="en-US" sz="3200" dirty="0"/>
-              <a:t>Put the data store as fields in the Class</a:t>
-            </a:r>
-          </a:p>
-          <a:p>
-            <a:r>
-              <a:rPr lang="en-US" sz="3200" dirty="0"/>
-              <a:t>Add operations to the Class to accomplish what your need, i.e., manipulate the internal class fields </a:t>
-            </a:r>
-          </a:p>
-          <a:p>
-            <a:r>
-              <a:rPr lang="en-US" sz="3200" dirty="0"/>
-              <a:t>Avoid Plural Nouns – i.e., Class name singular and know that client can always make multiple object instances of this class</a:t>
-            </a:r>
+              <a:t> Think as a client programmer: Can you access all the necessary data from the new Class? </a:t>
+            </a:r>
+            <a:br>
+              <a:rPr lang="en-US" sz="2900" dirty="0"/>
+            </a:br>
+            <a:r>
+              <a:rPr lang="en-US" sz="2900" dirty="0"/>
+              <a:t>If not, then the design of the new class “doesn’t work”</a:t>
+            </a:r>
+          </a:p>
+          <a:p>
+            <a:pPr lvl="1" fontAlgn="base"/>
+            <a:r>
+              <a:rPr lang="en-US" sz="2900" dirty="0"/>
+              <a:t>The solution is not to keep 2 copies of the same data, one in the client and one in the new Class, change the new Class</a:t>
+            </a:r>
+          </a:p>
+          <a:p>
+            <a:endParaRPr lang="en-US" sz="3200" dirty="0"/>
           </a:p>
         </p:txBody>
       </p:sp>
     </p:spTree>
     <p:extLst>
       <p:ext uri="{BB962C8B-B14F-4D97-AF65-F5344CB8AC3E}">
-        <p14:creationId xmlns:p14="http://schemas.microsoft.com/office/powerpoint/2010/main" val="44187663"/>
+        <p14:creationId xmlns:p14="http://schemas.microsoft.com/office/powerpoint/2010/main" val="3244535212"/>
       </p:ext>
     </p:extLst>
   </p:cSld>
   <p:clrMapOvr>
     <a:masterClrMapping/>
   </p:clrMapOvr>
+  <p:timing>
+    <p:tnLst>
+      <p:par>
+        <p:cTn id="1" dur="indefinite" restart="never" nodeType="tmRoot"/>
+      </p:par>
+    </p:tnLst>
+  </p:timing>
 </p:sld>
 </file>
 
@@ -8503,8 +8918,8 @@
         </p:nvSpPr>
         <p:spPr>
           <a:xfrm>
-            <a:off x="628650" y="545465"/>
-            <a:ext cx="7886700" cy="4351338"/>
+            <a:off x="416214" y="441845"/>
+            <a:ext cx="8302914" cy="4351338"/>
           </a:xfrm>
         </p:spPr>
         <p:txBody>
@@ -8513,77 +8928,83 @@
           </a:bodyPr>
           <a:lstStyle/>
           <a:p>
-            <a:pPr marL="0" indent="0" fontAlgn="base">
+            <a:pPr marL="0" indent="0">
               <a:buNone/>
             </a:pPr>
             <a:r>
+              <a:rPr lang="en-US" sz="3200" dirty="0" smtClean="0"/>
+              <a:t>2. Structure </a:t>
+            </a:r>
+            <a:r>
               <a:rPr lang="en-US" sz="3200" dirty="0"/>
-              <a:t>Make sure your design </a:t>
+              <a:t>design </a:t>
             </a:r>
             <a:r>
               <a:rPr lang="en-US" sz="3200" b="1" dirty="0"/>
-              <a:t>allows proper functionality</a:t>
-            </a:r>
-            <a:endParaRPr lang="en-US" sz="3200" dirty="0"/>
-          </a:p>
-          <a:p>
-            <a:pPr lvl="1" fontAlgn="base"/>
+              <a:t>around the data</a:t>
+            </a:r>
+            <a:r>
+              <a:rPr lang="en-US" sz="3200" dirty="0"/>
+              <a:t> to be stored</a:t>
+            </a:r>
+          </a:p>
+          <a:p>
+            <a:pPr marL="800100" lvl="1" indent="-457200" fontAlgn="base">
+              <a:buFont typeface="+mj-lt"/>
+              <a:buAutoNum type="alphaLcParenR"/>
+            </a:pPr>
+            <a:r>
+              <a:rPr lang="en-US" sz="2400" b="1" dirty="0" smtClean="0"/>
+              <a:t>Nouns </a:t>
+            </a:r>
+            <a:r>
+              <a:rPr lang="en-US" sz="2400" b="1" dirty="0"/>
+              <a:t>should become classes</a:t>
+            </a:r>
+            <a:endParaRPr lang="en-US" sz="2400" dirty="0"/>
+          </a:p>
+          <a:p>
+            <a:pPr marL="800100" lvl="1" indent="-457200" fontAlgn="base">
+              <a:buFont typeface="+mj-lt"/>
+              <a:buAutoNum type="alphaLcParenR"/>
+            </a:pPr>
+            <a:r>
+              <a:rPr lang="en-US" sz="2400" b="1" dirty="0" smtClean="0"/>
+              <a:t>Classes </a:t>
+            </a:r>
+            <a:r>
+              <a:rPr lang="en-US" sz="2400" b="1" dirty="0"/>
+              <a:t>should have intelligent behaviors</a:t>
+            </a:r>
             <a:r>
               <a:rPr lang="en-US" sz="2400" dirty="0"/>
-              <a:t>Must be able to </a:t>
+              <a:t> (methods) </a:t>
             </a:r>
             <a:r>
               <a:rPr lang="en-US" sz="2400" b="1" dirty="0"/>
-              <a:t>store required information</a:t>
-            </a:r>
-            <a:r>
-              <a:rPr lang="en-US" sz="2400" dirty="0"/>
-              <a:t> (one/many to one/many relationships)</a:t>
-            </a:r>
-          </a:p>
-          <a:p>
-            <a:pPr lvl="1" fontAlgn="base"/>
-            <a:r>
-              <a:rPr lang="en-US" sz="2400" dirty="0"/>
-              <a:t>Must be able to </a:t>
-            </a:r>
-            <a:r>
-              <a:rPr lang="en-US" sz="2400" b="1" dirty="0"/>
-              <a:t>access the required information</a:t>
-            </a:r>
-            <a:r>
-              <a:rPr lang="en-US" sz="2400" dirty="0"/>
-              <a:t> to accomplish tasks</a:t>
-            </a:r>
-          </a:p>
-          <a:p>
-            <a:pPr lvl="1" fontAlgn="base"/>
-            <a:r>
-              <a:rPr lang="en-US" sz="2400" dirty="0"/>
-              <a:t>Data should </a:t>
-            </a:r>
-            <a:r>
-              <a:rPr lang="en-US" sz="2400" b="1" dirty="0"/>
-              <a:t>not be duplicated</a:t>
-            </a:r>
-            <a:r>
-              <a:rPr lang="en-US" sz="2400" dirty="0"/>
-              <a:t> (id/identifiers are OK!)</a:t>
-            </a:r>
-            <a:endParaRPr lang="en-US" sz="3200" dirty="0"/>
+              <a:t>that may operate on their data</a:t>
+            </a:r>
+            <a:endParaRPr lang="en-US" sz="2400" dirty="0"/>
           </a:p>
         </p:txBody>
       </p:sp>
     </p:spTree>
     <p:extLst>
       <p:ext uri="{BB962C8B-B14F-4D97-AF65-F5344CB8AC3E}">
-        <p14:creationId xmlns:p14="http://schemas.microsoft.com/office/powerpoint/2010/main" val="3413767239"/>
+        <p14:creationId xmlns:p14="http://schemas.microsoft.com/office/powerpoint/2010/main" val="1350875023"/>
       </p:ext>
     </p:extLst>
   </p:cSld>
   <p:clrMapOvr>
     <a:masterClrMapping/>
   </p:clrMapOvr>
+  <p:timing>
+    <p:tnLst>
+      <p:par>
+        <p:cTn id="1" dur="indefinite" restart="never" nodeType="tmRoot"/>
+      </p:par>
+    </p:tnLst>
+  </p:timing>
 </p:sld>
 </file>
 
@@ -8623,7 +9044,7 @@
           <a:p>
             <a:r>
               <a:rPr lang="en-US" dirty="0"/>
-              <a:t>An object oriented design must work!</a:t>
+              <a:t>A good object oriented design is structured around the data</a:t>
             </a:r>
           </a:p>
         </p:txBody>
@@ -8638,57 +9059,71 @@
             <p:ph idx="1"/>
           </p:nvPr>
         </p:nvSpPr>
-        <p:spPr/>
+        <p:spPr>
+          <a:xfrm>
+            <a:off x="628650" y="1825624"/>
+            <a:ext cx="7886700" cy="4667249"/>
+          </a:xfrm>
+        </p:spPr>
         <p:txBody>
           <a:bodyPr>
-            <a:normAutofit/>
+            <a:normAutofit lnSpcReduction="10000"/>
           </a:bodyPr>
           <a:lstStyle/>
           <a:p>
-            <a:pPr marL="0" indent="0" fontAlgn="base">
-              <a:buNone/>
-            </a:pPr>
             <a:r>
               <a:rPr lang="en-US" sz="3200" dirty="0"/>
-              <a:t>Make sure all the data that you need is stored somewhere</a:t>
-            </a:r>
-          </a:p>
-          <a:p>
-            <a:pPr lvl="1" fontAlgn="base"/>
+              <a:t>Look for the nouns in your problem, consider making each of them a Class</a:t>
+            </a:r>
+          </a:p>
+          <a:p>
+            <a:pPr lvl="1"/>
+            <a:r>
+              <a:rPr lang="is-IS" sz="2900" dirty="0"/>
+              <a:t>…i</a:t>
+            </a:r>
             <a:r>
               <a:rPr lang="en-US" sz="2900" dirty="0"/>
-              <a:t> Think as a client programmer: Can you access all the necessary data from the new Class? </a:t>
-            </a:r>
-            <a:br>
-              <a:rPr lang="en-US" sz="2900" dirty="0"/>
-            </a:br>
-            <a:r>
-              <a:rPr lang="en-US" sz="2900" dirty="0"/>
-              <a:t>If not, then the design of the new class “doesn’t work”</a:t>
-            </a:r>
-          </a:p>
-          <a:p>
-            <a:pPr lvl="1" fontAlgn="base"/>
-            <a:r>
-              <a:rPr lang="en-US" sz="2900" dirty="0"/>
-              <a:t>The solution is not to keep 2 copies of the same data, one in the client and one in the new Class, change the new Class</a:t>
-            </a:r>
-          </a:p>
-          <a:p>
-            <a:endParaRPr lang="en-US" sz="3200" dirty="0"/>
+              <a:t>f work related to that now is complex enough</a:t>
+            </a:r>
+          </a:p>
+          <a:p>
+            <a:r>
+              <a:rPr lang="en-US" sz="3200" dirty="0"/>
+              <a:t>Put the data store as fields in the Class</a:t>
+            </a:r>
+          </a:p>
+          <a:p>
+            <a:r>
+              <a:rPr lang="en-US" sz="3200" dirty="0"/>
+              <a:t>Add operations to the Class to accomplish what your need, i.e., manipulate the internal class fields </a:t>
+            </a:r>
+          </a:p>
+          <a:p>
+            <a:r>
+              <a:rPr lang="en-US" sz="3200" dirty="0"/>
+              <a:t>Avoid Plural Nouns – i.e., Class name singular and know that client can always make multiple object instances of this class</a:t>
+            </a:r>
           </a:p>
         </p:txBody>
       </p:sp>
     </p:spTree>
     <p:extLst>
       <p:ext uri="{BB962C8B-B14F-4D97-AF65-F5344CB8AC3E}">
-        <p14:creationId xmlns:p14="http://schemas.microsoft.com/office/powerpoint/2010/main" val="3244535212"/>
+        <p14:creationId xmlns:p14="http://schemas.microsoft.com/office/powerpoint/2010/main" val="44187663"/>
       </p:ext>
     </p:extLst>
   </p:cSld>
   <p:clrMapOvr>
     <a:masterClrMapping/>
   </p:clrMapOvr>
+  <p:timing>
+    <p:tnLst>
+      <p:par>
+        <p:cTn id="1" dur="indefinite" restart="never" nodeType="tmRoot"/>
+      </p:par>
+    </p:tnLst>
+  </p:timing>
 </p:sld>
 </file>
 
@@ -8826,6 +9261,13 @@
   <p:clrMapOvr>
     <a:masterClrMapping/>
   </p:clrMapOvr>
+  <p:timing>
+    <p:tnLst>
+      <p:par>
+        <p:cTn id="1" dur="indefinite" restart="never" nodeType="tmRoot"/>
+      </p:par>
+    </p:tnLst>
+  </p:timing>
 </p:sld>
 </file>
 
@@ -8848,6 +9290,504 @@
       </p:grpSpPr>
       <p:sp>
         <p:nvSpPr>
+          <p:cNvPr id="2" name="Title 1"/>
+          <p:cNvSpPr>
+            <a:spLocks noGrp="1"/>
+          </p:cNvSpPr>
+          <p:nvPr>
+            <p:ph type="title"/>
+          </p:nvPr>
+        </p:nvSpPr>
+        <p:spPr/>
+        <p:txBody>
+          <a:bodyPr/>
+          <a:lstStyle/>
+          <a:p>
+            <a:r>
+              <a:rPr lang="en-US" dirty="0" smtClean="0"/>
+              <a:t>Design Problems</a:t>
+            </a:r>
+            <a:endParaRPr lang="en-US" dirty="0"/>
+          </a:p>
+        </p:txBody>
+      </p:sp>
+      <p:sp>
+        <p:nvSpPr>
+          <p:cNvPr id="3" name="Content Placeholder 2"/>
+          <p:cNvSpPr>
+            <a:spLocks noGrp="1"/>
+          </p:cNvSpPr>
+          <p:nvPr>
+            <p:ph idx="1"/>
+          </p:nvPr>
+        </p:nvSpPr>
+        <p:spPr/>
+        <p:txBody>
+          <a:bodyPr/>
+          <a:lstStyle/>
+          <a:p>
+            <a:r>
+              <a:rPr lang="en-US" dirty="0" smtClean="0"/>
+              <a:t>You will be presented with a “story problem” for a program(s) that you need to imagine coding.</a:t>
+            </a:r>
+          </a:p>
+          <a:p>
+            <a:r>
+              <a:rPr lang="en-US" dirty="0" smtClean="0"/>
+              <a:t>The paragraph of text provides a list of requirements for necessary features that you will need to provide.</a:t>
+            </a:r>
+          </a:p>
+          <a:p>
+            <a:r>
+              <a:rPr lang="en-US" dirty="0" smtClean="0"/>
+              <a:t>We want to give you practice designing in two ways:</a:t>
+            </a:r>
+          </a:p>
+          <a:p>
+            <a:pPr lvl="1"/>
+            <a:r>
+              <a:rPr lang="en-US" dirty="0" smtClean="0"/>
+              <a:t>1) Identifying problems with designs we give you (Red popups)</a:t>
+            </a:r>
+          </a:p>
+          <a:p>
+            <a:pPr lvl="1"/>
+            <a:r>
+              <a:rPr lang="en-US" dirty="0" smtClean="0"/>
+              <a:t>2) Developing your own design for problems (Blue </a:t>
+            </a:r>
+            <a:r>
+              <a:rPr lang="en-US" dirty="0"/>
+              <a:t>popups</a:t>
+            </a:r>
+            <a:r>
+              <a:rPr lang="en-US" dirty="0" smtClean="0"/>
+              <a:t>)</a:t>
+            </a:r>
+          </a:p>
+          <a:p>
+            <a:r>
+              <a:rPr lang="en-US" dirty="0" smtClean="0"/>
+              <a:t>You will have a number of opportunities to do this:</a:t>
+            </a:r>
+          </a:p>
+          <a:p>
+            <a:pPr lvl="1"/>
+            <a:r>
+              <a:rPr lang="en-US" dirty="0" smtClean="0"/>
+              <a:t>In-class exercises/ daily quizzes (many!)</a:t>
+            </a:r>
+          </a:p>
+          <a:p>
+            <a:pPr lvl="1"/>
+            <a:r>
+              <a:rPr lang="en-US" dirty="0" smtClean="0"/>
+              <a:t>Homework Assignments (3)</a:t>
+            </a:r>
+          </a:p>
+          <a:p>
+            <a:pPr lvl="1"/>
+            <a:r>
+              <a:rPr lang="en-US" dirty="0" smtClean="0"/>
+              <a:t>Exam Questions (1+ on each exam)</a:t>
+            </a:r>
+          </a:p>
+          <a:p>
+            <a:pPr lvl="1"/>
+            <a:r>
+              <a:rPr lang="en-US" dirty="0" smtClean="0"/>
+              <a:t>Final Project Design (design from scratch)</a:t>
+            </a:r>
+          </a:p>
+          <a:p>
+            <a:pPr lvl="1"/>
+            <a:endParaRPr lang="en-US" dirty="0"/>
+          </a:p>
+        </p:txBody>
+      </p:sp>
+      <p:sp>
+        <p:nvSpPr>
+          <p:cNvPr id="5" name="Rounded Rectangle 4"/>
+          <p:cNvSpPr/>
+          <p:nvPr/>
+        </p:nvSpPr>
+        <p:spPr>
+          <a:xfrm>
+            <a:off x="4264920" y="5810693"/>
+            <a:ext cx="4708479" cy="790701"/>
+          </a:xfrm>
+          <a:prstGeom prst="roundRect">
+            <a:avLst/>
+          </a:prstGeom>
+        </p:spPr>
+        <p:style>
+          <a:lnRef idx="2">
+            <a:schemeClr val="accent1">
+              <a:shade val="50000"/>
+            </a:schemeClr>
+          </a:lnRef>
+          <a:fillRef idx="1">
+            <a:schemeClr val="accent1"/>
+          </a:fillRef>
+          <a:effectRef idx="0">
+            <a:schemeClr val="accent1"/>
+          </a:effectRef>
+          <a:fontRef idx="minor">
+            <a:schemeClr val="lt1"/>
+          </a:fontRef>
+        </p:style>
+        <p:txBody>
+          <a:bodyPr rtlCol="0" anchor="ctr"/>
+          <a:lstStyle/>
+          <a:p>
+            <a:r>
+              <a:rPr lang="en-US" b="1" dirty="0"/>
+              <a:t>PAUSE THIS </a:t>
+            </a:r>
+            <a:r>
+              <a:rPr lang="en-US" b="1" dirty="0" smtClean="0"/>
+              <a:t>VIDEO HERE for 5-10 minutes!</a:t>
+            </a:r>
+            <a:endParaRPr lang="en-US" b="1" dirty="0"/>
+          </a:p>
+          <a:p>
+            <a:r>
+              <a:rPr lang="en-US" dirty="0"/>
+              <a:t>Try to </a:t>
+            </a:r>
+            <a:r>
+              <a:rPr lang="en-US" dirty="0" smtClean="0"/>
+              <a:t>make your own improved design </a:t>
+            </a:r>
+          </a:p>
+          <a:p>
+            <a:r>
+              <a:rPr lang="en-US" dirty="0" smtClean="0"/>
+              <a:t>Either paper or using </a:t>
+            </a:r>
+            <a:r>
+              <a:rPr lang="en-US" dirty="0" err="1" smtClean="0"/>
+              <a:t>plantuml</a:t>
+            </a:r>
+            <a:r>
+              <a:rPr lang="en-US" dirty="0" smtClean="0"/>
+              <a:t> is OK!</a:t>
+            </a:r>
+            <a:endParaRPr lang="en-US" dirty="0"/>
+          </a:p>
+        </p:txBody>
+      </p:sp>
+      <p:sp>
+        <p:nvSpPr>
+          <p:cNvPr id="6" name="Rounded Rectangle 5"/>
+          <p:cNvSpPr/>
+          <p:nvPr/>
+        </p:nvSpPr>
+        <p:spPr>
+          <a:xfrm>
+            <a:off x="4189859" y="523064"/>
+            <a:ext cx="4708479" cy="1009685"/>
+          </a:xfrm>
+          <a:prstGeom prst="roundRect">
+            <a:avLst/>
+          </a:prstGeom>
+          <a:solidFill>
+            <a:srgbClr val="FF0000"/>
+          </a:solidFill>
+        </p:spPr>
+        <p:style>
+          <a:lnRef idx="2">
+            <a:schemeClr val="accent1">
+              <a:shade val="50000"/>
+            </a:schemeClr>
+          </a:lnRef>
+          <a:fillRef idx="1">
+            <a:schemeClr val="accent1"/>
+          </a:fillRef>
+          <a:effectRef idx="0">
+            <a:schemeClr val="accent1"/>
+          </a:effectRef>
+          <a:fontRef idx="minor">
+            <a:schemeClr val="lt1"/>
+          </a:fontRef>
+        </p:style>
+        <p:txBody>
+          <a:bodyPr rtlCol="0" anchor="ctr"/>
+          <a:lstStyle/>
+          <a:p>
+            <a:r>
+              <a:rPr lang="en-US" b="1" dirty="0"/>
+              <a:t>PAUSE THIS </a:t>
+            </a:r>
+            <a:r>
+              <a:rPr lang="en-US" b="1" dirty="0" smtClean="0"/>
+              <a:t>VIDEO HERE for a couple minutes!</a:t>
+            </a:r>
+            <a:endParaRPr lang="en-US" b="1" dirty="0"/>
+          </a:p>
+          <a:p>
+            <a:r>
+              <a:rPr lang="en-US" dirty="0"/>
+              <a:t>Try to see what you can think might be wrong</a:t>
+            </a:r>
+          </a:p>
+          <a:p>
+            <a:r>
+              <a:rPr lang="en-US" dirty="0"/>
+              <a:t>When you have an idea, then continue</a:t>
+            </a:r>
+            <a:endParaRPr lang="en-US" dirty="0"/>
+          </a:p>
+        </p:txBody>
+      </p:sp>
+    </p:spTree>
+    <p:extLst>
+      <p:ext uri="{BB962C8B-B14F-4D97-AF65-F5344CB8AC3E}">
+        <p14:creationId xmlns:p14="http://schemas.microsoft.com/office/powerpoint/2010/main" val="2555767030"/>
+      </p:ext>
+    </p:extLst>
+  </p:cSld>
+  <p:clrMapOvr>
+    <a:masterClrMapping/>
+  </p:clrMapOvr>
+  <p:timing>
+    <p:tnLst>
+      <p:par>
+        <p:cTn id="1" dur="indefinite" restart="never" nodeType="tmRoot">
+          <p:childTnLst>
+            <p:seq concurrent="1" nextAc="seek">
+              <p:cTn id="2" dur="indefinite" nodeType="mainSeq">
+                <p:childTnLst>
+                  <p:par>
+                    <p:cTn id="3" fill="hold">
+                      <p:stCondLst>
+                        <p:cond delay="indefinite"/>
+                      </p:stCondLst>
+                      <p:childTnLst>
+                        <p:par>
+                          <p:cTn id="4" fill="hold">
+                            <p:stCondLst>
+                              <p:cond delay="0"/>
+                            </p:stCondLst>
+                            <p:childTnLst>
+                              <p:par>
+                                <p:cTn id="5" presetID="2" presetClass="entr" presetSubtype="4" fill="hold" grpId="0" nodeType="clickEffect">
+                                  <p:stCondLst>
+                                    <p:cond delay="0"/>
+                                  </p:stCondLst>
+                                  <p:childTnLst>
+                                    <p:set>
+                                      <p:cBhvr>
+                                        <p:cTn id="6" dur="1" fill="hold">
+                                          <p:stCondLst>
+                                            <p:cond delay="0"/>
+                                          </p:stCondLst>
+                                        </p:cTn>
+                                        <p:tgtEl>
+                                          <p:spTgt spid="6"/>
+                                        </p:tgtEl>
+                                        <p:attrNameLst>
+                                          <p:attrName>style.visibility</p:attrName>
+                                        </p:attrNameLst>
+                                      </p:cBhvr>
+                                      <p:to>
+                                        <p:strVal val="visible"/>
+                                      </p:to>
+                                    </p:set>
+                                    <p:anim calcmode="lin" valueType="num">
+                                      <p:cBhvr additive="base">
+                                        <p:cTn id="7" dur="500" fill="hold"/>
+                                        <p:tgtEl>
+                                          <p:spTgt spid="6"/>
+                                        </p:tgtEl>
+                                        <p:attrNameLst>
+                                          <p:attrName>ppt_x</p:attrName>
+                                        </p:attrNameLst>
+                                      </p:cBhvr>
+                                      <p:tavLst>
+                                        <p:tav tm="0">
+                                          <p:val>
+                                            <p:strVal val="#ppt_x"/>
+                                          </p:val>
+                                        </p:tav>
+                                        <p:tav tm="100000">
+                                          <p:val>
+                                            <p:strVal val="#ppt_x"/>
+                                          </p:val>
+                                        </p:tav>
+                                      </p:tavLst>
+                                    </p:anim>
+                                    <p:anim calcmode="lin" valueType="num">
+                                      <p:cBhvr additive="base">
+                                        <p:cTn id="8" dur="500" fill="hold"/>
+                                        <p:tgtEl>
+                                          <p:spTgt spid="6"/>
+                                        </p:tgtEl>
+                                        <p:attrNameLst>
+                                          <p:attrName>ppt_y</p:attrName>
+                                        </p:attrNameLst>
+                                      </p:cBhvr>
+                                      <p:tavLst>
+                                        <p:tav tm="0">
+                                          <p:val>
+                                            <p:strVal val="1+#ppt_h/2"/>
+                                          </p:val>
+                                        </p:tav>
+                                        <p:tav tm="100000">
+                                          <p:val>
+                                            <p:strVal val="#ppt_y"/>
+                                          </p:val>
+                                        </p:tav>
+                                      </p:tavLst>
+                                    </p:anim>
+                                  </p:childTnLst>
+                                </p:cTn>
+                              </p:par>
+                            </p:childTnLst>
+                          </p:cTn>
+                        </p:par>
+                      </p:childTnLst>
+                    </p:cTn>
+                  </p:par>
+                  <p:par>
+                    <p:cTn id="9" fill="hold">
+                      <p:stCondLst>
+                        <p:cond delay="indefinite"/>
+                      </p:stCondLst>
+                      <p:childTnLst>
+                        <p:par>
+                          <p:cTn id="10" fill="hold">
+                            <p:stCondLst>
+                              <p:cond delay="0"/>
+                            </p:stCondLst>
+                            <p:childTnLst>
+                              <p:par>
+                                <p:cTn id="11" presetID="2" presetClass="entr" presetSubtype="4" fill="hold" grpId="0" nodeType="clickEffect">
+                                  <p:stCondLst>
+                                    <p:cond delay="0"/>
+                                  </p:stCondLst>
+                                  <p:childTnLst>
+                                    <p:set>
+                                      <p:cBhvr>
+                                        <p:cTn id="12" dur="1" fill="hold">
+                                          <p:stCondLst>
+                                            <p:cond delay="0"/>
+                                          </p:stCondLst>
+                                        </p:cTn>
+                                        <p:tgtEl>
+                                          <p:spTgt spid="5"/>
+                                        </p:tgtEl>
+                                        <p:attrNameLst>
+                                          <p:attrName>style.visibility</p:attrName>
+                                        </p:attrNameLst>
+                                      </p:cBhvr>
+                                      <p:to>
+                                        <p:strVal val="visible"/>
+                                      </p:to>
+                                    </p:set>
+                                    <p:anim calcmode="lin" valueType="num">
+                                      <p:cBhvr additive="base">
+                                        <p:cTn id="13" dur="500" fill="hold"/>
+                                        <p:tgtEl>
+                                          <p:spTgt spid="5"/>
+                                        </p:tgtEl>
+                                        <p:attrNameLst>
+                                          <p:attrName>ppt_x</p:attrName>
+                                        </p:attrNameLst>
+                                      </p:cBhvr>
+                                      <p:tavLst>
+                                        <p:tav tm="0">
+                                          <p:val>
+                                            <p:strVal val="#ppt_x"/>
+                                          </p:val>
+                                        </p:tav>
+                                        <p:tav tm="100000">
+                                          <p:val>
+                                            <p:strVal val="#ppt_x"/>
+                                          </p:val>
+                                        </p:tav>
+                                      </p:tavLst>
+                                    </p:anim>
+                                    <p:anim calcmode="lin" valueType="num">
+                                      <p:cBhvr additive="base">
+                                        <p:cTn id="14" dur="500" fill="hold"/>
+                                        <p:tgtEl>
+                                          <p:spTgt spid="5"/>
+                                        </p:tgtEl>
+                                        <p:attrNameLst>
+                                          <p:attrName>ppt_y</p:attrName>
+                                        </p:attrNameLst>
+                                      </p:cBhvr>
+                                      <p:tavLst>
+                                        <p:tav tm="0">
+                                          <p:val>
+                                            <p:strVal val="1+#ppt_h/2"/>
+                                          </p:val>
+                                        </p:tav>
+                                        <p:tav tm="100000">
+                                          <p:val>
+                                            <p:strVal val="#ppt_y"/>
+                                          </p:val>
+                                        </p:tav>
+                                      </p:tavLst>
+                                    </p:anim>
+                                  </p:childTnLst>
+                                </p:cTn>
+                              </p:par>
+                            </p:childTnLst>
+                          </p:cTn>
+                        </p:par>
+                      </p:childTnLst>
+                    </p:cTn>
+                  </p:par>
+                </p:childTnLst>
+              </p:cTn>
+              <p:prevCondLst>
+                <p:cond evt="onPrev" delay="0">
+                  <p:tgtEl>
+                    <p:sldTgt/>
+                  </p:tgtEl>
+                </p:cond>
+              </p:prevCondLst>
+              <p:nextCondLst>
+                <p:cond evt="onNext" delay="0">
+                  <p:tgtEl>
+                    <p:sldTgt/>
+                  </p:tgtEl>
+                </p:cond>
+              </p:nextCondLst>
+            </p:seq>
+          </p:childTnLst>
+        </p:cTn>
+      </p:par>
+    </p:tnLst>
+    <p:bldLst>
+      <p:bldP spid="5" grpId="0" animBg="1"/>
+      <p:bldP spid="6" grpId="0" animBg="1"/>
+    </p:bldLst>
+  </p:timing>
+</p:sld>
+</file>
+
+<file path=ppt/slides/slide21.xml><?xml version="1.0" encoding="utf-8"?>
+<p:sld xmlns:a="http://schemas.openxmlformats.org/drawingml/2006/main" xmlns:r="http://schemas.openxmlformats.org/officeDocument/2006/relationships" xmlns:p="http://schemas.openxmlformats.org/presentationml/2006/main">
+  <p:cSld>
+    <p:spTree>
+      <p:nvGrpSpPr>
+        <p:cNvPr id="1" name=""/>
+        <p:cNvGrpSpPr/>
+        <p:nvPr/>
+      </p:nvGrpSpPr>
+      <p:grpSpPr>
+        <a:xfrm>
+          <a:off x="0" y="0"/>
+          <a:ext cx="0" cy="0"/>
+          <a:chOff x="0" y="0"/>
+          <a:chExt cx="0" cy="0"/>
+        </a:xfrm>
+      </p:grpSpPr>
+      <p:sp>
+        <p:nvSpPr>
           <p:cNvPr id="2" name="Title 1">
             <a:extLst>
               <a:ext uri="{FF2B5EF4-FFF2-40B4-BE49-F238E27FC236}">
@@ -8882,9 +9822,10 @@
               <a:rPr lang="en-US" dirty="0"/>
             </a:br>
             <a:r>
-              <a:rPr lang="en-US" dirty="0"/>
-              <a:t>     5 to 10 min, in pairs if you like</a:t>
-            </a:r>
+              <a:rPr lang="en-US"/>
+              <a:t>     </a:t>
+            </a:r>
+            <a:endParaRPr lang="en-US" dirty="0"/>
           </a:p>
         </p:txBody>
       </p:sp>
@@ -8966,7 +9907,7 @@
           <p:nvPr/>
         </p:nvPicPr>
         <p:blipFill>
-          <a:blip r:embed="rId2"/>
+          <a:blip r:embed="rId3"/>
           <a:stretch>
             <a:fillRect/>
           </a:stretch>
@@ -9027,105 +9968,6 @@
               <a:rPr lang="en-US"/>
               <a:t>3</a:t>
             </a:r>
-          </a:p>
-        </p:txBody>
-      </p:sp>
-      <p:sp>
-        <p:nvSpPr>
-          <p:cNvPr id="7" name="Content Placeholder 2">
-            <a:extLst>
-              <a:ext uri="{FF2B5EF4-FFF2-40B4-BE49-F238E27FC236}">
-                <a16:creationId xmlns:a16="http://schemas.microsoft.com/office/drawing/2014/main" id="{3529DEDD-86F8-49B1-9DB7-DBE64A8B6C29}"/>
-              </a:ext>
-            </a:extLst>
-          </p:cNvPr>
-          <p:cNvSpPr>
-            <a:spLocks noGrp="1"/>
-          </p:cNvSpPr>
-          <p:nvPr>
-            <p:ph idx="1"/>
-          </p:nvPr>
-        </p:nvSpPr>
-        <p:spPr>
-          <a:xfrm>
-            <a:off x="387215" y="5364093"/>
-            <a:ext cx="4481965" cy="1316377"/>
-          </a:xfrm>
-        </p:spPr>
-        <p:txBody>
-          <a:bodyPr>
-            <a:normAutofit/>
-          </a:bodyPr>
-          <a:lstStyle/>
-          <a:p>
-            <a:pPr marL="0" indent="0">
-              <a:buNone/>
-            </a:pPr>
-            <a:r>
-              <a:rPr lang="en-US" sz="1800" dirty="0"/>
-              <a:t>Note: </a:t>
-            </a:r>
-          </a:p>
-          <a:p>
-            <a:pPr marL="0" indent="0">
-              <a:buNone/>
-            </a:pPr>
-            <a:r>
-              <a:rPr lang="en-US" sz="1800" dirty="0"/>
-              <a:t>Don’t read more into the English text than is there, e.g., “there ought to be a way to create accounts!”  </a:t>
-            </a:r>
-          </a:p>
-        </p:txBody>
-      </p:sp>
-      <p:sp>
-        <p:nvSpPr>
-          <p:cNvPr id="10" name="Rectangle: Rounded Corners 9">
-            <a:extLst>
-              <a:ext uri="{FF2B5EF4-FFF2-40B4-BE49-F238E27FC236}">
-                <a16:creationId xmlns:a16="http://schemas.microsoft.com/office/drawing/2014/main" id="{CEC19880-D290-4CA7-94C4-84837DC95DD7}"/>
-              </a:ext>
-            </a:extLst>
-          </p:cNvPr>
-          <p:cNvSpPr/>
-          <p:nvPr/>
-        </p:nvSpPr>
-        <p:spPr>
-          <a:xfrm>
-            <a:off x="332764" y="5364092"/>
-            <a:ext cx="4707865" cy="1185297"/>
-          </a:xfrm>
-          <a:prstGeom prst="roundRect">
-            <a:avLst/>
-          </a:prstGeom>
-          <a:noFill/>
-          <a:ln>
-            <a:solidFill>
-              <a:srgbClr val="FF0000"/>
-            </a:solidFill>
-          </a:ln>
-        </p:spPr>
-        <p:style>
-          <a:lnRef idx="2">
-            <a:schemeClr val="accent1">
-              <a:shade val="50000"/>
-            </a:schemeClr>
-          </a:lnRef>
-          <a:fillRef idx="1">
-            <a:schemeClr val="accent1"/>
-          </a:fillRef>
-          <a:effectRef idx="0">
-            <a:schemeClr val="accent1"/>
-          </a:effectRef>
-          <a:fontRef idx="minor">
-            <a:schemeClr val="lt1"/>
-          </a:fontRef>
-        </p:style>
-        <p:txBody>
-          <a:bodyPr rtlCol="0" anchor="ctr"/>
-          <a:lstStyle/>
-          <a:p>
-            <a:pPr algn="ctr"/>
-            <a:endParaRPr lang="en-US"/>
           </a:p>
         </p:txBody>
       </p:sp>
@@ -9236,6 +10078,67 @@
           </a:fontRef>
         </p:style>
       </p:cxnSp>
+      <p:sp>
+        <p:nvSpPr>
+          <p:cNvPr id="13" name="Rounded Rectangle 12"/>
+          <p:cNvSpPr/>
+          <p:nvPr/>
+        </p:nvSpPr>
+        <p:spPr>
+          <a:xfrm>
+            <a:off x="1078052" y="5242865"/>
+            <a:ext cx="3838193" cy="1323191"/>
+          </a:xfrm>
+          <a:prstGeom prst="roundRect">
+            <a:avLst/>
+          </a:prstGeom>
+        </p:spPr>
+        <p:style>
+          <a:lnRef idx="2">
+            <a:schemeClr val="accent4">
+              <a:shade val="50000"/>
+            </a:schemeClr>
+          </a:lnRef>
+          <a:fillRef idx="1">
+            <a:schemeClr val="accent4"/>
+          </a:fillRef>
+          <a:effectRef idx="0">
+            <a:schemeClr val="accent4"/>
+          </a:effectRef>
+          <a:fontRef idx="minor">
+            <a:schemeClr val="lt1"/>
+          </a:fontRef>
+        </p:style>
+        <p:txBody>
+          <a:bodyPr rtlCol="0" anchor="ctr"/>
+          <a:lstStyle/>
+          <a:p>
+            <a:r>
+              <a:rPr lang="en-US" dirty="0">
+                <a:solidFill>
+                  <a:schemeClr val="tx1"/>
+                </a:solidFill>
+              </a:rPr>
+              <a:t>Note: </a:t>
+            </a:r>
+          </a:p>
+          <a:p>
+            <a:r>
+              <a:rPr lang="en-US" dirty="0">
+                <a:solidFill>
+                  <a:schemeClr val="tx1"/>
+                </a:solidFill>
+              </a:rPr>
+              <a:t>Don’t read more into the English text than is there, e.g., “there ought to be a way to create accounts!”  </a:t>
+            </a:r>
+            <a:endParaRPr lang="en-US" dirty="0">
+              <a:solidFill>
+                <a:schemeClr val="tx1"/>
+              </a:solidFill>
+            </a:endParaRPr>
+          </a:p>
+        </p:txBody>
+      </p:sp>
     </p:spTree>
     <p:extLst>
       <p:ext uri="{BB962C8B-B14F-4D97-AF65-F5344CB8AC3E}">
@@ -9246,10 +10149,17 @@
   <p:clrMapOvr>
     <a:masterClrMapping/>
   </p:clrMapOvr>
+  <p:timing>
+    <p:tnLst>
+      <p:par>
+        <p:cTn id="1" dur="indefinite" restart="never" nodeType="tmRoot"/>
+      </p:par>
+    </p:tnLst>
+  </p:timing>
 </p:sld>
 </file>
 
-<file path=ppt/slides/slide21.xml><?xml version="1.0" encoding="utf-8"?>
+<file path=ppt/slides/slide22.xml><?xml version="1.0" encoding="utf-8"?>
 <p:sld xmlns:a="http://schemas.openxmlformats.org/drawingml/2006/main" xmlns:r="http://schemas.openxmlformats.org/officeDocument/2006/relationships" xmlns:p="http://schemas.openxmlformats.org/presentationml/2006/main">
   <p:cSld>
     <p:spTree>
@@ -9466,6 +10376,141 @@
           </a:fontRef>
         </p:style>
       </p:cxnSp>
+      <p:sp>
+        <p:nvSpPr>
+          <p:cNvPr id="8" name="Rounded Rectangle 7"/>
+          <p:cNvSpPr/>
+          <p:nvPr/>
+        </p:nvSpPr>
+        <p:spPr>
+          <a:xfrm>
+            <a:off x="2108498" y="4943390"/>
+            <a:ext cx="3636085" cy="1323191"/>
+          </a:xfrm>
+          <a:prstGeom prst="roundRect">
+            <a:avLst/>
+          </a:prstGeom>
+        </p:spPr>
+        <p:style>
+          <a:lnRef idx="2">
+            <a:schemeClr val="accent4">
+              <a:shade val="50000"/>
+            </a:schemeClr>
+          </a:lnRef>
+          <a:fillRef idx="1">
+            <a:schemeClr val="accent4"/>
+          </a:fillRef>
+          <a:effectRef idx="0">
+            <a:schemeClr val="accent4"/>
+          </a:effectRef>
+          <a:fontRef idx="minor">
+            <a:schemeClr val="lt1"/>
+          </a:fontRef>
+        </p:style>
+        <p:txBody>
+          <a:bodyPr rtlCol="0" anchor="ctr"/>
+          <a:lstStyle/>
+          <a:p>
+            <a:pPr algn="ctr"/>
+            <a:r>
+              <a:rPr lang="en-US" dirty="0" smtClean="0">
+                <a:solidFill>
+                  <a:schemeClr val="tx1"/>
+                </a:solidFill>
+              </a:rPr>
+              <a:t>We </a:t>
+            </a:r>
+            <a:r>
+              <a:rPr lang="en-US" b="1" i="1" dirty="0" smtClean="0">
+                <a:solidFill>
+                  <a:schemeClr val="tx1"/>
+                </a:solidFill>
+              </a:rPr>
+              <a:t>implicitly</a:t>
+            </a:r>
+            <a:r>
+              <a:rPr lang="en-US" dirty="0" smtClean="0">
+                <a:solidFill>
+                  <a:schemeClr val="tx1"/>
+                </a:solidFill>
+              </a:rPr>
+              <a:t> assume there exists:</a:t>
+            </a:r>
+          </a:p>
+          <a:p>
+            <a:pPr algn="ctr"/>
+            <a:r>
+              <a:rPr lang="en-US" dirty="0" smtClean="0">
+                <a:solidFill>
+                  <a:schemeClr val="tx1"/>
+                </a:solidFill>
+              </a:rPr>
+              <a:t>constructors as needed</a:t>
+            </a:r>
+          </a:p>
+          <a:p>
+            <a:pPr algn="ctr"/>
+            <a:r>
+              <a:rPr lang="en-US" dirty="0" smtClean="0">
+                <a:solidFill>
+                  <a:schemeClr val="tx1"/>
+                </a:solidFill>
+              </a:rPr>
+              <a:t>getters and setters as needed</a:t>
+            </a:r>
+            <a:endParaRPr lang="en-US" dirty="0">
+              <a:solidFill>
+                <a:schemeClr val="tx1"/>
+              </a:solidFill>
+            </a:endParaRPr>
+          </a:p>
+        </p:txBody>
+      </p:sp>
+      <p:cxnSp>
+        <p:nvCxnSpPr>
+          <p:cNvPr id="16" name="Straight Arrow Connector 15">
+            <a:extLst>
+              <a:ext uri="{FF2B5EF4-FFF2-40B4-BE49-F238E27FC236}">
+                <a16:creationId xmlns:a16="http://schemas.microsoft.com/office/drawing/2014/main" id="{64515D22-5699-4CF0-8804-5E762EB2B61A}"/>
+              </a:ext>
+            </a:extLst>
+          </p:cNvPr>
+          <p:cNvCxnSpPr>
+            <a:cxnSpLocks/>
+          </p:cNvCxnSpPr>
+          <p:nvPr/>
+        </p:nvCxnSpPr>
+        <p:spPr>
+          <a:xfrm flipV="1">
+            <a:off x="3812716" y="3291840"/>
+            <a:ext cx="1362790" cy="1837852"/>
+          </a:xfrm>
+          <a:prstGeom prst="straightConnector1">
+            <a:avLst/>
+          </a:prstGeom>
+          <a:ln>
+            <a:solidFill>
+              <a:srgbClr val="FF0000"/>
+            </a:solidFill>
+            <a:headEnd w="lg" len="lg"/>
+            <a:tailEnd type="arrow" w="lg" len="lg"/>
+          </a:ln>
+        </p:spPr>
+        <p:style>
+          <a:lnRef idx="3">
+            <a:schemeClr val="accent1"/>
+          </a:lnRef>
+          <a:fillRef idx="0">
+            <a:schemeClr val="accent1"/>
+          </a:fillRef>
+          <a:effectRef idx="2">
+            <a:schemeClr val="accent1"/>
+          </a:effectRef>
+          <a:fontRef idx="minor">
+            <a:schemeClr val="tx1"/>
+          </a:fontRef>
+        </p:style>
+      </p:cxnSp>
     </p:spTree>
     <p:extLst>
       <p:ext uri="{BB962C8B-B14F-4D97-AF65-F5344CB8AC3E}">
@@ -9476,10 +10521,17 @@
   <p:clrMapOvr>
     <a:masterClrMapping/>
   </p:clrMapOvr>
+  <p:timing>
+    <p:tnLst>
+      <p:par>
+        <p:cTn id="1" dur="indefinite" restart="never" nodeType="tmRoot"/>
+      </p:par>
+    </p:tnLst>
+  </p:timing>
 </p:sld>
 </file>
 
-<file path=ppt/slides/slide22.xml><?xml version="1.0" encoding="utf-8"?>
+<file path=ppt/slides/slide23.xml><?xml version="1.0" encoding="utf-8"?>
 <p:sld xmlns:a="http://schemas.openxmlformats.org/drawingml/2006/main" xmlns:r="http://schemas.openxmlformats.org/officeDocument/2006/relationships" xmlns:p="http://schemas.openxmlformats.org/presentationml/2006/main">
   <p:cSld>
     <p:spTree>
@@ -9714,10 +10766,590 @@
   <p:clrMapOvr>
     <a:masterClrMapping/>
   </p:clrMapOvr>
+  <p:timing>
+    <p:tnLst>
+      <p:par>
+        <p:cTn id="1" dur="indefinite" restart="never" nodeType="tmRoot"/>
+      </p:par>
+    </p:tnLst>
+  </p:timing>
 </p:sld>
 </file>
 
-<file path=ppt/slides/slide23.xml><?xml version="1.0" encoding="utf-8"?>
+<file path=ppt/slides/slide24.xml><?xml version="1.0" encoding="utf-8"?>
+<p:sld xmlns:a="http://schemas.openxmlformats.org/drawingml/2006/main" xmlns:r="http://schemas.openxmlformats.org/officeDocument/2006/relationships" xmlns:p="http://schemas.openxmlformats.org/presentationml/2006/main">
+  <p:cSld>
+    <p:spTree>
+      <p:nvGrpSpPr>
+        <p:cNvPr id="1" name=""/>
+        <p:cNvGrpSpPr/>
+        <p:nvPr/>
+      </p:nvGrpSpPr>
+      <p:grpSpPr>
+        <a:xfrm>
+          <a:off x="0" y="0"/>
+          <a:ext cx="0" cy="0"/>
+          <a:chOff x="0" y="0"/>
+          <a:chExt cx="0" cy="0"/>
+        </a:xfrm>
+      </p:grpSpPr>
+      <p:sp>
+        <p:nvSpPr>
+          <p:cNvPr id="2" name="Title 1">
+            <a:extLst>
+              <a:ext uri="{FF2B5EF4-FFF2-40B4-BE49-F238E27FC236}">
+                <a16:creationId xmlns:a16="http://schemas.microsoft.com/office/drawing/2014/main" id="{90661CDA-10D9-4E16-94B4-CFF5CFDAD515}"/>
+              </a:ext>
+            </a:extLst>
+          </p:cNvPr>
+          <p:cNvSpPr>
+            <a:spLocks noGrp="1"/>
+          </p:cNvSpPr>
+          <p:nvPr>
+            <p:ph type="title"/>
+          </p:nvPr>
+        </p:nvSpPr>
+        <p:spPr>
+          <a:xfrm>
+            <a:off x="628650" y="22860"/>
+            <a:ext cx="7886700" cy="1071987"/>
+          </a:xfrm>
+        </p:spPr>
+        <p:txBody>
+          <a:bodyPr>
+            <a:normAutofit/>
+          </a:bodyPr>
+          <a:lstStyle/>
+          <a:p>
+            <a:r>
+              <a:rPr lang="en-US" dirty="0" smtClean="0"/>
+              <a:t>So… What </a:t>
+            </a:r>
+            <a:r>
+              <a:rPr lang="en-US" dirty="0"/>
+              <a:t>is wrong with this design? </a:t>
+            </a:r>
+            <a:br>
+              <a:rPr lang="en-US" dirty="0"/>
+            </a:br>
+            <a:r>
+              <a:rPr lang="en-US" dirty="0"/>
+              <a:t>     </a:t>
+            </a:r>
+          </a:p>
+        </p:txBody>
+      </p:sp>
+      <p:sp>
+        <p:nvSpPr>
+          <p:cNvPr id="6" name="TextBox 5">
+            <a:extLst>
+              <a:ext uri="{FF2B5EF4-FFF2-40B4-BE49-F238E27FC236}">
+                <a16:creationId xmlns:a16="http://schemas.microsoft.com/office/drawing/2014/main" id="{30FCF57C-A08C-4EA4-A46B-CF86C6E10D83}"/>
+              </a:ext>
+            </a:extLst>
+          </p:cNvPr>
+          <p:cNvSpPr txBox="1"/>
+          <p:nvPr/>
+        </p:nvSpPr>
+        <p:spPr>
+          <a:xfrm>
+            <a:off x="181429" y="1095284"/>
+            <a:ext cx="8899071" cy="2585323"/>
+          </a:xfrm>
+          <a:prstGeom prst="rect">
+            <a:avLst/>
+          </a:prstGeom>
+        </p:spPr>
+        <p:txBody>
+          <a:bodyPr rot="0" spcFirstLastPara="0" vertOverflow="overflow" horzOverflow="overflow" vert="horz" wrap="square" lIns="91440" tIns="45720" rIns="91440" bIns="45720" numCol="1" spcCol="0" rtlCol="0" fromWordArt="0" anchor="t" anchorCtr="0" forceAA="0" compatLnSpc="1">
+            <a:prstTxWarp prst="textNoShape">
+              <a:avLst/>
+            </a:prstTxWarp>
+            <a:spAutoFit/>
+          </a:bodyPr>
+          <a:lstStyle/>
+          <a:p>
+            <a:r>
+              <a:rPr lang="en-US" dirty="0">
+                <a:latin typeface="Arial"/>
+                <a:cs typeface="Arial"/>
+              </a:rPr>
+              <a:t>A particular company keeps a variety of different accounts for its projects. Each account has an account number and a balance.  When a deposit or withdrawal occurs, the transaction occurs immediately and the current balance should be updated. The system should support getting the current balance.  </a:t>
+            </a:r>
+          </a:p>
+          <a:p>
+            <a:endParaRPr lang="en-US" dirty="0">
+              <a:latin typeface="Arial"/>
+              <a:cs typeface="Arial"/>
+            </a:endParaRPr>
+          </a:p>
+          <a:p>
+            <a:r>
+              <a:rPr lang="en-US" dirty="0">
+                <a:latin typeface="Arial"/>
+                <a:cs typeface="Arial"/>
+              </a:rPr>
+              <a:t>The system should also support getting the balance as it existed at any date/time in the past.  Note the input historical date/time may not correspond to a particular transaction time - e.g. if the system had a balance of $1 at 1 pm and then was changed to $2 at 3 pm, a request for the balance at 2 pm should return $1</a:t>
+            </a:r>
+            <a:r>
+              <a:rPr lang="en-US" sz="1100" dirty="0">
+                <a:latin typeface="Arial"/>
+                <a:cs typeface="Arial"/>
+              </a:rPr>
+              <a:t>.</a:t>
+            </a:r>
+            <a:endParaRPr lang="en-US" dirty="0"/>
+          </a:p>
+        </p:txBody>
+      </p:sp>
+      <p:pic>
+        <p:nvPicPr>
+          <p:cNvPr id="3" name="Picture 9" descr="A screenshot of a cell phone&#10;&#10;Description generated with very high confidence">
+            <a:extLst>
+              <a:ext uri="{FF2B5EF4-FFF2-40B4-BE49-F238E27FC236}">
+                <a16:creationId xmlns:a16="http://schemas.microsoft.com/office/drawing/2014/main" id="{F57B4DBD-E392-40C8-9B7C-9681654904AB}"/>
+              </a:ext>
+            </a:extLst>
+          </p:cNvPr>
+          <p:cNvPicPr>
+            <a:picLocks noChangeAspect="1"/>
+          </p:cNvPicPr>
+          <p:nvPr/>
+        </p:nvPicPr>
+        <p:blipFill>
+          <a:blip r:embed="rId3"/>
+          <a:stretch>
+            <a:fillRect/>
+          </a:stretch>
+        </p:blipFill>
+        <p:spPr>
+          <a:xfrm>
+            <a:off x="1078052" y="3658184"/>
+            <a:ext cx="6409911" cy="3136587"/>
+          </a:xfrm>
+          <a:prstGeom prst="rect">
+            <a:avLst/>
+          </a:prstGeom>
+        </p:spPr>
+      </p:pic>
+      <p:sp>
+        <p:nvSpPr>
+          <p:cNvPr id="9" name="Rectangle 8">
+            <a:extLst>
+              <a:ext uri="{FF2B5EF4-FFF2-40B4-BE49-F238E27FC236}">
+                <a16:creationId xmlns:a16="http://schemas.microsoft.com/office/drawing/2014/main" id="{8BECC089-86A3-4F50-A38E-2BF71649161E}"/>
+              </a:ext>
+            </a:extLst>
+          </p:cNvPr>
+          <p:cNvSpPr/>
+          <p:nvPr/>
+        </p:nvSpPr>
+        <p:spPr>
+          <a:xfrm>
+            <a:off x="8178800" y="6056084"/>
+            <a:ext cx="351973" cy="397329"/>
+          </a:xfrm>
+          <a:prstGeom prst="rect">
+            <a:avLst/>
+          </a:prstGeom>
+        </p:spPr>
+        <p:style>
+          <a:lnRef idx="2">
+            <a:schemeClr val="accent1">
+              <a:shade val="50000"/>
+            </a:schemeClr>
+          </a:lnRef>
+          <a:fillRef idx="1">
+            <a:schemeClr val="accent1"/>
+          </a:fillRef>
+          <a:effectRef idx="0">
+            <a:schemeClr val="accent1"/>
+          </a:effectRef>
+          <a:fontRef idx="minor">
+            <a:schemeClr val="lt1"/>
+          </a:fontRef>
+        </p:style>
+        <p:txBody>
+          <a:bodyPr rtlCol="0" anchor="ctr"/>
+          <a:lstStyle/>
+          <a:p>
+            <a:pPr algn="ctr"/>
+            <a:r>
+              <a:rPr lang="en-US"/>
+              <a:t>3</a:t>
+            </a:r>
+          </a:p>
+        </p:txBody>
+      </p:sp>
+      <p:sp>
+        <p:nvSpPr>
+          <p:cNvPr id="11" name="Title 1">
+            <a:extLst>
+              <a:ext uri="{FF2B5EF4-FFF2-40B4-BE49-F238E27FC236}">
+                <a16:creationId xmlns:a16="http://schemas.microsoft.com/office/drawing/2014/main" id="{8B1B9767-DCEB-4694-9E9F-686D465E8397}"/>
+              </a:ext>
+            </a:extLst>
+          </p:cNvPr>
+          <p:cNvSpPr txBox="1">
+            <a:spLocks/>
+          </p:cNvSpPr>
+          <p:nvPr/>
+        </p:nvSpPr>
+        <p:spPr>
+          <a:xfrm>
+            <a:off x="7541282" y="4690729"/>
+            <a:ext cx="1539218" cy="1071987"/>
+          </a:xfrm>
+          <a:prstGeom prst="rect">
+            <a:avLst/>
+          </a:prstGeom>
+        </p:spPr>
+        <p:txBody>
+          <a:bodyPr vert="horz" lIns="91440" tIns="45720" rIns="91440" bIns="45720" rtlCol="0" anchor="ctr">
+            <a:normAutofit fontScale="85000" lnSpcReduction="20000"/>
+          </a:bodyPr>
+          <a:lstStyle>
+            <a:lvl1pPr algn="l" defTabSz="685800" rtl="0" eaLnBrk="1" latinLnBrk="0" hangingPunct="1">
+              <a:lnSpc>
+                <a:spcPct val="90000"/>
+              </a:lnSpc>
+              <a:spcBef>
+                <a:spcPct val="0"/>
+              </a:spcBef>
+              <a:buNone/>
+              <a:defRPr sz="3300" kern="1200">
+                <a:solidFill>
+                  <a:schemeClr val="tx1"/>
+                </a:solidFill>
+                <a:latin typeface="+mj-lt"/>
+                <a:ea typeface="+mj-ea"/>
+                <a:cs typeface="+mj-cs"/>
+              </a:defRPr>
+            </a:lvl1pPr>
+          </a:lstStyle>
+          <a:p>
+            <a:pPr algn="ctr"/>
+            <a:r>
+              <a:rPr lang="en-US" dirty="0"/>
+              <a:t>Quiz question</a:t>
+            </a:r>
+          </a:p>
+          <a:p>
+            <a:pPr algn="ctr"/>
+            <a:r>
+              <a:rPr lang="en-US" dirty="0"/>
+              <a:t>#3</a:t>
+            </a:r>
+          </a:p>
+        </p:txBody>
+      </p:sp>
+      <p:cxnSp>
+        <p:nvCxnSpPr>
+          <p:cNvPr id="12" name="Straight Arrow Connector 11">
+            <a:extLst>
+              <a:ext uri="{FF2B5EF4-FFF2-40B4-BE49-F238E27FC236}">
+                <a16:creationId xmlns:a16="http://schemas.microsoft.com/office/drawing/2014/main" id="{91D3AA2A-06F3-4AF3-97C4-2B5674C6CC26}"/>
+              </a:ext>
+            </a:extLst>
+          </p:cNvPr>
+          <p:cNvCxnSpPr>
+            <a:cxnSpLocks/>
+          </p:cNvCxnSpPr>
+          <p:nvPr/>
+        </p:nvCxnSpPr>
+        <p:spPr>
+          <a:xfrm>
+            <a:off x="8366760" y="5623560"/>
+            <a:ext cx="0" cy="432524"/>
+          </a:xfrm>
+          <a:prstGeom prst="straightConnector1">
+            <a:avLst/>
+          </a:prstGeom>
+          <a:ln>
+            <a:solidFill>
+              <a:srgbClr val="FF0000"/>
+            </a:solidFill>
+            <a:headEnd w="lg" len="lg"/>
+            <a:tailEnd type="arrow" w="lg" len="lg"/>
+          </a:ln>
+        </p:spPr>
+        <p:style>
+          <a:lnRef idx="3">
+            <a:schemeClr val="accent1"/>
+          </a:lnRef>
+          <a:fillRef idx="0">
+            <a:schemeClr val="accent1"/>
+          </a:fillRef>
+          <a:effectRef idx="2">
+            <a:schemeClr val="accent1"/>
+          </a:effectRef>
+          <a:fontRef idx="minor">
+            <a:schemeClr val="tx1"/>
+          </a:fontRef>
+        </p:style>
+      </p:cxnSp>
+      <p:sp>
+        <p:nvSpPr>
+          <p:cNvPr id="13" name="Rounded Rectangle 12"/>
+          <p:cNvSpPr/>
+          <p:nvPr/>
+        </p:nvSpPr>
+        <p:spPr>
+          <a:xfrm>
+            <a:off x="1078052" y="5242865"/>
+            <a:ext cx="3838193" cy="1323191"/>
+          </a:xfrm>
+          <a:prstGeom prst="roundRect">
+            <a:avLst/>
+          </a:prstGeom>
+        </p:spPr>
+        <p:style>
+          <a:lnRef idx="2">
+            <a:schemeClr val="accent4">
+              <a:shade val="50000"/>
+            </a:schemeClr>
+          </a:lnRef>
+          <a:fillRef idx="1">
+            <a:schemeClr val="accent4"/>
+          </a:fillRef>
+          <a:effectRef idx="0">
+            <a:schemeClr val="accent4"/>
+          </a:effectRef>
+          <a:fontRef idx="minor">
+            <a:schemeClr val="lt1"/>
+          </a:fontRef>
+        </p:style>
+        <p:txBody>
+          <a:bodyPr rtlCol="0" anchor="ctr"/>
+          <a:lstStyle/>
+          <a:p>
+            <a:r>
+              <a:rPr lang="en-US" dirty="0">
+                <a:solidFill>
+                  <a:schemeClr val="tx1"/>
+                </a:solidFill>
+              </a:rPr>
+              <a:t>Note: </a:t>
+            </a:r>
+          </a:p>
+          <a:p>
+            <a:r>
+              <a:rPr lang="en-US" dirty="0">
+                <a:solidFill>
+                  <a:schemeClr val="tx1"/>
+                </a:solidFill>
+              </a:rPr>
+              <a:t>Don’t read more into the English text than is there, e.g., “there ought to be a way to create accounts!”  </a:t>
+            </a:r>
+            <a:endParaRPr lang="en-US" dirty="0">
+              <a:solidFill>
+                <a:schemeClr val="tx1"/>
+              </a:solidFill>
+            </a:endParaRPr>
+          </a:p>
+        </p:txBody>
+      </p:sp>
+      <p:sp>
+        <p:nvSpPr>
+          <p:cNvPr id="10" name="Rounded Rectangle 9"/>
+          <p:cNvSpPr/>
+          <p:nvPr/>
+        </p:nvSpPr>
+        <p:spPr>
+          <a:xfrm>
+            <a:off x="3998548" y="99679"/>
+            <a:ext cx="4708479" cy="1009685"/>
+          </a:xfrm>
+          <a:prstGeom prst="roundRect">
+            <a:avLst/>
+          </a:prstGeom>
+          <a:solidFill>
+            <a:srgbClr val="FF0000"/>
+          </a:solidFill>
+        </p:spPr>
+        <p:style>
+          <a:lnRef idx="2">
+            <a:schemeClr val="accent1">
+              <a:shade val="50000"/>
+            </a:schemeClr>
+          </a:lnRef>
+          <a:fillRef idx="1">
+            <a:schemeClr val="accent1"/>
+          </a:fillRef>
+          <a:effectRef idx="0">
+            <a:schemeClr val="accent1"/>
+          </a:effectRef>
+          <a:fontRef idx="minor">
+            <a:schemeClr val="lt1"/>
+          </a:fontRef>
+        </p:style>
+        <p:txBody>
+          <a:bodyPr rtlCol="0" anchor="ctr"/>
+          <a:lstStyle/>
+          <a:p>
+            <a:r>
+              <a:rPr lang="en-US" b="1" dirty="0"/>
+              <a:t>PAUSE THIS </a:t>
+            </a:r>
+            <a:r>
+              <a:rPr lang="en-US" b="1" dirty="0" smtClean="0"/>
+              <a:t>VIDEO HERE for a couple minutes!</a:t>
+            </a:r>
+            <a:endParaRPr lang="en-US" b="1" dirty="0"/>
+          </a:p>
+          <a:p>
+            <a:r>
+              <a:rPr lang="en-US" dirty="0"/>
+              <a:t>Try to see what you can think might be wrong</a:t>
+            </a:r>
+          </a:p>
+          <a:p>
+            <a:r>
+              <a:rPr lang="en-US" dirty="0"/>
+              <a:t>When you have an idea, then continue</a:t>
+            </a:r>
+            <a:endParaRPr lang="en-US" dirty="0"/>
+          </a:p>
+        </p:txBody>
+      </p:sp>
+    </p:spTree>
+    <p:extLst>
+      <p:ext uri="{BB962C8B-B14F-4D97-AF65-F5344CB8AC3E}">
+        <p14:creationId xmlns:p14="http://schemas.microsoft.com/office/powerpoint/2010/main" val="1062219309"/>
+      </p:ext>
+    </p:extLst>
+  </p:cSld>
+  <p:clrMapOvr>
+    <a:masterClrMapping/>
+  </p:clrMapOvr>
+  <p:timing>
+    <p:tnLst>
+      <p:par>
+        <p:cTn id="1" dur="indefinite" restart="never" nodeType="tmRoot">
+          <p:childTnLst>
+            <p:seq concurrent="1" nextAc="seek">
+              <p:cTn id="2" dur="indefinite" nodeType="mainSeq">
+                <p:childTnLst>
+                  <p:par>
+                    <p:cTn id="3" fill="hold">
+                      <p:stCondLst>
+                        <p:cond delay="indefinite"/>
+                      </p:stCondLst>
+                      <p:childTnLst>
+                        <p:par>
+                          <p:cTn id="4" fill="hold">
+                            <p:stCondLst>
+                              <p:cond delay="0"/>
+                            </p:stCondLst>
+                            <p:childTnLst>
+                              <p:par>
+                                <p:cTn id="5" presetID="2" presetClass="entr" presetSubtype="4" fill="hold" grpId="0" nodeType="clickEffect">
+                                  <p:stCondLst>
+                                    <p:cond delay="0"/>
+                                  </p:stCondLst>
+                                  <p:childTnLst>
+                                    <p:set>
+                                      <p:cBhvr>
+                                        <p:cTn id="6" dur="1" fill="hold">
+                                          <p:stCondLst>
+                                            <p:cond delay="0"/>
+                                          </p:stCondLst>
+                                        </p:cTn>
+                                        <p:tgtEl>
+                                          <p:spTgt spid="10"/>
+                                        </p:tgtEl>
+                                        <p:attrNameLst>
+                                          <p:attrName>style.visibility</p:attrName>
+                                        </p:attrNameLst>
+                                      </p:cBhvr>
+                                      <p:to>
+                                        <p:strVal val="visible"/>
+                                      </p:to>
+                                    </p:set>
+                                    <p:anim calcmode="lin" valueType="num">
+                                      <p:cBhvr additive="base">
+                                        <p:cTn id="7" dur="500" fill="hold"/>
+                                        <p:tgtEl>
+                                          <p:spTgt spid="10"/>
+                                        </p:tgtEl>
+                                        <p:attrNameLst>
+                                          <p:attrName>ppt_x</p:attrName>
+                                        </p:attrNameLst>
+                                      </p:cBhvr>
+                                      <p:tavLst>
+                                        <p:tav tm="0">
+                                          <p:val>
+                                            <p:strVal val="#ppt_x"/>
+                                          </p:val>
+                                        </p:tav>
+                                        <p:tav tm="100000">
+                                          <p:val>
+                                            <p:strVal val="#ppt_x"/>
+                                          </p:val>
+                                        </p:tav>
+                                      </p:tavLst>
+                                    </p:anim>
+                                    <p:anim calcmode="lin" valueType="num">
+                                      <p:cBhvr additive="base">
+                                        <p:cTn id="8" dur="500" fill="hold"/>
+                                        <p:tgtEl>
+                                          <p:spTgt spid="10"/>
+                                        </p:tgtEl>
+                                        <p:attrNameLst>
+                                          <p:attrName>ppt_y</p:attrName>
+                                        </p:attrNameLst>
+                                      </p:cBhvr>
+                                      <p:tavLst>
+                                        <p:tav tm="0">
+                                          <p:val>
+                                            <p:strVal val="1+#ppt_h/2"/>
+                                          </p:val>
+                                        </p:tav>
+                                        <p:tav tm="100000">
+                                          <p:val>
+                                            <p:strVal val="#ppt_y"/>
+                                          </p:val>
+                                        </p:tav>
+                                      </p:tavLst>
+                                    </p:anim>
+                                  </p:childTnLst>
+                                </p:cTn>
+                              </p:par>
+                            </p:childTnLst>
+                          </p:cTn>
+                        </p:par>
+                      </p:childTnLst>
+                    </p:cTn>
+                  </p:par>
+                </p:childTnLst>
+              </p:cTn>
+              <p:prevCondLst>
+                <p:cond evt="onPrev" delay="0">
+                  <p:tgtEl>
+                    <p:sldTgt/>
+                  </p:tgtEl>
+                </p:cond>
+              </p:prevCondLst>
+              <p:nextCondLst>
+                <p:cond evt="onNext" delay="0">
+                  <p:tgtEl>
+                    <p:sldTgt/>
+                  </p:tgtEl>
+                </p:cond>
+              </p:nextCondLst>
+            </p:seq>
+          </p:childTnLst>
+        </p:cTn>
+      </p:par>
+    </p:tnLst>
+    <p:bldLst>
+      <p:bldP spid="10" grpId="0" animBg="1"/>
+    </p:bldLst>
+  </p:timing>
+</p:sld>
+</file>
+
+<file path=ppt/slides/slide25.xml><?xml version="1.0" encoding="utf-8"?>
 <p:sld xmlns:a="http://schemas.openxmlformats.org/drawingml/2006/main" xmlns:r="http://schemas.openxmlformats.org/officeDocument/2006/relationships" xmlns:p="http://schemas.openxmlformats.org/presentationml/2006/main">
   <p:cSld>
     <p:spTree>
@@ -9855,10 +11487,17 @@
   <p:clrMapOvr>
     <a:masterClrMapping/>
   </p:clrMapOvr>
+  <p:timing>
+    <p:tnLst>
+      <p:par>
+        <p:cTn id="1" dur="indefinite" restart="never" nodeType="tmRoot"/>
+      </p:par>
+    </p:tnLst>
+  </p:timing>
 </p:sld>
 </file>
 
-<file path=ppt/slides/slide24.xml><?xml version="1.0" encoding="utf-8"?>
+<file path=ppt/slides/slide26.xml><?xml version="1.0" encoding="utf-8"?>
 <p:sld xmlns:a="http://schemas.openxmlformats.org/drawingml/2006/main" xmlns:r="http://schemas.openxmlformats.org/officeDocument/2006/relationships" xmlns:p="http://schemas.openxmlformats.org/presentationml/2006/main">
   <p:cSld>
     <p:spTree>
@@ -9940,7 +11579,14 @@
                 <a:latin typeface="Arial"/>
                 <a:cs typeface="Arial"/>
               </a:rPr>
-              <a:t>Find the problem with this design and then propose your own.</a:t>
+              <a:t>Find the problem with this </a:t>
+            </a:r>
+            <a:r>
+              <a:rPr lang="en-US" b="1" dirty="0" smtClean="0">
+                <a:latin typeface="Arial"/>
+                <a:cs typeface="Arial"/>
+              </a:rPr>
+              <a:t>design</a:t>
             </a:r>
             <a:endParaRPr lang="en-US" b="1" dirty="0"/>
           </a:p>
@@ -9968,7 +11614,7 @@
         </p:blipFill>
         <p:spPr>
           <a:xfrm>
-            <a:off x="395148" y="3802545"/>
+            <a:off x="409187" y="3938124"/>
             <a:ext cx="7819529" cy="2179549"/>
           </a:xfrm>
           <a:prstGeom prst="rect">
@@ -10106,6 +11752,69 @@
           </a:fontRef>
         </p:style>
       </p:cxnSp>
+      <p:sp>
+        <p:nvSpPr>
+          <p:cNvPr id="8" name="Rounded Rectangle 7"/>
+          <p:cNvSpPr/>
+          <p:nvPr/>
+        </p:nvSpPr>
+        <p:spPr>
+          <a:xfrm>
+            <a:off x="409187" y="3433281"/>
+            <a:ext cx="4708479" cy="1009685"/>
+          </a:xfrm>
+          <a:prstGeom prst="roundRect">
+            <a:avLst/>
+          </a:prstGeom>
+          <a:solidFill>
+            <a:srgbClr val="FF0000"/>
+          </a:solidFill>
+        </p:spPr>
+        <p:style>
+          <a:lnRef idx="2">
+            <a:schemeClr val="accent1">
+              <a:shade val="50000"/>
+            </a:schemeClr>
+          </a:lnRef>
+          <a:fillRef idx="1">
+            <a:schemeClr val="accent1"/>
+          </a:fillRef>
+          <a:effectRef idx="0">
+            <a:schemeClr val="accent1"/>
+          </a:effectRef>
+          <a:fontRef idx="minor">
+            <a:schemeClr val="lt1"/>
+          </a:fontRef>
+        </p:style>
+        <p:txBody>
+          <a:bodyPr rtlCol="0" anchor="ctr"/>
+          <a:lstStyle/>
+          <a:p>
+            <a:r>
+              <a:rPr lang="en-US" b="1" dirty="0"/>
+              <a:t>PAUSE THIS </a:t>
+            </a:r>
+            <a:r>
+              <a:rPr lang="en-US" b="1" dirty="0" smtClean="0"/>
+              <a:t>VIDEO HERE for a couple minutes!</a:t>
+            </a:r>
+            <a:endParaRPr lang="en-US" b="1" dirty="0"/>
+          </a:p>
+          <a:p>
+            <a:r>
+              <a:rPr lang="en-US" dirty="0"/>
+              <a:t>Try to see what you can think might be wrong</a:t>
+            </a:r>
+          </a:p>
+          <a:p>
+            <a:r>
+              <a:rPr lang="en-US" dirty="0"/>
+              <a:t>When you have an idea, then continue</a:t>
+            </a:r>
+            <a:endParaRPr lang="en-US" dirty="0"/>
+          </a:p>
+        </p:txBody>
+      </p:sp>
     </p:spTree>
     <p:extLst>
       <p:ext uri="{BB962C8B-B14F-4D97-AF65-F5344CB8AC3E}">
@@ -10116,10 +11825,134 @@
   <p:clrMapOvr>
     <a:masterClrMapping/>
   </p:clrMapOvr>
+  <p:timing>
+    <p:tnLst>
+      <p:par>
+        <p:cTn id="1" dur="indefinite" restart="never" nodeType="tmRoot">
+          <p:childTnLst>
+            <p:seq concurrent="1" nextAc="seek">
+              <p:cTn id="2" dur="indefinite" nodeType="mainSeq">
+                <p:childTnLst>
+                  <p:par>
+                    <p:cTn id="3" fill="hold">
+                      <p:stCondLst>
+                        <p:cond delay="indefinite"/>
+                      </p:stCondLst>
+                      <p:childTnLst>
+                        <p:par>
+                          <p:cTn id="4" fill="hold">
+                            <p:stCondLst>
+                              <p:cond delay="0"/>
+                            </p:stCondLst>
+                            <p:childTnLst>
+                              <p:par>
+                                <p:cTn id="5" presetID="2" presetClass="entr" presetSubtype="4" fill="hold" grpId="0" nodeType="clickEffect">
+                                  <p:stCondLst>
+                                    <p:cond delay="0"/>
+                                  </p:stCondLst>
+                                  <p:childTnLst>
+                                    <p:set>
+                                      <p:cBhvr>
+                                        <p:cTn id="6" dur="1" fill="hold">
+                                          <p:stCondLst>
+                                            <p:cond delay="0"/>
+                                          </p:stCondLst>
+                                        </p:cTn>
+                                        <p:tgtEl>
+                                          <p:spTgt spid="8"/>
+                                        </p:tgtEl>
+                                        <p:attrNameLst>
+                                          <p:attrName>style.visibility</p:attrName>
+                                        </p:attrNameLst>
+                                      </p:cBhvr>
+                                      <p:to>
+                                        <p:strVal val="visible"/>
+                                      </p:to>
+                                    </p:set>
+                                    <p:anim calcmode="lin" valueType="num">
+                                      <p:cBhvr additive="base">
+                                        <p:cTn id="7" dur="500" fill="hold"/>
+                                        <p:tgtEl>
+                                          <p:spTgt spid="8"/>
+                                        </p:tgtEl>
+                                        <p:attrNameLst>
+                                          <p:attrName>ppt_x</p:attrName>
+                                        </p:attrNameLst>
+                                      </p:cBhvr>
+                                      <p:tavLst>
+                                        <p:tav tm="0">
+                                          <p:val>
+                                            <p:strVal val="#ppt_x"/>
+                                          </p:val>
+                                        </p:tav>
+                                        <p:tav tm="100000">
+                                          <p:val>
+                                            <p:strVal val="#ppt_x"/>
+                                          </p:val>
+                                        </p:tav>
+                                      </p:tavLst>
+                                    </p:anim>
+                                    <p:anim calcmode="lin" valueType="num">
+                                      <p:cBhvr additive="base">
+                                        <p:cTn id="8" dur="500" fill="hold"/>
+                                        <p:tgtEl>
+                                          <p:spTgt spid="8"/>
+                                        </p:tgtEl>
+                                        <p:attrNameLst>
+                                          <p:attrName>ppt_y</p:attrName>
+                                        </p:attrNameLst>
+                                      </p:cBhvr>
+                                      <p:tavLst>
+                                        <p:tav tm="0">
+                                          <p:val>
+                                            <p:strVal val="1+#ppt_h/2"/>
+                                          </p:val>
+                                        </p:tav>
+                                        <p:tav tm="100000">
+                                          <p:val>
+                                            <p:strVal val="#ppt_y"/>
+                                          </p:val>
+                                        </p:tav>
+                                      </p:tavLst>
+                                    </p:anim>
+                                  </p:childTnLst>
+                                </p:cTn>
+                              </p:par>
+                            </p:childTnLst>
+                          </p:cTn>
+                        </p:par>
+                      </p:childTnLst>
+                    </p:cTn>
+                  </p:par>
+                </p:childTnLst>
+              </p:cTn>
+              <p:prevCondLst>
+                <p:cond evt="onPrev" delay="0">
+                  <p:tgtEl>
+                    <p:sldTgt/>
+                  </p:tgtEl>
+                </p:cond>
+              </p:prevCondLst>
+              <p:nextCondLst>
+                <p:cond evt="onNext" delay="0">
+                  <p:tgtEl>
+                    <p:sldTgt/>
+                  </p:tgtEl>
+                </p:cond>
+              </p:nextCondLst>
+            </p:seq>
+          </p:childTnLst>
+        </p:cTn>
+      </p:par>
+    </p:tnLst>
+    <p:bldLst>
+      <p:bldP spid="8" grpId="0" animBg="1"/>
+    </p:bldLst>
+  </p:timing>
 </p:sld>
 </file>
 
-<file path=ppt/slides/slide25.xml><?xml version="1.0" encoding="utf-8"?>
+<file path=ppt/slides/slide27.xml><?xml version="1.0" encoding="utf-8"?>
 <p:sld xmlns:a="http://schemas.openxmlformats.org/drawingml/2006/main" xmlns:r="http://schemas.openxmlformats.org/officeDocument/2006/relationships" xmlns:p="http://schemas.openxmlformats.org/presentationml/2006/main">
   <p:cSld>
     <p:spTree>
@@ -10259,10 +12092,1369 @@
   <p:clrMapOvr>
     <a:masterClrMapping/>
   </p:clrMapOvr>
+  <p:timing>
+    <p:tnLst>
+      <p:par>
+        <p:cTn id="1" dur="indefinite" restart="never" nodeType="tmRoot"/>
+      </p:par>
+    </p:tnLst>
+  </p:timing>
 </p:sld>
 </file>
 
-<file path=ppt/slides/slide26.xml><?xml version="1.0" encoding="utf-8"?>
+<file path=ppt/slides/slide28.xml><?xml version="1.0" encoding="utf-8"?>
+<p:sld xmlns:a="http://schemas.openxmlformats.org/drawingml/2006/main" xmlns:r="http://schemas.openxmlformats.org/officeDocument/2006/relationships" xmlns:p="http://schemas.openxmlformats.org/presentationml/2006/main">
+  <p:cSld>
+    <p:spTree>
+      <p:nvGrpSpPr>
+        <p:cNvPr id="1" name=""/>
+        <p:cNvGrpSpPr/>
+        <p:nvPr/>
+      </p:nvGrpSpPr>
+      <p:grpSpPr>
+        <a:xfrm>
+          <a:off x="0" y="0"/>
+          <a:ext cx="0" cy="0"/>
+          <a:chOff x="0" y="0"/>
+          <a:chExt cx="0" cy="0"/>
+        </a:xfrm>
+      </p:grpSpPr>
+      <p:sp>
+        <p:nvSpPr>
+          <p:cNvPr id="6" name="TextBox 5">
+            <a:extLst>
+              <a:ext uri="{FF2B5EF4-FFF2-40B4-BE49-F238E27FC236}">
+                <a16:creationId xmlns:a16="http://schemas.microsoft.com/office/drawing/2014/main" id="{30FCF57C-A08C-4EA4-A46B-CF86C6E10D83}"/>
+              </a:ext>
+            </a:extLst>
+          </p:cNvPr>
+          <p:cNvSpPr txBox="1"/>
+          <p:nvPr/>
+        </p:nvSpPr>
+        <p:spPr>
+          <a:xfrm>
+            <a:off x="154215" y="392067"/>
+            <a:ext cx="8899071" cy="3139321"/>
+          </a:xfrm>
+          <a:prstGeom prst="rect">
+            <a:avLst/>
+          </a:prstGeom>
+        </p:spPr>
+        <p:txBody>
+          <a:bodyPr rot="0" spcFirstLastPara="0" vertOverflow="overflow" horzOverflow="overflow" vert="horz" wrap="square" lIns="91440" tIns="45720" rIns="91440" bIns="45720" numCol="1" spcCol="0" rtlCol="0" fromWordArt="0" anchor="t" anchorCtr="0" forceAA="0" compatLnSpc="1">
+            <a:prstTxWarp prst="textNoShape">
+              <a:avLst/>
+            </a:prstTxWarp>
+            <a:spAutoFit/>
+          </a:bodyPr>
+          <a:lstStyle/>
+          <a:p>
+            <a:r>
+              <a:rPr lang="en-US" dirty="0">
+                <a:latin typeface="Arial"/>
+                <a:cs typeface="Arial"/>
+              </a:rPr>
+              <a:t>A particular company keeps a variety of different accounts for its projects. Each account has an account number and a balance.  When a deposit or withdrawal occurs, the transaction occurs immediately and the current balance should be updated. The system should support getting the current balance.  </a:t>
+            </a:r>
+          </a:p>
+          <a:p>
+            <a:endParaRPr lang="en-US" dirty="0">
+              <a:latin typeface="Arial"/>
+              <a:cs typeface="Arial"/>
+            </a:endParaRPr>
+          </a:p>
+          <a:p>
+            <a:r>
+              <a:rPr lang="en-US" dirty="0">
+                <a:latin typeface="Arial"/>
+                <a:cs typeface="Arial"/>
+              </a:rPr>
+              <a:t>The system should also support getting the balance as it existed at any date/time in the past.  Note the input historical date/time may not correspond to a particular transaction time - e.g. if the system had a balance of $1 at 1pm and then was changed to $2 at 3pm., a request for the balance at 2pm should return $1.</a:t>
+            </a:r>
+          </a:p>
+          <a:p>
+            <a:endParaRPr lang="en-US" dirty="0">
+              <a:latin typeface="Arial"/>
+              <a:cs typeface="Arial"/>
+            </a:endParaRPr>
+          </a:p>
+          <a:p>
+            <a:r>
+              <a:rPr lang="en-US" b="1" dirty="0" smtClean="0">
+                <a:latin typeface="Arial"/>
+                <a:cs typeface="Arial"/>
+              </a:rPr>
+              <a:t>Propose your own design</a:t>
+            </a:r>
+            <a:endParaRPr lang="en-US" b="1" dirty="0"/>
+          </a:p>
+        </p:txBody>
+      </p:sp>
+      <p:pic>
+        <p:nvPicPr>
+          <p:cNvPr id="23" name="Content Placeholder 4" descr="A screenshot of a cell phone&#10;&#10;Description generated with very high confidence">
+            <a:extLst>
+              <a:ext uri="{FF2B5EF4-FFF2-40B4-BE49-F238E27FC236}">
+                <a16:creationId xmlns:a16="http://schemas.microsoft.com/office/drawing/2014/main" id="{3AAE810B-CF04-42BA-93B2-CABD6CF9F2ED}"/>
+              </a:ext>
+            </a:extLst>
+          </p:cNvPr>
+          <p:cNvPicPr>
+            <a:picLocks noChangeAspect="1"/>
+          </p:cNvPicPr>
+          <p:nvPr/>
+        </p:nvPicPr>
+        <p:blipFill>
+          <a:blip r:embed="rId2"/>
+          <a:stretch>
+            <a:fillRect/>
+          </a:stretch>
+        </p:blipFill>
+        <p:spPr>
+          <a:xfrm>
+            <a:off x="409187" y="3938124"/>
+            <a:ext cx="7819529" cy="2179549"/>
+          </a:xfrm>
+          <a:prstGeom prst="rect">
+            <a:avLst/>
+          </a:prstGeom>
+        </p:spPr>
+      </p:pic>
+      <p:sp>
+        <p:nvSpPr>
+          <p:cNvPr id="25" name="Rectangle 24">
+            <a:extLst>
+              <a:ext uri="{FF2B5EF4-FFF2-40B4-BE49-F238E27FC236}">
+                <a16:creationId xmlns:a16="http://schemas.microsoft.com/office/drawing/2014/main" id="{F2216F0E-FA66-4639-93CB-EC8013DA6EA8}"/>
+              </a:ext>
+            </a:extLst>
+          </p:cNvPr>
+          <p:cNvSpPr/>
+          <p:nvPr/>
+        </p:nvSpPr>
+        <p:spPr>
+          <a:xfrm>
+            <a:off x="8015515" y="6056084"/>
+            <a:ext cx="515258" cy="397329"/>
+          </a:xfrm>
+          <a:prstGeom prst="rect">
+            <a:avLst/>
+          </a:prstGeom>
+        </p:spPr>
+        <p:style>
+          <a:lnRef idx="2">
+            <a:schemeClr val="accent1">
+              <a:shade val="50000"/>
+            </a:schemeClr>
+          </a:lnRef>
+          <a:fillRef idx="1">
+            <a:schemeClr val="accent1"/>
+          </a:fillRef>
+          <a:effectRef idx="0">
+            <a:schemeClr val="accent1"/>
+          </a:effectRef>
+          <a:fontRef idx="minor">
+            <a:schemeClr val="lt1"/>
+          </a:fontRef>
+        </p:style>
+        <p:txBody>
+          <a:bodyPr rtlCol="0" anchor="ctr"/>
+          <a:lstStyle/>
+          <a:p>
+            <a:pPr algn="ctr"/>
+            <a:r>
+              <a:rPr lang="en-US"/>
+              <a:t>4-5</a:t>
+            </a:r>
+            <a:endParaRPr lang="en-US" dirty="0"/>
+          </a:p>
+        </p:txBody>
+      </p:sp>
+      <p:sp>
+        <p:nvSpPr>
+          <p:cNvPr id="5" name="Title 2">
+            <a:extLst>
+              <a:ext uri="{FF2B5EF4-FFF2-40B4-BE49-F238E27FC236}">
+                <a16:creationId xmlns:a16="http://schemas.microsoft.com/office/drawing/2014/main" id="{9090FC49-9626-4BD9-92A5-8AA4D05B2A58}"/>
+              </a:ext>
+            </a:extLst>
+          </p:cNvPr>
+          <p:cNvSpPr>
+            <a:spLocks noGrp="1"/>
+          </p:cNvSpPr>
+          <p:nvPr>
+            <p:ph type="title"/>
+          </p:nvPr>
+        </p:nvSpPr>
+        <p:spPr>
+          <a:xfrm>
+            <a:off x="613227" y="5982094"/>
+            <a:ext cx="6130473" cy="722889"/>
+          </a:xfrm>
+        </p:spPr>
+        <p:txBody>
+          <a:bodyPr>
+            <a:normAutofit/>
+          </a:bodyPr>
+          <a:lstStyle/>
+          <a:p>
+            <a:r>
+              <a:rPr lang="en-US" dirty="0"/>
+              <a:t>Questions #4 &amp; #5 on today’s quiz</a:t>
+            </a:r>
+          </a:p>
+        </p:txBody>
+      </p:sp>
+      <p:cxnSp>
+        <p:nvCxnSpPr>
+          <p:cNvPr id="7" name="Straight Arrow Connector 6">
+            <a:extLst>
+              <a:ext uri="{FF2B5EF4-FFF2-40B4-BE49-F238E27FC236}">
+                <a16:creationId xmlns:a16="http://schemas.microsoft.com/office/drawing/2014/main" id="{F84AAA69-8F15-4815-B248-9B1CC6E355C6}"/>
+              </a:ext>
+            </a:extLst>
+          </p:cNvPr>
+          <p:cNvCxnSpPr>
+            <a:cxnSpLocks/>
+          </p:cNvCxnSpPr>
+          <p:nvPr/>
+        </p:nvCxnSpPr>
+        <p:spPr>
+          <a:xfrm flipV="1">
+            <a:off x="6531451" y="6253251"/>
+            <a:ext cx="1355249" cy="90288"/>
+          </a:xfrm>
+          <a:prstGeom prst="straightConnector1">
+            <a:avLst/>
+          </a:prstGeom>
+          <a:ln>
+            <a:solidFill>
+              <a:srgbClr val="FF0000"/>
+            </a:solidFill>
+            <a:headEnd w="lg" len="lg"/>
+            <a:tailEnd type="arrow" w="lg" len="lg"/>
+          </a:ln>
+        </p:spPr>
+        <p:style>
+          <a:lnRef idx="3">
+            <a:schemeClr val="accent1"/>
+          </a:lnRef>
+          <a:fillRef idx="0">
+            <a:schemeClr val="accent1"/>
+          </a:fillRef>
+          <a:effectRef idx="2">
+            <a:schemeClr val="accent1"/>
+          </a:effectRef>
+          <a:fontRef idx="minor">
+            <a:schemeClr val="tx1"/>
+          </a:fontRef>
+        </p:style>
+      </p:cxnSp>
+      <p:sp>
+        <p:nvSpPr>
+          <p:cNvPr id="8" name="Rounded Rectangle 7"/>
+          <p:cNvSpPr/>
+          <p:nvPr/>
+        </p:nvSpPr>
+        <p:spPr>
+          <a:xfrm>
+            <a:off x="409187" y="3511785"/>
+            <a:ext cx="4708479" cy="790701"/>
+          </a:xfrm>
+          <a:prstGeom prst="roundRect">
+            <a:avLst/>
+          </a:prstGeom>
+        </p:spPr>
+        <p:style>
+          <a:lnRef idx="2">
+            <a:schemeClr val="accent1">
+              <a:shade val="50000"/>
+            </a:schemeClr>
+          </a:lnRef>
+          <a:fillRef idx="1">
+            <a:schemeClr val="accent1"/>
+          </a:fillRef>
+          <a:effectRef idx="0">
+            <a:schemeClr val="accent1"/>
+          </a:effectRef>
+          <a:fontRef idx="minor">
+            <a:schemeClr val="lt1"/>
+          </a:fontRef>
+        </p:style>
+        <p:txBody>
+          <a:bodyPr rtlCol="0" anchor="ctr"/>
+          <a:lstStyle/>
+          <a:p>
+            <a:r>
+              <a:rPr lang="en-US" b="1" dirty="0"/>
+              <a:t>PAUSE THIS </a:t>
+            </a:r>
+            <a:r>
+              <a:rPr lang="en-US" b="1" dirty="0" smtClean="0"/>
+              <a:t>VIDEO HERE for 5-10 minutes!</a:t>
+            </a:r>
+            <a:endParaRPr lang="en-US" b="1" dirty="0"/>
+          </a:p>
+          <a:p>
+            <a:r>
+              <a:rPr lang="en-US" dirty="0"/>
+              <a:t>Try to </a:t>
+            </a:r>
+            <a:r>
+              <a:rPr lang="en-US" dirty="0" smtClean="0"/>
+              <a:t>make your own improved design </a:t>
+            </a:r>
+          </a:p>
+          <a:p>
+            <a:r>
+              <a:rPr lang="en-US" dirty="0" smtClean="0"/>
+              <a:t>Either paper or using </a:t>
+            </a:r>
+            <a:r>
+              <a:rPr lang="en-US" dirty="0" err="1" smtClean="0"/>
+              <a:t>plantuml</a:t>
+            </a:r>
+            <a:r>
+              <a:rPr lang="en-US" dirty="0" smtClean="0"/>
+              <a:t> is OK!</a:t>
+            </a:r>
+            <a:endParaRPr lang="en-US" dirty="0"/>
+          </a:p>
+        </p:txBody>
+      </p:sp>
+    </p:spTree>
+    <p:extLst>
+      <p:ext uri="{BB962C8B-B14F-4D97-AF65-F5344CB8AC3E}">
+        <p14:creationId xmlns:p14="http://schemas.microsoft.com/office/powerpoint/2010/main" val="526737724"/>
+      </p:ext>
+    </p:extLst>
+  </p:cSld>
+  <p:clrMapOvr>
+    <a:masterClrMapping/>
+  </p:clrMapOvr>
+  <p:timing>
+    <p:tnLst>
+      <p:par>
+        <p:cTn id="1" dur="indefinite" restart="never" nodeType="tmRoot">
+          <p:childTnLst>
+            <p:seq concurrent="1" nextAc="seek">
+              <p:cTn id="2" dur="indefinite" nodeType="mainSeq">
+                <p:childTnLst>
+                  <p:par>
+                    <p:cTn id="3" fill="hold">
+                      <p:stCondLst>
+                        <p:cond delay="indefinite"/>
+                      </p:stCondLst>
+                      <p:childTnLst>
+                        <p:par>
+                          <p:cTn id="4" fill="hold">
+                            <p:stCondLst>
+                              <p:cond delay="0"/>
+                            </p:stCondLst>
+                            <p:childTnLst>
+                              <p:par>
+                                <p:cTn id="5" presetID="2" presetClass="entr" presetSubtype="4" fill="hold" grpId="0" nodeType="clickEffect">
+                                  <p:stCondLst>
+                                    <p:cond delay="0"/>
+                                  </p:stCondLst>
+                                  <p:childTnLst>
+                                    <p:set>
+                                      <p:cBhvr>
+                                        <p:cTn id="6" dur="1" fill="hold">
+                                          <p:stCondLst>
+                                            <p:cond delay="0"/>
+                                          </p:stCondLst>
+                                        </p:cTn>
+                                        <p:tgtEl>
+                                          <p:spTgt spid="8"/>
+                                        </p:tgtEl>
+                                        <p:attrNameLst>
+                                          <p:attrName>style.visibility</p:attrName>
+                                        </p:attrNameLst>
+                                      </p:cBhvr>
+                                      <p:to>
+                                        <p:strVal val="visible"/>
+                                      </p:to>
+                                    </p:set>
+                                    <p:anim calcmode="lin" valueType="num">
+                                      <p:cBhvr additive="base">
+                                        <p:cTn id="7" dur="500" fill="hold"/>
+                                        <p:tgtEl>
+                                          <p:spTgt spid="8"/>
+                                        </p:tgtEl>
+                                        <p:attrNameLst>
+                                          <p:attrName>ppt_x</p:attrName>
+                                        </p:attrNameLst>
+                                      </p:cBhvr>
+                                      <p:tavLst>
+                                        <p:tav tm="0">
+                                          <p:val>
+                                            <p:strVal val="#ppt_x"/>
+                                          </p:val>
+                                        </p:tav>
+                                        <p:tav tm="100000">
+                                          <p:val>
+                                            <p:strVal val="#ppt_x"/>
+                                          </p:val>
+                                        </p:tav>
+                                      </p:tavLst>
+                                    </p:anim>
+                                    <p:anim calcmode="lin" valueType="num">
+                                      <p:cBhvr additive="base">
+                                        <p:cTn id="8" dur="500" fill="hold"/>
+                                        <p:tgtEl>
+                                          <p:spTgt spid="8"/>
+                                        </p:tgtEl>
+                                        <p:attrNameLst>
+                                          <p:attrName>ppt_y</p:attrName>
+                                        </p:attrNameLst>
+                                      </p:cBhvr>
+                                      <p:tavLst>
+                                        <p:tav tm="0">
+                                          <p:val>
+                                            <p:strVal val="1+#ppt_h/2"/>
+                                          </p:val>
+                                        </p:tav>
+                                        <p:tav tm="100000">
+                                          <p:val>
+                                            <p:strVal val="#ppt_y"/>
+                                          </p:val>
+                                        </p:tav>
+                                      </p:tavLst>
+                                    </p:anim>
+                                  </p:childTnLst>
+                                </p:cTn>
+                              </p:par>
+                            </p:childTnLst>
+                          </p:cTn>
+                        </p:par>
+                      </p:childTnLst>
+                    </p:cTn>
+                  </p:par>
+                </p:childTnLst>
+              </p:cTn>
+              <p:prevCondLst>
+                <p:cond evt="onPrev" delay="0">
+                  <p:tgtEl>
+                    <p:sldTgt/>
+                  </p:tgtEl>
+                </p:cond>
+              </p:prevCondLst>
+              <p:nextCondLst>
+                <p:cond evt="onNext" delay="0">
+                  <p:tgtEl>
+                    <p:sldTgt/>
+                  </p:tgtEl>
+                </p:cond>
+              </p:nextCondLst>
+            </p:seq>
+          </p:childTnLst>
+        </p:cTn>
+      </p:par>
+    </p:tnLst>
+    <p:bldLst>
+      <p:bldP spid="8" grpId="0" animBg="1"/>
+    </p:bldLst>
+  </p:timing>
+</p:sld>
+</file>
+
+<file path=ppt/slides/slide29.xml><?xml version="1.0" encoding="utf-8"?>
+<p:sld xmlns:a="http://schemas.openxmlformats.org/drawingml/2006/main" xmlns:r="http://schemas.openxmlformats.org/officeDocument/2006/relationships" xmlns:p="http://schemas.openxmlformats.org/presentationml/2006/main">
+  <p:cSld>
+    <p:spTree>
+      <p:nvGrpSpPr>
+        <p:cNvPr id="1" name=""/>
+        <p:cNvGrpSpPr/>
+        <p:nvPr/>
+      </p:nvGrpSpPr>
+      <p:grpSpPr>
+        <a:xfrm>
+          <a:off x="0" y="0"/>
+          <a:ext cx="0" cy="0"/>
+          <a:chOff x="0" y="0"/>
+          <a:chExt cx="0" cy="0"/>
+        </a:xfrm>
+      </p:grpSpPr>
+      <p:sp>
+        <p:nvSpPr>
+          <p:cNvPr id="2" name="Title 1"/>
+          <p:cNvSpPr>
+            <a:spLocks noGrp="1"/>
+          </p:cNvSpPr>
+          <p:nvPr>
+            <p:ph type="title"/>
+          </p:nvPr>
+        </p:nvSpPr>
+        <p:spPr/>
+        <p:txBody>
+          <a:bodyPr/>
+          <a:lstStyle/>
+          <a:p>
+            <a:r>
+              <a:rPr lang="en-US" dirty="0" smtClean="0"/>
+              <a:t>1. Draw by Hand OR</a:t>
+            </a:r>
+            <a:br>
+              <a:rPr lang="en-US" dirty="0" smtClean="0"/>
+            </a:br>
+            <a:r>
+              <a:rPr lang="en-US" dirty="0" smtClean="0"/>
+              <a:t>2. </a:t>
+            </a:r>
+            <a:r>
+              <a:rPr lang="en-US" dirty="0" err="1" smtClean="0"/>
+              <a:t>PlantUML</a:t>
+            </a:r>
+            <a:endParaRPr lang="en-US" dirty="0"/>
+          </a:p>
+        </p:txBody>
+      </p:sp>
+      <p:pic>
+        <p:nvPicPr>
+          <p:cNvPr id="4" name="Picture 8" descr="PlantUML diagram"/>
+          <p:cNvPicPr>
+            <a:picLocks noChangeAspect="1" noChangeArrowheads="1"/>
+          </p:cNvPicPr>
+          <p:nvPr/>
+        </p:nvPicPr>
+        <p:blipFill>
+          <a:blip r:embed="rId2">
+            <a:extLst>
+              <a:ext uri="{28A0092B-C50C-407E-A947-70E740481C1C}">
+                <a14:useLocalDpi xmlns:a14="http://schemas.microsoft.com/office/drawing/2010/main" val="0"/>
+              </a:ext>
+            </a:extLst>
+          </a:blip>
+          <a:srcRect/>
+          <a:stretch>
+            <a:fillRect/>
+          </a:stretch>
+        </p:blipFill>
+        <p:spPr bwMode="auto">
+          <a:xfrm>
+            <a:off x="444218" y="5113607"/>
+            <a:ext cx="3963160" cy="901573"/>
+          </a:xfrm>
+          <a:prstGeom prst="rect">
+            <a:avLst/>
+          </a:prstGeom>
+          <a:noFill/>
+          <a:extLst>
+            <a:ext uri="{909E8E84-426E-40DD-AFC4-6F175D3DCCD1}">
+              <a14:hiddenFill xmlns:a14="http://schemas.microsoft.com/office/drawing/2010/main">
+                <a:solidFill>
+                  <a:srgbClr val="FFFFFF"/>
+                </a:solidFill>
+              </a14:hiddenFill>
+            </a:ext>
+          </a:extLst>
+        </p:spPr>
+      </p:pic>
+      <p:sp>
+        <p:nvSpPr>
+          <p:cNvPr id="5" name="TextBox 4"/>
+          <p:cNvSpPr txBox="1"/>
+          <p:nvPr/>
+        </p:nvSpPr>
+        <p:spPr>
+          <a:xfrm>
+            <a:off x="956603" y="1793631"/>
+            <a:ext cx="4353951" cy="2031325"/>
+          </a:xfrm>
+          <a:prstGeom prst="rect">
+            <a:avLst/>
+          </a:prstGeom>
+          <a:noFill/>
+        </p:spPr>
+        <p:txBody>
+          <a:bodyPr wrap="square" rtlCol="0">
+            <a:spAutoFit/>
+          </a:bodyPr>
+          <a:lstStyle/>
+          <a:p>
+            <a:r>
+              <a:rPr lang="en-US" dirty="0" smtClean="0"/>
+              <a:t>General website</a:t>
+            </a:r>
+            <a:endParaRPr lang="en-US" dirty="0" smtClean="0">
+              <a:hlinkClick r:id="rId3"/>
+            </a:endParaRPr>
+          </a:p>
+          <a:p>
+            <a:r>
+              <a:rPr lang="en-US" dirty="0" smtClean="0">
+                <a:hlinkClick r:id="rId3"/>
+              </a:rPr>
+              <a:t>https</a:t>
+            </a:r>
+            <a:r>
+              <a:rPr lang="en-US" dirty="0">
+                <a:hlinkClick r:id="rId3"/>
+              </a:rPr>
+              <a:t>://plantuml.com</a:t>
+            </a:r>
+            <a:r>
+              <a:rPr lang="en-US" dirty="0" smtClean="0">
+                <a:hlinkClick r:id="rId3"/>
+              </a:rPr>
+              <a:t>/</a:t>
+            </a:r>
+            <a:endParaRPr lang="en-US" dirty="0" smtClean="0"/>
+          </a:p>
+          <a:p>
+            <a:endParaRPr lang="en-US" dirty="0" smtClean="0"/>
+          </a:p>
+          <a:p>
+            <a:r>
+              <a:rPr lang="en-US" dirty="0" smtClean="0"/>
+              <a:t>Free Browser Based Online Server</a:t>
+            </a:r>
+            <a:endParaRPr lang="en-US" dirty="0"/>
+          </a:p>
+          <a:p>
+            <a:r>
+              <a:rPr lang="en-US" dirty="0">
+                <a:hlinkClick r:id="rId4"/>
+              </a:rPr>
+              <a:t>http://www.plantuml.com/plantuml</a:t>
+            </a:r>
+            <a:r>
+              <a:rPr lang="en-US" dirty="0" smtClean="0">
+                <a:hlinkClick r:id="rId4"/>
+              </a:rPr>
+              <a:t>/</a:t>
+            </a:r>
+            <a:endParaRPr lang="en-US" dirty="0" smtClean="0"/>
+          </a:p>
+          <a:p>
+            <a:endParaRPr lang="en-US" dirty="0"/>
+          </a:p>
+          <a:p>
+            <a:endParaRPr lang="en-US" dirty="0"/>
+          </a:p>
+        </p:txBody>
+      </p:sp>
+      <p:sp>
+        <p:nvSpPr>
+          <p:cNvPr id="6" name="Rectangle 5"/>
+          <p:cNvSpPr/>
+          <p:nvPr/>
+        </p:nvSpPr>
+        <p:spPr>
+          <a:xfrm>
+            <a:off x="5176912" y="119576"/>
+            <a:ext cx="3509889" cy="6548511"/>
+          </a:xfrm>
+          <a:prstGeom prst="rect">
+            <a:avLst/>
+          </a:prstGeom>
+        </p:spPr>
+        <p:style>
+          <a:lnRef idx="2">
+            <a:schemeClr val="accent1">
+              <a:shade val="50000"/>
+            </a:schemeClr>
+          </a:lnRef>
+          <a:fillRef idx="1">
+            <a:schemeClr val="accent1"/>
+          </a:fillRef>
+          <a:effectRef idx="0">
+            <a:schemeClr val="accent1"/>
+          </a:effectRef>
+          <a:fontRef idx="minor">
+            <a:schemeClr val="lt1"/>
+          </a:fontRef>
+        </p:style>
+        <p:txBody>
+          <a:bodyPr rtlCol="0" anchor="ctr"/>
+          <a:lstStyle/>
+          <a:p>
+            <a:r>
+              <a:rPr lang="en-US" dirty="0">
+                <a:latin typeface="Consolas" panose="020B0609020204030204" pitchFamily="49" charset="0"/>
+              </a:rPr>
+              <a:t>@</a:t>
+            </a:r>
+            <a:r>
+              <a:rPr lang="en-US" dirty="0" err="1">
+                <a:latin typeface="Consolas" panose="020B0609020204030204" pitchFamily="49" charset="0"/>
+              </a:rPr>
+              <a:t>startuml</a:t>
+            </a:r>
+            <a:endParaRPr lang="en-US" dirty="0">
+              <a:latin typeface="Consolas" panose="020B0609020204030204" pitchFamily="49" charset="0"/>
+            </a:endParaRPr>
+          </a:p>
+          <a:p>
+            <a:r>
+              <a:rPr lang="en-US" dirty="0" err="1">
+                <a:latin typeface="Consolas" panose="020B0609020204030204" pitchFamily="49" charset="0"/>
+              </a:rPr>
+              <a:t>skinparam</a:t>
+            </a:r>
+            <a:r>
+              <a:rPr lang="en-US" dirty="0">
+                <a:latin typeface="Consolas" panose="020B0609020204030204" pitchFamily="49" charset="0"/>
+              </a:rPr>
+              <a:t> style </a:t>
+            </a:r>
+            <a:r>
+              <a:rPr lang="en-US" dirty="0" err="1">
+                <a:latin typeface="Consolas" panose="020B0609020204030204" pitchFamily="49" charset="0"/>
+              </a:rPr>
+              <a:t>strictuml</a:t>
+            </a:r>
+            <a:endParaRPr lang="en-US" dirty="0">
+              <a:latin typeface="Consolas" panose="020B0609020204030204" pitchFamily="49" charset="0"/>
+            </a:endParaRPr>
+          </a:p>
+          <a:p>
+            <a:endParaRPr lang="en-US" dirty="0" smtClean="0">
+              <a:latin typeface="Consolas" panose="020B0609020204030204" pitchFamily="49" charset="0"/>
+            </a:endParaRPr>
+          </a:p>
+          <a:p>
+            <a:r>
+              <a:rPr lang="en-US" dirty="0" smtClean="0">
+                <a:latin typeface="Consolas" panose="020B0609020204030204" pitchFamily="49" charset="0"/>
+              </a:rPr>
+              <a:t>class </a:t>
+            </a:r>
+            <a:r>
+              <a:rPr lang="en-US" dirty="0">
+                <a:latin typeface="Consolas" panose="020B0609020204030204" pitchFamily="49" charset="0"/>
+              </a:rPr>
+              <a:t>Main {</a:t>
+            </a:r>
+          </a:p>
+          <a:p>
+            <a:r>
+              <a:rPr lang="en-US" dirty="0">
+                <a:latin typeface="Consolas" panose="020B0609020204030204" pitchFamily="49" charset="0"/>
+              </a:rPr>
+              <a:t>Main()</a:t>
+            </a:r>
+          </a:p>
+          <a:p>
+            <a:r>
+              <a:rPr lang="en-US" dirty="0">
+                <a:latin typeface="Consolas" panose="020B0609020204030204" pitchFamily="49" charset="0"/>
+              </a:rPr>
+              <a:t>setAllBValuesTo3()</a:t>
+            </a:r>
+          </a:p>
+          <a:p>
+            <a:r>
+              <a:rPr lang="en-US" dirty="0">
+                <a:latin typeface="Consolas" panose="020B0609020204030204" pitchFamily="49" charset="0"/>
+              </a:rPr>
+              <a:t>}</a:t>
+            </a:r>
+          </a:p>
+          <a:p>
+            <a:endParaRPr lang="en-US" dirty="0" smtClean="0">
+              <a:latin typeface="Consolas" panose="020B0609020204030204" pitchFamily="49" charset="0"/>
+            </a:endParaRPr>
+          </a:p>
+          <a:p>
+            <a:r>
+              <a:rPr lang="en-US" dirty="0" smtClean="0">
+                <a:latin typeface="Consolas" panose="020B0609020204030204" pitchFamily="49" charset="0"/>
+              </a:rPr>
+              <a:t>class </a:t>
+            </a:r>
+            <a:r>
+              <a:rPr lang="en-US" dirty="0">
+                <a:latin typeface="Consolas" panose="020B0609020204030204" pitchFamily="49" charset="0"/>
+              </a:rPr>
+              <a:t>A{</a:t>
+            </a:r>
+          </a:p>
+          <a:p>
+            <a:r>
+              <a:rPr lang="en-US" dirty="0">
+                <a:latin typeface="Consolas" panose="020B0609020204030204" pitchFamily="49" charset="0"/>
+              </a:rPr>
+              <a:t>name</a:t>
+            </a:r>
+          </a:p>
+          <a:p>
+            <a:r>
+              <a:rPr lang="en-US" dirty="0">
+                <a:latin typeface="Consolas" panose="020B0609020204030204" pitchFamily="49" charset="0"/>
+              </a:rPr>
+              <a:t>A( name )</a:t>
+            </a:r>
+          </a:p>
+          <a:p>
+            <a:r>
+              <a:rPr lang="en-US" dirty="0" err="1">
+                <a:latin typeface="Consolas" panose="020B0609020204030204" pitchFamily="49" charset="0"/>
+              </a:rPr>
+              <a:t>setBValue</a:t>
+            </a:r>
+            <a:r>
+              <a:rPr lang="en-US" dirty="0">
+                <a:latin typeface="Consolas" panose="020B0609020204030204" pitchFamily="49" charset="0"/>
+              </a:rPr>
+              <a:t>( value)</a:t>
+            </a:r>
+          </a:p>
+          <a:p>
+            <a:r>
+              <a:rPr lang="en-US" dirty="0">
+                <a:latin typeface="Consolas" panose="020B0609020204030204" pitchFamily="49" charset="0"/>
+              </a:rPr>
+              <a:t>}</a:t>
+            </a:r>
+          </a:p>
+          <a:p>
+            <a:endParaRPr lang="en-US" dirty="0" smtClean="0">
+              <a:latin typeface="Consolas" panose="020B0609020204030204" pitchFamily="49" charset="0"/>
+            </a:endParaRPr>
+          </a:p>
+          <a:p>
+            <a:r>
+              <a:rPr lang="en-US" dirty="0" smtClean="0">
+                <a:latin typeface="Consolas" panose="020B0609020204030204" pitchFamily="49" charset="0"/>
+              </a:rPr>
+              <a:t>class </a:t>
+            </a:r>
+            <a:r>
+              <a:rPr lang="en-US" dirty="0">
+                <a:latin typeface="Consolas" panose="020B0609020204030204" pitchFamily="49" charset="0"/>
+              </a:rPr>
+              <a:t>B{</a:t>
+            </a:r>
+          </a:p>
+          <a:p>
+            <a:r>
+              <a:rPr lang="en-US" dirty="0">
+                <a:latin typeface="Consolas" panose="020B0609020204030204" pitchFamily="49" charset="0"/>
+              </a:rPr>
+              <a:t>count</a:t>
+            </a:r>
+          </a:p>
+          <a:p>
+            <a:r>
+              <a:rPr lang="en-US" dirty="0">
+                <a:latin typeface="Consolas" panose="020B0609020204030204" pitchFamily="49" charset="0"/>
+              </a:rPr>
+              <a:t>B()</a:t>
+            </a:r>
+          </a:p>
+          <a:p>
+            <a:r>
+              <a:rPr lang="en-US" dirty="0" err="1">
+                <a:latin typeface="Consolas" panose="020B0609020204030204" pitchFamily="49" charset="0"/>
+              </a:rPr>
+              <a:t>setValue</a:t>
+            </a:r>
+            <a:r>
+              <a:rPr lang="en-US" dirty="0">
+                <a:latin typeface="Consolas" panose="020B0609020204030204" pitchFamily="49" charset="0"/>
+              </a:rPr>
+              <a:t>( value )</a:t>
+            </a:r>
+          </a:p>
+          <a:p>
+            <a:r>
+              <a:rPr lang="en-US" dirty="0">
+                <a:latin typeface="Consolas" panose="020B0609020204030204" pitchFamily="49" charset="0"/>
+              </a:rPr>
+              <a:t>}</a:t>
+            </a:r>
+          </a:p>
+          <a:p>
+            <a:endParaRPr lang="en-US" dirty="0" smtClean="0">
+              <a:latin typeface="Consolas" panose="020B0609020204030204" pitchFamily="49" charset="0"/>
+            </a:endParaRPr>
+          </a:p>
+          <a:p>
+            <a:r>
+              <a:rPr lang="en-US" dirty="0" smtClean="0">
+                <a:latin typeface="Consolas" panose="020B0609020204030204" pitchFamily="49" charset="0"/>
+              </a:rPr>
+              <a:t>Main </a:t>
+            </a:r>
+            <a:r>
+              <a:rPr lang="en-US" dirty="0">
+                <a:latin typeface="Consolas" panose="020B0609020204030204" pitchFamily="49" charset="0"/>
+              </a:rPr>
+              <a:t>-&gt; "*" A</a:t>
+            </a:r>
+          </a:p>
+          <a:p>
+            <a:r>
+              <a:rPr lang="en-US" dirty="0" smtClean="0">
+                <a:latin typeface="Consolas" panose="020B0609020204030204" pitchFamily="49" charset="0"/>
+              </a:rPr>
+              <a:t>A  -&gt;  </a:t>
+            </a:r>
+            <a:r>
+              <a:rPr lang="en-US" dirty="0">
+                <a:latin typeface="Consolas" panose="020B0609020204030204" pitchFamily="49" charset="0"/>
+              </a:rPr>
+              <a:t>B</a:t>
+            </a:r>
+          </a:p>
+          <a:p>
+            <a:r>
+              <a:rPr lang="en-US" dirty="0">
+                <a:latin typeface="Consolas" panose="020B0609020204030204" pitchFamily="49" charset="0"/>
+              </a:rPr>
+              <a:t>@</a:t>
+            </a:r>
+            <a:r>
+              <a:rPr lang="en-US" dirty="0" err="1">
+                <a:latin typeface="Consolas" panose="020B0609020204030204" pitchFamily="49" charset="0"/>
+              </a:rPr>
+              <a:t>enduml</a:t>
+            </a:r>
+            <a:endParaRPr lang="en-US" dirty="0">
+              <a:latin typeface="Consolas" panose="020B0609020204030204" pitchFamily="49" charset="0"/>
+            </a:endParaRPr>
+          </a:p>
+          <a:p>
+            <a:endParaRPr lang="en-US" dirty="0"/>
+          </a:p>
+        </p:txBody>
+      </p:sp>
+      <p:cxnSp>
+        <p:nvCxnSpPr>
+          <p:cNvPr id="11" name="Straight Arrow Connector 10"/>
+          <p:cNvCxnSpPr/>
+          <p:nvPr/>
+        </p:nvCxnSpPr>
+        <p:spPr>
+          <a:xfrm flipH="1">
+            <a:off x="3909399" y="4114800"/>
+            <a:ext cx="1267513" cy="998807"/>
+          </a:xfrm>
+          <a:prstGeom prst="straightConnector1">
+            <a:avLst/>
+          </a:prstGeom>
+          <a:ln>
+            <a:tailEnd type="triangle"/>
+          </a:ln>
+        </p:spPr>
+        <p:style>
+          <a:lnRef idx="3">
+            <a:schemeClr val="dk1"/>
+          </a:lnRef>
+          <a:fillRef idx="0">
+            <a:schemeClr val="dk1"/>
+          </a:fillRef>
+          <a:effectRef idx="2">
+            <a:schemeClr val="dk1"/>
+          </a:effectRef>
+          <a:fontRef idx="minor">
+            <a:schemeClr val="tx1"/>
+          </a:fontRef>
+        </p:style>
+      </p:cxnSp>
+      <p:cxnSp>
+        <p:nvCxnSpPr>
+          <p:cNvPr id="16" name="Straight Arrow Connector 15"/>
+          <p:cNvCxnSpPr/>
+          <p:nvPr/>
+        </p:nvCxnSpPr>
+        <p:spPr>
+          <a:xfrm flipH="1">
+            <a:off x="2570625" y="2475914"/>
+            <a:ext cx="2683658" cy="2770607"/>
+          </a:xfrm>
+          <a:prstGeom prst="straightConnector1">
+            <a:avLst/>
+          </a:prstGeom>
+          <a:ln>
+            <a:tailEnd type="triangle"/>
+          </a:ln>
+        </p:spPr>
+        <p:style>
+          <a:lnRef idx="3">
+            <a:schemeClr val="dk1"/>
+          </a:lnRef>
+          <a:fillRef idx="0">
+            <a:schemeClr val="dk1"/>
+          </a:fillRef>
+          <a:effectRef idx="2">
+            <a:schemeClr val="dk1"/>
+          </a:effectRef>
+          <a:fontRef idx="minor">
+            <a:schemeClr val="tx1"/>
+          </a:fontRef>
+        </p:style>
+      </p:cxnSp>
+      <p:cxnSp>
+        <p:nvCxnSpPr>
+          <p:cNvPr id="18" name="Straight Arrow Connector 17"/>
+          <p:cNvCxnSpPr/>
+          <p:nvPr/>
+        </p:nvCxnSpPr>
+        <p:spPr>
+          <a:xfrm flipH="1">
+            <a:off x="1129859" y="1104314"/>
+            <a:ext cx="4124424" cy="4142207"/>
+          </a:xfrm>
+          <a:prstGeom prst="straightConnector1">
+            <a:avLst/>
+          </a:prstGeom>
+          <a:ln>
+            <a:tailEnd type="triangle"/>
+          </a:ln>
+        </p:spPr>
+        <p:style>
+          <a:lnRef idx="3">
+            <a:schemeClr val="dk1"/>
+          </a:lnRef>
+          <a:fillRef idx="0">
+            <a:schemeClr val="dk1"/>
+          </a:fillRef>
+          <a:effectRef idx="2">
+            <a:schemeClr val="dk1"/>
+          </a:effectRef>
+          <a:fontRef idx="minor">
+            <a:schemeClr val="tx1"/>
+          </a:fontRef>
+        </p:style>
+      </p:cxnSp>
+      <p:sp>
+        <p:nvSpPr>
+          <p:cNvPr id="35" name="Freeform 34"/>
+          <p:cNvSpPr/>
+          <p:nvPr/>
+        </p:nvSpPr>
+        <p:spPr>
+          <a:xfrm>
+            <a:off x="3081700" y="5584874"/>
+            <a:ext cx="2200718" cy="891577"/>
+          </a:xfrm>
+          <a:custGeom>
+            <a:avLst/>
+            <a:gdLst>
+              <a:gd name="connsiteX0" fmla="*/ 2200718 w 2200718"/>
+              <a:gd name="connsiteY0" fmla="*/ 429064 h 891577"/>
+              <a:gd name="connsiteX1" fmla="*/ 1300386 w 2200718"/>
+              <a:gd name="connsiteY1" fmla="*/ 844061 h 891577"/>
+              <a:gd name="connsiteX2" fmla="*/ 139802 w 2200718"/>
+              <a:gd name="connsiteY2" fmla="*/ 787791 h 891577"/>
+              <a:gd name="connsiteX3" fmla="*/ 6158 w 2200718"/>
+              <a:gd name="connsiteY3" fmla="*/ 0 h 891577"/>
+            </a:gdLst>
+            <a:ahLst/>
+            <a:cxnLst>
+              <a:cxn ang="0">
+                <a:pos x="connsiteX0" y="connsiteY0"/>
+              </a:cxn>
+              <a:cxn ang="0">
+                <a:pos x="connsiteX1" y="connsiteY1"/>
+              </a:cxn>
+              <a:cxn ang="0">
+                <a:pos x="connsiteX2" y="connsiteY2"/>
+              </a:cxn>
+              <a:cxn ang="0">
+                <a:pos x="connsiteX3" y="connsiteY3"/>
+              </a:cxn>
+            </a:cxnLst>
+            <a:rect l="l" t="t" r="r" b="b"/>
+            <a:pathLst>
+              <a:path w="2200718" h="891577">
+                <a:moveTo>
+                  <a:pt x="2200718" y="429064"/>
+                </a:moveTo>
+                <a:cubicBezTo>
+                  <a:pt x="1922295" y="606668"/>
+                  <a:pt x="1643872" y="784273"/>
+                  <a:pt x="1300386" y="844061"/>
+                </a:cubicBezTo>
+                <a:cubicBezTo>
+                  <a:pt x="956900" y="903849"/>
+                  <a:pt x="355506" y="928468"/>
+                  <a:pt x="139802" y="787791"/>
+                </a:cubicBezTo>
+                <a:cubicBezTo>
+                  <a:pt x="-75902" y="647114"/>
+                  <a:pt x="28432" y="151228"/>
+                  <a:pt x="6158" y="0"/>
+                </a:cubicBezTo>
+              </a:path>
+            </a:pathLst>
+          </a:custGeom>
+          <a:noFill/>
+        </p:spPr>
+        <p:style>
+          <a:lnRef idx="2">
+            <a:schemeClr val="accent1">
+              <a:shade val="50000"/>
+            </a:schemeClr>
+          </a:lnRef>
+          <a:fillRef idx="1">
+            <a:schemeClr val="accent1"/>
+          </a:fillRef>
+          <a:effectRef idx="0">
+            <a:schemeClr val="accent1"/>
+          </a:effectRef>
+          <a:fontRef idx="minor">
+            <a:schemeClr val="lt1"/>
+          </a:fontRef>
+        </p:style>
+        <p:txBody>
+          <a:bodyPr rtlCol="0" anchor="ctr"/>
+          <a:lstStyle/>
+          <a:p>
+            <a:pPr algn="ctr"/>
+            <a:endParaRPr lang="en-US"/>
+          </a:p>
+        </p:txBody>
+      </p:sp>
+      <p:sp>
+        <p:nvSpPr>
+          <p:cNvPr id="36" name="Freeform 35"/>
+          <p:cNvSpPr/>
+          <p:nvPr/>
+        </p:nvSpPr>
+        <p:spPr>
+          <a:xfrm>
+            <a:off x="1752354" y="4390859"/>
+            <a:ext cx="3523031" cy="1299523"/>
+          </a:xfrm>
+          <a:custGeom>
+            <a:avLst/>
+            <a:gdLst>
+              <a:gd name="connsiteX0" fmla="*/ 3523031 w 3523031"/>
+              <a:gd name="connsiteY0" fmla="*/ 1299523 h 1299523"/>
+              <a:gd name="connsiteX1" fmla="*/ 2376514 w 3523031"/>
+              <a:gd name="connsiteY1" fmla="*/ 54532 h 1299523"/>
+              <a:gd name="connsiteX2" fmla="*/ 280428 w 3523031"/>
+              <a:gd name="connsiteY2" fmla="*/ 314784 h 1299523"/>
+              <a:gd name="connsiteX3" fmla="*/ 6108 w 3523031"/>
+              <a:gd name="connsiteY3" fmla="*/ 1151812 h 1299523"/>
+            </a:gdLst>
+            <a:ahLst/>
+            <a:cxnLst>
+              <a:cxn ang="0">
+                <a:pos x="connsiteX0" y="connsiteY0"/>
+              </a:cxn>
+              <a:cxn ang="0">
+                <a:pos x="connsiteX1" y="connsiteY1"/>
+              </a:cxn>
+              <a:cxn ang="0">
+                <a:pos x="connsiteX2" y="connsiteY2"/>
+              </a:cxn>
+              <a:cxn ang="0">
+                <a:pos x="connsiteX3" y="connsiteY3"/>
+              </a:cxn>
+            </a:cxnLst>
+            <a:rect l="l" t="t" r="r" b="b"/>
+            <a:pathLst>
+              <a:path w="3523031" h="1299523">
+                <a:moveTo>
+                  <a:pt x="3523031" y="1299523"/>
+                </a:moveTo>
+                <a:cubicBezTo>
+                  <a:pt x="3219989" y="759089"/>
+                  <a:pt x="2916948" y="218655"/>
+                  <a:pt x="2376514" y="54532"/>
+                </a:cubicBezTo>
+                <a:cubicBezTo>
+                  <a:pt x="1836080" y="-109591"/>
+                  <a:pt x="675496" y="131904"/>
+                  <a:pt x="280428" y="314784"/>
+                </a:cubicBezTo>
+                <a:cubicBezTo>
+                  <a:pt x="-114640" y="497664"/>
+                  <a:pt x="31899" y="1016997"/>
+                  <a:pt x="6108" y="1151812"/>
+                </a:cubicBezTo>
+              </a:path>
+            </a:pathLst>
+          </a:custGeom>
+          <a:noFill/>
+        </p:spPr>
+        <p:style>
+          <a:lnRef idx="2">
+            <a:schemeClr val="accent1">
+              <a:shade val="50000"/>
+            </a:schemeClr>
+          </a:lnRef>
+          <a:fillRef idx="1">
+            <a:schemeClr val="accent1"/>
+          </a:fillRef>
+          <a:effectRef idx="0">
+            <a:schemeClr val="accent1"/>
+          </a:effectRef>
+          <a:fontRef idx="minor">
+            <a:schemeClr val="lt1"/>
+          </a:fontRef>
+        </p:style>
+        <p:txBody>
+          <a:bodyPr rtlCol="0" anchor="ctr"/>
+          <a:lstStyle/>
+          <a:p>
+            <a:pPr algn="ctr"/>
+            <a:endParaRPr lang="en-US"/>
+          </a:p>
+        </p:txBody>
+      </p:sp>
+    </p:spTree>
+    <p:extLst>
+      <p:ext uri="{BB962C8B-B14F-4D97-AF65-F5344CB8AC3E}">
+        <p14:creationId xmlns:p14="http://schemas.microsoft.com/office/powerpoint/2010/main" val="2029327197"/>
+      </p:ext>
+    </p:extLst>
+  </p:cSld>
+  <p:clrMapOvr>
+    <a:masterClrMapping/>
+  </p:clrMapOvr>
+  <p:timing>
+    <p:tnLst>
+      <p:par>
+        <p:cTn id="1" dur="indefinite" restart="never" nodeType="tmRoot"/>
+      </p:par>
+    </p:tnLst>
+  </p:timing>
+</p:sld>
+</file>
+
+<file path=ppt/slides/slide3.xml><?xml version="1.0" encoding="utf-8"?>
+<p:sld xmlns:a="http://schemas.openxmlformats.org/drawingml/2006/main" xmlns:r="http://schemas.openxmlformats.org/officeDocument/2006/relationships" xmlns:p="http://schemas.openxmlformats.org/presentationml/2006/main">
+  <p:cSld>
+    <p:spTree>
+      <p:nvGrpSpPr>
+        <p:cNvPr id="1" name=""/>
+        <p:cNvGrpSpPr/>
+        <p:nvPr/>
+      </p:nvGrpSpPr>
+      <p:grpSpPr>
+        <a:xfrm>
+          <a:off x="0" y="0"/>
+          <a:ext cx="0" cy="0"/>
+          <a:chOff x="0" y="0"/>
+          <a:chExt cx="0" cy="0"/>
+        </a:xfrm>
+      </p:grpSpPr>
+      <p:sp>
+        <p:nvSpPr>
+          <p:cNvPr id="3" name="Title 2"/>
+          <p:cNvSpPr>
+            <a:spLocks noGrp="1"/>
+          </p:cNvSpPr>
+          <p:nvPr>
+            <p:ph type="title"/>
+          </p:nvPr>
+        </p:nvSpPr>
+        <p:spPr/>
+        <p:txBody>
+          <a:bodyPr/>
+          <a:lstStyle/>
+          <a:p>
+            <a:r>
+              <a:rPr lang="en-US" dirty="0"/>
+              <a:t>Designing Classes</a:t>
+            </a:r>
+            <a:endParaRPr lang="en-US" dirty="0"/>
+          </a:p>
+        </p:txBody>
+      </p:sp>
+      <p:sp>
+        <p:nvSpPr>
+          <p:cNvPr id="2" name="Content Placeholder 1"/>
+          <p:cNvSpPr>
+            <a:spLocks noGrp="1"/>
+          </p:cNvSpPr>
+          <p:nvPr>
+            <p:ph idx="1"/>
+          </p:nvPr>
+        </p:nvSpPr>
+        <p:spPr/>
+        <p:txBody>
+          <a:bodyPr/>
+          <a:lstStyle/>
+          <a:p>
+            <a:pPr>
+              <a:buFont typeface="Arial" panose="020B0604020202020204" pitchFamily="34" charset="0"/>
+              <a:buChar char="•"/>
+            </a:pPr>
+            <a:r>
+              <a:rPr lang="en-US" dirty="0"/>
+              <a:t>So we propose designs, then iteratively refine them into something that might work</a:t>
+            </a:r>
+          </a:p>
+          <a:p>
+            <a:pPr lvl="1">
+              <a:buFont typeface="Arial" panose="020B0604020202020204" pitchFamily="34" charset="0"/>
+              <a:buChar char="•"/>
+            </a:pPr>
+            <a:r>
+              <a:rPr lang="en-US" dirty="0"/>
+              <a:t>Many bad ideas in the process – as we iteratively define the design, we’ll end up tossing them out</a:t>
+            </a:r>
+          </a:p>
+          <a:p>
+            <a:pPr lvl="1">
+              <a:buFont typeface="Arial" panose="020B0604020202020204" pitchFamily="34" charset="0"/>
+              <a:buChar char="•"/>
+            </a:pPr>
+            <a:r>
+              <a:rPr lang="en-US" dirty="0"/>
+              <a:t>We don’t want to go through the effort of implementing bad ideas in code – it’s too time and resource costly to implement an idea in order to determine if it’s an incomplete/inconsistent solution</a:t>
+            </a:r>
+          </a:p>
+          <a:p>
+            <a:pPr lvl="1">
+              <a:buFont typeface="Arial" panose="020B0604020202020204" pitchFamily="34" charset="0"/>
+              <a:buChar char="•"/>
+            </a:pPr>
+            <a:r>
+              <a:rPr lang="en-US" dirty="0"/>
+              <a:t>So, we need a way to communicate/think concretely about these half-baked program approaches</a:t>
+            </a:r>
+          </a:p>
+          <a:p>
+            <a:pPr>
+              <a:buFont typeface="Arial" panose="020B0604020202020204" pitchFamily="34" charset="0"/>
+              <a:buChar char="•"/>
+            </a:pPr>
+            <a:r>
+              <a:rPr lang="en-US" dirty="0"/>
+              <a:t>We need a diagram language!</a:t>
+            </a:r>
+          </a:p>
+          <a:p>
+            <a:pPr lvl="1"/>
+            <a:r>
+              <a:rPr lang="en-US" dirty="0"/>
+              <a:t>With these diagrams, which can be put together with reasonable cost, we can test out idea for solutions, and thus help us eliminate the incomplete/inconsistent approaches early on in the refinement</a:t>
+            </a:r>
+          </a:p>
+          <a:p>
+            <a:endParaRPr lang="en-US" dirty="0"/>
+          </a:p>
+        </p:txBody>
+      </p:sp>
+    </p:spTree>
+    <p:extLst>
+      <p:ext uri="{BB962C8B-B14F-4D97-AF65-F5344CB8AC3E}">
+        <p14:creationId xmlns:p14="http://schemas.microsoft.com/office/powerpoint/2010/main" val="4263988934"/>
+      </p:ext>
+    </p:extLst>
+  </p:cSld>
+  <p:clrMapOvr>
+    <a:masterClrMapping/>
+  </p:clrMapOvr>
+  <p:timing>
+    <p:tnLst>
+      <p:par>
+        <p:cTn id="1" dur="indefinite" restart="never" nodeType="tmRoot"/>
+      </p:par>
+    </p:tnLst>
+  </p:timing>
+</p:sld>
+</file>
+
+<file path=ppt/slides/slide30.xml><?xml version="1.0" encoding="utf-8"?>
 <p:sld xmlns:a="http://schemas.openxmlformats.org/drawingml/2006/main" xmlns:r="http://schemas.openxmlformats.org/officeDocument/2006/relationships" xmlns:p="http://schemas.openxmlformats.org/presentationml/2006/main">
   <p:cSld>
     <p:spTree>
@@ -10337,6 +13529,103 @@
           </a:prstGeom>
         </p:spPr>
       </p:pic>
+      <p:sp>
+        <p:nvSpPr>
+          <p:cNvPr id="5" name="Rounded Rectangle 4"/>
+          <p:cNvSpPr/>
+          <p:nvPr/>
+        </p:nvSpPr>
+        <p:spPr>
+          <a:xfrm>
+            <a:off x="1979407" y="4496696"/>
+            <a:ext cx="3087445" cy="1323191"/>
+          </a:xfrm>
+          <a:prstGeom prst="roundRect">
+            <a:avLst/>
+          </a:prstGeom>
+        </p:spPr>
+        <p:style>
+          <a:lnRef idx="2">
+            <a:schemeClr val="accent4">
+              <a:shade val="50000"/>
+            </a:schemeClr>
+          </a:lnRef>
+          <a:fillRef idx="1">
+            <a:schemeClr val="accent4"/>
+          </a:fillRef>
+          <a:effectRef idx="0">
+            <a:schemeClr val="accent4"/>
+          </a:effectRef>
+          <a:fontRef idx="minor">
+            <a:schemeClr val="lt1"/>
+          </a:fontRef>
+        </p:style>
+        <p:txBody>
+          <a:bodyPr rtlCol="0" anchor="ctr"/>
+          <a:lstStyle/>
+          <a:p>
+            <a:pPr algn="ctr"/>
+            <a:r>
+              <a:rPr lang="en-US" dirty="0" smtClean="0">
+                <a:solidFill>
+                  <a:schemeClr val="tx1"/>
+                </a:solidFill>
+              </a:rPr>
+              <a:t>Technically, this class is just a “dumb” data holder and has no intelligence, which is bad!</a:t>
+            </a:r>
+            <a:endParaRPr lang="en-US" dirty="0">
+              <a:solidFill>
+                <a:schemeClr val="tx1"/>
+              </a:solidFill>
+            </a:endParaRPr>
+          </a:p>
+        </p:txBody>
+      </p:sp>
+      <p:cxnSp>
+        <p:nvCxnSpPr>
+          <p:cNvPr id="8" name="Straight Arrow Connector 7">
+            <a:extLst>
+              <a:ext uri="{FF2B5EF4-FFF2-40B4-BE49-F238E27FC236}">
+                <a16:creationId xmlns:a16="http://schemas.microsoft.com/office/drawing/2014/main" id="{64515D22-5699-4CF0-8804-5E762EB2B61A}"/>
+              </a:ext>
+            </a:extLst>
+          </p:cNvPr>
+          <p:cNvCxnSpPr>
+            <a:cxnSpLocks/>
+          </p:cNvCxnSpPr>
+          <p:nvPr/>
+        </p:nvCxnSpPr>
+        <p:spPr>
+          <a:xfrm flipV="1">
+            <a:off x="4970034" y="4862456"/>
+            <a:ext cx="849853" cy="365760"/>
+          </a:xfrm>
+          <a:prstGeom prst="straightConnector1">
+            <a:avLst/>
+          </a:prstGeom>
+          <a:ln>
+            <a:solidFill>
+              <a:srgbClr val="FF0000"/>
+            </a:solidFill>
+            <a:headEnd w="lg" len="lg"/>
+            <a:tailEnd type="arrow" w="lg" len="lg"/>
+          </a:ln>
+        </p:spPr>
+        <p:style>
+          <a:lnRef idx="3">
+            <a:schemeClr val="accent1"/>
+          </a:lnRef>
+          <a:fillRef idx="0">
+            <a:schemeClr val="accent1"/>
+          </a:fillRef>
+          <a:effectRef idx="2">
+            <a:schemeClr val="accent1"/>
+          </a:effectRef>
+          <a:fontRef idx="minor">
+            <a:schemeClr val="tx1"/>
+          </a:fontRef>
+        </p:style>
+      </p:cxnSp>
     </p:spTree>
     <p:extLst>
       <p:ext uri="{BB962C8B-B14F-4D97-AF65-F5344CB8AC3E}">
@@ -10347,10 +13636,17 @@
   <p:clrMapOvr>
     <a:masterClrMapping/>
   </p:clrMapOvr>
+  <p:timing>
+    <p:tnLst>
+      <p:par>
+        <p:cTn id="1" dur="indefinite" restart="never" nodeType="tmRoot"/>
+      </p:par>
+    </p:tnLst>
+  </p:timing>
 </p:sld>
 </file>
 
-<file path=ppt/slides/slide27.xml><?xml version="1.0" encoding="utf-8"?>
+<file path=ppt/slides/slide31.xml><?xml version="1.0" encoding="utf-8"?>
 <p:sld xmlns:a="http://schemas.openxmlformats.org/drawingml/2006/main" xmlns:r="http://schemas.openxmlformats.org/officeDocument/2006/relationships" xmlns:p="http://schemas.openxmlformats.org/presentationml/2006/main">
   <p:cSld>
     <p:spTree>
@@ -10435,10 +13731,17 @@
   <p:clrMapOvr>
     <a:masterClrMapping/>
   </p:clrMapOvr>
+  <p:timing>
+    <p:tnLst>
+      <p:par>
+        <p:cTn id="1" dur="indefinite" restart="never" nodeType="tmRoot"/>
+      </p:par>
+    </p:tnLst>
+  </p:timing>
 </p:sld>
 </file>
 
-<file path=ppt/slides/slide28.xml><?xml version="1.0" encoding="utf-8"?>
+<file path=ppt/slides/slide32.xml><?xml version="1.0" encoding="utf-8"?>
 <p:sld xmlns:a="http://schemas.openxmlformats.org/drawingml/2006/main" xmlns:r="http://schemas.openxmlformats.org/officeDocument/2006/relationships" xmlns:p="http://schemas.openxmlformats.org/presentationml/2006/main">
   <p:cSld>
     <p:spTree>
@@ -10596,94 +13899,7 @@
             <a:pPr marL="0" indent="0">
               <a:buNone/>
             </a:pPr>
-            <a:r>
-              <a:rPr lang="en-US" sz="1800" dirty="0"/>
-              <a:t>Note: </a:t>
-            </a:r>
-          </a:p>
-          <a:p>
-            <a:r>
-              <a:rPr lang="en-US" sz="1800" i="1" dirty="0"/>
-              <a:t>balances</a:t>
-            </a:r>
-            <a:r>
-              <a:rPr lang="en-US" sz="1800" dirty="0"/>
-              <a:t> &amp; </a:t>
-            </a:r>
-            <a:r>
-              <a:rPr lang="en-US" sz="1800" i="1" dirty="0" err="1"/>
-              <a:t>transactionDateTimes</a:t>
-            </a:r>
-            <a:r>
-              <a:rPr lang="en-US" sz="1800" dirty="0"/>
-              <a:t> – parallel </a:t>
-            </a:r>
-            <a:r>
-              <a:rPr lang="en-US" sz="1800" dirty="0" err="1"/>
-              <a:t>ArrayLists</a:t>
-            </a:r>
-            <a:r>
-              <a:rPr lang="en-US" sz="1800" dirty="0"/>
-              <a:t>, for example</a:t>
-            </a:r>
-          </a:p>
-          <a:p>
-            <a:r>
-              <a:rPr lang="en-US" sz="1800" dirty="0"/>
-              <a:t>You might change this design to create a Class to capture this functionality </a:t>
-            </a:r>
-          </a:p>
-        </p:txBody>
-      </p:sp>
-      <p:sp>
-        <p:nvSpPr>
-          <p:cNvPr id="7" name="Rectangle: Rounded Corners 6">
-            <a:extLst>
-              <a:ext uri="{FF2B5EF4-FFF2-40B4-BE49-F238E27FC236}">
-                <a16:creationId xmlns:a16="http://schemas.microsoft.com/office/drawing/2014/main" id="{021F6D2E-1A9C-4320-AB0D-7B654F725031}"/>
-              </a:ext>
-            </a:extLst>
-          </p:cNvPr>
-          <p:cNvSpPr/>
-          <p:nvPr/>
-        </p:nvSpPr>
-        <p:spPr>
-          <a:xfrm>
-            <a:off x="481354" y="4771443"/>
-            <a:ext cx="7553936" cy="1185297"/>
-          </a:xfrm>
-          <a:prstGeom prst="roundRect">
-            <a:avLst/>
-          </a:prstGeom>
-          <a:noFill/>
-          <a:ln>
-            <a:solidFill>
-              <a:srgbClr val="FF0000"/>
-            </a:solidFill>
-          </a:ln>
-        </p:spPr>
-        <p:style>
-          <a:lnRef idx="2">
-            <a:schemeClr val="accent1">
-              <a:shade val="50000"/>
-            </a:schemeClr>
-          </a:lnRef>
-          <a:fillRef idx="1">
-            <a:schemeClr val="accent1"/>
-          </a:fillRef>
-          <a:effectRef idx="0">
-            <a:schemeClr val="accent1"/>
-          </a:effectRef>
-          <a:fontRef idx="minor">
-            <a:schemeClr val="lt1"/>
-          </a:fontRef>
-        </p:style>
-        <p:txBody>
-          <a:bodyPr rtlCol="0" anchor="ctr"/>
-          <a:lstStyle/>
-          <a:p>
-            <a:pPr algn="ctr"/>
-            <a:endParaRPr lang="en-US"/>
+            <a:endParaRPr lang="en-US" sz="1800" dirty="0"/>
           </a:p>
         </p:txBody>
       </p:sp>
@@ -10732,6 +13948,117 @@
           </a:fontRef>
         </p:style>
       </p:cxnSp>
+      <p:sp>
+        <p:nvSpPr>
+          <p:cNvPr id="9" name="Rounded Rectangle 8"/>
+          <p:cNvSpPr/>
+          <p:nvPr/>
+        </p:nvSpPr>
+        <p:spPr>
+          <a:xfrm>
+            <a:off x="525107" y="4771442"/>
+            <a:ext cx="7384453" cy="1323191"/>
+          </a:xfrm>
+          <a:prstGeom prst="roundRect">
+            <a:avLst/>
+          </a:prstGeom>
+        </p:spPr>
+        <p:style>
+          <a:lnRef idx="2">
+            <a:schemeClr val="accent4">
+              <a:shade val="50000"/>
+            </a:schemeClr>
+          </a:lnRef>
+          <a:fillRef idx="1">
+            <a:schemeClr val="accent4"/>
+          </a:fillRef>
+          <a:effectRef idx="0">
+            <a:schemeClr val="accent4"/>
+          </a:effectRef>
+          <a:fontRef idx="minor">
+            <a:schemeClr val="lt1"/>
+          </a:fontRef>
+        </p:style>
+        <p:txBody>
+          <a:bodyPr rtlCol="0" anchor="ctr"/>
+          <a:lstStyle/>
+          <a:p>
+            <a:r>
+              <a:rPr lang="en-US" dirty="0">
+                <a:solidFill>
+                  <a:schemeClr val="tx1"/>
+                </a:solidFill>
+              </a:rPr>
+              <a:t>Note: </a:t>
+            </a:r>
+          </a:p>
+          <a:p>
+            <a:r>
+              <a:rPr lang="en-US" i="1" dirty="0">
+                <a:solidFill>
+                  <a:schemeClr val="tx1"/>
+                </a:solidFill>
+              </a:rPr>
+              <a:t>balances</a:t>
+            </a:r>
+            <a:r>
+              <a:rPr lang="en-US" dirty="0">
+                <a:solidFill>
+                  <a:schemeClr val="tx1"/>
+                </a:solidFill>
+              </a:rPr>
+              <a:t> &amp; </a:t>
+            </a:r>
+            <a:r>
+              <a:rPr lang="en-US" i="1" dirty="0" err="1">
+                <a:solidFill>
+                  <a:schemeClr val="tx1"/>
+                </a:solidFill>
+              </a:rPr>
+              <a:t>transactionDateTimes</a:t>
+            </a:r>
+            <a:r>
+              <a:rPr lang="en-US" dirty="0">
+                <a:solidFill>
+                  <a:schemeClr val="tx1"/>
+                </a:solidFill>
+              </a:rPr>
+              <a:t> – parallel </a:t>
+            </a:r>
+            <a:r>
+              <a:rPr lang="en-US" dirty="0" err="1">
+                <a:solidFill>
+                  <a:schemeClr val="tx1"/>
+                </a:solidFill>
+              </a:rPr>
+              <a:t>ArrayLists</a:t>
+            </a:r>
+            <a:r>
+              <a:rPr lang="en-US" dirty="0">
+                <a:solidFill>
+                  <a:schemeClr val="tx1"/>
+                </a:solidFill>
+              </a:rPr>
+              <a:t>, for example</a:t>
+            </a:r>
+          </a:p>
+          <a:p>
+            <a:r>
+              <a:rPr lang="en-US" dirty="0">
+                <a:solidFill>
+                  <a:schemeClr val="tx1"/>
+                </a:solidFill>
+              </a:rPr>
+              <a:t>You might change this design to create a Class to capture this functionality </a:t>
+            </a:r>
+            <a:endParaRPr lang="en-US" dirty="0">
+              <a:solidFill>
+                <a:schemeClr val="tx1"/>
+              </a:solidFill>
+            </a:endParaRPr>
+          </a:p>
+        </p:txBody>
+      </p:sp>
     </p:spTree>
     <p:extLst>
       <p:ext uri="{BB962C8B-B14F-4D97-AF65-F5344CB8AC3E}">
@@ -10742,10 +14069,17 @@
   <p:clrMapOvr>
     <a:masterClrMapping/>
   </p:clrMapOvr>
+  <p:timing>
+    <p:tnLst>
+      <p:par>
+        <p:cTn id="1" dur="indefinite" restart="never" nodeType="tmRoot"/>
+      </p:par>
+    </p:tnLst>
+  </p:timing>
 </p:sld>
 </file>
 
-<file path=ppt/slides/slide29.xml><?xml version="1.0" encoding="utf-8"?>
+<file path=ppt/slides/slide33.xml><?xml version="1.0" encoding="utf-8"?>
 <p:sld xmlns:a="http://schemas.openxmlformats.org/drawingml/2006/main" xmlns:r="http://schemas.openxmlformats.org/officeDocument/2006/relationships" xmlns:p="http://schemas.openxmlformats.org/presentationml/2006/main">
   <p:cSld>
     <p:spTree>
@@ -10884,15 +14218,7 @@
           <a:p>
             <a:r>
               <a:rPr lang="en-US" dirty="0"/>
-              <a:t>A website tracks books and the kids that read them.  For each book the system stores the name and author.  For each kid the system stores name and grade level.  The teacher enters when a kid reads a particular book.  It should be possible to print a report on a book that includes all kids who have read a </a:t>
-            </a:r>
-            <a:r>
-              <a:rPr lang="en-US"/>
-              <a:t>particular book (with their grade level).  It should be possible to print a report on a kid that includes the books (with authors) a </a:t>
-            </a:r>
-            <a:r>
-              <a:rPr lang="en-US" dirty="0"/>
-              <a:t>particular kid has read.</a:t>
+              <a:t>A website tracks books and the kids that read them.  For each book the system stores the name and author.  For each kid the system stores name and grade level.  The teacher enters when a kid reads a particular book.  It should be possible to print a report on a book that includes all kids who have read a particular book (with their grade level).  It should be possible to print a report on a kid that includes the books (with authors) a particular kid has read.</a:t>
             </a:r>
           </a:p>
         </p:txBody>
@@ -10976,6 +14302,69 @@
           </a:p>
         </p:txBody>
       </p:sp>
+      <p:sp>
+        <p:nvSpPr>
+          <p:cNvPr id="10" name="Rounded Rectangle 9"/>
+          <p:cNvSpPr/>
+          <p:nvPr/>
+        </p:nvSpPr>
+        <p:spPr>
+          <a:xfrm>
+            <a:off x="2674715" y="1577092"/>
+            <a:ext cx="4708479" cy="1009685"/>
+          </a:xfrm>
+          <a:prstGeom prst="roundRect">
+            <a:avLst/>
+          </a:prstGeom>
+          <a:solidFill>
+            <a:srgbClr val="FF0000"/>
+          </a:solidFill>
+        </p:spPr>
+        <p:style>
+          <a:lnRef idx="2">
+            <a:schemeClr val="accent1">
+              <a:shade val="50000"/>
+            </a:schemeClr>
+          </a:lnRef>
+          <a:fillRef idx="1">
+            <a:schemeClr val="accent1"/>
+          </a:fillRef>
+          <a:effectRef idx="0">
+            <a:schemeClr val="accent1"/>
+          </a:effectRef>
+          <a:fontRef idx="minor">
+            <a:schemeClr val="lt1"/>
+          </a:fontRef>
+        </p:style>
+        <p:txBody>
+          <a:bodyPr rtlCol="0" anchor="ctr"/>
+          <a:lstStyle/>
+          <a:p>
+            <a:r>
+              <a:rPr lang="en-US" b="1" dirty="0"/>
+              <a:t>PAUSE THIS </a:t>
+            </a:r>
+            <a:r>
+              <a:rPr lang="en-US" b="1" dirty="0" smtClean="0"/>
+              <a:t>VIDEO HERE for a couple minutes!</a:t>
+            </a:r>
+            <a:endParaRPr lang="en-US" b="1" dirty="0"/>
+          </a:p>
+          <a:p>
+            <a:r>
+              <a:rPr lang="en-US" dirty="0"/>
+              <a:t>Try to see what you can think might be wrong</a:t>
+            </a:r>
+          </a:p>
+          <a:p>
+            <a:r>
+              <a:rPr lang="en-US" dirty="0"/>
+              <a:t>When you have an idea, then continue</a:t>
+            </a:r>
+            <a:endParaRPr lang="en-US" dirty="0"/>
+          </a:p>
+        </p:txBody>
+      </p:sp>
     </p:spTree>
     <p:extLst>
       <p:ext uri="{BB962C8B-B14F-4D97-AF65-F5344CB8AC3E}">
@@ -10986,10 +14375,134 @@
   <p:clrMapOvr>
     <a:masterClrMapping/>
   </p:clrMapOvr>
+  <p:timing>
+    <p:tnLst>
+      <p:par>
+        <p:cTn id="1" dur="indefinite" restart="never" nodeType="tmRoot">
+          <p:childTnLst>
+            <p:seq concurrent="1" nextAc="seek">
+              <p:cTn id="2" dur="indefinite" nodeType="mainSeq">
+                <p:childTnLst>
+                  <p:par>
+                    <p:cTn id="3" fill="hold">
+                      <p:stCondLst>
+                        <p:cond delay="indefinite"/>
+                      </p:stCondLst>
+                      <p:childTnLst>
+                        <p:par>
+                          <p:cTn id="4" fill="hold">
+                            <p:stCondLst>
+                              <p:cond delay="0"/>
+                            </p:stCondLst>
+                            <p:childTnLst>
+                              <p:par>
+                                <p:cTn id="5" presetID="2" presetClass="entr" presetSubtype="4" fill="hold" grpId="0" nodeType="clickEffect">
+                                  <p:stCondLst>
+                                    <p:cond delay="0"/>
+                                  </p:stCondLst>
+                                  <p:childTnLst>
+                                    <p:set>
+                                      <p:cBhvr>
+                                        <p:cTn id="6" dur="1" fill="hold">
+                                          <p:stCondLst>
+                                            <p:cond delay="0"/>
+                                          </p:stCondLst>
+                                        </p:cTn>
+                                        <p:tgtEl>
+                                          <p:spTgt spid="10"/>
+                                        </p:tgtEl>
+                                        <p:attrNameLst>
+                                          <p:attrName>style.visibility</p:attrName>
+                                        </p:attrNameLst>
+                                      </p:cBhvr>
+                                      <p:to>
+                                        <p:strVal val="visible"/>
+                                      </p:to>
+                                    </p:set>
+                                    <p:anim calcmode="lin" valueType="num">
+                                      <p:cBhvr additive="base">
+                                        <p:cTn id="7" dur="500" fill="hold"/>
+                                        <p:tgtEl>
+                                          <p:spTgt spid="10"/>
+                                        </p:tgtEl>
+                                        <p:attrNameLst>
+                                          <p:attrName>ppt_x</p:attrName>
+                                        </p:attrNameLst>
+                                      </p:cBhvr>
+                                      <p:tavLst>
+                                        <p:tav tm="0">
+                                          <p:val>
+                                            <p:strVal val="#ppt_x"/>
+                                          </p:val>
+                                        </p:tav>
+                                        <p:tav tm="100000">
+                                          <p:val>
+                                            <p:strVal val="#ppt_x"/>
+                                          </p:val>
+                                        </p:tav>
+                                      </p:tavLst>
+                                    </p:anim>
+                                    <p:anim calcmode="lin" valueType="num">
+                                      <p:cBhvr additive="base">
+                                        <p:cTn id="8" dur="500" fill="hold"/>
+                                        <p:tgtEl>
+                                          <p:spTgt spid="10"/>
+                                        </p:tgtEl>
+                                        <p:attrNameLst>
+                                          <p:attrName>ppt_y</p:attrName>
+                                        </p:attrNameLst>
+                                      </p:cBhvr>
+                                      <p:tavLst>
+                                        <p:tav tm="0">
+                                          <p:val>
+                                            <p:strVal val="1+#ppt_h/2"/>
+                                          </p:val>
+                                        </p:tav>
+                                        <p:tav tm="100000">
+                                          <p:val>
+                                            <p:strVal val="#ppt_y"/>
+                                          </p:val>
+                                        </p:tav>
+                                      </p:tavLst>
+                                    </p:anim>
+                                  </p:childTnLst>
+                                </p:cTn>
+                              </p:par>
+                            </p:childTnLst>
+                          </p:cTn>
+                        </p:par>
+                      </p:childTnLst>
+                    </p:cTn>
+                  </p:par>
+                </p:childTnLst>
+              </p:cTn>
+              <p:prevCondLst>
+                <p:cond evt="onPrev" delay="0">
+                  <p:tgtEl>
+                    <p:sldTgt/>
+                  </p:tgtEl>
+                </p:cond>
+              </p:prevCondLst>
+              <p:nextCondLst>
+                <p:cond evt="onNext" delay="0">
+                  <p:tgtEl>
+                    <p:sldTgt/>
+                  </p:tgtEl>
+                </p:cond>
+              </p:nextCondLst>
+            </p:seq>
+          </p:childTnLst>
+        </p:cTn>
+      </p:par>
+    </p:tnLst>
+    <p:bldLst>
+      <p:bldP spid="10" grpId="0" animBg="1"/>
+    </p:bldLst>
+  </p:timing>
 </p:sld>
 </file>
 
-<file path=ppt/slides/slide3.xml><?xml version="1.0" encoding="utf-8"?>
+<file path=ppt/slides/slide34.xml><?xml version="1.0" encoding="utf-8"?>
 <p:sld xmlns:a="http://schemas.openxmlformats.org/drawingml/2006/main" xmlns:r="http://schemas.openxmlformats.org/officeDocument/2006/relationships" xmlns:p="http://schemas.openxmlformats.org/presentationml/2006/main">
   <p:cSld>
     <p:spTree>
@@ -11008,131 +14521,6 @@
       </p:grpSpPr>
       <p:sp>
         <p:nvSpPr>
-          <p:cNvPr id="3" name="Title 2"/>
-          <p:cNvSpPr>
-            <a:spLocks noGrp="1"/>
-          </p:cNvSpPr>
-          <p:nvPr>
-            <p:ph type="title"/>
-          </p:nvPr>
-        </p:nvSpPr>
-        <p:spPr/>
-        <p:txBody>
-          <a:bodyPr/>
-          <a:lstStyle/>
-          <a:p>
-            <a:endParaRPr lang="en-US" dirty="0"/>
-          </a:p>
-        </p:txBody>
-      </p:sp>
-      <p:sp>
-        <p:nvSpPr>
-          <p:cNvPr id="2" name="Content Placeholder 1"/>
-          <p:cNvSpPr>
-            <a:spLocks noGrp="1"/>
-          </p:cNvSpPr>
-          <p:nvPr>
-            <p:ph idx="1"/>
-          </p:nvPr>
-        </p:nvSpPr>
-        <p:spPr/>
-        <p:txBody>
-          <a:bodyPr/>
-          <a:lstStyle/>
-          <a:p>
-            <a:pPr>
-              <a:buFont typeface="Arial" panose="020B0604020202020204" pitchFamily="34" charset="0"/>
-              <a:buChar char="•"/>
-            </a:pPr>
-            <a:r>
-              <a:rPr lang="en-US" dirty="0"/>
-              <a:t>So we propose designs, then iteratively refine them into something that might work</a:t>
-            </a:r>
-          </a:p>
-          <a:p>
-            <a:pPr lvl="1">
-              <a:buFont typeface="Arial" panose="020B0604020202020204" pitchFamily="34" charset="0"/>
-              <a:buChar char="•"/>
-            </a:pPr>
-            <a:r>
-              <a:rPr lang="en-US" dirty="0"/>
-              <a:t>Many bad ideas in the process – as we iteratively define the design, we’ll end up tossing them out</a:t>
-            </a:r>
-          </a:p>
-          <a:p>
-            <a:pPr lvl="1">
-              <a:buFont typeface="Arial" panose="020B0604020202020204" pitchFamily="34" charset="0"/>
-              <a:buChar char="•"/>
-            </a:pPr>
-            <a:r>
-              <a:rPr lang="en-US" dirty="0"/>
-              <a:t>We don’t want to go through the effort of implementing bad ideas in code – it’s too time and resource costly to implement an idea in order to determine if it’s an incomplete/inconsistent solution</a:t>
-            </a:r>
-          </a:p>
-          <a:p>
-            <a:pPr lvl="1">
-              <a:buFont typeface="Arial" panose="020B0604020202020204" pitchFamily="34" charset="0"/>
-              <a:buChar char="•"/>
-            </a:pPr>
-            <a:r>
-              <a:rPr lang="en-US" dirty="0"/>
-              <a:t>So, we need a way to communicate/think concretely about these half-baked program approaches</a:t>
-            </a:r>
-          </a:p>
-          <a:p>
-            <a:pPr>
-              <a:buFont typeface="Arial" panose="020B0604020202020204" pitchFamily="34" charset="0"/>
-              <a:buChar char="•"/>
-            </a:pPr>
-            <a:r>
-              <a:rPr lang="en-US" dirty="0"/>
-              <a:t>We need a diagram language!</a:t>
-            </a:r>
-          </a:p>
-          <a:p>
-            <a:pPr lvl="1"/>
-            <a:r>
-              <a:rPr lang="en-US" dirty="0"/>
-              <a:t>With these diagrams, which can be put together with reasonable cost, we can test out idea for solutions, and thus help us eliminate the incomplete/inconsistent approaches early on in the refinement</a:t>
-            </a:r>
-          </a:p>
-          <a:p>
-            <a:endParaRPr lang="en-US" dirty="0"/>
-          </a:p>
-        </p:txBody>
-      </p:sp>
-    </p:spTree>
-    <p:extLst>
-      <p:ext uri="{BB962C8B-B14F-4D97-AF65-F5344CB8AC3E}">
-        <p14:creationId xmlns:p14="http://schemas.microsoft.com/office/powerpoint/2010/main" val="4263988934"/>
-      </p:ext>
-    </p:extLst>
-  </p:cSld>
-  <p:clrMapOvr>
-    <a:masterClrMapping/>
-  </p:clrMapOvr>
-</p:sld>
-</file>
-
-<file path=ppt/slides/slide30.xml><?xml version="1.0" encoding="utf-8"?>
-<p:sld xmlns:a="http://schemas.openxmlformats.org/drawingml/2006/main" xmlns:r="http://schemas.openxmlformats.org/officeDocument/2006/relationships" xmlns:p="http://schemas.openxmlformats.org/presentationml/2006/main">
-  <p:cSld>
-    <p:spTree>
-      <p:nvGrpSpPr>
-        <p:cNvPr id="1" name=""/>
-        <p:cNvGrpSpPr/>
-        <p:nvPr/>
-      </p:nvGrpSpPr>
-      <p:grpSpPr>
-        <a:xfrm>
-          <a:off x="0" y="0"/>
-          <a:ext cx="0" cy="0"/>
-          <a:chOff x="0" y="0"/>
-          <a:chExt cx="0" cy="0"/>
-        </a:xfrm>
-      </p:grpSpPr>
-      <p:sp>
-        <p:nvSpPr>
           <p:cNvPr id="2" name="Title 1">
             <a:extLst>
               <a:ext uri="{FF2B5EF4-FFF2-40B4-BE49-F238E27FC236}">
@@ -11211,7 +14599,7 @@
           <p:nvPr/>
         </p:nvPicPr>
         <p:blipFill>
-          <a:blip r:embed="rId2"/>
+          <a:blip r:embed="rId3"/>
           <a:stretch>
             <a:fillRect/>
           </a:stretch>
@@ -11236,10 +14624,17 @@
   <p:clrMapOvr>
     <a:masterClrMapping/>
   </p:clrMapOvr>
+  <p:timing>
+    <p:tnLst>
+      <p:par>
+        <p:cTn id="1" dur="indefinite" restart="never" nodeType="tmRoot"/>
+      </p:par>
+    </p:tnLst>
+  </p:timing>
 </p:sld>
 </file>
 
-<file path=ppt/slides/slide31.xml><?xml version="1.0" encoding="utf-8"?>
+<file path=ppt/slides/slide35.xml><?xml version="1.0" encoding="utf-8"?>
 <p:sld xmlns:a="http://schemas.openxmlformats.org/drawingml/2006/main" xmlns:r="http://schemas.openxmlformats.org/officeDocument/2006/relationships" xmlns:p="http://schemas.openxmlformats.org/presentationml/2006/main">
   <p:cSld>
     <p:spTree>
@@ -11355,7 +14750,7 @@
           <p:nvPr/>
         </p:nvPicPr>
         <p:blipFill>
-          <a:blip r:embed="rId2"/>
+          <a:blip r:embed="rId3"/>
           <a:stretch>
             <a:fillRect/>
           </a:stretch>
@@ -11380,10 +14775,382 @@
   <p:clrMapOvr>
     <a:masterClrMapping/>
   </p:clrMapOvr>
+  <p:timing>
+    <p:tnLst>
+      <p:par>
+        <p:cTn id="1" dur="indefinite" restart="never" nodeType="tmRoot"/>
+      </p:par>
+    </p:tnLst>
+  </p:timing>
 </p:sld>
 </file>
 
-<file path=ppt/slides/slide32.xml><?xml version="1.0" encoding="utf-8"?>
+<file path=ppt/slides/slide36.xml><?xml version="1.0" encoding="utf-8"?>
+<p:sld xmlns:a="http://schemas.openxmlformats.org/drawingml/2006/main" xmlns:r="http://schemas.openxmlformats.org/officeDocument/2006/relationships" xmlns:p="http://schemas.openxmlformats.org/presentationml/2006/main">
+  <p:cSld>
+    <p:spTree>
+      <p:nvGrpSpPr>
+        <p:cNvPr id="1" name=""/>
+        <p:cNvGrpSpPr/>
+        <p:nvPr/>
+      </p:nvGrpSpPr>
+      <p:grpSpPr>
+        <a:xfrm>
+          <a:off x="0" y="0"/>
+          <a:ext cx="0" cy="0"/>
+          <a:chOff x="0" y="0"/>
+          <a:chExt cx="0" cy="0"/>
+        </a:xfrm>
+      </p:grpSpPr>
+      <p:sp>
+        <p:nvSpPr>
+          <p:cNvPr id="2" name="Title 1"/>
+          <p:cNvSpPr>
+            <a:spLocks noGrp="1"/>
+          </p:cNvSpPr>
+          <p:nvPr>
+            <p:ph type="title"/>
+          </p:nvPr>
+        </p:nvSpPr>
+        <p:spPr>
+          <a:xfrm>
+            <a:off x="580883" y="88710"/>
+            <a:ext cx="7886700" cy="876109"/>
+          </a:xfrm>
+        </p:spPr>
+        <p:txBody>
+          <a:bodyPr/>
+          <a:lstStyle/>
+          <a:p>
+            <a:r>
+              <a:rPr lang="en-US" dirty="0" smtClean="0"/>
+              <a:t>What would be a better design?</a:t>
+            </a:r>
+            <a:endParaRPr lang="en-US" dirty="0"/>
+          </a:p>
+        </p:txBody>
+      </p:sp>
+      <p:sp>
+        <p:nvSpPr>
+          <p:cNvPr id="5" name="TextBox 4">
+            <a:extLst>
+              <a:ext uri="{FF2B5EF4-FFF2-40B4-BE49-F238E27FC236}">
+                <a16:creationId xmlns:a16="http://schemas.microsoft.com/office/drawing/2014/main" id="{B59FA005-C3EF-40E7-B128-43C07DBBC66C}"/>
+              </a:ext>
+            </a:extLst>
+          </p:cNvPr>
+          <p:cNvSpPr txBox="1"/>
+          <p:nvPr/>
+        </p:nvSpPr>
+        <p:spPr>
+          <a:xfrm>
+            <a:off x="396346" y="1906879"/>
+            <a:ext cx="7635360" cy="2308324"/>
+          </a:xfrm>
+          <a:prstGeom prst="rect">
+            <a:avLst/>
+          </a:prstGeom>
+        </p:spPr>
+        <p:txBody>
+          <a:bodyPr rot="0" spcFirstLastPara="0" vertOverflow="overflow" horzOverflow="overflow" vert="horz" wrap="square" lIns="91440" tIns="45720" rIns="91440" bIns="45720" numCol="1" spcCol="0" rtlCol="0" fromWordArt="0" anchor="t" anchorCtr="0" forceAA="0" compatLnSpc="1">
+            <a:prstTxWarp prst="textNoShape">
+              <a:avLst/>
+            </a:prstTxWarp>
+            <a:spAutoFit/>
+          </a:bodyPr>
+          <a:lstStyle/>
+          <a:p>
+            <a:r>
+              <a:rPr lang="en-US" dirty="0"/>
+              <a:t>A website tracks books and the kids that read them.  For each book the system stores the name and author.  For each kid the system stores name and grade level.  The teacher enters when a kid reads a particular book.  It should be possible to print a report on a book that includes all kids who have read a particular book (with their grade level).  It should be possible to print a report on a kid that includes the books (with authors) a particular kid has read</a:t>
+            </a:r>
+            <a:r>
+              <a:rPr lang="en-US" dirty="0" smtClean="0"/>
+              <a:t>.</a:t>
+            </a:r>
+          </a:p>
+          <a:p>
+            <a:endParaRPr lang="en-US" dirty="0" smtClean="0"/>
+          </a:p>
+          <a:p>
+            <a:r>
+              <a:rPr lang="en-US" dirty="0" smtClean="0"/>
+              <a:t>Bad designs for reference:</a:t>
+            </a:r>
+            <a:endParaRPr lang="en-US" dirty="0"/>
+          </a:p>
+        </p:txBody>
+      </p:sp>
+      <p:pic>
+        <p:nvPicPr>
+          <p:cNvPr id="6" name="Picture 8" descr="A screenshot of a cell phone&#10;&#10;Description generated with very high confidence">
+            <a:extLst>
+              <a:ext uri="{FF2B5EF4-FFF2-40B4-BE49-F238E27FC236}">
+                <a16:creationId xmlns:a16="http://schemas.microsoft.com/office/drawing/2014/main" id="{D288754E-1D61-494B-894C-22312A1C08BA}"/>
+              </a:ext>
+            </a:extLst>
+          </p:cNvPr>
+          <p:cNvPicPr>
+            <a:picLocks noChangeAspect="1"/>
+          </p:cNvPicPr>
+          <p:nvPr/>
+        </p:nvPicPr>
+        <p:blipFill>
+          <a:blip r:embed="rId2"/>
+          <a:stretch>
+            <a:fillRect/>
+          </a:stretch>
+        </p:blipFill>
+        <p:spPr>
+          <a:xfrm>
+            <a:off x="3656841" y="4840062"/>
+            <a:ext cx="4810742" cy="1548481"/>
+          </a:xfrm>
+          <a:prstGeom prst="rect">
+            <a:avLst/>
+          </a:prstGeom>
+        </p:spPr>
+      </p:pic>
+      <p:pic>
+        <p:nvPicPr>
+          <p:cNvPr id="7" name="Picture 2" descr="A screenshot of a cell phone&#10;&#10;Description generated with very high confidence">
+            <a:extLst>
+              <a:ext uri="{FF2B5EF4-FFF2-40B4-BE49-F238E27FC236}">
+                <a16:creationId xmlns:a16="http://schemas.microsoft.com/office/drawing/2014/main" id="{C30AE8A5-582E-41E2-A715-A60B289F94BE}"/>
+              </a:ext>
+            </a:extLst>
+          </p:cNvPr>
+          <p:cNvPicPr>
+            <a:picLocks noChangeAspect="1"/>
+          </p:cNvPicPr>
+          <p:nvPr/>
+        </p:nvPicPr>
+        <p:blipFill>
+          <a:blip r:embed="rId3"/>
+          <a:stretch>
+            <a:fillRect/>
+          </a:stretch>
+        </p:blipFill>
+        <p:spPr>
+          <a:xfrm>
+            <a:off x="3528158" y="3786539"/>
+            <a:ext cx="4939425" cy="1053523"/>
+          </a:xfrm>
+          <a:prstGeom prst="rect">
+            <a:avLst/>
+          </a:prstGeom>
+        </p:spPr>
+      </p:pic>
+      <p:sp>
+        <p:nvSpPr>
+          <p:cNvPr id="8" name="Rounded Rectangle 7"/>
+          <p:cNvSpPr/>
+          <p:nvPr/>
+        </p:nvSpPr>
+        <p:spPr>
+          <a:xfrm>
+            <a:off x="1173918" y="886669"/>
+            <a:ext cx="4708479" cy="790701"/>
+          </a:xfrm>
+          <a:prstGeom prst="roundRect">
+            <a:avLst/>
+          </a:prstGeom>
+        </p:spPr>
+        <p:style>
+          <a:lnRef idx="2">
+            <a:schemeClr val="accent1">
+              <a:shade val="50000"/>
+            </a:schemeClr>
+          </a:lnRef>
+          <a:fillRef idx="1">
+            <a:schemeClr val="accent1"/>
+          </a:fillRef>
+          <a:effectRef idx="0">
+            <a:schemeClr val="accent1"/>
+          </a:effectRef>
+          <a:fontRef idx="minor">
+            <a:schemeClr val="lt1"/>
+          </a:fontRef>
+        </p:style>
+        <p:txBody>
+          <a:bodyPr rtlCol="0" anchor="ctr"/>
+          <a:lstStyle/>
+          <a:p>
+            <a:r>
+              <a:rPr lang="en-US" b="1" dirty="0"/>
+              <a:t>PAUSE THIS </a:t>
+            </a:r>
+            <a:r>
+              <a:rPr lang="en-US" b="1" dirty="0" smtClean="0"/>
+              <a:t>VIDEO HERE for 5-10 minutes!</a:t>
+            </a:r>
+            <a:endParaRPr lang="en-US" b="1" dirty="0"/>
+          </a:p>
+          <a:p>
+            <a:r>
+              <a:rPr lang="en-US" dirty="0"/>
+              <a:t>Try to </a:t>
+            </a:r>
+            <a:r>
+              <a:rPr lang="en-US" dirty="0" smtClean="0"/>
+              <a:t>make your own improved design </a:t>
+            </a:r>
+          </a:p>
+          <a:p>
+            <a:r>
+              <a:rPr lang="en-US" dirty="0" smtClean="0"/>
+              <a:t>Either paper or using </a:t>
+            </a:r>
+            <a:r>
+              <a:rPr lang="en-US" dirty="0" err="1" smtClean="0"/>
+              <a:t>plantuml</a:t>
+            </a:r>
+            <a:r>
+              <a:rPr lang="en-US" dirty="0" smtClean="0"/>
+              <a:t> is OK!</a:t>
+            </a:r>
+            <a:endParaRPr lang="en-US" dirty="0"/>
+          </a:p>
+        </p:txBody>
+      </p:sp>
+    </p:spTree>
+    <p:extLst>
+      <p:ext uri="{BB962C8B-B14F-4D97-AF65-F5344CB8AC3E}">
+        <p14:creationId xmlns:p14="http://schemas.microsoft.com/office/powerpoint/2010/main" val="3386205014"/>
+      </p:ext>
+    </p:extLst>
+  </p:cSld>
+  <p:clrMapOvr>
+    <a:masterClrMapping/>
+  </p:clrMapOvr>
+  <p:timing>
+    <p:tnLst>
+      <p:par>
+        <p:cTn id="1" dur="indefinite" restart="never" nodeType="tmRoot">
+          <p:childTnLst>
+            <p:seq concurrent="1" nextAc="seek">
+              <p:cTn id="2" dur="indefinite" nodeType="mainSeq">
+                <p:childTnLst>
+                  <p:par>
+                    <p:cTn id="3" fill="hold">
+                      <p:stCondLst>
+                        <p:cond delay="indefinite"/>
+                      </p:stCondLst>
+                      <p:childTnLst>
+                        <p:par>
+                          <p:cTn id="4" fill="hold">
+                            <p:stCondLst>
+                              <p:cond delay="0"/>
+                            </p:stCondLst>
+                            <p:childTnLst>
+                              <p:par>
+                                <p:cTn id="5" presetID="2" presetClass="entr" presetSubtype="4" fill="hold" grpId="0" nodeType="clickEffect">
+                                  <p:stCondLst>
+                                    <p:cond delay="0"/>
+                                  </p:stCondLst>
+                                  <p:childTnLst>
+                                    <p:set>
+                                      <p:cBhvr>
+                                        <p:cTn id="6" dur="1" fill="hold">
+                                          <p:stCondLst>
+                                            <p:cond delay="0"/>
+                                          </p:stCondLst>
+                                        </p:cTn>
+                                        <p:tgtEl>
+                                          <p:spTgt spid="8"/>
+                                        </p:tgtEl>
+                                        <p:attrNameLst>
+                                          <p:attrName>style.visibility</p:attrName>
+                                        </p:attrNameLst>
+                                      </p:cBhvr>
+                                      <p:to>
+                                        <p:strVal val="visible"/>
+                                      </p:to>
+                                    </p:set>
+                                    <p:anim calcmode="lin" valueType="num">
+                                      <p:cBhvr additive="base">
+                                        <p:cTn id="7" dur="500" fill="hold"/>
+                                        <p:tgtEl>
+                                          <p:spTgt spid="8"/>
+                                        </p:tgtEl>
+                                        <p:attrNameLst>
+                                          <p:attrName>ppt_x</p:attrName>
+                                        </p:attrNameLst>
+                                      </p:cBhvr>
+                                      <p:tavLst>
+                                        <p:tav tm="0">
+                                          <p:val>
+                                            <p:strVal val="#ppt_x"/>
+                                          </p:val>
+                                        </p:tav>
+                                        <p:tav tm="100000">
+                                          <p:val>
+                                            <p:strVal val="#ppt_x"/>
+                                          </p:val>
+                                        </p:tav>
+                                      </p:tavLst>
+                                    </p:anim>
+                                    <p:anim calcmode="lin" valueType="num">
+                                      <p:cBhvr additive="base">
+                                        <p:cTn id="8" dur="500" fill="hold"/>
+                                        <p:tgtEl>
+                                          <p:spTgt spid="8"/>
+                                        </p:tgtEl>
+                                        <p:attrNameLst>
+                                          <p:attrName>ppt_y</p:attrName>
+                                        </p:attrNameLst>
+                                      </p:cBhvr>
+                                      <p:tavLst>
+                                        <p:tav tm="0">
+                                          <p:val>
+                                            <p:strVal val="1+#ppt_h/2"/>
+                                          </p:val>
+                                        </p:tav>
+                                        <p:tav tm="100000">
+                                          <p:val>
+                                            <p:strVal val="#ppt_y"/>
+                                          </p:val>
+                                        </p:tav>
+                                      </p:tavLst>
+                                    </p:anim>
+                                  </p:childTnLst>
+                                </p:cTn>
+                              </p:par>
+                            </p:childTnLst>
+                          </p:cTn>
+                        </p:par>
+                      </p:childTnLst>
+                    </p:cTn>
+                  </p:par>
+                </p:childTnLst>
+              </p:cTn>
+              <p:prevCondLst>
+                <p:cond evt="onPrev" delay="0">
+                  <p:tgtEl>
+                    <p:sldTgt/>
+                  </p:tgtEl>
+                </p:cond>
+              </p:prevCondLst>
+              <p:nextCondLst>
+                <p:cond evt="onNext" delay="0">
+                  <p:tgtEl>
+                    <p:sldTgt/>
+                  </p:tgtEl>
+                </p:cond>
+              </p:nextCondLst>
+            </p:seq>
+          </p:childTnLst>
+        </p:cTn>
+      </p:par>
+    </p:tnLst>
+    <p:bldLst>
+      <p:bldP spid="8" grpId="0" animBg="1"/>
+    </p:bldLst>
+  </p:timing>
+</p:sld>
+</file>
+
+<file path=ppt/slides/slide37.xml><?xml version="1.0" encoding="utf-8"?>
 <p:sld xmlns:a="http://schemas.openxmlformats.org/drawingml/2006/main" xmlns:r="http://schemas.openxmlformats.org/officeDocument/2006/relationships" xmlns:p="http://schemas.openxmlformats.org/presentationml/2006/main">
   <p:cSld>
     <p:spTree>
@@ -11473,10 +15240,17 @@
   <p:clrMapOvr>
     <a:masterClrMapping/>
   </p:clrMapOvr>
+  <p:timing>
+    <p:tnLst>
+      <p:par>
+        <p:cTn id="1" dur="indefinite" restart="never" nodeType="tmRoot"/>
+      </p:par>
+    </p:tnLst>
+  </p:timing>
 </p:sld>
 </file>
 
-<file path=ppt/slides/slide33.xml><?xml version="1.0" encoding="utf-8"?>
+<file path=ppt/slides/slide38.xml><?xml version="1.0" encoding="utf-8"?>
 <p:sld xmlns:a="http://schemas.openxmlformats.org/drawingml/2006/main" xmlns:r="http://schemas.openxmlformats.org/officeDocument/2006/relationships" xmlns:p="http://schemas.openxmlformats.org/presentationml/2006/main">
   <p:cSld>
     <p:spTree>
@@ -11561,10 +15335,162 @@
   <p:clrMapOvr>
     <a:masterClrMapping/>
   </p:clrMapOvr>
+  <p:timing>
+    <p:tnLst>
+      <p:par>
+        <p:cTn id="1" dur="indefinite" restart="never" nodeType="tmRoot"/>
+      </p:par>
+    </p:tnLst>
+  </p:timing>
 </p:sld>
 </file>
 
-<file path=ppt/slides/slide34.xml><?xml version="1.0" encoding="utf-8"?>
+<file path=ppt/slides/slide39.xml><?xml version="1.0" encoding="utf-8"?>
+<p:sld xmlns:a="http://schemas.openxmlformats.org/drawingml/2006/main" xmlns:r="http://schemas.openxmlformats.org/officeDocument/2006/relationships" xmlns:p="http://schemas.openxmlformats.org/presentationml/2006/main" show="0">
+  <p:cSld>
+    <p:spTree>
+      <p:nvGrpSpPr>
+        <p:cNvPr id="1" name=""/>
+        <p:cNvGrpSpPr/>
+        <p:nvPr/>
+      </p:nvGrpSpPr>
+      <p:grpSpPr>
+        <a:xfrm>
+          <a:off x="0" y="0"/>
+          <a:ext cx="0" cy="0"/>
+          <a:chOff x="0" y="0"/>
+          <a:chExt cx="0" cy="0"/>
+        </a:xfrm>
+      </p:grpSpPr>
+      <p:sp>
+        <p:nvSpPr>
+          <p:cNvPr id="2" name="Title 1"/>
+          <p:cNvSpPr>
+            <a:spLocks noGrp="1"/>
+          </p:cNvSpPr>
+          <p:nvPr>
+            <p:ph type="title"/>
+          </p:nvPr>
+        </p:nvSpPr>
+        <p:spPr/>
+        <p:txBody>
+          <a:bodyPr/>
+          <a:lstStyle/>
+          <a:p>
+            <a:r>
+              <a:rPr lang="en-US" dirty="0"/>
+              <a:t>For Next Class</a:t>
+            </a:r>
+          </a:p>
+        </p:txBody>
+      </p:sp>
+      <p:sp>
+        <p:nvSpPr>
+          <p:cNvPr id="3" name="Content Placeholder 2"/>
+          <p:cNvSpPr>
+            <a:spLocks noGrp="1"/>
+          </p:cNvSpPr>
+          <p:nvPr>
+            <p:ph idx="1"/>
+          </p:nvPr>
+        </p:nvSpPr>
+        <p:spPr/>
+        <p:txBody>
+          <a:bodyPr vert="horz" lIns="91440" tIns="45720" rIns="91440" bIns="45720" rtlCol="0" anchor="t">
+            <a:normAutofit/>
+          </a:bodyPr>
+          <a:lstStyle/>
+          <a:p>
+            <a:r>
+              <a:rPr lang="en-US" dirty="0"/>
+              <a:t>Solve the 2 Design Problems in the handout</a:t>
+            </a:r>
+          </a:p>
+          <a:p>
+            <a:pPr lvl="1"/>
+            <a:r>
+              <a:rPr lang="en-US" dirty="0"/>
+              <a:t>Bring your solution to be collected </a:t>
+            </a:r>
+            <a:r>
+              <a:rPr lang="en-US" b="1" dirty="0">
+                <a:solidFill>
+                  <a:srgbClr val="FF0000"/>
+                </a:solidFill>
+              </a:rPr>
+              <a:t>at the start of </a:t>
+            </a:r>
+            <a:r>
+              <a:rPr lang="en-US" dirty="0"/>
+              <a:t>next class</a:t>
+            </a:r>
+          </a:p>
+          <a:p>
+            <a:pPr lvl="1"/>
+            <a:r>
+              <a:rPr lang="en-US" dirty="0"/>
+              <a:t>We will go over the solution at the beginning of next class</a:t>
+            </a:r>
+          </a:p>
+          <a:p>
+            <a:pPr lvl="1"/>
+            <a:r>
+              <a:rPr lang="en-US" dirty="0"/>
+              <a:t>Anything turned in late will be worth zero points</a:t>
+            </a:r>
+          </a:p>
+          <a:p>
+            <a:endParaRPr lang="en-US" dirty="0"/>
+          </a:p>
+          <a:p>
+            <a:r>
+              <a:rPr lang="en-US" dirty="0"/>
+              <a:t>We’ll discuss more design principles after Exam </a:t>
+            </a:r>
+            <a:r>
+              <a:rPr lang="en-US" dirty="0">
+                <a:cs typeface="Calibri"/>
+              </a:rPr>
+              <a:t>1</a:t>
+            </a:r>
+          </a:p>
+          <a:p>
+            <a:endParaRPr lang="en-US" dirty="0"/>
+          </a:p>
+          <a:p>
+            <a:endParaRPr lang="en-US" dirty="0"/>
+          </a:p>
+        </p:txBody>
+      </p:sp>
+    </p:spTree>
+    <p:extLst>
+      <p:ext uri="{BB962C8B-B14F-4D97-AF65-F5344CB8AC3E}">
+        <p14:creationId xmlns:p14="http://schemas.microsoft.com/office/powerpoint/2010/main" val="1646990915"/>
+      </p:ext>
+    </p:extLst>
+  </p:cSld>
+  <p:clrMapOvr>
+    <a:masterClrMapping/>
+  </p:clrMapOvr>
+  <mc:AlternateContent xmlns:mc="http://schemas.openxmlformats.org/markup-compatibility/2006">
+    <mc:Choice xmlns:p14="http://schemas.microsoft.com/office/powerpoint/2010/main" Requires="p14">
+      <p:transition spd="slow" p14:dur="2000"/>
+    </mc:Choice>
+    <mc:Fallback>
+      <p:transition spd="slow"/>
+    </mc:Fallback>
+  </mc:AlternateContent>
+  <p:timing>
+    <p:tnLst>
+      <p:par>
+        <p:cTn id="1" dur="indefinite" restart="never" nodeType="tmRoot"/>
+      </p:par>
+    </p:tnLst>
+  </p:timing>
+</p:sld>
+</file>
+
+<file path=ppt/slides/slide4.xml><?xml version="1.0" encoding="utf-8"?>
 <p:sld xmlns:a="http://schemas.openxmlformats.org/drawingml/2006/main" xmlns:r="http://schemas.openxmlformats.org/officeDocument/2006/relationships" xmlns:p="http://schemas.openxmlformats.org/presentationml/2006/main">
   <p:cSld>
     <p:spTree>
@@ -11583,7 +15509,7 @@
       </p:grpSpPr>
       <p:sp>
         <p:nvSpPr>
-          <p:cNvPr id="2" name="Title 1"/>
+          <p:cNvPr id="3" name="Title 2"/>
           <p:cNvSpPr>
             <a:spLocks noGrp="1"/>
           </p:cNvSpPr>
@@ -11598,14 +15524,14 @@
           <a:p>
             <a:r>
               <a:rPr lang="en-US" dirty="0"/>
-              <a:t>For Next Class</a:t>
-            </a:r>
-          </a:p>
-        </p:txBody>
-      </p:sp>
-      <p:sp>
-        <p:nvSpPr>
-          <p:cNvPr id="3" name="Content Placeholder 2"/>
+              <a:t>Tools of the Trade - Diagramming</a:t>
+            </a:r>
+          </a:p>
+        </p:txBody>
+      </p:sp>
+      <p:sp>
+        <p:nvSpPr>
+          <p:cNvPr id="2" name="Content Placeholder 1"/>
           <p:cNvSpPr>
             <a:spLocks noGrp="1"/>
           </p:cNvSpPr>
@@ -11615,86 +15541,69 @@
         </p:nvSpPr>
         <p:spPr/>
         <p:txBody>
-          <a:bodyPr vert="horz" lIns="91440" tIns="45720" rIns="91440" bIns="45720" rtlCol="0" anchor="t">
-            <a:normAutofit/>
-          </a:bodyPr>
+          <a:bodyPr/>
           <a:lstStyle/>
           <a:p>
             <a:r>
               <a:rPr lang="en-US" dirty="0"/>
-              <a:t>Solve the 2 Design Problems in the handout</a:t>
+              <a:t>Class Diagrams (UML)</a:t>
+            </a:r>
+          </a:p>
+          <a:p>
+            <a:r>
+              <a:rPr lang="en-US" dirty="0"/>
+              <a:t>UML – Unified Modeling Language</a:t>
             </a:r>
           </a:p>
           <a:p>
             <a:pPr lvl="1"/>
             <a:r>
-              <a:rPr lang="en-US" dirty="0"/>
-              <a:t>Bring your solution to be collected </a:t>
-            </a:r>
-            <a:r>
-              <a:rPr lang="en-US" b="1" dirty="0">
+              <a:rPr lang="en-US" sz="2100" dirty="0"/>
+              <a:t>Language </a:t>
+            </a:r>
+            <a:r>
+              <a:rPr lang="en-US" sz="2100" dirty="0">
                 <a:solidFill>
                   <a:srgbClr val="FF0000"/>
                 </a:solidFill>
               </a:rPr>
-              <a:t>at the start of </a:t>
-            </a:r>
-            <a:r>
-              <a:rPr lang="en-US" dirty="0"/>
-              <a:t>next class</a:t>
+              <a:t>un</a:t>
+            </a:r>
+            <a:r>
+              <a:rPr lang="en-US" sz="2100" dirty="0"/>
+              <a:t>specific</a:t>
             </a:r>
           </a:p>
           <a:p>
             <a:pPr lvl="1"/>
             <a:r>
-              <a:rPr lang="en-US" dirty="0"/>
-              <a:t>We will go over the solution at the beginning of next class</a:t>
-            </a:r>
-          </a:p>
-          <a:p>
-            <a:pPr lvl="1"/>
-            <a:r>
-              <a:rPr lang="en-US" dirty="0"/>
-              <a:t>Anything turned in late will be worth zero points</a:t>
-            </a:r>
-          </a:p>
-          <a:p>
-            <a:endParaRPr lang="en-US" dirty="0"/>
-          </a:p>
-          <a:p>
-            <a:r>
-              <a:rPr lang="en-US"/>
-              <a:t>We’ll discuss more design principles after Exam </a:t>
-            </a:r>
-            <a:r>
-              <a:rPr lang="en-US">
-                <a:cs typeface="Calibri"/>
-              </a:rPr>
-              <a:t>1</a:t>
-            </a:r>
-          </a:p>
-          <a:p>
-            <a:endParaRPr lang="en-US" dirty="0"/>
-          </a:p>
-          <a:p>
-            <a:endParaRPr lang="en-US" dirty="0"/>
+              <a:rPr lang="en-US" sz="2100" dirty="0"/>
+              <a:t>Has a lot of different diagrams it provides specifications for – but the class diagram language is the most widely used</a:t>
+            </a:r>
           </a:p>
         </p:txBody>
       </p:sp>
     </p:spTree>
     <p:extLst>
       <p:ext uri="{BB962C8B-B14F-4D97-AF65-F5344CB8AC3E}">
-        <p14:creationId xmlns:p14="http://schemas.microsoft.com/office/powerpoint/2010/main" val="1893570158"/>
+        <p14:creationId xmlns:p14="http://schemas.microsoft.com/office/powerpoint/2010/main" val="3671572528"/>
       </p:ext>
     </p:extLst>
   </p:cSld>
   <p:clrMapOvr>
     <a:masterClrMapping/>
   </p:clrMapOvr>
+  <p:timing>
+    <p:tnLst>
+      <p:par>
+        <p:cTn id="1" dur="indefinite" restart="never" nodeType="tmRoot"/>
+      </p:par>
+    </p:tnLst>
+  </p:timing>
 </p:sld>
 </file>
 
-<file path=ppt/slides/slide35.xml><?xml version="1.0" encoding="utf-8"?>
+<file path=ppt/slides/slide40.xml><?xml version="1.0" encoding="utf-8"?>
 <p:sld xmlns:a="http://schemas.openxmlformats.org/drawingml/2006/main" xmlns:r="http://schemas.openxmlformats.org/officeDocument/2006/relationships" xmlns:p="http://schemas.openxmlformats.org/presentationml/2006/main">
   <p:cSld>
     <p:spTree>
@@ -11799,6 +15708,69 @@
           </a:extLst>
         </p:spPr>
       </p:pic>
+      <p:sp>
+        <p:nvSpPr>
+          <p:cNvPr id="5" name="Rounded Rectangle 4"/>
+          <p:cNvSpPr/>
+          <p:nvPr/>
+        </p:nvSpPr>
+        <p:spPr>
+          <a:xfrm>
+            <a:off x="1112046" y="5546456"/>
+            <a:ext cx="4708479" cy="1009685"/>
+          </a:xfrm>
+          <a:prstGeom prst="roundRect">
+            <a:avLst/>
+          </a:prstGeom>
+          <a:solidFill>
+            <a:srgbClr val="FF0000"/>
+          </a:solidFill>
+        </p:spPr>
+        <p:style>
+          <a:lnRef idx="2">
+            <a:schemeClr val="accent1">
+              <a:shade val="50000"/>
+            </a:schemeClr>
+          </a:lnRef>
+          <a:fillRef idx="1">
+            <a:schemeClr val="accent1"/>
+          </a:fillRef>
+          <a:effectRef idx="0">
+            <a:schemeClr val="accent1"/>
+          </a:effectRef>
+          <a:fontRef idx="minor">
+            <a:schemeClr val="lt1"/>
+          </a:fontRef>
+        </p:style>
+        <p:txBody>
+          <a:bodyPr rtlCol="0" anchor="ctr"/>
+          <a:lstStyle/>
+          <a:p>
+            <a:r>
+              <a:rPr lang="en-US" b="1" dirty="0"/>
+              <a:t>PAUSE THIS </a:t>
+            </a:r>
+            <a:r>
+              <a:rPr lang="en-US" b="1" dirty="0" smtClean="0"/>
+              <a:t>VIDEO HERE for a couple minutes!</a:t>
+            </a:r>
+            <a:endParaRPr lang="en-US" b="1" dirty="0"/>
+          </a:p>
+          <a:p>
+            <a:r>
+              <a:rPr lang="en-US" dirty="0"/>
+              <a:t>Try to see what you can think might be wrong</a:t>
+            </a:r>
+          </a:p>
+          <a:p>
+            <a:r>
+              <a:rPr lang="en-US" dirty="0"/>
+              <a:t>When you have an idea, then continue</a:t>
+            </a:r>
+            <a:endParaRPr lang="en-US" dirty="0"/>
+          </a:p>
+        </p:txBody>
+      </p:sp>
     </p:spTree>
     <p:extLst>
       <p:ext uri="{BB962C8B-B14F-4D97-AF65-F5344CB8AC3E}">
@@ -11809,10 +15781,134 @@
   <p:clrMapOvr>
     <a:masterClrMapping/>
   </p:clrMapOvr>
+  <p:timing>
+    <p:tnLst>
+      <p:par>
+        <p:cTn id="1" dur="indefinite" restart="never" nodeType="tmRoot">
+          <p:childTnLst>
+            <p:seq concurrent="1" nextAc="seek">
+              <p:cTn id="2" dur="indefinite" nodeType="mainSeq">
+                <p:childTnLst>
+                  <p:par>
+                    <p:cTn id="3" fill="hold">
+                      <p:stCondLst>
+                        <p:cond delay="indefinite"/>
+                      </p:stCondLst>
+                      <p:childTnLst>
+                        <p:par>
+                          <p:cTn id="4" fill="hold">
+                            <p:stCondLst>
+                              <p:cond delay="0"/>
+                            </p:stCondLst>
+                            <p:childTnLst>
+                              <p:par>
+                                <p:cTn id="5" presetID="2" presetClass="entr" presetSubtype="4" fill="hold" grpId="0" nodeType="clickEffect">
+                                  <p:stCondLst>
+                                    <p:cond delay="0"/>
+                                  </p:stCondLst>
+                                  <p:childTnLst>
+                                    <p:set>
+                                      <p:cBhvr>
+                                        <p:cTn id="6" dur="1" fill="hold">
+                                          <p:stCondLst>
+                                            <p:cond delay="0"/>
+                                          </p:stCondLst>
+                                        </p:cTn>
+                                        <p:tgtEl>
+                                          <p:spTgt spid="5"/>
+                                        </p:tgtEl>
+                                        <p:attrNameLst>
+                                          <p:attrName>style.visibility</p:attrName>
+                                        </p:attrNameLst>
+                                      </p:cBhvr>
+                                      <p:to>
+                                        <p:strVal val="visible"/>
+                                      </p:to>
+                                    </p:set>
+                                    <p:anim calcmode="lin" valueType="num">
+                                      <p:cBhvr additive="base">
+                                        <p:cTn id="7" dur="500" fill="hold"/>
+                                        <p:tgtEl>
+                                          <p:spTgt spid="5"/>
+                                        </p:tgtEl>
+                                        <p:attrNameLst>
+                                          <p:attrName>ppt_x</p:attrName>
+                                        </p:attrNameLst>
+                                      </p:cBhvr>
+                                      <p:tavLst>
+                                        <p:tav tm="0">
+                                          <p:val>
+                                            <p:strVal val="#ppt_x"/>
+                                          </p:val>
+                                        </p:tav>
+                                        <p:tav tm="100000">
+                                          <p:val>
+                                            <p:strVal val="#ppt_x"/>
+                                          </p:val>
+                                        </p:tav>
+                                      </p:tavLst>
+                                    </p:anim>
+                                    <p:anim calcmode="lin" valueType="num">
+                                      <p:cBhvr additive="base">
+                                        <p:cTn id="8" dur="500" fill="hold"/>
+                                        <p:tgtEl>
+                                          <p:spTgt spid="5"/>
+                                        </p:tgtEl>
+                                        <p:attrNameLst>
+                                          <p:attrName>ppt_y</p:attrName>
+                                        </p:attrNameLst>
+                                      </p:cBhvr>
+                                      <p:tavLst>
+                                        <p:tav tm="0">
+                                          <p:val>
+                                            <p:strVal val="1+#ppt_h/2"/>
+                                          </p:val>
+                                        </p:tav>
+                                        <p:tav tm="100000">
+                                          <p:val>
+                                            <p:strVal val="#ppt_y"/>
+                                          </p:val>
+                                        </p:tav>
+                                      </p:tavLst>
+                                    </p:anim>
+                                  </p:childTnLst>
+                                </p:cTn>
+                              </p:par>
+                            </p:childTnLst>
+                          </p:cTn>
+                        </p:par>
+                      </p:childTnLst>
+                    </p:cTn>
+                  </p:par>
+                </p:childTnLst>
+              </p:cTn>
+              <p:prevCondLst>
+                <p:cond evt="onPrev" delay="0">
+                  <p:tgtEl>
+                    <p:sldTgt/>
+                  </p:tgtEl>
+                </p:cond>
+              </p:prevCondLst>
+              <p:nextCondLst>
+                <p:cond evt="onNext" delay="0">
+                  <p:tgtEl>
+                    <p:sldTgt/>
+                  </p:tgtEl>
+                </p:cond>
+              </p:nextCondLst>
+            </p:seq>
+          </p:childTnLst>
+        </p:cTn>
+      </p:par>
+    </p:tnLst>
+    <p:bldLst>
+      <p:bldP spid="5" grpId="0" animBg="1"/>
+    </p:bldLst>
+  </p:timing>
 </p:sld>
 </file>
 
-<file path=ppt/slides/slide36.xml><?xml version="1.0" encoding="utf-8"?>
+<file path=ppt/slides/slide41.xml><?xml version="1.0" encoding="utf-8"?>
 <p:sld xmlns:a="http://schemas.openxmlformats.org/drawingml/2006/main" xmlns:r="http://schemas.openxmlformats.org/officeDocument/2006/relationships" xmlns:p="http://schemas.openxmlformats.org/presentationml/2006/main">
   <p:cSld>
     <p:spTree>
@@ -11965,10 +16061,17 @@
   <p:clrMapOvr>
     <a:masterClrMapping/>
   </p:clrMapOvr>
+  <p:timing>
+    <p:tnLst>
+      <p:par>
+        <p:cTn id="1" dur="indefinite" restart="never" nodeType="tmRoot"/>
+      </p:par>
+    </p:tnLst>
+  </p:timing>
 </p:sld>
 </file>
 
-<file path=ppt/slides/slide37.xml><?xml version="1.0" encoding="utf-8"?>
+<file path=ppt/slides/slide42.xml><?xml version="1.0" encoding="utf-8"?>
 <p:sld xmlns:a="http://schemas.openxmlformats.org/drawingml/2006/main" xmlns:r="http://schemas.openxmlformats.org/officeDocument/2006/relationships" xmlns:p="http://schemas.openxmlformats.org/presentationml/2006/main">
   <p:cSld>
     <p:spTree>
@@ -12075,6 +16178,69 @@
           </a:extLst>
         </p:spPr>
       </p:pic>
+      <p:sp>
+        <p:nvSpPr>
+          <p:cNvPr id="5" name="Rounded Rectangle 4"/>
+          <p:cNvSpPr/>
+          <p:nvPr/>
+        </p:nvSpPr>
+        <p:spPr>
+          <a:xfrm>
+            <a:off x="4319270" y="4277026"/>
+            <a:ext cx="4708479" cy="1009685"/>
+          </a:xfrm>
+          <a:prstGeom prst="roundRect">
+            <a:avLst/>
+          </a:prstGeom>
+          <a:solidFill>
+            <a:srgbClr val="FF0000"/>
+          </a:solidFill>
+        </p:spPr>
+        <p:style>
+          <a:lnRef idx="2">
+            <a:schemeClr val="accent1">
+              <a:shade val="50000"/>
+            </a:schemeClr>
+          </a:lnRef>
+          <a:fillRef idx="1">
+            <a:schemeClr val="accent1"/>
+          </a:fillRef>
+          <a:effectRef idx="0">
+            <a:schemeClr val="accent1"/>
+          </a:effectRef>
+          <a:fontRef idx="minor">
+            <a:schemeClr val="lt1"/>
+          </a:fontRef>
+        </p:style>
+        <p:txBody>
+          <a:bodyPr rtlCol="0" anchor="ctr"/>
+          <a:lstStyle/>
+          <a:p>
+            <a:r>
+              <a:rPr lang="en-US" b="1" dirty="0"/>
+              <a:t>PAUSE THIS </a:t>
+            </a:r>
+            <a:r>
+              <a:rPr lang="en-US" b="1" dirty="0" smtClean="0"/>
+              <a:t>VIDEO HERE for a couple minutes!</a:t>
+            </a:r>
+            <a:endParaRPr lang="en-US" b="1" dirty="0"/>
+          </a:p>
+          <a:p>
+            <a:r>
+              <a:rPr lang="en-US" dirty="0"/>
+              <a:t>Try to see what you can think might be wrong</a:t>
+            </a:r>
+          </a:p>
+          <a:p>
+            <a:r>
+              <a:rPr lang="en-US" dirty="0"/>
+              <a:t>When you have an idea, then continue</a:t>
+            </a:r>
+            <a:endParaRPr lang="en-US" dirty="0"/>
+          </a:p>
+        </p:txBody>
+      </p:sp>
     </p:spTree>
     <p:extLst>
       <p:ext uri="{BB962C8B-B14F-4D97-AF65-F5344CB8AC3E}">
@@ -12085,10 +16251,134 @@
   <p:clrMapOvr>
     <a:masterClrMapping/>
   </p:clrMapOvr>
+  <p:timing>
+    <p:tnLst>
+      <p:par>
+        <p:cTn id="1" dur="indefinite" restart="never" nodeType="tmRoot">
+          <p:childTnLst>
+            <p:seq concurrent="1" nextAc="seek">
+              <p:cTn id="2" dur="indefinite" nodeType="mainSeq">
+                <p:childTnLst>
+                  <p:par>
+                    <p:cTn id="3" fill="hold">
+                      <p:stCondLst>
+                        <p:cond delay="indefinite"/>
+                      </p:stCondLst>
+                      <p:childTnLst>
+                        <p:par>
+                          <p:cTn id="4" fill="hold">
+                            <p:stCondLst>
+                              <p:cond delay="0"/>
+                            </p:stCondLst>
+                            <p:childTnLst>
+                              <p:par>
+                                <p:cTn id="5" presetID="2" presetClass="entr" presetSubtype="4" fill="hold" grpId="0" nodeType="clickEffect">
+                                  <p:stCondLst>
+                                    <p:cond delay="0"/>
+                                  </p:stCondLst>
+                                  <p:childTnLst>
+                                    <p:set>
+                                      <p:cBhvr>
+                                        <p:cTn id="6" dur="1" fill="hold">
+                                          <p:stCondLst>
+                                            <p:cond delay="0"/>
+                                          </p:stCondLst>
+                                        </p:cTn>
+                                        <p:tgtEl>
+                                          <p:spTgt spid="5"/>
+                                        </p:tgtEl>
+                                        <p:attrNameLst>
+                                          <p:attrName>style.visibility</p:attrName>
+                                        </p:attrNameLst>
+                                      </p:cBhvr>
+                                      <p:to>
+                                        <p:strVal val="visible"/>
+                                      </p:to>
+                                    </p:set>
+                                    <p:anim calcmode="lin" valueType="num">
+                                      <p:cBhvr additive="base">
+                                        <p:cTn id="7" dur="500" fill="hold"/>
+                                        <p:tgtEl>
+                                          <p:spTgt spid="5"/>
+                                        </p:tgtEl>
+                                        <p:attrNameLst>
+                                          <p:attrName>ppt_x</p:attrName>
+                                        </p:attrNameLst>
+                                      </p:cBhvr>
+                                      <p:tavLst>
+                                        <p:tav tm="0">
+                                          <p:val>
+                                            <p:strVal val="#ppt_x"/>
+                                          </p:val>
+                                        </p:tav>
+                                        <p:tav tm="100000">
+                                          <p:val>
+                                            <p:strVal val="#ppt_x"/>
+                                          </p:val>
+                                        </p:tav>
+                                      </p:tavLst>
+                                    </p:anim>
+                                    <p:anim calcmode="lin" valueType="num">
+                                      <p:cBhvr additive="base">
+                                        <p:cTn id="8" dur="500" fill="hold"/>
+                                        <p:tgtEl>
+                                          <p:spTgt spid="5"/>
+                                        </p:tgtEl>
+                                        <p:attrNameLst>
+                                          <p:attrName>ppt_y</p:attrName>
+                                        </p:attrNameLst>
+                                      </p:cBhvr>
+                                      <p:tavLst>
+                                        <p:tav tm="0">
+                                          <p:val>
+                                            <p:strVal val="1+#ppt_h/2"/>
+                                          </p:val>
+                                        </p:tav>
+                                        <p:tav tm="100000">
+                                          <p:val>
+                                            <p:strVal val="#ppt_y"/>
+                                          </p:val>
+                                        </p:tav>
+                                      </p:tavLst>
+                                    </p:anim>
+                                  </p:childTnLst>
+                                </p:cTn>
+                              </p:par>
+                            </p:childTnLst>
+                          </p:cTn>
+                        </p:par>
+                      </p:childTnLst>
+                    </p:cTn>
+                  </p:par>
+                </p:childTnLst>
+              </p:cTn>
+              <p:prevCondLst>
+                <p:cond evt="onPrev" delay="0">
+                  <p:tgtEl>
+                    <p:sldTgt/>
+                  </p:tgtEl>
+                </p:cond>
+              </p:prevCondLst>
+              <p:nextCondLst>
+                <p:cond evt="onNext" delay="0">
+                  <p:tgtEl>
+                    <p:sldTgt/>
+                  </p:tgtEl>
+                </p:cond>
+              </p:nextCondLst>
+            </p:seq>
+          </p:childTnLst>
+        </p:cTn>
+      </p:par>
+    </p:tnLst>
+    <p:bldLst>
+      <p:bldP spid="5" grpId="0" animBg="1"/>
+    </p:bldLst>
+  </p:timing>
 </p:sld>
 </file>
 
-<file path=ppt/slides/slide38.xml><?xml version="1.0" encoding="utf-8"?>
+<file path=ppt/slides/slide43.xml><?xml version="1.0" encoding="utf-8"?>
 <p:sld xmlns:a="http://schemas.openxmlformats.org/drawingml/2006/main" xmlns:r="http://schemas.openxmlformats.org/officeDocument/2006/relationships" xmlns:p="http://schemas.openxmlformats.org/presentationml/2006/main">
   <p:cSld>
     <p:spTree>
@@ -12215,10 +16505,17 @@
   <p:clrMapOvr>
     <a:masterClrMapping/>
   </p:clrMapOvr>
+  <p:timing>
+    <p:tnLst>
+      <p:par>
+        <p:cTn id="1" dur="indefinite" restart="never" nodeType="tmRoot"/>
+      </p:par>
+    </p:tnLst>
+  </p:timing>
 </p:sld>
 </file>
 
-<file path=ppt/slides/slide39.xml><?xml version="1.0" encoding="utf-8"?>
+<file path=ppt/slides/slide44.xml><?xml version="1.0" encoding="utf-8"?>
 <p:sld xmlns:a="http://schemas.openxmlformats.org/drawingml/2006/main" xmlns:r="http://schemas.openxmlformats.org/officeDocument/2006/relationships" xmlns:p="http://schemas.openxmlformats.org/presentationml/2006/main">
   <p:cSld>
     <p:spTree>
@@ -12321,6 +16618,78 @@
           </a:extLst>
         </p:spPr>
       </p:pic>
+      <p:sp>
+        <p:nvSpPr>
+          <p:cNvPr id="5" name="Rounded Rectangle 4"/>
+          <p:cNvSpPr/>
+          <p:nvPr/>
+        </p:nvSpPr>
+        <p:spPr>
+          <a:xfrm>
+            <a:off x="4154982" y="3428352"/>
+            <a:ext cx="4708479" cy="790701"/>
+          </a:xfrm>
+          <a:prstGeom prst="roundRect">
+            <a:avLst/>
+          </a:prstGeom>
+        </p:spPr>
+        <p:style>
+          <a:lnRef idx="2">
+            <a:schemeClr val="accent1">
+              <a:shade val="50000"/>
+            </a:schemeClr>
+          </a:lnRef>
+          <a:fillRef idx="1">
+            <a:schemeClr val="accent1"/>
+          </a:fillRef>
+          <a:effectRef idx="0">
+            <a:schemeClr val="accent1"/>
+          </a:effectRef>
+          <a:fontRef idx="minor">
+            <a:schemeClr val="lt1"/>
+          </a:fontRef>
+        </p:style>
+        <p:txBody>
+          <a:bodyPr rtlCol="0" anchor="ctr"/>
+          <a:lstStyle/>
+          <a:p>
+            <a:r>
+              <a:rPr lang="en-US" b="1" dirty="0"/>
+              <a:t>PAUSE THIS </a:t>
+            </a:r>
+            <a:r>
+              <a:rPr lang="en-US" b="1" dirty="0" smtClean="0"/>
+              <a:t>VIDEO HERE for 5-10 minutes!</a:t>
+            </a:r>
+            <a:endParaRPr lang="en-US" b="1" dirty="0"/>
+          </a:p>
+          <a:p>
+            <a:r>
+              <a:rPr lang="en-US" dirty="0"/>
+              <a:t>Try to </a:t>
+            </a:r>
+            <a:r>
+              <a:rPr lang="en-US" dirty="0" smtClean="0"/>
+              <a:t>make your own improved design </a:t>
+            </a:r>
+          </a:p>
+          <a:p>
+            <a:r>
+              <a:rPr lang="en-US" dirty="0" smtClean="0"/>
+              <a:t>Either paper or using </a:t>
+            </a:r>
+            <a:r>
+              <a:rPr lang="en-US" dirty="0" err="1" smtClean="0"/>
+              <a:t>plantuml</a:t>
+            </a:r>
+            <a:r>
+              <a:rPr lang="en-US" dirty="0" smtClean="0"/>
+              <a:t> is OK!</a:t>
+            </a:r>
+            <a:endParaRPr lang="en-US" dirty="0"/>
+          </a:p>
+        </p:txBody>
+      </p:sp>
     </p:spTree>
     <p:extLst>
       <p:ext uri="{BB962C8B-B14F-4D97-AF65-F5344CB8AC3E}">
@@ -12331,116 +16700,134 @@
   <p:clrMapOvr>
     <a:masterClrMapping/>
   </p:clrMapOvr>
+  <p:timing>
+    <p:tnLst>
+      <p:par>
+        <p:cTn id="1" dur="indefinite" restart="never" nodeType="tmRoot">
+          <p:childTnLst>
+            <p:seq concurrent="1" nextAc="seek">
+              <p:cTn id="2" dur="indefinite" nodeType="mainSeq">
+                <p:childTnLst>
+                  <p:par>
+                    <p:cTn id="3" fill="hold">
+                      <p:stCondLst>
+                        <p:cond delay="indefinite"/>
+                      </p:stCondLst>
+                      <p:childTnLst>
+                        <p:par>
+                          <p:cTn id="4" fill="hold">
+                            <p:stCondLst>
+                              <p:cond delay="0"/>
+                            </p:stCondLst>
+                            <p:childTnLst>
+                              <p:par>
+                                <p:cTn id="5" presetID="2" presetClass="entr" presetSubtype="4" fill="hold" grpId="0" nodeType="clickEffect">
+                                  <p:stCondLst>
+                                    <p:cond delay="0"/>
+                                  </p:stCondLst>
+                                  <p:childTnLst>
+                                    <p:set>
+                                      <p:cBhvr>
+                                        <p:cTn id="6" dur="1" fill="hold">
+                                          <p:stCondLst>
+                                            <p:cond delay="0"/>
+                                          </p:stCondLst>
+                                        </p:cTn>
+                                        <p:tgtEl>
+                                          <p:spTgt spid="5"/>
+                                        </p:tgtEl>
+                                        <p:attrNameLst>
+                                          <p:attrName>style.visibility</p:attrName>
+                                        </p:attrNameLst>
+                                      </p:cBhvr>
+                                      <p:to>
+                                        <p:strVal val="visible"/>
+                                      </p:to>
+                                    </p:set>
+                                    <p:anim calcmode="lin" valueType="num">
+                                      <p:cBhvr additive="base">
+                                        <p:cTn id="7" dur="500" fill="hold"/>
+                                        <p:tgtEl>
+                                          <p:spTgt spid="5"/>
+                                        </p:tgtEl>
+                                        <p:attrNameLst>
+                                          <p:attrName>ppt_x</p:attrName>
+                                        </p:attrNameLst>
+                                      </p:cBhvr>
+                                      <p:tavLst>
+                                        <p:tav tm="0">
+                                          <p:val>
+                                            <p:strVal val="#ppt_x"/>
+                                          </p:val>
+                                        </p:tav>
+                                        <p:tav tm="100000">
+                                          <p:val>
+                                            <p:strVal val="#ppt_x"/>
+                                          </p:val>
+                                        </p:tav>
+                                      </p:tavLst>
+                                    </p:anim>
+                                    <p:anim calcmode="lin" valueType="num">
+                                      <p:cBhvr additive="base">
+                                        <p:cTn id="8" dur="500" fill="hold"/>
+                                        <p:tgtEl>
+                                          <p:spTgt spid="5"/>
+                                        </p:tgtEl>
+                                        <p:attrNameLst>
+                                          <p:attrName>ppt_y</p:attrName>
+                                        </p:attrNameLst>
+                                      </p:cBhvr>
+                                      <p:tavLst>
+                                        <p:tav tm="0">
+                                          <p:val>
+                                            <p:strVal val="1+#ppt_h/2"/>
+                                          </p:val>
+                                        </p:tav>
+                                        <p:tav tm="100000">
+                                          <p:val>
+                                            <p:strVal val="#ppt_y"/>
+                                          </p:val>
+                                        </p:tav>
+                                      </p:tavLst>
+                                    </p:anim>
+                                  </p:childTnLst>
+                                </p:cTn>
+                              </p:par>
+                            </p:childTnLst>
+                          </p:cTn>
+                        </p:par>
+                      </p:childTnLst>
+                    </p:cTn>
+                  </p:par>
+                </p:childTnLst>
+              </p:cTn>
+              <p:prevCondLst>
+                <p:cond evt="onPrev" delay="0">
+                  <p:tgtEl>
+                    <p:sldTgt/>
+                  </p:tgtEl>
+                </p:cond>
+              </p:prevCondLst>
+              <p:nextCondLst>
+                <p:cond evt="onNext" delay="0">
+                  <p:tgtEl>
+                    <p:sldTgt/>
+                  </p:tgtEl>
+                </p:cond>
+              </p:nextCondLst>
+            </p:seq>
+          </p:childTnLst>
+        </p:cTn>
+      </p:par>
+    </p:tnLst>
+    <p:bldLst>
+      <p:bldP spid="5" grpId="0" animBg="1"/>
+    </p:bldLst>
+  </p:timing>
 </p:sld>
 </file>
 
-<file path=ppt/slides/slide4.xml><?xml version="1.0" encoding="utf-8"?>
-<p:sld xmlns:a="http://schemas.openxmlformats.org/drawingml/2006/main" xmlns:r="http://schemas.openxmlformats.org/officeDocument/2006/relationships" xmlns:p="http://schemas.openxmlformats.org/presentationml/2006/main">
-  <p:cSld>
-    <p:spTree>
-      <p:nvGrpSpPr>
-        <p:cNvPr id="1" name=""/>
-        <p:cNvGrpSpPr/>
-        <p:nvPr/>
-      </p:nvGrpSpPr>
-      <p:grpSpPr>
-        <a:xfrm>
-          <a:off x="0" y="0"/>
-          <a:ext cx="0" cy="0"/>
-          <a:chOff x="0" y="0"/>
-          <a:chExt cx="0" cy="0"/>
-        </a:xfrm>
-      </p:grpSpPr>
-      <p:sp>
-        <p:nvSpPr>
-          <p:cNvPr id="3" name="Title 2"/>
-          <p:cNvSpPr>
-            <a:spLocks noGrp="1"/>
-          </p:cNvSpPr>
-          <p:nvPr>
-            <p:ph type="title"/>
-          </p:nvPr>
-        </p:nvSpPr>
-        <p:spPr/>
-        <p:txBody>
-          <a:bodyPr/>
-          <a:lstStyle/>
-          <a:p>
-            <a:r>
-              <a:rPr lang="en-US" dirty="0"/>
-              <a:t>Tools of the Trade - Diagramming</a:t>
-            </a:r>
-          </a:p>
-        </p:txBody>
-      </p:sp>
-      <p:sp>
-        <p:nvSpPr>
-          <p:cNvPr id="2" name="Content Placeholder 1"/>
-          <p:cNvSpPr>
-            <a:spLocks noGrp="1"/>
-          </p:cNvSpPr>
-          <p:nvPr>
-            <p:ph idx="1"/>
-          </p:nvPr>
-        </p:nvSpPr>
-        <p:spPr/>
-        <p:txBody>
-          <a:bodyPr/>
-          <a:lstStyle/>
-          <a:p>
-            <a:r>
-              <a:rPr lang="en-US" dirty="0"/>
-              <a:t>Class Diagrams (UML)</a:t>
-            </a:r>
-          </a:p>
-          <a:p>
-            <a:r>
-              <a:rPr lang="en-US" dirty="0"/>
-              <a:t>UML – Unified Modeling Language</a:t>
-            </a:r>
-          </a:p>
-          <a:p>
-            <a:pPr lvl="1"/>
-            <a:r>
-              <a:rPr lang="en-US" sz="2100" dirty="0"/>
-              <a:t>Language </a:t>
-            </a:r>
-            <a:r>
-              <a:rPr lang="en-US" sz="2100" dirty="0">
-                <a:solidFill>
-                  <a:srgbClr val="FF0000"/>
-                </a:solidFill>
-              </a:rPr>
-              <a:t>un</a:t>
-            </a:r>
-            <a:r>
-              <a:rPr lang="en-US" sz="2100" dirty="0"/>
-              <a:t>specific</a:t>
-            </a:r>
-          </a:p>
-          <a:p>
-            <a:pPr lvl="1"/>
-            <a:r>
-              <a:rPr lang="en-US" sz="2100" dirty="0"/>
-              <a:t>Has a lot of different diagrams it provides specifications for – but the class diagram language is the most widely used</a:t>
-            </a:r>
-          </a:p>
-        </p:txBody>
-      </p:sp>
-    </p:spTree>
-    <p:extLst>
-      <p:ext uri="{BB962C8B-B14F-4D97-AF65-F5344CB8AC3E}">
-        <p14:creationId xmlns:p14="http://schemas.microsoft.com/office/powerpoint/2010/main" val="3671572528"/>
-      </p:ext>
-    </p:extLst>
-  </p:cSld>
-  <p:clrMapOvr>
-    <a:masterClrMapping/>
-  </p:clrMapOvr>
-</p:sld>
-</file>
-
-<file path=ppt/slides/slide40.xml><?xml version="1.0" encoding="utf-8"?>
+<file path=ppt/slides/slide45.xml><?xml version="1.0" encoding="utf-8"?>
 <p:sld xmlns:a="http://schemas.openxmlformats.org/drawingml/2006/main" xmlns:r="http://schemas.openxmlformats.org/officeDocument/2006/relationships" xmlns:p="http://schemas.openxmlformats.org/presentationml/2006/main">
   <p:cSld>
     <p:spTree>
@@ -12506,7 +16893,7 @@
         </p:blipFill>
         <p:spPr bwMode="auto">
           <a:xfrm>
-            <a:off x="628650" y="1690689"/>
+            <a:off x="90767" y="1690689"/>
             <a:ext cx="7153081" cy="4940395"/>
           </a:xfrm>
           <a:prstGeom prst="rect">
@@ -12565,6 +16952,145 @@
           </a:p>
         </p:txBody>
       </p:sp>
+      <p:sp>
+        <p:nvSpPr>
+          <p:cNvPr id="6" name="Rounded Rectangle 5"/>
+          <p:cNvSpPr/>
+          <p:nvPr/>
+        </p:nvSpPr>
+        <p:spPr>
+          <a:xfrm>
+            <a:off x="5662473" y="3429618"/>
+            <a:ext cx="3636085" cy="1323191"/>
+          </a:xfrm>
+          <a:prstGeom prst="roundRect">
+            <a:avLst/>
+          </a:prstGeom>
+        </p:spPr>
+        <p:style>
+          <a:lnRef idx="2">
+            <a:schemeClr val="accent4">
+              <a:shade val="50000"/>
+            </a:schemeClr>
+          </a:lnRef>
+          <a:fillRef idx="1">
+            <a:schemeClr val="accent4"/>
+          </a:fillRef>
+          <a:effectRef idx="0">
+            <a:schemeClr val="accent4"/>
+          </a:effectRef>
+          <a:fontRef idx="minor">
+            <a:schemeClr val="lt1"/>
+          </a:fontRef>
+        </p:style>
+        <p:txBody>
+          <a:bodyPr rtlCol="0" anchor="ctr"/>
+          <a:lstStyle/>
+          <a:p>
+            <a:pPr algn="ctr"/>
+            <a:r>
+              <a:rPr lang="en-US" dirty="0" smtClean="0">
+                <a:solidFill>
+                  <a:schemeClr val="tx1"/>
+                </a:solidFill>
+              </a:rPr>
+              <a:t>Reminder:</a:t>
+            </a:r>
+          </a:p>
+          <a:p>
+            <a:pPr algn="ctr"/>
+            <a:r>
+              <a:rPr lang="en-US" dirty="0" smtClean="0">
+                <a:solidFill>
+                  <a:schemeClr val="tx1"/>
+                </a:solidFill>
+              </a:rPr>
+              <a:t>We </a:t>
+            </a:r>
+            <a:r>
+              <a:rPr lang="en-US" b="1" i="1" dirty="0" smtClean="0">
+                <a:solidFill>
+                  <a:schemeClr val="tx1"/>
+                </a:solidFill>
+              </a:rPr>
+              <a:t>implicitly</a:t>
+            </a:r>
+            <a:r>
+              <a:rPr lang="en-US" dirty="0" smtClean="0">
+                <a:solidFill>
+                  <a:schemeClr val="tx1"/>
+                </a:solidFill>
+              </a:rPr>
+              <a:t> assume there exists:</a:t>
+            </a:r>
+          </a:p>
+          <a:p>
+            <a:pPr algn="ctr"/>
+            <a:r>
+              <a:rPr lang="en-US" dirty="0" smtClean="0">
+                <a:solidFill>
+                  <a:schemeClr val="tx1"/>
+                </a:solidFill>
+              </a:rPr>
+              <a:t>constructors as needed</a:t>
+            </a:r>
+          </a:p>
+          <a:p>
+            <a:pPr algn="ctr"/>
+            <a:r>
+              <a:rPr lang="en-US" dirty="0" smtClean="0">
+                <a:solidFill>
+                  <a:schemeClr val="tx1"/>
+                </a:solidFill>
+              </a:rPr>
+              <a:t>getters and setters as needed</a:t>
+            </a:r>
+            <a:endParaRPr lang="en-US" dirty="0">
+              <a:solidFill>
+                <a:schemeClr val="tx1"/>
+              </a:solidFill>
+            </a:endParaRPr>
+          </a:p>
+        </p:txBody>
+      </p:sp>
+      <p:cxnSp>
+        <p:nvCxnSpPr>
+          <p:cNvPr id="7" name="Straight Arrow Connector 6"/>
+          <p:cNvCxnSpPr>
+            <a:stCxn id="6" idx="2"/>
+          </p:cNvCxnSpPr>
+          <p:nvPr/>
+        </p:nvCxnSpPr>
+        <p:spPr>
+          <a:xfrm>
+            <a:off x="7480515" y="4752809"/>
+            <a:ext cx="182880" cy="1206927"/>
+          </a:xfrm>
+          <a:prstGeom prst="straightConnector1">
+            <a:avLst/>
+          </a:prstGeom>
+          <a:ln>
+            <a:solidFill>
+              <a:srgbClr val="FF0000"/>
+            </a:solidFill>
+            <a:tailEnd type="triangle"/>
+          </a:ln>
+        </p:spPr>
+        <p:style>
+          <a:lnRef idx="2">
+            <a:schemeClr val="accent2"/>
+          </a:lnRef>
+          <a:fillRef idx="0">
+            <a:schemeClr val="accent2"/>
+          </a:fillRef>
+          <a:effectRef idx="1">
+            <a:schemeClr val="accent2"/>
+          </a:effectRef>
+          <a:fontRef idx="minor">
+            <a:schemeClr val="tx1"/>
+          </a:fontRef>
+        </p:style>
+      </p:cxnSp>
     </p:spTree>
     <p:extLst>
       <p:ext uri="{BB962C8B-B14F-4D97-AF65-F5344CB8AC3E}">
@@ -12575,6 +17101,160 @@
   <p:clrMapOvr>
     <a:masterClrMapping/>
   </p:clrMapOvr>
+  <p:timing>
+    <p:tnLst>
+      <p:par>
+        <p:cTn id="1" dur="indefinite" restart="never" nodeType="tmRoot"/>
+      </p:par>
+    </p:tnLst>
+  </p:timing>
+</p:sld>
+</file>
+
+<file path=ppt/slides/slide46.xml><?xml version="1.0" encoding="utf-8"?>
+<p:sld xmlns:a="http://schemas.openxmlformats.org/drawingml/2006/main" xmlns:r="http://schemas.openxmlformats.org/officeDocument/2006/relationships" xmlns:p="http://schemas.openxmlformats.org/presentationml/2006/main">
+  <p:cSld>
+    <p:spTree>
+      <p:nvGrpSpPr>
+        <p:cNvPr id="1" name=""/>
+        <p:cNvGrpSpPr/>
+        <p:nvPr/>
+      </p:nvGrpSpPr>
+      <p:grpSpPr>
+        <a:xfrm>
+          <a:off x="0" y="0"/>
+          <a:ext cx="0" cy="0"/>
+          <a:chOff x="0" y="0"/>
+          <a:chExt cx="0" cy="0"/>
+        </a:xfrm>
+      </p:grpSpPr>
+      <p:sp>
+        <p:nvSpPr>
+          <p:cNvPr id="2" name="Title 1"/>
+          <p:cNvSpPr>
+            <a:spLocks noGrp="1"/>
+          </p:cNvSpPr>
+          <p:nvPr>
+            <p:ph type="title"/>
+          </p:nvPr>
+        </p:nvSpPr>
+        <p:spPr/>
+        <p:txBody>
+          <a:bodyPr/>
+          <a:lstStyle/>
+          <a:p>
+            <a:r>
+              <a:rPr lang="en-US" dirty="0" smtClean="0"/>
+              <a:t>Online CSSE220:</a:t>
+            </a:r>
+            <a:br>
+              <a:rPr lang="en-US" dirty="0" smtClean="0"/>
+            </a:br>
+            <a:r>
+              <a:rPr lang="en-US" dirty="0" smtClean="0"/>
+              <a:t>Design Problems 1 Homework</a:t>
+            </a:r>
+            <a:endParaRPr lang="en-US" dirty="0"/>
+          </a:p>
+        </p:txBody>
+      </p:sp>
+      <p:sp>
+        <p:nvSpPr>
+          <p:cNvPr id="3" name="Content Placeholder 2"/>
+          <p:cNvSpPr>
+            <a:spLocks noGrp="1"/>
+          </p:cNvSpPr>
+          <p:nvPr>
+            <p:ph idx="1"/>
+          </p:nvPr>
+        </p:nvSpPr>
+        <p:spPr/>
+        <p:txBody>
+          <a:bodyPr vert="horz" lIns="91440" tIns="45720" rIns="91440" bIns="45720" rtlCol="0" anchor="t">
+            <a:normAutofit/>
+          </a:bodyPr>
+          <a:lstStyle/>
+          <a:p>
+            <a:r>
+              <a:rPr lang="en-US" dirty="0"/>
+              <a:t>Solve the 2 Design Problems in the handout</a:t>
+            </a:r>
+          </a:p>
+          <a:p>
+            <a:pPr lvl="1"/>
+            <a:r>
+              <a:rPr lang="en-US" dirty="0" smtClean="0"/>
+              <a:t>These are due Tuesday morning at 7:55AM</a:t>
+            </a:r>
+            <a:endParaRPr lang="en-US" dirty="0"/>
+          </a:p>
+          <a:p>
+            <a:pPr lvl="1"/>
+            <a:r>
+              <a:rPr lang="en-US" b="1" dirty="0" smtClean="0"/>
+              <a:t>Anything </a:t>
+            </a:r>
+            <a:r>
+              <a:rPr lang="en-US" b="1" dirty="0"/>
+              <a:t>turned in late will be worth zero points</a:t>
+            </a:r>
+          </a:p>
+          <a:p>
+            <a:pPr lvl="1"/>
+            <a:r>
+              <a:rPr lang="en-US" dirty="0" smtClean="0"/>
+              <a:t>A video going over the solution will be posted that morning</a:t>
+            </a:r>
+          </a:p>
+          <a:p>
+            <a:pPr lvl="1"/>
+            <a:endParaRPr lang="en-US" dirty="0"/>
+          </a:p>
+          <a:p>
+            <a:r>
+              <a:rPr lang="en-US" dirty="0"/>
+              <a:t>We’ll discuss more design principles after Exam </a:t>
+            </a:r>
+            <a:r>
+              <a:rPr lang="en-US" dirty="0">
+                <a:cs typeface="Calibri"/>
+              </a:rPr>
+              <a:t>1</a:t>
+            </a:r>
+          </a:p>
+          <a:p>
+            <a:endParaRPr lang="en-US" dirty="0"/>
+          </a:p>
+          <a:p>
+            <a:endParaRPr lang="en-US" dirty="0"/>
+          </a:p>
+        </p:txBody>
+      </p:sp>
+    </p:spTree>
+    <p:extLst>
+      <p:ext uri="{BB962C8B-B14F-4D97-AF65-F5344CB8AC3E}">
+        <p14:creationId xmlns:p14="http://schemas.microsoft.com/office/powerpoint/2010/main" val="1893570158"/>
+      </p:ext>
+    </p:extLst>
+  </p:cSld>
+  <p:clrMapOvr>
+    <a:masterClrMapping/>
+  </p:clrMapOvr>
+  <mc:AlternateContent xmlns:mc="http://schemas.openxmlformats.org/markup-compatibility/2006">
+    <mc:Choice xmlns:p14="http://schemas.microsoft.com/office/powerpoint/2010/main" Requires="p14">
+      <p:transition spd="slow" p14:dur="2000"/>
+    </mc:Choice>
+    <mc:Fallback>
+      <p:transition spd="slow"/>
+    </mc:Fallback>
+  </mc:AlternateContent>
+  <p:timing>
+    <p:tnLst>
+      <p:par>
+        <p:cTn id="1" dur="indefinite" restart="never" nodeType="tmRoot"/>
+      </p:par>
+    </p:tnLst>
+  </p:timing>
 </p:sld>
 </file>
 
@@ -13126,6 +17806,13 @@
   <p:clrMapOvr>
     <a:masterClrMapping/>
   </p:clrMapOvr>
+  <p:timing>
+    <p:tnLst>
+      <p:par>
+        <p:cTn id="1" dur="indefinite" restart="never" nodeType="tmRoot"/>
+      </p:par>
+    </p:tnLst>
+  </p:timing>
 </p:sld>
 </file>
 
@@ -13773,6 +18460,13 @@
   <p:clrMapOvr>
     <a:masterClrMapping/>
   </p:clrMapOvr>
+  <p:timing>
+    <p:tnLst>
+      <p:par>
+        <p:cTn id="1" dur="indefinite" restart="never" nodeType="tmRoot"/>
+      </p:par>
+    </p:tnLst>
+  </p:timing>
 </p:sld>
 </file>
 
@@ -14622,6 +19316,13 @@
   <p:clrMapOvr>
     <a:masterClrMapping/>
   </p:clrMapOvr>
+  <p:timing>
+    <p:tnLst>
+      <p:par>
+        <p:cTn id="1" dur="indefinite" restart="never" nodeType="tmRoot"/>
+      </p:par>
+    </p:tnLst>
+  </p:timing>
 </p:sld>
 </file>
 
@@ -15418,6 +20119,13 @@
   <p:clrMapOvr>
     <a:masterClrMapping/>
   </p:clrMapOvr>
+  <p:timing>
+    <p:tnLst>
+      <p:par>
+        <p:cTn id="1" dur="indefinite" restart="never" nodeType="tmRoot"/>
+      </p:par>
+    </p:tnLst>
+  </p:timing>
 </p:sld>
 </file>
 
@@ -16431,6 +21139,13 @@
   <p:clrMapOvr>
     <a:masterClrMapping/>
   </p:clrMapOvr>
+  <p:timing>
+    <p:tnLst>
+      <p:par>
+        <p:cTn id="1" dur="indefinite" restart="never" nodeType="tmRoot"/>
+      </p:par>
+    </p:tnLst>
+  </p:timing>
 </p:sld>
 </file>
 

--- a/ClassMaterials/SETechniques/Slides/SoftwareEngineeringTechniques.pptx
+++ b/ClassMaterials/SETechniques/Slides/SoftwareEngineeringTechniques.pptx
@@ -176,9 +176,7 @@
 
 <file path=ppt/commentAuthors.xml><?xml version="1.0" encoding="utf-8"?>
 <p:cmAuthorLst xmlns:a="http://schemas.openxmlformats.org/drawingml/2006/main" xmlns:r="http://schemas.openxmlformats.org/officeDocument/2006/relationships" xmlns:p="http://schemas.openxmlformats.org/presentationml/2006/main">
-  <p:cmAuthor id="1" name="Windows User" initials="WU" lastIdx="3" clrIdx="0">
-    <p:extLst/>
-  </p:cmAuthor>
+  <p:cmAuthor id="1" name="Windows User" initials="WU" lastIdx="3" clrIdx="0"/>
   <p:cmAuthor id="2" name="Yoder, Jason" initials="YJ" lastIdx="0" clrIdx="1">
     <p:extLst>
       <p:ext uri="{19B8F6BF-5375-455C-9EA6-DF929625EA0E}">
@@ -271,7 +269,7 @@
           <a:p>
             <a:fld id="{A470E182-4433-B944-AF35-723DFC7F8728}" type="datetimeFigureOut">
               <a:rPr lang="en-US" smtClean="0"/>
-              <a:t>3/19/2020</a:t>
+              <a:t>2/24/22</a:t>
             </a:fld>
             <a:endParaRPr lang="en-US"/>
           </a:p>
@@ -436,7 +434,7 @@
           <a:p>
             <a:fld id="{C12EF212-CCF8-3B4F-9C5F-A87F03513D57}" type="datetimeFigureOut">
               <a:rPr lang="en-US" smtClean="0"/>
-              <a:t>3/19/2020</a:t>
+              <a:t>2/24/22</a:t>
             </a:fld>
             <a:endParaRPr lang="en-US"/>
           </a:p>
@@ -878,7 +876,7 @@
             <a:pPr marL="228600" indent="-228600">
               <a:buAutoNum type="alphaUcPeriod"/>
             </a:pPr>
-            <a:endParaRPr lang="en-US" dirty="0" smtClean="0">
+            <a:endParaRPr lang="en-US" dirty="0">
               <a:cs typeface="Calibri"/>
             </a:endParaRPr>
           </a:p>
@@ -886,7 +884,7 @@
             <a:pPr marL="228600" indent="-228600">
               <a:buAutoNum type="alphaUcPeriod"/>
             </a:pPr>
-            <a:endParaRPr lang="en-US" dirty="0" smtClean="0">
+            <a:endParaRPr lang="en-US" dirty="0">
               <a:cs typeface="Calibri"/>
             </a:endParaRPr>
           </a:p>
@@ -1065,267 +1063,267 @@
           <a:lstStyle/>
           <a:p>
             <a:r>
-              <a:rPr lang="en-US" dirty="0" smtClean="0"/>
+              <a:rPr lang="en-US" dirty="0"/>
               <a:t>@</a:t>
             </a:r>
             <a:r>
-              <a:rPr lang="en-US" dirty="0" err="1" smtClean="0"/>
+              <a:rPr lang="en-US" dirty="0" err="1"/>
               <a:t>startuml</a:t>
             </a:r>
-            <a:endParaRPr lang="en-US" dirty="0" smtClean="0"/>
-          </a:p>
-          <a:p>
-            <a:r>
-              <a:rPr lang="en-US" dirty="0" err="1" smtClean="0"/>
+            <a:endParaRPr lang="en-US" dirty="0"/>
+          </a:p>
+          <a:p>
+            <a:r>
+              <a:rPr lang="en-US" dirty="0" err="1"/>
               <a:t>skinparam</a:t>
             </a:r>
             <a:r>
-              <a:rPr lang="en-US" dirty="0" smtClean="0"/>
+              <a:rPr lang="en-US" dirty="0"/>
               <a:t> style </a:t>
             </a:r>
             <a:r>
-              <a:rPr lang="en-US" dirty="0" err="1" smtClean="0"/>
+              <a:rPr lang="en-US" dirty="0" err="1"/>
               <a:t>strictuml</a:t>
             </a:r>
-            <a:endParaRPr lang="en-US" dirty="0" smtClean="0"/>
-          </a:p>
-          <a:p>
-            <a:endParaRPr lang="en-US" dirty="0" smtClean="0"/>
-          </a:p>
-          <a:p>
-            <a:r>
-              <a:rPr lang="en-US" dirty="0" smtClean="0"/>
+            <a:endParaRPr lang="en-US" dirty="0"/>
+          </a:p>
+          <a:p>
+            <a:endParaRPr lang="en-US" dirty="0"/>
+          </a:p>
+          <a:p>
+            <a:r>
+              <a:rPr lang="en-US" dirty="0"/>
               <a:t>class Book {</a:t>
             </a:r>
           </a:p>
           <a:p>
             <a:r>
-              <a:rPr lang="en-US" dirty="0" smtClean="0"/>
+              <a:rPr lang="en-US" dirty="0"/>
               <a:t>   name</a:t>
             </a:r>
           </a:p>
           <a:p>
             <a:r>
-              <a:rPr lang="en-US" dirty="0" smtClean="0"/>
+              <a:rPr lang="en-US" dirty="0"/>
               <a:t>   author</a:t>
             </a:r>
           </a:p>
           <a:p>
             <a:r>
-              <a:rPr lang="en-US" dirty="0" smtClean="0"/>
+              <a:rPr lang="en-US" dirty="0"/>
               <a:t>   </a:t>
             </a:r>
             <a:r>
-              <a:rPr lang="en-US" dirty="0" err="1" smtClean="0"/>
+              <a:rPr lang="en-US" dirty="0" err="1"/>
               <a:t>printReport</a:t>
             </a:r>
             <a:r>
-              <a:rPr lang="en-US" dirty="0" smtClean="0"/>
+              <a:rPr lang="en-US" dirty="0"/>
               <a:t>()</a:t>
             </a:r>
           </a:p>
           <a:p>
             <a:r>
-              <a:rPr lang="en-US" dirty="0" smtClean="0"/>
+              <a:rPr lang="en-US" dirty="0"/>
               <a:t>   </a:t>
             </a:r>
             <a:r>
-              <a:rPr lang="en-US" dirty="0" err="1" smtClean="0"/>
+              <a:rPr lang="en-US" dirty="0" err="1"/>
               <a:t>addKid</a:t>
             </a:r>
             <a:r>
-              <a:rPr lang="en-US" dirty="0" smtClean="0"/>
+              <a:rPr lang="en-US" dirty="0"/>
               <a:t>(kid)</a:t>
             </a:r>
           </a:p>
           <a:p>
             <a:r>
-              <a:rPr lang="en-US" dirty="0" smtClean="0"/>
+              <a:rPr lang="en-US" dirty="0"/>
               <a:t>}</a:t>
             </a:r>
           </a:p>
           <a:p>
             <a:r>
-              <a:rPr lang="en-US" dirty="0" smtClean="0"/>
+              <a:rPr lang="en-US" dirty="0"/>
               <a:t>class Kid {</a:t>
             </a:r>
           </a:p>
           <a:p>
             <a:r>
-              <a:rPr lang="en-US" dirty="0" smtClean="0"/>
+              <a:rPr lang="en-US" dirty="0"/>
               <a:t>   name</a:t>
             </a:r>
           </a:p>
           <a:p>
             <a:r>
-              <a:rPr lang="en-US" dirty="0" smtClean="0"/>
+              <a:rPr lang="en-US" dirty="0"/>
               <a:t>   </a:t>
             </a:r>
             <a:r>
-              <a:rPr lang="en-US" dirty="0" err="1" smtClean="0"/>
+              <a:rPr lang="en-US" dirty="0" err="1"/>
               <a:t>gradeLevel</a:t>
             </a:r>
-            <a:endParaRPr lang="en-US" dirty="0" smtClean="0"/>
-          </a:p>
-          <a:p>
-            <a:r>
-              <a:rPr lang="en-US" dirty="0" smtClean="0"/>
+            <a:endParaRPr lang="en-US" dirty="0"/>
+          </a:p>
+          <a:p>
+            <a:r>
+              <a:rPr lang="en-US" dirty="0"/>
               <a:t>   </a:t>
             </a:r>
             <a:r>
-              <a:rPr lang="en-US" dirty="0" err="1" smtClean="0"/>
+              <a:rPr lang="en-US" dirty="0" err="1"/>
               <a:t>printReport</a:t>
             </a:r>
             <a:r>
-              <a:rPr lang="en-US" dirty="0" smtClean="0"/>
+              <a:rPr lang="en-US" dirty="0"/>
               <a:t>()</a:t>
             </a:r>
           </a:p>
           <a:p>
             <a:r>
-              <a:rPr lang="en-US" dirty="0" smtClean="0"/>
+              <a:rPr lang="en-US" dirty="0"/>
               <a:t>   </a:t>
             </a:r>
             <a:r>
-              <a:rPr lang="en-US" dirty="0" err="1" smtClean="0"/>
+              <a:rPr lang="en-US" dirty="0" err="1"/>
               <a:t>addBook</a:t>
             </a:r>
             <a:r>
-              <a:rPr lang="en-US" dirty="0" smtClean="0"/>
+              <a:rPr lang="en-US" dirty="0"/>
               <a:t>(book)</a:t>
             </a:r>
           </a:p>
           <a:p>
             <a:r>
-              <a:rPr lang="en-US" dirty="0" smtClean="0"/>
+              <a:rPr lang="en-US" dirty="0"/>
               <a:t>}</a:t>
             </a:r>
           </a:p>
           <a:p>
-            <a:endParaRPr lang="en-US" dirty="0" smtClean="0"/>
-          </a:p>
-          <a:p>
-            <a:r>
-              <a:rPr lang="en-US" dirty="0" smtClean="0"/>
+            <a:endParaRPr lang="en-US" dirty="0"/>
+          </a:p>
+          <a:p>
+            <a:r>
+              <a:rPr lang="en-US" dirty="0"/>
               <a:t>class </a:t>
             </a:r>
             <a:r>
-              <a:rPr lang="en-US" dirty="0" err="1" smtClean="0"/>
+              <a:rPr lang="en-US" dirty="0" err="1"/>
               <a:t>BookMain</a:t>
             </a:r>
             <a:r>
-              <a:rPr lang="en-US" dirty="0" smtClean="0"/>
+              <a:rPr lang="en-US" dirty="0"/>
               <a:t> {</a:t>
             </a:r>
           </a:p>
           <a:p>
             <a:r>
-              <a:rPr lang="en-US" dirty="0" smtClean="0"/>
+              <a:rPr lang="en-US" dirty="0"/>
               <a:t>   </a:t>
             </a:r>
             <a:r>
-              <a:rPr lang="en-US" dirty="0" err="1" smtClean="0"/>
+              <a:rPr lang="en-US" dirty="0" err="1"/>
               <a:t>handleNewReading</a:t>
             </a:r>
             <a:r>
-              <a:rPr lang="en-US" dirty="0" smtClean="0"/>
+              <a:rPr lang="en-US" dirty="0"/>
               <a:t>(</a:t>
             </a:r>
             <a:r>
-              <a:rPr lang="en-US" dirty="0" err="1" smtClean="0"/>
+              <a:rPr lang="en-US" dirty="0" err="1"/>
               <a:t>bookname,kidname</a:t>
             </a:r>
             <a:r>
-              <a:rPr lang="en-US" dirty="0" smtClean="0"/>
+              <a:rPr lang="en-US" dirty="0"/>
               <a:t>)</a:t>
             </a:r>
           </a:p>
           <a:p>
             <a:r>
-              <a:rPr lang="en-US" dirty="0" smtClean="0"/>
+              <a:rPr lang="en-US" dirty="0"/>
               <a:t>   </a:t>
             </a:r>
             <a:r>
-              <a:rPr lang="en-US" dirty="0" err="1" smtClean="0"/>
+              <a:rPr lang="en-US" dirty="0" err="1"/>
               <a:t>printReportForBook</a:t>
             </a:r>
             <a:r>
-              <a:rPr lang="en-US" dirty="0" smtClean="0"/>
+              <a:rPr lang="en-US" dirty="0"/>
               <a:t>(</a:t>
             </a:r>
             <a:r>
-              <a:rPr lang="en-US" dirty="0" err="1" smtClean="0"/>
+              <a:rPr lang="en-US" dirty="0" err="1"/>
               <a:t>bookname</a:t>
             </a:r>
             <a:r>
-              <a:rPr lang="en-US" dirty="0" smtClean="0"/>
+              <a:rPr lang="en-US" dirty="0"/>
               <a:t>)</a:t>
             </a:r>
           </a:p>
           <a:p>
             <a:r>
-              <a:rPr lang="en-US" dirty="0" smtClean="0"/>
+              <a:rPr lang="en-US" dirty="0"/>
               <a:t>   </a:t>
             </a:r>
             <a:r>
-              <a:rPr lang="en-US" dirty="0" err="1" smtClean="0"/>
+              <a:rPr lang="en-US" dirty="0" err="1"/>
               <a:t>printReportForKid</a:t>
             </a:r>
             <a:r>
-              <a:rPr lang="en-US" dirty="0" smtClean="0"/>
+              <a:rPr lang="en-US" dirty="0"/>
               <a:t>(</a:t>
             </a:r>
             <a:r>
-              <a:rPr lang="en-US" dirty="0" err="1" smtClean="0"/>
+              <a:rPr lang="en-US" dirty="0" err="1"/>
               <a:t>kidname</a:t>
             </a:r>
             <a:r>
-              <a:rPr lang="en-US" dirty="0" smtClean="0"/>
+              <a:rPr lang="en-US" dirty="0"/>
               <a:t>)</a:t>
             </a:r>
           </a:p>
           <a:p>
             <a:r>
-              <a:rPr lang="en-US" dirty="0" smtClean="0"/>
+              <a:rPr lang="en-US" dirty="0"/>
               <a:t>}</a:t>
             </a:r>
           </a:p>
           <a:p>
             <a:r>
-              <a:rPr lang="en-US" dirty="0" smtClean="0"/>
+              <a:rPr lang="en-US" dirty="0"/>
               <a:t>Kid "*" &lt;-&gt; "*" Book</a:t>
             </a:r>
           </a:p>
           <a:p>
             <a:r>
-              <a:rPr lang="en-US" dirty="0" err="1" smtClean="0"/>
+              <a:rPr lang="en-US" dirty="0" err="1"/>
               <a:t>BookMain</a:t>
             </a:r>
             <a:r>
-              <a:rPr lang="en-US" dirty="0" smtClean="0"/>
+              <a:rPr lang="en-US" dirty="0"/>
               <a:t> -&gt; "*" Book</a:t>
             </a:r>
           </a:p>
           <a:p>
             <a:r>
-              <a:rPr lang="en-US" dirty="0" err="1" smtClean="0"/>
+              <a:rPr lang="en-US" dirty="0" err="1"/>
               <a:t>BookMain</a:t>
             </a:r>
             <a:r>
-              <a:rPr lang="en-US" dirty="0" smtClean="0"/>
+              <a:rPr lang="en-US" dirty="0"/>
               <a:t> -&gt; "*" Kid</a:t>
             </a:r>
           </a:p>
           <a:p>
             <a:r>
-              <a:rPr lang="en-US" dirty="0" smtClean="0"/>
+              <a:rPr lang="en-US" dirty="0"/>
               <a:t>@</a:t>
             </a:r>
             <a:r>
-              <a:rPr lang="en-US" dirty="0" err="1" smtClean="0"/>
+              <a:rPr lang="en-US" dirty="0" err="1"/>
               <a:t>enduml</a:t>
             </a:r>
-            <a:endParaRPr lang="en-US" dirty="0" smtClean="0"/>
+            <a:endParaRPr lang="en-US" dirty="0"/>
           </a:p>
           <a:p>
             <a:endParaRPr lang="en-US" dirty="0"/>
@@ -2841,7 +2839,7 @@
               <a:pPr>
                 <a:defRPr/>
               </a:pPr>
-              <a:t>Thursday, March 19, 2020</a:t>
+              <a:t>Thursday, February 24, 2022</a:t>
             </a:fld>
             <a:endParaRPr lang="en-US" dirty="0"/>
           </a:p>
@@ -3034,7 +3032,7 @@
               <a:pPr>
                 <a:defRPr/>
               </a:pPr>
-              <a:t>Thursday, March 19, 2020</a:t>
+              <a:t>Thursday, February 24, 2022</a:t>
             </a:fld>
             <a:endParaRPr lang="en-US" dirty="0">
               <a:solidFill>
@@ -3247,7 +3245,7 @@
               <a:pPr>
                 <a:defRPr/>
               </a:pPr>
-              <a:t>Thursday, March 19, 2020</a:t>
+              <a:t>Thursday, February 24, 2022</a:t>
             </a:fld>
             <a:endParaRPr lang="en-US" dirty="0">
               <a:solidFill>
@@ -3450,7 +3448,7 @@
               <a:pPr>
                 <a:defRPr/>
               </a:pPr>
-              <a:t>Thursday, March 19, 2020</a:t>
+              <a:t>Thursday, February 24, 2022</a:t>
             </a:fld>
             <a:endParaRPr lang="en-US" dirty="0">
               <a:solidFill>
@@ -3730,7 +3728,7 @@
               <a:pPr>
                 <a:defRPr/>
               </a:pPr>
-              <a:t>Thursday, March 19, 2020</a:t>
+              <a:t>Thursday, February 24, 2022</a:t>
             </a:fld>
             <a:endParaRPr lang="en-US">
               <a:solidFill>
@@ -3994,7 +3992,7 @@
               <a:pPr>
                 <a:defRPr/>
               </a:pPr>
-              <a:t>Thursday, March 19, 2020</a:t>
+              <a:t>Thursday, February 24, 2022</a:t>
             </a:fld>
             <a:endParaRPr lang="en-US">
               <a:solidFill>
@@ -4393,7 +4391,7 @@
               <a:pPr>
                 <a:defRPr/>
               </a:pPr>
-              <a:t>Thursday, March 19, 2020</a:t>
+              <a:t>Thursday, February 24, 2022</a:t>
             </a:fld>
             <a:endParaRPr lang="en-US">
               <a:solidFill>
@@ -4545,7 +4543,7 @@
               <a:pPr>
                 <a:defRPr/>
               </a:pPr>
-              <a:t>Thursday, March 19, 2020</a:t>
+              <a:t>Thursday, February 24, 2022</a:t>
             </a:fld>
             <a:endParaRPr lang="en-US">
               <a:solidFill>
@@ -4675,7 +4673,7 @@
               <a:pPr>
                 <a:defRPr/>
               </a:pPr>
-              <a:t>Thursday, March 19, 2020</a:t>
+              <a:t>Thursday, February 24, 2022</a:t>
             </a:fld>
             <a:endParaRPr lang="en-US" dirty="0">
               <a:solidFill>
@@ -4985,7 +4983,7 @@
               <a:pPr>
                 <a:defRPr/>
               </a:pPr>
-              <a:t>Thursday, March 19, 2020</a:t>
+              <a:t>Thursday, February 24, 2022</a:t>
             </a:fld>
             <a:endParaRPr lang="en-US">
               <a:solidFill>
@@ -5272,7 +5270,7 @@
               <a:pPr>
                 <a:defRPr/>
               </a:pPr>
-              <a:t>Thursday, March 19, 2020</a:t>
+              <a:t>Thursday, February 24, 2022</a:t>
             </a:fld>
             <a:endParaRPr lang="en-US">
               <a:solidFill>
@@ -5532,7 +5530,7 @@
                 </a:spcAft>
                 <a:defRPr/>
               </a:pPr>
-              <a:t>Thursday, March 19, 2020</a:t>
+              <a:t>Thursday, February 24, 2022</a:t>
             </a:fld>
             <a:endParaRPr lang="en-US" dirty="0">
               <a:solidFill>
@@ -6045,20 +6043,26 @@
       </p:sp>
       <p:sp>
         <p:nvSpPr>
-          <p:cNvPr id="6" name="TextBox 5"/>
-          <p:cNvSpPr txBox="1"/>
+          <p:cNvPr id="7" name="Rectangle 6">
+            <a:extLst>
+              <a:ext uri="{FF2B5EF4-FFF2-40B4-BE49-F238E27FC236}">
+                <a16:creationId xmlns:a16="http://schemas.microsoft.com/office/drawing/2014/main" id="{8C278F77-3A87-5847-99C2-352DD6917346}"/>
+              </a:ext>
+            </a:extLst>
+          </p:cNvPr>
+          <p:cNvSpPr/>
           <p:nvPr/>
         </p:nvSpPr>
         <p:spPr>
           <a:xfrm>
-            <a:off x="0" y="5257800"/>
-            <a:ext cx="9144000" cy="523220"/>
+            <a:off x="304800" y="4918754"/>
+            <a:ext cx="8534400" cy="1565186"/>
           </a:xfrm>
           <a:prstGeom prst="rect">
             <a:avLst/>
           </a:prstGeom>
           <a:solidFill>
-            <a:srgbClr val="7030A0"/>
+            <a:srgbClr val="92D050"/>
           </a:solidFill>
         </p:spPr>
         <p:style>
@@ -6078,35 +6082,55 @@
           </a:fontRef>
         </p:style>
         <p:txBody>
-          <a:bodyPr wrap="square">
-            <a:spAutoFit/>
-          </a:bodyPr>
-          <a:lstStyle/>
-          <a:p>
-            <a:pPr>
-              <a:defRPr/>
+          <a:bodyPr rtlCol="0" anchor="ctr"/>
+          <a:lstStyle/>
+          <a:p>
+            <a:r>
+              <a:rPr lang="en-US" sz="2400" dirty="0">
+                <a:solidFill>
+                  <a:srgbClr val="FFFFFF"/>
+                </a:solidFill>
+              </a:rPr>
+              <a:t>The </a:t>
+            </a:r>
+            <a:r>
+              <a:rPr lang="en-US" sz="2400" i="1" dirty="0">
+                <a:solidFill>
+                  <a:srgbClr val="FFFFFF"/>
+                </a:solidFill>
+              </a:rPr>
+              <a:t>git</a:t>
+            </a:r>
+            <a:r>
+              <a:rPr lang="en-US" sz="2400" dirty="0">
+                <a:solidFill>
+                  <a:srgbClr val="FFFFFF"/>
+                </a:solidFill>
+              </a:rPr>
+              <a:t> projects for today are:</a:t>
+            </a:r>
+          </a:p>
+          <a:p>
+            <a:pPr marL="342900" indent="-342900">
+              <a:buFont typeface="Arial" panose="020B0604020202020204" pitchFamily="34" charset="0"/>
+              <a:buChar char="•"/>
             </a:pPr>
             <a:r>
-              <a:rPr lang="en-US" sz="2800" dirty="0"/>
-              <a:t>Import </a:t>
-            </a:r>
-            <a:r>
-              <a:rPr lang="en-US" sz="2800" i="1" dirty="0" err="1" smtClean="0"/>
-              <a:t>FirstOODesignPractice</a:t>
-            </a:r>
-            <a:r>
-              <a:rPr lang="en-US" sz="2800" dirty="0" smtClean="0"/>
-              <a:t> </a:t>
-            </a:r>
-            <a:r>
-              <a:rPr lang="en-US" sz="2800" dirty="0"/>
-              <a:t>from </a:t>
-            </a:r>
-            <a:r>
-              <a:rPr lang="en-US" sz="2800" dirty="0" smtClean="0"/>
-              <a:t>repo</a:t>
-            </a:r>
-            <a:endParaRPr lang="en-US" sz="2800" dirty="0"/>
+              <a:rPr lang="en-US" sz="2400" i="1" dirty="0" err="1"/>
+              <a:t>PracticeFirstOODesign</a:t>
+            </a:r>
+            <a:endParaRPr lang="en-US" sz="2400" i="1" dirty="0"/>
+          </a:p>
+          <a:p>
+            <a:pPr marL="342900" indent="-342900">
+              <a:buFont typeface="Arial" panose="020B0604020202020204" pitchFamily="34" charset="0"/>
+              <a:buChar char="•"/>
+            </a:pPr>
+            <a:r>
+              <a:rPr lang="en-US" sz="2400" i="1" dirty="0" err="1"/>
+              <a:t>PracticeFirstOODesignSolution</a:t>
+            </a:r>
+            <a:endParaRPr lang="en-US" sz="2400" i="1" dirty="0"/>
           </a:p>
         </p:txBody>
       </p:sp>
@@ -6120,13 +6144,6 @@
   <p:clrMapOvr>
     <a:masterClrMapping/>
   </p:clrMapOvr>
-  <p:timing>
-    <p:tnLst>
-      <p:par>
-        <p:cTn id="1" dur="indefinite" restart="never" nodeType="tmRoot"/>
-      </p:par>
-    </p:tnLst>
-  </p:timing>
 </p:sld>
 </file>
 
@@ -6589,9 +6606,7 @@
           <p:cNvGraphicFramePr>
             <a:graphicFrameLocks noGrp="1"/>
           </p:cNvGraphicFramePr>
-          <p:nvPr>
-            <p:extLst/>
-          </p:nvPr>
+          <p:nvPr/>
         </p:nvGraphicFramePr>
         <p:xfrm>
           <a:off x="4865717" y="1733521"/>
@@ -7070,13 +7085,6 @@
   <p:clrMapOvr>
     <a:masterClrMapping/>
   </p:clrMapOvr>
-  <p:timing>
-    <p:tnLst>
-      <p:par>
-        <p:cTn id="1" dur="indefinite" restart="never" nodeType="tmRoot"/>
-      </p:par>
-    </p:tnLst>
-  </p:timing>
 </p:sld>
 </file>
 
@@ -7169,13 +7177,6 @@
   <p:clrMapOvr>
     <a:masterClrMapping/>
   </p:clrMapOvr>
-  <p:timing>
-    <p:tnLst>
-      <p:par>
-        <p:cTn id="1" dur="indefinite" restart="never" nodeType="tmRoot"/>
-      </p:par>
-    </p:tnLst>
-  </p:timing>
 </p:sld>
 </file>
 
@@ -7648,12 +7649,8 @@
           <a:p>
             <a:pPr algn="ctr"/>
             <a:r>
-              <a:rPr lang="en-US" dirty="0" smtClean="0"/>
-              <a:t>Two-way </a:t>
-            </a:r>
-            <a:r>
-              <a:rPr lang="en-US" dirty="0"/>
-              <a:t>Dependency</a:t>
+              <a:rPr lang="en-US" dirty="0"/>
+              <a:t>Two-way Dependency</a:t>
             </a:r>
           </a:p>
         </p:txBody>
@@ -7712,13 +7709,6 @@
   <p:clrMapOvr>
     <a:masterClrMapping/>
   </p:clrMapOvr>
-  <p:timing>
-    <p:tnLst>
-      <p:par>
-        <p:cTn id="1" dur="indefinite" restart="never" nodeType="tmRoot"/>
-      </p:par>
-    </p:tnLst>
-  </p:timing>
 </p:sld>
 </file>
 
@@ -7885,13 +7875,6 @@
   <p:clrMapOvr>
     <a:masterClrMapping/>
   </p:clrMapOvr>
-  <p:timing>
-    <p:tnLst>
-      <p:par>
-        <p:cTn id="1" dur="indefinite" restart="never" nodeType="tmRoot"/>
-      </p:par>
-    </p:tnLst>
-  </p:timing>
 </p:sld>
 </file>
 
@@ -8260,13 +8243,6 @@
   <p:clrMapOvr>
     <a:masterClrMapping/>
   </p:clrMapOvr>
-  <p:timing>
-    <p:tnLst>
-      <p:par>
-        <p:cTn id="1" dur="indefinite" restart="never" nodeType="tmRoot"/>
-      </p:par>
-    </p:tnLst>
-  </p:timing>
 </p:sld>
 </file>
 
@@ -8527,13 +8503,8 @@
             </a:r>
             <a:r>
               <a:rPr lang="en-US" sz="2400" dirty="0"/>
-              <a:t> between objects when it does not disrupt usability or </a:t>
-            </a:r>
-            <a:r>
-              <a:rPr lang="en-US" sz="2400" dirty="0" smtClean="0"/>
-              <a:t>extendibility</a:t>
-            </a:r>
-            <a:endParaRPr lang="en-US" sz="2400" dirty="0"/>
+              <a:t> between objects when it does not disrupt usability or extendibility</a:t>
+            </a:r>
           </a:p>
           <a:p>
             <a:pPr marL="685800" lvl="1" indent="-342900" fontAlgn="base">
@@ -8626,13 +8597,6 @@
   <p:clrMapOvr>
     <a:masterClrMapping/>
   </p:clrMapOvr>
-  <p:timing>
-    <p:tnLst>
-      <p:par>
-        <p:cTn id="1" dur="indefinite" restart="never" nodeType="tmRoot"/>
-      </p:par>
-    </p:tnLst>
-  </p:timing>
 </p:sld>
 </file>
 
@@ -8679,12 +8643,8 @@
               <a:buNone/>
             </a:pPr>
             <a:r>
-              <a:rPr lang="en-US" sz="3200" dirty="0" smtClean="0"/>
-              <a:t>1. Make </a:t>
-            </a:r>
-            <a:r>
               <a:rPr lang="en-US" sz="3200" dirty="0"/>
-              <a:t>sure your design </a:t>
+              <a:t>1. Make sure your design </a:t>
             </a:r>
             <a:r>
               <a:rPr lang="en-US" sz="3200" b="1" dirty="0"/>
@@ -8698,12 +8658,8 @@
               <a:buAutoNum type="alphaLcParenR"/>
             </a:pPr>
             <a:r>
-              <a:rPr lang="en-US" sz="2400" dirty="0" smtClean="0"/>
-              <a:t>Must </a:t>
-            </a:r>
-            <a:r>
               <a:rPr lang="en-US" sz="2400" dirty="0"/>
-              <a:t>be able to </a:t>
+              <a:t>Must be able to </a:t>
             </a:r>
             <a:r>
               <a:rPr lang="en-US" sz="2400" b="1" dirty="0"/>
@@ -8720,12 +8676,8 @@
               <a:buAutoNum type="alphaLcParenR"/>
             </a:pPr>
             <a:r>
-              <a:rPr lang="en-US" sz="2400" dirty="0" smtClean="0"/>
-              <a:t>Must </a:t>
-            </a:r>
-            <a:r>
               <a:rPr lang="en-US" sz="2400" dirty="0"/>
-              <a:t>be able to </a:t>
+              <a:t>Must be able to </a:t>
             </a:r>
             <a:r>
               <a:rPr lang="en-US" sz="2400" b="1" dirty="0"/>
@@ -8767,13 +8719,6 @@
   <p:clrMapOvr>
     <a:masterClrMapping/>
   </p:clrMapOvr>
-  <p:timing>
-    <p:tnLst>
-      <p:par>
-        <p:cTn id="1" dur="indefinite" restart="never" nodeType="tmRoot"/>
-      </p:par>
-    </p:tnLst>
-  </p:timing>
 </p:sld>
 </file>
 
@@ -8879,13 +8824,6 @@
   <p:clrMapOvr>
     <a:masterClrMapping/>
   </p:clrMapOvr>
-  <p:timing>
-    <p:tnLst>
-      <p:par>
-        <p:cTn id="1" dur="indefinite" restart="never" nodeType="tmRoot"/>
-      </p:par>
-    </p:tnLst>
-  </p:timing>
 </p:sld>
 </file>
 
@@ -8932,12 +8870,8 @@
               <a:buNone/>
             </a:pPr>
             <a:r>
-              <a:rPr lang="en-US" sz="3200" dirty="0" smtClean="0"/>
-              <a:t>2. Structure </a:t>
-            </a:r>
-            <a:r>
               <a:rPr lang="en-US" sz="3200" dirty="0"/>
-              <a:t>design </a:t>
+              <a:t>2. Structure design </a:t>
             </a:r>
             <a:r>
               <a:rPr lang="en-US" sz="3200" b="1" dirty="0"/>
@@ -8954,12 +8888,8 @@
               <a:buAutoNum type="alphaLcParenR"/>
             </a:pPr>
             <a:r>
-              <a:rPr lang="en-US" sz="2400" b="1" dirty="0" smtClean="0"/>
-              <a:t>Nouns </a:t>
-            </a:r>
-            <a:r>
               <a:rPr lang="en-US" sz="2400" b="1" dirty="0"/>
-              <a:t>should become classes</a:t>
+              <a:t>Nouns should become classes</a:t>
             </a:r>
             <a:endParaRPr lang="en-US" sz="2400" dirty="0"/>
           </a:p>
@@ -8969,12 +8899,8 @@
               <a:buAutoNum type="alphaLcParenR"/>
             </a:pPr>
             <a:r>
-              <a:rPr lang="en-US" sz="2400" b="1" dirty="0" smtClean="0"/>
-              <a:t>Classes </a:t>
-            </a:r>
-            <a:r>
               <a:rPr lang="en-US" sz="2400" b="1" dirty="0"/>
-              <a:t>should have intelligent behaviors</a:t>
+              <a:t>Classes should have intelligent behaviors</a:t>
             </a:r>
             <a:r>
               <a:rPr lang="en-US" sz="2400" dirty="0"/>
@@ -8998,13 +8924,6 @@
   <p:clrMapOvr>
     <a:masterClrMapping/>
   </p:clrMapOvr>
-  <p:timing>
-    <p:tnLst>
-      <p:par>
-        <p:cTn id="1" dur="indefinite" restart="never" nodeType="tmRoot"/>
-      </p:par>
-    </p:tnLst>
-  </p:timing>
 </p:sld>
 </file>
 
@@ -9117,13 +9036,6 @@
   <p:clrMapOvr>
     <a:masterClrMapping/>
   </p:clrMapOvr>
-  <p:timing>
-    <p:tnLst>
-      <p:par>
-        <p:cTn id="1" dur="indefinite" restart="never" nodeType="tmRoot"/>
-      </p:par>
-    </p:tnLst>
-  </p:timing>
 </p:sld>
 </file>
 
@@ -9261,13 +9173,6 @@
   <p:clrMapOvr>
     <a:masterClrMapping/>
   </p:clrMapOvr>
-  <p:timing>
-    <p:tnLst>
-      <p:par>
-        <p:cTn id="1" dur="indefinite" restart="never" nodeType="tmRoot"/>
-      </p:par>
-    </p:tnLst>
-  </p:timing>
 </p:sld>
 </file>
 
@@ -9304,10 +9209,9 @@
           <a:lstStyle/>
           <a:p>
             <a:r>
-              <a:rPr lang="en-US" dirty="0" smtClean="0"/>
+              <a:rPr lang="en-US" dirty="0"/>
               <a:t>Design Problems</a:t>
             </a:r>
-            <a:endParaRPr lang="en-US" dirty="0"/>
           </a:p>
         </p:txBody>
       </p:sp>
@@ -9327,75 +9231,67 @@
           <a:lstStyle/>
           <a:p>
             <a:r>
-              <a:rPr lang="en-US" dirty="0" smtClean="0"/>
+              <a:rPr lang="en-US" dirty="0"/>
               <a:t>You will be presented with a “story problem” for a program(s) that you need to imagine coding.</a:t>
             </a:r>
           </a:p>
           <a:p>
             <a:r>
-              <a:rPr lang="en-US" dirty="0" smtClean="0"/>
+              <a:rPr lang="en-US" dirty="0"/>
               <a:t>The paragraph of text provides a list of requirements for necessary features that you will need to provide.</a:t>
             </a:r>
           </a:p>
           <a:p>
             <a:r>
-              <a:rPr lang="en-US" dirty="0" smtClean="0"/>
+              <a:rPr lang="en-US" dirty="0"/>
               <a:t>We want to give you practice designing in two ways:</a:t>
             </a:r>
           </a:p>
           <a:p>
             <a:pPr lvl="1"/>
             <a:r>
-              <a:rPr lang="en-US" dirty="0" smtClean="0"/>
+              <a:rPr lang="en-US" dirty="0"/>
               <a:t>1) Identifying problems with designs we give you (Red popups)</a:t>
             </a:r>
           </a:p>
           <a:p>
             <a:pPr lvl="1"/>
             <a:r>
-              <a:rPr lang="en-US" dirty="0" smtClean="0"/>
-              <a:t>2) Developing your own design for problems (Blue </a:t>
-            </a:r>
-            <a:r>
-              <a:rPr lang="en-US" dirty="0"/>
-              <a:t>popups</a:t>
-            </a:r>
-            <a:r>
-              <a:rPr lang="en-US" dirty="0" smtClean="0"/>
-              <a:t>)</a:t>
-            </a:r>
-          </a:p>
-          <a:p>
-            <a:r>
-              <a:rPr lang="en-US" dirty="0" smtClean="0"/>
+              <a:rPr lang="en-US" dirty="0"/>
+              <a:t>2) Developing your own design for problems (Blue popups)</a:t>
+            </a:r>
+          </a:p>
+          <a:p>
+            <a:r>
+              <a:rPr lang="en-US" dirty="0"/>
               <a:t>You will have a number of opportunities to do this:</a:t>
             </a:r>
           </a:p>
           <a:p>
             <a:pPr lvl="1"/>
             <a:r>
-              <a:rPr lang="en-US" dirty="0" smtClean="0"/>
+              <a:rPr lang="en-US" dirty="0"/>
               <a:t>In-class exercises/ daily quizzes (many!)</a:t>
             </a:r>
           </a:p>
           <a:p>
             <a:pPr lvl="1"/>
             <a:r>
-              <a:rPr lang="en-US" dirty="0" smtClean="0"/>
+              <a:rPr lang="en-US" dirty="0"/>
               <a:t>Homework Assignments (3)</a:t>
             </a:r>
           </a:p>
           <a:p>
             <a:pPr lvl="1"/>
             <a:r>
-              <a:rPr lang="en-US" dirty="0" smtClean="0"/>
+              <a:rPr lang="en-US" dirty="0"/>
               <a:t>Exam Questions (1+ on each exam)</a:t>
             </a:r>
           </a:p>
           <a:p>
             <a:pPr lvl="1"/>
             <a:r>
-              <a:rPr lang="en-US" dirty="0" smtClean="0"/>
+              <a:rPr lang="en-US" dirty="0"/>
               <a:t>Final Project Design (design from scratch)</a:t>
             </a:r>
           </a:p>
@@ -9442,38 +9338,28 @@
           <a:p>
             <a:r>
               <a:rPr lang="en-US" b="1" dirty="0"/>
-              <a:t>PAUSE THIS </a:t>
-            </a:r>
-            <a:r>
-              <a:rPr lang="en-US" b="1" dirty="0" smtClean="0"/>
-              <a:t>VIDEO HERE for 5-10 minutes!</a:t>
-            </a:r>
-            <a:endParaRPr lang="en-US" b="1" dirty="0"/>
-          </a:p>
-          <a:p>
-            <a:r>
-              <a:rPr lang="en-US" dirty="0"/>
-              <a:t>Try to </a:t>
-            </a:r>
-            <a:r>
-              <a:rPr lang="en-US" dirty="0" smtClean="0"/>
-              <a:t>make your own improved design </a:t>
-            </a:r>
-          </a:p>
-          <a:p>
-            <a:r>
-              <a:rPr lang="en-US" dirty="0" smtClean="0"/>
+              <a:t>PAUSE THIS VIDEO HERE for 5-10 minutes!</a:t>
+            </a:r>
+          </a:p>
+          <a:p>
+            <a:r>
+              <a:rPr lang="en-US" dirty="0"/>
+              <a:t>Try to make your own improved design </a:t>
+            </a:r>
+          </a:p>
+          <a:p>
+            <a:r>
+              <a:rPr lang="en-US" dirty="0"/>
               <a:t>Either paper or using </a:t>
             </a:r>
             <a:r>
-              <a:rPr lang="en-US" dirty="0" err="1" smtClean="0"/>
+              <a:rPr lang="en-US" dirty="0" err="1"/>
               <a:t>plantuml</a:t>
             </a:r>
             <a:r>
-              <a:rPr lang="en-US" dirty="0" smtClean="0"/>
+              <a:rPr lang="en-US" dirty="0"/>
               <a:t> is OK!</a:t>
             </a:r>
-            <a:endParaRPr lang="en-US" dirty="0"/>
           </a:p>
         </p:txBody>
       </p:sp>
@@ -9517,13 +9403,8 @@
           <a:p>
             <a:r>
               <a:rPr lang="en-US" b="1" dirty="0"/>
-              <a:t>PAUSE THIS </a:t>
-            </a:r>
-            <a:r>
-              <a:rPr lang="en-US" b="1" dirty="0" smtClean="0"/>
-              <a:t>VIDEO HERE for a couple minutes!</a:t>
-            </a:r>
-            <a:endParaRPr lang="en-US" b="1" dirty="0"/>
+              <a:t>PAUSE THIS VIDEO HERE for a couple minutes!</a:t>
+            </a:r>
           </a:p>
           <a:p>
             <a:r>
@@ -9536,7 +9417,6 @@
               <a:rPr lang="en-US" dirty="0"/>
               <a:t>When you have an idea, then continue</a:t>
             </a:r>
-            <a:endParaRPr lang="en-US" dirty="0"/>
           </a:p>
         </p:txBody>
       </p:sp>
@@ -10131,11 +10011,6 @@
               </a:rPr>
               <a:t>Don’t read more into the English text than is there, e.g., “there ought to be a way to create accounts!”  </a:t>
             </a:r>
-            <a:endParaRPr lang="en-US" dirty="0">
-              <a:solidFill>
-                <a:schemeClr val="tx1"/>
-              </a:solidFill>
-            </a:endParaRPr>
           </a:p>
         </p:txBody>
       </p:sp>
@@ -10149,13 +10024,6 @@
   <p:clrMapOvr>
     <a:masterClrMapping/>
   </p:clrMapOvr>
-  <p:timing>
-    <p:tnLst>
-      <p:par>
-        <p:cTn id="1" dur="indefinite" restart="never" nodeType="tmRoot"/>
-      </p:par>
-    </p:tnLst>
-  </p:timing>
 </p:sld>
 </file>
 
@@ -10413,7 +10281,7 @@
           <a:p>
             <a:pPr algn="ctr"/>
             <a:r>
-              <a:rPr lang="en-US" dirty="0" smtClean="0">
+              <a:rPr lang="en-US" dirty="0">
                 <a:solidFill>
                   <a:schemeClr val="tx1"/>
                 </a:solidFill>
@@ -10421,7 +10289,7 @@
               <a:t>We </a:t>
             </a:r>
             <a:r>
-              <a:rPr lang="en-US" b="1" i="1" dirty="0" smtClean="0">
+              <a:rPr lang="en-US" b="1" i="1" dirty="0">
                 <a:solidFill>
                   <a:schemeClr val="tx1"/>
                 </a:solidFill>
@@ -10429,7 +10297,7 @@
               <a:t>implicitly</a:t>
             </a:r>
             <a:r>
-              <a:rPr lang="en-US" dirty="0" smtClean="0">
+              <a:rPr lang="en-US" dirty="0">
                 <a:solidFill>
                   <a:schemeClr val="tx1"/>
                 </a:solidFill>
@@ -10440,7 +10308,7 @@
           <a:p>
             <a:pPr algn="ctr"/>
             <a:r>
-              <a:rPr lang="en-US" dirty="0" smtClean="0">
+              <a:rPr lang="en-US" dirty="0">
                 <a:solidFill>
                   <a:schemeClr val="tx1"/>
                 </a:solidFill>
@@ -10451,18 +10319,13 @@
           <a:p>
             <a:pPr algn="ctr"/>
             <a:r>
-              <a:rPr lang="en-US" dirty="0" smtClean="0">
+              <a:rPr lang="en-US" dirty="0">
                 <a:solidFill>
                   <a:schemeClr val="tx1"/>
                 </a:solidFill>
               </a:rPr>
               <a:t>getters and setters as needed</a:t>
             </a:r>
-            <a:endParaRPr lang="en-US" dirty="0">
-              <a:solidFill>
-                <a:schemeClr val="tx1"/>
-              </a:solidFill>
-            </a:endParaRPr>
           </a:p>
         </p:txBody>
       </p:sp>
@@ -10521,13 +10384,6 @@
   <p:clrMapOvr>
     <a:masterClrMapping/>
   </p:clrMapOvr>
-  <p:timing>
-    <p:tnLst>
-      <p:par>
-        <p:cTn id="1" dur="indefinite" restart="never" nodeType="tmRoot"/>
-      </p:par>
-    </p:tnLst>
-  </p:timing>
 </p:sld>
 </file>
 
@@ -10766,13 +10622,6 @@
   <p:clrMapOvr>
     <a:masterClrMapping/>
   </p:clrMapOvr>
-  <p:timing>
-    <p:tnLst>
-      <p:par>
-        <p:cTn id="1" dur="indefinite" restart="never" nodeType="tmRoot"/>
-      </p:par>
-    </p:tnLst>
-  </p:timing>
 </p:sld>
 </file>
 
@@ -10822,12 +10671,8 @@
           <a:lstStyle/>
           <a:p>
             <a:r>
-              <a:rPr lang="en-US" dirty="0" smtClean="0"/>
-              <a:t>So… What </a:t>
-            </a:r>
-            <a:r>
-              <a:rPr lang="en-US" dirty="0"/>
-              <a:t>is wrong with this design? </a:t>
+              <a:rPr lang="en-US" dirty="0"/>
+              <a:t>So… What is wrong with this design? </a:t>
             </a:r>
             <a:br>
               <a:rPr lang="en-US" dirty="0"/>
@@ -11141,11 +10986,6 @@
               </a:rPr>
               <a:t>Don’t read more into the English text than is there, e.g., “there ought to be a way to create accounts!”  </a:t>
             </a:r>
-            <a:endParaRPr lang="en-US" dirty="0">
-              <a:solidFill>
-                <a:schemeClr val="tx1"/>
-              </a:solidFill>
-            </a:endParaRPr>
           </a:p>
         </p:txBody>
       </p:sp>
@@ -11189,13 +11029,8 @@
           <a:p>
             <a:r>
               <a:rPr lang="en-US" b="1" dirty="0"/>
-              <a:t>PAUSE THIS </a:t>
-            </a:r>
-            <a:r>
-              <a:rPr lang="en-US" b="1" dirty="0" smtClean="0"/>
-              <a:t>VIDEO HERE for a couple minutes!</a:t>
-            </a:r>
-            <a:endParaRPr lang="en-US" b="1" dirty="0"/>
+              <a:t>PAUSE THIS VIDEO HERE for a couple minutes!</a:t>
+            </a:r>
           </a:p>
           <a:p>
             <a:r>
@@ -11208,7 +11043,6 @@
               <a:rPr lang="en-US" dirty="0"/>
               <a:t>When you have an idea, then continue</a:t>
             </a:r>
-            <a:endParaRPr lang="en-US" dirty="0"/>
           </a:p>
         </p:txBody>
       </p:sp>
@@ -11487,13 +11321,6 @@
   <p:clrMapOvr>
     <a:masterClrMapping/>
   </p:clrMapOvr>
-  <p:timing>
-    <p:tnLst>
-      <p:par>
-        <p:cTn id="1" dur="indefinite" restart="never" nodeType="tmRoot"/>
-      </p:par>
-    </p:tnLst>
-  </p:timing>
 </p:sld>
 </file>
 
@@ -11579,14 +11406,7 @@
                 <a:latin typeface="Arial"/>
                 <a:cs typeface="Arial"/>
               </a:rPr>
-              <a:t>Find the problem with this </a:t>
-            </a:r>
-            <a:r>
-              <a:rPr lang="en-US" b="1" dirty="0" smtClean="0">
-                <a:latin typeface="Arial"/>
-                <a:cs typeface="Arial"/>
-              </a:rPr>
-              <a:t>design</a:t>
+              <a:t>Find the problem with this design</a:t>
             </a:r>
             <a:endParaRPr lang="en-US" b="1" dirty="0"/>
           </a:p>
@@ -11792,13 +11612,8 @@
           <a:p>
             <a:r>
               <a:rPr lang="en-US" b="1" dirty="0"/>
-              <a:t>PAUSE THIS </a:t>
-            </a:r>
-            <a:r>
-              <a:rPr lang="en-US" b="1" dirty="0" smtClean="0"/>
-              <a:t>VIDEO HERE for a couple minutes!</a:t>
-            </a:r>
-            <a:endParaRPr lang="en-US" b="1" dirty="0"/>
+              <a:t>PAUSE THIS VIDEO HERE for a couple minutes!</a:t>
+            </a:r>
           </a:p>
           <a:p>
             <a:r>
@@ -11811,7 +11626,6 @@
               <a:rPr lang="en-US" dirty="0"/>
               <a:t>When you have an idea, then continue</a:t>
             </a:r>
-            <a:endParaRPr lang="en-US" dirty="0"/>
           </a:p>
         </p:txBody>
       </p:sp>
@@ -12092,13 +11906,6 @@
   <p:clrMapOvr>
     <a:masterClrMapping/>
   </p:clrMapOvr>
-  <p:timing>
-    <p:tnLst>
-      <p:par>
-        <p:cTn id="1" dur="indefinite" restart="never" nodeType="tmRoot"/>
-      </p:par>
-    </p:tnLst>
-  </p:timing>
 </p:sld>
 </file>
 
@@ -12180,7 +11987,7 @@
           </a:p>
           <a:p>
             <a:r>
-              <a:rPr lang="en-US" b="1" dirty="0" smtClean="0">
+              <a:rPr lang="en-US" b="1" dirty="0">
                 <a:latin typeface="Arial"/>
                 <a:cs typeface="Arial"/>
               </a:rPr>
@@ -12387,38 +12194,28 @@
           <a:p>
             <a:r>
               <a:rPr lang="en-US" b="1" dirty="0"/>
-              <a:t>PAUSE THIS </a:t>
-            </a:r>
-            <a:r>
-              <a:rPr lang="en-US" b="1" dirty="0" smtClean="0"/>
-              <a:t>VIDEO HERE for 5-10 minutes!</a:t>
-            </a:r>
-            <a:endParaRPr lang="en-US" b="1" dirty="0"/>
-          </a:p>
-          <a:p>
-            <a:r>
-              <a:rPr lang="en-US" dirty="0"/>
-              <a:t>Try to </a:t>
-            </a:r>
-            <a:r>
-              <a:rPr lang="en-US" dirty="0" smtClean="0"/>
-              <a:t>make your own improved design </a:t>
-            </a:r>
-          </a:p>
-          <a:p>
-            <a:r>
-              <a:rPr lang="en-US" dirty="0" smtClean="0"/>
+              <a:t>PAUSE THIS VIDEO HERE for 5-10 minutes!</a:t>
+            </a:r>
+          </a:p>
+          <a:p>
+            <a:r>
+              <a:rPr lang="en-US" dirty="0"/>
+              <a:t>Try to make your own improved design </a:t>
+            </a:r>
+          </a:p>
+          <a:p>
+            <a:r>
+              <a:rPr lang="en-US" dirty="0"/>
               <a:t>Either paper or using </a:t>
             </a:r>
             <a:r>
-              <a:rPr lang="en-US" dirty="0" err="1" smtClean="0"/>
+              <a:rPr lang="en-US" dirty="0" err="1"/>
               <a:t>plantuml</a:t>
             </a:r>
             <a:r>
-              <a:rPr lang="en-US" dirty="0" smtClean="0"/>
+              <a:rPr lang="en-US" dirty="0"/>
               <a:t> is OK!</a:t>
             </a:r>
-            <a:endParaRPr lang="en-US" dirty="0"/>
           </a:p>
         </p:txBody>
       </p:sp>
@@ -12592,18 +12389,18 @@
           <a:lstStyle/>
           <a:p>
             <a:r>
-              <a:rPr lang="en-US" dirty="0" smtClean="0"/>
+              <a:rPr lang="en-US" dirty="0"/>
               <a:t>1. Draw by Hand OR</a:t>
             </a:r>
             <a:br>
-              <a:rPr lang="en-US" dirty="0" smtClean="0"/>
+              <a:rPr lang="en-US" dirty="0"/>
             </a:br>
             <a:r>
-              <a:rPr lang="en-US" dirty="0" smtClean="0"/>
+              <a:rPr lang="en-US" dirty="0"/>
               <a:t>2. </a:t>
             </a:r>
             <a:r>
-              <a:rPr lang="en-US" dirty="0" err="1" smtClean="0"/>
+              <a:rPr lang="en-US" dirty="0" err="1"/>
               <a:t>PlantUML</a:t>
             </a:r>
             <a:endParaRPr lang="en-US" dirty="0"/>
@@ -12674,58 +12471,39 @@
           <a:lstStyle/>
           <a:p>
             <a:r>
-              <a:rPr lang="en-US" dirty="0" smtClean="0"/>
+              <a:rPr lang="en-US" dirty="0"/>
               <a:t>General website</a:t>
             </a:r>
-            <a:endParaRPr lang="en-US" dirty="0" smtClean="0">
+            <a:endParaRPr lang="en-US" dirty="0">
               <a:hlinkClick r:id="rId3"/>
             </a:endParaRPr>
           </a:p>
           <a:p>
-            <a:r>
-              <a:rPr lang="en-US" dirty="0" smtClean="0">
-                <a:hlinkClick r:id="rId3"/>
-              </a:rPr>
-              <a:t>https</a:t>
-            </a:r>
             <a:r>
               <a:rPr lang="en-US" dirty="0">
                 <a:hlinkClick r:id="rId3"/>
               </a:rPr>
-              <a:t>://plantuml.com</a:t>
-            </a:r>
-            <a:r>
-              <a:rPr lang="en-US" dirty="0" smtClean="0">
-                <a:hlinkClick r:id="rId3"/>
-              </a:rPr>
-              <a:t>/</a:t>
-            </a:r>
-            <a:endParaRPr lang="en-US" dirty="0" smtClean="0"/>
-          </a:p>
-          <a:p>
-            <a:endParaRPr lang="en-US" dirty="0" smtClean="0"/>
-          </a:p>
-          <a:p>
-            <a:r>
-              <a:rPr lang="en-US" dirty="0" smtClean="0"/>
+              <a:t>https://plantuml.com/</a:t>
+            </a:r>
+            <a:endParaRPr lang="en-US" dirty="0"/>
+          </a:p>
+          <a:p>
+            <a:endParaRPr lang="en-US" dirty="0"/>
+          </a:p>
+          <a:p>
+            <a:r>
+              <a:rPr lang="en-US" dirty="0"/>
               <a:t>Free Browser Based Online Server</a:t>
             </a:r>
-            <a:endParaRPr lang="en-US" dirty="0"/>
           </a:p>
           <a:p>
             <a:r>
               <a:rPr lang="en-US" dirty="0">
                 <a:hlinkClick r:id="rId4"/>
               </a:rPr>
-              <a:t>http://www.plantuml.com/plantuml</a:t>
-            </a:r>
-            <a:r>
-              <a:rPr lang="en-US" dirty="0" smtClean="0">
-                <a:hlinkClick r:id="rId4"/>
-              </a:rPr>
-              <a:t>/</a:t>
-            </a:r>
-            <a:endParaRPr lang="en-US" dirty="0" smtClean="0"/>
+              <a:t>http://www.plantuml.com/plantuml/</a:t>
+            </a:r>
+            <a:endParaRPr lang="en-US" dirty="0"/>
           </a:p>
           <a:p>
             <a:endParaRPr lang="en-US" dirty="0"/>
@@ -12810,22 +12588,16 @@
             </a:endParaRPr>
           </a:p>
           <a:p>
-            <a:endParaRPr lang="en-US" dirty="0" smtClean="0">
+            <a:endParaRPr lang="en-US" dirty="0">
               <a:latin typeface="Consolas" panose="020B0609020204030204" pitchFamily="49" charset="0"/>
             </a:endParaRPr>
           </a:p>
           <a:p>
-            <a:r>
-              <a:rPr lang="en-US" dirty="0" smtClean="0">
-                <a:latin typeface="Consolas" panose="020B0609020204030204" pitchFamily="49" charset="0"/>
-              </a:rPr>
-              <a:t>class </a:t>
-            </a:r>
             <a:r>
               <a:rPr lang="en-US" dirty="0">
                 <a:latin typeface="Consolas" panose="020B0609020204030204" pitchFamily="49" charset="0"/>
               </a:rPr>
-              <a:t>Main {</a:t>
+              <a:t>class Main {</a:t>
             </a:r>
           </a:p>
           <a:p>
@@ -12853,22 +12625,16 @@
             </a:r>
           </a:p>
           <a:p>
-            <a:endParaRPr lang="en-US" dirty="0" smtClean="0">
+            <a:endParaRPr lang="en-US" dirty="0">
               <a:latin typeface="Consolas" panose="020B0609020204030204" pitchFamily="49" charset="0"/>
             </a:endParaRPr>
           </a:p>
           <a:p>
-            <a:r>
-              <a:rPr lang="en-US" dirty="0" smtClean="0">
-                <a:latin typeface="Consolas" panose="020B0609020204030204" pitchFamily="49" charset="0"/>
-              </a:rPr>
-              <a:t>class </a:t>
-            </a:r>
             <a:r>
               <a:rPr lang="en-US" dirty="0">
                 <a:latin typeface="Consolas" panose="020B0609020204030204" pitchFamily="49" charset="0"/>
               </a:rPr>
-              <a:t>A{</a:t>
+              <a:t>class A{</a:t>
             </a:r>
           </a:p>
           <a:p>
@@ -12910,22 +12676,16 @@
             </a:r>
           </a:p>
           <a:p>
-            <a:endParaRPr lang="en-US" dirty="0" smtClean="0">
+            <a:endParaRPr lang="en-US" dirty="0">
               <a:latin typeface="Consolas" panose="020B0609020204030204" pitchFamily="49" charset="0"/>
             </a:endParaRPr>
           </a:p>
           <a:p>
-            <a:r>
-              <a:rPr lang="en-US" dirty="0" smtClean="0">
-                <a:latin typeface="Consolas" panose="020B0609020204030204" pitchFamily="49" charset="0"/>
-              </a:rPr>
-              <a:t>class </a:t>
-            </a:r>
             <a:r>
               <a:rPr lang="en-US" dirty="0">
                 <a:latin typeface="Consolas" panose="020B0609020204030204" pitchFamily="49" charset="0"/>
               </a:rPr>
-              <a:t>B{</a:t>
+              <a:t>class B{</a:t>
             </a:r>
           </a:p>
           <a:p>
@@ -12967,36 +12727,24 @@
             </a:r>
           </a:p>
           <a:p>
-            <a:endParaRPr lang="en-US" dirty="0" smtClean="0">
+            <a:endParaRPr lang="en-US" dirty="0">
               <a:latin typeface="Consolas" panose="020B0609020204030204" pitchFamily="49" charset="0"/>
             </a:endParaRPr>
           </a:p>
           <a:p>
-            <a:r>
-              <a:rPr lang="en-US" dirty="0" smtClean="0">
-                <a:latin typeface="Consolas" panose="020B0609020204030204" pitchFamily="49" charset="0"/>
-              </a:rPr>
-              <a:t>Main </a:t>
-            </a:r>
             <a:r>
               <a:rPr lang="en-US" dirty="0">
                 <a:latin typeface="Consolas" panose="020B0609020204030204" pitchFamily="49" charset="0"/>
               </a:rPr>
-              <a:t>-&gt; "*" A</a:t>
-            </a:r>
-          </a:p>
-          <a:p>
-            <a:r>
-              <a:rPr lang="en-US" dirty="0" smtClean="0">
-                <a:latin typeface="Consolas" panose="020B0609020204030204" pitchFamily="49" charset="0"/>
-              </a:rPr>
-              <a:t>A  -&gt;  </a:t>
-            </a:r>
+              <a:t>Main -&gt; "*" A</a:t>
+            </a:r>
+          </a:p>
+          <a:p>
             <a:r>
               <a:rPr lang="en-US" dirty="0">
                 <a:latin typeface="Consolas" panose="020B0609020204030204" pitchFamily="49" charset="0"/>
               </a:rPr>
-              <a:t>B</a:t>
+              <a:t>A  -&gt;  B</a:t>
             </a:r>
           </a:p>
           <a:p>
@@ -13308,13 +13056,6 @@
   <p:clrMapOvr>
     <a:masterClrMapping/>
   </p:clrMapOvr>
-  <p:timing>
-    <p:tnLst>
-      <p:par>
-        <p:cTn id="1" dur="indefinite" restart="never" nodeType="tmRoot"/>
-      </p:par>
-    </p:tnLst>
-  </p:timing>
 </p:sld>
 </file>
 
@@ -13354,7 +13095,6 @@
               <a:rPr lang="en-US" dirty="0"/>
               <a:t>Designing Classes</a:t>
             </a:r>
-            <a:endParaRPr lang="en-US" dirty="0"/>
           </a:p>
         </p:txBody>
       </p:sp>
@@ -13444,13 +13184,6 @@
   <p:clrMapOvr>
     <a:masterClrMapping/>
   </p:clrMapOvr>
-  <p:timing>
-    <p:tnLst>
-      <p:par>
-        <p:cTn id="1" dur="indefinite" restart="never" nodeType="tmRoot"/>
-      </p:par>
-    </p:tnLst>
-  </p:timing>
 </p:sld>
 </file>
 
@@ -13566,18 +13299,13 @@
           <a:p>
             <a:pPr algn="ctr"/>
             <a:r>
-              <a:rPr lang="en-US" dirty="0" smtClean="0">
+              <a:rPr lang="en-US" dirty="0">
                 <a:solidFill>
                   <a:schemeClr val="tx1"/>
                 </a:solidFill>
               </a:rPr>
               <a:t>Technically, this class is just a “dumb” data holder and has no intelligence, which is bad!</a:t>
             </a:r>
-            <a:endParaRPr lang="en-US" dirty="0">
-              <a:solidFill>
-                <a:schemeClr val="tx1"/>
-              </a:solidFill>
-            </a:endParaRPr>
           </a:p>
         </p:txBody>
       </p:sp>
@@ -13636,13 +13364,6 @@
   <p:clrMapOvr>
     <a:masterClrMapping/>
   </p:clrMapOvr>
-  <p:timing>
-    <p:tnLst>
-      <p:par>
-        <p:cTn id="1" dur="indefinite" restart="never" nodeType="tmRoot"/>
-      </p:par>
-    </p:tnLst>
-  </p:timing>
 </p:sld>
 </file>
 
@@ -13731,13 +13452,6 @@
   <p:clrMapOvr>
     <a:masterClrMapping/>
   </p:clrMapOvr>
-  <p:timing>
-    <p:tnLst>
-      <p:par>
-        <p:cTn id="1" dur="indefinite" restart="never" nodeType="tmRoot"/>
-      </p:par>
-    </p:tnLst>
-  </p:timing>
 </p:sld>
 </file>
 
@@ -14051,11 +13765,6 @@
               </a:rPr>
               <a:t>You might change this design to create a Class to capture this functionality </a:t>
             </a:r>
-            <a:endParaRPr lang="en-US" dirty="0">
-              <a:solidFill>
-                <a:schemeClr val="tx1"/>
-              </a:solidFill>
-            </a:endParaRPr>
           </a:p>
         </p:txBody>
       </p:sp>
@@ -14069,13 +13778,6 @@
   <p:clrMapOvr>
     <a:masterClrMapping/>
   </p:clrMapOvr>
-  <p:timing>
-    <p:tnLst>
-      <p:par>
-        <p:cTn id="1" dur="indefinite" restart="never" nodeType="tmRoot"/>
-      </p:par>
-    </p:tnLst>
-  </p:timing>
 </p:sld>
 </file>
 
@@ -14342,13 +14044,8 @@
           <a:p>
             <a:r>
               <a:rPr lang="en-US" b="1" dirty="0"/>
-              <a:t>PAUSE THIS </a:t>
-            </a:r>
-            <a:r>
-              <a:rPr lang="en-US" b="1" dirty="0" smtClean="0"/>
-              <a:t>VIDEO HERE for a couple minutes!</a:t>
-            </a:r>
-            <a:endParaRPr lang="en-US" b="1" dirty="0"/>
+              <a:t>PAUSE THIS VIDEO HERE for a couple minutes!</a:t>
+            </a:r>
           </a:p>
           <a:p>
             <a:r>
@@ -14361,7 +14058,6 @@
               <a:rPr lang="en-US" dirty="0"/>
               <a:t>When you have an idea, then continue</a:t>
             </a:r>
-            <a:endParaRPr lang="en-US" dirty="0"/>
           </a:p>
         </p:txBody>
       </p:sp>
@@ -14624,13 +14320,6 @@
   <p:clrMapOvr>
     <a:masterClrMapping/>
   </p:clrMapOvr>
-  <p:timing>
-    <p:tnLst>
-      <p:par>
-        <p:cTn id="1" dur="indefinite" restart="never" nodeType="tmRoot"/>
-      </p:par>
-    </p:tnLst>
-  </p:timing>
 </p:sld>
 </file>
 
@@ -14775,13 +14464,6 @@
   <p:clrMapOvr>
     <a:masterClrMapping/>
   </p:clrMapOvr>
-  <p:timing>
-    <p:tnLst>
-      <p:par>
-        <p:cTn id="1" dur="indefinite" restart="never" nodeType="tmRoot"/>
-      </p:par>
-    </p:tnLst>
-  </p:timing>
 </p:sld>
 </file>
 
@@ -14823,10 +14505,9 @@
           <a:lstStyle/>
           <a:p>
             <a:r>
-              <a:rPr lang="en-US" dirty="0" smtClean="0"/>
+              <a:rPr lang="en-US" dirty="0"/>
               <a:t>What would be a better design?</a:t>
             </a:r>
-            <a:endParaRPr lang="en-US" dirty="0"/>
           </a:p>
         </p:txBody>
       </p:sp>
@@ -14862,22 +14543,17 @@
           <a:p>
             <a:r>
               <a:rPr lang="en-US" dirty="0"/>
-              <a:t>A website tracks books and the kids that read them.  For each book the system stores the name and author.  For each kid the system stores name and grade level.  The teacher enters when a kid reads a particular book.  It should be possible to print a report on a book that includes all kids who have read a particular book (with their grade level).  It should be possible to print a report on a kid that includes the books (with authors) a particular kid has read</a:t>
-            </a:r>
-            <a:r>
-              <a:rPr lang="en-US" dirty="0" smtClean="0"/>
-              <a:t>.</a:t>
-            </a:r>
-          </a:p>
-          <a:p>
-            <a:endParaRPr lang="en-US" dirty="0" smtClean="0"/>
-          </a:p>
-          <a:p>
-            <a:r>
-              <a:rPr lang="en-US" dirty="0" smtClean="0"/>
+              <a:t>A website tracks books and the kids that read them.  For each book the system stores the name and author.  For each kid the system stores name and grade level.  The teacher enters when a kid reads a particular book.  It should be possible to print a report on a book that includes all kids who have read a particular book (with their grade level).  It should be possible to print a report on a kid that includes the books (with authors) a particular kid has read.</a:t>
+            </a:r>
+          </a:p>
+          <a:p>
+            <a:endParaRPr lang="en-US" dirty="0"/>
+          </a:p>
+          <a:p>
+            <a:r>
+              <a:rPr lang="en-US" dirty="0"/>
               <a:t>Bad designs for reference:</a:t>
             </a:r>
-            <a:endParaRPr lang="en-US" dirty="0"/>
           </a:p>
         </p:txBody>
       </p:sp>
@@ -14978,38 +14654,28 @@
           <a:p>
             <a:r>
               <a:rPr lang="en-US" b="1" dirty="0"/>
-              <a:t>PAUSE THIS </a:t>
-            </a:r>
-            <a:r>
-              <a:rPr lang="en-US" b="1" dirty="0" smtClean="0"/>
-              <a:t>VIDEO HERE for 5-10 minutes!</a:t>
-            </a:r>
-            <a:endParaRPr lang="en-US" b="1" dirty="0"/>
-          </a:p>
-          <a:p>
-            <a:r>
-              <a:rPr lang="en-US" dirty="0"/>
-              <a:t>Try to </a:t>
-            </a:r>
-            <a:r>
-              <a:rPr lang="en-US" dirty="0" smtClean="0"/>
-              <a:t>make your own improved design </a:t>
-            </a:r>
-          </a:p>
-          <a:p>
-            <a:r>
-              <a:rPr lang="en-US" dirty="0" smtClean="0"/>
+              <a:t>PAUSE THIS VIDEO HERE for 5-10 minutes!</a:t>
+            </a:r>
+          </a:p>
+          <a:p>
+            <a:r>
+              <a:rPr lang="en-US" dirty="0"/>
+              <a:t>Try to make your own improved design </a:t>
+            </a:r>
+          </a:p>
+          <a:p>
+            <a:r>
+              <a:rPr lang="en-US" dirty="0"/>
               <a:t>Either paper or using </a:t>
             </a:r>
             <a:r>
-              <a:rPr lang="en-US" dirty="0" err="1" smtClean="0"/>
+              <a:rPr lang="en-US" dirty="0" err="1"/>
               <a:t>plantuml</a:t>
             </a:r>
             <a:r>
-              <a:rPr lang="en-US" dirty="0" smtClean="0"/>
+              <a:rPr lang="en-US" dirty="0"/>
               <a:t> is OK!</a:t>
             </a:r>
-            <a:endParaRPr lang="en-US" dirty="0"/>
           </a:p>
         </p:txBody>
       </p:sp>
@@ -15240,13 +14906,6 @@
   <p:clrMapOvr>
     <a:masterClrMapping/>
   </p:clrMapOvr>
-  <p:timing>
-    <p:tnLst>
-      <p:par>
-        <p:cTn id="1" dur="indefinite" restart="never" nodeType="tmRoot"/>
-      </p:par>
-    </p:tnLst>
-  </p:timing>
 </p:sld>
 </file>
 
@@ -15335,13 +14994,6 @@
   <p:clrMapOvr>
     <a:masterClrMapping/>
   </p:clrMapOvr>
-  <p:timing>
-    <p:tnLst>
-      <p:par>
-        <p:cTn id="1" dur="indefinite" restart="never" nodeType="tmRoot"/>
-      </p:par>
-    </p:tnLst>
-  </p:timing>
 </p:sld>
 </file>
 
@@ -15472,21 +15124,6 @@
   <p:clrMapOvr>
     <a:masterClrMapping/>
   </p:clrMapOvr>
-  <mc:AlternateContent xmlns:mc="http://schemas.openxmlformats.org/markup-compatibility/2006">
-    <mc:Choice xmlns:p14="http://schemas.microsoft.com/office/powerpoint/2010/main" Requires="p14">
-      <p:transition spd="slow" p14:dur="2000"/>
-    </mc:Choice>
-    <mc:Fallback>
-      <p:transition spd="slow"/>
-    </mc:Fallback>
-  </mc:AlternateContent>
-  <p:timing>
-    <p:tnLst>
-      <p:par>
-        <p:cTn id="1" dur="indefinite" restart="never" nodeType="tmRoot"/>
-      </p:par>
-    </p:tnLst>
-  </p:timing>
 </p:sld>
 </file>
 
@@ -15593,13 +15230,6 @@
   <p:clrMapOvr>
     <a:masterClrMapping/>
   </p:clrMapOvr>
-  <p:timing>
-    <p:tnLst>
-      <p:par>
-        <p:cTn id="1" dur="indefinite" restart="never" nodeType="tmRoot"/>
-      </p:par>
-    </p:tnLst>
-  </p:timing>
 </p:sld>
 </file>
 
@@ -15748,13 +15378,8 @@
           <a:p>
             <a:r>
               <a:rPr lang="en-US" b="1" dirty="0"/>
-              <a:t>PAUSE THIS </a:t>
-            </a:r>
-            <a:r>
-              <a:rPr lang="en-US" b="1" dirty="0" smtClean="0"/>
-              <a:t>VIDEO HERE for a couple minutes!</a:t>
-            </a:r>
-            <a:endParaRPr lang="en-US" b="1" dirty="0"/>
+              <a:t>PAUSE THIS VIDEO HERE for a couple minutes!</a:t>
+            </a:r>
           </a:p>
           <a:p>
             <a:r>
@@ -15767,7 +15392,6 @@
               <a:rPr lang="en-US" dirty="0"/>
               <a:t>When you have an idea, then continue</a:t>
             </a:r>
-            <a:endParaRPr lang="en-US" dirty="0"/>
           </a:p>
         </p:txBody>
       </p:sp>
@@ -16061,13 +15685,6 @@
   <p:clrMapOvr>
     <a:masterClrMapping/>
   </p:clrMapOvr>
-  <p:timing>
-    <p:tnLst>
-      <p:par>
-        <p:cTn id="1" dur="indefinite" restart="never" nodeType="tmRoot"/>
-      </p:par>
-    </p:tnLst>
-  </p:timing>
 </p:sld>
 </file>
 
@@ -16218,13 +15835,8 @@
           <a:p>
             <a:r>
               <a:rPr lang="en-US" b="1" dirty="0"/>
-              <a:t>PAUSE THIS </a:t>
-            </a:r>
-            <a:r>
-              <a:rPr lang="en-US" b="1" dirty="0" smtClean="0"/>
-              <a:t>VIDEO HERE for a couple minutes!</a:t>
-            </a:r>
-            <a:endParaRPr lang="en-US" b="1" dirty="0"/>
+              <a:t>PAUSE THIS VIDEO HERE for a couple minutes!</a:t>
+            </a:r>
           </a:p>
           <a:p>
             <a:r>
@@ -16237,7 +15849,6 @@
               <a:rPr lang="en-US" dirty="0"/>
               <a:t>When you have an idea, then continue</a:t>
             </a:r>
-            <a:endParaRPr lang="en-US" dirty="0"/>
           </a:p>
         </p:txBody>
       </p:sp>
@@ -16505,13 +16116,6 @@
   <p:clrMapOvr>
     <a:masterClrMapping/>
   </p:clrMapOvr>
-  <p:timing>
-    <p:tnLst>
-      <p:par>
-        <p:cTn id="1" dur="indefinite" restart="never" nodeType="tmRoot"/>
-      </p:par>
-    </p:tnLst>
-  </p:timing>
 </p:sld>
 </file>
 
@@ -16655,38 +16259,28 @@
           <a:p>
             <a:r>
               <a:rPr lang="en-US" b="1" dirty="0"/>
-              <a:t>PAUSE THIS </a:t>
-            </a:r>
-            <a:r>
-              <a:rPr lang="en-US" b="1" dirty="0" smtClean="0"/>
-              <a:t>VIDEO HERE for 5-10 minutes!</a:t>
-            </a:r>
-            <a:endParaRPr lang="en-US" b="1" dirty="0"/>
-          </a:p>
-          <a:p>
-            <a:r>
-              <a:rPr lang="en-US" dirty="0"/>
-              <a:t>Try to </a:t>
-            </a:r>
-            <a:r>
-              <a:rPr lang="en-US" dirty="0" smtClean="0"/>
-              <a:t>make your own improved design </a:t>
-            </a:r>
-          </a:p>
-          <a:p>
-            <a:r>
-              <a:rPr lang="en-US" dirty="0" smtClean="0"/>
+              <a:t>PAUSE THIS VIDEO HERE for 5-10 minutes!</a:t>
+            </a:r>
+          </a:p>
+          <a:p>
+            <a:r>
+              <a:rPr lang="en-US" dirty="0"/>
+              <a:t>Try to make your own improved design </a:t>
+            </a:r>
+          </a:p>
+          <a:p>
+            <a:r>
+              <a:rPr lang="en-US" dirty="0"/>
               <a:t>Either paper or using </a:t>
             </a:r>
             <a:r>
-              <a:rPr lang="en-US" dirty="0" err="1" smtClean="0"/>
+              <a:rPr lang="en-US" dirty="0" err="1"/>
               <a:t>plantuml</a:t>
             </a:r>
             <a:r>
-              <a:rPr lang="en-US" dirty="0" smtClean="0"/>
+              <a:rPr lang="en-US" dirty="0"/>
               <a:t> is OK!</a:t>
             </a:r>
-            <a:endParaRPr lang="en-US" dirty="0"/>
           </a:p>
         </p:txBody>
       </p:sp>
@@ -16989,7 +16583,7 @@
           <a:p>
             <a:pPr algn="ctr"/>
             <a:r>
-              <a:rPr lang="en-US" dirty="0" smtClean="0">
+              <a:rPr lang="en-US" dirty="0">
                 <a:solidFill>
                   <a:schemeClr val="tx1"/>
                 </a:solidFill>
@@ -17000,7 +16594,7 @@
           <a:p>
             <a:pPr algn="ctr"/>
             <a:r>
-              <a:rPr lang="en-US" dirty="0" smtClean="0">
+              <a:rPr lang="en-US" dirty="0">
                 <a:solidFill>
                   <a:schemeClr val="tx1"/>
                 </a:solidFill>
@@ -17008,7 +16602,7 @@
               <a:t>We </a:t>
             </a:r>
             <a:r>
-              <a:rPr lang="en-US" b="1" i="1" dirty="0" smtClean="0">
+              <a:rPr lang="en-US" b="1" i="1" dirty="0">
                 <a:solidFill>
                   <a:schemeClr val="tx1"/>
                 </a:solidFill>
@@ -17016,7 +16610,7 @@
               <a:t>implicitly</a:t>
             </a:r>
             <a:r>
-              <a:rPr lang="en-US" dirty="0" smtClean="0">
+              <a:rPr lang="en-US" dirty="0">
                 <a:solidFill>
                   <a:schemeClr val="tx1"/>
                 </a:solidFill>
@@ -17027,7 +16621,7 @@
           <a:p>
             <a:pPr algn="ctr"/>
             <a:r>
-              <a:rPr lang="en-US" dirty="0" smtClean="0">
+              <a:rPr lang="en-US" dirty="0">
                 <a:solidFill>
                   <a:schemeClr val="tx1"/>
                 </a:solidFill>
@@ -17038,18 +16632,13 @@
           <a:p>
             <a:pPr algn="ctr"/>
             <a:r>
-              <a:rPr lang="en-US" dirty="0" smtClean="0">
+              <a:rPr lang="en-US" dirty="0">
                 <a:solidFill>
                   <a:schemeClr val="tx1"/>
                 </a:solidFill>
               </a:rPr>
               <a:t>getters and setters as needed</a:t>
             </a:r>
-            <a:endParaRPr lang="en-US" dirty="0">
-              <a:solidFill>
-                <a:schemeClr val="tx1"/>
-              </a:solidFill>
-            </a:endParaRPr>
           </a:p>
         </p:txBody>
       </p:sp>
@@ -17101,13 +16690,6 @@
   <p:clrMapOvr>
     <a:masterClrMapping/>
   </p:clrMapOvr>
-  <p:timing>
-    <p:tnLst>
-      <p:par>
-        <p:cTn id="1" dur="indefinite" restart="never" nodeType="tmRoot"/>
-      </p:par>
-    </p:tnLst>
-  </p:timing>
 </p:sld>
 </file>
 
@@ -17144,17 +16726,16 @@
           <a:lstStyle/>
           <a:p>
             <a:r>
-              <a:rPr lang="en-US" dirty="0" smtClean="0"/>
+              <a:rPr lang="en-US" dirty="0"/>
               <a:t>Online CSSE220:</a:t>
             </a:r>
             <a:br>
-              <a:rPr lang="en-US" dirty="0" smtClean="0"/>
+              <a:rPr lang="en-US" dirty="0"/>
             </a:br>
             <a:r>
-              <a:rPr lang="en-US" dirty="0" smtClean="0"/>
+              <a:rPr lang="en-US" dirty="0"/>
               <a:t>Design Problems 1 Homework</a:t>
             </a:r>
-            <a:endParaRPr lang="en-US" dirty="0"/>
           </a:p>
         </p:txBody>
       </p:sp>
@@ -17183,26 +16764,21 @@
           <a:p>
             <a:pPr lvl="1"/>
             <a:r>
-              <a:rPr lang="en-US" dirty="0" smtClean="0"/>
+              <a:rPr lang="en-US" dirty="0"/>
               <a:t>These are due Tuesday morning at 7:55AM</a:t>
             </a:r>
-            <a:endParaRPr lang="en-US" dirty="0"/>
           </a:p>
           <a:p>
             <a:pPr lvl="1"/>
             <a:r>
-              <a:rPr lang="en-US" b="1" dirty="0" smtClean="0"/>
-              <a:t>Anything </a:t>
-            </a:r>
-            <a:r>
               <a:rPr lang="en-US" b="1" dirty="0"/>
-              <a:t>turned in late will be worth zero points</a:t>
+              <a:t>Anything turned in late will be worth zero points</a:t>
             </a:r>
           </a:p>
           <a:p>
             <a:pPr lvl="1"/>
             <a:r>
-              <a:rPr lang="en-US" dirty="0" smtClean="0"/>
+              <a:rPr lang="en-US" dirty="0"/>
               <a:t>A video going over the solution will be posted that morning</a:t>
             </a:r>
           </a:p>
@@ -17240,21 +16816,6 @@
   <p:clrMapOvr>
     <a:masterClrMapping/>
   </p:clrMapOvr>
-  <mc:AlternateContent xmlns:mc="http://schemas.openxmlformats.org/markup-compatibility/2006">
-    <mc:Choice xmlns:p14="http://schemas.microsoft.com/office/powerpoint/2010/main" Requires="p14">
-      <p:transition spd="slow" p14:dur="2000"/>
-    </mc:Choice>
-    <mc:Fallback>
-      <p:transition spd="slow"/>
-    </mc:Fallback>
-  </mc:AlternateContent>
-  <p:timing>
-    <p:tnLst>
-      <p:par>
-        <p:cTn id="1" dur="indefinite" restart="never" nodeType="tmRoot"/>
-      </p:par>
-    </p:tnLst>
-  </p:timing>
 </p:sld>
 </file>
 
@@ -17806,13 +17367,6 @@
   <p:clrMapOvr>
     <a:masterClrMapping/>
   </p:clrMapOvr>
-  <p:timing>
-    <p:tnLst>
-      <p:par>
-        <p:cTn id="1" dur="indefinite" restart="never" nodeType="tmRoot"/>
-      </p:par>
-    </p:tnLst>
-  </p:timing>
 </p:sld>
 </file>
 
@@ -17863,9 +17417,7 @@
           <p:cNvGraphicFramePr>
             <a:graphicFrameLocks noGrp="1"/>
           </p:cNvGraphicFramePr>
-          <p:nvPr>
-            <p:extLst/>
-          </p:nvPr>
+          <p:nvPr/>
         </p:nvGraphicFramePr>
         <p:xfrm>
           <a:off x="457200" y="4173450"/>
@@ -17986,9 +17538,7 @@
           <p:cNvGraphicFramePr>
             <a:graphicFrameLocks noGrp="1"/>
           </p:cNvGraphicFramePr>
-          <p:nvPr>
-            <p:extLst/>
-          </p:nvPr>
+          <p:nvPr/>
         </p:nvGraphicFramePr>
         <p:xfrm>
           <a:off x="3503815" y="4183262"/>
@@ -18092,9 +17642,7 @@
           <p:cNvGraphicFramePr>
             <a:graphicFrameLocks noGrp="1"/>
           </p:cNvGraphicFramePr>
-          <p:nvPr>
-            <p:extLst/>
-          </p:nvPr>
+          <p:nvPr/>
         </p:nvGraphicFramePr>
         <p:xfrm>
           <a:off x="457200" y="1733521"/>
@@ -18460,13 +18008,6 @@
   <p:clrMapOvr>
     <a:masterClrMapping/>
   </p:clrMapOvr>
-  <p:timing>
-    <p:tnLst>
-      <p:par>
-        <p:cTn id="1" dur="indefinite" restart="never" nodeType="tmRoot"/>
-      </p:par>
-    </p:tnLst>
-  </p:timing>
 </p:sld>
 </file>
 
@@ -19316,13 +18857,6 @@
   <p:clrMapOvr>
     <a:masterClrMapping/>
   </p:clrMapOvr>
-  <p:timing>
-    <p:tnLst>
-      <p:par>
-        <p:cTn id="1" dur="indefinite" restart="never" nodeType="tmRoot"/>
-      </p:par>
-    </p:tnLst>
-  </p:timing>
 </p:sld>
 </file>
 
@@ -19785,9 +19319,7 @@
           <p:cNvGraphicFramePr>
             <a:graphicFrameLocks noGrp="1"/>
           </p:cNvGraphicFramePr>
-          <p:nvPr>
-            <p:extLst/>
-          </p:nvPr>
+          <p:nvPr/>
         </p:nvGraphicFramePr>
         <p:xfrm>
           <a:off x="4865717" y="1733521"/>
@@ -20119,13 +19651,6 @@
   <p:clrMapOvr>
     <a:masterClrMapping/>
   </p:clrMapOvr>
-  <p:timing>
-    <p:tnLst>
-      <p:par>
-        <p:cTn id="1" dur="indefinite" restart="never" nodeType="tmRoot"/>
-      </p:par>
-    </p:tnLst>
-  </p:timing>
 </p:sld>
 </file>
 
@@ -20588,9 +20113,7 @@
           <p:cNvGraphicFramePr>
             <a:graphicFrameLocks noGrp="1"/>
           </p:cNvGraphicFramePr>
-          <p:nvPr>
-            <p:extLst/>
-          </p:nvPr>
+          <p:nvPr/>
         </p:nvGraphicFramePr>
         <p:xfrm>
           <a:off x="4865717" y="1733521"/>
@@ -21139,13 +20662,6 @@
   <p:clrMapOvr>
     <a:masterClrMapping/>
   </p:clrMapOvr>
-  <p:timing>
-    <p:tnLst>
-      <p:par>
-        <p:cTn id="1" dur="indefinite" restart="never" nodeType="tmRoot"/>
-      </p:par>
-    </p:tnLst>
-  </p:timing>
 </p:sld>
 </file>
 

--- a/ClassMaterials/SETechniques/Slides/SoftwareEngineeringTechniques.pptx
+++ b/ClassMaterials/SETechniques/Slides/SoftwareEngineeringTechniques.pptx
@@ -5,58 +5,65 @@
     <p:sldMasterId id="2147483672" r:id="rId1"/>
   </p:sldMasterIdLst>
   <p:notesMasterIdLst>
-    <p:notesMasterId r:id="rId48"/>
+    <p:notesMasterId r:id="rId55"/>
   </p:notesMasterIdLst>
   <p:handoutMasterIdLst>
-    <p:handoutMasterId r:id="rId49"/>
+    <p:handoutMasterId r:id="rId56"/>
   </p:handoutMasterIdLst>
   <p:sldIdLst>
     <p:sldId id="301" r:id="rId2"/>
     <p:sldId id="258" r:id="rId3"/>
     <p:sldId id="302" r:id="rId4"/>
     <p:sldId id="259" r:id="rId5"/>
-    <p:sldId id="358" r:id="rId6"/>
-    <p:sldId id="359" r:id="rId7"/>
-    <p:sldId id="360" r:id="rId8"/>
-    <p:sldId id="361" r:id="rId9"/>
-    <p:sldId id="333" r:id="rId10"/>
-    <p:sldId id="334" r:id="rId11"/>
-    <p:sldId id="337" r:id="rId12"/>
-    <p:sldId id="336" r:id="rId13"/>
-    <p:sldId id="362" r:id="rId14"/>
-    <p:sldId id="363" r:id="rId15"/>
-    <p:sldId id="364" r:id="rId16"/>
-    <p:sldId id="313" r:id="rId17"/>
-    <p:sldId id="340" r:id="rId18"/>
-    <p:sldId id="316" r:id="rId19"/>
-    <p:sldId id="314" r:id="rId20"/>
-    <p:sldId id="330" r:id="rId21"/>
-    <p:sldId id="356" r:id="rId22"/>
-    <p:sldId id="341" r:id="rId23"/>
-    <p:sldId id="319" r:id="rId24"/>
-    <p:sldId id="349" r:id="rId25"/>
-    <p:sldId id="353" r:id="rId26"/>
-    <p:sldId id="342" r:id="rId27"/>
-    <p:sldId id="343" r:id="rId28"/>
-    <p:sldId id="344" r:id="rId29"/>
-    <p:sldId id="355" r:id="rId30"/>
-    <p:sldId id="335" r:id="rId31"/>
-    <p:sldId id="345" r:id="rId32"/>
-    <p:sldId id="350" r:id="rId33"/>
-    <p:sldId id="321" r:id="rId34"/>
-    <p:sldId id="346" r:id="rId35"/>
-    <p:sldId id="347" r:id="rId36"/>
-    <p:sldId id="354" r:id="rId37"/>
-    <p:sldId id="348" r:id="rId38"/>
-    <p:sldId id="322" r:id="rId39"/>
-    <p:sldId id="351" r:id="rId40"/>
-    <p:sldId id="323" r:id="rId41"/>
-    <p:sldId id="327" r:id="rId42"/>
-    <p:sldId id="324" r:id="rId43"/>
-    <p:sldId id="328" r:id="rId44"/>
-    <p:sldId id="325" r:id="rId45"/>
-    <p:sldId id="326" r:id="rId46"/>
-    <p:sldId id="329" r:id="rId47"/>
+    <p:sldId id="365" r:id="rId6"/>
+    <p:sldId id="358" r:id="rId7"/>
+    <p:sldId id="359" r:id="rId8"/>
+    <p:sldId id="360" r:id="rId9"/>
+    <p:sldId id="361" r:id="rId10"/>
+    <p:sldId id="333" r:id="rId11"/>
+    <p:sldId id="334" r:id="rId12"/>
+    <p:sldId id="337" r:id="rId13"/>
+    <p:sldId id="336" r:id="rId14"/>
+    <p:sldId id="362" r:id="rId15"/>
+    <p:sldId id="363" r:id="rId16"/>
+    <p:sldId id="364" r:id="rId17"/>
+    <p:sldId id="366" r:id="rId18"/>
+    <p:sldId id="313" r:id="rId19"/>
+    <p:sldId id="340" r:id="rId20"/>
+    <p:sldId id="316" r:id="rId21"/>
+    <p:sldId id="314" r:id="rId22"/>
+    <p:sldId id="330" r:id="rId23"/>
+    <p:sldId id="367" r:id="rId24"/>
+    <p:sldId id="368" r:id="rId25"/>
+    <p:sldId id="369" r:id="rId26"/>
+    <p:sldId id="370" r:id="rId27"/>
+    <p:sldId id="341" r:id="rId28"/>
+    <p:sldId id="319" r:id="rId29"/>
+    <p:sldId id="371" r:id="rId30"/>
+    <p:sldId id="353" r:id="rId31"/>
+    <p:sldId id="342" r:id="rId32"/>
+    <p:sldId id="343" r:id="rId33"/>
+    <p:sldId id="344" r:id="rId34"/>
+    <p:sldId id="355" r:id="rId35"/>
+    <p:sldId id="335" r:id="rId36"/>
+    <p:sldId id="345" r:id="rId37"/>
+    <p:sldId id="350" r:id="rId38"/>
+    <p:sldId id="372" r:id="rId39"/>
+    <p:sldId id="321" r:id="rId40"/>
+    <p:sldId id="346" r:id="rId41"/>
+    <p:sldId id="347" r:id="rId42"/>
+    <p:sldId id="354" r:id="rId43"/>
+    <p:sldId id="348" r:id="rId44"/>
+    <p:sldId id="322" r:id="rId45"/>
+    <p:sldId id="351" r:id="rId46"/>
+    <p:sldId id="373" r:id="rId47"/>
+    <p:sldId id="323" r:id="rId48"/>
+    <p:sldId id="327" r:id="rId49"/>
+    <p:sldId id="324" r:id="rId50"/>
+    <p:sldId id="328" r:id="rId51"/>
+    <p:sldId id="325" r:id="rId52"/>
+    <p:sldId id="326" r:id="rId53"/>
+    <p:sldId id="329" r:id="rId54"/>
   </p:sldIdLst>
   <p:sldSz cx="9144000" cy="6858000" type="screen4x3"/>
   <p:notesSz cx="6858000" cy="9144000"/>
@@ -269,7 +276,7 @@
           <a:p>
             <a:fld id="{A470E182-4433-B944-AF35-723DFC7F8728}" type="datetimeFigureOut">
               <a:rPr lang="en-US" smtClean="0"/>
-              <a:t>2/24/22</a:t>
+              <a:t>2/25/22</a:t>
             </a:fld>
             <a:endParaRPr lang="en-US"/>
           </a:p>
@@ -434,7 +441,7 @@
           <a:p>
             <a:fld id="{C12EF212-CCF8-3B4F-9C5F-A87F03513D57}" type="datetimeFigureOut">
               <a:rPr lang="en-US" smtClean="0"/>
-              <a:t>2/24/22</a:t>
+              <a:t>2/25/22</a:t>
             </a:fld>
             <a:endParaRPr lang="en-US"/>
           </a:p>
@@ -785,7 +792,7 @@
             <a:fld id="{DC0E6170-2EC2-4F8B-9528-2FD61EC07430}" type="slidenum">
               <a:rPr lang="en-US"/>
               <a:pPr/>
-              <a:t>13</a:t>
+              <a:t>14</a:t>
             </a:fld>
             <a:endParaRPr lang="en-US"/>
           </a:p>
@@ -869,7 +876,7 @@
           <a:p>
             <a:fld id="{1EC41D83-A85E-494A-A425-5657A5A18AE9}" type="slidenum">
               <a:rPr lang="en-US" smtClean="0"/>
-              <a:t>34</a:t>
+              <a:t>30</a:t>
             </a:fld>
             <a:endParaRPr lang="en-US"/>
           </a:p>
@@ -878,7 +885,7 @@
     </p:spTree>
     <p:extLst>
       <p:ext uri="{BB962C8B-B14F-4D97-AF65-F5344CB8AC3E}">
-        <p14:creationId xmlns:p14="http://schemas.microsoft.com/office/powerpoint/2010/main" val="1768399842"/>
+        <p14:creationId xmlns:p14="http://schemas.microsoft.com/office/powerpoint/2010/main" val="3914064180"/>
       </p:ext>
     </p:extLst>
   </p:cSld>
@@ -932,271 +939,53 @@
           <a:bodyPr/>
           <a:lstStyle/>
           <a:p>
-            <a:r>
-              <a:rPr lang="en-US" dirty="0"/>
-              <a:t>@</a:t>
-            </a:r>
-            <a:r>
-              <a:rPr lang="en-US" dirty="0" err="1"/>
-              <a:t>startuml</a:t>
-            </a:r>
-            <a:endParaRPr lang="en-US" dirty="0"/>
-          </a:p>
-          <a:p>
-            <a:r>
-              <a:rPr lang="en-US" dirty="0" err="1"/>
-              <a:t>skinparam</a:t>
-            </a:r>
-            <a:r>
-              <a:rPr lang="en-US" dirty="0"/>
-              <a:t> style </a:t>
-            </a:r>
-            <a:r>
-              <a:rPr lang="en-US" dirty="0" err="1"/>
-              <a:t>strictuml</a:t>
-            </a:r>
-            <a:endParaRPr lang="en-US" dirty="0"/>
-          </a:p>
-          <a:p>
-            <a:endParaRPr lang="en-US" dirty="0"/>
-          </a:p>
-          <a:p>
-            <a:r>
-              <a:rPr lang="en-US" dirty="0"/>
-              <a:t>class Book {</a:t>
-            </a:r>
-          </a:p>
-          <a:p>
-            <a:r>
-              <a:rPr lang="en-US" dirty="0"/>
-              <a:t>   name</a:t>
-            </a:r>
-          </a:p>
-          <a:p>
-            <a:r>
-              <a:rPr lang="en-US" dirty="0"/>
-              <a:t>   author</a:t>
-            </a:r>
-          </a:p>
-          <a:p>
-            <a:r>
-              <a:rPr lang="en-US" dirty="0"/>
-              <a:t>   </a:t>
-            </a:r>
-            <a:r>
-              <a:rPr lang="en-US" dirty="0" err="1"/>
-              <a:t>printReport</a:t>
-            </a:r>
-            <a:r>
-              <a:rPr lang="en-US" dirty="0"/>
-              <a:t>()</a:t>
-            </a:r>
-          </a:p>
-          <a:p>
-            <a:r>
-              <a:rPr lang="en-US" dirty="0"/>
-              <a:t>   </a:t>
-            </a:r>
-            <a:r>
-              <a:rPr lang="en-US" dirty="0" err="1"/>
-              <a:t>addKid</a:t>
-            </a:r>
-            <a:r>
-              <a:rPr lang="en-US" dirty="0"/>
-              <a:t>(kid)</a:t>
-            </a:r>
-          </a:p>
-          <a:p>
-            <a:r>
-              <a:rPr lang="en-US" dirty="0"/>
-              <a:t>}</a:t>
-            </a:r>
-          </a:p>
-          <a:p>
-            <a:r>
-              <a:rPr lang="en-US" dirty="0"/>
-              <a:t>class Kid {</a:t>
-            </a:r>
-          </a:p>
-          <a:p>
-            <a:r>
-              <a:rPr lang="en-US" dirty="0"/>
-              <a:t>   name</a:t>
-            </a:r>
-          </a:p>
-          <a:p>
-            <a:r>
-              <a:rPr lang="en-US" dirty="0"/>
-              <a:t>   </a:t>
-            </a:r>
-            <a:r>
-              <a:rPr lang="en-US" dirty="0" err="1"/>
-              <a:t>gradeLevel</a:t>
-            </a:r>
-            <a:endParaRPr lang="en-US" dirty="0"/>
-          </a:p>
-          <a:p>
-            <a:r>
-              <a:rPr lang="en-US" dirty="0"/>
-              <a:t>   </a:t>
-            </a:r>
-            <a:r>
-              <a:rPr lang="en-US" dirty="0" err="1"/>
-              <a:t>printReport</a:t>
-            </a:r>
-            <a:r>
-              <a:rPr lang="en-US" dirty="0"/>
-              <a:t>()</a:t>
-            </a:r>
-          </a:p>
-          <a:p>
-            <a:r>
-              <a:rPr lang="en-US" dirty="0"/>
-              <a:t>   </a:t>
-            </a:r>
-            <a:r>
-              <a:rPr lang="en-US" dirty="0" err="1"/>
-              <a:t>addBook</a:t>
-            </a:r>
-            <a:r>
-              <a:rPr lang="en-US" dirty="0"/>
-              <a:t>(book)</a:t>
-            </a:r>
-          </a:p>
-          <a:p>
-            <a:r>
-              <a:rPr lang="en-US" dirty="0"/>
-              <a:t>}</a:t>
-            </a:r>
-          </a:p>
-          <a:p>
-            <a:endParaRPr lang="en-US" dirty="0"/>
-          </a:p>
-          <a:p>
-            <a:r>
-              <a:rPr lang="en-US" dirty="0"/>
-              <a:t>class </a:t>
-            </a:r>
-            <a:r>
-              <a:rPr lang="en-US" dirty="0" err="1"/>
-              <a:t>BookMain</a:t>
-            </a:r>
-            <a:r>
-              <a:rPr lang="en-US" dirty="0"/>
-              <a:t> {</a:t>
-            </a:r>
-          </a:p>
-          <a:p>
-            <a:r>
-              <a:rPr lang="en-US" dirty="0"/>
-              <a:t>   </a:t>
-            </a:r>
-            <a:r>
-              <a:rPr lang="en-US" dirty="0" err="1"/>
-              <a:t>handleNewReading</a:t>
-            </a:r>
-            <a:r>
-              <a:rPr lang="en-US" dirty="0"/>
-              <a:t>(</a:t>
-            </a:r>
-            <a:r>
-              <a:rPr lang="en-US" dirty="0" err="1"/>
-              <a:t>bookname,kidname</a:t>
-            </a:r>
-            <a:r>
-              <a:rPr lang="en-US" dirty="0"/>
-              <a:t>)</a:t>
-            </a:r>
-          </a:p>
-          <a:p>
-            <a:r>
-              <a:rPr lang="en-US" dirty="0"/>
-              <a:t>   </a:t>
-            </a:r>
-            <a:r>
-              <a:rPr lang="en-US" dirty="0" err="1"/>
-              <a:t>printReportForBook</a:t>
-            </a:r>
-            <a:r>
-              <a:rPr lang="en-US" dirty="0"/>
-              <a:t>(</a:t>
-            </a:r>
-            <a:r>
-              <a:rPr lang="en-US" dirty="0" err="1"/>
-              <a:t>bookname</a:t>
-            </a:r>
-            <a:r>
-              <a:rPr lang="en-US" dirty="0"/>
-              <a:t>)</a:t>
-            </a:r>
-          </a:p>
-          <a:p>
-            <a:r>
-              <a:rPr lang="en-US" dirty="0"/>
-              <a:t>   </a:t>
-            </a:r>
-            <a:r>
-              <a:rPr lang="en-US" dirty="0" err="1"/>
-              <a:t>printReportForKid</a:t>
-            </a:r>
-            <a:r>
-              <a:rPr lang="en-US" dirty="0"/>
-              <a:t>(</a:t>
-            </a:r>
-            <a:r>
-              <a:rPr lang="en-US" dirty="0" err="1"/>
-              <a:t>kidname</a:t>
-            </a:r>
-            <a:r>
-              <a:rPr lang="en-US" dirty="0"/>
-              <a:t>)</a:t>
-            </a:r>
-          </a:p>
-          <a:p>
-            <a:r>
-              <a:rPr lang="en-US" dirty="0"/>
-              <a:t>}</a:t>
-            </a:r>
-          </a:p>
-          <a:p>
-            <a:r>
-              <a:rPr lang="en-US" dirty="0"/>
-              <a:t>Kid "*" &lt;-&gt; "*" Book</a:t>
-            </a:r>
-          </a:p>
-          <a:p>
-            <a:r>
-              <a:rPr lang="en-US" dirty="0" err="1"/>
-              <a:t>BookMain</a:t>
-            </a:r>
-            <a:r>
-              <a:rPr lang="en-US" dirty="0"/>
-              <a:t> -&gt; "*" Book</a:t>
-            </a:r>
-          </a:p>
-          <a:p>
-            <a:r>
-              <a:rPr lang="en-US" dirty="0" err="1"/>
-              <a:t>BookMain</a:t>
-            </a:r>
-            <a:r>
-              <a:rPr lang="en-US" dirty="0"/>
-              <a:t> -&gt; "*" Kid</a:t>
-            </a:r>
-          </a:p>
-          <a:p>
-            <a:r>
-              <a:rPr lang="en-US" dirty="0"/>
-              <a:t>@</a:t>
-            </a:r>
-            <a:r>
-              <a:rPr lang="en-US" dirty="0" err="1"/>
-              <a:t>enduml</a:t>
-            </a:r>
-            <a:endParaRPr lang="en-US" dirty="0"/>
-          </a:p>
-          <a:p>
-            <a:endParaRPr lang="en-US" dirty="0"/>
+            <a:endParaRPr lang="en-US" baseline="0" dirty="0">
+              <a:cs typeface="Calibri"/>
+            </a:endParaRPr>
+          </a:p>
+          <a:p>
+            <a:pPr marL="228600" indent="-228600">
+              <a:buAutoNum type="alphaUcPeriod"/>
+            </a:pPr>
+            <a:r>
+              <a:rPr lang="en-US" baseline="0" dirty="0"/>
+              <a:t>There is no (sane) way to lookup a book to either lookup a book to add to a kid or print a report</a:t>
+            </a:r>
+          </a:p>
+          <a:p>
+            <a:pPr marL="228600" indent="-228600">
+              <a:buAutoNum type="alphaUcPeriod"/>
+            </a:pPr>
+            <a:r>
+              <a:rPr lang="en-US" dirty="0">
+                <a:cs typeface="Calibri"/>
+              </a:rPr>
+              <a:t>Duplication of data</a:t>
+            </a:r>
+          </a:p>
+          <a:p>
+            <a:pPr marL="228600" indent="-228600">
+              <a:buAutoNum type="alphaUcPeriod"/>
+            </a:pPr>
+            <a:endParaRPr lang="en-US" dirty="0">
+              <a:cs typeface="Calibri"/>
+            </a:endParaRPr>
+          </a:p>
+          <a:p>
+            <a:pPr marL="228600" indent="-228600">
+              <a:buAutoNum type="alphaUcPeriod"/>
+            </a:pPr>
+            <a:endParaRPr lang="en-US" dirty="0">
+              <a:cs typeface="Calibri"/>
+            </a:endParaRPr>
+          </a:p>
+          <a:p>
+            <a:pPr marL="228600" indent="-228600">
+              <a:buAutoNum type="alphaUcPeriod"/>
+            </a:pPr>
+            <a:endParaRPr lang="en-US" dirty="0">
+              <a:cs typeface="Calibri"/>
+            </a:endParaRPr>
           </a:p>
         </p:txBody>
       </p:sp>
@@ -1217,7 +1006,7 @@
           <a:p>
             <a:fld id="{1EC41D83-A85E-494A-A425-5657A5A18AE9}" type="slidenum">
               <a:rPr lang="en-US" smtClean="0"/>
-              <a:t>35</a:t>
+              <a:t>39</a:t>
             </a:fld>
             <a:endParaRPr lang="en-US"/>
           </a:p>
@@ -1226,7 +1015,7 @@
     </p:spTree>
     <p:extLst>
       <p:ext uri="{BB962C8B-B14F-4D97-AF65-F5344CB8AC3E}">
-        <p14:creationId xmlns:p14="http://schemas.microsoft.com/office/powerpoint/2010/main" val="1436180770"/>
+        <p14:creationId xmlns:p14="http://schemas.microsoft.com/office/powerpoint/2010/main" val="2724198602"/>
       </p:ext>
     </p:extLst>
   </p:cSld>
@@ -1280,14 +1069,6 @@
           <a:bodyPr/>
           <a:lstStyle/>
           <a:p>
-            <a:r>
-              <a:rPr lang="en-US" dirty="0"/>
-              <a:t>Briefly</a:t>
-            </a:r>
-            <a:r>
-              <a:rPr lang="en-US" baseline="0" dirty="0"/>
-              <a:t> show the website description and how points are awarded, especially making note of the reflection questions and sample output.</a:t>
-            </a:r>
             <a:endParaRPr lang="en-US" dirty="0"/>
           </a:p>
         </p:txBody>
@@ -1309,7 +1090,7 @@
           <a:p>
             <a:fld id="{1EC41D83-A85E-494A-A425-5657A5A18AE9}" type="slidenum">
               <a:rPr lang="en-US" smtClean="0"/>
-              <a:t>39</a:t>
+              <a:t>40</a:t>
             </a:fld>
             <a:endParaRPr lang="en-US"/>
           </a:p>
@@ -1318,7 +1099,7 @@
     </p:spTree>
     <p:extLst>
       <p:ext uri="{BB962C8B-B14F-4D97-AF65-F5344CB8AC3E}">
-        <p14:creationId xmlns:p14="http://schemas.microsoft.com/office/powerpoint/2010/main" val="1336266511"/>
+        <p14:creationId xmlns:p14="http://schemas.microsoft.com/office/powerpoint/2010/main" val="1768399842"/>
       </p:ext>
     </p:extLst>
   </p:cSld>
@@ -1374,12 +1155,268 @@
           <a:p>
             <a:r>
               <a:rPr lang="en-US" dirty="0"/>
-              <a:t>Note for 1a – obviously you try to use nouns</a:t>
-            </a:r>
-            <a:r>
-              <a:rPr lang="en-US" baseline="0" dirty="0"/>
-              <a:t> from the description.  But its not required</a:t>
-            </a:r>
+              <a:t>@</a:t>
+            </a:r>
+            <a:r>
+              <a:rPr lang="en-US" dirty="0" err="1"/>
+              <a:t>startuml</a:t>
+            </a:r>
+            <a:endParaRPr lang="en-US" dirty="0"/>
+          </a:p>
+          <a:p>
+            <a:r>
+              <a:rPr lang="en-US" dirty="0" err="1"/>
+              <a:t>skinparam</a:t>
+            </a:r>
+            <a:r>
+              <a:rPr lang="en-US" dirty="0"/>
+              <a:t> style </a:t>
+            </a:r>
+            <a:r>
+              <a:rPr lang="en-US" dirty="0" err="1"/>
+              <a:t>strictuml</a:t>
+            </a:r>
+            <a:endParaRPr lang="en-US" dirty="0"/>
+          </a:p>
+          <a:p>
+            <a:endParaRPr lang="en-US" dirty="0"/>
+          </a:p>
+          <a:p>
+            <a:r>
+              <a:rPr lang="en-US" dirty="0"/>
+              <a:t>class Book {</a:t>
+            </a:r>
+          </a:p>
+          <a:p>
+            <a:r>
+              <a:rPr lang="en-US" dirty="0"/>
+              <a:t>   name</a:t>
+            </a:r>
+          </a:p>
+          <a:p>
+            <a:r>
+              <a:rPr lang="en-US" dirty="0"/>
+              <a:t>   author</a:t>
+            </a:r>
+          </a:p>
+          <a:p>
+            <a:r>
+              <a:rPr lang="en-US" dirty="0"/>
+              <a:t>   </a:t>
+            </a:r>
+            <a:r>
+              <a:rPr lang="en-US" dirty="0" err="1"/>
+              <a:t>printReport</a:t>
+            </a:r>
+            <a:r>
+              <a:rPr lang="en-US" dirty="0"/>
+              <a:t>()</a:t>
+            </a:r>
+          </a:p>
+          <a:p>
+            <a:r>
+              <a:rPr lang="en-US" dirty="0"/>
+              <a:t>   </a:t>
+            </a:r>
+            <a:r>
+              <a:rPr lang="en-US" dirty="0" err="1"/>
+              <a:t>addKid</a:t>
+            </a:r>
+            <a:r>
+              <a:rPr lang="en-US" dirty="0"/>
+              <a:t>(kid)</a:t>
+            </a:r>
+          </a:p>
+          <a:p>
+            <a:r>
+              <a:rPr lang="en-US" dirty="0"/>
+              <a:t>}</a:t>
+            </a:r>
+          </a:p>
+          <a:p>
+            <a:r>
+              <a:rPr lang="en-US" dirty="0"/>
+              <a:t>class Kid {</a:t>
+            </a:r>
+          </a:p>
+          <a:p>
+            <a:r>
+              <a:rPr lang="en-US" dirty="0"/>
+              <a:t>   name</a:t>
+            </a:r>
+          </a:p>
+          <a:p>
+            <a:r>
+              <a:rPr lang="en-US" dirty="0"/>
+              <a:t>   </a:t>
+            </a:r>
+            <a:r>
+              <a:rPr lang="en-US" dirty="0" err="1"/>
+              <a:t>gradeLevel</a:t>
+            </a:r>
+            <a:endParaRPr lang="en-US" dirty="0"/>
+          </a:p>
+          <a:p>
+            <a:r>
+              <a:rPr lang="en-US" dirty="0"/>
+              <a:t>   </a:t>
+            </a:r>
+            <a:r>
+              <a:rPr lang="en-US" dirty="0" err="1"/>
+              <a:t>printReport</a:t>
+            </a:r>
+            <a:r>
+              <a:rPr lang="en-US" dirty="0"/>
+              <a:t>()</a:t>
+            </a:r>
+          </a:p>
+          <a:p>
+            <a:r>
+              <a:rPr lang="en-US" dirty="0"/>
+              <a:t>   </a:t>
+            </a:r>
+            <a:r>
+              <a:rPr lang="en-US" dirty="0" err="1"/>
+              <a:t>addBook</a:t>
+            </a:r>
+            <a:r>
+              <a:rPr lang="en-US" dirty="0"/>
+              <a:t>(book)</a:t>
+            </a:r>
+          </a:p>
+          <a:p>
+            <a:r>
+              <a:rPr lang="en-US" dirty="0"/>
+              <a:t>}</a:t>
+            </a:r>
+          </a:p>
+          <a:p>
+            <a:endParaRPr lang="en-US" dirty="0"/>
+          </a:p>
+          <a:p>
+            <a:r>
+              <a:rPr lang="en-US" dirty="0"/>
+              <a:t>class </a:t>
+            </a:r>
+            <a:r>
+              <a:rPr lang="en-US" dirty="0" err="1"/>
+              <a:t>BookMain</a:t>
+            </a:r>
+            <a:r>
+              <a:rPr lang="en-US" dirty="0"/>
+              <a:t> {</a:t>
+            </a:r>
+          </a:p>
+          <a:p>
+            <a:r>
+              <a:rPr lang="en-US" dirty="0"/>
+              <a:t>   </a:t>
+            </a:r>
+            <a:r>
+              <a:rPr lang="en-US" dirty="0" err="1"/>
+              <a:t>handleNewReading</a:t>
+            </a:r>
+            <a:r>
+              <a:rPr lang="en-US" dirty="0"/>
+              <a:t>(</a:t>
+            </a:r>
+            <a:r>
+              <a:rPr lang="en-US" dirty="0" err="1"/>
+              <a:t>bookname,kidname</a:t>
+            </a:r>
+            <a:r>
+              <a:rPr lang="en-US" dirty="0"/>
+              <a:t>)</a:t>
+            </a:r>
+          </a:p>
+          <a:p>
+            <a:r>
+              <a:rPr lang="en-US" dirty="0"/>
+              <a:t>   </a:t>
+            </a:r>
+            <a:r>
+              <a:rPr lang="en-US" dirty="0" err="1"/>
+              <a:t>printReportForBook</a:t>
+            </a:r>
+            <a:r>
+              <a:rPr lang="en-US" dirty="0"/>
+              <a:t>(</a:t>
+            </a:r>
+            <a:r>
+              <a:rPr lang="en-US" dirty="0" err="1"/>
+              <a:t>bookname</a:t>
+            </a:r>
+            <a:r>
+              <a:rPr lang="en-US" dirty="0"/>
+              <a:t>)</a:t>
+            </a:r>
+          </a:p>
+          <a:p>
+            <a:r>
+              <a:rPr lang="en-US" dirty="0"/>
+              <a:t>   </a:t>
+            </a:r>
+            <a:r>
+              <a:rPr lang="en-US" dirty="0" err="1"/>
+              <a:t>printReportForKid</a:t>
+            </a:r>
+            <a:r>
+              <a:rPr lang="en-US" dirty="0"/>
+              <a:t>(</a:t>
+            </a:r>
+            <a:r>
+              <a:rPr lang="en-US" dirty="0" err="1"/>
+              <a:t>kidname</a:t>
+            </a:r>
+            <a:r>
+              <a:rPr lang="en-US" dirty="0"/>
+              <a:t>)</a:t>
+            </a:r>
+          </a:p>
+          <a:p>
+            <a:r>
+              <a:rPr lang="en-US" dirty="0"/>
+              <a:t>}</a:t>
+            </a:r>
+          </a:p>
+          <a:p>
+            <a:r>
+              <a:rPr lang="en-US" dirty="0"/>
+              <a:t>Kid "*" &lt;-&gt; "*" Book</a:t>
+            </a:r>
+          </a:p>
+          <a:p>
+            <a:r>
+              <a:rPr lang="en-US" dirty="0" err="1"/>
+              <a:t>BookMain</a:t>
+            </a:r>
+            <a:r>
+              <a:rPr lang="en-US" dirty="0"/>
+              <a:t> -&gt; "*" Book</a:t>
+            </a:r>
+          </a:p>
+          <a:p>
+            <a:r>
+              <a:rPr lang="en-US" dirty="0" err="1"/>
+              <a:t>BookMain</a:t>
+            </a:r>
+            <a:r>
+              <a:rPr lang="en-US" dirty="0"/>
+              <a:t> -&gt; "*" Kid</a:t>
+            </a:r>
+          </a:p>
+          <a:p>
+            <a:r>
+              <a:rPr lang="en-US" dirty="0"/>
+              <a:t>@</a:t>
+            </a:r>
+            <a:r>
+              <a:rPr lang="en-US" dirty="0" err="1"/>
+              <a:t>enduml</a:t>
+            </a:r>
+            <a:endParaRPr lang="en-US" dirty="0"/>
+          </a:p>
+          <a:p>
             <a:endParaRPr lang="en-US" dirty="0"/>
           </a:p>
         </p:txBody>
@@ -1410,7 +1447,7 @@
     </p:spTree>
     <p:extLst>
       <p:ext uri="{BB962C8B-B14F-4D97-AF65-F5344CB8AC3E}">
-        <p14:creationId xmlns:p14="http://schemas.microsoft.com/office/powerpoint/2010/main" val="2994267815"/>
+        <p14:creationId xmlns:p14="http://schemas.microsoft.com/office/powerpoint/2010/main" val="1436180770"/>
       </p:ext>
     </p:extLst>
   </p:cSld>
@@ -1466,17 +1503,11 @@
           <a:p>
             <a:r>
               <a:rPr lang="en-US" dirty="0"/>
-              <a:t>Since</a:t>
+              <a:t>Briefly</a:t>
             </a:r>
             <a:r>
               <a:rPr lang="en-US" baseline="0" dirty="0"/>
-              <a:t> UML is meant to be a simple way to communicate, we often omit simple methods like getters and setters.</a:t>
-            </a:r>
-          </a:p>
-          <a:p>
-            <a:r>
-              <a:rPr lang="en-US" baseline="0" dirty="0"/>
-              <a:t>If we want you to show all methods, we will tell you to do so</a:t>
+              <a:t> show the website description and how points are awarded, especially making note of the reflection questions and sample output.</a:t>
             </a:r>
             <a:endParaRPr lang="en-US" dirty="0"/>
           </a:p>
@@ -1508,7 +1539,7 @@
     </p:spTree>
     <p:extLst>
       <p:ext uri="{BB962C8B-B14F-4D97-AF65-F5344CB8AC3E}">
-        <p14:creationId xmlns:p14="http://schemas.microsoft.com/office/powerpoint/2010/main" val="918222476"/>
+        <p14:creationId xmlns:p14="http://schemas.microsoft.com/office/powerpoint/2010/main" val="1336266511"/>
       </p:ext>
     </p:extLst>
   </p:cSld>
@@ -1564,11 +1595,11 @@
           <a:p>
             <a:r>
               <a:rPr lang="en-US" dirty="0"/>
-              <a:t>Briefly</a:t>
+              <a:t>Note for 1a – obviously you try to use nouns</a:t>
             </a:r>
             <a:r>
               <a:rPr lang="en-US" baseline="0" dirty="0"/>
-              <a:t> show the website description and how points are awarded, especially making note of the reflection questions and sample output.</a:t>
+              <a:t> from the description.  But its not required</a:t>
             </a:r>
             <a:endParaRPr lang="en-US" dirty="0"/>
           </a:p>
@@ -1591,7 +1622,197 @@
           <a:p>
             <a:fld id="{1EC41D83-A85E-494A-A425-5657A5A18AE9}" type="slidenum">
               <a:rPr lang="en-US" smtClean="0"/>
-              <a:t>46</a:t>
+              <a:t>48</a:t>
+            </a:fld>
+            <a:endParaRPr lang="en-US"/>
+          </a:p>
+        </p:txBody>
+      </p:sp>
+    </p:spTree>
+    <p:extLst>
+      <p:ext uri="{BB962C8B-B14F-4D97-AF65-F5344CB8AC3E}">
+        <p14:creationId xmlns:p14="http://schemas.microsoft.com/office/powerpoint/2010/main" val="2994267815"/>
+      </p:ext>
+    </p:extLst>
+  </p:cSld>
+  <p:clrMapOvr>
+    <a:masterClrMapping/>
+  </p:clrMapOvr>
+</p:notes>
+</file>
+
+<file path=ppt/notesSlides/notesSlide16.xml><?xml version="1.0" encoding="utf-8"?>
+<p:notes xmlns:a="http://schemas.openxmlformats.org/drawingml/2006/main" xmlns:r="http://schemas.openxmlformats.org/officeDocument/2006/relationships" xmlns:p="http://schemas.openxmlformats.org/presentationml/2006/main">
+  <p:cSld>
+    <p:spTree>
+      <p:nvGrpSpPr>
+        <p:cNvPr id="1" name=""/>
+        <p:cNvGrpSpPr/>
+        <p:nvPr/>
+      </p:nvGrpSpPr>
+      <p:grpSpPr>
+        <a:xfrm>
+          <a:off x="0" y="0"/>
+          <a:ext cx="0" cy="0"/>
+          <a:chOff x="0" y="0"/>
+          <a:chExt cx="0" cy="0"/>
+        </a:xfrm>
+      </p:grpSpPr>
+      <p:sp>
+        <p:nvSpPr>
+          <p:cNvPr id="2" name="Slide Image Placeholder 1"/>
+          <p:cNvSpPr>
+            <a:spLocks noGrp="1" noRot="1" noChangeAspect="1"/>
+          </p:cNvSpPr>
+          <p:nvPr>
+            <p:ph type="sldImg"/>
+          </p:nvPr>
+        </p:nvSpPr>
+        <p:spPr/>
+      </p:sp>
+      <p:sp>
+        <p:nvSpPr>
+          <p:cNvPr id="3" name="Notes Placeholder 2"/>
+          <p:cNvSpPr>
+            <a:spLocks noGrp="1"/>
+          </p:cNvSpPr>
+          <p:nvPr>
+            <p:ph type="body" idx="1"/>
+          </p:nvPr>
+        </p:nvSpPr>
+        <p:spPr/>
+        <p:txBody>
+          <a:bodyPr/>
+          <a:lstStyle/>
+          <a:p>
+            <a:r>
+              <a:rPr lang="en-US" dirty="0"/>
+              <a:t>Since</a:t>
+            </a:r>
+            <a:r>
+              <a:rPr lang="en-US" baseline="0" dirty="0"/>
+              <a:t> UML is meant to be a simple way to communicate, we often omit simple methods like getters and setters.</a:t>
+            </a:r>
+          </a:p>
+          <a:p>
+            <a:r>
+              <a:rPr lang="en-US" baseline="0" dirty="0"/>
+              <a:t>If we want you to show all methods, we will tell you to do so</a:t>
+            </a:r>
+            <a:endParaRPr lang="en-US" dirty="0"/>
+          </a:p>
+        </p:txBody>
+      </p:sp>
+      <p:sp>
+        <p:nvSpPr>
+          <p:cNvPr id="4" name="Slide Number Placeholder 3"/>
+          <p:cNvSpPr>
+            <a:spLocks noGrp="1"/>
+          </p:cNvSpPr>
+          <p:nvPr>
+            <p:ph type="sldNum" sz="quarter" idx="10"/>
+          </p:nvPr>
+        </p:nvSpPr>
+        <p:spPr/>
+        <p:txBody>
+          <a:bodyPr/>
+          <a:lstStyle/>
+          <a:p>
+            <a:fld id="{1EC41D83-A85E-494A-A425-5657A5A18AE9}" type="slidenum">
+              <a:rPr lang="en-US" smtClean="0"/>
+              <a:t>52</a:t>
+            </a:fld>
+            <a:endParaRPr lang="en-US"/>
+          </a:p>
+        </p:txBody>
+      </p:sp>
+    </p:spTree>
+    <p:extLst>
+      <p:ext uri="{BB962C8B-B14F-4D97-AF65-F5344CB8AC3E}">
+        <p14:creationId xmlns:p14="http://schemas.microsoft.com/office/powerpoint/2010/main" val="918222476"/>
+      </p:ext>
+    </p:extLst>
+  </p:cSld>
+  <p:clrMapOvr>
+    <a:masterClrMapping/>
+  </p:clrMapOvr>
+</p:notes>
+</file>
+
+<file path=ppt/notesSlides/notesSlide17.xml><?xml version="1.0" encoding="utf-8"?>
+<p:notes xmlns:a="http://schemas.openxmlformats.org/drawingml/2006/main" xmlns:r="http://schemas.openxmlformats.org/officeDocument/2006/relationships" xmlns:p="http://schemas.openxmlformats.org/presentationml/2006/main">
+  <p:cSld>
+    <p:spTree>
+      <p:nvGrpSpPr>
+        <p:cNvPr id="1" name=""/>
+        <p:cNvGrpSpPr/>
+        <p:nvPr/>
+      </p:nvGrpSpPr>
+      <p:grpSpPr>
+        <a:xfrm>
+          <a:off x="0" y="0"/>
+          <a:ext cx="0" cy="0"/>
+          <a:chOff x="0" y="0"/>
+          <a:chExt cx="0" cy="0"/>
+        </a:xfrm>
+      </p:grpSpPr>
+      <p:sp>
+        <p:nvSpPr>
+          <p:cNvPr id="2" name="Slide Image Placeholder 1"/>
+          <p:cNvSpPr>
+            <a:spLocks noGrp="1" noRot="1" noChangeAspect="1"/>
+          </p:cNvSpPr>
+          <p:nvPr>
+            <p:ph type="sldImg"/>
+          </p:nvPr>
+        </p:nvSpPr>
+        <p:spPr/>
+      </p:sp>
+      <p:sp>
+        <p:nvSpPr>
+          <p:cNvPr id="3" name="Notes Placeholder 2"/>
+          <p:cNvSpPr>
+            <a:spLocks noGrp="1"/>
+          </p:cNvSpPr>
+          <p:nvPr>
+            <p:ph type="body" idx="1"/>
+          </p:nvPr>
+        </p:nvSpPr>
+        <p:spPr/>
+        <p:txBody>
+          <a:bodyPr/>
+          <a:lstStyle/>
+          <a:p>
+            <a:r>
+              <a:rPr lang="en-US" dirty="0"/>
+              <a:t>Briefly</a:t>
+            </a:r>
+            <a:r>
+              <a:rPr lang="en-US" baseline="0" dirty="0"/>
+              <a:t> show the website description and how points are awarded, especially making note of the reflection questions and sample output.</a:t>
+            </a:r>
+            <a:endParaRPr lang="en-US" dirty="0"/>
+          </a:p>
+        </p:txBody>
+      </p:sp>
+      <p:sp>
+        <p:nvSpPr>
+          <p:cNvPr id="4" name="Slide Number Placeholder 3"/>
+          <p:cNvSpPr>
+            <a:spLocks noGrp="1"/>
+          </p:cNvSpPr>
+          <p:nvPr>
+            <p:ph type="sldNum" sz="quarter" idx="10"/>
+          </p:nvPr>
+        </p:nvSpPr>
+        <p:spPr/>
+        <p:txBody>
+          <a:bodyPr/>
+          <a:lstStyle/>
+          <a:p>
+            <a:fld id="{1EC41D83-A85E-494A-A425-5657A5A18AE9}" type="slidenum">
+              <a:rPr lang="en-US" smtClean="0"/>
+              <a:t>53</a:t>
             </a:fld>
             <a:endParaRPr lang="en-US"/>
           </a:p>
@@ -1813,7 +2034,7 @@
           <a:p>
             <a:fld id="{1EC41D83-A85E-494A-A425-5657A5A18AE9}" type="slidenum">
               <a:rPr lang="en-US" smtClean="0"/>
-              <a:t>14</a:t>
+              <a:t>15</a:t>
             </a:fld>
             <a:endParaRPr lang="en-US"/>
           </a:p>
@@ -1905,7 +2126,7 @@
           <a:p>
             <a:fld id="{1EC41D83-A85E-494A-A425-5657A5A18AE9}" type="slidenum">
               <a:rPr lang="en-US" smtClean="0"/>
-              <a:t>18</a:t>
+              <a:t>20</a:t>
             </a:fld>
             <a:endParaRPr lang="en-US"/>
           </a:p>
@@ -1997,7 +2218,7 @@
           <a:p>
             <a:fld id="{1EC41D83-A85E-494A-A425-5657A5A18AE9}" type="slidenum">
               <a:rPr lang="en-US" smtClean="0"/>
-              <a:t>20</a:t>
+              <a:t>22</a:t>
             </a:fld>
             <a:endParaRPr lang="en-US"/>
           </a:p>
@@ -2060,7 +2281,7 @@
           <a:bodyPr/>
           <a:lstStyle/>
           <a:p>
-            <a:endParaRPr lang="en-US" dirty="0"/>
+            <a:endParaRPr lang="en-US"/>
           </a:p>
         </p:txBody>
       </p:sp>
@@ -2081,7 +2302,7 @@
           <a:p>
             <a:fld id="{1EC41D83-A85E-494A-A425-5657A5A18AE9}" type="slidenum">
               <a:rPr lang="en-US" smtClean="0"/>
-              <a:t>22</a:t>
+              <a:t>24</a:t>
             </a:fld>
             <a:endParaRPr lang="en-US"/>
           </a:p>
@@ -2090,7 +2311,7 @@
     </p:spTree>
     <p:extLst>
       <p:ext uri="{BB962C8B-B14F-4D97-AF65-F5344CB8AC3E}">
-        <p14:creationId xmlns:p14="http://schemas.microsoft.com/office/powerpoint/2010/main" val="2141969750"/>
+        <p14:creationId xmlns:p14="http://schemas.microsoft.com/office/powerpoint/2010/main" val="1272750694"/>
       </p:ext>
     </p:extLst>
   </p:cSld>
@@ -2144,7 +2365,7 @@
           <a:bodyPr/>
           <a:lstStyle/>
           <a:p>
-            <a:endParaRPr lang="en-US" dirty="0"/>
+            <a:endParaRPr lang="en-US"/>
           </a:p>
         </p:txBody>
       </p:sp>
@@ -2165,7 +2386,7 @@
           <a:p>
             <a:fld id="{1EC41D83-A85E-494A-A425-5657A5A18AE9}" type="slidenum">
               <a:rPr lang="en-US" smtClean="0"/>
-              <a:t>23</a:t>
+              <a:t>25</a:t>
             </a:fld>
             <a:endParaRPr lang="en-US"/>
           </a:p>
@@ -2174,7 +2395,7 @@
     </p:spTree>
     <p:extLst>
       <p:ext uri="{BB962C8B-B14F-4D97-AF65-F5344CB8AC3E}">
-        <p14:creationId xmlns:p14="http://schemas.microsoft.com/office/powerpoint/2010/main" val="1272750694"/>
+        <p14:creationId xmlns:p14="http://schemas.microsoft.com/office/powerpoint/2010/main" val="2141969750"/>
       </p:ext>
     </p:extLst>
   </p:cSld>
@@ -2249,7 +2470,7 @@
           <a:p>
             <a:fld id="{1EC41D83-A85E-494A-A425-5657A5A18AE9}" type="slidenum">
               <a:rPr lang="en-US" smtClean="0"/>
-              <a:t>24</a:t>
+              <a:t>27</a:t>
             </a:fld>
             <a:endParaRPr lang="en-US"/>
           </a:p>
@@ -2258,7 +2479,7 @@
     </p:spTree>
     <p:extLst>
       <p:ext uri="{BB962C8B-B14F-4D97-AF65-F5344CB8AC3E}">
-        <p14:creationId xmlns:p14="http://schemas.microsoft.com/office/powerpoint/2010/main" val="3965317029"/>
+        <p14:creationId xmlns:p14="http://schemas.microsoft.com/office/powerpoint/2010/main" val="2141969750"/>
       </p:ext>
     </p:extLst>
   </p:cSld>
@@ -2333,7 +2554,7 @@
           <a:p>
             <a:fld id="{1EC41D83-A85E-494A-A425-5657A5A18AE9}" type="slidenum">
               <a:rPr lang="en-US" smtClean="0"/>
-              <a:t>25</a:t>
+              <a:t>28</a:t>
             </a:fld>
             <a:endParaRPr lang="en-US"/>
           </a:p>
@@ -2342,7 +2563,7 @@
     </p:spTree>
     <p:extLst>
       <p:ext uri="{BB962C8B-B14F-4D97-AF65-F5344CB8AC3E}">
-        <p14:creationId xmlns:p14="http://schemas.microsoft.com/office/powerpoint/2010/main" val="3914064180"/>
+        <p14:creationId xmlns:p14="http://schemas.microsoft.com/office/powerpoint/2010/main" val="1272750694"/>
       </p:ext>
     </p:extLst>
   </p:cSld>
@@ -2396,53 +2617,7 @@
           <a:bodyPr/>
           <a:lstStyle/>
           <a:p>
-            <a:endParaRPr lang="en-US" baseline="0" dirty="0">
-              <a:cs typeface="Calibri"/>
-            </a:endParaRPr>
-          </a:p>
-          <a:p>
-            <a:pPr marL="228600" indent="-228600">
-              <a:buAutoNum type="alphaUcPeriod"/>
-            </a:pPr>
-            <a:r>
-              <a:rPr lang="en-US" baseline="0" dirty="0"/>
-              <a:t>There is no (sane) way to lookup a book to either lookup a book to add to a kid or print a report</a:t>
-            </a:r>
-          </a:p>
-          <a:p>
-            <a:pPr marL="228600" indent="-228600">
-              <a:buAutoNum type="alphaUcPeriod"/>
-            </a:pPr>
-            <a:r>
-              <a:rPr lang="en-US" dirty="0">
-                <a:cs typeface="Calibri"/>
-              </a:rPr>
-              <a:t>Duplication of data</a:t>
-            </a:r>
-          </a:p>
-          <a:p>
-            <a:pPr marL="228600" indent="-228600">
-              <a:buAutoNum type="alphaUcPeriod"/>
-            </a:pPr>
-            <a:endParaRPr lang="en-US" dirty="0">
-              <a:cs typeface="Calibri"/>
-            </a:endParaRPr>
-          </a:p>
-          <a:p>
-            <a:pPr marL="228600" indent="-228600">
-              <a:buAutoNum type="alphaUcPeriod"/>
-            </a:pPr>
-            <a:endParaRPr lang="en-US" dirty="0">
-              <a:cs typeface="Calibri"/>
-            </a:endParaRPr>
-          </a:p>
-          <a:p>
-            <a:pPr marL="228600" indent="-228600">
-              <a:buAutoNum type="alphaUcPeriod"/>
-            </a:pPr>
-            <a:endParaRPr lang="en-US" dirty="0">
-              <a:cs typeface="Calibri"/>
-            </a:endParaRPr>
+            <a:endParaRPr lang="en-US"/>
           </a:p>
         </p:txBody>
       </p:sp>
@@ -2463,7 +2638,7 @@
           <a:p>
             <a:fld id="{1EC41D83-A85E-494A-A425-5657A5A18AE9}" type="slidenum">
               <a:rPr lang="en-US" smtClean="0"/>
-              <a:t>33</a:t>
+              <a:t>29</a:t>
             </a:fld>
             <a:endParaRPr lang="en-US"/>
           </a:p>
@@ -2472,7 +2647,7 @@
     </p:spTree>
     <p:extLst>
       <p:ext uri="{BB962C8B-B14F-4D97-AF65-F5344CB8AC3E}">
-        <p14:creationId xmlns:p14="http://schemas.microsoft.com/office/powerpoint/2010/main" val="2724198602"/>
+        <p14:creationId xmlns:p14="http://schemas.microsoft.com/office/powerpoint/2010/main" val="3965317029"/>
       </p:ext>
     </p:extLst>
   </p:cSld>
@@ -2617,7 +2792,7 @@
               <a:pPr>
                 <a:defRPr/>
               </a:pPr>
-              <a:t>Thursday, February 24, 2022</a:t>
+              <a:t>Friday, February 25, 2022</a:t>
             </a:fld>
             <a:endParaRPr lang="en-US" dirty="0"/>
           </a:p>
@@ -2810,7 +2985,7 @@
               <a:pPr>
                 <a:defRPr/>
               </a:pPr>
-              <a:t>Thursday, February 24, 2022</a:t>
+              <a:t>Friday, February 25, 2022</a:t>
             </a:fld>
             <a:endParaRPr lang="en-US" dirty="0">
               <a:solidFill>
@@ -3023,7 +3198,7 @@
               <a:pPr>
                 <a:defRPr/>
               </a:pPr>
-              <a:t>Thursday, February 24, 2022</a:t>
+              <a:t>Friday, February 25, 2022</a:t>
             </a:fld>
             <a:endParaRPr lang="en-US" dirty="0">
               <a:solidFill>
@@ -3226,7 +3401,7 @@
               <a:pPr>
                 <a:defRPr/>
               </a:pPr>
-              <a:t>Thursday, February 24, 2022</a:t>
+              <a:t>Friday, February 25, 2022</a:t>
             </a:fld>
             <a:endParaRPr lang="en-US" dirty="0">
               <a:solidFill>
@@ -3506,7 +3681,7 @@
               <a:pPr>
                 <a:defRPr/>
               </a:pPr>
-              <a:t>Thursday, February 24, 2022</a:t>
+              <a:t>Friday, February 25, 2022</a:t>
             </a:fld>
             <a:endParaRPr lang="en-US">
               <a:solidFill>
@@ -3770,7 +3945,7 @@
               <a:pPr>
                 <a:defRPr/>
               </a:pPr>
-              <a:t>Thursday, February 24, 2022</a:t>
+              <a:t>Friday, February 25, 2022</a:t>
             </a:fld>
             <a:endParaRPr lang="en-US">
               <a:solidFill>
@@ -4169,7 +4344,7 @@
               <a:pPr>
                 <a:defRPr/>
               </a:pPr>
-              <a:t>Thursday, February 24, 2022</a:t>
+              <a:t>Friday, February 25, 2022</a:t>
             </a:fld>
             <a:endParaRPr lang="en-US">
               <a:solidFill>
@@ -4321,7 +4496,7 @@
               <a:pPr>
                 <a:defRPr/>
               </a:pPr>
-              <a:t>Thursday, February 24, 2022</a:t>
+              <a:t>Friday, February 25, 2022</a:t>
             </a:fld>
             <a:endParaRPr lang="en-US">
               <a:solidFill>
@@ -4451,7 +4626,7 @@
               <a:pPr>
                 <a:defRPr/>
               </a:pPr>
-              <a:t>Thursday, February 24, 2022</a:t>
+              <a:t>Friday, February 25, 2022</a:t>
             </a:fld>
             <a:endParaRPr lang="en-US" dirty="0">
               <a:solidFill>
@@ -4761,7 +4936,7 @@
               <a:pPr>
                 <a:defRPr/>
               </a:pPr>
-              <a:t>Thursday, February 24, 2022</a:t>
+              <a:t>Friday, February 25, 2022</a:t>
             </a:fld>
             <a:endParaRPr lang="en-US">
               <a:solidFill>
@@ -5048,7 +5223,7 @@
               <a:pPr>
                 <a:defRPr/>
               </a:pPr>
-              <a:t>Thursday, February 24, 2022</a:t>
+              <a:t>Friday, February 25, 2022</a:t>
             </a:fld>
             <a:endParaRPr lang="en-US">
               <a:solidFill>
@@ -5308,7 +5483,7 @@
                 </a:spcAft>
                 <a:defRPr/>
               </a:pPr>
-              <a:t>Thursday, February 24, 2022</a:t>
+              <a:t>Friday, February 25, 2022</a:t>
             </a:fld>
             <a:endParaRPr lang="en-US" dirty="0">
               <a:solidFill>
@@ -6625,213 +6800,77 @@
       </p:sp>
       <p:sp>
         <p:nvSpPr>
-          <p:cNvPr id="18" name="Content Placeholder 2">
+          <p:cNvPr id="17" name="Content Placeholder 2">
             <a:extLst>
               <a:ext uri="{FF2B5EF4-FFF2-40B4-BE49-F238E27FC236}">
-                <a16:creationId xmlns:a16="http://schemas.microsoft.com/office/drawing/2014/main" id="{6AA63A03-4846-40E4-8297-93C3AA37C19F}"/>
+                <a16:creationId xmlns:a16="http://schemas.microsoft.com/office/drawing/2014/main" id="{311985E6-7E5A-4061-8E4B-DA3ECC93457B}"/>
               </a:ext>
             </a:extLst>
           </p:cNvPr>
-          <p:cNvSpPr txBox="1">
-            <a:spLocks/>
+          <p:cNvSpPr>
+            <a:spLocks noGrp="1"/>
           </p:cNvSpPr>
-          <p:nvPr/>
+          <p:nvPr>
+            <p:ph idx="1"/>
+          </p:nvPr>
         </p:nvSpPr>
         <p:spPr>
           <a:xfrm>
-            <a:off x="1485901" y="6284253"/>
-            <a:ext cx="7026332" cy="450655"/>
+            <a:off x="1624921" y="3434988"/>
+            <a:ext cx="5962980" cy="654843"/>
           </a:xfrm>
-          <a:prstGeom prst="rect">
-            <a:avLst/>
-          </a:prstGeom>
         </p:spPr>
         <p:txBody>
-          <a:bodyPr vert="horz" lIns="91440" tIns="45720" rIns="91440" bIns="45720" rtlCol="0">
-            <a:normAutofit fontScale="85000" lnSpcReduction="10000"/>
+          <a:bodyPr>
+            <a:normAutofit fontScale="92500" lnSpcReduction="10000"/>
           </a:bodyPr>
-          <a:lstStyle>
-            <a:lvl1pPr marL="171450" indent="-171450" algn="l" defTabSz="685800" rtl="0" eaLnBrk="1" latinLnBrk="0" hangingPunct="1">
-              <a:lnSpc>
-                <a:spcPct val="90000"/>
-              </a:lnSpc>
-              <a:spcBef>
-                <a:spcPts val="750"/>
-              </a:spcBef>
-              <a:buFont typeface="Arial" panose="020B0604020202020204" pitchFamily="34" charset="0"/>
-              <a:buChar char="•"/>
-              <a:defRPr sz="2100" kern="1200">
-                <a:solidFill>
-                  <a:schemeClr val="tx1"/>
-                </a:solidFill>
-                <a:latin typeface="+mn-lt"/>
-                <a:ea typeface="+mn-ea"/>
-                <a:cs typeface="+mn-cs"/>
-              </a:defRPr>
-            </a:lvl1pPr>
-            <a:lvl2pPr marL="514350" indent="-171450" algn="l" defTabSz="685800" rtl="0" eaLnBrk="1" latinLnBrk="0" hangingPunct="1">
-              <a:lnSpc>
-                <a:spcPct val="90000"/>
-              </a:lnSpc>
-              <a:spcBef>
-                <a:spcPts val="375"/>
-              </a:spcBef>
-              <a:buFont typeface="Arial" panose="020B0604020202020204" pitchFamily="34" charset="0"/>
-              <a:buChar char="•"/>
-              <a:defRPr sz="1800" kern="1200">
-                <a:solidFill>
-                  <a:schemeClr val="tx1"/>
-                </a:solidFill>
-                <a:latin typeface="+mn-lt"/>
-                <a:ea typeface="+mn-ea"/>
-                <a:cs typeface="+mn-cs"/>
-              </a:defRPr>
-            </a:lvl2pPr>
-            <a:lvl3pPr marL="857250" indent="-171450" algn="l" defTabSz="685800" rtl="0" eaLnBrk="1" latinLnBrk="0" hangingPunct="1">
-              <a:lnSpc>
-                <a:spcPct val="90000"/>
-              </a:lnSpc>
-              <a:spcBef>
-                <a:spcPts val="375"/>
-              </a:spcBef>
-              <a:buFont typeface="Arial" panose="020B0604020202020204" pitchFamily="34" charset="0"/>
-              <a:buChar char="•"/>
-              <a:defRPr sz="1500" kern="1200">
-                <a:solidFill>
-                  <a:schemeClr val="tx1"/>
-                </a:solidFill>
-                <a:latin typeface="+mn-lt"/>
-                <a:ea typeface="+mn-ea"/>
-                <a:cs typeface="+mn-cs"/>
-              </a:defRPr>
-            </a:lvl3pPr>
-            <a:lvl4pPr marL="1200150" indent="-171450" algn="l" defTabSz="685800" rtl="0" eaLnBrk="1" latinLnBrk="0" hangingPunct="1">
-              <a:lnSpc>
-                <a:spcPct val="90000"/>
-              </a:lnSpc>
-              <a:spcBef>
-                <a:spcPts val="375"/>
-              </a:spcBef>
-              <a:buFont typeface="Arial" panose="020B0604020202020204" pitchFamily="34" charset="0"/>
-              <a:buChar char="•"/>
-              <a:defRPr sz="1350" kern="1200">
-                <a:solidFill>
-                  <a:schemeClr val="tx1"/>
-                </a:solidFill>
-                <a:latin typeface="+mn-lt"/>
-                <a:ea typeface="+mn-ea"/>
-                <a:cs typeface="+mn-cs"/>
-              </a:defRPr>
-            </a:lvl4pPr>
-            <a:lvl5pPr marL="1543050" indent="-171450" algn="l" defTabSz="685800" rtl="0" eaLnBrk="1" latinLnBrk="0" hangingPunct="1">
-              <a:lnSpc>
-                <a:spcPct val="90000"/>
-              </a:lnSpc>
-              <a:spcBef>
-                <a:spcPts val="375"/>
-              </a:spcBef>
-              <a:buFont typeface="Arial" panose="020B0604020202020204" pitchFamily="34" charset="0"/>
-              <a:buChar char="•"/>
-              <a:defRPr sz="1350" kern="1200">
-                <a:solidFill>
-                  <a:schemeClr val="tx1"/>
-                </a:solidFill>
-                <a:latin typeface="+mn-lt"/>
-                <a:ea typeface="+mn-ea"/>
-                <a:cs typeface="+mn-cs"/>
-              </a:defRPr>
-            </a:lvl5pPr>
-            <a:lvl6pPr marL="1885950" indent="-171450" algn="l" defTabSz="685800" rtl="0" eaLnBrk="1" latinLnBrk="0" hangingPunct="1">
-              <a:lnSpc>
-                <a:spcPct val="90000"/>
-              </a:lnSpc>
-              <a:spcBef>
-                <a:spcPts val="375"/>
-              </a:spcBef>
-              <a:buFont typeface="Arial" panose="020B0604020202020204" pitchFamily="34" charset="0"/>
-              <a:buChar char="•"/>
-              <a:defRPr sz="1350" kern="1200">
-                <a:solidFill>
-                  <a:schemeClr val="tx1"/>
-                </a:solidFill>
-                <a:latin typeface="+mn-lt"/>
-                <a:ea typeface="+mn-ea"/>
-                <a:cs typeface="+mn-cs"/>
-              </a:defRPr>
-            </a:lvl6pPr>
-            <a:lvl7pPr marL="2228850" indent="-171450" algn="l" defTabSz="685800" rtl="0" eaLnBrk="1" latinLnBrk="0" hangingPunct="1">
-              <a:lnSpc>
-                <a:spcPct val="90000"/>
-              </a:lnSpc>
-              <a:spcBef>
-                <a:spcPts val="375"/>
-              </a:spcBef>
-              <a:buFont typeface="Arial" panose="020B0604020202020204" pitchFamily="34" charset="0"/>
-              <a:buChar char="•"/>
-              <a:defRPr sz="1350" kern="1200">
-                <a:solidFill>
-                  <a:schemeClr val="tx1"/>
-                </a:solidFill>
-                <a:latin typeface="+mn-lt"/>
-                <a:ea typeface="+mn-ea"/>
-                <a:cs typeface="+mn-cs"/>
-              </a:defRPr>
-            </a:lvl7pPr>
-            <a:lvl8pPr marL="2571750" indent="-171450" algn="l" defTabSz="685800" rtl="0" eaLnBrk="1" latinLnBrk="0" hangingPunct="1">
-              <a:lnSpc>
-                <a:spcPct val="90000"/>
-              </a:lnSpc>
-              <a:spcBef>
-                <a:spcPts val="375"/>
-              </a:spcBef>
-              <a:buFont typeface="Arial" panose="020B0604020202020204" pitchFamily="34" charset="0"/>
-              <a:buChar char="•"/>
-              <a:defRPr sz="1350" kern="1200">
-                <a:solidFill>
-                  <a:schemeClr val="tx1"/>
-                </a:solidFill>
-                <a:latin typeface="+mn-lt"/>
-                <a:ea typeface="+mn-ea"/>
-                <a:cs typeface="+mn-cs"/>
-              </a:defRPr>
-            </a:lvl8pPr>
-            <a:lvl9pPr marL="2914650" indent="-171450" algn="l" defTabSz="685800" rtl="0" eaLnBrk="1" latinLnBrk="0" hangingPunct="1">
-              <a:lnSpc>
-                <a:spcPct val="90000"/>
-              </a:lnSpc>
-              <a:spcBef>
-                <a:spcPts val="375"/>
-              </a:spcBef>
-              <a:buFont typeface="Arial" panose="020B0604020202020204" pitchFamily="34" charset="0"/>
-              <a:buChar char="•"/>
-              <a:defRPr sz="1350" kern="1200">
-                <a:solidFill>
-                  <a:schemeClr val="tx1"/>
-                </a:solidFill>
-                <a:latin typeface="+mn-lt"/>
-                <a:ea typeface="+mn-ea"/>
-                <a:cs typeface="+mn-cs"/>
-              </a:defRPr>
-            </a:lvl9pPr>
-          </a:lstStyle>
+          <a:lstStyle/>
           <a:p>
             <a:pPr marL="0" indent="0">
-              <a:buFont typeface="Arial" panose="020B0604020202020204" pitchFamily="34" charset="0"/>
               <a:buNone/>
             </a:pPr>
             <a:r>
               <a:rPr lang="en-US" sz="1800" dirty="0"/>
-              <a:t>Explicitly designated fields are often from Java provided types, e.g., int, String, etc.</a:t>
+              <a:t>This arrow means, </a:t>
+            </a:r>
+            <a:r>
+              <a:rPr lang="en-US" sz="1800" b="1" dirty="0"/>
+              <a:t>Team</a:t>
+            </a:r>
+            <a:r>
+              <a:rPr lang="en-US" sz="1800" dirty="0"/>
+              <a:t> </a:t>
+            </a:r>
+            <a:r>
+              <a:rPr lang="en-US" sz="1800" i="1" dirty="0"/>
+              <a:t>has a field</a:t>
+            </a:r>
+            <a:r>
+              <a:rPr lang="en-US" sz="1800" dirty="0"/>
+              <a:t> of type </a:t>
+            </a:r>
+            <a:r>
+              <a:rPr lang="en-US" sz="1800" b="1" dirty="0"/>
+              <a:t>Student</a:t>
+            </a:r>
+          </a:p>
+          <a:p>
+            <a:pPr marL="0" indent="0">
+              <a:buNone/>
+            </a:pPr>
+            <a:r>
+              <a:rPr lang="en-US" sz="1800" dirty="0"/>
+              <a:t>The * says that field stores 0 to many Student objects</a:t>
             </a:r>
           </a:p>
         </p:txBody>
       </p:sp>
       <p:cxnSp>
         <p:nvCxnSpPr>
-          <p:cNvPr id="20" name="Straight Arrow Connector 19">
+          <p:cNvPr id="19" name="Straight Arrow Connector 18">
             <a:extLst>
               <a:ext uri="{FF2B5EF4-FFF2-40B4-BE49-F238E27FC236}">
-                <a16:creationId xmlns:a16="http://schemas.microsoft.com/office/drawing/2014/main" id="{3433B2C1-551D-41FC-B6E6-D88BFC8EED0A}"/>
+                <a16:creationId xmlns:a16="http://schemas.microsoft.com/office/drawing/2014/main" id="{806AB51A-7394-44DD-BE4A-8ACCC155FA6C}"/>
               </a:ext>
             </a:extLst>
           </p:cNvPr>
@@ -6841,9 +6880,9 @@
           <p:nvPr/>
         </p:nvCxnSpPr>
         <p:spPr>
-          <a:xfrm flipH="1" flipV="1">
-            <a:off x="1963361" y="5164245"/>
-            <a:ext cx="2521355" cy="1131047"/>
+          <a:xfrm flipH="1">
+            <a:off x="3524036" y="3975818"/>
+            <a:ext cx="549200" cy="1097280"/>
           </a:xfrm>
           <a:prstGeom prst="straightConnector1">
             <a:avLst/>
@@ -6871,62 +6910,10 @@
           </a:fontRef>
         </p:style>
       </p:cxnSp>
-      <p:sp>
-        <p:nvSpPr>
-          <p:cNvPr id="22" name="Rectangle: Rounded Corners 21">
-            <a:extLst>
-              <a:ext uri="{FF2B5EF4-FFF2-40B4-BE49-F238E27FC236}">
-                <a16:creationId xmlns:a16="http://schemas.microsoft.com/office/drawing/2014/main" id="{CE30C77B-6716-4520-BF1D-0C7C1856F98A}"/>
-              </a:ext>
-            </a:extLst>
-          </p:cNvPr>
-          <p:cNvSpPr/>
-          <p:nvPr/>
-        </p:nvSpPr>
-        <p:spPr>
-          <a:xfrm>
-            <a:off x="518507" y="4689544"/>
-            <a:ext cx="1490574" cy="449488"/>
-          </a:xfrm>
-          <a:prstGeom prst="roundRect">
-            <a:avLst/>
-          </a:prstGeom>
-          <a:noFill/>
-          <a:ln>
-            <a:solidFill>
-              <a:srgbClr val="FF0000"/>
-            </a:solidFill>
-          </a:ln>
-        </p:spPr>
-        <p:style>
-          <a:lnRef idx="2">
-            <a:schemeClr val="accent1">
-              <a:shade val="50000"/>
-            </a:schemeClr>
-          </a:lnRef>
-          <a:fillRef idx="1">
-            <a:schemeClr val="accent1"/>
-          </a:fillRef>
-          <a:effectRef idx="0">
-            <a:schemeClr val="accent1"/>
-          </a:effectRef>
-          <a:fontRef idx="minor">
-            <a:schemeClr val="lt1"/>
-          </a:fontRef>
-        </p:style>
-        <p:txBody>
-          <a:bodyPr rtlCol="0" anchor="ctr"/>
-          <a:lstStyle/>
-          <a:p>
-            <a:pPr algn="ctr"/>
-            <a:endParaRPr lang="en-US"/>
-          </a:p>
-        </p:txBody>
-      </p:sp>
     </p:spTree>
     <p:extLst>
       <p:ext uri="{BB962C8B-B14F-4D97-AF65-F5344CB8AC3E}">
-        <p14:creationId xmlns:p14="http://schemas.microsoft.com/office/powerpoint/2010/main" val="4035957331"/>
+        <p14:creationId xmlns:p14="http://schemas.microsoft.com/office/powerpoint/2010/main" val="1872861226"/>
       </p:ext>
     </p:extLst>
   </p:cSld>
@@ -7636,6 +7623,1017 @@
       </p:sp>
       <p:sp>
         <p:nvSpPr>
+          <p:cNvPr id="18" name="Content Placeholder 2">
+            <a:extLst>
+              <a:ext uri="{FF2B5EF4-FFF2-40B4-BE49-F238E27FC236}">
+                <a16:creationId xmlns:a16="http://schemas.microsoft.com/office/drawing/2014/main" id="{6AA63A03-4846-40E4-8297-93C3AA37C19F}"/>
+              </a:ext>
+            </a:extLst>
+          </p:cNvPr>
+          <p:cNvSpPr txBox="1">
+            <a:spLocks/>
+          </p:cNvSpPr>
+          <p:nvPr/>
+        </p:nvSpPr>
+        <p:spPr>
+          <a:xfrm>
+            <a:off x="1485901" y="6284253"/>
+            <a:ext cx="7026332" cy="450655"/>
+          </a:xfrm>
+          <a:prstGeom prst="rect">
+            <a:avLst/>
+          </a:prstGeom>
+        </p:spPr>
+        <p:txBody>
+          <a:bodyPr vert="horz" lIns="91440" tIns="45720" rIns="91440" bIns="45720" rtlCol="0">
+            <a:normAutofit fontScale="85000" lnSpcReduction="10000"/>
+          </a:bodyPr>
+          <a:lstStyle>
+            <a:lvl1pPr marL="171450" indent="-171450" algn="l" defTabSz="685800" rtl="0" eaLnBrk="1" latinLnBrk="0" hangingPunct="1">
+              <a:lnSpc>
+                <a:spcPct val="90000"/>
+              </a:lnSpc>
+              <a:spcBef>
+                <a:spcPts val="750"/>
+              </a:spcBef>
+              <a:buFont typeface="Arial" panose="020B0604020202020204" pitchFamily="34" charset="0"/>
+              <a:buChar char="•"/>
+              <a:defRPr sz="2100" kern="1200">
+                <a:solidFill>
+                  <a:schemeClr val="tx1"/>
+                </a:solidFill>
+                <a:latin typeface="+mn-lt"/>
+                <a:ea typeface="+mn-ea"/>
+                <a:cs typeface="+mn-cs"/>
+              </a:defRPr>
+            </a:lvl1pPr>
+            <a:lvl2pPr marL="514350" indent="-171450" algn="l" defTabSz="685800" rtl="0" eaLnBrk="1" latinLnBrk="0" hangingPunct="1">
+              <a:lnSpc>
+                <a:spcPct val="90000"/>
+              </a:lnSpc>
+              <a:spcBef>
+                <a:spcPts val="375"/>
+              </a:spcBef>
+              <a:buFont typeface="Arial" panose="020B0604020202020204" pitchFamily="34" charset="0"/>
+              <a:buChar char="•"/>
+              <a:defRPr sz="1800" kern="1200">
+                <a:solidFill>
+                  <a:schemeClr val="tx1"/>
+                </a:solidFill>
+                <a:latin typeface="+mn-lt"/>
+                <a:ea typeface="+mn-ea"/>
+                <a:cs typeface="+mn-cs"/>
+              </a:defRPr>
+            </a:lvl2pPr>
+            <a:lvl3pPr marL="857250" indent="-171450" algn="l" defTabSz="685800" rtl="0" eaLnBrk="1" latinLnBrk="0" hangingPunct="1">
+              <a:lnSpc>
+                <a:spcPct val="90000"/>
+              </a:lnSpc>
+              <a:spcBef>
+                <a:spcPts val="375"/>
+              </a:spcBef>
+              <a:buFont typeface="Arial" panose="020B0604020202020204" pitchFamily="34" charset="0"/>
+              <a:buChar char="•"/>
+              <a:defRPr sz="1500" kern="1200">
+                <a:solidFill>
+                  <a:schemeClr val="tx1"/>
+                </a:solidFill>
+                <a:latin typeface="+mn-lt"/>
+                <a:ea typeface="+mn-ea"/>
+                <a:cs typeface="+mn-cs"/>
+              </a:defRPr>
+            </a:lvl3pPr>
+            <a:lvl4pPr marL="1200150" indent="-171450" algn="l" defTabSz="685800" rtl="0" eaLnBrk="1" latinLnBrk="0" hangingPunct="1">
+              <a:lnSpc>
+                <a:spcPct val="90000"/>
+              </a:lnSpc>
+              <a:spcBef>
+                <a:spcPts val="375"/>
+              </a:spcBef>
+              <a:buFont typeface="Arial" panose="020B0604020202020204" pitchFamily="34" charset="0"/>
+              <a:buChar char="•"/>
+              <a:defRPr sz="1350" kern="1200">
+                <a:solidFill>
+                  <a:schemeClr val="tx1"/>
+                </a:solidFill>
+                <a:latin typeface="+mn-lt"/>
+                <a:ea typeface="+mn-ea"/>
+                <a:cs typeface="+mn-cs"/>
+              </a:defRPr>
+            </a:lvl4pPr>
+            <a:lvl5pPr marL="1543050" indent="-171450" algn="l" defTabSz="685800" rtl="0" eaLnBrk="1" latinLnBrk="0" hangingPunct="1">
+              <a:lnSpc>
+                <a:spcPct val="90000"/>
+              </a:lnSpc>
+              <a:spcBef>
+                <a:spcPts val="375"/>
+              </a:spcBef>
+              <a:buFont typeface="Arial" panose="020B0604020202020204" pitchFamily="34" charset="0"/>
+              <a:buChar char="•"/>
+              <a:defRPr sz="1350" kern="1200">
+                <a:solidFill>
+                  <a:schemeClr val="tx1"/>
+                </a:solidFill>
+                <a:latin typeface="+mn-lt"/>
+                <a:ea typeface="+mn-ea"/>
+                <a:cs typeface="+mn-cs"/>
+              </a:defRPr>
+            </a:lvl5pPr>
+            <a:lvl6pPr marL="1885950" indent="-171450" algn="l" defTabSz="685800" rtl="0" eaLnBrk="1" latinLnBrk="0" hangingPunct="1">
+              <a:lnSpc>
+                <a:spcPct val="90000"/>
+              </a:lnSpc>
+              <a:spcBef>
+                <a:spcPts val="375"/>
+              </a:spcBef>
+              <a:buFont typeface="Arial" panose="020B0604020202020204" pitchFamily="34" charset="0"/>
+              <a:buChar char="•"/>
+              <a:defRPr sz="1350" kern="1200">
+                <a:solidFill>
+                  <a:schemeClr val="tx1"/>
+                </a:solidFill>
+                <a:latin typeface="+mn-lt"/>
+                <a:ea typeface="+mn-ea"/>
+                <a:cs typeface="+mn-cs"/>
+              </a:defRPr>
+            </a:lvl6pPr>
+            <a:lvl7pPr marL="2228850" indent="-171450" algn="l" defTabSz="685800" rtl="0" eaLnBrk="1" latinLnBrk="0" hangingPunct="1">
+              <a:lnSpc>
+                <a:spcPct val="90000"/>
+              </a:lnSpc>
+              <a:spcBef>
+                <a:spcPts val="375"/>
+              </a:spcBef>
+              <a:buFont typeface="Arial" panose="020B0604020202020204" pitchFamily="34" charset="0"/>
+              <a:buChar char="•"/>
+              <a:defRPr sz="1350" kern="1200">
+                <a:solidFill>
+                  <a:schemeClr val="tx1"/>
+                </a:solidFill>
+                <a:latin typeface="+mn-lt"/>
+                <a:ea typeface="+mn-ea"/>
+                <a:cs typeface="+mn-cs"/>
+              </a:defRPr>
+            </a:lvl7pPr>
+            <a:lvl8pPr marL="2571750" indent="-171450" algn="l" defTabSz="685800" rtl="0" eaLnBrk="1" latinLnBrk="0" hangingPunct="1">
+              <a:lnSpc>
+                <a:spcPct val="90000"/>
+              </a:lnSpc>
+              <a:spcBef>
+                <a:spcPts val="375"/>
+              </a:spcBef>
+              <a:buFont typeface="Arial" panose="020B0604020202020204" pitchFamily="34" charset="0"/>
+              <a:buChar char="•"/>
+              <a:defRPr sz="1350" kern="1200">
+                <a:solidFill>
+                  <a:schemeClr val="tx1"/>
+                </a:solidFill>
+                <a:latin typeface="+mn-lt"/>
+                <a:ea typeface="+mn-ea"/>
+                <a:cs typeface="+mn-cs"/>
+              </a:defRPr>
+            </a:lvl8pPr>
+            <a:lvl9pPr marL="2914650" indent="-171450" algn="l" defTabSz="685800" rtl="0" eaLnBrk="1" latinLnBrk="0" hangingPunct="1">
+              <a:lnSpc>
+                <a:spcPct val="90000"/>
+              </a:lnSpc>
+              <a:spcBef>
+                <a:spcPts val="375"/>
+              </a:spcBef>
+              <a:buFont typeface="Arial" panose="020B0604020202020204" pitchFamily="34" charset="0"/>
+              <a:buChar char="•"/>
+              <a:defRPr sz="1350" kern="1200">
+                <a:solidFill>
+                  <a:schemeClr val="tx1"/>
+                </a:solidFill>
+                <a:latin typeface="+mn-lt"/>
+                <a:ea typeface="+mn-ea"/>
+                <a:cs typeface="+mn-cs"/>
+              </a:defRPr>
+            </a:lvl9pPr>
+          </a:lstStyle>
+          <a:p>
+            <a:pPr marL="0" indent="0">
+              <a:buFont typeface="Arial" panose="020B0604020202020204" pitchFamily="34" charset="0"/>
+              <a:buNone/>
+            </a:pPr>
+            <a:r>
+              <a:rPr lang="en-US" sz="1800" dirty="0"/>
+              <a:t>Explicitly designated fields are often from Java provided types, e.g., int, String, etc.</a:t>
+            </a:r>
+          </a:p>
+        </p:txBody>
+      </p:sp>
+      <p:cxnSp>
+        <p:nvCxnSpPr>
+          <p:cNvPr id="20" name="Straight Arrow Connector 19">
+            <a:extLst>
+              <a:ext uri="{FF2B5EF4-FFF2-40B4-BE49-F238E27FC236}">
+                <a16:creationId xmlns:a16="http://schemas.microsoft.com/office/drawing/2014/main" id="{3433B2C1-551D-41FC-B6E6-D88BFC8EED0A}"/>
+              </a:ext>
+            </a:extLst>
+          </p:cNvPr>
+          <p:cNvCxnSpPr>
+            <a:cxnSpLocks/>
+          </p:cNvCxnSpPr>
+          <p:nvPr/>
+        </p:nvCxnSpPr>
+        <p:spPr>
+          <a:xfrm flipH="1" flipV="1">
+            <a:off x="1963361" y="5164245"/>
+            <a:ext cx="2521355" cy="1131047"/>
+          </a:xfrm>
+          <a:prstGeom prst="straightConnector1">
+            <a:avLst/>
+          </a:prstGeom>
+          <a:ln>
+            <a:solidFill>
+              <a:srgbClr val="FF0000"/>
+            </a:solidFill>
+            <a:headEnd w="lg" len="lg"/>
+            <a:tailEnd type="arrow" w="lg" len="lg"/>
+          </a:ln>
+        </p:spPr>
+        <p:style>
+          <a:lnRef idx="3">
+            <a:schemeClr val="accent1"/>
+          </a:lnRef>
+          <a:fillRef idx="0">
+            <a:schemeClr val="accent1"/>
+          </a:fillRef>
+          <a:effectRef idx="2">
+            <a:schemeClr val="accent1"/>
+          </a:effectRef>
+          <a:fontRef idx="minor">
+            <a:schemeClr val="tx1"/>
+          </a:fontRef>
+        </p:style>
+      </p:cxnSp>
+      <p:sp>
+        <p:nvSpPr>
+          <p:cNvPr id="22" name="Rectangle: Rounded Corners 21">
+            <a:extLst>
+              <a:ext uri="{FF2B5EF4-FFF2-40B4-BE49-F238E27FC236}">
+                <a16:creationId xmlns:a16="http://schemas.microsoft.com/office/drawing/2014/main" id="{CE30C77B-6716-4520-BF1D-0C7C1856F98A}"/>
+              </a:ext>
+            </a:extLst>
+          </p:cNvPr>
+          <p:cNvSpPr/>
+          <p:nvPr/>
+        </p:nvSpPr>
+        <p:spPr>
+          <a:xfrm>
+            <a:off x="518507" y="4689544"/>
+            <a:ext cx="1490574" cy="449488"/>
+          </a:xfrm>
+          <a:prstGeom prst="roundRect">
+            <a:avLst/>
+          </a:prstGeom>
+          <a:noFill/>
+          <a:ln>
+            <a:solidFill>
+              <a:srgbClr val="FF0000"/>
+            </a:solidFill>
+          </a:ln>
+        </p:spPr>
+        <p:style>
+          <a:lnRef idx="2">
+            <a:schemeClr val="accent1">
+              <a:shade val="50000"/>
+            </a:schemeClr>
+          </a:lnRef>
+          <a:fillRef idx="1">
+            <a:schemeClr val="accent1"/>
+          </a:fillRef>
+          <a:effectRef idx="0">
+            <a:schemeClr val="accent1"/>
+          </a:effectRef>
+          <a:fontRef idx="minor">
+            <a:schemeClr val="lt1"/>
+          </a:fontRef>
+        </p:style>
+        <p:txBody>
+          <a:bodyPr rtlCol="0" anchor="ctr"/>
+          <a:lstStyle/>
+          <a:p>
+            <a:pPr algn="ctr"/>
+            <a:endParaRPr lang="en-US"/>
+          </a:p>
+        </p:txBody>
+      </p:sp>
+    </p:spTree>
+    <p:extLst>
+      <p:ext uri="{BB962C8B-B14F-4D97-AF65-F5344CB8AC3E}">
+        <p14:creationId xmlns:p14="http://schemas.microsoft.com/office/powerpoint/2010/main" val="4035957331"/>
+      </p:ext>
+    </p:extLst>
+  </p:cSld>
+  <p:clrMapOvr>
+    <a:masterClrMapping/>
+  </p:clrMapOvr>
+</p:sld>
+</file>
+
+<file path=ppt/slides/slide12.xml><?xml version="1.0" encoding="utf-8"?>
+<p:sld xmlns:a="http://schemas.openxmlformats.org/drawingml/2006/main" xmlns:r="http://schemas.openxmlformats.org/officeDocument/2006/relationships" xmlns:p="http://schemas.openxmlformats.org/presentationml/2006/main">
+  <p:cSld>
+    <p:spTree>
+      <p:nvGrpSpPr>
+        <p:cNvPr id="1" name=""/>
+        <p:cNvGrpSpPr/>
+        <p:nvPr/>
+      </p:nvGrpSpPr>
+      <p:grpSpPr>
+        <a:xfrm>
+          <a:off x="0" y="0"/>
+          <a:ext cx="0" cy="0"/>
+          <a:chOff x="0" y="0"/>
+          <a:chExt cx="0" cy="0"/>
+        </a:xfrm>
+      </p:grpSpPr>
+      <p:sp>
+        <p:nvSpPr>
+          <p:cNvPr id="3" name="Title 2"/>
+          <p:cNvSpPr>
+            <a:spLocks noGrp="1"/>
+          </p:cNvSpPr>
+          <p:nvPr>
+            <p:ph type="title"/>
+          </p:nvPr>
+        </p:nvSpPr>
+        <p:spPr>
+          <a:xfrm>
+            <a:off x="628650" y="365127"/>
+            <a:ext cx="7886700" cy="551526"/>
+          </a:xfrm>
+        </p:spPr>
+        <p:txBody>
+          <a:bodyPr>
+            <a:normAutofit/>
+          </a:bodyPr>
+          <a:lstStyle/>
+          <a:p>
+            <a:r>
+              <a:rPr lang="en-US" dirty="0"/>
+              <a:t>Arrows – to illustrate relationships</a:t>
+            </a:r>
+          </a:p>
+        </p:txBody>
+      </p:sp>
+      <p:graphicFrame>
+        <p:nvGraphicFramePr>
+          <p:cNvPr id="4" name="Table 3"/>
+          <p:cNvGraphicFramePr>
+            <a:graphicFrameLocks noGrp="1"/>
+          </p:cNvGraphicFramePr>
+          <p:nvPr/>
+        </p:nvGraphicFramePr>
+        <p:xfrm>
+          <a:off x="457200" y="4173450"/>
+          <a:ext cx="2701636" cy="1905231"/>
+        </p:xfrm>
+        <a:graphic>
+          <a:graphicData uri="http://schemas.openxmlformats.org/drawingml/2006/table">
+            <a:tbl>
+              <a:tblPr firstRow="1" bandRow="1">
+                <a:tableStyleId>{5940675A-B579-460E-94D1-54222C63F5DA}</a:tableStyleId>
+              </a:tblPr>
+              <a:tblGrid>
+                <a:gridCol w="2701636">
+                  <a:extLst>
+                    <a:ext uri="{9D8B030D-6E8A-4147-A177-3AD203B41FA5}">
+                      <a16:colId xmlns:a16="http://schemas.microsoft.com/office/drawing/2014/main" val="2834069857"/>
+                    </a:ext>
+                  </a:extLst>
+                </a:gridCol>
+              </a:tblGrid>
+              <a:tr h="481677">
+                <a:tc>
+                  <a:txBody>
+                    <a:bodyPr/>
+                    <a:lstStyle/>
+                    <a:p>
+                      <a:r>
+                        <a:rPr lang="en-US" dirty="0"/>
+                        <a:t>Team</a:t>
+                      </a:r>
+                    </a:p>
+                  </a:txBody>
+                  <a:tcPr/>
+                </a:tc>
+                <a:extLst>
+                  <a:ext uri="{0D108BD9-81ED-4DB2-BD59-A6C34878D82A}">
+                    <a16:rowId xmlns:a16="http://schemas.microsoft.com/office/drawing/2014/main" val="3088865900"/>
+                  </a:ext>
+                </a:extLst>
+              </a:tr>
+              <a:tr h="498763">
+                <a:tc>
+                  <a:txBody>
+                    <a:bodyPr/>
+                    <a:lstStyle/>
+                    <a:p>
+                      <a:r>
+                        <a:rPr lang="en-US" dirty="0" err="1"/>
+                        <a:t>teamAverage</a:t>
+                      </a:r>
+                      <a:endParaRPr lang="en-US" dirty="0"/>
+                    </a:p>
+                    <a:p>
+                      <a:r>
+                        <a:rPr lang="en-US" dirty="0"/>
+                        <a:t>name</a:t>
+                      </a:r>
+                    </a:p>
+                    <a:p>
+                      <a:r>
+                        <a:rPr lang="en-US" dirty="0"/>
+                        <a:t>students</a:t>
+                      </a:r>
+                    </a:p>
+                  </a:txBody>
+                  <a:tcPr/>
+                </a:tc>
+                <a:extLst>
+                  <a:ext uri="{0D108BD9-81ED-4DB2-BD59-A6C34878D82A}">
+                    <a16:rowId xmlns:a16="http://schemas.microsoft.com/office/drawing/2014/main" val="4051349719"/>
+                  </a:ext>
+                </a:extLst>
+              </a:tr>
+              <a:tr h="714894">
+                <a:tc>
+                  <a:txBody>
+                    <a:bodyPr/>
+                    <a:lstStyle/>
+                    <a:p>
+                      <a:r>
+                        <a:rPr lang="en-US" dirty="0" err="1"/>
+                        <a:t>addGrade</a:t>
+                      </a:r>
+                      <a:r>
+                        <a:rPr lang="en-US" dirty="0"/>
+                        <a:t>(grade)</a:t>
+                      </a:r>
+                    </a:p>
+                    <a:p>
+                      <a:r>
+                        <a:rPr lang="en-US" dirty="0" err="1"/>
+                        <a:t>getTeamAverage</a:t>
+                      </a:r>
+                      <a:r>
+                        <a:rPr lang="en-US" dirty="0"/>
+                        <a:t>()</a:t>
+                      </a:r>
+                    </a:p>
+                    <a:p>
+                      <a:endParaRPr lang="en-US" dirty="0"/>
+                    </a:p>
+                  </a:txBody>
+                  <a:tcPr/>
+                </a:tc>
+                <a:extLst>
+                  <a:ext uri="{0D108BD9-81ED-4DB2-BD59-A6C34878D82A}">
+                    <a16:rowId xmlns:a16="http://schemas.microsoft.com/office/drawing/2014/main" val="1112117699"/>
+                  </a:ext>
+                </a:extLst>
+              </a:tr>
+            </a:tbl>
+          </a:graphicData>
+        </a:graphic>
+      </p:graphicFrame>
+      <p:graphicFrame>
+        <p:nvGraphicFramePr>
+          <p:cNvPr id="5" name="Table 4"/>
+          <p:cNvGraphicFramePr>
+            <a:graphicFrameLocks noGrp="1"/>
+          </p:cNvGraphicFramePr>
+          <p:nvPr/>
+        </p:nvGraphicFramePr>
+        <p:xfrm>
+          <a:off x="4982096" y="4410362"/>
+          <a:ext cx="2701636" cy="1699491"/>
+        </p:xfrm>
+        <a:graphic>
+          <a:graphicData uri="http://schemas.openxmlformats.org/drawingml/2006/table">
+            <a:tbl>
+              <a:tblPr firstRow="1" bandRow="1">
+                <a:tableStyleId>{5940675A-B579-460E-94D1-54222C63F5DA}</a:tableStyleId>
+              </a:tblPr>
+              <a:tblGrid>
+                <a:gridCol w="2701636">
+                  <a:extLst>
+                    <a:ext uri="{9D8B030D-6E8A-4147-A177-3AD203B41FA5}">
+                      <a16:colId xmlns:a16="http://schemas.microsoft.com/office/drawing/2014/main" val="2834069857"/>
+                    </a:ext>
+                  </a:extLst>
+                </a:gridCol>
+              </a:tblGrid>
+              <a:tr h="481677">
+                <a:tc>
+                  <a:txBody>
+                    <a:bodyPr/>
+                    <a:lstStyle/>
+                    <a:p>
+                      <a:r>
+                        <a:rPr lang="en-US" dirty="0"/>
+                        <a:t>Student</a:t>
+                      </a:r>
+                    </a:p>
+                  </a:txBody>
+                  <a:tcPr/>
+                </a:tc>
+                <a:extLst>
+                  <a:ext uri="{0D108BD9-81ED-4DB2-BD59-A6C34878D82A}">
+                    <a16:rowId xmlns:a16="http://schemas.microsoft.com/office/drawing/2014/main" val="3088865900"/>
+                  </a:ext>
+                </a:extLst>
+              </a:tr>
+              <a:tr h="498763">
+                <a:tc>
+                  <a:txBody>
+                    <a:bodyPr/>
+                    <a:lstStyle/>
+                    <a:p>
+                      <a:r>
+                        <a:rPr lang="en-US" dirty="0"/>
+                        <a:t>grades</a:t>
+                      </a:r>
+                    </a:p>
+                    <a:p>
+                      <a:r>
+                        <a:rPr lang="en-US" dirty="0"/>
+                        <a:t>name</a:t>
+                      </a:r>
+                    </a:p>
+                  </a:txBody>
+                  <a:tcPr/>
+                </a:tc>
+                <a:extLst>
+                  <a:ext uri="{0D108BD9-81ED-4DB2-BD59-A6C34878D82A}">
+                    <a16:rowId xmlns:a16="http://schemas.microsoft.com/office/drawing/2014/main" val="4051349719"/>
+                  </a:ext>
+                </a:extLst>
+              </a:tr>
+              <a:tr h="714894">
+                <a:tc>
+                  <a:txBody>
+                    <a:bodyPr/>
+                    <a:lstStyle/>
+                    <a:p>
+                      <a:r>
+                        <a:rPr lang="en-US" dirty="0" err="1"/>
+                        <a:t>addGrade</a:t>
+                      </a:r>
+                      <a:r>
+                        <a:rPr lang="en-US" dirty="0"/>
+                        <a:t>(grade)</a:t>
+                      </a:r>
+                    </a:p>
+                    <a:p>
+                      <a:endParaRPr lang="en-US" dirty="0"/>
+                    </a:p>
+                  </a:txBody>
+                  <a:tcPr/>
+                </a:tc>
+                <a:extLst>
+                  <a:ext uri="{0D108BD9-81ED-4DB2-BD59-A6C34878D82A}">
+                    <a16:rowId xmlns:a16="http://schemas.microsoft.com/office/drawing/2014/main" val="1112117699"/>
+                  </a:ext>
+                </a:extLst>
+              </a:tr>
+            </a:tbl>
+          </a:graphicData>
+        </a:graphic>
+      </p:graphicFrame>
+      <p:graphicFrame>
+        <p:nvGraphicFramePr>
+          <p:cNvPr id="6" name="Table 5"/>
+          <p:cNvGraphicFramePr>
+            <a:graphicFrameLocks noGrp="1"/>
+          </p:cNvGraphicFramePr>
+          <p:nvPr/>
+        </p:nvGraphicFramePr>
+        <p:xfrm>
+          <a:off x="457200" y="1733521"/>
+          <a:ext cx="2701636" cy="1192559"/>
+        </p:xfrm>
+        <a:graphic>
+          <a:graphicData uri="http://schemas.openxmlformats.org/drawingml/2006/table">
+            <a:tbl>
+              <a:tblPr firstRow="1" bandRow="1">
+                <a:tableStyleId>{5940675A-B579-460E-94D1-54222C63F5DA}</a:tableStyleId>
+              </a:tblPr>
+              <a:tblGrid>
+                <a:gridCol w="2701636">
+                  <a:extLst>
+                    <a:ext uri="{9D8B030D-6E8A-4147-A177-3AD203B41FA5}">
+                      <a16:colId xmlns:a16="http://schemas.microsoft.com/office/drawing/2014/main" val="2834069857"/>
+                    </a:ext>
+                  </a:extLst>
+                </a:gridCol>
+              </a:tblGrid>
+              <a:tr h="324648">
+                <a:tc>
+                  <a:txBody>
+                    <a:bodyPr/>
+                    <a:lstStyle/>
+                    <a:p>
+                      <a:r>
+                        <a:rPr lang="en-US" dirty="0"/>
+                        <a:t>A</a:t>
+                      </a:r>
+                    </a:p>
+                  </a:txBody>
+                  <a:tcPr/>
+                </a:tc>
+                <a:extLst>
+                  <a:ext uri="{0D108BD9-81ED-4DB2-BD59-A6C34878D82A}">
+                    <a16:rowId xmlns:a16="http://schemas.microsoft.com/office/drawing/2014/main" val="3088865900"/>
+                  </a:ext>
+                </a:extLst>
+              </a:tr>
+              <a:tr h="336164">
+                <a:tc>
+                  <a:txBody>
+                    <a:bodyPr/>
+                    <a:lstStyle/>
+                    <a:p>
+                      <a:r>
+                        <a:rPr lang="en-US" dirty="0"/>
+                        <a:t>Field names</a:t>
+                      </a:r>
+                    </a:p>
+                  </a:txBody>
+                  <a:tcPr/>
+                </a:tc>
+                <a:extLst>
+                  <a:ext uri="{0D108BD9-81ED-4DB2-BD59-A6C34878D82A}">
+                    <a16:rowId xmlns:a16="http://schemas.microsoft.com/office/drawing/2014/main" val="4051349719"/>
+                  </a:ext>
+                </a:extLst>
+              </a:tr>
+              <a:tr h="531747">
+                <a:tc>
+                  <a:txBody>
+                    <a:bodyPr/>
+                    <a:lstStyle/>
+                    <a:p>
+                      <a:r>
+                        <a:rPr lang="en-US" dirty="0"/>
+                        <a:t>Method names</a:t>
+                      </a:r>
+                    </a:p>
+                    <a:p>
+                      <a:endParaRPr lang="en-US" dirty="0"/>
+                    </a:p>
+                  </a:txBody>
+                  <a:tcPr/>
+                </a:tc>
+                <a:extLst>
+                  <a:ext uri="{0D108BD9-81ED-4DB2-BD59-A6C34878D82A}">
+                    <a16:rowId xmlns:a16="http://schemas.microsoft.com/office/drawing/2014/main" val="1112117699"/>
+                  </a:ext>
+                </a:extLst>
+              </a:tr>
+            </a:tbl>
+          </a:graphicData>
+        </a:graphic>
+      </p:graphicFrame>
+      <p:sp>
+        <p:nvSpPr>
+          <p:cNvPr id="7" name="TextBox 6"/>
+          <p:cNvSpPr txBox="1"/>
+          <p:nvPr/>
+        </p:nvSpPr>
+        <p:spPr>
+          <a:xfrm>
+            <a:off x="1041863" y="916653"/>
+            <a:ext cx="5685905" cy="584775"/>
+          </a:xfrm>
+          <a:prstGeom prst="rect">
+            <a:avLst/>
+          </a:prstGeom>
+          <a:noFill/>
+        </p:spPr>
+        <p:txBody>
+          <a:bodyPr wrap="square" rtlCol="0">
+            <a:spAutoFit/>
+          </a:bodyPr>
+          <a:lstStyle/>
+          <a:p>
+            <a:r>
+              <a:rPr lang="en-US" sz="3200" dirty="0"/>
+              <a:t>A has a B (field)</a:t>
+            </a:r>
+          </a:p>
+        </p:txBody>
+      </p:sp>
+      <p:cxnSp>
+        <p:nvCxnSpPr>
+          <p:cNvPr id="9" name="Straight Connector 8"/>
+          <p:cNvCxnSpPr/>
+          <p:nvPr/>
+        </p:nvCxnSpPr>
+        <p:spPr>
+          <a:xfrm flipV="1">
+            <a:off x="457200" y="3325091"/>
+            <a:ext cx="8055033" cy="33251"/>
+          </a:xfrm>
+          <a:prstGeom prst="line">
+            <a:avLst/>
+          </a:prstGeom>
+        </p:spPr>
+        <p:style>
+          <a:lnRef idx="1">
+            <a:schemeClr val="accent1"/>
+          </a:lnRef>
+          <a:fillRef idx="0">
+            <a:schemeClr val="accent1"/>
+          </a:fillRef>
+          <a:effectRef idx="0">
+            <a:schemeClr val="accent1"/>
+          </a:effectRef>
+          <a:fontRef idx="minor">
+            <a:schemeClr val="tx1"/>
+          </a:fontRef>
+        </p:style>
+      </p:cxnSp>
+      <p:sp>
+        <p:nvSpPr>
+          <p:cNvPr id="10" name="TextBox 9"/>
+          <p:cNvSpPr txBox="1"/>
+          <p:nvPr/>
+        </p:nvSpPr>
+        <p:spPr>
+          <a:xfrm>
+            <a:off x="457200" y="3421004"/>
+            <a:ext cx="3158836" cy="369332"/>
+          </a:xfrm>
+          <a:prstGeom prst="rect">
+            <a:avLst/>
+          </a:prstGeom>
+          <a:noFill/>
+        </p:spPr>
+        <p:txBody>
+          <a:bodyPr wrap="square" rtlCol="0">
+            <a:spAutoFit/>
+          </a:bodyPr>
+          <a:lstStyle/>
+          <a:p>
+            <a:r>
+              <a:rPr lang="en-US" b="1" dirty="0"/>
+              <a:t>Example</a:t>
+            </a:r>
+          </a:p>
+        </p:txBody>
+      </p:sp>
+      <p:graphicFrame>
+        <p:nvGraphicFramePr>
+          <p:cNvPr id="11" name="Table 10"/>
+          <p:cNvGraphicFramePr>
+            <a:graphicFrameLocks noGrp="1"/>
+          </p:cNvGraphicFramePr>
+          <p:nvPr/>
+        </p:nvGraphicFramePr>
+        <p:xfrm>
+          <a:off x="4865717" y="1733521"/>
+          <a:ext cx="2701636" cy="1192559"/>
+        </p:xfrm>
+        <a:graphic>
+          <a:graphicData uri="http://schemas.openxmlformats.org/drawingml/2006/table">
+            <a:tbl>
+              <a:tblPr firstRow="1" bandRow="1">
+                <a:tableStyleId>{5940675A-B579-460E-94D1-54222C63F5DA}</a:tableStyleId>
+              </a:tblPr>
+              <a:tblGrid>
+                <a:gridCol w="2701636">
+                  <a:extLst>
+                    <a:ext uri="{9D8B030D-6E8A-4147-A177-3AD203B41FA5}">
+                      <a16:colId xmlns:a16="http://schemas.microsoft.com/office/drawing/2014/main" val="2834069857"/>
+                    </a:ext>
+                  </a:extLst>
+                </a:gridCol>
+              </a:tblGrid>
+              <a:tr h="324648">
+                <a:tc>
+                  <a:txBody>
+                    <a:bodyPr/>
+                    <a:lstStyle/>
+                    <a:p>
+                      <a:r>
+                        <a:rPr lang="en-US" dirty="0"/>
+                        <a:t>B</a:t>
+                      </a:r>
+                    </a:p>
+                  </a:txBody>
+                  <a:tcPr/>
+                </a:tc>
+                <a:extLst>
+                  <a:ext uri="{0D108BD9-81ED-4DB2-BD59-A6C34878D82A}">
+                    <a16:rowId xmlns:a16="http://schemas.microsoft.com/office/drawing/2014/main" val="3088865900"/>
+                  </a:ext>
+                </a:extLst>
+              </a:tr>
+              <a:tr h="336164">
+                <a:tc>
+                  <a:txBody>
+                    <a:bodyPr/>
+                    <a:lstStyle/>
+                    <a:p>
+                      <a:r>
+                        <a:rPr lang="en-US" dirty="0"/>
+                        <a:t>Field names</a:t>
+                      </a:r>
+                    </a:p>
+                  </a:txBody>
+                  <a:tcPr/>
+                </a:tc>
+                <a:extLst>
+                  <a:ext uri="{0D108BD9-81ED-4DB2-BD59-A6C34878D82A}">
+                    <a16:rowId xmlns:a16="http://schemas.microsoft.com/office/drawing/2014/main" val="4051349719"/>
+                  </a:ext>
+                </a:extLst>
+              </a:tr>
+              <a:tr h="531747">
+                <a:tc>
+                  <a:txBody>
+                    <a:bodyPr/>
+                    <a:lstStyle/>
+                    <a:p>
+                      <a:r>
+                        <a:rPr lang="en-US" dirty="0"/>
+                        <a:t>Method names</a:t>
+                      </a:r>
+                    </a:p>
+                    <a:p>
+                      <a:endParaRPr lang="en-US" dirty="0"/>
+                    </a:p>
+                  </a:txBody>
+                  <a:tcPr/>
+                </a:tc>
+                <a:extLst>
+                  <a:ext uri="{0D108BD9-81ED-4DB2-BD59-A6C34878D82A}">
+                    <a16:rowId xmlns:a16="http://schemas.microsoft.com/office/drawing/2014/main" val="1112117699"/>
+                  </a:ext>
+                </a:extLst>
+              </a:tr>
+            </a:tbl>
+          </a:graphicData>
+        </a:graphic>
+      </p:graphicFrame>
+      <p:cxnSp>
+        <p:nvCxnSpPr>
+          <p:cNvPr id="8" name="Straight Arrow Connector 7"/>
+          <p:cNvCxnSpPr>
+            <a:endCxn id="11" idx="1"/>
+          </p:cNvCxnSpPr>
+          <p:nvPr/>
+        </p:nvCxnSpPr>
+        <p:spPr>
+          <a:xfrm flipV="1">
+            <a:off x="3158836" y="2329800"/>
+            <a:ext cx="1706881" cy="89521"/>
+          </a:xfrm>
+          <a:prstGeom prst="straightConnector1">
+            <a:avLst/>
+          </a:prstGeom>
+          <a:ln w="60325">
+            <a:solidFill>
+              <a:schemeClr val="tx1"/>
+            </a:solidFill>
+            <a:tailEnd type="arrow"/>
+          </a:ln>
+        </p:spPr>
+        <p:style>
+          <a:lnRef idx="1">
+            <a:schemeClr val="accent1"/>
+          </a:lnRef>
+          <a:fillRef idx="0">
+            <a:schemeClr val="accent1"/>
+          </a:fillRef>
+          <a:effectRef idx="0">
+            <a:schemeClr val="accent1"/>
+          </a:effectRef>
+          <a:fontRef idx="minor">
+            <a:schemeClr val="tx1"/>
+          </a:fontRef>
+        </p:style>
+      </p:cxnSp>
+      <p:cxnSp>
+        <p:nvCxnSpPr>
+          <p:cNvPr id="12" name="Straight Arrow Connector 11"/>
+          <p:cNvCxnSpPr/>
+          <p:nvPr/>
+        </p:nvCxnSpPr>
+        <p:spPr>
+          <a:xfrm>
+            <a:off x="3219796" y="5240335"/>
+            <a:ext cx="1706881" cy="0"/>
+          </a:xfrm>
+          <a:prstGeom prst="straightConnector1">
+            <a:avLst/>
+          </a:prstGeom>
+          <a:ln w="60325">
+            <a:solidFill>
+              <a:schemeClr val="tx1"/>
+            </a:solidFill>
+            <a:tailEnd type="arrow"/>
+          </a:ln>
+        </p:spPr>
+        <p:style>
+          <a:lnRef idx="1">
+            <a:schemeClr val="accent1"/>
+          </a:lnRef>
+          <a:fillRef idx="0">
+            <a:schemeClr val="accent1"/>
+          </a:fillRef>
+          <a:effectRef idx="0">
+            <a:schemeClr val="accent1"/>
+          </a:effectRef>
+          <a:fontRef idx="minor">
+            <a:schemeClr val="tx1"/>
+          </a:fontRef>
+        </p:style>
+      </p:cxnSp>
+      <p:sp>
+        <p:nvSpPr>
+          <p:cNvPr id="15" name="TextBox 14"/>
+          <p:cNvSpPr txBox="1"/>
+          <p:nvPr/>
+        </p:nvSpPr>
+        <p:spPr>
+          <a:xfrm>
+            <a:off x="4484716" y="4688378"/>
+            <a:ext cx="381001" cy="769441"/>
+          </a:xfrm>
+          <a:prstGeom prst="rect">
+            <a:avLst/>
+          </a:prstGeom>
+          <a:noFill/>
+        </p:spPr>
+        <p:txBody>
+          <a:bodyPr wrap="square" rtlCol="0">
+            <a:spAutoFit/>
+          </a:bodyPr>
+          <a:lstStyle/>
+          <a:p>
+            <a:r>
+              <a:rPr lang="en-US" sz="4400" dirty="0">
+                <a:latin typeface="Arial Black" panose="020B0A04020102020204" pitchFamily="34" charset="0"/>
+              </a:rPr>
+              <a:t>*</a:t>
+            </a:r>
+            <a:endParaRPr lang="en-US" dirty="0">
+              <a:latin typeface="Arial Black" panose="020B0A04020102020204" pitchFamily="34" charset="0"/>
+            </a:endParaRPr>
+          </a:p>
+        </p:txBody>
+      </p:sp>
+      <p:sp>
+        <p:nvSpPr>
+          <p:cNvPr id="14" name="Rectangle 13"/>
+          <p:cNvSpPr/>
+          <p:nvPr/>
+        </p:nvSpPr>
+        <p:spPr>
+          <a:xfrm>
+            <a:off x="193431" y="6295292"/>
+            <a:ext cx="738554" cy="439616"/>
+          </a:xfrm>
+          <a:prstGeom prst="rect">
+            <a:avLst/>
+          </a:prstGeom>
+        </p:spPr>
+        <p:style>
+          <a:lnRef idx="2">
+            <a:schemeClr val="accent1">
+              <a:shade val="50000"/>
+            </a:schemeClr>
+          </a:lnRef>
+          <a:fillRef idx="1">
+            <a:schemeClr val="accent1"/>
+          </a:fillRef>
+          <a:effectRef idx="0">
+            <a:schemeClr val="accent1"/>
+          </a:effectRef>
+          <a:fontRef idx="minor">
+            <a:schemeClr val="lt1"/>
+          </a:fontRef>
+        </p:style>
+        <p:txBody>
+          <a:bodyPr rtlCol="0" anchor="ctr"/>
+          <a:lstStyle/>
+          <a:p>
+            <a:pPr algn="ctr"/>
+            <a:r>
+              <a:rPr lang="en-US" dirty="0"/>
+              <a:t>1-2</a:t>
+            </a:r>
+          </a:p>
+        </p:txBody>
+      </p:sp>
+      <p:sp>
+        <p:nvSpPr>
           <p:cNvPr id="17" name="Content Placeholder 2">
             <a:extLst>
               <a:ext uri="{FF2B5EF4-FFF2-40B4-BE49-F238E27FC236}">
@@ -7877,7 +8875,7 @@
 </p:sld>
 </file>
 
-<file path=ppt/slides/slide12.xml><?xml version="1.0" encoding="utf-8"?>
+<file path=ppt/slides/slide13.xml><?xml version="1.0" encoding="utf-8"?>
 <p:sld xmlns:a="http://schemas.openxmlformats.org/drawingml/2006/main" xmlns:r="http://schemas.openxmlformats.org/officeDocument/2006/relationships" xmlns:p="http://schemas.openxmlformats.org/presentationml/2006/main">
   <p:cSld>
     <p:spTree>
@@ -7969,7 +8967,7 @@
 </p:sld>
 </file>
 
-<file path=ppt/slides/slide13.xml><?xml version="1.0" encoding="utf-8"?>
+<file path=ppt/slides/slide14.xml><?xml version="1.0" encoding="utf-8"?>
 <p:sld xmlns:a="http://schemas.openxmlformats.org/drawingml/2006/main" xmlns:r="http://schemas.openxmlformats.org/officeDocument/2006/relationships" xmlns:p="http://schemas.openxmlformats.org/presentationml/2006/main">
   <p:cSld>
     <p:spTree>
@@ -8029,7 +9027,7 @@
 </p:sld>
 </file>
 
-<file path=ppt/slides/slide14.xml><?xml version="1.0" encoding="utf-8"?>
+<file path=ppt/slides/slide15.xml><?xml version="1.0" encoding="utf-8"?>
 <p:sld xmlns:a="http://schemas.openxmlformats.org/drawingml/2006/main" xmlns:r="http://schemas.openxmlformats.org/officeDocument/2006/relationships" xmlns:p="http://schemas.openxmlformats.org/presentationml/2006/main">
   <p:cSld>
     <p:spTree>
@@ -8270,7 +9268,7 @@
 </p:sld>
 </file>
 
-<file path=ppt/slides/slide15.xml><?xml version="1.0" encoding="utf-8"?>
+<file path=ppt/slides/slide16.xml><?xml version="1.0" encoding="utf-8"?>
 <p:sld xmlns:a="http://schemas.openxmlformats.org/drawingml/2006/main" xmlns:r="http://schemas.openxmlformats.org/officeDocument/2006/relationships" xmlns:p="http://schemas.openxmlformats.org/presentationml/2006/main">
   <p:cSld>
     <p:spTree>
@@ -9131,360 +10129,6 @@
 </p:sld>
 </file>
 
-<file path=ppt/slides/slide16.xml><?xml version="1.0" encoding="utf-8"?>
-<p:sld xmlns:a="http://schemas.openxmlformats.org/drawingml/2006/main" xmlns:r="http://schemas.openxmlformats.org/officeDocument/2006/relationships" xmlns:p="http://schemas.openxmlformats.org/presentationml/2006/main">
-  <p:cSld>
-    <p:spTree>
-      <p:nvGrpSpPr>
-        <p:cNvPr id="1" name=""/>
-        <p:cNvGrpSpPr/>
-        <p:nvPr/>
-      </p:nvGrpSpPr>
-      <p:grpSpPr>
-        <a:xfrm>
-          <a:off x="0" y="0"/>
-          <a:ext cx="0" cy="0"/>
-          <a:chOff x="0" y="0"/>
-          <a:chExt cx="0" cy="0"/>
-        </a:xfrm>
-      </p:grpSpPr>
-      <p:sp>
-        <p:nvSpPr>
-          <p:cNvPr id="2" name="Title 1"/>
-          <p:cNvSpPr>
-            <a:spLocks noGrp="1"/>
-          </p:cNvSpPr>
-          <p:nvPr>
-            <p:ph type="title"/>
-          </p:nvPr>
-        </p:nvSpPr>
-        <p:spPr>
-          <a:xfrm>
-            <a:off x="628650" y="365127"/>
-            <a:ext cx="7886700" cy="922498"/>
-          </a:xfrm>
-        </p:spPr>
-        <p:txBody>
-          <a:bodyPr/>
-          <a:lstStyle/>
-          <a:p>
-            <a:r>
-              <a:rPr lang="en-US" dirty="0"/>
-              <a:t>Overview: Principles of Design (for CSSE220)</a:t>
-            </a:r>
-          </a:p>
-        </p:txBody>
-      </p:sp>
-      <p:sp>
-        <p:nvSpPr>
-          <p:cNvPr id="3" name="Content Placeholder 2"/>
-          <p:cNvSpPr>
-            <a:spLocks noGrp="1"/>
-          </p:cNvSpPr>
-          <p:nvPr>
-            <p:ph idx="1"/>
-          </p:nvPr>
-        </p:nvSpPr>
-        <p:spPr>
-          <a:xfrm>
-            <a:off x="335901" y="1287625"/>
-            <a:ext cx="8546841" cy="5570375"/>
-          </a:xfrm>
-        </p:spPr>
-        <p:txBody>
-          <a:bodyPr>
-            <a:normAutofit fontScale="92500" lnSpcReduction="10000"/>
-          </a:bodyPr>
-          <a:lstStyle/>
-          <a:p>
-            <a:pPr marL="457200" indent="-457200" fontAlgn="base">
-              <a:buFont typeface="+mj-lt"/>
-              <a:buAutoNum type="arabicPeriod"/>
-            </a:pPr>
-            <a:r>
-              <a:rPr lang="en-US" sz="2400" dirty="0">
-                <a:highlight>
-                  <a:srgbClr val="FFFF00"/>
-                </a:highlight>
-              </a:rPr>
-              <a:t>Make sure your design </a:t>
-            </a:r>
-            <a:r>
-              <a:rPr lang="en-US" sz="2400" b="1" dirty="0">
-                <a:highlight>
-                  <a:srgbClr val="FFFF00"/>
-                </a:highlight>
-              </a:rPr>
-              <a:t>allows proper functionality</a:t>
-            </a:r>
-            <a:endParaRPr lang="en-US" sz="2400" dirty="0">
-              <a:highlight>
-                <a:srgbClr val="FFFF00"/>
-              </a:highlight>
-            </a:endParaRPr>
-          </a:p>
-          <a:p>
-            <a:pPr marL="685800" lvl="1" indent="-342900" fontAlgn="base">
-              <a:buFont typeface="+mj-lt"/>
-              <a:buAutoNum type="alphaLcParenR"/>
-            </a:pPr>
-            <a:r>
-              <a:rPr lang="en-US" dirty="0"/>
-              <a:t>Must be able to </a:t>
-            </a:r>
-            <a:r>
-              <a:rPr lang="en-US" b="1" dirty="0"/>
-              <a:t>store required information</a:t>
-            </a:r>
-            <a:r>
-              <a:rPr lang="en-US" dirty="0"/>
-              <a:t> (one/many to one/many relationships)</a:t>
-            </a:r>
-          </a:p>
-          <a:p>
-            <a:pPr marL="685800" lvl="1" indent="-342900" fontAlgn="base">
-              <a:buFont typeface="+mj-lt"/>
-              <a:buAutoNum type="alphaLcParenR"/>
-            </a:pPr>
-            <a:r>
-              <a:rPr lang="en-US" dirty="0"/>
-              <a:t>Must be able to </a:t>
-            </a:r>
-            <a:r>
-              <a:rPr lang="en-US" b="1" dirty="0"/>
-              <a:t>access the required information</a:t>
-            </a:r>
-            <a:r>
-              <a:rPr lang="en-US" dirty="0"/>
-              <a:t> to accomplish tasks</a:t>
-            </a:r>
-          </a:p>
-          <a:p>
-            <a:pPr marL="685800" lvl="1" indent="-342900" fontAlgn="base">
-              <a:buFont typeface="+mj-lt"/>
-              <a:buAutoNum type="alphaLcParenR"/>
-            </a:pPr>
-            <a:r>
-              <a:rPr lang="en-US" dirty="0"/>
-              <a:t>Data should </a:t>
-            </a:r>
-            <a:r>
-              <a:rPr lang="en-US" b="1" dirty="0"/>
-              <a:t>not be duplicated</a:t>
-            </a:r>
-            <a:r>
-              <a:rPr lang="en-US" dirty="0"/>
-              <a:t> (id/identifiers are OK!)</a:t>
-            </a:r>
-            <a:endParaRPr lang="en-US" sz="2400" dirty="0"/>
-          </a:p>
-          <a:p>
-            <a:pPr marL="457200" indent="-457200">
-              <a:buFont typeface="+mj-lt"/>
-              <a:buAutoNum type="arabicPeriod"/>
-            </a:pPr>
-            <a:r>
-              <a:rPr lang="en-US" sz="2400" dirty="0">
-                <a:highlight>
-                  <a:srgbClr val="FFFF00"/>
-                </a:highlight>
-              </a:rPr>
-              <a:t>Structure design </a:t>
-            </a:r>
-            <a:r>
-              <a:rPr lang="en-US" sz="2400" b="1" dirty="0">
-                <a:highlight>
-                  <a:srgbClr val="FFFF00"/>
-                </a:highlight>
-              </a:rPr>
-              <a:t>around the data</a:t>
-            </a:r>
-            <a:r>
-              <a:rPr lang="en-US" sz="2400" dirty="0">
-                <a:highlight>
-                  <a:srgbClr val="FFFF00"/>
-                </a:highlight>
-              </a:rPr>
-              <a:t> to be stored</a:t>
-            </a:r>
-          </a:p>
-          <a:p>
-            <a:pPr marL="685800" lvl="1" indent="-342900" fontAlgn="base">
-              <a:buFont typeface="+mj-lt"/>
-              <a:buAutoNum type="alphaLcParenR"/>
-            </a:pPr>
-            <a:r>
-              <a:rPr lang="en-US" b="1" dirty="0"/>
-              <a:t>Nouns should become classes</a:t>
-            </a:r>
-            <a:endParaRPr lang="en-US" dirty="0"/>
-          </a:p>
-          <a:p>
-            <a:pPr marL="685800" lvl="1" indent="-342900" fontAlgn="base">
-              <a:buFont typeface="+mj-lt"/>
-              <a:buAutoNum type="alphaLcParenR"/>
-            </a:pPr>
-            <a:r>
-              <a:rPr lang="en-US" b="1" dirty="0"/>
-              <a:t>Classes should have intelligent behaviors</a:t>
-            </a:r>
-            <a:r>
-              <a:rPr lang="en-US" dirty="0"/>
-              <a:t> (methods) </a:t>
-            </a:r>
-            <a:r>
-              <a:rPr lang="en-US" b="1" dirty="0"/>
-              <a:t>that may operate on their data</a:t>
-            </a:r>
-            <a:endParaRPr lang="en-US" dirty="0"/>
-          </a:p>
-          <a:p>
-            <a:pPr marL="457200" indent="-457200" fontAlgn="base">
-              <a:buFont typeface="+mj-lt"/>
-              <a:buAutoNum type="arabicPeriod"/>
-            </a:pPr>
-            <a:r>
-              <a:rPr lang="en-US" sz="2400" dirty="0"/>
-              <a:t>Functionality should be </a:t>
-            </a:r>
-            <a:r>
-              <a:rPr lang="en-US" sz="2400" b="1" dirty="0"/>
-              <a:t>distributed efficiently</a:t>
-            </a:r>
-            <a:endParaRPr lang="en-US" sz="2400" dirty="0"/>
-          </a:p>
-          <a:p>
-            <a:pPr marL="685800" lvl="1" indent="-342900" fontAlgn="base">
-              <a:buFont typeface="+mj-lt"/>
-              <a:buAutoNum type="alphaLcParenR"/>
-            </a:pPr>
-            <a:r>
-              <a:rPr lang="en-US" b="1" dirty="0"/>
-              <a:t>No class/part should get too large</a:t>
-            </a:r>
-          </a:p>
-          <a:p>
-            <a:pPr marL="685800" lvl="1" indent="-342900" fontAlgn="base">
-              <a:buFont typeface="+mj-lt"/>
-              <a:buAutoNum type="alphaLcParenR"/>
-            </a:pPr>
-            <a:r>
-              <a:rPr lang="en-US" b="1" dirty="0"/>
-              <a:t>Each class should have a single responsibility</a:t>
-            </a:r>
-            <a:r>
-              <a:rPr lang="en-US" dirty="0"/>
-              <a:t> it accomplishes</a:t>
-            </a:r>
-          </a:p>
-          <a:p>
-            <a:pPr marL="457200" indent="-457200" fontAlgn="base">
-              <a:buFont typeface="+mj-lt"/>
-              <a:buAutoNum type="arabicPeriod"/>
-            </a:pPr>
-            <a:r>
-              <a:rPr lang="en-US" sz="2400" b="1" dirty="0"/>
-              <a:t>Minimize dependencies</a:t>
-            </a:r>
-            <a:r>
-              <a:rPr lang="en-US" sz="2400" dirty="0"/>
-              <a:t> between objects when it does not disrupt usability or extendibility</a:t>
-            </a:r>
-          </a:p>
-          <a:p>
-            <a:pPr marL="685800" lvl="1" indent="-342900" fontAlgn="base">
-              <a:buFont typeface="+mj-lt"/>
-              <a:buAutoNum type="alphaLcParenR"/>
-            </a:pPr>
-            <a:r>
-              <a:rPr lang="en-US" dirty="0"/>
-              <a:t>Tell don't ask</a:t>
-            </a:r>
-          </a:p>
-          <a:p>
-            <a:pPr marL="685800" lvl="1" indent="-342900" fontAlgn="base">
-              <a:buFont typeface="+mj-lt"/>
-              <a:buAutoNum type="alphaLcParenR"/>
-            </a:pPr>
-            <a:r>
-              <a:rPr lang="en-US" dirty="0"/>
-              <a:t>Don't have message chains</a:t>
-            </a:r>
-          </a:p>
-          <a:p>
-            <a:pPr marL="457200" indent="-457200" fontAlgn="base">
-              <a:buFont typeface="+mj-lt"/>
-              <a:buAutoNum type="arabicPeriod"/>
-            </a:pPr>
-            <a:r>
-              <a:rPr lang="en-US" sz="2400" b="1" dirty="0"/>
-              <a:t>Don't duplicate</a:t>
-            </a:r>
-            <a:r>
-              <a:rPr lang="en-US" sz="2400" dirty="0"/>
-              <a:t> code</a:t>
-            </a:r>
-          </a:p>
-          <a:p>
-            <a:pPr marL="685800" lvl="1" indent="-342900" fontAlgn="base">
-              <a:buFont typeface="+mj-lt"/>
-              <a:buAutoNum type="alphaLcParenR"/>
-            </a:pPr>
-            <a:r>
-              <a:rPr lang="en-US" dirty="0"/>
-              <a:t>Similar "chunks" of code should be </a:t>
-            </a:r>
-            <a:r>
-              <a:rPr lang="en-US" b="1" dirty="0"/>
-              <a:t>unified into functions</a:t>
-            </a:r>
-            <a:endParaRPr lang="en-US" dirty="0"/>
-          </a:p>
-          <a:p>
-            <a:pPr marL="685800" lvl="1" indent="-342900" fontAlgn="base">
-              <a:buFont typeface="+mj-lt"/>
-              <a:buAutoNum type="alphaLcParenR"/>
-            </a:pPr>
-            <a:r>
-              <a:rPr lang="en-US" dirty="0"/>
-              <a:t>Classes with similar features should be given </a:t>
-            </a:r>
-            <a:r>
-              <a:rPr lang="en-US" b="1" dirty="0"/>
-              <a:t>common interfaces</a:t>
-            </a:r>
-            <a:endParaRPr lang="en-US" dirty="0"/>
-          </a:p>
-          <a:p>
-            <a:pPr marL="685800" lvl="1" indent="-342900">
-              <a:buFont typeface="+mj-lt"/>
-              <a:buAutoNum type="alphaLcParenR"/>
-            </a:pPr>
-            <a:r>
-              <a:rPr lang="en-US" dirty="0"/>
-              <a:t>Classes with similar internals should be simplified using </a:t>
-            </a:r>
-            <a:r>
-              <a:rPr lang="en-US" b="1" dirty="0"/>
-              <a:t>inheritance</a:t>
-            </a:r>
-            <a:endParaRPr lang="en-US" dirty="0"/>
-          </a:p>
-        </p:txBody>
-      </p:sp>
-    </p:spTree>
-    <p:extLst>
-      <p:ext uri="{BB962C8B-B14F-4D97-AF65-F5344CB8AC3E}">
-        <p14:creationId xmlns:p14="http://schemas.microsoft.com/office/powerpoint/2010/main" val="3813012996"/>
-      </p:ext>
-    </p:extLst>
-  </p:cSld>
-  <p:clrMapOvr>
-    <a:masterClrMapping/>
-  </p:clrMapOvr>
-</p:sld>
-</file>
-
 <file path=ppt/slides/slide17.xml><?xml version="1.0" encoding="utf-8"?>
 <p:sld xmlns:a="http://schemas.openxmlformats.org/drawingml/2006/main" xmlns:r="http://schemas.openxmlformats.org/officeDocument/2006/relationships" xmlns:p="http://schemas.openxmlformats.org/presentationml/2006/main">
   <p:cSld>
@@ -9504,100 +10148,30 @@
       </p:grpSpPr>
       <p:sp>
         <p:nvSpPr>
-          <p:cNvPr id="3" name="Content Placeholder 2"/>
+          <p:cNvPr id="3" name="Title 2"/>
           <p:cNvSpPr>
             <a:spLocks noGrp="1"/>
           </p:cNvSpPr>
           <p:nvPr>
-            <p:ph idx="1"/>
+            <p:ph type="title"/>
           </p:nvPr>
         </p:nvSpPr>
-        <p:spPr>
-          <a:xfrm>
-            <a:off x="628650" y="545465"/>
-            <a:ext cx="7886700" cy="4351338"/>
-          </a:xfrm>
-        </p:spPr>
-        <p:txBody>
-          <a:bodyPr>
-            <a:noAutofit/>
-          </a:bodyPr>
-          <a:lstStyle/>
-          <a:p>
-            <a:pPr marL="0" indent="0" fontAlgn="base">
-              <a:buNone/>
-            </a:pPr>
-            <a:r>
-              <a:rPr lang="en-US" sz="3200" dirty="0"/>
-              <a:t>1. Make sure your design </a:t>
-            </a:r>
-            <a:r>
-              <a:rPr lang="en-US" sz="3200" b="1" dirty="0"/>
-              <a:t>allows proper functionality</a:t>
-            </a:r>
-            <a:endParaRPr lang="en-US" sz="3200" dirty="0"/>
-          </a:p>
-          <a:p>
-            <a:pPr marL="800100" lvl="1" indent="-457200" fontAlgn="base">
-              <a:buFont typeface="+mj-lt"/>
-              <a:buAutoNum type="alphaLcParenR"/>
-            </a:pPr>
-            <a:r>
-              <a:rPr lang="en-US" sz="2400" dirty="0"/>
-              <a:t>Must be able to </a:t>
-            </a:r>
-            <a:r>
-              <a:rPr lang="en-US" sz="2400" b="1" dirty="0"/>
-              <a:t>store required information</a:t>
-            </a:r>
-            <a:r>
-              <a:rPr lang="en-US" sz="2400" dirty="0"/>
-              <a:t> (one/many to one/many relationships)</a:t>
-            </a:r>
-          </a:p>
-          <a:p>
-            <a:pPr marL="800100" lvl="1" indent="-457200" fontAlgn="base">
-              <a:buFont typeface="+mj-lt"/>
-              <a:buAutoNum type="alphaLcParenR"/>
-            </a:pPr>
-            <a:r>
-              <a:rPr lang="en-US" sz="2400" dirty="0"/>
-              <a:t>Must be able to </a:t>
-            </a:r>
-            <a:r>
-              <a:rPr lang="en-US" sz="2400" b="1" dirty="0"/>
-              <a:t>access the required information</a:t>
-            </a:r>
-            <a:r>
-              <a:rPr lang="en-US" sz="2400" dirty="0"/>
-              <a:t> to accomplish tasks</a:t>
-            </a:r>
-          </a:p>
-          <a:p>
-            <a:pPr marL="800100" lvl="1" indent="-457200" fontAlgn="base">
-              <a:buFont typeface="+mj-lt"/>
-              <a:buAutoNum type="alphaLcParenR"/>
-            </a:pPr>
-            <a:r>
-              <a:rPr lang="en-US" sz="2400" dirty="0"/>
-              <a:t>Data should </a:t>
-            </a:r>
-            <a:r>
-              <a:rPr lang="en-US" sz="2400" b="1" dirty="0"/>
-              <a:t>not be duplicated</a:t>
-            </a:r>
-            <a:r>
-              <a:rPr lang="en-US" sz="2400" dirty="0"/>
-              <a:t> (id/identifiers are OK!)</a:t>
-            </a:r>
-            <a:endParaRPr lang="en-US" sz="3200" dirty="0"/>
+        <p:spPr/>
+        <p:txBody>
+          <a:bodyPr/>
+          <a:lstStyle/>
+          <a:p>
+            <a:r>
+              <a:rPr lang="en-US" dirty="0"/>
+              <a:t>Begin Software Engineering Techniques Part of Today’s Discussion</a:t>
+            </a:r>
           </a:p>
         </p:txBody>
       </p:sp>
     </p:spTree>
     <p:extLst>
       <p:ext uri="{BB962C8B-B14F-4D97-AF65-F5344CB8AC3E}">
-        <p14:creationId xmlns:p14="http://schemas.microsoft.com/office/powerpoint/2010/main" val="3413767239"/>
+        <p14:creationId xmlns:p14="http://schemas.microsoft.com/office/powerpoint/2010/main" val="1036517671"/>
       </p:ext>
     </p:extLst>
   </p:cSld>
@@ -9634,16 +10208,19 @@
             <p:ph type="title"/>
           </p:nvPr>
         </p:nvSpPr>
-        <p:spPr/>
-        <p:txBody>
-          <a:bodyPr>
-            <a:normAutofit/>
-          </a:bodyPr>
+        <p:spPr>
+          <a:xfrm>
+            <a:off x="628650" y="365127"/>
+            <a:ext cx="7886700" cy="922498"/>
+          </a:xfrm>
+        </p:spPr>
+        <p:txBody>
+          <a:bodyPr/>
           <a:lstStyle/>
           <a:p>
             <a:r>
               <a:rPr lang="en-US" dirty="0"/>
-              <a:t>An object oriented design must work!</a:t>
+              <a:t>Overview: Principles of Design (for CSSE220)</a:t>
             </a:r>
           </a:p>
         </p:txBody>
@@ -9658,51 +10235,297 @@
             <p:ph idx="1"/>
           </p:nvPr>
         </p:nvSpPr>
-        <p:spPr/>
+        <p:spPr>
+          <a:xfrm>
+            <a:off x="335901" y="1287625"/>
+            <a:ext cx="8546841" cy="5570375"/>
+          </a:xfrm>
+        </p:spPr>
         <p:txBody>
           <a:bodyPr>
-            <a:normAutofit/>
+            <a:normAutofit fontScale="92500" lnSpcReduction="10000"/>
           </a:bodyPr>
           <a:lstStyle/>
           <a:p>
-            <a:pPr marL="0" indent="0" fontAlgn="base">
-              <a:buNone/>
+            <a:pPr marL="457200" indent="-457200" fontAlgn="base">
+              <a:buFont typeface="+mj-lt"/>
+              <a:buAutoNum type="arabicPeriod"/>
             </a:pPr>
             <a:r>
-              <a:rPr lang="en-US" sz="3200" dirty="0"/>
-              <a:t>Make sure all the data that you need is stored somewhere</a:t>
-            </a:r>
-          </a:p>
-          <a:p>
-            <a:pPr lvl="1" fontAlgn="base"/>
-            <a:r>
-              <a:rPr lang="en-US" sz="2900" dirty="0"/>
-              <a:t> Think as a client programmer: Can you access all the necessary data from the new Class? </a:t>
-            </a:r>
-            <a:br>
-              <a:rPr lang="en-US" sz="2900" dirty="0"/>
-            </a:br>
-            <a:r>
-              <a:rPr lang="en-US" sz="2900" dirty="0"/>
-              <a:t>If not, then the design of the new class “doesn’t work”</a:t>
-            </a:r>
-          </a:p>
-          <a:p>
-            <a:pPr lvl="1" fontAlgn="base"/>
-            <a:r>
-              <a:rPr lang="en-US" sz="2900" dirty="0"/>
-              <a:t>The solution is not to keep 2 copies of the same data, one in the client and one in the new Class, change the new Class</a:t>
-            </a:r>
-          </a:p>
-          <a:p>
-            <a:endParaRPr lang="en-US" sz="3200" dirty="0"/>
+              <a:rPr lang="en-US" sz="2400" dirty="0">
+                <a:highlight>
+                  <a:srgbClr val="FFFF00"/>
+                </a:highlight>
+              </a:rPr>
+              <a:t>Make sure your design </a:t>
+            </a:r>
+            <a:r>
+              <a:rPr lang="en-US" sz="2400" b="1" dirty="0">
+                <a:highlight>
+                  <a:srgbClr val="FFFF00"/>
+                </a:highlight>
+              </a:rPr>
+              <a:t>allows proper functionality</a:t>
+            </a:r>
+            <a:endParaRPr lang="en-US" sz="2400" dirty="0">
+              <a:highlight>
+                <a:srgbClr val="FFFF00"/>
+              </a:highlight>
+            </a:endParaRPr>
+          </a:p>
+          <a:p>
+            <a:pPr marL="685800" lvl="1" indent="-342900" fontAlgn="base">
+              <a:buFont typeface="+mj-lt"/>
+              <a:buAutoNum type="alphaLcParenR"/>
+            </a:pPr>
+            <a:r>
+              <a:rPr lang="en-US" dirty="0"/>
+              <a:t>Must be able to </a:t>
+            </a:r>
+            <a:r>
+              <a:rPr lang="en-US" b="1" dirty="0"/>
+              <a:t>store required information</a:t>
+            </a:r>
+            <a:r>
+              <a:rPr lang="en-US" dirty="0"/>
+              <a:t> (one/many to one/many relationships)</a:t>
+            </a:r>
+          </a:p>
+          <a:p>
+            <a:pPr marL="685800" lvl="1" indent="-342900" fontAlgn="base">
+              <a:buFont typeface="+mj-lt"/>
+              <a:buAutoNum type="alphaLcParenR"/>
+            </a:pPr>
+            <a:r>
+              <a:rPr lang="en-US" dirty="0"/>
+              <a:t>Must be able to </a:t>
+            </a:r>
+            <a:r>
+              <a:rPr lang="en-US" b="1" dirty="0"/>
+              <a:t>access the required information</a:t>
+            </a:r>
+            <a:r>
+              <a:rPr lang="en-US" dirty="0"/>
+              <a:t> to accomplish tasks</a:t>
+            </a:r>
+          </a:p>
+          <a:p>
+            <a:pPr marL="685800" lvl="1" indent="-342900" fontAlgn="base">
+              <a:buFont typeface="+mj-lt"/>
+              <a:buAutoNum type="alphaLcParenR"/>
+            </a:pPr>
+            <a:r>
+              <a:rPr lang="en-US" dirty="0"/>
+              <a:t>Data should </a:t>
+            </a:r>
+            <a:r>
+              <a:rPr lang="en-US" b="1" dirty="0"/>
+              <a:t>not be duplicated</a:t>
+            </a:r>
+            <a:r>
+              <a:rPr lang="en-US" dirty="0"/>
+              <a:t> (id/identifiers are OK!)</a:t>
+            </a:r>
+            <a:endParaRPr lang="en-US" sz="2400" dirty="0"/>
+          </a:p>
+          <a:p>
+            <a:pPr marL="457200" indent="-457200">
+              <a:buFont typeface="+mj-lt"/>
+              <a:buAutoNum type="arabicPeriod"/>
+            </a:pPr>
+            <a:r>
+              <a:rPr lang="en-US" sz="2400" dirty="0">
+                <a:highlight>
+                  <a:srgbClr val="FFFF00"/>
+                </a:highlight>
+              </a:rPr>
+              <a:t>Structure design </a:t>
+            </a:r>
+            <a:r>
+              <a:rPr lang="en-US" sz="2400" b="1" dirty="0">
+                <a:highlight>
+                  <a:srgbClr val="FFFF00"/>
+                </a:highlight>
+              </a:rPr>
+              <a:t>around the data</a:t>
+            </a:r>
+            <a:r>
+              <a:rPr lang="en-US" sz="2400" dirty="0">
+                <a:highlight>
+                  <a:srgbClr val="FFFF00"/>
+                </a:highlight>
+              </a:rPr>
+              <a:t> to be stored</a:t>
+            </a:r>
+          </a:p>
+          <a:p>
+            <a:pPr marL="685800" lvl="1" indent="-342900" fontAlgn="base">
+              <a:buFont typeface="+mj-lt"/>
+              <a:buAutoNum type="alphaLcParenR"/>
+            </a:pPr>
+            <a:r>
+              <a:rPr lang="en-US" b="1" dirty="0"/>
+              <a:t>Nouns should become classes</a:t>
+            </a:r>
+            <a:endParaRPr lang="en-US" dirty="0"/>
+          </a:p>
+          <a:p>
+            <a:pPr marL="685800" lvl="1" indent="-342900" fontAlgn="base">
+              <a:buFont typeface="+mj-lt"/>
+              <a:buAutoNum type="alphaLcParenR"/>
+            </a:pPr>
+            <a:r>
+              <a:rPr lang="en-US" b="1" dirty="0"/>
+              <a:t>Classes should have intelligent behaviors</a:t>
+            </a:r>
+            <a:r>
+              <a:rPr lang="en-US" dirty="0"/>
+              <a:t> (methods) </a:t>
+            </a:r>
+            <a:r>
+              <a:rPr lang="en-US" b="1" dirty="0"/>
+              <a:t>that may operate on their data</a:t>
+            </a:r>
+            <a:endParaRPr lang="en-US" dirty="0"/>
+          </a:p>
+          <a:p>
+            <a:pPr marL="457200" indent="-457200" fontAlgn="base">
+              <a:buFont typeface="+mj-lt"/>
+              <a:buAutoNum type="arabicPeriod"/>
+            </a:pPr>
+            <a:r>
+              <a:rPr lang="en-US" sz="2400" dirty="0"/>
+              <a:t>Functionality should be </a:t>
+            </a:r>
+            <a:r>
+              <a:rPr lang="en-US" sz="2400" b="1" dirty="0"/>
+              <a:t>distributed efficiently</a:t>
+            </a:r>
+            <a:endParaRPr lang="en-US" sz="2400" dirty="0"/>
+          </a:p>
+          <a:p>
+            <a:pPr marL="685800" lvl="1" indent="-342900" fontAlgn="base">
+              <a:buFont typeface="+mj-lt"/>
+              <a:buAutoNum type="alphaLcParenR"/>
+            </a:pPr>
+            <a:r>
+              <a:rPr lang="en-US" b="1" dirty="0"/>
+              <a:t>No class/part should get too large</a:t>
+            </a:r>
+          </a:p>
+          <a:p>
+            <a:pPr marL="685800" lvl="1" indent="-342900" fontAlgn="base">
+              <a:buFont typeface="+mj-lt"/>
+              <a:buAutoNum type="alphaLcParenR"/>
+            </a:pPr>
+            <a:r>
+              <a:rPr lang="en-US" b="1" dirty="0"/>
+              <a:t>Each class should have a single responsibility</a:t>
+            </a:r>
+            <a:r>
+              <a:rPr lang="en-US" dirty="0"/>
+              <a:t> it accomplishes</a:t>
+            </a:r>
+          </a:p>
+          <a:p>
+            <a:pPr marL="457200" indent="-457200" fontAlgn="base">
+              <a:buFont typeface="+mj-lt"/>
+              <a:buAutoNum type="arabicPeriod"/>
+            </a:pPr>
+            <a:r>
+              <a:rPr lang="en-US" sz="2400" b="1" dirty="0"/>
+              <a:t>Minimize dependencies</a:t>
+            </a:r>
+            <a:r>
+              <a:rPr lang="en-US" sz="2400" dirty="0"/>
+              <a:t> between objects when it does not disrupt usability or extendibility</a:t>
+            </a:r>
+          </a:p>
+          <a:p>
+            <a:pPr marL="685800" lvl="1" indent="-342900" fontAlgn="base">
+              <a:buFont typeface="+mj-lt"/>
+              <a:buAutoNum type="alphaLcParenR"/>
+            </a:pPr>
+            <a:r>
+              <a:rPr lang="en-US" dirty="0"/>
+              <a:t>Tell don't ask</a:t>
+            </a:r>
+          </a:p>
+          <a:p>
+            <a:pPr marL="685800" lvl="1" indent="-342900" fontAlgn="base">
+              <a:buFont typeface="+mj-lt"/>
+              <a:buAutoNum type="alphaLcParenR"/>
+            </a:pPr>
+            <a:r>
+              <a:rPr lang="en-US" dirty="0"/>
+              <a:t>Don't have message chains</a:t>
+            </a:r>
+          </a:p>
+          <a:p>
+            <a:pPr marL="457200" indent="-457200" fontAlgn="base">
+              <a:buFont typeface="+mj-lt"/>
+              <a:buAutoNum type="arabicPeriod"/>
+            </a:pPr>
+            <a:r>
+              <a:rPr lang="en-US" sz="2400" b="1" dirty="0"/>
+              <a:t>Don't duplicate</a:t>
+            </a:r>
+            <a:r>
+              <a:rPr lang="en-US" sz="2400" dirty="0"/>
+              <a:t> code</a:t>
+            </a:r>
+          </a:p>
+          <a:p>
+            <a:pPr marL="685800" lvl="1" indent="-342900" fontAlgn="base">
+              <a:buFont typeface="+mj-lt"/>
+              <a:buAutoNum type="alphaLcParenR"/>
+            </a:pPr>
+            <a:r>
+              <a:rPr lang="en-US" dirty="0"/>
+              <a:t>Similar "chunks" of code should be </a:t>
+            </a:r>
+            <a:r>
+              <a:rPr lang="en-US" b="1" dirty="0"/>
+              <a:t>unified into functions</a:t>
+            </a:r>
+            <a:endParaRPr lang="en-US" dirty="0"/>
+          </a:p>
+          <a:p>
+            <a:pPr marL="685800" lvl="1" indent="-342900" fontAlgn="base">
+              <a:buFont typeface="+mj-lt"/>
+              <a:buAutoNum type="alphaLcParenR"/>
+            </a:pPr>
+            <a:r>
+              <a:rPr lang="en-US" dirty="0"/>
+              <a:t>Classes with similar features should be given </a:t>
+            </a:r>
+            <a:r>
+              <a:rPr lang="en-US" b="1" dirty="0"/>
+              <a:t>common interfaces</a:t>
+            </a:r>
+            <a:endParaRPr lang="en-US" dirty="0"/>
+          </a:p>
+          <a:p>
+            <a:pPr marL="685800" lvl="1" indent="-342900">
+              <a:buFont typeface="+mj-lt"/>
+              <a:buAutoNum type="alphaLcParenR"/>
+            </a:pPr>
+            <a:r>
+              <a:rPr lang="en-US" dirty="0"/>
+              <a:t>Classes with similar internals should be simplified using </a:t>
+            </a:r>
+            <a:r>
+              <a:rPr lang="en-US" b="1" dirty="0"/>
+              <a:t>inheritance</a:t>
+            </a:r>
+            <a:endParaRPr lang="en-US" dirty="0"/>
           </a:p>
         </p:txBody>
       </p:sp>
     </p:spTree>
     <p:extLst>
       <p:ext uri="{BB962C8B-B14F-4D97-AF65-F5344CB8AC3E}">
-        <p14:creationId xmlns:p14="http://schemas.microsoft.com/office/powerpoint/2010/main" val="3244535212"/>
+        <p14:creationId xmlns:p14="http://schemas.microsoft.com/office/powerpoint/2010/main" val="3813012996"/>
       </p:ext>
     </p:extLst>
   </p:cSld>
@@ -9741,8 +10564,8 @@
         </p:nvSpPr>
         <p:spPr>
           <a:xfrm>
-            <a:off x="416214" y="441845"/>
-            <a:ext cx="8302914" cy="4351338"/>
+            <a:off x="628650" y="545465"/>
+            <a:ext cx="7886700" cy="4351338"/>
           </a:xfrm>
         </p:spPr>
         <p:txBody>
@@ -9751,21 +10574,18 @@
           </a:bodyPr>
           <a:lstStyle/>
           <a:p>
-            <a:pPr marL="0" indent="0">
+            <a:pPr marL="0" indent="0" fontAlgn="base">
               <a:buNone/>
             </a:pPr>
             <a:r>
               <a:rPr lang="en-US" sz="3200" dirty="0"/>
-              <a:t>2. Structure design </a:t>
+              <a:t>1. Make sure your design </a:t>
             </a:r>
             <a:r>
               <a:rPr lang="en-US" sz="3200" b="1" dirty="0"/>
-              <a:t>around the data</a:t>
-            </a:r>
-            <a:r>
-              <a:rPr lang="en-US" sz="3200" dirty="0"/>
-              <a:t> to be stored</a:t>
-            </a:r>
+              <a:t>allows proper functionality</a:t>
+            </a:r>
+            <a:endParaRPr lang="en-US" sz="3200" dirty="0"/>
           </a:p>
           <a:p>
             <a:pPr marL="800100" lvl="1" indent="-457200" fontAlgn="base">
@@ -9773,10 +10593,17 @@
               <a:buAutoNum type="alphaLcParenR"/>
             </a:pPr>
             <a:r>
+              <a:rPr lang="en-US" sz="2400" dirty="0"/>
+              <a:t>Must be able to </a:t>
+            </a:r>
+            <a:r>
               <a:rPr lang="en-US" sz="2400" b="1" dirty="0"/>
-              <a:t>Nouns should become classes</a:t>
-            </a:r>
-            <a:endParaRPr lang="en-US" sz="2400" dirty="0"/>
+              <a:t>store required information</a:t>
+            </a:r>
+            <a:r>
+              <a:rPr lang="en-US" sz="2400" dirty="0"/>
+              <a:t> (one/many to one/many relationships)</a:t>
+            </a:r>
           </a:p>
           <a:p>
             <a:pPr marL="800100" lvl="1" indent="-457200" fontAlgn="base">
@@ -9784,25 +10611,43 @@
               <a:buAutoNum type="alphaLcParenR"/>
             </a:pPr>
             <a:r>
+              <a:rPr lang="en-US" sz="2400" dirty="0"/>
+              <a:t>Must be able to </a:t>
+            </a:r>
+            <a:r>
               <a:rPr lang="en-US" sz="2400" b="1" dirty="0"/>
-              <a:t>Classes should have intelligent behaviors</a:t>
+              <a:t>access the required information</a:t>
             </a:r>
             <a:r>
               <a:rPr lang="en-US" sz="2400" dirty="0"/>
-              <a:t> (methods) </a:t>
+              <a:t> to accomplish tasks</a:t>
+            </a:r>
+          </a:p>
+          <a:p>
+            <a:pPr marL="800100" lvl="1" indent="-457200" fontAlgn="base">
+              <a:buFont typeface="+mj-lt"/>
+              <a:buAutoNum type="alphaLcParenR"/>
+            </a:pPr>
+            <a:r>
+              <a:rPr lang="en-US" sz="2400" dirty="0"/>
+              <a:t>Data should </a:t>
             </a:r>
             <a:r>
               <a:rPr lang="en-US" sz="2400" b="1" dirty="0"/>
-              <a:t>that may operate on their data</a:t>
-            </a:r>
-            <a:endParaRPr lang="en-US" sz="2400" dirty="0"/>
+              <a:t>not be duplicated</a:t>
+            </a:r>
+            <a:r>
+              <a:rPr lang="en-US" sz="2400" dirty="0"/>
+              <a:t> (id/identifiers are OK!)</a:t>
+            </a:r>
+            <a:endParaRPr lang="en-US" sz="3200" dirty="0"/>
           </a:p>
         </p:txBody>
       </p:sp>
     </p:spTree>
     <p:extLst>
       <p:ext uri="{BB962C8B-B14F-4D97-AF65-F5344CB8AC3E}">
-        <p14:creationId xmlns:p14="http://schemas.microsoft.com/office/powerpoint/2010/main" val="1350875023"/>
+        <p14:creationId xmlns:p14="http://schemas.microsoft.com/office/powerpoint/2010/main" val="3413767239"/>
       </p:ext>
     </p:extLst>
   </p:cSld>
@@ -9985,7 +10830,7 @@
           <a:p>
             <a:r>
               <a:rPr lang="en-US" dirty="0"/>
-              <a:t>A good object oriented design is structured around the data</a:t>
+              <a:t>An object oriented design must work!</a:t>
             </a:r>
           </a:p>
         </p:txBody>
@@ -10000,58 +10845,51 @@
             <p:ph idx="1"/>
           </p:nvPr>
         </p:nvSpPr>
-        <p:spPr>
-          <a:xfrm>
-            <a:off x="628650" y="1825624"/>
-            <a:ext cx="7886700" cy="4667249"/>
-          </a:xfrm>
-        </p:spPr>
+        <p:spPr/>
         <p:txBody>
           <a:bodyPr>
-            <a:normAutofit lnSpcReduction="10000"/>
+            <a:normAutofit/>
           </a:bodyPr>
           <a:lstStyle/>
           <a:p>
+            <a:pPr marL="0" indent="0" fontAlgn="base">
+              <a:buNone/>
+            </a:pPr>
             <a:r>
               <a:rPr lang="en-US" sz="3200" dirty="0"/>
-              <a:t>Look for the nouns in your problem, consider making each of them a Class</a:t>
-            </a:r>
-          </a:p>
-          <a:p>
-            <a:pPr lvl="1"/>
-            <a:r>
-              <a:rPr lang="is-IS" sz="2900" dirty="0"/>
-              <a:t>…i</a:t>
-            </a:r>
+              <a:t>Make sure all the data that you need is stored somewhere</a:t>
+            </a:r>
+          </a:p>
+          <a:p>
+            <a:pPr lvl="1" fontAlgn="base"/>
             <a:r>
               <a:rPr lang="en-US" sz="2900" dirty="0"/>
-              <a:t>f work related to that now is complex enough</a:t>
-            </a:r>
-          </a:p>
-          <a:p>
-            <a:r>
-              <a:rPr lang="en-US" sz="3200" dirty="0"/>
-              <a:t>Put the data store as fields in the Class</a:t>
-            </a:r>
-          </a:p>
-          <a:p>
-            <a:r>
-              <a:rPr lang="en-US" sz="3200" dirty="0"/>
-              <a:t>Add operations to the Class to accomplish what your need, i.e., manipulate the internal class fields </a:t>
-            </a:r>
-          </a:p>
-          <a:p>
-            <a:r>
-              <a:rPr lang="en-US" sz="3200" dirty="0"/>
-              <a:t>Avoid Plural Nouns – i.e., Class name singular and know that client can always make multiple object instances of this class</a:t>
-            </a:r>
+              <a:t> Think as a client programmer: Can you access all the necessary data from the new Class? </a:t>
+            </a:r>
+            <a:br>
+              <a:rPr lang="en-US" sz="2900" dirty="0"/>
+            </a:br>
+            <a:r>
+              <a:rPr lang="en-US" sz="2900" dirty="0"/>
+              <a:t>If not, then the design of the new class “doesn’t work”</a:t>
+            </a:r>
+          </a:p>
+          <a:p>
+            <a:pPr lvl="1" fontAlgn="base"/>
+            <a:r>
+              <a:rPr lang="en-US" sz="2900" dirty="0"/>
+              <a:t>The solution is not to keep 2 copies of the same data, one in the client and one in the new Class, change the new Class</a:t>
+            </a:r>
+          </a:p>
+          <a:p>
+            <a:endParaRPr lang="en-US" sz="3200" dirty="0"/>
           </a:p>
         </p:txBody>
       </p:sp>
     </p:spTree>
     <p:extLst>
       <p:ext uri="{BB962C8B-B14F-4D97-AF65-F5344CB8AC3E}">
-        <p14:creationId xmlns:p14="http://schemas.microsoft.com/office/powerpoint/2010/main" val="44187663"/>
+        <p14:creationId xmlns:p14="http://schemas.microsoft.com/office/powerpoint/2010/main" val="3244535212"/>
       </p:ext>
     </p:extLst>
   </p:cSld>
@@ -10080,6 +10918,106 @@
       </p:grpSpPr>
       <p:sp>
         <p:nvSpPr>
+          <p:cNvPr id="3" name="Content Placeholder 2"/>
+          <p:cNvSpPr>
+            <a:spLocks noGrp="1"/>
+          </p:cNvSpPr>
+          <p:nvPr>
+            <p:ph idx="1"/>
+          </p:nvPr>
+        </p:nvSpPr>
+        <p:spPr>
+          <a:xfrm>
+            <a:off x="416214" y="441845"/>
+            <a:ext cx="8302914" cy="4351338"/>
+          </a:xfrm>
+        </p:spPr>
+        <p:txBody>
+          <a:bodyPr>
+            <a:noAutofit/>
+          </a:bodyPr>
+          <a:lstStyle/>
+          <a:p>
+            <a:pPr marL="0" indent="0">
+              <a:buNone/>
+            </a:pPr>
+            <a:r>
+              <a:rPr lang="en-US" sz="3200" dirty="0"/>
+              <a:t>2. Structure design </a:t>
+            </a:r>
+            <a:r>
+              <a:rPr lang="en-US" sz="3200" b="1" dirty="0"/>
+              <a:t>around the data</a:t>
+            </a:r>
+            <a:r>
+              <a:rPr lang="en-US" sz="3200" dirty="0"/>
+              <a:t> to be stored</a:t>
+            </a:r>
+          </a:p>
+          <a:p>
+            <a:pPr marL="800100" lvl="1" indent="-457200" fontAlgn="base">
+              <a:buFont typeface="+mj-lt"/>
+              <a:buAutoNum type="alphaLcParenR"/>
+            </a:pPr>
+            <a:r>
+              <a:rPr lang="en-US" sz="2400" b="1" dirty="0"/>
+              <a:t>Nouns should become classes</a:t>
+            </a:r>
+            <a:endParaRPr lang="en-US" sz="2400" dirty="0"/>
+          </a:p>
+          <a:p>
+            <a:pPr marL="800100" lvl="1" indent="-457200" fontAlgn="base">
+              <a:buFont typeface="+mj-lt"/>
+              <a:buAutoNum type="alphaLcParenR"/>
+            </a:pPr>
+            <a:r>
+              <a:rPr lang="en-US" sz="2400" b="1" dirty="0"/>
+              <a:t>Classes should have intelligent behaviors</a:t>
+            </a:r>
+            <a:r>
+              <a:rPr lang="en-US" sz="2400" dirty="0"/>
+              <a:t> (methods) </a:t>
+            </a:r>
+            <a:r>
+              <a:rPr lang="en-US" sz="2400" b="1" dirty="0"/>
+              <a:t>that may operate on their data</a:t>
+            </a:r>
+            <a:endParaRPr lang="en-US" sz="2400" dirty="0"/>
+          </a:p>
+        </p:txBody>
+      </p:sp>
+    </p:spTree>
+    <p:extLst>
+      <p:ext uri="{BB962C8B-B14F-4D97-AF65-F5344CB8AC3E}">
+        <p14:creationId xmlns:p14="http://schemas.microsoft.com/office/powerpoint/2010/main" val="1350875023"/>
+      </p:ext>
+    </p:extLst>
+  </p:cSld>
+  <p:clrMapOvr>
+    <a:masterClrMapping/>
+  </p:clrMapOvr>
+</p:sld>
+</file>
+
+<file path=ppt/slides/slide22.xml><?xml version="1.0" encoding="utf-8"?>
+<p:sld xmlns:a="http://schemas.openxmlformats.org/drawingml/2006/main" xmlns:r="http://schemas.openxmlformats.org/officeDocument/2006/relationships" xmlns:p="http://schemas.openxmlformats.org/presentationml/2006/main">
+  <p:cSld>
+    <p:spTree>
+      <p:nvGrpSpPr>
+        <p:cNvPr id="1" name=""/>
+        <p:cNvGrpSpPr/>
+        <p:nvPr/>
+      </p:nvGrpSpPr>
+      <p:grpSpPr>
+        <a:xfrm>
+          <a:off x="0" y="0"/>
+          <a:ext cx="0" cy="0"/>
+          <a:chOff x="0" y="0"/>
+          <a:chExt cx="0" cy="0"/>
+        </a:xfrm>
+      </p:grpSpPr>
+      <p:sp>
+        <p:nvSpPr>
           <p:cNvPr id="2" name="Title 1"/>
           <p:cNvSpPr>
             <a:spLocks noGrp="1"/>
@@ -10090,12 +11028,14 @@
         </p:nvSpPr>
         <p:spPr/>
         <p:txBody>
-          <a:bodyPr/>
+          <a:bodyPr>
+            <a:normAutofit/>
+          </a:bodyPr>
           <a:lstStyle/>
           <a:p>
             <a:r>
               <a:rPr lang="en-US" dirty="0"/>
-              <a:t>Design Problems</a:t>
+              <a:t>A good object oriented design is structured around the data</a:t>
             </a:r>
           </a:p>
         </p:txBody>
@@ -10110,26 +11050,136 @@
             <p:ph idx="1"/>
           </p:nvPr>
         </p:nvSpPr>
+        <p:spPr>
+          <a:xfrm>
+            <a:off x="628650" y="1825624"/>
+            <a:ext cx="7886700" cy="4667249"/>
+          </a:xfrm>
+        </p:spPr>
+        <p:txBody>
+          <a:bodyPr>
+            <a:normAutofit lnSpcReduction="10000"/>
+          </a:bodyPr>
+          <a:lstStyle/>
+          <a:p>
+            <a:r>
+              <a:rPr lang="en-US" sz="3200" dirty="0"/>
+              <a:t>Look for the nouns in your problem, consider making each of them a Class</a:t>
+            </a:r>
+          </a:p>
+          <a:p>
+            <a:pPr lvl="1"/>
+            <a:r>
+              <a:rPr lang="is-IS" sz="2900" dirty="0"/>
+              <a:t>…i</a:t>
+            </a:r>
+            <a:r>
+              <a:rPr lang="en-US" sz="2900" dirty="0"/>
+              <a:t>f work related to that now is complex enough</a:t>
+            </a:r>
+          </a:p>
+          <a:p>
+            <a:r>
+              <a:rPr lang="en-US" sz="3200" dirty="0"/>
+              <a:t>Put the data store as fields in the Class</a:t>
+            </a:r>
+          </a:p>
+          <a:p>
+            <a:r>
+              <a:rPr lang="en-US" sz="3200" dirty="0"/>
+              <a:t>Add operations to the Class to accomplish what your need, i.e., manipulate the internal class fields </a:t>
+            </a:r>
+          </a:p>
+          <a:p>
+            <a:r>
+              <a:rPr lang="en-US" sz="3200" dirty="0"/>
+              <a:t>Avoid Plural Nouns – i.e., Class name singular and know that client can always make multiple object instances of this class</a:t>
+            </a:r>
+          </a:p>
+        </p:txBody>
+      </p:sp>
+    </p:spTree>
+    <p:extLst>
+      <p:ext uri="{BB962C8B-B14F-4D97-AF65-F5344CB8AC3E}">
+        <p14:creationId xmlns:p14="http://schemas.microsoft.com/office/powerpoint/2010/main" val="44187663"/>
+      </p:ext>
+    </p:extLst>
+  </p:cSld>
+  <p:clrMapOvr>
+    <a:masterClrMapping/>
+  </p:clrMapOvr>
+</p:sld>
+</file>
+
+<file path=ppt/slides/slide23.xml><?xml version="1.0" encoding="utf-8"?>
+<p:sld xmlns:a="http://schemas.openxmlformats.org/drawingml/2006/main" xmlns:r="http://schemas.openxmlformats.org/officeDocument/2006/relationships" xmlns:p="http://schemas.openxmlformats.org/presentationml/2006/main">
+  <p:cSld>
+    <p:spTree>
+      <p:nvGrpSpPr>
+        <p:cNvPr id="1" name=""/>
+        <p:cNvGrpSpPr/>
+        <p:nvPr/>
+      </p:nvGrpSpPr>
+      <p:grpSpPr>
+        <a:xfrm>
+          <a:off x="0" y="0"/>
+          <a:ext cx="0" cy="0"/>
+          <a:chOff x="0" y="0"/>
+          <a:chExt cx="0" cy="0"/>
+        </a:xfrm>
+      </p:grpSpPr>
+      <p:sp>
+        <p:nvSpPr>
+          <p:cNvPr id="2" name="Title 1"/>
+          <p:cNvSpPr>
+            <a:spLocks noGrp="1"/>
+          </p:cNvSpPr>
+          <p:nvPr>
+            <p:ph type="title"/>
+          </p:nvPr>
+        </p:nvSpPr>
         <p:spPr/>
         <p:txBody>
           <a:bodyPr/>
           <a:lstStyle/>
           <a:p>
             <a:r>
+              <a:rPr lang="en-US"/>
+              <a:t>Learning to Design</a:t>
+            </a:r>
+          </a:p>
+        </p:txBody>
+      </p:sp>
+      <p:sp>
+        <p:nvSpPr>
+          <p:cNvPr id="3" name="Content Placeholder 2"/>
+          <p:cNvSpPr>
+            <a:spLocks noGrp="1"/>
+          </p:cNvSpPr>
+          <p:nvPr>
+            <p:ph idx="1"/>
+          </p:nvPr>
+        </p:nvSpPr>
+        <p:spPr/>
+        <p:txBody>
+          <a:bodyPr/>
+          <a:lstStyle/>
+          <a:p>
+            <a:r>
               <a:rPr lang="en-US" dirty="0"/>
-              <a:t>You will be presented with a “story problem” for a program(s) that you need to imagine coding.</a:t>
+              <a:t>You will be given “story problem” for a program(s) that you need to imagine coding</a:t>
             </a:r>
           </a:p>
           <a:p>
             <a:r>
               <a:rPr lang="en-US" dirty="0"/>
-              <a:t>The paragraph of text provides a list of requirements for necessary features that you will need to provide.</a:t>
+              <a:t>The story problem provides a list of requirements for necessary features that you will need to provide</a:t>
             </a:r>
           </a:p>
           <a:p>
             <a:r>
               <a:rPr lang="en-US" dirty="0"/>
-              <a:t>We want to give you practice designing in two ways:</a:t>
+              <a:t>You will practice designing in two ways:</a:t>
             </a:r>
           </a:p>
           <a:p>
@@ -10149,7 +11199,7 @@
           <a:p>
             <a:r>
               <a:rPr lang="en-US" dirty="0"/>
-              <a:t>You will have a number of opportunities to do this:</a:t>
+              <a:t>You will have a number of opportunities to do practice designing:</a:t>
             </a:r>
           </a:p>
           <a:p>
@@ -10163,7 +11213,7 @@
             <a:pPr lvl="1"/>
             <a:r>
               <a:rPr lang="en-US" dirty="0"/>
-              <a:t>Homework Assignments (3)</a:t>
+              <a:t>Homework Assignments (5)</a:t>
             </a:r>
           </a:p>
           <a:p>
@@ -10188,7 +11238,13 @@
       </p:sp>
       <p:sp>
         <p:nvSpPr>
-          <p:cNvPr id="5" name="Rounded Rectangle 4"/>
+          <p:cNvPr id="4" name="Rounded Rectangle 3">
+            <a:extLst>
+              <a:ext uri="{FF2B5EF4-FFF2-40B4-BE49-F238E27FC236}">
+                <a16:creationId xmlns:a16="http://schemas.microsoft.com/office/drawing/2014/main" id="{61072DDE-CD95-6542-8078-93938020E0DA}"/>
+              </a:ext>
+            </a:extLst>
+          </p:cNvPr>
           <p:cNvSpPr/>
           <p:nvPr/>
         </p:nvSpPr>
@@ -10250,7 +11306,13 @@
       </p:sp>
       <p:sp>
         <p:nvSpPr>
-          <p:cNvPr id="6" name="Rounded Rectangle 5"/>
+          <p:cNvPr id="5" name="Rounded Rectangle 4">
+            <a:extLst>
+              <a:ext uri="{FF2B5EF4-FFF2-40B4-BE49-F238E27FC236}">
+                <a16:creationId xmlns:a16="http://schemas.microsoft.com/office/drawing/2014/main" id="{A7DC9D0D-1F39-2D4B-A7E4-2540A6A120C7}"/>
+              </a:ext>
+            </a:extLst>
+          </p:cNvPr>
           <p:cNvSpPr/>
           <p:nvPr/>
         </p:nvSpPr>
@@ -10308,7 +11370,7 @@
     </p:spTree>
     <p:extLst>
       <p:ext uri="{BB962C8B-B14F-4D97-AF65-F5344CB8AC3E}">
-        <p14:creationId xmlns:p14="http://schemas.microsoft.com/office/powerpoint/2010/main" val="2555767030"/>
+        <p14:creationId xmlns:p14="http://schemas.microsoft.com/office/powerpoint/2010/main" val="1610235330"/>
       </p:ext>
     </p:extLst>
   </p:cSld>
@@ -10349,7 +11411,7 @@
                                           </p:stCondLst>
                                         </p:cTn>
                                         <p:tgtEl>
-                                          <p:spTgt spid="6"/>
+                                          <p:spTgt spid="5"/>
                                         </p:tgtEl>
                                         <p:attrNameLst>
                                           <p:attrName>style.visibility</p:attrName>
@@ -10363,7 +11425,7 @@
                                       <p:cBhvr additive="base">
                                         <p:cTn id="7" dur="500" fill="hold"/>
                                         <p:tgtEl>
-                                          <p:spTgt spid="6"/>
+                                          <p:spTgt spid="5"/>
                                         </p:tgtEl>
                                         <p:attrNameLst>
                                           <p:attrName>ppt_x</p:attrName>
@@ -10386,7 +11448,7 @@
                                       <p:cBhvr additive="base">
                                         <p:cTn id="8" dur="500" fill="hold"/>
                                         <p:tgtEl>
-                                          <p:spTgt spid="6"/>
+                                          <p:spTgt spid="5"/>
                                         </p:tgtEl>
                                         <p:attrNameLst>
                                           <p:attrName>ppt_y</p:attrName>
@@ -10440,7 +11502,7 @@
                                           </p:stCondLst>
                                         </p:cTn>
                                         <p:tgtEl>
-                                          <p:spTgt spid="5"/>
+                                          <p:spTgt spid="4"/>
                                         </p:tgtEl>
                                         <p:attrNameLst>
                                           <p:attrName>style.visibility</p:attrName>
@@ -10454,7 +11516,7 @@
                                       <p:cBhvr additive="base">
                                         <p:cTn id="13" dur="500" fill="hold"/>
                                         <p:tgtEl>
-                                          <p:spTgt spid="5"/>
+                                          <p:spTgt spid="4"/>
                                         </p:tgtEl>
                                         <p:attrNameLst>
                                           <p:attrName>ppt_x</p:attrName>
@@ -10477,7 +11539,7 @@
                                       <p:cBhvr additive="base">
                                         <p:cTn id="14" dur="500" fill="hold"/>
                                         <p:tgtEl>
-                                          <p:spTgt spid="5"/>
+                                          <p:spTgt spid="4"/>
                                         </p:tgtEl>
                                         <p:attrNameLst>
                                           <p:attrName>ppt_y</p:attrName>
@@ -10527,14 +11589,682 @@
       </p:par>
     </p:tnLst>
     <p:bldLst>
+      <p:bldP spid="4" grpId="0" animBg="1"/>
       <p:bldP spid="5" grpId="0" animBg="1"/>
-      <p:bldP spid="6" grpId="0" animBg="1"/>
     </p:bldLst>
   </p:timing>
 </p:sld>
 </file>
 
-<file path=ppt/slides/slide22.xml><?xml version="1.0" encoding="utf-8"?>
+<file path=ppt/slides/slide24.xml><?xml version="1.0" encoding="utf-8"?>
+<p:sld xmlns:a="http://schemas.openxmlformats.org/drawingml/2006/main" xmlns:r="http://schemas.openxmlformats.org/officeDocument/2006/relationships" xmlns:p="http://schemas.openxmlformats.org/presentationml/2006/main">
+  <p:cSld>
+    <p:spTree>
+      <p:nvGrpSpPr>
+        <p:cNvPr id="1" name=""/>
+        <p:cNvGrpSpPr/>
+        <p:nvPr/>
+      </p:nvGrpSpPr>
+      <p:grpSpPr>
+        <a:xfrm>
+          <a:off x="0" y="0"/>
+          <a:ext cx="0" cy="0"/>
+          <a:chOff x="0" y="0"/>
+          <a:chExt cx="0" cy="0"/>
+        </a:xfrm>
+      </p:grpSpPr>
+      <p:sp>
+        <p:nvSpPr>
+          <p:cNvPr id="3" name="Title 2"/>
+          <p:cNvSpPr>
+            <a:spLocks noGrp="1"/>
+          </p:cNvSpPr>
+          <p:nvPr>
+            <p:ph type="title"/>
+          </p:nvPr>
+        </p:nvSpPr>
+        <p:spPr>
+          <a:xfrm>
+            <a:off x="457200" y="194628"/>
+            <a:ext cx="8229600" cy="722889"/>
+          </a:xfrm>
+        </p:spPr>
+        <p:txBody>
+          <a:bodyPr>
+            <a:normAutofit/>
+          </a:bodyPr>
+          <a:lstStyle/>
+          <a:p>
+            <a:r>
+              <a:rPr lang="en-US"/>
+              <a:t>Good parts of the design - Main class</a:t>
+            </a:r>
+          </a:p>
+        </p:txBody>
+      </p:sp>
+      <p:sp>
+        <p:nvSpPr>
+          <p:cNvPr id="2" name="Content Placeholder 1"/>
+          <p:cNvSpPr>
+            <a:spLocks noGrp="1"/>
+          </p:cNvSpPr>
+          <p:nvPr>
+            <p:ph idx="1"/>
+          </p:nvPr>
+        </p:nvSpPr>
+        <p:spPr>
+          <a:xfrm>
+            <a:off x="360045" y="3958429"/>
+            <a:ext cx="8423910" cy="2609772"/>
+          </a:xfrm>
+        </p:spPr>
+        <p:txBody>
+          <a:bodyPr vert="horz" lIns="91440" tIns="45720" rIns="91440" bIns="45720" rtlCol="0" anchor="t">
+            <a:normAutofit/>
+          </a:bodyPr>
+          <a:lstStyle/>
+          <a:p>
+            <a:r>
+              <a:rPr lang="en-US" sz="2000"/>
+              <a:t>Every program </a:t>
+            </a:r>
+            <a:r>
+              <a:rPr lang="en-US" sz="2000">
+                <a:cs typeface="Calibri"/>
+              </a:rPr>
+              <a:t>starts somewhere, and any design should make clear where the starting point is.  In our class, we will name the starting point class </a:t>
+            </a:r>
+            <a:r>
+              <a:rPr lang="en-US" sz="2000" err="1">
+                <a:cs typeface="Calibri"/>
+              </a:rPr>
+              <a:t>Something</a:t>
+            </a:r>
+            <a:r>
+              <a:rPr lang="en-US" sz="2000" err="1">
+                <a:highlight>
+                  <a:srgbClr val="FFFF00"/>
+                </a:highlight>
+                <a:cs typeface="Calibri"/>
+              </a:rPr>
+              <a:t>Main</a:t>
+            </a:r>
+          </a:p>
+          <a:p>
+            <a:endParaRPr lang="en-US"/>
+          </a:p>
+        </p:txBody>
+      </p:sp>
+      <p:pic>
+        <p:nvPicPr>
+          <p:cNvPr id="6" name="Picture 9" descr="A screenshot of a cell phone&#10;&#10;Description generated with very high confidence">
+            <a:extLst>
+              <a:ext uri="{FF2B5EF4-FFF2-40B4-BE49-F238E27FC236}">
+                <a16:creationId xmlns:a16="http://schemas.microsoft.com/office/drawing/2014/main" id="{027D1337-90DB-4BC9-9C29-E469F810DE74}"/>
+              </a:ext>
+            </a:extLst>
+          </p:cNvPr>
+          <p:cNvPicPr>
+            <a:picLocks noChangeAspect="1"/>
+          </p:cNvPicPr>
+          <p:nvPr/>
+        </p:nvPicPr>
+        <p:blipFill>
+          <a:blip r:embed="rId3"/>
+          <a:stretch>
+            <a:fillRect/>
+          </a:stretch>
+        </p:blipFill>
+        <p:spPr>
+          <a:xfrm>
+            <a:off x="1015593" y="783195"/>
+            <a:ext cx="6409911" cy="3136587"/>
+          </a:xfrm>
+          <a:prstGeom prst="rect">
+            <a:avLst/>
+          </a:prstGeom>
+        </p:spPr>
+      </p:pic>
+      <p:sp>
+        <p:nvSpPr>
+          <p:cNvPr id="5" name="Rectangle: Rounded Corners 4">
+            <a:extLst>
+              <a:ext uri="{FF2B5EF4-FFF2-40B4-BE49-F238E27FC236}">
+                <a16:creationId xmlns:a16="http://schemas.microsoft.com/office/drawing/2014/main" id="{08004D7E-2D9F-4ACD-BFA7-3D42E6847293}"/>
+              </a:ext>
+            </a:extLst>
+          </p:cNvPr>
+          <p:cNvSpPr/>
+          <p:nvPr/>
+        </p:nvSpPr>
+        <p:spPr>
+          <a:xfrm>
+            <a:off x="605791" y="917518"/>
+            <a:ext cx="4149090" cy="465512"/>
+          </a:xfrm>
+          <a:prstGeom prst="roundRect">
+            <a:avLst/>
+          </a:prstGeom>
+          <a:noFill/>
+          <a:ln>
+            <a:solidFill>
+              <a:srgbClr val="FF0000"/>
+            </a:solidFill>
+          </a:ln>
+        </p:spPr>
+        <p:style>
+          <a:lnRef idx="2">
+            <a:schemeClr val="accent1">
+              <a:shade val="50000"/>
+            </a:schemeClr>
+          </a:lnRef>
+          <a:fillRef idx="1">
+            <a:schemeClr val="accent1"/>
+          </a:fillRef>
+          <a:effectRef idx="0">
+            <a:schemeClr val="accent1"/>
+          </a:effectRef>
+          <a:fontRef idx="minor">
+            <a:schemeClr val="lt1"/>
+          </a:fontRef>
+        </p:style>
+        <p:txBody>
+          <a:bodyPr rtlCol="0" anchor="ctr"/>
+          <a:lstStyle/>
+          <a:p>
+            <a:pPr algn="ctr"/>
+            <a:endParaRPr lang="en-US"/>
+          </a:p>
+        </p:txBody>
+      </p:sp>
+      <p:cxnSp>
+        <p:nvCxnSpPr>
+          <p:cNvPr id="7" name="Straight Arrow Connector 6">
+            <a:extLst>
+              <a:ext uri="{FF2B5EF4-FFF2-40B4-BE49-F238E27FC236}">
+                <a16:creationId xmlns:a16="http://schemas.microsoft.com/office/drawing/2014/main" id="{64515D22-5699-4CF0-8804-5E762EB2B61A}"/>
+              </a:ext>
+            </a:extLst>
+          </p:cNvPr>
+          <p:cNvCxnSpPr>
+            <a:cxnSpLocks/>
+          </p:cNvCxnSpPr>
+          <p:nvPr/>
+        </p:nvCxnSpPr>
+        <p:spPr>
+          <a:xfrm flipV="1">
+            <a:off x="3109913" y="1383030"/>
+            <a:ext cx="227647" cy="2575400"/>
+          </a:xfrm>
+          <a:prstGeom prst="straightConnector1">
+            <a:avLst/>
+          </a:prstGeom>
+          <a:ln>
+            <a:solidFill>
+              <a:srgbClr val="FF0000"/>
+            </a:solidFill>
+            <a:headEnd w="lg" len="lg"/>
+            <a:tailEnd type="arrow" w="lg" len="lg"/>
+          </a:ln>
+        </p:spPr>
+        <p:style>
+          <a:lnRef idx="3">
+            <a:schemeClr val="accent1"/>
+          </a:lnRef>
+          <a:fillRef idx="0">
+            <a:schemeClr val="accent1"/>
+          </a:fillRef>
+          <a:effectRef idx="2">
+            <a:schemeClr val="accent1"/>
+          </a:effectRef>
+          <a:fontRef idx="minor">
+            <a:schemeClr val="tx1"/>
+          </a:fontRef>
+        </p:style>
+      </p:cxnSp>
+      <p:sp>
+        <p:nvSpPr>
+          <p:cNvPr id="8" name="Rounded Rectangle 7"/>
+          <p:cNvSpPr/>
+          <p:nvPr/>
+        </p:nvSpPr>
+        <p:spPr>
+          <a:xfrm>
+            <a:off x="2108498" y="4943390"/>
+            <a:ext cx="3636085" cy="1323191"/>
+          </a:xfrm>
+          <a:prstGeom prst="roundRect">
+            <a:avLst/>
+          </a:prstGeom>
+        </p:spPr>
+        <p:style>
+          <a:lnRef idx="2">
+            <a:schemeClr val="accent4">
+              <a:shade val="50000"/>
+            </a:schemeClr>
+          </a:lnRef>
+          <a:fillRef idx="1">
+            <a:schemeClr val="accent4"/>
+          </a:fillRef>
+          <a:effectRef idx="0">
+            <a:schemeClr val="accent4"/>
+          </a:effectRef>
+          <a:fontRef idx="minor">
+            <a:schemeClr val="lt1"/>
+          </a:fontRef>
+        </p:style>
+        <p:txBody>
+          <a:bodyPr rtlCol="0" anchor="ctr"/>
+          <a:lstStyle/>
+          <a:p>
+            <a:pPr algn="ctr"/>
+            <a:r>
+              <a:rPr lang="en-US">
+                <a:solidFill>
+                  <a:schemeClr val="tx1"/>
+                </a:solidFill>
+              </a:rPr>
+              <a:t>We </a:t>
+            </a:r>
+            <a:r>
+              <a:rPr lang="en-US" b="1" i="1">
+                <a:solidFill>
+                  <a:schemeClr val="tx1"/>
+                </a:solidFill>
+              </a:rPr>
+              <a:t>implicitly</a:t>
+            </a:r>
+            <a:r>
+              <a:rPr lang="en-US">
+                <a:solidFill>
+                  <a:schemeClr val="tx1"/>
+                </a:solidFill>
+              </a:rPr>
+              <a:t> assume there exists:</a:t>
+            </a:r>
+          </a:p>
+          <a:p>
+            <a:pPr algn="ctr"/>
+            <a:r>
+              <a:rPr lang="en-US">
+                <a:solidFill>
+                  <a:schemeClr val="tx1"/>
+                </a:solidFill>
+              </a:rPr>
+              <a:t>constructors as needed</a:t>
+            </a:r>
+          </a:p>
+          <a:p>
+            <a:pPr algn="ctr"/>
+            <a:r>
+              <a:rPr lang="en-US">
+                <a:solidFill>
+                  <a:schemeClr val="tx1"/>
+                </a:solidFill>
+              </a:rPr>
+              <a:t>getters and setters as needed</a:t>
+            </a:r>
+          </a:p>
+        </p:txBody>
+      </p:sp>
+      <p:cxnSp>
+        <p:nvCxnSpPr>
+          <p:cNvPr id="16" name="Straight Arrow Connector 15">
+            <a:extLst>
+              <a:ext uri="{FF2B5EF4-FFF2-40B4-BE49-F238E27FC236}">
+                <a16:creationId xmlns:a16="http://schemas.microsoft.com/office/drawing/2014/main" id="{64515D22-5699-4CF0-8804-5E762EB2B61A}"/>
+              </a:ext>
+            </a:extLst>
+          </p:cNvPr>
+          <p:cNvCxnSpPr>
+            <a:cxnSpLocks/>
+          </p:cNvCxnSpPr>
+          <p:nvPr/>
+        </p:nvCxnSpPr>
+        <p:spPr>
+          <a:xfrm flipV="1">
+            <a:off x="3812716" y="3291840"/>
+            <a:ext cx="1362790" cy="1837852"/>
+          </a:xfrm>
+          <a:prstGeom prst="straightConnector1">
+            <a:avLst/>
+          </a:prstGeom>
+          <a:ln>
+            <a:solidFill>
+              <a:srgbClr val="FF0000"/>
+            </a:solidFill>
+            <a:headEnd w="lg" len="lg"/>
+            <a:tailEnd type="arrow" w="lg" len="lg"/>
+          </a:ln>
+        </p:spPr>
+        <p:style>
+          <a:lnRef idx="3">
+            <a:schemeClr val="accent1"/>
+          </a:lnRef>
+          <a:fillRef idx="0">
+            <a:schemeClr val="accent1"/>
+          </a:fillRef>
+          <a:effectRef idx="2">
+            <a:schemeClr val="accent1"/>
+          </a:effectRef>
+          <a:fontRef idx="minor">
+            <a:schemeClr val="tx1"/>
+          </a:fontRef>
+        </p:style>
+      </p:cxnSp>
+    </p:spTree>
+    <p:extLst>
+      <p:ext uri="{BB962C8B-B14F-4D97-AF65-F5344CB8AC3E}">
+        <p14:creationId xmlns:p14="http://schemas.microsoft.com/office/powerpoint/2010/main" val="235834780"/>
+      </p:ext>
+    </p:extLst>
+  </p:cSld>
+  <p:clrMapOvr>
+    <a:masterClrMapping/>
+  </p:clrMapOvr>
+</p:sld>
+</file>
+
+<file path=ppt/slides/slide25.xml><?xml version="1.0" encoding="utf-8"?>
+<p:sld xmlns:a="http://schemas.openxmlformats.org/drawingml/2006/main" xmlns:r="http://schemas.openxmlformats.org/officeDocument/2006/relationships" xmlns:p="http://schemas.openxmlformats.org/presentationml/2006/main">
+  <p:cSld>
+    <p:spTree>
+      <p:nvGrpSpPr>
+        <p:cNvPr id="1" name=""/>
+        <p:cNvGrpSpPr/>
+        <p:nvPr/>
+      </p:nvGrpSpPr>
+      <p:grpSpPr>
+        <a:xfrm>
+          <a:off x="0" y="0"/>
+          <a:ext cx="0" cy="0"/>
+          <a:chOff x="0" y="0"/>
+          <a:chExt cx="0" cy="0"/>
+        </a:xfrm>
+      </p:grpSpPr>
+      <p:sp>
+        <p:nvSpPr>
+          <p:cNvPr id="2" name="Title 1">
+            <a:extLst>
+              <a:ext uri="{FF2B5EF4-FFF2-40B4-BE49-F238E27FC236}">
+                <a16:creationId xmlns:a16="http://schemas.microsoft.com/office/drawing/2014/main" id="{90661CDA-10D9-4E16-94B4-CFF5CFDAD515}"/>
+              </a:ext>
+            </a:extLst>
+          </p:cNvPr>
+          <p:cNvSpPr>
+            <a:spLocks noGrp="1"/>
+          </p:cNvSpPr>
+          <p:nvPr>
+            <p:ph type="title"/>
+          </p:nvPr>
+        </p:nvSpPr>
+        <p:spPr>
+          <a:xfrm>
+            <a:off x="628650" y="22860"/>
+            <a:ext cx="7886700" cy="1071987"/>
+          </a:xfrm>
+        </p:spPr>
+        <p:txBody>
+          <a:bodyPr>
+            <a:normAutofit/>
+          </a:bodyPr>
+          <a:lstStyle/>
+          <a:p>
+            <a:r>
+              <a:rPr lang="en-US"/>
+              <a:t>Do the in-class activity </a:t>
+            </a:r>
+            <a:br>
+              <a:rPr lang="en-US"/>
+            </a:br>
+            <a:r>
+              <a:rPr lang="en-US"/>
+              <a:t>     </a:t>
+            </a:r>
+          </a:p>
+        </p:txBody>
+      </p:sp>
+      <p:sp>
+        <p:nvSpPr>
+          <p:cNvPr id="6" name="TextBox 5">
+            <a:extLst>
+              <a:ext uri="{FF2B5EF4-FFF2-40B4-BE49-F238E27FC236}">
+                <a16:creationId xmlns:a16="http://schemas.microsoft.com/office/drawing/2014/main" id="{30FCF57C-A08C-4EA4-A46B-CF86C6E10D83}"/>
+              </a:ext>
+            </a:extLst>
+          </p:cNvPr>
+          <p:cNvSpPr txBox="1"/>
+          <p:nvPr/>
+        </p:nvSpPr>
+        <p:spPr>
+          <a:xfrm>
+            <a:off x="244929" y="643222"/>
+            <a:ext cx="8899071" cy="5801588"/>
+          </a:xfrm>
+          <a:prstGeom prst="rect">
+            <a:avLst/>
+          </a:prstGeom>
+        </p:spPr>
+        <p:txBody>
+          <a:bodyPr rot="0" spcFirstLastPara="0" vertOverflow="overflow" horzOverflow="overflow" vert="horz" wrap="square" lIns="91440" tIns="45720" rIns="91440" bIns="45720" numCol="1" spcCol="0" rtlCol="0" fromWordArt="0" anchor="t" anchorCtr="0" forceAA="0" compatLnSpc="1">
+            <a:prstTxWarp prst="textNoShape">
+              <a:avLst/>
+            </a:prstTxWarp>
+            <a:spAutoFit/>
+          </a:bodyPr>
+          <a:lstStyle/>
+          <a:p>
+            <a:r>
+              <a:rPr lang="en-US" dirty="0">
+                <a:latin typeface="Arial"/>
+                <a:cs typeface="Arial"/>
+              </a:rPr>
+              <a:t>A particular company keeps a variety of different accounts for its projects. Each account has an account number and a balance.  When a deposit or withdrawal occurs, the transaction occurs immediately, and the current balance should be updated. The system should support getting the current balance.  </a:t>
+            </a:r>
+          </a:p>
+          <a:p>
+            <a:endParaRPr lang="en-US" dirty="0">
+              <a:latin typeface="Arial"/>
+              <a:cs typeface="Arial"/>
+            </a:endParaRPr>
+          </a:p>
+          <a:p>
+            <a:r>
+              <a:rPr lang="en-US" dirty="0">
+                <a:latin typeface="Arial"/>
+                <a:cs typeface="Arial"/>
+              </a:rPr>
+              <a:t>The system should also support getting the balance as it existed at any date/time in the past.  Note the input historical date/time may not correspond to a particular transaction time - e.g., if the system had a balance of $1 at 1 p.m. and then was changed to $2 at 3 p.m., a request for the balance at 2 p.m. should return $1</a:t>
+            </a:r>
+            <a:r>
+              <a:rPr lang="en-US" sz="1100" dirty="0">
+                <a:latin typeface="Arial"/>
+                <a:cs typeface="Arial"/>
+              </a:rPr>
+              <a:t>.</a:t>
+            </a:r>
+          </a:p>
+          <a:p>
+            <a:endParaRPr lang="en-US" sz="1100" dirty="0">
+              <a:latin typeface="Arial"/>
+              <a:cs typeface="Arial"/>
+            </a:endParaRPr>
+          </a:p>
+          <a:p>
+            <a:r>
+              <a:rPr lang="en-US" b="1" dirty="0"/>
+              <a:t>To Do #1</a:t>
+            </a:r>
+            <a:endParaRPr lang="en-US" dirty="0"/>
+          </a:p>
+          <a:p>
+            <a:r>
+              <a:rPr lang="en-US" dirty="0"/>
+              <a:t>Identify all the </a:t>
+            </a:r>
+            <a:r>
+              <a:rPr lang="en-US" i="1" dirty="0"/>
+              <a:t>primary nouns</a:t>
+            </a:r>
+            <a:r>
+              <a:rPr lang="en-US" dirty="0"/>
+              <a:t> in the Problem Statement (above). A primary noun </a:t>
+            </a:r>
+            <a:r>
+              <a:rPr lang="en-US" i="1" dirty="0"/>
+              <a:t>has</a:t>
+            </a:r>
+            <a:r>
+              <a:rPr lang="en-US" dirty="0"/>
+              <a:t> other nouns associated with it</a:t>
+            </a:r>
+            <a:r>
+              <a:rPr lang="en-US" i="1" dirty="0"/>
+              <a:t>.</a:t>
+            </a:r>
+            <a:r>
+              <a:rPr lang="en-US" dirty="0"/>
+              <a:t> </a:t>
+            </a:r>
+          </a:p>
+          <a:p>
+            <a:r>
+              <a:rPr lang="en-US" b="1" dirty="0"/>
+              <a:t>To Do #2</a:t>
+            </a:r>
+            <a:endParaRPr lang="en-US" dirty="0"/>
+          </a:p>
+          <a:p>
+            <a:r>
+              <a:rPr lang="en-US" dirty="0"/>
+              <a:t>For each primary noun listed in To Do #1 (above), write down its associated </a:t>
+            </a:r>
+            <a:r>
+              <a:rPr lang="en-US" i="1" dirty="0"/>
+              <a:t>other nouns</a:t>
+            </a:r>
+            <a:r>
+              <a:rPr lang="en-US" dirty="0"/>
+              <a:t> - write these down in the second column above next to the corresponding primary noun. </a:t>
+            </a:r>
+          </a:p>
+          <a:p>
+            <a:r>
+              <a:rPr lang="en-US" b="1" dirty="0"/>
+              <a:t>To Do #3</a:t>
+            </a:r>
+            <a:endParaRPr lang="en-US" dirty="0"/>
+          </a:p>
+          <a:p>
+            <a:r>
+              <a:rPr lang="en-US" dirty="0"/>
+              <a:t>Identify all the </a:t>
+            </a:r>
+            <a:r>
+              <a:rPr lang="en-US" i="1" dirty="0"/>
+              <a:t>verbs</a:t>
+            </a:r>
+            <a:r>
+              <a:rPr lang="en-US" dirty="0"/>
+              <a:t> in the Problem Statement. </a:t>
+            </a:r>
+          </a:p>
+          <a:p>
+            <a:r>
+              <a:rPr lang="en-US" b="1" dirty="0"/>
+              <a:t>To Do #4</a:t>
+            </a:r>
+            <a:endParaRPr lang="en-US" dirty="0"/>
+          </a:p>
+          <a:p>
+            <a:r>
+              <a:rPr lang="en-US" dirty="0"/>
+              <a:t>For each verb in To Do #3, identify all the </a:t>
+            </a:r>
+            <a:r>
+              <a:rPr lang="en-US" i="1" dirty="0"/>
+              <a:t>nouns (Primary and/or other)</a:t>
+            </a:r>
+            <a:r>
+              <a:rPr lang="en-US" dirty="0"/>
+              <a:t> in the Problem Statement that the verb works on </a:t>
+            </a:r>
+          </a:p>
+        </p:txBody>
+      </p:sp>
+    </p:spTree>
+    <p:extLst>
+      <p:ext uri="{BB962C8B-B14F-4D97-AF65-F5344CB8AC3E}">
+        <p14:creationId xmlns:p14="http://schemas.microsoft.com/office/powerpoint/2010/main" val="3491872846"/>
+      </p:ext>
+    </p:extLst>
+  </p:cSld>
+  <p:clrMapOvr>
+    <a:masterClrMapping/>
+  </p:clrMapOvr>
+</p:sld>
+</file>
+
+<file path=ppt/slides/slide26.xml><?xml version="1.0" encoding="utf-8"?>
+<p:sld xmlns:a="http://schemas.openxmlformats.org/drawingml/2006/main" xmlns:r="http://schemas.openxmlformats.org/officeDocument/2006/relationships" xmlns:p="http://schemas.openxmlformats.org/presentationml/2006/main">
+  <p:cSld>
+    <p:spTree>
+      <p:nvGrpSpPr>
+        <p:cNvPr id="1" name=""/>
+        <p:cNvGrpSpPr/>
+        <p:nvPr/>
+      </p:nvGrpSpPr>
+      <p:grpSpPr>
+        <a:xfrm>
+          <a:off x="0" y="0"/>
+          <a:ext cx="0" cy="0"/>
+          <a:chOff x="0" y="0"/>
+          <a:chExt cx="0" cy="0"/>
+        </a:xfrm>
+      </p:grpSpPr>
+      <p:sp>
+        <p:nvSpPr>
+          <p:cNvPr id="2" name="Title 1">
+            <a:extLst>
+              <a:ext uri="{FF2B5EF4-FFF2-40B4-BE49-F238E27FC236}">
+                <a16:creationId xmlns:a16="http://schemas.microsoft.com/office/drawing/2014/main" id="{DE0471AE-887C-4849-9602-3E01EB62372E}"/>
+              </a:ext>
+            </a:extLst>
+          </p:cNvPr>
+          <p:cNvSpPr>
+            <a:spLocks noGrp="1"/>
+          </p:cNvSpPr>
+          <p:nvPr>
+            <p:ph type="title"/>
+          </p:nvPr>
+        </p:nvSpPr>
+        <p:spPr/>
+        <p:txBody>
+          <a:bodyPr/>
+          <a:lstStyle/>
+          <a:p>
+            <a:pPr algn="ctr"/>
+            <a:r>
+              <a:rPr lang="en-US"/>
+              <a:t>Design Problem # – Company Accounts</a:t>
+            </a:r>
+          </a:p>
+        </p:txBody>
+      </p:sp>
+    </p:spTree>
+    <p:extLst>
+      <p:ext uri="{BB962C8B-B14F-4D97-AF65-F5344CB8AC3E}">
+        <p14:creationId xmlns:p14="http://schemas.microsoft.com/office/powerpoint/2010/main" val="1398640859"/>
+      </p:ext>
+    </p:extLst>
+  </p:cSld>
+  <p:clrMapOvr>
+    <a:masterClrMapping/>
+  </p:clrMapOvr>
+</p:sld>
+</file>
+
+<file path=ppt/slides/slide27.xml><?xml version="1.0" encoding="utf-8"?>
 <p:sld xmlns:a="http://schemas.openxmlformats.org/drawingml/2006/main" xmlns:r="http://schemas.openxmlformats.org/officeDocument/2006/relationships" xmlns:p="http://schemas.openxmlformats.org/presentationml/2006/main">
   <p:cSld>
     <p:spTree>
@@ -10912,7 +12642,7 @@
 </p:sld>
 </file>
 
-<file path=ppt/slides/slide23.xml><?xml version="1.0" encoding="utf-8"?>
+<file path=ppt/slides/slide28.xml><?xml version="1.0" encoding="utf-8"?>
 <p:sld xmlns:a="http://schemas.openxmlformats.org/drawingml/2006/main" xmlns:r="http://schemas.openxmlformats.org/officeDocument/2006/relationships" xmlns:p="http://schemas.openxmlformats.org/presentationml/2006/main">
   <p:cSld>
     <p:spTree>
@@ -11272,7 +13002,7 @@
 </p:sld>
 </file>
 
-<file path=ppt/slides/slide24.xml><?xml version="1.0" encoding="utf-8"?>
+<file path=ppt/slides/slide29.xml><?xml version="1.0" encoding="utf-8"?>
 <p:sld xmlns:a="http://schemas.openxmlformats.org/drawingml/2006/main" xmlns:r="http://schemas.openxmlformats.org/officeDocument/2006/relationships" xmlns:p="http://schemas.openxmlformats.org/presentationml/2006/main">
   <p:cSld>
     <p:spTree>
@@ -11312,7 +13042,7 @@
           <a:lstStyle/>
           <a:p>
             <a:r>
-              <a:rPr lang="en-US" dirty="0"/>
+              <a:rPr lang="en-US"/>
               <a:t>Good parts of the design – “handle” methods</a:t>
             </a:r>
           </a:p>
@@ -11341,32 +13071,95 @@
           <a:lstStyle/>
           <a:p>
             <a:r>
-              <a:rPr lang="en-US" sz="2000" dirty="0"/>
+              <a:rPr lang="en-US" sz="2000"/>
               <a:t>In our very simple designs, this class also deals with user input</a:t>
             </a:r>
           </a:p>
           <a:p>
             <a:r>
-              <a:rPr lang="en-US" sz="2000" dirty="0"/>
-              <a:t>"</a:t>
-            </a:r>
-            <a:r>
-              <a:rPr lang="en-US" sz="2000" dirty="0">
+              <a:rPr lang="en-US" sz="2000" i="1"/>
+              <a:t>handle</a:t>
+            </a:r>
+            <a:r>
+              <a:rPr lang="en-US" sz="2000">
                 <a:cs typeface="Calibri"/>
               </a:rPr>
-              <a:t>handle" methods will have special meaning for us, as they will represent places where user commands enter the system.  </a:t>
-            </a:r>
-          </a:p>
-          <a:p>
-            <a:r>
-              <a:rPr lang="en-US" sz="2000" dirty="0">
+              <a:t> methods will have special meaning for us, as they will represent places where user commands enter the system</a:t>
+            </a:r>
+          </a:p>
+          <a:p>
+            <a:r>
+              <a:rPr lang="en-US" sz="2000">
+                <a:highlight>
+                  <a:srgbClr val="FFFF00"/>
+                </a:highlight>
                 <a:cs typeface="Calibri"/>
               </a:rPr>
-              <a:t>By looking at parameters to the handle methods, you can sometimes get more info on how the various commands in the description should work.</a:t>
-            </a:r>
-          </a:p>
-          <a:p>
-            <a:endParaRPr lang="en-US" dirty="0"/>
+              <a:t>Examine the UML diagram and use your analysis skills in order to determine:</a:t>
+            </a:r>
+          </a:p>
+          <a:p>
+            <a:pPr marL="685800" lvl="1" indent="-342900">
+              <a:buFont typeface="+mj-lt"/>
+              <a:buAutoNum type="arabicPeriod"/>
+            </a:pPr>
+            <a:r>
+              <a:rPr lang="en-US" sz="1700">
+                <a:cs typeface="Calibri"/>
+              </a:rPr>
+              <a:t>If what is required by the </a:t>
+            </a:r>
+            <a:r>
+              <a:rPr lang="en-US" sz="1700" i="1">
+                <a:cs typeface="Calibri"/>
+              </a:rPr>
+              <a:t>story problem </a:t>
+            </a:r>
+            <a:r>
+              <a:rPr lang="en-US" sz="1700">
+                <a:cs typeface="Calibri"/>
+              </a:rPr>
+              <a:t>can be stored be stored by the design presented in the UML diagram</a:t>
+            </a:r>
+          </a:p>
+          <a:p>
+            <a:pPr marL="685800" lvl="1" indent="-342900">
+              <a:buFont typeface="+mj-lt"/>
+              <a:buAutoNum type="arabicPeriod"/>
+            </a:pPr>
+            <a:r>
+              <a:rPr lang="en-US" sz="1700">
+                <a:cs typeface="Calibri"/>
+              </a:rPr>
+              <a:t>If you can implement the </a:t>
+            </a:r>
+            <a:r>
+              <a:rPr lang="en-US" sz="1700" i="1">
+                <a:cs typeface="Calibri"/>
+              </a:rPr>
+              <a:t>handle </a:t>
+            </a:r>
+            <a:r>
+              <a:rPr lang="en-US" sz="1700">
+                <a:cs typeface="Calibri"/>
+              </a:rPr>
+              <a:t>methods in the UML </a:t>
+            </a:r>
+            <a:r>
+              <a:rPr lang="en-US" sz="1700" i="1">
+                <a:cs typeface="Calibri"/>
+              </a:rPr>
+              <a:t>Main</a:t>
+            </a:r>
+            <a:r>
+              <a:rPr lang="en-US" sz="1700">
+                <a:cs typeface="Calibri"/>
+              </a:rPr>
+              <a:t> class given the data stored in the different UML class diagram</a:t>
+            </a:r>
+          </a:p>
+          <a:p>
+            <a:endParaRPr lang="en-US"/>
           </a:p>
         </p:txBody>
       </p:sp>
@@ -11500,7 +13293,7 @@
     </p:spTree>
     <p:extLst>
       <p:ext uri="{BB962C8B-B14F-4D97-AF65-F5344CB8AC3E}">
-        <p14:creationId xmlns:p14="http://schemas.microsoft.com/office/powerpoint/2010/main" val="4191193747"/>
+        <p14:creationId xmlns:p14="http://schemas.microsoft.com/office/powerpoint/2010/main" val="2359050030"/>
       </p:ext>
     </p:extLst>
   </p:cSld>
@@ -11510,7 +13303,135 @@
 </p:sld>
 </file>
 
-<file path=ppt/slides/slide25.xml><?xml version="1.0" encoding="utf-8"?>
+<file path=ppt/slides/slide3.xml><?xml version="1.0" encoding="utf-8"?>
+<p:sld xmlns:a="http://schemas.openxmlformats.org/drawingml/2006/main" xmlns:r="http://schemas.openxmlformats.org/officeDocument/2006/relationships" xmlns:p="http://schemas.openxmlformats.org/presentationml/2006/main">
+  <p:cSld>
+    <p:spTree>
+      <p:nvGrpSpPr>
+        <p:cNvPr id="1" name=""/>
+        <p:cNvGrpSpPr/>
+        <p:nvPr/>
+      </p:nvGrpSpPr>
+      <p:grpSpPr>
+        <a:xfrm>
+          <a:off x="0" y="0"/>
+          <a:ext cx="0" cy="0"/>
+          <a:chOff x="0" y="0"/>
+          <a:chExt cx="0" cy="0"/>
+        </a:xfrm>
+      </p:grpSpPr>
+      <p:sp>
+        <p:nvSpPr>
+          <p:cNvPr id="3" name="Title 2"/>
+          <p:cNvSpPr>
+            <a:spLocks noGrp="1"/>
+          </p:cNvSpPr>
+          <p:nvPr>
+            <p:ph type="title"/>
+          </p:nvPr>
+        </p:nvSpPr>
+        <p:spPr/>
+        <p:txBody>
+          <a:bodyPr/>
+          <a:lstStyle/>
+          <a:p>
+            <a:r>
+              <a:rPr lang="en-US" dirty="0"/>
+              <a:t>Designing Classes</a:t>
+            </a:r>
+          </a:p>
+        </p:txBody>
+      </p:sp>
+      <p:sp>
+        <p:nvSpPr>
+          <p:cNvPr id="2" name="Content Placeholder 1"/>
+          <p:cNvSpPr>
+            <a:spLocks noGrp="1"/>
+          </p:cNvSpPr>
+          <p:nvPr>
+            <p:ph idx="1"/>
+          </p:nvPr>
+        </p:nvSpPr>
+        <p:spPr/>
+        <p:txBody>
+          <a:bodyPr/>
+          <a:lstStyle/>
+          <a:p>
+            <a:pPr>
+              <a:buFont typeface="Arial" panose="020B0604020202020204" pitchFamily="34" charset="0"/>
+              <a:buChar char="•"/>
+            </a:pPr>
+            <a:r>
+              <a:rPr lang="en-US" dirty="0"/>
+              <a:t>So we propose designs, then iteratively refine them into something that might work</a:t>
+            </a:r>
+          </a:p>
+          <a:p>
+            <a:pPr lvl="1">
+              <a:buFont typeface="Arial" panose="020B0604020202020204" pitchFamily="34" charset="0"/>
+              <a:buChar char="•"/>
+            </a:pPr>
+            <a:r>
+              <a:rPr lang="en-US" dirty="0"/>
+              <a:t>Many bad ideas in the process – as we iteratively define the design, we’ll end up tossing them out</a:t>
+            </a:r>
+          </a:p>
+          <a:p>
+            <a:pPr lvl="1">
+              <a:buFont typeface="Arial" panose="020B0604020202020204" pitchFamily="34" charset="0"/>
+              <a:buChar char="•"/>
+            </a:pPr>
+            <a:r>
+              <a:rPr lang="en-US" dirty="0"/>
+              <a:t>We don’t want to go through the effort of implementing bad ideas in code – it’s too time and resource costly to implement an idea in order to determine if it’s an incomplete/inconsistent solution</a:t>
+            </a:r>
+          </a:p>
+          <a:p>
+            <a:pPr lvl="1">
+              <a:buFont typeface="Arial" panose="020B0604020202020204" pitchFamily="34" charset="0"/>
+              <a:buChar char="•"/>
+            </a:pPr>
+            <a:r>
+              <a:rPr lang="en-US" dirty="0"/>
+              <a:t>So, we need a way to communicate/think concretely about these half-baked program approaches</a:t>
+            </a:r>
+          </a:p>
+          <a:p>
+            <a:pPr>
+              <a:buFont typeface="Arial" panose="020B0604020202020204" pitchFamily="34" charset="0"/>
+              <a:buChar char="•"/>
+            </a:pPr>
+            <a:r>
+              <a:rPr lang="en-US" dirty="0"/>
+              <a:t>We need a diagram language!</a:t>
+            </a:r>
+          </a:p>
+          <a:p>
+            <a:pPr lvl="1"/>
+            <a:r>
+              <a:rPr lang="en-US" dirty="0"/>
+              <a:t>With these diagrams, which can be put together with reasonable cost, we can test out idea for solutions, and thus help us eliminate the incomplete/inconsistent approaches early on in the refinement</a:t>
+            </a:r>
+          </a:p>
+          <a:p>
+            <a:endParaRPr lang="en-US" dirty="0"/>
+          </a:p>
+        </p:txBody>
+      </p:sp>
+    </p:spTree>
+    <p:extLst>
+      <p:ext uri="{BB962C8B-B14F-4D97-AF65-F5344CB8AC3E}">
+        <p14:creationId xmlns:p14="http://schemas.microsoft.com/office/powerpoint/2010/main" val="4263988934"/>
+      </p:ext>
+    </p:extLst>
+  </p:cSld>
+  <p:clrMapOvr>
+    <a:masterClrMapping/>
+  </p:clrMapOvr>
+</p:sld>
+</file>
+
+<file path=ppt/slides/slide30.xml><?xml version="1.0" encoding="utf-8"?>
 <p:sld xmlns:a="http://schemas.openxmlformats.org/drawingml/2006/main" xmlns:r="http://schemas.openxmlformats.org/officeDocument/2006/relationships" xmlns:p="http://schemas.openxmlformats.org/presentationml/2006/main">
   <p:cSld>
     <p:spTree>
@@ -11927,6 +13848,45 @@
             <a:r>
               <a:rPr lang="en-US" dirty="0"/>
               <a:t>When you have an idea, then continue</a:t>
+            </a:r>
+          </a:p>
+        </p:txBody>
+      </p:sp>
+      <p:sp>
+        <p:nvSpPr>
+          <p:cNvPr id="14" name="TextBox 13">
+            <a:extLst>
+              <a:ext uri="{FF2B5EF4-FFF2-40B4-BE49-F238E27FC236}">
+                <a16:creationId xmlns:a16="http://schemas.microsoft.com/office/drawing/2014/main" id="{C7BE36DB-912A-964E-BB21-62865BEE7969}"/>
+              </a:ext>
+            </a:extLst>
+          </p:cNvPr>
+          <p:cNvSpPr txBox="1"/>
+          <p:nvPr/>
+        </p:nvSpPr>
+        <p:spPr>
+          <a:xfrm rot="19623622">
+            <a:off x="70270" y="3815196"/>
+            <a:ext cx="1165039" cy="369332"/>
+          </a:xfrm>
+          <a:prstGeom prst="rect">
+            <a:avLst/>
+          </a:prstGeom>
+          <a:noFill/>
+        </p:spPr>
+        <p:txBody>
+          <a:bodyPr wrap="square" rtlCol="0">
+            <a:spAutoFit/>
+          </a:bodyPr>
+          <a:lstStyle/>
+          <a:p>
+            <a:r>
+              <a:rPr lang="en-US" b="1" dirty="0">
+                <a:solidFill>
+                  <a:srgbClr val="FF0000"/>
+                </a:solidFill>
+              </a:rPr>
+              <a:t>Solution A</a:t>
             </a:r>
           </a:p>
         </p:txBody>
@@ -12068,7 +14028,7 @@
 </p:sld>
 </file>
 
-<file path=ppt/slides/slide26.xml><?xml version="1.0" encoding="utf-8"?>
+<file path=ppt/slides/slide31.xml><?xml version="1.0" encoding="utf-8"?>
 <p:sld xmlns:a="http://schemas.openxmlformats.org/drawingml/2006/main" xmlns:r="http://schemas.openxmlformats.org/officeDocument/2006/relationships" xmlns:p="http://schemas.openxmlformats.org/presentationml/2006/main">
   <p:cSld>
     <p:spTree>
@@ -12209,7 +14169,7 @@
 </p:sld>
 </file>
 
-<file path=ppt/slides/slide27.xml><?xml version="1.0" encoding="utf-8"?>
+<file path=ppt/slides/slide32.xml><?xml version="1.0" encoding="utf-8"?>
 <p:sld xmlns:a="http://schemas.openxmlformats.org/drawingml/2006/main" xmlns:r="http://schemas.openxmlformats.org/officeDocument/2006/relationships" xmlns:p="http://schemas.openxmlformats.org/presentationml/2006/main">
   <p:cSld>
     <p:spTree>
@@ -12465,7 +14425,7 @@
         </p:nvSpPr>
         <p:spPr>
           <a:xfrm>
-            <a:off x="409187" y="3433281"/>
+            <a:off x="4177211" y="2928439"/>
             <a:ext cx="4708479" cy="1009685"/>
           </a:xfrm>
           <a:prstGeom prst="roundRect">
@@ -12510,6 +14470,45 @@
             <a:r>
               <a:rPr lang="en-US" dirty="0"/>
               <a:t>When you have an idea, then continue</a:t>
+            </a:r>
+          </a:p>
+        </p:txBody>
+      </p:sp>
+      <p:sp>
+        <p:nvSpPr>
+          <p:cNvPr id="9" name="TextBox 8">
+            <a:extLst>
+              <a:ext uri="{FF2B5EF4-FFF2-40B4-BE49-F238E27FC236}">
+                <a16:creationId xmlns:a16="http://schemas.microsoft.com/office/drawing/2014/main" id="{7DB9BAD8-E9F6-3D4E-9EC9-DC5872558D73}"/>
+              </a:ext>
+            </a:extLst>
+          </p:cNvPr>
+          <p:cNvSpPr txBox="1"/>
+          <p:nvPr/>
+        </p:nvSpPr>
+        <p:spPr>
+          <a:xfrm rot="19623622">
+            <a:off x="6769" y="3774810"/>
+            <a:ext cx="1165039" cy="369332"/>
+          </a:xfrm>
+          <a:prstGeom prst="rect">
+            <a:avLst/>
+          </a:prstGeom>
+          <a:noFill/>
+        </p:spPr>
+        <p:txBody>
+          <a:bodyPr wrap="square" rtlCol="0">
+            <a:spAutoFit/>
+          </a:bodyPr>
+          <a:lstStyle/>
+          <a:p>
+            <a:r>
+              <a:rPr lang="en-US" b="1" dirty="0">
+                <a:solidFill>
+                  <a:srgbClr val="FF0000"/>
+                </a:solidFill>
+              </a:rPr>
+              <a:t>Solution B</a:t>
             </a:r>
           </a:p>
         </p:txBody>
@@ -12651,7 +14650,7 @@
 </p:sld>
 </file>
 
-<file path=ppt/slides/slide28.xml><?xml version="1.0" encoding="utf-8"?>
+<file path=ppt/slides/slide33.xml><?xml version="1.0" encoding="utf-8"?>
 <p:sld xmlns:a="http://schemas.openxmlformats.org/drawingml/2006/main" xmlns:r="http://schemas.openxmlformats.org/officeDocument/2006/relationships" xmlns:p="http://schemas.openxmlformats.org/presentationml/2006/main">
   <p:cSld>
     <p:spTree>
@@ -12794,7 +14793,7 @@
 </p:sld>
 </file>
 
-<file path=ppt/slides/slide29.xml><?xml version="1.0" encoding="utf-8"?>
+<file path=ppt/slides/slide34.xml><?xml version="1.0" encoding="utf-8"?>
 <p:sld xmlns:a="http://schemas.openxmlformats.org/drawingml/2006/main" xmlns:r="http://schemas.openxmlformats.org/officeDocument/2006/relationships" xmlns:p="http://schemas.openxmlformats.org/presentationml/2006/main">
   <p:cSld>
     <p:spTree>
@@ -13241,7 +15240,7 @@
 </p:sld>
 </file>
 
-<file path=ppt/slides/slide3.xml><?xml version="1.0" encoding="utf-8"?>
+<file path=ppt/slides/slide35.xml><?xml version="1.0" encoding="utf-8"?>
 <p:sld xmlns:a="http://schemas.openxmlformats.org/drawingml/2006/main" xmlns:r="http://schemas.openxmlformats.org/officeDocument/2006/relationships" xmlns:p="http://schemas.openxmlformats.org/presentationml/2006/main">
   <p:cSld>
     <p:spTree>
@@ -13260,134 +15259,6 @@
       </p:grpSpPr>
       <p:sp>
         <p:nvSpPr>
-          <p:cNvPr id="3" name="Title 2"/>
-          <p:cNvSpPr>
-            <a:spLocks noGrp="1"/>
-          </p:cNvSpPr>
-          <p:nvPr>
-            <p:ph type="title"/>
-          </p:nvPr>
-        </p:nvSpPr>
-        <p:spPr/>
-        <p:txBody>
-          <a:bodyPr/>
-          <a:lstStyle/>
-          <a:p>
-            <a:r>
-              <a:rPr lang="en-US" dirty="0"/>
-              <a:t>Designing Classes</a:t>
-            </a:r>
-          </a:p>
-        </p:txBody>
-      </p:sp>
-      <p:sp>
-        <p:nvSpPr>
-          <p:cNvPr id="2" name="Content Placeholder 1"/>
-          <p:cNvSpPr>
-            <a:spLocks noGrp="1"/>
-          </p:cNvSpPr>
-          <p:nvPr>
-            <p:ph idx="1"/>
-          </p:nvPr>
-        </p:nvSpPr>
-        <p:spPr/>
-        <p:txBody>
-          <a:bodyPr/>
-          <a:lstStyle/>
-          <a:p>
-            <a:pPr>
-              <a:buFont typeface="Arial" panose="020B0604020202020204" pitchFamily="34" charset="0"/>
-              <a:buChar char="•"/>
-            </a:pPr>
-            <a:r>
-              <a:rPr lang="en-US" dirty="0"/>
-              <a:t>So we propose designs, then iteratively refine them into something that might work</a:t>
-            </a:r>
-          </a:p>
-          <a:p>
-            <a:pPr lvl="1">
-              <a:buFont typeface="Arial" panose="020B0604020202020204" pitchFamily="34" charset="0"/>
-              <a:buChar char="•"/>
-            </a:pPr>
-            <a:r>
-              <a:rPr lang="en-US" dirty="0"/>
-              <a:t>Many bad ideas in the process – as we iteratively define the design, we’ll end up tossing them out</a:t>
-            </a:r>
-          </a:p>
-          <a:p>
-            <a:pPr lvl="1">
-              <a:buFont typeface="Arial" panose="020B0604020202020204" pitchFamily="34" charset="0"/>
-              <a:buChar char="•"/>
-            </a:pPr>
-            <a:r>
-              <a:rPr lang="en-US" dirty="0"/>
-              <a:t>We don’t want to go through the effort of implementing bad ideas in code – it’s too time and resource costly to implement an idea in order to determine if it’s an incomplete/inconsistent solution</a:t>
-            </a:r>
-          </a:p>
-          <a:p>
-            <a:pPr lvl="1">
-              <a:buFont typeface="Arial" panose="020B0604020202020204" pitchFamily="34" charset="0"/>
-              <a:buChar char="•"/>
-            </a:pPr>
-            <a:r>
-              <a:rPr lang="en-US" dirty="0"/>
-              <a:t>So, we need a way to communicate/think concretely about these half-baked program approaches</a:t>
-            </a:r>
-          </a:p>
-          <a:p>
-            <a:pPr>
-              <a:buFont typeface="Arial" panose="020B0604020202020204" pitchFamily="34" charset="0"/>
-              <a:buChar char="•"/>
-            </a:pPr>
-            <a:r>
-              <a:rPr lang="en-US" dirty="0"/>
-              <a:t>We need a diagram language!</a:t>
-            </a:r>
-          </a:p>
-          <a:p>
-            <a:pPr lvl="1"/>
-            <a:r>
-              <a:rPr lang="en-US" dirty="0"/>
-              <a:t>With these diagrams, which can be put together with reasonable cost, we can test out idea for solutions, and thus help us eliminate the incomplete/inconsistent approaches early on in the refinement</a:t>
-            </a:r>
-          </a:p>
-          <a:p>
-            <a:endParaRPr lang="en-US" dirty="0"/>
-          </a:p>
-        </p:txBody>
-      </p:sp>
-    </p:spTree>
-    <p:extLst>
-      <p:ext uri="{BB962C8B-B14F-4D97-AF65-F5344CB8AC3E}">
-        <p14:creationId xmlns:p14="http://schemas.microsoft.com/office/powerpoint/2010/main" val="4263988934"/>
-      </p:ext>
-    </p:extLst>
-  </p:cSld>
-  <p:clrMapOvr>
-    <a:masterClrMapping/>
-  </p:clrMapOvr>
-</p:sld>
-</file>
-
-<file path=ppt/slides/slide30.xml><?xml version="1.0" encoding="utf-8"?>
-<p:sld xmlns:a="http://schemas.openxmlformats.org/drawingml/2006/main" xmlns:r="http://schemas.openxmlformats.org/officeDocument/2006/relationships" xmlns:p="http://schemas.openxmlformats.org/presentationml/2006/main">
-  <p:cSld>
-    <p:spTree>
-      <p:nvGrpSpPr>
-        <p:cNvPr id="1" name=""/>
-        <p:cNvGrpSpPr/>
-        <p:nvPr/>
-      </p:nvGrpSpPr>
-      <p:grpSpPr>
-        <a:xfrm>
-          <a:off x="0" y="0"/>
-          <a:ext cx="0" cy="0"/>
-          <a:chOff x="0" y="0"/>
-          <a:chExt cx="0" cy="0"/>
-        </a:xfrm>
-      </p:grpSpPr>
-      <p:sp>
-        <p:nvSpPr>
           <p:cNvPr id="2" name="Title 1">
             <a:extLst>
               <a:ext uri="{FF2B5EF4-FFF2-40B4-BE49-F238E27FC236}">
@@ -13408,8 +15279,8 @@
           <a:lstStyle/>
           <a:p>
             <a:r>
-              <a:rPr lang="en-US"/>
-              <a:t>My solution 1</a:t>
+              <a:rPr lang="en-US" dirty="0"/>
+              <a:t>Here is one potential solution</a:t>
             </a:r>
           </a:p>
         </p:txBody>
@@ -13452,8 +15323,8 @@
         </p:nvSpPr>
         <p:spPr>
           <a:xfrm>
-            <a:off x="1979407" y="4496696"/>
-            <a:ext cx="3087445" cy="1323191"/>
+            <a:off x="236306" y="4496696"/>
+            <a:ext cx="4830547" cy="1323191"/>
           </a:xfrm>
           <a:prstGeom prst="roundRect">
             <a:avLst/>
@@ -13486,7 +15357,7 @@
                   <a:schemeClr val="tx1"/>
                 </a:solidFill>
               </a:rPr>
-              <a:t>Technically, this class is just a “dumb” data holder and has no intelligence, which is bad!</a:t>
+              <a:t>Technically, this class is just a “dumb” data holder and has no methods that work on the data stored with the objects of this class.</a:t>
             </a:r>
           </a:p>
         </p:txBody>
@@ -13549,7 +15420,7 @@
 </p:sld>
 </file>
 
-<file path=ppt/slides/slide31.xml><?xml version="1.0" encoding="utf-8"?>
+<file path=ppt/slides/slide36.xml><?xml version="1.0" encoding="utf-8"?>
 <p:sld xmlns:a="http://schemas.openxmlformats.org/drawingml/2006/main" xmlns:r="http://schemas.openxmlformats.org/officeDocument/2006/relationships" xmlns:p="http://schemas.openxmlformats.org/presentationml/2006/main">
   <p:cSld>
     <p:spTree>
@@ -13588,8 +15459,8 @@
           <a:lstStyle/>
           <a:p>
             <a:r>
-              <a:rPr lang="en-US"/>
-              <a:t>My Solution 2</a:t>
+              <a:rPr lang="en-US" dirty="0"/>
+              <a:t>Here is a 2nd potential solution</a:t>
             </a:r>
           </a:p>
         </p:txBody>
@@ -13637,7 +15508,7 @@
 </p:sld>
 </file>
 
-<file path=ppt/slides/slide32.xml><?xml version="1.0" encoding="utf-8"?>
+<file path=ppt/slides/slide37.xml><?xml version="1.0" encoding="utf-8"?>
 <p:sld xmlns:a="http://schemas.openxmlformats.org/drawingml/2006/main" xmlns:r="http://schemas.openxmlformats.org/officeDocument/2006/relationships" xmlns:p="http://schemas.openxmlformats.org/presentationml/2006/main">
   <p:cSld>
     <p:spTree>
@@ -13676,8 +15547,8 @@
           <a:lstStyle/>
           <a:p>
             <a:r>
-              <a:rPr lang="en-US"/>
-              <a:t>My Solution 2</a:t>
+              <a:rPr lang="en-US" dirty="0"/>
+              <a:t>Here is a 2nd potential solution</a:t>
             </a:r>
           </a:p>
         </p:txBody>
@@ -13846,14 +15717,20 @@
       </p:cxnSp>
       <p:sp>
         <p:nvSpPr>
-          <p:cNvPr id="9" name="Rounded Rectangle 8"/>
+          <p:cNvPr id="10" name="Rounded Rectangle 9">
+            <a:extLst>
+              <a:ext uri="{FF2B5EF4-FFF2-40B4-BE49-F238E27FC236}">
+                <a16:creationId xmlns:a16="http://schemas.microsoft.com/office/drawing/2014/main" id="{8E2E2E3A-0A1F-CE4D-9ED9-5D15216145F0}"/>
+              </a:ext>
+            </a:extLst>
+          </p:cNvPr>
           <p:cNvSpPr/>
           <p:nvPr/>
         </p:nvSpPr>
         <p:spPr>
           <a:xfrm>
             <a:off x="525107" y="4771442"/>
-            <a:ext cx="7384453" cy="1323191"/>
+            <a:ext cx="8166830" cy="1804019"/>
           </a:xfrm>
           <a:prstGeom prst="roundRect">
             <a:avLst/>
@@ -13887,8 +15764,6 @@
               </a:rPr>
               <a:t>Note: </a:t>
             </a:r>
-          </a:p>
-          <a:p>
             <a:r>
               <a:rPr lang="en-US" i="1" dirty="0">
                 <a:solidFill>
@@ -13919,7 +15794,7 @@
                   <a:schemeClr val="tx1"/>
                 </a:solidFill>
               </a:rPr>
-              <a:t> – parallel </a:t>
+              <a:t> – are parallel </a:t>
             </a:r>
             <a:r>
               <a:rPr lang="en-US" dirty="0" err="1">
@@ -13929,23 +15804,147 @@
               </a:rPr>
               <a:t>ArrayLists</a:t>
             </a:r>
+            <a:endParaRPr lang="en-US" dirty="0">
+              <a:solidFill>
+                <a:schemeClr val="tx1"/>
+              </a:solidFill>
+            </a:endParaRPr>
+          </a:p>
+          <a:p>
             <a:r>
               <a:rPr lang="en-US" dirty="0">
                 <a:solidFill>
                   <a:schemeClr val="tx1"/>
                 </a:solidFill>
               </a:rPr>
-              <a:t>, for example</a:t>
-            </a:r>
-          </a:p>
-          <a:p>
+              <a:t>The 's' at the end of the names </a:t>
+            </a:r>
+            <a:r>
+              <a:rPr lang="en-US" i="1" dirty="0">
+                <a:solidFill>
+                  <a:schemeClr val="tx1"/>
+                </a:solidFill>
+              </a:rPr>
+              <a:t>balances</a:t>
+            </a:r>
             <a:r>
               <a:rPr lang="en-US" dirty="0">
                 <a:solidFill>
                   <a:schemeClr val="tx1"/>
                 </a:solidFill>
               </a:rPr>
-              <a:t>You might change this design to create a Class to capture this functionality </a:t>
+              <a:t> and </a:t>
+            </a:r>
+            <a:r>
+              <a:rPr lang="en-US" i="1" dirty="0" err="1">
+                <a:solidFill>
+                  <a:schemeClr val="tx1"/>
+                </a:solidFill>
+              </a:rPr>
+              <a:t>transactionDateTimes</a:t>
+            </a:r>
+            <a:r>
+              <a:rPr lang="en-US" i="1" dirty="0">
+                <a:solidFill>
+                  <a:schemeClr val="tx1"/>
+                </a:solidFill>
+              </a:rPr>
+              <a:t> </a:t>
+            </a:r>
+            <a:r>
+              <a:rPr lang="en-US" dirty="0">
+                <a:solidFill>
+                  <a:schemeClr val="tx1"/>
+                </a:solidFill>
+              </a:rPr>
+              <a:t>this is an indicator that each stores multiple values – these are really parallel </a:t>
+            </a:r>
+            <a:r>
+              <a:rPr lang="en-US" dirty="0" err="1">
+                <a:solidFill>
+                  <a:schemeClr val="tx1"/>
+                </a:solidFill>
+              </a:rPr>
+              <a:t>ArrayLists</a:t>
+            </a:r>
+            <a:endParaRPr lang="en-US" dirty="0">
+              <a:solidFill>
+                <a:schemeClr val="tx1"/>
+              </a:solidFill>
+            </a:endParaRPr>
+          </a:p>
+          <a:p>
+            <a:r>
+              <a:rPr lang="en-US" dirty="0">
+                <a:solidFill>
+                  <a:schemeClr val="tx1"/>
+                </a:solidFill>
+              </a:rPr>
+              <a:t>Alternative to parallel </a:t>
+            </a:r>
+            <a:r>
+              <a:rPr lang="en-US" dirty="0" err="1">
+                <a:solidFill>
+                  <a:schemeClr val="tx1"/>
+                </a:solidFill>
+              </a:rPr>
+              <a:t>ArrayLists</a:t>
+            </a:r>
+            <a:r>
+              <a:rPr lang="en-US" dirty="0">
+                <a:solidFill>
+                  <a:schemeClr val="tx1"/>
+                </a:solidFill>
+              </a:rPr>
+              <a:t>: Create a single new class to capture </a:t>
+            </a:r>
+            <a:r>
+              <a:rPr lang="en-US" i="1" dirty="0">
+                <a:solidFill>
+                  <a:schemeClr val="tx1"/>
+                </a:solidFill>
+              </a:rPr>
+              <a:t>balance</a:t>
+            </a:r>
+            <a:r>
+              <a:rPr lang="en-US" dirty="0">
+                <a:solidFill>
+                  <a:schemeClr val="tx1"/>
+                </a:solidFill>
+              </a:rPr>
+              <a:t> and </a:t>
+            </a:r>
+            <a:r>
+              <a:rPr lang="en-US" i="1" dirty="0" err="1">
+                <a:solidFill>
+                  <a:schemeClr val="tx1"/>
+                </a:solidFill>
+              </a:rPr>
+              <a:t>transactionDateTime</a:t>
+            </a:r>
+            <a:r>
+              <a:rPr lang="en-US" dirty="0">
+                <a:solidFill>
+                  <a:schemeClr val="tx1"/>
+                </a:solidFill>
+              </a:rPr>
+              <a:t>, then create a single </a:t>
+            </a:r>
+            <a:r>
+              <a:rPr lang="en-US" dirty="0" err="1">
+                <a:solidFill>
+                  <a:schemeClr val="tx1"/>
+                </a:solidFill>
+              </a:rPr>
+              <a:t>ArrayList</a:t>
+            </a:r>
+            <a:r>
+              <a:rPr lang="en-US" dirty="0">
+                <a:solidFill>
+                  <a:schemeClr val="tx1"/>
+                </a:solidFill>
+              </a:rPr>
+              <a:t> of this new class</a:t>
             </a:r>
           </a:p>
         </p:txBody>
@@ -13963,7 +15962,214 @@
 </p:sld>
 </file>
 
-<file path=ppt/slides/slide33.xml><?xml version="1.0" encoding="utf-8"?>
+<file path=ppt/slides/slide38.xml><?xml version="1.0" encoding="utf-8"?>
+<p:sld xmlns:a="http://schemas.openxmlformats.org/drawingml/2006/main" xmlns:r="http://schemas.openxmlformats.org/officeDocument/2006/relationships" xmlns:p="http://schemas.openxmlformats.org/presentationml/2006/main">
+  <p:cSld>
+    <p:spTree>
+      <p:nvGrpSpPr>
+        <p:cNvPr id="1" name=""/>
+        <p:cNvGrpSpPr/>
+        <p:nvPr/>
+      </p:nvGrpSpPr>
+      <p:grpSpPr>
+        <a:xfrm>
+          <a:off x="0" y="0"/>
+          <a:ext cx="0" cy="0"/>
+          <a:chOff x="0" y="0"/>
+          <a:chExt cx="0" cy="0"/>
+        </a:xfrm>
+      </p:grpSpPr>
+      <p:sp>
+        <p:nvSpPr>
+          <p:cNvPr id="2" name="Title 1">
+            <a:extLst>
+              <a:ext uri="{FF2B5EF4-FFF2-40B4-BE49-F238E27FC236}">
+                <a16:creationId xmlns:a16="http://schemas.microsoft.com/office/drawing/2014/main" id="{DE0471AE-887C-4849-9602-3E01EB62372E}"/>
+              </a:ext>
+            </a:extLst>
+          </p:cNvPr>
+          <p:cNvSpPr>
+            <a:spLocks noGrp="1"/>
+          </p:cNvSpPr>
+          <p:nvPr>
+            <p:ph type="title"/>
+          </p:nvPr>
+        </p:nvSpPr>
+        <p:spPr/>
+        <p:txBody>
+          <a:bodyPr/>
+          <a:lstStyle/>
+          <a:p>
+            <a:pPr algn="ctr"/>
+            <a:r>
+              <a:rPr lang="en-US" dirty="0"/>
+              <a:t>Design Problem # – Track Books</a:t>
+            </a:r>
+          </a:p>
+        </p:txBody>
+      </p:sp>
+      <p:sp>
+        <p:nvSpPr>
+          <p:cNvPr id="3" name="TextBox 2">
+            <a:extLst>
+              <a:ext uri="{FF2B5EF4-FFF2-40B4-BE49-F238E27FC236}">
+                <a16:creationId xmlns:a16="http://schemas.microsoft.com/office/drawing/2014/main" id="{2DE4C536-6FD7-434B-A197-5BB72B11D74F}"/>
+              </a:ext>
+            </a:extLst>
+          </p:cNvPr>
+          <p:cNvSpPr txBox="1"/>
+          <p:nvPr/>
+        </p:nvSpPr>
+        <p:spPr>
+          <a:xfrm>
+            <a:off x="244929" y="1690689"/>
+            <a:ext cx="8899071" cy="3308598"/>
+          </a:xfrm>
+          <a:prstGeom prst="rect">
+            <a:avLst/>
+          </a:prstGeom>
+        </p:spPr>
+        <p:txBody>
+          <a:bodyPr rot="0" spcFirstLastPara="0" vertOverflow="overflow" horzOverflow="overflow" vert="horz" wrap="square" lIns="91440" tIns="45720" rIns="91440" bIns="45720" numCol="1" spcCol="0" rtlCol="0" fromWordArt="0" anchor="t" anchorCtr="0" forceAA="0" compatLnSpc="1">
+            <a:prstTxWarp prst="textNoShape">
+              <a:avLst/>
+            </a:prstTxWarp>
+            <a:spAutoFit/>
+          </a:bodyPr>
+          <a:lstStyle/>
+          <a:p>
+            <a:endParaRPr lang="en-US" sz="1100" dirty="0">
+              <a:latin typeface="Arial"/>
+              <a:cs typeface="Arial"/>
+            </a:endParaRPr>
+          </a:p>
+          <a:p>
+            <a:r>
+              <a:rPr lang="en-US" dirty="0"/>
+              <a:t>On the next slide is another </a:t>
+            </a:r>
+            <a:r>
+              <a:rPr lang="en-US" i="1" dirty="0"/>
+              <a:t>story problem</a:t>
+            </a:r>
+          </a:p>
+          <a:p>
+            <a:endParaRPr lang="en-US" i="1" dirty="0"/>
+          </a:p>
+          <a:p>
+            <a:r>
+              <a:rPr lang="en-US" i="1" dirty="0"/>
+              <a:t>To be successful at solving these types of problems you must first read the story problem and do the following “To </a:t>
+            </a:r>
+            <a:r>
+              <a:rPr lang="en-US" i="1" dirty="0" err="1"/>
+              <a:t>Do”s</a:t>
+            </a:r>
+            <a:endParaRPr lang="en-US" i="1" dirty="0"/>
+          </a:p>
+          <a:p>
+            <a:endParaRPr lang="en-US" dirty="0"/>
+          </a:p>
+          <a:p>
+            <a:endParaRPr lang="en-US" dirty="0"/>
+          </a:p>
+          <a:p>
+            <a:r>
+              <a:rPr lang="en-US" b="1" dirty="0"/>
+              <a:t>To Do #1 - </a:t>
+            </a:r>
+            <a:r>
+              <a:rPr lang="en-US" dirty="0"/>
+              <a:t>Identify all the </a:t>
+            </a:r>
+            <a:r>
+              <a:rPr lang="en-US" i="1" dirty="0"/>
+              <a:t>primary nouns</a:t>
+            </a:r>
+            <a:endParaRPr lang="en-US" dirty="0"/>
+          </a:p>
+          <a:p>
+            <a:r>
+              <a:rPr lang="en-US" b="1" dirty="0"/>
+              <a:t>To Do #2 - </a:t>
+            </a:r>
+            <a:r>
+              <a:rPr lang="en-US" dirty="0"/>
+              <a:t>Identify the associated </a:t>
+            </a:r>
+            <a:r>
+              <a:rPr lang="en-US" i="1" dirty="0"/>
+              <a:t>other nouns </a:t>
+            </a:r>
+            <a:r>
+              <a:rPr lang="en-US" dirty="0"/>
+              <a:t>that go with the</a:t>
+            </a:r>
+            <a:r>
+              <a:rPr lang="en-US" i="1" dirty="0"/>
+              <a:t> primary nouns</a:t>
+            </a:r>
+            <a:endParaRPr lang="en-US" dirty="0"/>
+          </a:p>
+          <a:p>
+            <a:r>
+              <a:rPr lang="en-US" b="1" dirty="0"/>
+              <a:t>To Do #3 - </a:t>
+            </a:r>
+            <a:r>
+              <a:rPr lang="en-US" dirty="0"/>
+              <a:t>Identify all the </a:t>
+            </a:r>
+            <a:r>
+              <a:rPr lang="en-US" i="1" dirty="0"/>
+              <a:t>verbs</a:t>
+            </a:r>
+            <a:endParaRPr lang="en-US" dirty="0"/>
+          </a:p>
+          <a:p>
+            <a:r>
+              <a:rPr lang="en-US" b="1" dirty="0"/>
+              <a:t>To Do #4 - </a:t>
+            </a:r>
+            <a:r>
+              <a:rPr lang="en-US" dirty="0"/>
+              <a:t>For each verb identify all the </a:t>
+            </a:r>
+            <a:r>
+              <a:rPr lang="en-US" i="1" dirty="0"/>
+              <a:t>nouns </a:t>
+            </a:r>
+            <a:r>
+              <a:rPr lang="en-US" dirty="0"/>
+              <a:t>that the verb works on </a:t>
+            </a:r>
+          </a:p>
+          <a:p>
+            <a:r>
+              <a:rPr lang="en-US" b="1" dirty="0"/>
+              <a:t>To Do #5</a:t>
+            </a:r>
+            <a:r>
+              <a:rPr lang="en-US" dirty="0"/>
+              <a:t> – Analyze at the proposed Solution A and Solution B for their problems</a:t>
+            </a:r>
+          </a:p>
+        </p:txBody>
+      </p:sp>
+    </p:spTree>
+    <p:extLst>
+      <p:ext uri="{BB962C8B-B14F-4D97-AF65-F5344CB8AC3E}">
+        <p14:creationId xmlns:p14="http://schemas.microsoft.com/office/powerpoint/2010/main" val="2197107194"/>
+      </p:ext>
+    </p:extLst>
+  </p:cSld>
+  <p:clrMapOvr>
+    <a:masterClrMapping/>
+  </p:clrMapOvr>
+</p:sld>
+</file>
+
+<file path=ppt/slides/slide39.xml><?xml version="1.0" encoding="utf-8"?>
 <p:sld xmlns:a="http://schemas.openxmlformats.org/drawingml/2006/main" xmlns:r="http://schemas.openxmlformats.org/officeDocument/2006/relationships" xmlns:p="http://schemas.openxmlformats.org/presentationml/2006/main">
   <p:cSld>
     <p:spTree>
@@ -14019,7 +16225,7 @@
         <p:spPr>
           <a:xfrm>
             <a:off x="169039" y="2063557"/>
-            <a:ext cx="2318263" cy="523220"/>
+            <a:ext cx="3514616" cy="523220"/>
           </a:xfrm>
           <a:prstGeom prst="rect">
             <a:avLst/>
@@ -14034,7 +16240,7 @@
           <a:p>
             <a:r>
               <a:rPr lang="en-US" sz="2800" dirty="0"/>
-              <a:t>Bad Solution A</a:t>
+              <a:t>Problematic Solution A</a:t>
             </a:r>
             <a:endParaRPr lang="en-US" dirty="0"/>
           </a:p>
@@ -14049,7 +16255,7 @@
         <p:spPr>
           <a:xfrm>
             <a:off x="167884" y="4424552"/>
-            <a:ext cx="2318263" cy="523220"/>
+            <a:ext cx="3501792" cy="523220"/>
           </a:xfrm>
           <a:prstGeom prst="rect">
             <a:avLst/>
@@ -14064,7 +16270,7 @@
           <a:p>
             <a:r>
               <a:rPr lang="en-US" sz="2800" dirty="0"/>
-              <a:t>Bad Solution B</a:t>
+              <a:t>Problematic Solution B</a:t>
             </a:r>
             <a:endParaRPr lang="en-US" dirty="0"/>
           </a:p>
@@ -14194,7 +16400,7 @@
         </p:nvSpPr>
         <p:spPr>
           <a:xfrm>
-            <a:off x="2674715" y="1577092"/>
+            <a:off x="4072000" y="1558714"/>
             <a:ext cx="4708479" cy="1009685"/>
           </a:xfrm>
           <a:prstGeom prst="roundRect">
@@ -14380,7 +16586,113 @@
 </p:sld>
 </file>
 
-<file path=ppt/slides/slide34.xml><?xml version="1.0" encoding="utf-8"?>
+<file path=ppt/slides/slide4.xml><?xml version="1.0" encoding="utf-8"?>
+<p:sld xmlns:a="http://schemas.openxmlformats.org/drawingml/2006/main" xmlns:r="http://schemas.openxmlformats.org/officeDocument/2006/relationships" xmlns:p="http://schemas.openxmlformats.org/presentationml/2006/main">
+  <p:cSld>
+    <p:spTree>
+      <p:nvGrpSpPr>
+        <p:cNvPr id="1" name=""/>
+        <p:cNvGrpSpPr/>
+        <p:nvPr/>
+      </p:nvGrpSpPr>
+      <p:grpSpPr>
+        <a:xfrm>
+          <a:off x="0" y="0"/>
+          <a:ext cx="0" cy="0"/>
+          <a:chOff x="0" y="0"/>
+          <a:chExt cx="0" cy="0"/>
+        </a:xfrm>
+      </p:grpSpPr>
+      <p:sp>
+        <p:nvSpPr>
+          <p:cNvPr id="3" name="Title 2"/>
+          <p:cNvSpPr>
+            <a:spLocks noGrp="1"/>
+          </p:cNvSpPr>
+          <p:nvPr>
+            <p:ph type="title"/>
+          </p:nvPr>
+        </p:nvSpPr>
+        <p:spPr/>
+        <p:txBody>
+          <a:bodyPr/>
+          <a:lstStyle/>
+          <a:p>
+            <a:r>
+              <a:rPr lang="en-US" dirty="0"/>
+              <a:t>Tools of the Trade - Diagramming</a:t>
+            </a:r>
+          </a:p>
+        </p:txBody>
+      </p:sp>
+      <p:sp>
+        <p:nvSpPr>
+          <p:cNvPr id="2" name="Content Placeholder 1"/>
+          <p:cNvSpPr>
+            <a:spLocks noGrp="1"/>
+          </p:cNvSpPr>
+          <p:nvPr>
+            <p:ph idx="1"/>
+          </p:nvPr>
+        </p:nvSpPr>
+        <p:spPr/>
+        <p:txBody>
+          <a:bodyPr/>
+          <a:lstStyle/>
+          <a:p>
+            <a:r>
+              <a:rPr lang="en-US" dirty="0"/>
+              <a:t>Class Diagrams (UML)</a:t>
+            </a:r>
+          </a:p>
+          <a:p>
+            <a:r>
+              <a:rPr lang="en-US" dirty="0"/>
+              <a:t>UML – Unified Modeling Language</a:t>
+            </a:r>
+          </a:p>
+          <a:p>
+            <a:pPr lvl="1"/>
+            <a:r>
+              <a:rPr lang="en-US" sz="2100" dirty="0"/>
+              <a:t>Language </a:t>
+            </a:r>
+            <a:r>
+              <a:rPr lang="en-US" sz="2100" dirty="0">
+                <a:solidFill>
+                  <a:srgbClr val="FF0000"/>
+                </a:solidFill>
+              </a:rPr>
+              <a:t>un</a:t>
+            </a:r>
+            <a:r>
+              <a:rPr lang="en-US" sz="2100" dirty="0"/>
+              <a:t>specific</a:t>
+            </a:r>
+          </a:p>
+          <a:p>
+            <a:pPr lvl="1"/>
+            <a:r>
+              <a:rPr lang="en-US" sz="2100" dirty="0"/>
+              <a:t>Has a lot of different diagrams it provides specifications for – but the class diagram language is the most widely used</a:t>
+            </a:r>
+          </a:p>
+        </p:txBody>
+      </p:sp>
+    </p:spTree>
+    <p:extLst>
+      <p:ext uri="{BB962C8B-B14F-4D97-AF65-F5344CB8AC3E}">
+        <p14:creationId xmlns:p14="http://schemas.microsoft.com/office/powerpoint/2010/main" val="3671572528"/>
+      </p:ext>
+    </p:extLst>
+  </p:cSld>
+  <p:clrMapOvr>
+    <a:masterClrMapping/>
+  </p:clrMapOvr>
+</p:sld>
+</file>
+
+<file path=ppt/slides/slide40.xml><?xml version="1.0" encoding="utf-8"?>
 <p:sld xmlns:a="http://schemas.openxmlformats.org/drawingml/2006/main" xmlns:r="http://schemas.openxmlformats.org/officeDocument/2006/relationships" xmlns:p="http://schemas.openxmlformats.org/presentationml/2006/main">
   <p:cSld>
     <p:spTree>
@@ -14505,7 +16817,7 @@
 </p:sld>
 </file>
 
-<file path=ppt/slides/slide35.xml><?xml version="1.0" encoding="utf-8"?>
+<file path=ppt/slides/slide41.xml><?xml version="1.0" encoding="utf-8"?>
 <p:sld xmlns:a="http://schemas.openxmlformats.org/drawingml/2006/main" xmlns:r="http://schemas.openxmlformats.org/officeDocument/2006/relationships" xmlns:p="http://schemas.openxmlformats.org/presentationml/2006/main">
   <p:cSld>
     <p:spTree>
@@ -14649,7 +16961,7 @@
 </p:sld>
 </file>
 
-<file path=ppt/slides/slide36.xml><?xml version="1.0" encoding="utf-8"?>
+<file path=ppt/slides/slide42.xml><?xml version="1.0" encoding="utf-8"?>
 <p:sld xmlns:a="http://schemas.openxmlformats.org/drawingml/2006/main" xmlns:r="http://schemas.openxmlformats.org/officeDocument/2006/relationships" xmlns:p="http://schemas.openxmlformats.org/presentationml/2006/main">
   <p:cSld>
     <p:spTree>
@@ -14707,7 +17019,7 @@
         </p:nvSpPr>
         <p:spPr>
           <a:xfrm>
-            <a:off x="396346" y="1906879"/>
+            <a:off x="457991" y="1594449"/>
             <a:ext cx="7635360" cy="2308324"/>
           </a:xfrm>
           <a:prstGeom prst="rect">
@@ -14734,7 +17046,7 @@
           <a:p>
             <a:r>
               <a:rPr lang="en-US" dirty="0"/>
-              <a:t>Bad designs for reference:</a:t>
+              <a:t>Problematic designs for reference:</a:t>
             </a:r>
           </a:p>
         </p:txBody>
@@ -14807,7 +17119,7 @@
         </p:nvSpPr>
         <p:spPr>
           <a:xfrm>
-            <a:off x="1173918" y="886669"/>
+            <a:off x="4112327" y="803748"/>
             <a:ext cx="4708479" cy="790701"/>
           </a:xfrm>
           <a:prstGeom prst="roundRect">
@@ -14857,6 +17169,84 @@
             <a:r>
               <a:rPr lang="en-US" dirty="0"/>
               <a:t> is OK!</a:t>
+            </a:r>
+          </a:p>
+        </p:txBody>
+      </p:sp>
+      <p:sp>
+        <p:nvSpPr>
+          <p:cNvPr id="9" name="TextBox 8">
+            <a:extLst>
+              <a:ext uri="{FF2B5EF4-FFF2-40B4-BE49-F238E27FC236}">
+                <a16:creationId xmlns:a16="http://schemas.microsoft.com/office/drawing/2014/main" id="{674E3BB0-973E-4C44-A5CC-1A61DFD0B829}"/>
+              </a:ext>
+            </a:extLst>
+          </p:cNvPr>
+          <p:cNvSpPr txBox="1"/>
+          <p:nvPr/>
+        </p:nvSpPr>
+        <p:spPr>
+          <a:xfrm rot="19623622">
+            <a:off x="2519011" y="5346755"/>
+            <a:ext cx="1165039" cy="369332"/>
+          </a:xfrm>
+          <a:prstGeom prst="rect">
+            <a:avLst/>
+          </a:prstGeom>
+          <a:noFill/>
+        </p:spPr>
+        <p:txBody>
+          <a:bodyPr wrap="square" rtlCol="0">
+            <a:spAutoFit/>
+          </a:bodyPr>
+          <a:lstStyle/>
+          <a:p>
+            <a:r>
+              <a:rPr lang="en-US" b="1" dirty="0">
+                <a:solidFill>
+                  <a:srgbClr val="FF0000"/>
+                </a:solidFill>
+              </a:rPr>
+              <a:t>Solution B</a:t>
+            </a:r>
+          </a:p>
+        </p:txBody>
+      </p:sp>
+      <p:sp>
+        <p:nvSpPr>
+          <p:cNvPr id="10" name="TextBox 9">
+            <a:extLst>
+              <a:ext uri="{FF2B5EF4-FFF2-40B4-BE49-F238E27FC236}">
+                <a16:creationId xmlns:a16="http://schemas.microsoft.com/office/drawing/2014/main" id="{3DD55A05-DB3B-9540-9877-A3A13863D874}"/>
+              </a:ext>
+            </a:extLst>
+          </p:cNvPr>
+          <p:cNvSpPr txBox="1"/>
+          <p:nvPr/>
+        </p:nvSpPr>
+        <p:spPr>
+          <a:xfrm rot="19623622">
+            <a:off x="2485032" y="4087210"/>
+            <a:ext cx="1165039" cy="369332"/>
+          </a:xfrm>
+          <a:prstGeom prst="rect">
+            <a:avLst/>
+          </a:prstGeom>
+          <a:noFill/>
+        </p:spPr>
+        <p:txBody>
+          <a:bodyPr wrap="square" rtlCol="0">
+            <a:spAutoFit/>
+          </a:bodyPr>
+          <a:lstStyle/>
+          <a:p>
+            <a:r>
+              <a:rPr lang="en-US" b="1" dirty="0">
+                <a:solidFill>
+                  <a:srgbClr val="FF0000"/>
+                </a:solidFill>
+              </a:rPr>
+              <a:t>Solution A</a:t>
             </a:r>
           </a:p>
         </p:txBody>
@@ -14998,7 +17388,7 @@
 </p:sld>
 </file>
 
-<file path=ppt/slides/slide37.xml><?xml version="1.0" encoding="utf-8"?>
+<file path=ppt/slides/slide43.xml><?xml version="1.0" encoding="utf-8"?>
 <p:sld xmlns:a="http://schemas.openxmlformats.org/drawingml/2006/main" xmlns:r="http://schemas.openxmlformats.org/officeDocument/2006/relationships" xmlns:p="http://schemas.openxmlformats.org/presentationml/2006/main">
   <p:cSld>
     <p:spTree>
@@ -15037,12 +17427,9 @@
           <a:lstStyle/>
           <a:p>
             <a:r>
-              <a:rPr lang="en-US">
-                <a:cs typeface="Calibri Light"/>
-              </a:rPr>
-              <a:t>My Solution</a:t>
-            </a:r>
-            <a:endParaRPr lang="en-US"/>
+              <a:rPr lang="en-US" dirty="0"/>
+              <a:t>A Potential Solution</a:t>
+            </a:r>
           </a:p>
         </p:txBody>
       </p:sp>
@@ -15091,7 +17478,7 @@
 </p:sld>
 </file>
 
-<file path=ppt/slides/slide38.xml><?xml version="1.0" encoding="utf-8"?>
+<file path=ppt/slides/slide44.xml><?xml version="1.0" encoding="utf-8"?>
 <p:sld xmlns:a="http://schemas.openxmlformats.org/drawingml/2006/main" xmlns:r="http://schemas.openxmlformats.org/officeDocument/2006/relationships" xmlns:p="http://schemas.openxmlformats.org/presentationml/2006/main">
   <p:cSld>
     <p:spTree>
@@ -15143,25 +17530,31 @@
         <p:spPr/>
         <p:txBody>
           <a:bodyPr>
-            <a:normAutofit/>
+            <a:normAutofit lnSpcReduction="10000"/>
           </a:bodyPr>
           <a:lstStyle/>
           <a:p>
             <a:r>
               <a:rPr lang="en-US" sz="2800" dirty="0"/>
-              <a:t>Not reading the problem carefully or not mapping it to design carefully (e.g. not noticing that each kid reads several books, not just one)</a:t>
+              <a:t>Not carefully analyzing the story problem.</a:t>
             </a:r>
           </a:p>
           <a:p>
             <a:r>
               <a:rPr lang="en-US" sz="2800" dirty="0"/>
-              <a:t>Not thinking about how specific required features might be implemented (e.g. how can we print a book report if we don’t have access to the book objects?)</a:t>
+              <a:t>Not carefully mapping the story problem to the proposed design (e.g., not noticing that each kid reads several books, not just one)</a:t>
             </a:r>
           </a:p>
           <a:p>
             <a:r>
               <a:rPr lang="en-US" sz="2800" dirty="0"/>
-              <a:t>Duplicating data (e.g. what does it matter if we store a copy of the author and title for every kid that reads the book)</a:t>
+              <a:t>Not thinking about how specific required features might be implemented (e.g., how can we print a book report if we don’t have access to the book objects?)</a:t>
+            </a:r>
+          </a:p>
+          <a:p>
+            <a:r>
+              <a:rPr lang="en-US" sz="2800" dirty="0"/>
+              <a:t>Duplicating data (e.g., what does it matter if we store a copy of the author and title for every kid that reads the book)</a:t>
             </a:r>
           </a:p>
         </p:txBody>
@@ -15179,7 +17572,7 @@
 </p:sld>
 </file>
 
-<file path=ppt/slides/slide39.xml><?xml version="1.0" encoding="utf-8"?>
+<file path=ppt/slides/slide45.xml><?xml version="1.0" encoding="utf-8"?>
 <p:sld xmlns:a="http://schemas.openxmlformats.org/drawingml/2006/main" xmlns:r="http://schemas.openxmlformats.org/officeDocument/2006/relationships" xmlns:p="http://schemas.openxmlformats.org/presentationml/2006/main" show="0">
   <p:cSld>
     <p:spTree>
@@ -15296,6 +17689,40 @@
           </a:p>
         </p:txBody>
       </p:sp>
+      <p:sp>
+        <p:nvSpPr>
+          <p:cNvPr id="4" name="Rectangle 3">
+            <a:extLst>
+              <a:ext uri="{FF2B5EF4-FFF2-40B4-BE49-F238E27FC236}">
+                <a16:creationId xmlns:a16="http://schemas.microsoft.com/office/drawing/2014/main" id="{DFE48598-665F-E243-9963-90E42C06A2DD}"/>
+              </a:ext>
+            </a:extLst>
+          </p:cNvPr>
+          <p:cNvSpPr/>
+          <p:nvPr/>
+        </p:nvSpPr>
+        <p:spPr>
+          <a:xfrm>
+            <a:off x="4080006" y="3244334"/>
+            <a:ext cx="983987" cy="369332"/>
+          </a:xfrm>
+          <a:prstGeom prst="rect">
+            <a:avLst/>
+          </a:prstGeom>
+        </p:spPr>
+        <p:txBody>
+          <a:bodyPr wrap="none">
+            <a:spAutoFit/>
+          </a:bodyPr>
+          <a:lstStyle/>
+          <a:p>
+            <a:r>
+              <a:rPr lang="en-US" dirty="0"/>
+              <a:t>carefully</a:t>
+            </a:r>
+          </a:p>
+        </p:txBody>
+      </p:sp>
     </p:spTree>
     <p:extLst>
       <p:ext uri="{BB962C8B-B14F-4D97-AF65-F5344CB8AC3E}">
@@ -15309,7 +17736,7 @@
 </p:sld>
 </file>
 
-<file path=ppt/slides/slide4.xml><?xml version="1.0" encoding="utf-8"?>
+<file path=ppt/slides/slide46.xml><?xml version="1.0" encoding="utf-8"?>
 <p:sld xmlns:a="http://schemas.openxmlformats.org/drawingml/2006/main" xmlns:r="http://schemas.openxmlformats.org/officeDocument/2006/relationships" xmlns:p="http://schemas.openxmlformats.org/presentationml/2006/main">
   <p:cSld>
     <p:spTree>
@@ -15328,7 +17755,13 @@
       </p:grpSpPr>
       <p:sp>
         <p:nvSpPr>
-          <p:cNvPr id="3" name="Title 2"/>
+          <p:cNvPr id="2" name="Title 1">
+            <a:extLst>
+              <a:ext uri="{FF2B5EF4-FFF2-40B4-BE49-F238E27FC236}">
+                <a16:creationId xmlns:a16="http://schemas.microsoft.com/office/drawing/2014/main" id="{DE0471AE-887C-4849-9602-3E01EB62372E}"/>
+              </a:ext>
+            </a:extLst>
+          </p:cNvPr>
           <p:cNvSpPr>
             <a:spLocks noGrp="1"/>
           </p:cNvSpPr>
@@ -15341,63 +17774,158 @@
           <a:bodyPr/>
           <a:lstStyle/>
           <a:p>
+            <a:pPr algn="ctr"/>
             <a:r>
               <a:rPr lang="en-US" dirty="0"/>
-              <a:t>Tools of the Trade - Diagramming</a:t>
-            </a:r>
-          </a:p>
-        </p:txBody>
-      </p:sp>
-      <p:sp>
-        <p:nvSpPr>
-          <p:cNvPr id="2" name="Content Placeholder 1"/>
-          <p:cNvSpPr>
-            <a:spLocks noGrp="1"/>
-          </p:cNvSpPr>
-          <p:nvPr>
-            <p:ph idx="1"/>
-          </p:nvPr>
-        </p:nvSpPr>
-        <p:spPr/>
-        <p:txBody>
-          <a:bodyPr/>
-          <a:lstStyle/>
+              <a:t>Design Problem # – Card Game</a:t>
+            </a:r>
+          </a:p>
+        </p:txBody>
+      </p:sp>
+      <p:sp>
+        <p:nvSpPr>
+          <p:cNvPr id="3" name="TextBox 2">
+            <a:extLst>
+              <a:ext uri="{FF2B5EF4-FFF2-40B4-BE49-F238E27FC236}">
+                <a16:creationId xmlns:a16="http://schemas.microsoft.com/office/drawing/2014/main" id="{2DE4C536-6FD7-434B-A197-5BB72B11D74F}"/>
+              </a:ext>
+            </a:extLst>
+          </p:cNvPr>
+          <p:cNvSpPr txBox="1"/>
+          <p:nvPr/>
+        </p:nvSpPr>
+        <p:spPr>
+          <a:xfrm>
+            <a:off x="244929" y="1690689"/>
+            <a:ext cx="8899071" cy="3308598"/>
+          </a:xfrm>
+          <a:prstGeom prst="rect">
+            <a:avLst/>
+          </a:prstGeom>
+        </p:spPr>
+        <p:txBody>
+          <a:bodyPr rot="0" spcFirstLastPara="0" vertOverflow="overflow" horzOverflow="overflow" vert="horz" wrap="square" lIns="91440" tIns="45720" rIns="91440" bIns="45720" numCol="1" spcCol="0" rtlCol="0" fromWordArt="0" anchor="t" anchorCtr="0" forceAA="0" compatLnSpc="1">
+            <a:prstTxWarp prst="textNoShape">
+              <a:avLst/>
+            </a:prstTxWarp>
+            <a:spAutoFit/>
+          </a:bodyPr>
+          <a:lstStyle/>
+          <a:p>
+            <a:endParaRPr lang="en-US" sz="1100" dirty="0">
+              <a:latin typeface="Arial"/>
+              <a:cs typeface="Arial"/>
+            </a:endParaRPr>
+          </a:p>
           <a:p>
             <a:r>
               <a:rPr lang="en-US" dirty="0"/>
-              <a:t>Class Diagrams (UML)</a:t>
-            </a:r>
-          </a:p>
-          <a:p>
+              <a:t>On the next slide is another </a:t>
+            </a:r>
+            <a:r>
+              <a:rPr lang="en-US" i="1" dirty="0"/>
+              <a:t>story problem</a:t>
+            </a:r>
+          </a:p>
+          <a:p>
+            <a:endParaRPr lang="en-US" i="1" dirty="0"/>
+          </a:p>
+          <a:p>
+            <a:r>
+              <a:rPr lang="en-US" i="1" dirty="0"/>
+              <a:t>To be successful at solving these types of problems you must first read the story problem and do the following “To </a:t>
+            </a:r>
+            <a:r>
+              <a:rPr lang="en-US" i="1" dirty="0" err="1"/>
+              <a:t>Do”s</a:t>
+            </a:r>
+            <a:endParaRPr lang="en-US" i="1" dirty="0"/>
+          </a:p>
+          <a:p>
+            <a:endParaRPr lang="en-US" dirty="0"/>
+          </a:p>
+          <a:p>
+            <a:endParaRPr lang="en-US" dirty="0"/>
+          </a:p>
+          <a:p>
+            <a:r>
+              <a:rPr lang="en-US" b="1" dirty="0"/>
+              <a:t>To Do #1 - </a:t>
+            </a:r>
             <a:r>
               <a:rPr lang="en-US" dirty="0"/>
-              <a:t>UML – Unified Modeling Language</a:t>
-            </a:r>
-          </a:p>
-          <a:p>
-            <a:pPr lvl="1"/>
-            <a:r>
-              <a:rPr lang="en-US" sz="2100" dirty="0"/>
-              <a:t>Language </a:t>
-            </a:r>
-            <a:r>
-              <a:rPr lang="en-US" sz="2100" dirty="0">
-                <a:solidFill>
-                  <a:srgbClr val="FF0000"/>
-                </a:solidFill>
-              </a:rPr>
-              <a:t>un</a:t>
-            </a:r>
-            <a:r>
-              <a:rPr lang="en-US" sz="2100" dirty="0"/>
-              <a:t>specific</a:t>
-            </a:r>
-          </a:p>
-          <a:p>
-            <a:pPr lvl="1"/>
-            <a:r>
-              <a:rPr lang="en-US" sz="2100" dirty="0"/>
-              <a:t>Has a lot of different diagrams it provides specifications for – but the class diagram language is the most widely used</a:t>
+              <a:t>Identify all the </a:t>
+            </a:r>
+            <a:r>
+              <a:rPr lang="en-US" i="1" dirty="0"/>
+              <a:t>primary nouns</a:t>
+            </a:r>
+            <a:endParaRPr lang="en-US" dirty="0"/>
+          </a:p>
+          <a:p>
+            <a:r>
+              <a:rPr lang="en-US" b="1" dirty="0"/>
+              <a:t>To Do #2 - </a:t>
+            </a:r>
+            <a:r>
+              <a:rPr lang="en-US" dirty="0"/>
+              <a:t>Identify the associated </a:t>
+            </a:r>
+            <a:r>
+              <a:rPr lang="en-US" i="1" dirty="0"/>
+              <a:t>other nouns </a:t>
+            </a:r>
+            <a:r>
+              <a:rPr lang="en-US" dirty="0"/>
+              <a:t>that go with the</a:t>
+            </a:r>
+            <a:r>
+              <a:rPr lang="en-US" i="1" dirty="0"/>
+              <a:t> primary nouns</a:t>
+            </a:r>
+            <a:endParaRPr lang="en-US" dirty="0"/>
+          </a:p>
+          <a:p>
+            <a:r>
+              <a:rPr lang="en-US" b="1" dirty="0"/>
+              <a:t>To Do #3 - </a:t>
+            </a:r>
+            <a:r>
+              <a:rPr lang="en-US" dirty="0"/>
+              <a:t>Identify all the </a:t>
+            </a:r>
+            <a:r>
+              <a:rPr lang="en-US" i="1" dirty="0"/>
+              <a:t>verbs</a:t>
+            </a:r>
+            <a:endParaRPr lang="en-US" dirty="0"/>
+          </a:p>
+          <a:p>
+            <a:r>
+              <a:rPr lang="en-US" b="1" dirty="0"/>
+              <a:t>To Do #4 - </a:t>
+            </a:r>
+            <a:r>
+              <a:rPr lang="en-US" dirty="0"/>
+              <a:t>For each verb identify all the </a:t>
+            </a:r>
+            <a:r>
+              <a:rPr lang="en-US" i="1" dirty="0"/>
+              <a:t>nouns </a:t>
+            </a:r>
+            <a:r>
+              <a:rPr lang="en-US" dirty="0"/>
+              <a:t>that the verb works on </a:t>
+            </a:r>
+          </a:p>
+          <a:p>
+            <a:r>
+              <a:rPr lang="en-US" b="1" dirty="0"/>
+              <a:t>To Do #5</a:t>
+            </a:r>
+            <a:r>
+              <a:rPr lang="en-US" dirty="0"/>
+              <a:t> – Analyze at the proposed Solution A and Solution B for their problems</a:t>
             </a:r>
           </a:p>
         </p:txBody>
@@ -15405,7 +17933,7 @@
     </p:spTree>
     <p:extLst>
       <p:ext uri="{BB962C8B-B14F-4D97-AF65-F5344CB8AC3E}">
-        <p14:creationId xmlns:p14="http://schemas.microsoft.com/office/powerpoint/2010/main" val="3671572528"/>
+        <p14:creationId xmlns:p14="http://schemas.microsoft.com/office/powerpoint/2010/main" val="1822193666"/>
       </p:ext>
     </p:extLst>
   </p:cSld>
@@ -15415,7 +17943,7 @@
 </p:sld>
 </file>
 
-<file path=ppt/slides/slide40.xml><?xml version="1.0" encoding="utf-8"?>
+<file path=ppt/slides/slide47.xml><?xml version="1.0" encoding="utf-8"?>
 <p:sld xmlns:a="http://schemas.openxmlformats.org/drawingml/2006/main" xmlns:r="http://schemas.openxmlformats.org/officeDocument/2006/relationships" xmlns:p="http://schemas.openxmlformats.org/presentationml/2006/main">
   <p:cSld>
     <p:spTree>
@@ -15714,7 +18242,7 @@
 </p:sld>
 </file>
 
-<file path=ppt/slides/slide41.xml><?xml version="1.0" encoding="utf-8"?>
+<file path=ppt/slides/slide48.xml><?xml version="1.0" encoding="utf-8"?>
 <p:sld xmlns:a="http://schemas.openxmlformats.org/drawingml/2006/main" xmlns:r="http://schemas.openxmlformats.org/officeDocument/2006/relationships" xmlns:p="http://schemas.openxmlformats.org/presentationml/2006/main">
   <p:cSld>
     <p:spTree>
@@ -15870,7 +18398,7 @@
 </p:sld>
 </file>
 
-<file path=ppt/slides/slide42.xml><?xml version="1.0" encoding="utf-8"?>
+<file path=ppt/slides/slide49.xml><?xml version="1.0" encoding="utf-8"?>
 <p:sld xmlns:a="http://schemas.openxmlformats.org/drawingml/2006/main" xmlns:r="http://schemas.openxmlformats.org/officeDocument/2006/relationships" xmlns:p="http://schemas.openxmlformats.org/presentationml/2006/main">
   <p:cSld>
     <p:spTree>
@@ -16171,7 +18699,59 @@
 </p:sld>
 </file>
 
-<file path=ppt/slides/slide43.xml><?xml version="1.0" encoding="utf-8"?>
+<file path=ppt/slides/slide5.xml><?xml version="1.0" encoding="utf-8"?>
+<p:sld xmlns:a="http://schemas.openxmlformats.org/drawingml/2006/main" xmlns:r="http://schemas.openxmlformats.org/officeDocument/2006/relationships" xmlns:p="http://schemas.openxmlformats.org/presentationml/2006/main">
+  <p:cSld>
+    <p:spTree>
+      <p:nvGrpSpPr>
+        <p:cNvPr id="1" name=""/>
+        <p:cNvGrpSpPr/>
+        <p:nvPr/>
+      </p:nvGrpSpPr>
+      <p:grpSpPr>
+        <a:xfrm>
+          <a:off x="0" y="0"/>
+          <a:ext cx="0" cy="0"/>
+          <a:chOff x="0" y="0"/>
+          <a:chExt cx="0" cy="0"/>
+        </a:xfrm>
+      </p:grpSpPr>
+      <p:sp>
+        <p:nvSpPr>
+          <p:cNvPr id="3" name="Title 2"/>
+          <p:cNvSpPr>
+            <a:spLocks noGrp="1"/>
+          </p:cNvSpPr>
+          <p:nvPr>
+            <p:ph type="title"/>
+          </p:nvPr>
+        </p:nvSpPr>
+        <p:spPr/>
+        <p:txBody>
+          <a:bodyPr/>
+          <a:lstStyle/>
+          <a:p>
+            <a:r>
+              <a:rPr lang="en-US" dirty="0"/>
+              <a:t>Begin UML Part of Today’s Discussion</a:t>
+            </a:r>
+          </a:p>
+        </p:txBody>
+      </p:sp>
+    </p:spTree>
+    <p:extLst>
+      <p:ext uri="{BB962C8B-B14F-4D97-AF65-F5344CB8AC3E}">
+        <p14:creationId xmlns:p14="http://schemas.microsoft.com/office/powerpoint/2010/main" val="1994961617"/>
+      </p:ext>
+    </p:extLst>
+  </p:cSld>
+  <p:clrMapOvr>
+    <a:masterClrMapping/>
+  </p:clrMapOvr>
+</p:sld>
+</file>
+
+<file path=ppt/slides/slide50.xml><?xml version="1.0" encoding="utf-8"?>
 <p:sld xmlns:a="http://schemas.openxmlformats.org/drawingml/2006/main" xmlns:r="http://schemas.openxmlformats.org/officeDocument/2006/relationships" xmlns:p="http://schemas.openxmlformats.org/presentationml/2006/main">
   <p:cSld>
     <p:spTree>
@@ -16301,7 +18881,7 @@
 </p:sld>
 </file>
 
-<file path=ppt/slides/slide44.xml><?xml version="1.0" encoding="utf-8"?>
+<file path=ppt/slides/slide51.xml><?xml version="1.0" encoding="utf-8"?>
 <p:sld xmlns:a="http://schemas.openxmlformats.org/drawingml/2006/main" xmlns:r="http://schemas.openxmlformats.org/officeDocument/2006/relationships" xmlns:p="http://schemas.openxmlformats.org/presentationml/2006/main">
   <p:cSld>
     <p:spTree>
@@ -16603,7 +19183,7 @@
 </p:sld>
 </file>
 
-<file path=ppt/slides/slide45.xml><?xml version="1.0" encoding="utf-8"?>
+<file path=ppt/slides/slide52.xml><?xml version="1.0" encoding="utf-8"?>
 <p:sld xmlns:a="http://schemas.openxmlformats.org/drawingml/2006/main" xmlns:r="http://schemas.openxmlformats.org/officeDocument/2006/relationships" xmlns:p="http://schemas.openxmlformats.org/presentationml/2006/main">
   <p:cSld>
     <p:spTree>
@@ -16637,7 +19217,7 @@
           <a:p>
             <a:r>
               <a:rPr lang="en-US" dirty="0"/>
-              <a:t>My Solution</a:t>
+              <a:t>A Potential Solution</a:t>
             </a:r>
           </a:p>
         </p:txBody>
@@ -16875,7 +19455,7 @@
 </p:sld>
 </file>
 
-<file path=ppt/slides/slide46.xml><?xml version="1.0" encoding="utf-8"?>
+<file path=ppt/slides/slide53.xml><?xml version="1.0" encoding="utf-8"?>
 <p:sld xmlns:a="http://schemas.openxmlformats.org/drawingml/2006/main" xmlns:r="http://schemas.openxmlformats.org/officeDocument/2006/relationships" xmlns:p="http://schemas.openxmlformats.org/presentationml/2006/main">
   <p:cSld>
     <p:spTree>
@@ -17001,7 +19581,7 @@
 </p:sld>
 </file>
 
-<file path=ppt/slides/slide5.xml><?xml version="1.0" encoding="utf-8"?>
+<file path=ppt/slides/slide6.xml><?xml version="1.0" encoding="utf-8"?>
 <p:sld xmlns:a="http://schemas.openxmlformats.org/drawingml/2006/main" xmlns:r="http://schemas.openxmlformats.org/officeDocument/2006/relationships" xmlns:p="http://schemas.openxmlformats.org/presentationml/2006/main">
   <p:cSld>
     <p:spTree>
@@ -17671,7 +20251,7 @@
 </p:sld>
 </file>
 
-<file path=ppt/slides/slide6.xml><?xml version="1.0" encoding="utf-8"?>
+<file path=ppt/slides/slide7.xml><?xml version="1.0" encoding="utf-8"?>
 <p:sld xmlns:a="http://schemas.openxmlformats.org/drawingml/2006/main" xmlns:r="http://schemas.openxmlformats.org/officeDocument/2006/relationships" xmlns:p="http://schemas.openxmlformats.org/presentationml/2006/main">
   <p:cSld>
     <p:spTree>
@@ -18441,7 +21021,7 @@
 </p:sld>
 </file>
 
-<file path=ppt/slides/slide7.xml><?xml version="1.0" encoding="utf-8"?>
+<file path=ppt/slides/slide8.xml><?xml version="1.0" encoding="utf-8"?>
 <p:sld xmlns:a="http://schemas.openxmlformats.org/drawingml/2006/main" xmlns:r="http://schemas.openxmlformats.org/officeDocument/2006/relationships" xmlns:p="http://schemas.openxmlformats.org/presentationml/2006/main">
   <p:cSld>
     <p:spTree>
@@ -19230,7 +21810,7 @@
 </p:sld>
 </file>
 
-<file path=ppt/slides/slide8.xml><?xml version="1.0" encoding="utf-8"?>
+<file path=ppt/slides/slide9.xml><?xml version="1.0" encoding="utf-8"?>
 <p:sld xmlns:a="http://schemas.openxmlformats.org/drawingml/2006/main" xmlns:r="http://schemas.openxmlformats.org/officeDocument/2006/relationships" xmlns:p="http://schemas.openxmlformats.org/presentationml/2006/main">
   <p:cSld>
     <p:spTree>
@@ -20155,829 +22735,6 @@
     <p:extLst>
       <p:ext uri="{BB962C8B-B14F-4D97-AF65-F5344CB8AC3E}">
         <p14:creationId xmlns:p14="http://schemas.microsoft.com/office/powerpoint/2010/main" val="1433906250"/>
-      </p:ext>
-    </p:extLst>
-  </p:cSld>
-  <p:clrMapOvr>
-    <a:masterClrMapping/>
-  </p:clrMapOvr>
-</p:sld>
-</file>
-
-<file path=ppt/slides/slide9.xml><?xml version="1.0" encoding="utf-8"?>
-<p:sld xmlns:a="http://schemas.openxmlformats.org/drawingml/2006/main" xmlns:r="http://schemas.openxmlformats.org/officeDocument/2006/relationships" xmlns:p="http://schemas.openxmlformats.org/presentationml/2006/main">
-  <p:cSld>
-    <p:spTree>
-      <p:nvGrpSpPr>
-        <p:cNvPr id="1" name=""/>
-        <p:cNvGrpSpPr/>
-        <p:nvPr/>
-      </p:nvGrpSpPr>
-      <p:grpSpPr>
-        <a:xfrm>
-          <a:off x="0" y="0"/>
-          <a:ext cx="0" cy="0"/>
-          <a:chOff x="0" y="0"/>
-          <a:chExt cx="0" cy="0"/>
-        </a:xfrm>
-      </p:grpSpPr>
-      <p:sp>
-        <p:nvSpPr>
-          <p:cNvPr id="3" name="Title 2"/>
-          <p:cNvSpPr>
-            <a:spLocks noGrp="1"/>
-          </p:cNvSpPr>
-          <p:nvPr>
-            <p:ph type="title"/>
-          </p:nvPr>
-        </p:nvSpPr>
-        <p:spPr>
-          <a:xfrm>
-            <a:off x="628650" y="365127"/>
-            <a:ext cx="7886700" cy="551526"/>
-          </a:xfrm>
-        </p:spPr>
-        <p:txBody>
-          <a:bodyPr>
-            <a:normAutofit/>
-          </a:bodyPr>
-          <a:lstStyle/>
-          <a:p>
-            <a:r>
-              <a:rPr lang="en-US" dirty="0"/>
-              <a:t>Arrows – to illustrate relationships</a:t>
-            </a:r>
-          </a:p>
-        </p:txBody>
-      </p:sp>
-      <p:graphicFrame>
-        <p:nvGraphicFramePr>
-          <p:cNvPr id="4" name="Table 3"/>
-          <p:cNvGraphicFramePr>
-            <a:graphicFrameLocks noGrp="1"/>
-          </p:cNvGraphicFramePr>
-          <p:nvPr/>
-        </p:nvGraphicFramePr>
-        <p:xfrm>
-          <a:off x="457200" y="4173450"/>
-          <a:ext cx="2701636" cy="1905231"/>
-        </p:xfrm>
-        <a:graphic>
-          <a:graphicData uri="http://schemas.openxmlformats.org/drawingml/2006/table">
-            <a:tbl>
-              <a:tblPr firstRow="1" bandRow="1">
-                <a:tableStyleId>{5940675A-B579-460E-94D1-54222C63F5DA}</a:tableStyleId>
-              </a:tblPr>
-              <a:tblGrid>
-                <a:gridCol w="2701636">
-                  <a:extLst>
-                    <a:ext uri="{9D8B030D-6E8A-4147-A177-3AD203B41FA5}">
-                      <a16:colId xmlns:a16="http://schemas.microsoft.com/office/drawing/2014/main" val="2834069857"/>
-                    </a:ext>
-                  </a:extLst>
-                </a:gridCol>
-              </a:tblGrid>
-              <a:tr h="481677">
-                <a:tc>
-                  <a:txBody>
-                    <a:bodyPr/>
-                    <a:lstStyle/>
-                    <a:p>
-                      <a:r>
-                        <a:rPr lang="en-US" dirty="0"/>
-                        <a:t>Team</a:t>
-                      </a:r>
-                    </a:p>
-                  </a:txBody>
-                  <a:tcPr/>
-                </a:tc>
-                <a:extLst>
-                  <a:ext uri="{0D108BD9-81ED-4DB2-BD59-A6C34878D82A}">
-                    <a16:rowId xmlns:a16="http://schemas.microsoft.com/office/drawing/2014/main" val="3088865900"/>
-                  </a:ext>
-                </a:extLst>
-              </a:tr>
-              <a:tr h="498763">
-                <a:tc>
-                  <a:txBody>
-                    <a:bodyPr/>
-                    <a:lstStyle/>
-                    <a:p>
-                      <a:r>
-                        <a:rPr lang="en-US" dirty="0" err="1"/>
-                        <a:t>teamAverage</a:t>
-                      </a:r>
-                      <a:endParaRPr lang="en-US" dirty="0"/>
-                    </a:p>
-                    <a:p>
-                      <a:r>
-                        <a:rPr lang="en-US" dirty="0"/>
-                        <a:t>name</a:t>
-                      </a:r>
-                    </a:p>
-                    <a:p>
-                      <a:r>
-                        <a:rPr lang="en-US" dirty="0"/>
-                        <a:t>students</a:t>
-                      </a:r>
-                    </a:p>
-                  </a:txBody>
-                  <a:tcPr/>
-                </a:tc>
-                <a:extLst>
-                  <a:ext uri="{0D108BD9-81ED-4DB2-BD59-A6C34878D82A}">
-                    <a16:rowId xmlns:a16="http://schemas.microsoft.com/office/drawing/2014/main" val="4051349719"/>
-                  </a:ext>
-                </a:extLst>
-              </a:tr>
-              <a:tr h="714894">
-                <a:tc>
-                  <a:txBody>
-                    <a:bodyPr/>
-                    <a:lstStyle/>
-                    <a:p>
-                      <a:r>
-                        <a:rPr lang="en-US" dirty="0" err="1"/>
-                        <a:t>addGrade</a:t>
-                      </a:r>
-                      <a:r>
-                        <a:rPr lang="en-US" dirty="0"/>
-                        <a:t>(grade)</a:t>
-                      </a:r>
-                    </a:p>
-                    <a:p>
-                      <a:r>
-                        <a:rPr lang="en-US" dirty="0" err="1"/>
-                        <a:t>getTeamAverage</a:t>
-                      </a:r>
-                      <a:r>
-                        <a:rPr lang="en-US" dirty="0"/>
-                        <a:t>()</a:t>
-                      </a:r>
-                    </a:p>
-                    <a:p>
-                      <a:endParaRPr lang="en-US" dirty="0"/>
-                    </a:p>
-                  </a:txBody>
-                  <a:tcPr/>
-                </a:tc>
-                <a:extLst>
-                  <a:ext uri="{0D108BD9-81ED-4DB2-BD59-A6C34878D82A}">
-                    <a16:rowId xmlns:a16="http://schemas.microsoft.com/office/drawing/2014/main" val="1112117699"/>
-                  </a:ext>
-                </a:extLst>
-              </a:tr>
-            </a:tbl>
-          </a:graphicData>
-        </a:graphic>
-      </p:graphicFrame>
-      <p:graphicFrame>
-        <p:nvGraphicFramePr>
-          <p:cNvPr id="5" name="Table 4"/>
-          <p:cNvGraphicFramePr>
-            <a:graphicFrameLocks noGrp="1"/>
-          </p:cNvGraphicFramePr>
-          <p:nvPr/>
-        </p:nvGraphicFramePr>
-        <p:xfrm>
-          <a:off x="4982096" y="4410362"/>
-          <a:ext cx="2701636" cy="1699491"/>
-        </p:xfrm>
-        <a:graphic>
-          <a:graphicData uri="http://schemas.openxmlformats.org/drawingml/2006/table">
-            <a:tbl>
-              <a:tblPr firstRow="1" bandRow="1">
-                <a:tableStyleId>{5940675A-B579-460E-94D1-54222C63F5DA}</a:tableStyleId>
-              </a:tblPr>
-              <a:tblGrid>
-                <a:gridCol w="2701636">
-                  <a:extLst>
-                    <a:ext uri="{9D8B030D-6E8A-4147-A177-3AD203B41FA5}">
-                      <a16:colId xmlns:a16="http://schemas.microsoft.com/office/drawing/2014/main" val="2834069857"/>
-                    </a:ext>
-                  </a:extLst>
-                </a:gridCol>
-              </a:tblGrid>
-              <a:tr h="481677">
-                <a:tc>
-                  <a:txBody>
-                    <a:bodyPr/>
-                    <a:lstStyle/>
-                    <a:p>
-                      <a:r>
-                        <a:rPr lang="en-US" dirty="0"/>
-                        <a:t>Student</a:t>
-                      </a:r>
-                    </a:p>
-                  </a:txBody>
-                  <a:tcPr/>
-                </a:tc>
-                <a:extLst>
-                  <a:ext uri="{0D108BD9-81ED-4DB2-BD59-A6C34878D82A}">
-                    <a16:rowId xmlns:a16="http://schemas.microsoft.com/office/drawing/2014/main" val="3088865900"/>
-                  </a:ext>
-                </a:extLst>
-              </a:tr>
-              <a:tr h="498763">
-                <a:tc>
-                  <a:txBody>
-                    <a:bodyPr/>
-                    <a:lstStyle/>
-                    <a:p>
-                      <a:r>
-                        <a:rPr lang="en-US" dirty="0"/>
-                        <a:t>grades</a:t>
-                      </a:r>
-                    </a:p>
-                    <a:p>
-                      <a:r>
-                        <a:rPr lang="en-US" dirty="0"/>
-                        <a:t>name</a:t>
-                      </a:r>
-                    </a:p>
-                  </a:txBody>
-                  <a:tcPr/>
-                </a:tc>
-                <a:extLst>
-                  <a:ext uri="{0D108BD9-81ED-4DB2-BD59-A6C34878D82A}">
-                    <a16:rowId xmlns:a16="http://schemas.microsoft.com/office/drawing/2014/main" val="4051349719"/>
-                  </a:ext>
-                </a:extLst>
-              </a:tr>
-              <a:tr h="714894">
-                <a:tc>
-                  <a:txBody>
-                    <a:bodyPr/>
-                    <a:lstStyle/>
-                    <a:p>
-                      <a:r>
-                        <a:rPr lang="en-US" dirty="0" err="1"/>
-                        <a:t>addGrade</a:t>
-                      </a:r>
-                      <a:r>
-                        <a:rPr lang="en-US" dirty="0"/>
-                        <a:t>(grade)</a:t>
-                      </a:r>
-                    </a:p>
-                    <a:p>
-                      <a:endParaRPr lang="en-US" dirty="0"/>
-                    </a:p>
-                  </a:txBody>
-                  <a:tcPr/>
-                </a:tc>
-                <a:extLst>
-                  <a:ext uri="{0D108BD9-81ED-4DB2-BD59-A6C34878D82A}">
-                    <a16:rowId xmlns:a16="http://schemas.microsoft.com/office/drawing/2014/main" val="1112117699"/>
-                  </a:ext>
-                </a:extLst>
-              </a:tr>
-            </a:tbl>
-          </a:graphicData>
-        </a:graphic>
-      </p:graphicFrame>
-      <p:graphicFrame>
-        <p:nvGraphicFramePr>
-          <p:cNvPr id="6" name="Table 5"/>
-          <p:cNvGraphicFramePr>
-            <a:graphicFrameLocks noGrp="1"/>
-          </p:cNvGraphicFramePr>
-          <p:nvPr/>
-        </p:nvGraphicFramePr>
-        <p:xfrm>
-          <a:off x="457200" y="1733521"/>
-          <a:ext cx="2701636" cy="1192559"/>
-        </p:xfrm>
-        <a:graphic>
-          <a:graphicData uri="http://schemas.openxmlformats.org/drawingml/2006/table">
-            <a:tbl>
-              <a:tblPr firstRow="1" bandRow="1">
-                <a:tableStyleId>{5940675A-B579-460E-94D1-54222C63F5DA}</a:tableStyleId>
-              </a:tblPr>
-              <a:tblGrid>
-                <a:gridCol w="2701636">
-                  <a:extLst>
-                    <a:ext uri="{9D8B030D-6E8A-4147-A177-3AD203B41FA5}">
-                      <a16:colId xmlns:a16="http://schemas.microsoft.com/office/drawing/2014/main" val="2834069857"/>
-                    </a:ext>
-                  </a:extLst>
-                </a:gridCol>
-              </a:tblGrid>
-              <a:tr h="324648">
-                <a:tc>
-                  <a:txBody>
-                    <a:bodyPr/>
-                    <a:lstStyle/>
-                    <a:p>
-                      <a:r>
-                        <a:rPr lang="en-US" dirty="0"/>
-                        <a:t>A</a:t>
-                      </a:r>
-                    </a:p>
-                  </a:txBody>
-                  <a:tcPr/>
-                </a:tc>
-                <a:extLst>
-                  <a:ext uri="{0D108BD9-81ED-4DB2-BD59-A6C34878D82A}">
-                    <a16:rowId xmlns:a16="http://schemas.microsoft.com/office/drawing/2014/main" val="3088865900"/>
-                  </a:ext>
-                </a:extLst>
-              </a:tr>
-              <a:tr h="336164">
-                <a:tc>
-                  <a:txBody>
-                    <a:bodyPr/>
-                    <a:lstStyle/>
-                    <a:p>
-                      <a:r>
-                        <a:rPr lang="en-US" dirty="0"/>
-                        <a:t>Field names</a:t>
-                      </a:r>
-                    </a:p>
-                  </a:txBody>
-                  <a:tcPr/>
-                </a:tc>
-                <a:extLst>
-                  <a:ext uri="{0D108BD9-81ED-4DB2-BD59-A6C34878D82A}">
-                    <a16:rowId xmlns:a16="http://schemas.microsoft.com/office/drawing/2014/main" val="4051349719"/>
-                  </a:ext>
-                </a:extLst>
-              </a:tr>
-              <a:tr h="531747">
-                <a:tc>
-                  <a:txBody>
-                    <a:bodyPr/>
-                    <a:lstStyle/>
-                    <a:p>
-                      <a:r>
-                        <a:rPr lang="en-US" dirty="0"/>
-                        <a:t>Method names</a:t>
-                      </a:r>
-                    </a:p>
-                    <a:p>
-                      <a:endParaRPr lang="en-US" dirty="0"/>
-                    </a:p>
-                  </a:txBody>
-                  <a:tcPr/>
-                </a:tc>
-                <a:extLst>
-                  <a:ext uri="{0D108BD9-81ED-4DB2-BD59-A6C34878D82A}">
-                    <a16:rowId xmlns:a16="http://schemas.microsoft.com/office/drawing/2014/main" val="1112117699"/>
-                  </a:ext>
-                </a:extLst>
-              </a:tr>
-            </a:tbl>
-          </a:graphicData>
-        </a:graphic>
-      </p:graphicFrame>
-      <p:sp>
-        <p:nvSpPr>
-          <p:cNvPr id="7" name="TextBox 6"/>
-          <p:cNvSpPr txBox="1"/>
-          <p:nvPr/>
-        </p:nvSpPr>
-        <p:spPr>
-          <a:xfrm>
-            <a:off x="1041863" y="916653"/>
-            <a:ext cx="5685905" cy="584775"/>
-          </a:xfrm>
-          <a:prstGeom prst="rect">
-            <a:avLst/>
-          </a:prstGeom>
-          <a:noFill/>
-        </p:spPr>
-        <p:txBody>
-          <a:bodyPr wrap="square" rtlCol="0">
-            <a:spAutoFit/>
-          </a:bodyPr>
-          <a:lstStyle/>
-          <a:p>
-            <a:r>
-              <a:rPr lang="en-US" sz="3200" dirty="0"/>
-              <a:t>A has a B (field)</a:t>
-            </a:r>
-          </a:p>
-        </p:txBody>
-      </p:sp>
-      <p:cxnSp>
-        <p:nvCxnSpPr>
-          <p:cNvPr id="9" name="Straight Connector 8"/>
-          <p:cNvCxnSpPr/>
-          <p:nvPr/>
-        </p:nvCxnSpPr>
-        <p:spPr>
-          <a:xfrm flipV="1">
-            <a:off x="457200" y="3325091"/>
-            <a:ext cx="8055033" cy="33251"/>
-          </a:xfrm>
-          <a:prstGeom prst="line">
-            <a:avLst/>
-          </a:prstGeom>
-        </p:spPr>
-        <p:style>
-          <a:lnRef idx="1">
-            <a:schemeClr val="accent1"/>
-          </a:lnRef>
-          <a:fillRef idx="0">
-            <a:schemeClr val="accent1"/>
-          </a:fillRef>
-          <a:effectRef idx="0">
-            <a:schemeClr val="accent1"/>
-          </a:effectRef>
-          <a:fontRef idx="minor">
-            <a:schemeClr val="tx1"/>
-          </a:fontRef>
-        </p:style>
-      </p:cxnSp>
-      <p:sp>
-        <p:nvSpPr>
-          <p:cNvPr id="10" name="TextBox 9"/>
-          <p:cNvSpPr txBox="1"/>
-          <p:nvPr/>
-        </p:nvSpPr>
-        <p:spPr>
-          <a:xfrm>
-            <a:off x="457200" y="3421004"/>
-            <a:ext cx="3158836" cy="369332"/>
-          </a:xfrm>
-          <a:prstGeom prst="rect">
-            <a:avLst/>
-          </a:prstGeom>
-          <a:noFill/>
-        </p:spPr>
-        <p:txBody>
-          <a:bodyPr wrap="square" rtlCol="0">
-            <a:spAutoFit/>
-          </a:bodyPr>
-          <a:lstStyle/>
-          <a:p>
-            <a:r>
-              <a:rPr lang="en-US" b="1" dirty="0"/>
-              <a:t>Example</a:t>
-            </a:r>
-          </a:p>
-        </p:txBody>
-      </p:sp>
-      <p:graphicFrame>
-        <p:nvGraphicFramePr>
-          <p:cNvPr id="11" name="Table 10"/>
-          <p:cNvGraphicFramePr>
-            <a:graphicFrameLocks noGrp="1"/>
-          </p:cNvGraphicFramePr>
-          <p:nvPr/>
-        </p:nvGraphicFramePr>
-        <p:xfrm>
-          <a:off x="4865717" y="1733521"/>
-          <a:ext cx="2701636" cy="1192559"/>
-        </p:xfrm>
-        <a:graphic>
-          <a:graphicData uri="http://schemas.openxmlformats.org/drawingml/2006/table">
-            <a:tbl>
-              <a:tblPr firstRow="1" bandRow="1">
-                <a:tableStyleId>{5940675A-B579-460E-94D1-54222C63F5DA}</a:tableStyleId>
-              </a:tblPr>
-              <a:tblGrid>
-                <a:gridCol w="2701636">
-                  <a:extLst>
-                    <a:ext uri="{9D8B030D-6E8A-4147-A177-3AD203B41FA5}">
-                      <a16:colId xmlns:a16="http://schemas.microsoft.com/office/drawing/2014/main" val="2834069857"/>
-                    </a:ext>
-                  </a:extLst>
-                </a:gridCol>
-              </a:tblGrid>
-              <a:tr h="324648">
-                <a:tc>
-                  <a:txBody>
-                    <a:bodyPr/>
-                    <a:lstStyle/>
-                    <a:p>
-                      <a:r>
-                        <a:rPr lang="en-US" dirty="0"/>
-                        <a:t>B</a:t>
-                      </a:r>
-                    </a:p>
-                  </a:txBody>
-                  <a:tcPr/>
-                </a:tc>
-                <a:extLst>
-                  <a:ext uri="{0D108BD9-81ED-4DB2-BD59-A6C34878D82A}">
-                    <a16:rowId xmlns:a16="http://schemas.microsoft.com/office/drawing/2014/main" val="3088865900"/>
-                  </a:ext>
-                </a:extLst>
-              </a:tr>
-              <a:tr h="336164">
-                <a:tc>
-                  <a:txBody>
-                    <a:bodyPr/>
-                    <a:lstStyle/>
-                    <a:p>
-                      <a:r>
-                        <a:rPr lang="en-US" dirty="0"/>
-                        <a:t>Field names</a:t>
-                      </a:r>
-                    </a:p>
-                  </a:txBody>
-                  <a:tcPr/>
-                </a:tc>
-                <a:extLst>
-                  <a:ext uri="{0D108BD9-81ED-4DB2-BD59-A6C34878D82A}">
-                    <a16:rowId xmlns:a16="http://schemas.microsoft.com/office/drawing/2014/main" val="4051349719"/>
-                  </a:ext>
-                </a:extLst>
-              </a:tr>
-              <a:tr h="531747">
-                <a:tc>
-                  <a:txBody>
-                    <a:bodyPr/>
-                    <a:lstStyle/>
-                    <a:p>
-                      <a:r>
-                        <a:rPr lang="en-US" dirty="0"/>
-                        <a:t>Method names</a:t>
-                      </a:r>
-                    </a:p>
-                    <a:p>
-                      <a:endParaRPr lang="en-US" dirty="0"/>
-                    </a:p>
-                  </a:txBody>
-                  <a:tcPr/>
-                </a:tc>
-                <a:extLst>
-                  <a:ext uri="{0D108BD9-81ED-4DB2-BD59-A6C34878D82A}">
-                    <a16:rowId xmlns:a16="http://schemas.microsoft.com/office/drawing/2014/main" val="1112117699"/>
-                  </a:ext>
-                </a:extLst>
-              </a:tr>
-            </a:tbl>
-          </a:graphicData>
-        </a:graphic>
-      </p:graphicFrame>
-      <p:cxnSp>
-        <p:nvCxnSpPr>
-          <p:cNvPr id="8" name="Straight Arrow Connector 7"/>
-          <p:cNvCxnSpPr>
-            <a:endCxn id="11" idx="1"/>
-          </p:cNvCxnSpPr>
-          <p:nvPr/>
-        </p:nvCxnSpPr>
-        <p:spPr>
-          <a:xfrm flipV="1">
-            <a:off x="3158836" y="2329800"/>
-            <a:ext cx="1706881" cy="89521"/>
-          </a:xfrm>
-          <a:prstGeom prst="straightConnector1">
-            <a:avLst/>
-          </a:prstGeom>
-          <a:ln w="60325">
-            <a:solidFill>
-              <a:schemeClr val="tx1"/>
-            </a:solidFill>
-            <a:tailEnd type="arrow"/>
-          </a:ln>
-        </p:spPr>
-        <p:style>
-          <a:lnRef idx="1">
-            <a:schemeClr val="accent1"/>
-          </a:lnRef>
-          <a:fillRef idx="0">
-            <a:schemeClr val="accent1"/>
-          </a:fillRef>
-          <a:effectRef idx="0">
-            <a:schemeClr val="accent1"/>
-          </a:effectRef>
-          <a:fontRef idx="minor">
-            <a:schemeClr val="tx1"/>
-          </a:fontRef>
-        </p:style>
-      </p:cxnSp>
-      <p:cxnSp>
-        <p:nvCxnSpPr>
-          <p:cNvPr id="12" name="Straight Arrow Connector 11"/>
-          <p:cNvCxnSpPr/>
-          <p:nvPr/>
-        </p:nvCxnSpPr>
-        <p:spPr>
-          <a:xfrm>
-            <a:off x="3219796" y="5240335"/>
-            <a:ext cx="1706881" cy="0"/>
-          </a:xfrm>
-          <a:prstGeom prst="straightConnector1">
-            <a:avLst/>
-          </a:prstGeom>
-          <a:ln w="60325">
-            <a:solidFill>
-              <a:schemeClr val="tx1"/>
-            </a:solidFill>
-            <a:tailEnd type="arrow"/>
-          </a:ln>
-        </p:spPr>
-        <p:style>
-          <a:lnRef idx="1">
-            <a:schemeClr val="accent1"/>
-          </a:lnRef>
-          <a:fillRef idx="0">
-            <a:schemeClr val="accent1"/>
-          </a:fillRef>
-          <a:effectRef idx="0">
-            <a:schemeClr val="accent1"/>
-          </a:effectRef>
-          <a:fontRef idx="minor">
-            <a:schemeClr val="tx1"/>
-          </a:fontRef>
-        </p:style>
-      </p:cxnSp>
-      <p:sp>
-        <p:nvSpPr>
-          <p:cNvPr id="15" name="TextBox 14"/>
-          <p:cNvSpPr txBox="1"/>
-          <p:nvPr/>
-        </p:nvSpPr>
-        <p:spPr>
-          <a:xfrm>
-            <a:off x="4484716" y="4688378"/>
-            <a:ext cx="381001" cy="769441"/>
-          </a:xfrm>
-          <a:prstGeom prst="rect">
-            <a:avLst/>
-          </a:prstGeom>
-          <a:noFill/>
-        </p:spPr>
-        <p:txBody>
-          <a:bodyPr wrap="square" rtlCol="0">
-            <a:spAutoFit/>
-          </a:bodyPr>
-          <a:lstStyle/>
-          <a:p>
-            <a:r>
-              <a:rPr lang="en-US" sz="4400" dirty="0">
-                <a:latin typeface="Arial Black" panose="020B0A04020102020204" pitchFamily="34" charset="0"/>
-              </a:rPr>
-              <a:t>*</a:t>
-            </a:r>
-            <a:endParaRPr lang="en-US" dirty="0">
-              <a:latin typeface="Arial Black" panose="020B0A04020102020204" pitchFamily="34" charset="0"/>
-            </a:endParaRPr>
-          </a:p>
-        </p:txBody>
-      </p:sp>
-      <p:sp>
-        <p:nvSpPr>
-          <p:cNvPr id="14" name="Rectangle 13"/>
-          <p:cNvSpPr/>
-          <p:nvPr/>
-        </p:nvSpPr>
-        <p:spPr>
-          <a:xfrm>
-            <a:off x="193431" y="6295292"/>
-            <a:ext cx="738554" cy="439616"/>
-          </a:xfrm>
-          <a:prstGeom prst="rect">
-            <a:avLst/>
-          </a:prstGeom>
-        </p:spPr>
-        <p:style>
-          <a:lnRef idx="2">
-            <a:schemeClr val="accent1">
-              <a:shade val="50000"/>
-            </a:schemeClr>
-          </a:lnRef>
-          <a:fillRef idx="1">
-            <a:schemeClr val="accent1"/>
-          </a:fillRef>
-          <a:effectRef idx="0">
-            <a:schemeClr val="accent1"/>
-          </a:effectRef>
-          <a:fontRef idx="minor">
-            <a:schemeClr val="lt1"/>
-          </a:fontRef>
-        </p:style>
-        <p:txBody>
-          <a:bodyPr rtlCol="0" anchor="ctr"/>
-          <a:lstStyle/>
-          <a:p>
-            <a:pPr algn="ctr"/>
-            <a:r>
-              <a:rPr lang="en-US" dirty="0"/>
-              <a:t>1-2</a:t>
-            </a:r>
-          </a:p>
-        </p:txBody>
-      </p:sp>
-      <p:sp>
-        <p:nvSpPr>
-          <p:cNvPr id="17" name="Content Placeholder 2">
-            <a:extLst>
-              <a:ext uri="{FF2B5EF4-FFF2-40B4-BE49-F238E27FC236}">
-                <a16:creationId xmlns:a16="http://schemas.microsoft.com/office/drawing/2014/main" id="{311985E6-7E5A-4061-8E4B-DA3ECC93457B}"/>
-              </a:ext>
-            </a:extLst>
-          </p:cNvPr>
-          <p:cNvSpPr>
-            <a:spLocks noGrp="1"/>
-          </p:cNvSpPr>
-          <p:nvPr>
-            <p:ph idx="1"/>
-          </p:nvPr>
-        </p:nvSpPr>
-        <p:spPr>
-          <a:xfrm>
-            <a:off x="1624921" y="3434988"/>
-            <a:ext cx="5962980" cy="654843"/>
-          </a:xfrm>
-        </p:spPr>
-        <p:txBody>
-          <a:bodyPr>
-            <a:normAutofit fontScale="92500" lnSpcReduction="10000"/>
-          </a:bodyPr>
-          <a:lstStyle/>
-          <a:p>
-            <a:pPr marL="0" indent="0">
-              <a:buNone/>
-            </a:pPr>
-            <a:r>
-              <a:rPr lang="en-US" sz="1800" dirty="0"/>
-              <a:t>This arrow means, </a:t>
-            </a:r>
-            <a:r>
-              <a:rPr lang="en-US" sz="1800" b="1" dirty="0"/>
-              <a:t>Team</a:t>
-            </a:r>
-            <a:r>
-              <a:rPr lang="en-US" sz="1800" dirty="0"/>
-              <a:t> </a:t>
-            </a:r>
-            <a:r>
-              <a:rPr lang="en-US" sz="1800" i="1" dirty="0"/>
-              <a:t>has a field</a:t>
-            </a:r>
-            <a:r>
-              <a:rPr lang="en-US" sz="1800" dirty="0"/>
-              <a:t> of type </a:t>
-            </a:r>
-            <a:r>
-              <a:rPr lang="en-US" sz="1800" b="1" dirty="0"/>
-              <a:t>Student</a:t>
-            </a:r>
-          </a:p>
-          <a:p>
-            <a:pPr marL="0" indent="0">
-              <a:buNone/>
-            </a:pPr>
-            <a:r>
-              <a:rPr lang="en-US" sz="1800" dirty="0"/>
-              <a:t>The * says that field stores 0 to many Student objects</a:t>
-            </a:r>
-          </a:p>
-        </p:txBody>
-      </p:sp>
-      <p:cxnSp>
-        <p:nvCxnSpPr>
-          <p:cNvPr id="19" name="Straight Arrow Connector 18">
-            <a:extLst>
-              <a:ext uri="{FF2B5EF4-FFF2-40B4-BE49-F238E27FC236}">
-                <a16:creationId xmlns:a16="http://schemas.microsoft.com/office/drawing/2014/main" id="{806AB51A-7394-44DD-BE4A-8ACCC155FA6C}"/>
-              </a:ext>
-            </a:extLst>
-          </p:cNvPr>
-          <p:cNvCxnSpPr>
-            <a:cxnSpLocks/>
-          </p:cNvCxnSpPr>
-          <p:nvPr/>
-        </p:nvCxnSpPr>
-        <p:spPr>
-          <a:xfrm flipH="1">
-            <a:off x="3524036" y="3975818"/>
-            <a:ext cx="549200" cy="1097280"/>
-          </a:xfrm>
-          <a:prstGeom prst="straightConnector1">
-            <a:avLst/>
-          </a:prstGeom>
-          <a:ln>
-            <a:solidFill>
-              <a:srgbClr val="FF0000"/>
-            </a:solidFill>
-            <a:headEnd w="lg" len="lg"/>
-            <a:tailEnd type="arrow" w="lg" len="lg"/>
-          </a:ln>
-        </p:spPr>
-        <p:style>
-          <a:lnRef idx="3">
-            <a:schemeClr val="accent1"/>
-          </a:lnRef>
-          <a:fillRef idx="0">
-            <a:schemeClr val="accent1"/>
-          </a:fillRef>
-          <a:effectRef idx="2">
-            <a:schemeClr val="accent1"/>
-          </a:effectRef>
-          <a:fontRef idx="minor">
-            <a:schemeClr val="tx1"/>
-          </a:fontRef>
-        </p:style>
-      </p:cxnSp>
-    </p:spTree>
-    <p:extLst>
-      <p:ext uri="{BB962C8B-B14F-4D97-AF65-F5344CB8AC3E}">
-        <p14:creationId xmlns:p14="http://schemas.microsoft.com/office/powerpoint/2010/main" val="1872861226"/>
       </p:ext>
     </p:extLst>
   </p:cSld>
